--- a/docs/images/Diagrams.pptx
+++ b/docs/images/Diagrams.pptx
@@ -104,6 +104,11 @@
       </a:defRPr>
     </a:lvl9pPr>
   </p:defaultTextStyle>
+  <p:extLst>
+    <p:ext uri="{EFAFB233-063F-42B5-8137-9DF3F51BA10A}">
+      <p15:sldGuideLst xmlns:p15="http://schemas.microsoft.com/office/powerpoint/2012/main"/>
+    </p:ext>
+  </p:extLst>
 </p:presentation>
 </file>
 
@@ -256,7 +261,7 @@
           <a:p>
             <a:fld id="{30A9C857-609A-43FA-83CE-07000BF55DB0}" type="datetimeFigureOut">
               <a:rPr lang="en-GB" smtClean="0"/>
-              <a:t>26/10/2022</a:t>
+              <a:t>27/10/2022</a:t>
             </a:fld>
             <a:endParaRPr lang="en-GB"/>
           </a:p>
@@ -456,7 +461,7 @@
           <a:p>
             <a:fld id="{30A9C857-609A-43FA-83CE-07000BF55DB0}" type="datetimeFigureOut">
               <a:rPr lang="en-GB" smtClean="0"/>
-              <a:t>26/10/2022</a:t>
+              <a:t>27/10/2022</a:t>
             </a:fld>
             <a:endParaRPr lang="en-GB"/>
           </a:p>
@@ -666,7 +671,7 @@
           <a:p>
             <a:fld id="{30A9C857-609A-43FA-83CE-07000BF55DB0}" type="datetimeFigureOut">
               <a:rPr lang="en-GB" smtClean="0"/>
-              <a:t>26/10/2022</a:t>
+              <a:t>27/10/2022</a:t>
             </a:fld>
             <a:endParaRPr lang="en-GB"/>
           </a:p>
@@ -866,7 +871,7 @@
           <a:p>
             <a:fld id="{30A9C857-609A-43FA-83CE-07000BF55DB0}" type="datetimeFigureOut">
               <a:rPr lang="en-GB" smtClean="0"/>
-              <a:t>26/10/2022</a:t>
+              <a:t>27/10/2022</a:t>
             </a:fld>
             <a:endParaRPr lang="en-GB"/>
           </a:p>
@@ -1142,7 +1147,7 @@
           <a:p>
             <a:fld id="{30A9C857-609A-43FA-83CE-07000BF55DB0}" type="datetimeFigureOut">
               <a:rPr lang="en-GB" smtClean="0"/>
-              <a:t>26/10/2022</a:t>
+              <a:t>27/10/2022</a:t>
             </a:fld>
             <a:endParaRPr lang="en-GB"/>
           </a:p>
@@ -1410,7 +1415,7 @@
           <a:p>
             <a:fld id="{30A9C857-609A-43FA-83CE-07000BF55DB0}" type="datetimeFigureOut">
               <a:rPr lang="en-GB" smtClean="0"/>
-              <a:t>26/10/2022</a:t>
+              <a:t>27/10/2022</a:t>
             </a:fld>
             <a:endParaRPr lang="en-GB"/>
           </a:p>
@@ -1825,7 +1830,7 @@
           <a:p>
             <a:fld id="{30A9C857-609A-43FA-83CE-07000BF55DB0}" type="datetimeFigureOut">
               <a:rPr lang="en-GB" smtClean="0"/>
-              <a:t>26/10/2022</a:t>
+              <a:t>27/10/2022</a:t>
             </a:fld>
             <a:endParaRPr lang="en-GB"/>
           </a:p>
@@ -1967,7 +1972,7 @@
           <a:p>
             <a:fld id="{30A9C857-609A-43FA-83CE-07000BF55DB0}" type="datetimeFigureOut">
               <a:rPr lang="en-GB" smtClean="0"/>
-              <a:t>26/10/2022</a:t>
+              <a:t>27/10/2022</a:t>
             </a:fld>
             <a:endParaRPr lang="en-GB"/>
           </a:p>
@@ -2080,7 +2085,7 @@
           <a:p>
             <a:fld id="{30A9C857-609A-43FA-83CE-07000BF55DB0}" type="datetimeFigureOut">
               <a:rPr lang="en-GB" smtClean="0"/>
-              <a:t>26/10/2022</a:t>
+              <a:t>27/10/2022</a:t>
             </a:fld>
             <a:endParaRPr lang="en-GB"/>
           </a:p>
@@ -2393,7 +2398,7 @@
           <a:p>
             <a:fld id="{30A9C857-609A-43FA-83CE-07000BF55DB0}" type="datetimeFigureOut">
               <a:rPr lang="en-GB" smtClean="0"/>
-              <a:t>26/10/2022</a:t>
+              <a:t>27/10/2022</a:t>
             </a:fld>
             <a:endParaRPr lang="en-GB"/>
           </a:p>
@@ -2682,7 +2687,7 @@
           <a:p>
             <a:fld id="{30A9C857-609A-43FA-83CE-07000BF55DB0}" type="datetimeFigureOut">
               <a:rPr lang="en-GB" smtClean="0"/>
-              <a:t>26/10/2022</a:t>
+              <a:t>27/10/2022</a:t>
             </a:fld>
             <a:endParaRPr lang="en-GB"/>
           </a:p>
@@ -2925,7 +2930,7 @@
           <a:p>
             <a:fld id="{30A9C857-609A-43FA-83CE-07000BF55DB0}" type="datetimeFigureOut">
               <a:rPr lang="en-GB" smtClean="0"/>
-              <a:t>26/10/2022</a:t>
+              <a:t>27/10/2022</a:t>
             </a:fld>
             <a:endParaRPr lang="en-GB"/>
           </a:p>
@@ -3414,6 +3419,13 @@
           <a:prstGeom prst="rect">
             <a:avLst/>
           </a:prstGeom>
+          <a:effectLst>
+            <a:outerShdw blurRad="50800" dist="38100" dir="2700000" algn="tl" rotWithShape="0">
+              <a:prstClr val="black">
+                <a:alpha val="40000"/>
+              </a:prstClr>
+            </a:outerShdw>
+          </a:effectLst>
         </p:spPr>
         <p:style>
           <a:lnRef idx="2">
@@ -3646,6 +3658,13 @@
           <a:prstGeom prst="line">
             <a:avLst/>
           </a:prstGeom>
+          <a:effectLst>
+            <a:outerShdw blurRad="50800" dist="38100" dir="2700000" algn="tl" rotWithShape="0">
+              <a:prstClr val="black">
+                <a:alpha val="40000"/>
+              </a:prstClr>
+            </a:outerShdw>
+          </a:effectLst>
         </p:spPr>
         <p:style>
           <a:lnRef idx="3">
@@ -3682,6 +3701,13 @@
           <a:prstGeom prst="line">
             <a:avLst/>
           </a:prstGeom>
+          <a:effectLst>
+            <a:outerShdw blurRad="50800" dist="38100" dir="2700000" algn="tl" rotWithShape="0">
+              <a:prstClr val="black">
+                <a:alpha val="40000"/>
+              </a:prstClr>
+            </a:outerShdw>
+          </a:effectLst>
         </p:spPr>
         <p:style>
           <a:lnRef idx="3">
@@ -3718,6 +3744,13 @@
           <a:prstGeom prst="line">
             <a:avLst/>
           </a:prstGeom>
+          <a:effectLst>
+            <a:outerShdw blurRad="50800" dist="38100" dir="2700000" algn="tl" rotWithShape="0">
+              <a:prstClr val="black">
+                <a:alpha val="40000"/>
+              </a:prstClr>
+            </a:outerShdw>
+          </a:effectLst>
         </p:spPr>
         <p:style>
           <a:lnRef idx="3">
@@ -3754,6 +3787,13 @@
           <a:prstGeom prst="line">
             <a:avLst/>
           </a:prstGeom>
+          <a:effectLst>
+            <a:outerShdw blurRad="50800" dist="38100" dir="2700000" algn="tl" rotWithShape="0">
+              <a:prstClr val="black">
+                <a:alpha val="40000"/>
+              </a:prstClr>
+            </a:outerShdw>
+          </a:effectLst>
         </p:spPr>
         <p:style>
           <a:lnRef idx="3">
@@ -3790,6 +3830,13 @@
           <a:prstGeom prst="line">
             <a:avLst/>
           </a:prstGeom>
+          <a:effectLst>
+            <a:outerShdw blurRad="50800" dist="38100" dir="2700000" algn="tl" rotWithShape="0">
+              <a:prstClr val="black">
+                <a:alpha val="40000"/>
+              </a:prstClr>
+            </a:outerShdw>
+          </a:effectLst>
         </p:spPr>
         <p:style>
           <a:lnRef idx="3">

--- a/docs/images/Diagrams.pptx
+++ b/docs/images/Diagrams.pptx
@@ -6,6 +6,7 @@
   </p:sldMasterIdLst>
   <p:sldIdLst>
     <p:sldId id="256" r:id="rId2"/>
+    <p:sldId id="257" r:id="rId3"/>
   </p:sldIdLst>
   <p:sldSz cx="12192000" cy="6858000"/>
   <p:notesSz cx="6858000" cy="9144000"/>
@@ -261,7 +262,7 @@
           <a:p>
             <a:fld id="{30A9C857-609A-43FA-83CE-07000BF55DB0}" type="datetimeFigureOut">
               <a:rPr lang="en-GB" smtClean="0"/>
-              <a:t>27/10/2022</a:t>
+              <a:t>30/10/2022</a:t>
             </a:fld>
             <a:endParaRPr lang="en-GB"/>
           </a:p>
@@ -461,7 +462,7 @@
           <a:p>
             <a:fld id="{30A9C857-609A-43FA-83CE-07000BF55DB0}" type="datetimeFigureOut">
               <a:rPr lang="en-GB" smtClean="0"/>
-              <a:t>27/10/2022</a:t>
+              <a:t>30/10/2022</a:t>
             </a:fld>
             <a:endParaRPr lang="en-GB"/>
           </a:p>
@@ -671,7 +672,7 @@
           <a:p>
             <a:fld id="{30A9C857-609A-43FA-83CE-07000BF55DB0}" type="datetimeFigureOut">
               <a:rPr lang="en-GB" smtClean="0"/>
-              <a:t>27/10/2022</a:t>
+              <a:t>30/10/2022</a:t>
             </a:fld>
             <a:endParaRPr lang="en-GB"/>
           </a:p>
@@ -871,7 +872,7 @@
           <a:p>
             <a:fld id="{30A9C857-609A-43FA-83CE-07000BF55DB0}" type="datetimeFigureOut">
               <a:rPr lang="en-GB" smtClean="0"/>
-              <a:t>27/10/2022</a:t>
+              <a:t>30/10/2022</a:t>
             </a:fld>
             <a:endParaRPr lang="en-GB"/>
           </a:p>
@@ -1147,7 +1148,7 @@
           <a:p>
             <a:fld id="{30A9C857-609A-43FA-83CE-07000BF55DB0}" type="datetimeFigureOut">
               <a:rPr lang="en-GB" smtClean="0"/>
-              <a:t>27/10/2022</a:t>
+              <a:t>30/10/2022</a:t>
             </a:fld>
             <a:endParaRPr lang="en-GB"/>
           </a:p>
@@ -1415,7 +1416,7 @@
           <a:p>
             <a:fld id="{30A9C857-609A-43FA-83CE-07000BF55DB0}" type="datetimeFigureOut">
               <a:rPr lang="en-GB" smtClean="0"/>
-              <a:t>27/10/2022</a:t>
+              <a:t>30/10/2022</a:t>
             </a:fld>
             <a:endParaRPr lang="en-GB"/>
           </a:p>
@@ -1830,7 +1831,7 @@
           <a:p>
             <a:fld id="{30A9C857-609A-43FA-83CE-07000BF55DB0}" type="datetimeFigureOut">
               <a:rPr lang="en-GB" smtClean="0"/>
-              <a:t>27/10/2022</a:t>
+              <a:t>30/10/2022</a:t>
             </a:fld>
             <a:endParaRPr lang="en-GB"/>
           </a:p>
@@ -1972,7 +1973,7 @@
           <a:p>
             <a:fld id="{30A9C857-609A-43FA-83CE-07000BF55DB0}" type="datetimeFigureOut">
               <a:rPr lang="en-GB" smtClean="0"/>
-              <a:t>27/10/2022</a:t>
+              <a:t>30/10/2022</a:t>
             </a:fld>
             <a:endParaRPr lang="en-GB"/>
           </a:p>
@@ -2085,7 +2086,7 @@
           <a:p>
             <a:fld id="{30A9C857-609A-43FA-83CE-07000BF55DB0}" type="datetimeFigureOut">
               <a:rPr lang="en-GB" smtClean="0"/>
-              <a:t>27/10/2022</a:t>
+              <a:t>30/10/2022</a:t>
             </a:fld>
             <a:endParaRPr lang="en-GB"/>
           </a:p>
@@ -2398,7 +2399,7 @@
           <a:p>
             <a:fld id="{30A9C857-609A-43FA-83CE-07000BF55DB0}" type="datetimeFigureOut">
               <a:rPr lang="en-GB" smtClean="0"/>
-              <a:t>27/10/2022</a:t>
+              <a:t>30/10/2022</a:t>
             </a:fld>
             <a:endParaRPr lang="en-GB"/>
           </a:p>
@@ -2687,7 +2688,7 @@
           <a:p>
             <a:fld id="{30A9C857-609A-43FA-83CE-07000BF55DB0}" type="datetimeFigureOut">
               <a:rPr lang="en-GB" smtClean="0"/>
-              <a:t>27/10/2022</a:t>
+              <a:t>30/10/2022</a:t>
             </a:fld>
             <a:endParaRPr lang="en-GB"/>
           </a:p>
@@ -2930,7 +2931,7 @@
           <a:p>
             <a:fld id="{30A9C857-609A-43FA-83CE-07000BF55DB0}" type="datetimeFigureOut">
               <a:rPr lang="en-GB" smtClean="0"/>
-              <a:t>27/10/2022</a:t>
+              <a:t>30/10/2022</a:t>
             </a:fld>
             <a:endParaRPr lang="en-GB"/>
           </a:p>
@@ -3866,6 +3867,2469 @@
 </p:sld>
 </file>
 
+<file path=ppt/slides/slide2.xml><?xml version="1.0" encoding="utf-8"?>
+<p:sld xmlns:a="http://schemas.openxmlformats.org/drawingml/2006/main" xmlns:r="http://schemas.openxmlformats.org/officeDocument/2006/relationships" xmlns:p="http://schemas.openxmlformats.org/presentationml/2006/main">
+  <p:cSld>
+    <p:spTree>
+      <p:nvGrpSpPr>
+        <p:cNvPr id="1" name=""/>
+        <p:cNvGrpSpPr/>
+        <p:nvPr/>
+      </p:nvGrpSpPr>
+      <p:grpSpPr>
+        <a:xfrm>
+          <a:off x="0" y="0"/>
+          <a:ext cx="0" cy="0"/>
+          <a:chOff x="0" y="0"/>
+          <a:chExt cx="0" cy="0"/>
+        </a:xfrm>
+      </p:grpSpPr>
+      <p:sp>
+        <p:nvSpPr>
+          <p:cNvPr id="34" name="Rectangle 33">
+            <a:extLst>
+              <a:ext uri="{FF2B5EF4-FFF2-40B4-BE49-F238E27FC236}">
+                <a16:creationId xmlns:a16="http://schemas.microsoft.com/office/drawing/2014/main" id="{C53D4E9E-AD94-4539-9A8E-B0AD1A5EBEBD}"/>
+              </a:ext>
+            </a:extLst>
+          </p:cNvPr>
+          <p:cNvSpPr/>
+          <p:nvPr/>
+        </p:nvSpPr>
+        <p:spPr>
+          <a:xfrm>
+            <a:off x="2334383" y="2104284"/>
+            <a:ext cx="3272667" cy="1229466"/>
+          </a:xfrm>
+          <a:prstGeom prst="rect">
+            <a:avLst/>
+          </a:prstGeom>
+          <a:ln>
+            <a:noFill/>
+          </a:ln>
+        </p:spPr>
+        <p:style>
+          <a:lnRef idx="2">
+            <a:schemeClr val="dk1"/>
+          </a:lnRef>
+          <a:fillRef idx="1">
+            <a:schemeClr val="lt1"/>
+          </a:fillRef>
+          <a:effectRef idx="0">
+            <a:schemeClr val="dk1"/>
+          </a:effectRef>
+          <a:fontRef idx="minor">
+            <a:schemeClr val="dk1"/>
+          </a:fontRef>
+        </p:style>
+        <p:txBody>
+          <a:bodyPr rtlCol="0" anchor="ctr"/>
+          <a:lstStyle/>
+          <a:p>
+            <a:pPr algn="ctr"/>
+            <a:endParaRPr lang="en-GB"/>
+          </a:p>
+        </p:txBody>
+      </p:sp>
+      <p:sp>
+        <p:nvSpPr>
+          <p:cNvPr id="33" name="Rectangle 32">
+            <a:extLst>
+              <a:ext uri="{FF2B5EF4-FFF2-40B4-BE49-F238E27FC236}">
+                <a16:creationId xmlns:a16="http://schemas.microsoft.com/office/drawing/2014/main" id="{E8D95E26-1423-4CB9-F024-DABD11AF29DA}"/>
+              </a:ext>
+            </a:extLst>
+          </p:cNvPr>
+          <p:cNvSpPr/>
+          <p:nvPr/>
+        </p:nvSpPr>
+        <p:spPr>
+          <a:xfrm>
+            <a:off x="2209800" y="457200"/>
+            <a:ext cx="2538867" cy="1168396"/>
+          </a:xfrm>
+          <a:prstGeom prst="rect">
+            <a:avLst/>
+          </a:prstGeom>
+          <a:ln>
+            <a:noFill/>
+          </a:ln>
+        </p:spPr>
+        <p:style>
+          <a:lnRef idx="2">
+            <a:schemeClr val="dk1"/>
+          </a:lnRef>
+          <a:fillRef idx="1">
+            <a:schemeClr val="lt1"/>
+          </a:fillRef>
+          <a:effectRef idx="0">
+            <a:schemeClr val="dk1"/>
+          </a:effectRef>
+          <a:fontRef idx="minor">
+            <a:schemeClr val="dk1"/>
+          </a:fontRef>
+        </p:style>
+        <p:txBody>
+          <a:bodyPr rtlCol="0" anchor="ctr"/>
+          <a:lstStyle/>
+          <a:p>
+            <a:pPr algn="ctr"/>
+            <a:endParaRPr lang="en-GB"/>
+          </a:p>
+        </p:txBody>
+      </p:sp>
+      <p:cxnSp>
+        <p:nvCxnSpPr>
+          <p:cNvPr id="31" name="Straight Connector 30">
+            <a:extLst>
+              <a:ext uri="{FF2B5EF4-FFF2-40B4-BE49-F238E27FC236}">
+                <a16:creationId xmlns:a16="http://schemas.microsoft.com/office/drawing/2014/main" id="{2715F722-0695-DDC1-EA69-EF2357BA2317}"/>
+              </a:ext>
+            </a:extLst>
+          </p:cNvPr>
+          <p:cNvCxnSpPr>
+            <a:cxnSpLocks/>
+          </p:cNvCxnSpPr>
+          <p:nvPr/>
+        </p:nvCxnSpPr>
+        <p:spPr>
+          <a:xfrm>
+            <a:off x="2401625" y="2381094"/>
+            <a:ext cx="635162" cy="0"/>
+          </a:xfrm>
+          <a:prstGeom prst="line">
+            <a:avLst/>
+          </a:prstGeom>
+          <a:ln>
+            <a:solidFill>
+              <a:schemeClr val="tx1"/>
+            </a:solidFill>
+          </a:ln>
+        </p:spPr>
+        <p:style>
+          <a:lnRef idx="1">
+            <a:schemeClr val="accent1"/>
+          </a:lnRef>
+          <a:fillRef idx="0">
+            <a:schemeClr val="accent1"/>
+          </a:fillRef>
+          <a:effectRef idx="0">
+            <a:schemeClr val="accent1"/>
+          </a:effectRef>
+          <a:fontRef idx="minor">
+            <a:schemeClr val="tx1"/>
+          </a:fontRef>
+        </p:style>
+      </p:cxnSp>
+      <p:cxnSp>
+        <p:nvCxnSpPr>
+          <p:cNvPr id="32" name="Straight Connector 31">
+            <a:extLst>
+              <a:ext uri="{FF2B5EF4-FFF2-40B4-BE49-F238E27FC236}">
+                <a16:creationId xmlns:a16="http://schemas.microsoft.com/office/drawing/2014/main" id="{10A51054-B98D-1142-4B7A-9847D56E9235}"/>
+              </a:ext>
+            </a:extLst>
+          </p:cNvPr>
+          <p:cNvCxnSpPr>
+            <a:cxnSpLocks/>
+          </p:cNvCxnSpPr>
+          <p:nvPr/>
+        </p:nvCxnSpPr>
+        <p:spPr>
+          <a:xfrm>
+            <a:off x="2401625" y="2778225"/>
+            <a:ext cx="635162" cy="0"/>
+          </a:xfrm>
+          <a:prstGeom prst="line">
+            <a:avLst/>
+          </a:prstGeom>
+          <a:ln>
+            <a:solidFill>
+              <a:schemeClr val="tx1"/>
+            </a:solidFill>
+          </a:ln>
+        </p:spPr>
+        <p:style>
+          <a:lnRef idx="1">
+            <a:schemeClr val="accent1"/>
+          </a:lnRef>
+          <a:fillRef idx="0">
+            <a:schemeClr val="accent1"/>
+          </a:fillRef>
+          <a:effectRef idx="0">
+            <a:schemeClr val="accent1"/>
+          </a:effectRef>
+          <a:fontRef idx="minor">
+            <a:schemeClr val="tx1"/>
+          </a:fontRef>
+        </p:style>
+      </p:cxnSp>
+      <p:cxnSp>
+        <p:nvCxnSpPr>
+          <p:cNvPr id="29" name="Straight Connector 28">
+            <a:extLst>
+              <a:ext uri="{FF2B5EF4-FFF2-40B4-BE49-F238E27FC236}">
+                <a16:creationId xmlns:a16="http://schemas.microsoft.com/office/drawing/2014/main" id="{99DF5D9B-FE36-6789-3B81-D1C450429221}"/>
+              </a:ext>
+            </a:extLst>
+          </p:cNvPr>
+          <p:cNvCxnSpPr>
+            <a:cxnSpLocks/>
+          </p:cNvCxnSpPr>
+          <p:nvPr/>
+        </p:nvCxnSpPr>
+        <p:spPr>
+          <a:xfrm>
+            <a:off x="2401625" y="835218"/>
+            <a:ext cx="635162" cy="0"/>
+          </a:xfrm>
+          <a:prstGeom prst="line">
+            <a:avLst/>
+          </a:prstGeom>
+          <a:ln>
+            <a:solidFill>
+              <a:schemeClr val="tx1"/>
+            </a:solidFill>
+          </a:ln>
+        </p:spPr>
+        <p:style>
+          <a:lnRef idx="1">
+            <a:schemeClr val="accent1"/>
+          </a:lnRef>
+          <a:fillRef idx="0">
+            <a:schemeClr val="accent1"/>
+          </a:fillRef>
+          <a:effectRef idx="0">
+            <a:schemeClr val="accent1"/>
+          </a:effectRef>
+          <a:fontRef idx="minor">
+            <a:schemeClr val="tx1"/>
+          </a:fontRef>
+        </p:style>
+      </p:cxnSp>
+      <p:cxnSp>
+        <p:nvCxnSpPr>
+          <p:cNvPr id="30" name="Straight Connector 29">
+            <a:extLst>
+              <a:ext uri="{FF2B5EF4-FFF2-40B4-BE49-F238E27FC236}">
+                <a16:creationId xmlns:a16="http://schemas.microsoft.com/office/drawing/2014/main" id="{2D946329-3170-AD4A-6BD8-943D494E7322}"/>
+              </a:ext>
+            </a:extLst>
+          </p:cNvPr>
+          <p:cNvCxnSpPr>
+            <a:cxnSpLocks/>
+          </p:cNvCxnSpPr>
+          <p:nvPr/>
+        </p:nvCxnSpPr>
+        <p:spPr>
+          <a:xfrm>
+            <a:off x="2401625" y="1232349"/>
+            <a:ext cx="635162" cy="0"/>
+          </a:xfrm>
+          <a:prstGeom prst="line">
+            <a:avLst/>
+          </a:prstGeom>
+          <a:ln>
+            <a:solidFill>
+              <a:schemeClr val="tx1"/>
+            </a:solidFill>
+          </a:ln>
+        </p:spPr>
+        <p:style>
+          <a:lnRef idx="1">
+            <a:schemeClr val="accent1"/>
+          </a:lnRef>
+          <a:fillRef idx="0">
+            <a:schemeClr val="accent1"/>
+          </a:fillRef>
+          <a:effectRef idx="0">
+            <a:schemeClr val="accent1"/>
+          </a:effectRef>
+          <a:fontRef idx="minor">
+            <a:schemeClr val="tx1"/>
+          </a:fontRef>
+        </p:style>
+      </p:cxnSp>
+      <p:sp>
+        <p:nvSpPr>
+          <p:cNvPr id="3" name="Rectangle 2">
+            <a:extLst>
+              <a:ext uri="{FF2B5EF4-FFF2-40B4-BE49-F238E27FC236}">
+                <a16:creationId xmlns:a16="http://schemas.microsoft.com/office/drawing/2014/main" id="{D09E4B4B-27C4-F58D-81CD-819A06328FB8}"/>
+              </a:ext>
+            </a:extLst>
+          </p:cNvPr>
+          <p:cNvSpPr/>
+          <p:nvPr/>
+        </p:nvSpPr>
+        <p:spPr>
+          <a:xfrm>
+            <a:off x="4636329" y="2464383"/>
+            <a:ext cx="581416" cy="756261"/>
+          </a:xfrm>
+          <a:prstGeom prst="rect">
+            <a:avLst/>
+          </a:prstGeom>
+          <a:solidFill>
+            <a:schemeClr val="bg1"/>
+          </a:solidFill>
+          <a:ln>
+            <a:solidFill>
+              <a:schemeClr val="tx1"/>
+            </a:solidFill>
+          </a:ln>
+          <a:effectLst>
+            <a:outerShdw blurRad="50800" dist="38100" dir="2700000" algn="tl" rotWithShape="0">
+              <a:prstClr val="black">
+                <a:alpha val="40000"/>
+              </a:prstClr>
+            </a:outerShdw>
+          </a:effectLst>
+        </p:spPr>
+        <p:style>
+          <a:lnRef idx="2">
+            <a:schemeClr val="accent1">
+              <a:shade val="50000"/>
+            </a:schemeClr>
+          </a:lnRef>
+          <a:fillRef idx="1">
+            <a:schemeClr val="accent1"/>
+          </a:fillRef>
+          <a:effectRef idx="0">
+            <a:schemeClr val="accent1"/>
+          </a:effectRef>
+          <a:fontRef idx="minor">
+            <a:schemeClr val="lt1"/>
+          </a:fontRef>
+        </p:style>
+        <p:txBody>
+          <a:bodyPr rtlCol="0" anchor="ctr"/>
+          <a:lstStyle/>
+          <a:p>
+            <a:pPr algn="ctr"/>
+            <a:endParaRPr lang="en-GB">
+              <a:solidFill>
+                <a:schemeClr val="tx1"/>
+              </a:solidFill>
+            </a:endParaRPr>
+          </a:p>
+        </p:txBody>
+      </p:sp>
+      <p:grpSp>
+        <p:nvGrpSpPr>
+          <p:cNvPr id="4" name="Group 3">
+            <a:extLst>
+              <a:ext uri="{FF2B5EF4-FFF2-40B4-BE49-F238E27FC236}">
+                <a16:creationId xmlns:a16="http://schemas.microsoft.com/office/drawing/2014/main" id="{E78F8A5B-4096-E4B9-314C-4BFC594EFB81}"/>
+              </a:ext>
+            </a:extLst>
+          </p:cNvPr>
+          <p:cNvGrpSpPr/>
+          <p:nvPr/>
+        </p:nvGrpSpPr>
+        <p:grpSpPr>
+          <a:xfrm>
+            <a:off x="4630637" y="2930465"/>
+            <a:ext cx="118030" cy="208875"/>
+            <a:chOff x="8388570" y="2302315"/>
+            <a:chExt cx="61130" cy="108180"/>
+          </a:xfrm>
+        </p:grpSpPr>
+        <p:cxnSp>
+          <p:nvCxnSpPr>
+            <p:cNvPr id="5" name="Straight Connector 4">
+              <a:extLst>
+                <a:ext uri="{FF2B5EF4-FFF2-40B4-BE49-F238E27FC236}">
+                  <a16:creationId xmlns:a16="http://schemas.microsoft.com/office/drawing/2014/main" id="{5104CB5A-1E3A-847B-9230-498C09FC70F4}"/>
+                </a:ext>
+              </a:extLst>
+            </p:cNvPr>
+            <p:cNvCxnSpPr>
+              <a:cxnSpLocks/>
+            </p:cNvCxnSpPr>
+            <p:nvPr/>
+          </p:nvCxnSpPr>
+          <p:spPr>
+            <a:xfrm>
+              <a:off x="8391518" y="2302315"/>
+              <a:ext cx="58182" cy="56934"/>
+            </a:xfrm>
+            <a:prstGeom prst="line">
+              <a:avLst/>
+            </a:prstGeom>
+            <a:ln>
+              <a:solidFill>
+                <a:schemeClr val="tx1"/>
+              </a:solidFill>
+            </a:ln>
+          </p:spPr>
+          <p:style>
+            <a:lnRef idx="1">
+              <a:schemeClr val="accent1"/>
+            </a:lnRef>
+            <a:fillRef idx="0">
+              <a:schemeClr val="accent1"/>
+            </a:fillRef>
+            <a:effectRef idx="0">
+              <a:schemeClr val="accent1"/>
+            </a:effectRef>
+            <a:fontRef idx="minor">
+              <a:schemeClr val="tx1"/>
+            </a:fontRef>
+          </p:style>
+        </p:cxnSp>
+        <p:cxnSp>
+          <p:nvCxnSpPr>
+            <p:cNvPr id="6" name="Straight Connector 5">
+              <a:extLst>
+                <a:ext uri="{FF2B5EF4-FFF2-40B4-BE49-F238E27FC236}">
+                  <a16:creationId xmlns:a16="http://schemas.microsoft.com/office/drawing/2014/main" id="{34C0A35F-B90A-FB6F-7A1E-CC1910B9652F}"/>
+                </a:ext>
+              </a:extLst>
+            </p:cNvPr>
+            <p:cNvCxnSpPr>
+              <a:cxnSpLocks/>
+            </p:cNvCxnSpPr>
+            <p:nvPr/>
+          </p:nvCxnSpPr>
+          <p:spPr>
+            <a:xfrm flipV="1">
+              <a:off x="8388570" y="2359249"/>
+              <a:ext cx="61130" cy="51246"/>
+            </a:xfrm>
+            <a:prstGeom prst="line">
+              <a:avLst/>
+            </a:prstGeom>
+            <a:ln>
+              <a:solidFill>
+                <a:schemeClr val="tx1"/>
+              </a:solidFill>
+            </a:ln>
+          </p:spPr>
+          <p:style>
+            <a:lnRef idx="1">
+              <a:schemeClr val="accent1"/>
+            </a:lnRef>
+            <a:fillRef idx="0">
+              <a:schemeClr val="accent1"/>
+            </a:fillRef>
+            <a:effectRef idx="0">
+              <a:schemeClr val="accent1"/>
+            </a:effectRef>
+            <a:fontRef idx="minor">
+              <a:schemeClr val="tx1"/>
+            </a:fontRef>
+          </p:style>
+        </p:cxnSp>
+      </p:grpSp>
+      <p:sp>
+        <p:nvSpPr>
+          <p:cNvPr id="7" name="TextBox 6">
+            <a:extLst>
+              <a:ext uri="{FF2B5EF4-FFF2-40B4-BE49-F238E27FC236}">
+                <a16:creationId xmlns:a16="http://schemas.microsoft.com/office/drawing/2014/main" id="{D2400738-2700-30FD-5C24-681EE9D716D7}"/>
+              </a:ext>
+            </a:extLst>
+          </p:cNvPr>
+          <p:cNvSpPr txBox="1"/>
+          <p:nvPr/>
+        </p:nvSpPr>
+        <p:spPr>
+          <a:xfrm>
+            <a:off x="4601579" y="2408444"/>
+            <a:ext cx="327334" cy="369332"/>
+          </a:xfrm>
+          <a:prstGeom prst="rect">
+            <a:avLst/>
+          </a:prstGeom>
+          <a:noFill/>
+        </p:spPr>
+        <p:txBody>
+          <a:bodyPr wrap="none" rtlCol="0">
+            <a:spAutoFit/>
+          </a:bodyPr>
+          <a:lstStyle/>
+          <a:p>
+            <a:r>
+              <a:rPr lang="en-GB" dirty="0"/>
+              <a:t>D</a:t>
+            </a:r>
+          </a:p>
+        </p:txBody>
+      </p:sp>
+      <p:sp>
+        <p:nvSpPr>
+          <p:cNvPr id="8" name="TextBox 7">
+            <a:extLst>
+              <a:ext uri="{FF2B5EF4-FFF2-40B4-BE49-F238E27FC236}">
+                <a16:creationId xmlns:a16="http://schemas.microsoft.com/office/drawing/2014/main" id="{3A848FD5-A2F9-B03B-1178-A44883673F8A}"/>
+              </a:ext>
+            </a:extLst>
+          </p:cNvPr>
+          <p:cNvSpPr txBox="1"/>
+          <p:nvPr/>
+        </p:nvSpPr>
+        <p:spPr>
+          <a:xfrm>
+            <a:off x="4912334" y="2408444"/>
+            <a:ext cx="340158" cy="369332"/>
+          </a:xfrm>
+          <a:prstGeom prst="rect">
+            <a:avLst/>
+          </a:prstGeom>
+          <a:noFill/>
+        </p:spPr>
+        <p:txBody>
+          <a:bodyPr wrap="none" rtlCol="0">
+            <a:spAutoFit/>
+          </a:bodyPr>
+          <a:lstStyle/>
+          <a:p>
+            <a:r>
+              <a:rPr lang="en-GB" dirty="0"/>
+              <a:t>Q</a:t>
+            </a:r>
+          </a:p>
+        </p:txBody>
+      </p:sp>
+      <p:cxnSp>
+        <p:nvCxnSpPr>
+          <p:cNvPr id="9" name="Straight Connector 8">
+            <a:extLst>
+              <a:ext uri="{FF2B5EF4-FFF2-40B4-BE49-F238E27FC236}">
+                <a16:creationId xmlns:a16="http://schemas.microsoft.com/office/drawing/2014/main" id="{520705CE-81E6-6AD9-D752-E340A070334E}"/>
+              </a:ext>
+            </a:extLst>
+          </p:cNvPr>
+          <p:cNvCxnSpPr>
+            <a:cxnSpLocks/>
+          </p:cNvCxnSpPr>
+          <p:nvPr/>
+        </p:nvCxnSpPr>
+        <p:spPr>
+          <a:xfrm>
+            <a:off x="5217746" y="2598868"/>
+            <a:ext cx="331620" cy="0"/>
+          </a:xfrm>
+          <a:prstGeom prst="line">
+            <a:avLst/>
+          </a:prstGeom>
+          <a:ln>
+            <a:solidFill>
+              <a:schemeClr val="tx1"/>
+            </a:solidFill>
+          </a:ln>
+        </p:spPr>
+        <p:style>
+          <a:lnRef idx="1">
+            <a:schemeClr val="accent1"/>
+          </a:lnRef>
+          <a:fillRef idx="0">
+            <a:schemeClr val="accent1"/>
+          </a:fillRef>
+          <a:effectRef idx="0">
+            <a:schemeClr val="accent1"/>
+          </a:effectRef>
+          <a:fontRef idx="minor">
+            <a:schemeClr val="tx1"/>
+          </a:fontRef>
+        </p:style>
+      </p:cxnSp>
+      <p:cxnSp>
+        <p:nvCxnSpPr>
+          <p:cNvPr id="10" name="Straight Connector 9">
+            <a:extLst>
+              <a:ext uri="{FF2B5EF4-FFF2-40B4-BE49-F238E27FC236}">
+                <a16:creationId xmlns:a16="http://schemas.microsoft.com/office/drawing/2014/main" id="{9926925D-EEA3-76E6-ED73-23A06632534C}"/>
+              </a:ext>
+            </a:extLst>
+          </p:cNvPr>
+          <p:cNvCxnSpPr>
+            <a:cxnSpLocks/>
+          </p:cNvCxnSpPr>
+          <p:nvPr/>
+        </p:nvCxnSpPr>
+        <p:spPr>
+          <a:xfrm>
+            <a:off x="4431874" y="3034902"/>
+            <a:ext cx="198763" cy="0"/>
+          </a:xfrm>
+          <a:prstGeom prst="line">
+            <a:avLst/>
+          </a:prstGeom>
+          <a:ln>
+            <a:solidFill>
+              <a:schemeClr val="tx1"/>
+            </a:solidFill>
+          </a:ln>
+        </p:spPr>
+        <p:style>
+          <a:lnRef idx="1">
+            <a:schemeClr val="accent1"/>
+          </a:lnRef>
+          <a:fillRef idx="0">
+            <a:schemeClr val="accent1"/>
+          </a:fillRef>
+          <a:effectRef idx="0">
+            <a:schemeClr val="accent1"/>
+          </a:effectRef>
+          <a:fontRef idx="minor">
+            <a:schemeClr val="tx1"/>
+          </a:fontRef>
+        </p:style>
+      </p:cxnSp>
+      <p:sp>
+        <p:nvSpPr>
+          <p:cNvPr id="11" name="TextBox 10">
+            <a:extLst>
+              <a:ext uri="{FF2B5EF4-FFF2-40B4-BE49-F238E27FC236}">
+                <a16:creationId xmlns:a16="http://schemas.microsoft.com/office/drawing/2014/main" id="{61567D50-AF9F-4353-07E5-907529BD44F3}"/>
+              </a:ext>
+            </a:extLst>
+          </p:cNvPr>
+          <p:cNvSpPr txBox="1"/>
+          <p:nvPr/>
+        </p:nvSpPr>
+        <p:spPr>
+          <a:xfrm>
+            <a:off x="4601579" y="2627820"/>
+            <a:ext cx="420308" cy="369332"/>
+          </a:xfrm>
+          <a:prstGeom prst="rect">
+            <a:avLst/>
+          </a:prstGeom>
+          <a:noFill/>
+        </p:spPr>
+        <p:txBody>
+          <a:bodyPr wrap="none" rtlCol="0">
+            <a:spAutoFit/>
+          </a:bodyPr>
+          <a:lstStyle/>
+          <a:p>
+            <a:r>
+              <a:rPr lang="en-GB" dirty="0"/>
+              <a:t>CE</a:t>
+            </a:r>
+          </a:p>
+        </p:txBody>
+      </p:sp>
+      <p:cxnSp>
+        <p:nvCxnSpPr>
+          <p:cNvPr id="14" name="Straight Connector 13">
+            <a:extLst>
+              <a:ext uri="{FF2B5EF4-FFF2-40B4-BE49-F238E27FC236}">
+                <a16:creationId xmlns:a16="http://schemas.microsoft.com/office/drawing/2014/main" id="{F53D866C-AD8E-C87A-22F2-C5F50A94E108}"/>
+              </a:ext>
+            </a:extLst>
+          </p:cNvPr>
+          <p:cNvCxnSpPr>
+            <a:cxnSpLocks/>
+          </p:cNvCxnSpPr>
+          <p:nvPr/>
+        </p:nvCxnSpPr>
+        <p:spPr>
+          <a:xfrm>
+            <a:off x="3644900" y="2616142"/>
+            <a:ext cx="985737" cy="0"/>
+          </a:xfrm>
+          <a:prstGeom prst="line">
+            <a:avLst/>
+          </a:prstGeom>
+          <a:ln>
+            <a:solidFill>
+              <a:schemeClr val="tx1"/>
+            </a:solidFill>
+          </a:ln>
+        </p:spPr>
+        <p:style>
+          <a:lnRef idx="1">
+            <a:schemeClr val="accent1"/>
+          </a:lnRef>
+          <a:fillRef idx="0">
+            <a:schemeClr val="accent1"/>
+          </a:fillRef>
+          <a:effectRef idx="0">
+            <a:schemeClr val="accent1"/>
+          </a:effectRef>
+          <a:fontRef idx="minor">
+            <a:schemeClr val="tx1"/>
+          </a:fontRef>
+        </p:style>
+      </p:cxnSp>
+      <p:sp>
+        <p:nvSpPr>
+          <p:cNvPr id="2" name="Cloud 1">
+            <a:extLst>
+              <a:ext uri="{FF2B5EF4-FFF2-40B4-BE49-F238E27FC236}">
+                <a16:creationId xmlns:a16="http://schemas.microsoft.com/office/drawing/2014/main" id="{DFD8CEEF-5A5F-A52B-4F44-307CCD760149}"/>
+              </a:ext>
+            </a:extLst>
+          </p:cNvPr>
+          <p:cNvSpPr/>
+          <p:nvPr/>
+        </p:nvSpPr>
+        <p:spPr>
+          <a:xfrm>
+            <a:off x="2831788" y="2194385"/>
+            <a:ext cx="1311691" cy="895482"/>
+          </a:xfrm>
+          <a:prstGeom prst="cloud">
+            <a:avLst/>
+          </a:prstGeom>
+          <a:effectLst>
+            <a:outerShdw blurRad="50800" dist="38100" dir="2700000" algn="tl" rotWithShape="0">
+              <a:prstClr val="black">
+                <a:alpha val="40000"/>
+              </a:prstClr>
+            </a:outerShdw>
+          </a:effectLst>
+        </p:spPr>
+        <p:style>
+          <a:lnRef idx="2">
+            <a:schemeClr val="dk1"/>
+          </a:lnRef>
+          <a:fillRef idx="1">
+            <a:schemeClr val="lt1"/>
+          </a:fillRef>
+          <a:effectRef idx="0">
+            <a:schemeClr val="dk1"/>
+          </a:effectRef>
+          <a:fontRef idx="minor">
+            <a:schemeClr val="dk1"/>
+          </a:fontRef>
+        </p:style>
+        <p:txBody>
+          <a:bodyPr rtlCol="0" anchor="ctr"/>
+          <a:lstStyle/>
+          <a:p>
+            <a:pPr algn="ctr"/>
+            <a:endParaRPr lang="en-GB"/>
+          </a:p>
+        </p:txBody>
+      </p:sp>
+      <p:sp>
+        <p:nvSpPr>
+          <p:cNvPr id="17" name="Flowchart: Delay 16">
+            <a:extLst>
+              <a:ext uri="{FF2B5EF4-FFF2-40B4-BE49-F238E27FC236}">
+                <a16:creationId xmlns:a16="http://schemas.microsoft.com/office/drawing/2014/main" id="{5AFEAC4A-943F-80D0-1F10-859F4761FEBD}"/>
+              </a:ext>
+            </a:extLst>
+          </p:cNvPr>
+          <p:cNvSpPr/>
+          <p:nvPr/>
+        </p:nvSpPr>
+        <p:spPr>
+          <a:xfrm>
+            <a:off x="3474821" y="2338519"/>
+            <a:ext cx="340158" cy="241300"/>
+          </a:xfrm>
+          <a:prstGeom prst="flowChartDelay">
+            <a:avLst/>
+          </a:prstGeom>
+          <a:solidFill>
+            <a:schemeClr val="bg1"/>
+          </a:solidFill>
+          <a:effectLst>
+            <a:outerShdw blurRad="50800" dist="38100" dir="2700000" algn="tl" rotWithShape="0">
+              <a:prstClr val="black">
+                <a:alpha val="40000"/>
+              </a:prstClr>
+            </a:outerShdw>
+          </a:effectLst>
+        </p:spPr>
+        <p:style>
+          <a:lnRef idx="2">
+            <a:schemeClr val="dk1"/>
+          </a:lnRef>
+          <a:fillRef idx="1">
+            <a:schemeClr val="lt1"/>
+          </a:fillRef>
+          <a:effectRef idx="0">
+            <a:schemeClr val="dk1"/>
+          </a:effectRef>
+          <a:fontRef idx="minor">
+            <a:schemeClr val="dk1"/>
+          </a:fontRef>
+        </p:style>
+        <p:txBody>
+          <a:bodyPr rtlCol="0" anchor="ctr"/>
+          <a:lstStyle/>
+          <a:p>
+            <a:pPr algn="ctr"/>
+            <a:endParaRPr lang="en-GB"/>
+          </a:p>
+        </p:txBody>
+      </p:sp>
+      <p:grpSp>
+        <p:nvGrpSpPr>
+          <p:cNvPr id="21" name="Group 20">
+            <a:extLst>
+              <a:ext uri="{FF2B5EF4-FFF2-40B4-BE49-F238E27FC236}">
+                <a16:creationId xmlns:a16="http://schemas.microsoft.com/office/drawing/2014/main" id="{06A411DE-8317-65F0-DD4A-2ABCBE7FE343}"/>
+              </a:ext>
+            </a:extLst>
+          </p:cNvPr>
+          <p:cNvGrpSpPr/>
+          <p:nvPr/>
+        </p:nvGrpSpPr>
+        <p:grpSpPr>
+          <a:xfrm>
+            <a:off x="3250189" y="2691836"/>
+            <a:ext cx="387461" cy="241300"/>
+            <a:chOff x="7023410" y="1876718"/>
+            <a:chExt cx="387461" cy="241300"/>
+          </a:xfrm>
+          <a:solidFill>
+            <a:schemeClr val="bg1"/>
+          </a:solidFill>
+          <a:effectLst>
+            <a:outerShdw blurRad="50800" dist="38100" dir="2700000" algn="tl" rotWithShape="0">
+              <a:prstClr val="black">
+                <a:alpha val="40000"/>
+              </a:prstClr>
+            </a:outerShdw>
+          </a:effectLst>
+        </p:grpSpPr>
+        <p:sp>
+          <p:nvSpPr>
+            <p:cNvPr id="19" name="Flowchart: Delay 18">
+              <a:extLst>
+                <a:ext uri="{FF2B5EF4-FFF2-40B4-BE49-F238E27FC236}">
+                  <a16:creationId xmlns:a16="http://schemas.microsoft.com/office/drawing/2014/main" id="{964CBBA8-B9B7-8F13-B3E0-04FE70424387}"/>
+                </a:ext>
+              </a:extLst>
+            </p:cNvPr>
+            <p:cNvSpPr/>
+            <p:nvPr/>
+          </p:nvSpPr>
+          <p:spPr>
+            <a:xfrm>
+              <a:off x="7023410" y="1876718"/>
+              <a:ext cx="342056" cy="241300"/>
+            </a:xfrm>
+            <a:custGeom>
+              <a:avLst/>
+              <a:gdLst>
+                <a:gd name="connsiteX0" fmla="*/ 0 w 340158"/>
+                <a:gd name="connsiteY0" fmla="*/ 0 h 241300"/>
+                <a:gd name="connsiteX1" fmla="*/ 170079 w 340158"/>
+                <a:gd name="connsiteY1" fmla="*/ 0 h 241300"/>
+                <a:gd name="connsiteX2" fmla="*/ 340158 w 340158"/>
+                <a:gd name="connsiteY2" fmla="*/ 120650 h 241300"/>
+                <a:gd name="connsiteX3" fmla="*/ 170079 w 340158"/>
+                <a:gd name="connsiteY3" fmla="*/ 241300 h 241300"/>
+                <a:gd name="connsiteX4" fmla="*/ 0 w 340158"/>
+                <a:gd name="connsiteY4" fmla="*/ 241300 h 241300"/>
+                <a:gd name="connsiteX5" fmla="*/ 0 w 340158"/>
+                <a:gd name="connsiteY5" fmla="*/ 0 h 241300"/>
+                <a:gd name="connsiteX0" fmla="*/ 2427 w 342585"/>
+                <a:gd name="connsiteY0" fmla="*/ 0 h 241300"/>
+                <a:gd name="connsiteX1" fmla="*/ 0 w 342585"/>
+                <a:gd name="connsiteY1" fmla="*/ 529 h 241300"/>
+                <a:gd name="connsiteX2" fmla="*/ 172506 w 342585"/>
+                <a:gd name="connsiteY2" fmla="*/ 0 h 241300"/>
+                <a:gd name="connsiteX3" fmla="*/ 342585 w 342585"/>
+                <a:gd name="connsiteY3" fmla="*/ 120650 h 241300"/>
+                <a:gd name="connsiteX4" fmla="*/ 172506 w 342585"/>
+                <a:gd name="connsiteY4" fmla="*/ 241300 h 241300"/>
+                <a:gd name="connsiteX5" fmla="*/ 2427 w 342585"/>
+                <a:gd name="connsiteY5" fmla="*/ 241300 h 241300"/>
+                <a:gd name="connsiteX6" fmla="*/ 2427 w 342585"/>
+                <a:gd name="connsiteY6" fmla="*/ 0 h 241300"/>
+                <a:gd name="connsiteX0" fmla="*/ 46877 w 342585"/>
+                <a:gd name="connsiteY0" fmla="*/ 115887 h 241300"/>
+                <a:gd name="connsiteX1" fmla="*/ 0 w 342585"/>
+                <a:gd name="connsiteY1" fmla="*/ 529 h 241300"/>
+                <a:gd name="connsiteX2" fmla="*/ 172506 w 342585"/>
+                <a:gd name="connsiteY2" fmla="*/ 0 h 241300"/>
+                <a:gd name="connsiteX3" fmla="*/ 342585 w 342585"/>
+                <a:gd name="connsiteY3" fmla="*/ 120650 h 241300"/>
+                <a:gd name="connsiteX4" fmla="*/ 172506 w 342585"/>
+                <a:gd name="connsiteY4" fmla="*/ 241300 h 241300"/>
+                <a:gd name="connsiteX5" fmla="*/ 2427 w 342585"/>
+                <a:gd name="connsiteY5" fmla="*/ 241300 h 241300"/>
+                <a:gd name="connsiteX6" fmla="*/ 46877 w 342585"/>
+                <a:gd name="connsiteY6" fmla="*/ 115887 h 241300"/>
+                <a:gd name="connsiteX0" fmla="*/ 50908 w 346616"/>
+                <a:gd name="connsiteY0" fmla="*/ 115887 h 241300"/>
+                <a:gd name="connsiteX1" fmla="*/ 4031 w 346616"/>
+                <a:gd name="connsiteY1" fmla="*/ 529 h 241300"/>
+                <a:gd name="connsiteX2" fmla="*/ 176537 w 346616"/>
+                <a:gd name="connsiteY2" fmla="*/ 0 h 241300"/>
+                <a:gd name="connsiteX3" fmla="*/ 346616 w 346616"/>
+                <a:gd name="connsiteY3" fmla="*/ 120650 h 241300"/>
+                <a:gd name="connsiteX4" fmla="*/ 176537 w 346616"/>
+                <a:gd name="connsiteY4" fmla="*/ 241300 h 241300"/>
+                <a:gd name="connsiteX5" fmla="*/ 6458 w 346616"/>
+                <a:gd name="connsiteY5" fmla="*/ 241300 h 241300"/>
+                <a:gd name="connsiteX6" fmla="*/ 50908 w 346616"/>
+                <a:gd name="connsiteY6" fmla="*/ 115887 h 241300"/>
+                <a:gd name="connsiteX0" fmla="*/ 50908 w 346616"/>
+                <a:gd name="connsiteY0" fmla="*/ 115887 h 241300"/>
+                <a:gd name="connsiteX1" fmla="*/ 4031 w 346616"/>
+                <a:gd name="connsiteY1" fmla="*/ 529 h 241300"/>
+                <a:gd name="connsiteX2" fmla="*/ 176537 w 346616"/>
+                <a:gd name="connsiteY2" fmla="*/ 0 h 241300"/>
+                <a:gd name="connsiteX3" fmla="*/ 346616 w 346616"/>
+                <a:gd name="connsiteY3" fmla="*/ 120650 h 241300"/>
+                <a:gd name="connsiteX4" fmla="*/ 176537 w 346616"/>
+                <a:gd name="connsiteY4" fmla="*/ 241300 h 241300"/>
+                <a:gd name="connsiteX5" fmla="*/ 6458 w 346616"/>
+                <a:gd name="connsiteY5" fmla="*/ 241300 h 241300"/>
+                <a:gd name="connsiteX6" fmla="*/ 50908 w 346616"/>
+                <a:gd name="connsiteY6" fmla="*/ 115887 h 241300"/>
+                <a:gd name="connsiteX0" fmla="*/ 50908 w 346616"/>
+                <a:gd name="connsiteY0" fmla="*/ 115887 h 241300"/>
+                <a:gd name="connsiteX1" fmla="*/ 4031 w 346616"/>
+                <a:gd name="connsiteY1" fmla="*/ 529 h 241300"/>
+                <a:gd name="connsiteX2" fmla="*/ 176537 w 346616"/>
+                <a:gd name="connsiteY2" fmla="*/ 0 h 241300"/>
+                <a:gd name="connsiteX3" fmla="*/ 346616 w 346616"/>
+                <a:gd name="connsiteY3" fmla="*/ 120650 h 241300"/>
+                <a:gd name="connsiteX4" fmla="*/ 176537 w 346616"/>
+                <a:gd name="connsiteY4" fmla="*/ 241300 h 241300"/>
+                <a:gd name="connsiteX5" fmla="*/ 6458 w 346616"/>
+                <a:gd name="connsiteY5" fmla="*/ 241300 h 241300"/>
+                <a:gd name="connsiteX6" fmla="*/ 50908 w 346616"/>
+                <a:gd name="connsiteY6" fmla="*/ 115887 h 241300"/>
+                <a:gd name="connsiteX0" fmla="*/ 46877 w 342585"/>
+                <a:gd name="connsiteY0" fmla="*/ 115887 h 241300"/>
+                <a:gd name="connsiteX1" fmla="*/ 0 w 342585"/>
+                <a:gd name="connsiteY1" fmla="*/ 529 h 241300"/>
+                <a:gd name="connsiteX2" fmla="*/ 172506 w 342585"/>
+                <a:gd name="connsiteY2" fmla="*/ 0 h 241300"/>
+                <a:gd name="connsiteX3" fmla="*/ 342585 w 342585"/>
+                <a:gd name="connsiteY3" fmla="*/ 120650 h 241300"/>
+                <a:gd name="connsiteX4" fmla="*/ 172506 w 342585"/>
+                <a:gd name="connsiteY4" fmla="*/ 241300 h 241300"/>
+                <a:gd name="connsiteX5" fmla="*/ 2427 w 342585"/>
+                <a:gd name="connsiteY5" fmla="*/ 241300 h 241300"/>
+                <a:gd name="connsiteX6" fmla="*/ 46877 w 342585"/>
+                <a:gd name="connsiteY6" fmla="*/ 115887 h 241300"/>
+                <a:gd name="connsiteX0" fmla="*/ 46877 w 342585"/>
+                <a:gd name="connsiteY0" fmla="*/ 115887 h 241300"/>
+                <a:gd name="connsiteX1" fmla="*/ 0 w 342585"/>
+                <a:gd name="connsiteY1" fmla="*/ 529 h 241300"/>
+                <a:gd name="connsiteX2" fmla="*/ 172506 w 342585"/>
+                <a:gd name="connsiteY2" fmla="*/ 0 h 241300"/>
+                <a:gd name="connsiteX3" fmla="*/ 342585 w 342585"/>
+                <a:gd name="connsiteY3" fmla="*/ 120650 h 241300"/>
+                <a:gd name="connsiteX4" fmla="*/ 172506 w 342585"/>
+                <a:gd name="connsiteY4" fmla="*/ 241300 h 241300"/>
+                <a:gd name="connsiteX5" fmla="*/ 2427 w 342585"/>
+                <a:gd name="connsiteY5" fmla="*/ 241300 h 241300"/>
+                <a:gd name="connsiteX6" fmla="*/ 46877 w 342585"/>
+                <a:gd name="connsiteY6" fmla="*/ 115887 h 241300"/>
+                <a:gd name="connsiteX0" fmla="*/ 46877 w 342585"/>
+                <a:gd name="connsiteY0" fmla="*/ 115887 h 241300"/>
+                <a:gd name="connsiteX1" fmla="*/ 0 w 342585"/>
+                <a:gd name="connsiteY1" fmla="*/ 529 h 241300"/>
+                <a:gd name="connsiteX2" fmla="*/ 172506 w 342585"/>
+                <a:gd name="connsiteY2" fmla="*/ 0 h 241300"/>
+                <a:gd name="connsiteX3" fmla="*/ 342585 w 342585"/>
+                <a:gd name="connsiteY3" fmla="*/ 120650 h 241300"/>
+                <a:gd name="connsiteX4" fmla="*/ 172506 w 342585"/>
+                <a:gd name="connsiteY4" fmla="*/ 241300 h 241300"/>
+                <a:gd name="connsiteX5" fmla="*/ 2427 w 342585"/>
+                <a:gd name="connsiteY5" fmla="*/ 241300 h 241300"/>
+                <a:gd name="connsiteX6" fmla="*/ 46877 w 342585"/>
+                <a:gd name="connsiteY6" fmla="*/ 115887 h 241300"/>
+                <a:gd name="connsiteX0" fmla="*/ 46877 w 342585"/>
+                <a:gd name="connsiteY0" fmla="*/ 115887 h 241300"/>
+                <a:gd name="connsiteX1" fmla="*/ 0 w 342585"/>
+                <a:gd name="connsiteY1" fmla="*/ 529 h 241300"/>
+                <a:gd name="connsiteX2" fmla="*/ 172506 w 342585"/>
+                <a:gd name="connsiteY2" fmla="*/ 0 h 241300"/>
+                <a:gd name="connsiteX3" fmla="*/ 342585 w 342585"/>
+                <a:gd name="connsiteY3" fmla="*/ 120650 h 241300"/>
+                <a:gd name="connsiteX4" fmla="*/ 172506 w 342585"/>
+                <a:gd name="connsiteY4" fmla="*/ 241300 h 241300"/>
+                <a:gd name="connsiteX5" fmla="*/ 2427 w 342585"/>
+                <a:gd name="connsiteY5" fmla="*/ 241300 h 241300"/>
+                <a:gd name="connsiteX6" fmla="*/ 46877 w 342585"/>
+                <a:gd name="connsiteY6" fmla="*/ 115887 h 241300"/>
+                <a:gd name="connsiteX0" fmla="*/ 56402 w 342585"/>
+                <a:gd name="connsiteY0" fmla="*/ 107949 h 241300"/>
+                <a:gd name="connsiteX1" fmla="*/ 0 w 342585"/>
+                <a:gd name="connsiteY1" fmla="*/ 529 h 241300"/>
+                <a:gd name="connsiteX2" fmla="*/ 172506 w 342585"/>
+                <a:gd name="connsiteY2" fmla="*/ 0 h 241300"/>
+                <a:gd name="connsiteX3" fmla="*/ 342585 w 342585"/>
+                <a:gd name="connsiteY3" fmla="*/ 120650 h 241300"/>
+                <a:gd name="connsiteX4" fmla="*/ 172506 w 342585"/>
+                <a:gd name="connsiteY4" fmla="*/ 241300 h 241300"/>
+                <a:gd name="connsiteX5" fmla="*/ 2427 w 342585"/>
+                <a:gd name="connsiteY5" fmla="*/ 241300 h 241300"/>
+                <a:gd name="connsiteX6" fmla="*/ 56402 w 342585"/>
+                <a:gd name="connsiteY6" fmla="*/ 107949 h 241300"/>
+                <a:gd name="connsiteX0" fmla="*/ 56402 w 342585"/>
+                <a:gd name="connsiteY0" fmla="*/ 107949 h 241300"/>
+                <a:gd name="connsiteX1" fmla="*/ 0 w 342585"/>
+                <a:gd name="connsiteY1" fmla="*/ 529 h 241300"/>
+                <a:gd name="connsiteX2" fmla="*/ 172506 w 342585"/>
+                <a:gd name="connsiteY2" fmla="*/ 0 h 241300"/>
+                <a:gd name="connsiteX3" fmla="*/ 342585 w 342585"/>
+                <a:gd name="connsiteY3" fmla="*/ 120650 h 241300"/>
+                <a:gd name="connsiteX4" fmla="*/ 172506 w 342585"/>
+                <a:gd name="connsiteY4" fmla="*/ 241300 h 241300"/>
+                <a:gd name="connsiteX5" fmla="*/ 2427 w 342585"/>
+                <a:gd name="connsiteY5" fmla="*/ 241300 h 241300"/>
+                <a:gd name="connsiteX6" fmla="*/ 56402 w 342585"/>
+                <a:gd name="connsiteY6" fmla="*/ 107949 h 241300"/>
+                <a:gd name="connsiteX0" fmla="*/ 56402 w 342585"/>
+                <a:gd name="connsiteY0" fmla="*/ 128587 h 241300"/>
+                <a:gd name="connsiteX1" fmla="*/ 0 w 342585"/>
+                <a:gd name="connsiteY1" fmla="*/ 529 h 241300"/>
+                <a:gd name="connsiteX2" fmla="*/ 172506 w 342585"/>
+                <a:gd name="connsiteY2" fmla="*/ 0 h 241300"/>
+                <a:gd name="connsiteX3" fmla="*/ 342585 w 342585"/>
+                <a:gd name="connsiteY3" fmla="*/ 120650 h 241300"/>
+                <a:gd name="connsiteX4" fmla="*/ 172506 w 342585"/>
+                <a:gd name="connsiteY4" fmla="*/ 241300 h 241300"/>
+                <a:gd name="connsiteX5" fmla="*/ 2427 w 342585"/>
+                <a:gd name="connsiteY5" fmla="*/ 241300 h 241300"/>
+                <a:gd name="connsiteX6" fmla="*/ 56402 w 342585"/>
+                <a:gd name="connsiteY6" fmla="*/ 128587 h 241300"/>
+                <a:gd name="connsiteX0" fmla="*/ 56402 w 342585"/>
+                <a:gd name="connsiteY0" fmla="*/ 128587 h 241300"/>
+                <a:gd name="connsiteX1" fmla="*/ 0 w 342585"/>
+                <a:gd name="connsiteY1" fmla="*/ 529 h 241300"/>
+                <a:gd name="connsiteX2" fmla="*/ 172506 w 342585"/>
+                <a:gd name="connsiteY2" fmla="*/ 0 h 241300"/>
+                <a:gd name="connsiteX3" fmla="*/ 342585 w 342585"/>
+                <a:gd name="connsiteY3" fmla="*/ 120650 h 241300"/>
+                <a:gd name="connsiteX4" fmla="*/ 172506 w 342585"/>
+                <a:gd name="connsiteY4" fmla="*/ 241300 h 241300"/>
+                <a:gd name="connsiteX5" fmla="*/ 2427 w 342585"/>
+                <a:gd name="connsiteY5" fmla="*/ 241300 h 241300"/>
+                <a:gd name="connsiteX6" fmla="*/ 56402 w 342585"/>
+                <a:gd name="connsiteY6" fmla="*/ 128587 h 241300"/>
+                <a:gd name="connsiteX0" fmla="*/ 56402 w 342585"/>
+                <a:gd name="connsiteY0" fmla="*/ 125412 h 241300"/>
+                <a:gd name="connsiteX1" fmla="*/ 0 w 342585"/>
+                <a:gd name="connsiteY1" fmla="*/ 529 h 241300"/>
+                <a:gd name="connsiteX2" fmla="*/ 172506 w 342585"/>
+                <a:gd name="connsiteY2" fmla="*/ 0 h 241300"/>
+                <a:gd name="connsiteX3" fmla="*/ 342585 w 342585"/>
+                <a:gd name="connsiteY3" fmla="*/ 120650 h 241300"/>
+                <a:gd name="connsiteX4" fmla="*/ 172506 w 342585"/>
+                <a:gd name="connsiteY4" fmla="*/ 241300 h 241300"/>
+                <a:gd name="connsiteX5" fmla="*/ 2427 w 342585"/>
+                <a:gd name="connsiteY5" fmla="*/ 241300 h 241300"/>
+                <a:gd name="connsiteX6" fmla="*/ 56402 w 342585"/>
+                <a:gd name="connsiteY6" fmla="*/ 125412 h 241300"/>
+                <a:gd name="connsiteX0" fmla="*/ 56402 w 346146"/>
+                <a:gd name="connsiteY0" fmla="*/ 125412 h 241300"/>
+                <a:gd name="connsiteX1" fmla="*/ 0 w 346146"/>
+                <a:gd name="connsiteY1" fmla="*/ 529 h 241300"/>
+                <a:gd name="connsiteX2" fmla="*/ 172506 w 346146"/>
+                <a:gd name="connsiteY2" fmla="*/ 0 h 241300"/>
+                <a:gd name="connsiteX3" fmla="*/ 342585 w 346146"/>
+                <a:gd name="connsiteY3" fmla="*/ 120650 h 241300"/>
+                <a:gd name="connsiteX4" fmla="*/ 172506 w 346146"/>
+                <a:gd name="connsiteY4" fmla="*/ 241300 h 241300"/>
+                <a:gd name="connsiteX5" fmla="*/ 2427 w 346146"/>
+                <a:gd name="connsiteY5" fmla="*/ 241300 h 241300"/>
+                <a:gd name="connsiteX6" fmla="*/ 56402 w 346146"/>
+                <a:gd name="connsiteY6" fmla="*/ 125412 h 241300"/>
+                <a:gd name="connsiteX0" fmla="*/ 56402 w 346146"/>
+                <a:gd name="connsiteY0" fmla="*/ 125412 h 241300"/>
+                <a:gd name="connsiteX1" fmla="*/ 0 w 346146"/>
+                <a:gd name="connsiteY1" fmla="*/ 529 h 241300"/>
+                <a:gd name="connsiteX2" fmla="*/ 172506 w 346146"/>
+                <a:gd name="connsiteY2" fmla="*/ 0 h 241300"/>
+                <a:gd name="connsiteX3" fmla="*/ 342585 w 346146"/>
+                <a:gd name="connsiteY3" fmla="*/ 120650 h 241300"/>
+                <a:gd name="connsiteX4" fmla="*/ 172506 w 346146"/>
+                <a:gd name="connsiteY4" fmla="*/ 241300 h 241300"/>
+                <a:gd name="connsiteX5" fmla="*/ 2427 w 346146"/>
+                <a:gd name="connsiteY5" fmla="*/ 241300 h 241300"/>
+                <a:gd name="connsiteX6" fmla="*/ 56402 w 346146"/>
+                <a:gd name="connsiteY6" fmla="*/ 125412 h 241300"/>
+                <a:gd name="connsiteX0" fmla="*/ 56402 w 342585"/>
+                <a:gd name="connsiteY0" fmla="*/ 125412 h 241300"/>
+                <a:gd name="connsiteX1" fmla="*/ 0 w 342585"/>
+                <a:gd name="connsiteY1" fmla="*/ 529 h 241300"/>
+                <a:gd name="connsiteX2" fmla="*/ 172506 w 342585"/>
+                <a:gd name="connsiteY2" fmla="*/ 0 h 241300"/>
+                <a:gd name="connsiteX3" fmla="*/ 342585 w 342585"/>
+                <a:gd name="connsiteY3" fmla="*/ 120650 h 241300"/>
+                <a:gd name="connsiteX4" fmla="*/ 172506 w 342585"/>
+                <a:gd name="connsiteY4" fmla="*/ 241300 h 241300"/>
+                <a:gd name="connsiteX5" fmla="*/ 2427 w 342585"/>
+                <a:gd name="connsiteY5" fmla="*/ 241300 h 241300"/>
+                <a:gd name="connsiteX6" fmla="*/ 56402 w 342585"/>
+                <a:gd name="connsiteY6" fmla="*/ 125412 h 241300"/>
+                <a:gd name="connsiteX0" fmla="*/ 56402 w 342585"/>
+                <a:gd name="connsiteY0" fmla="*/ 125412 h 241300"/>
+                <a:gd name="connsiteX1" fmla="*/ 0 w 342585"/>
+                <a:gd name="connsiteY1" fmla="*/ 529 h 241300"/>
+                <a:gd name="connsiteX2" fmla="*/ 172506 w 342585"/>
+                <a:gd name="connsiteY2" fmla="*/ 0 h 241300"/>
+                <a:gd name="connsiteX3" fmla="*/ 342585 w 342585"/>
+                <a:gd name="connsiteY3" fmla="*/ 120650 h 241300"/>
+                <a:gd name="connsiteX4" fmla="*/ 172506 w 342585"/>
+                <a:gd name="connsiteY4" fmla="*/ 241300 h 241300"/>
+                <a:gd name="connsiteX5" fmla="*/ 2427 w 342585"/>
+                <a:gd name="connsiteY5" fmla="*/ 241300 h 241300"/>
+                <a:gd name="connsiteX6" fmla="*/ 56402 w 342585"/>
+                <a:gd name="connsiteY6" fmla="*/ 125412 h 241300"/>
+                <a:gd name="connsiteX0" fmla="*/ 56402 w 353179"/>
+                <a:gd name="connsiteY0" fmla="*/ 125412 h 241300"/>
+                <a:gd name="connsiteX1" fmla="*/ 0 w 353179"/>
+                <a:gd name="connsiteY1" fmla="*/ 529 h 241300"/>
+                <a:gd name="connsiteX2" fmla="*/ 172506 w 353179"/>
+                <a:gd name="connsiteY2" fmla="*/ 0 h 241300"/>
+                <a:gd name="connsiteX3" fmla="*/ 342585 w 353179"/>
+                <a:gd name="connsiteY3" fmla="*/ 120650 h 241300"/>
+                <a:gd name="connsiteX4" fmla="*/ 172506 w 353179"/>
+                <a:gd name="connsiteY4" fmla="*/ 241300 h 241300"/>
+                <a:gd name="connsiteX5" fmla="*/ 2427 w 353179"/>
+                <a:gd name="connsiteY5" fmla="*/ 241300 h 241300"/>
+                <a:gd name="connsiteX6" fmla="*/ 56402 w 353179"/>
+                <a:gd name="connsiteY6" fmla="*/ 125412 h 241300"/>
+                <a:gd name="connsiteX0" fmla="*/ 56402 w 342677"/>
+                <a:gd name="connsiteY0" fmla="*/ 125412 h 241300"/>
+                <a:gd name="connsiteX1" fmla="*/ 0 w 342677"/>
+                <a:gd name="connsiteY1" fmla="*/ 529 h 241300"/>
+                <a:gd name="connsiteX2" fmla="*/ 172506 w 342677"/>
+                <a:gd name="connsiteY2" fmla="*/ 0 h 241300"/>
+                <a:gd name="connsiteX3" fmla="*/ 342585 w 342677"/>
+                <a:gd name="connsiteY3" fmla="*/ 120650 h 241300"/>
+                <a:gd name="connsiteX4" fmla="*/ 172506 w 342677"/>
+                <a:gd name="connsiteY4" fmla="*/ 241300 h 241300"/>
+                <a:gd name="connsiteX5" fmla="*/ 2427 w 342677"/>
+                <a:gd name="connsiteY5" fmla="*/ 241300 h 241300"/>
+                <a:gd name="connsiteX6" fmla="*/ 56402 w 342677"/>
+                <a:gd name="connsiteY6" fmla="*/ 125412 h 241300"/>
+                <a:gd name="connsiteX0" fmla="*/ 56402 w 342677"/>
+                <a:gd name="connsiteY0" fmla="*/ 125412 h 241300"/>
+                <a:gd name="connsiteX1" fmla="*/ 0 w 342677"/>
+                <a:gd name="connsiteY1" fmla="*/ 529 h 241300"/>
+                <a:gd name="connsiteX2" fmla="*/ 172506 w 342677"/>
+                <a:gd name="connsiteY2" fmla="*/ 0 h 241300"/>
+                <a:gd name="connsiteX3" fmla="*/ 342585 w 342677"/>
+                <a:gd name="connsiteY3" fmla="*/ 120650 h 241300"/>
+                <a:gd name="connsiteX4" fmla="*/ 172506 w 342677"/>
+                <a:gd name="connsiteY4" fmla="*/ 241300 h 241300"/>
+                <a:gd name="connsiteX5" fmla="*/ 2427 w 342677"/>
+                <a:gd name="connsiteY5" fmla="*/ 241300 h 241300"/>
+                <a:gd name="connsiteX6" fmla="*/ 56402 w 342677"/>
+                <a:gd name="connsiteY6" fmla="*/ 125412 h 241300"/>
+                <a:gd name="connsiteX0" fmla="*/ 56402 w 306237"/>
+                <a:gd name="connsiteY0" fmla="*/ 125412 h 241300"/>
+                <a:gd name="connsiteX1" fmla="*/ 0 w 306237"/>
+                <a:gd name="connsiteY1" fmla="*/ 529 h 241300"/>
+                <a:gd name="connsiteX2" fmla="*/ 172506 w 306237"/>
+                <a:gd name="connsiteY2" fmla="*/ 0 h 241300"/>
+                <a:gd name="connsiteX3" fmla="*/ 306073 w 306237"/>
+                <a:gd name="connsiteY3" fmla="*/ 104775 h 241300"/>
+                <a:gd name="connsiteX4" fmla="*/ 172506 w 306237"/>
+                <a:gd name="connsiteY4" fmla="*/ 241300 h 241300"/>
+                <a:gd name="connsiteX5" fmla="*/ 2427 w 306237"/>
+                <a:gd name="connsiteY5" fmla="*/ 241300 h 241300"/>
+                <a:gd name="connsiteX6" fmla="*/ 56402 w 306237"/>
+                <a:gd name="connsiteY6" fmla="*/ 125412 h 241300"/>
+                <a:gd name="connsiteX0" fmla="*/ 56402 w 306237"/>
+                <a:gd name="connsiteY0" fmla="*/ 125412 h 241300"/>
+                <a:gd name="connsiteX1" fmla="*/ 0 w 306237"/>
+                <a:gd name="connsiteY1" fmla="*/ 529 h 241300"/>
+                <a:gd name="connsiteX2" fmla="*/ 172506 w 306237"/>
+                <a:gd name="connsiteY2" fmla="*/ 0 h 241300"/>
+                <a:gd name="connsiteX3" fmla="*/ 306073 w 306237"/>
+                <a:gd name="connsiteY3" fmla="*/ 104775 h 241300"/>
+                <a:gd name="connsiteX4" fmla="*/ 172506 w 306237"/>
+                <a:gd name="connsiteY4" fmla="*/ 241300 h 241300"/>
+                <a:gd name="connsiteX5" fmla="*/ 2427 w 306237"/>
+                <a:gd name="connsiteY5" fmla="*/ 241300 h 241300"/>
+                <a:gd name="connsiteX6" fmla="*/ 56402 w 306237"/>
+                <a:gd name="connsiteY6" fmla="*/ 125412 h 241300"/>
+                <a:gd name="connsiteX0" fmla="*/ 56402 w 306199"/>
+                <a:gd name="connsiteY0" fmla="*/ 125412 h 241300"/>
+                <a:gd name="connsiteX1" fmla="*/ 0 w 306199"/>
+                <a:gd name="connsiteY1" fmla="*/ 529 h 241300"/>
+                <a:gd name="connsiteX2" fmla="*/ 172506 w 306199"/>
+                <a:gd name="connsiteY2" fmla="*/ 0 h 241300"/>
+                <a:gd name="connsiteX3" fmla="*/ 306073 w 306199"/>
+                <a:gd name="connsiteY3" fmla="*/ 104775 h 241300"/>
+                <a:gd name="connsiteX4" fmla="*/ 172506 w 306199"/>
+                <a:gd name="connsiteY4" fmla="*/ 241300 h 241300"/>
+                <a:gd name="connsiteX5" fmla="*/ 2427 w 306199"/>
+                <a:gd name="connsiteY5" fmla="*/ 241300 h 241300"/>
+                <a:gd name="connsiteX6" fmla="*/ 56402 w 306199"/>
+                <a:gd name="connsiteY6" fmla="*/ 125412 h 241300"/>
+                <a:gd name="connsiteX0" fmla="*/ 56402 w 306199"/>
+                <a:gd name="connsiteY0" fmla="*/ 125412 h 241300"/>
+                <a:gd name="connsiteX1" fmla="*/ 0 w 306199"/>
+                <a:gd name="connsiteY1" fmla="*/ 529 h 241300"/>
+                <a:gd name="connsiteX2" fmla="*/ 172506 w 306199"/>
+                <a:gd name="connsiteY2" fmla="*/ 0 h 241300"/>
+                <a:gd name="connsiteX3" fmla="*/ 306073 w 306199"/>
+                <a:gd name="connsiteY3" fmla="*/ 128587 h 241300"/>
+                <a:gd name="connsiteX4" fmla="*/ 172506 w 306199"/>
+                <a:gd name="connsiteY4" fmla="*/ 241300 h 241300"/>
+                <a:gd name="connsiteX5" fmla="*/ 2427 w 306199"/>
+                <a:gd name="connsiteY5" fmla="*/ 241300 h 241300"/>
+                <a:gd name="connsiteX6" fmla="*/ 56402 w 306199"/>
+                <a:gd name="connsiteY6" fmla="*/ 125412 h 241300"/>
+                <a:gd name="connsiteX0" fmla="*/ 56402 w 306199"/>
+                <a:gd name="connsiteY0" fmla="*/ 125412 h 241300"/>
+                <a:gd name="connsiteX1" fmla="*/ 0 w 306199"/>
+                <a:gd name="connsiteY1" fmla="*/ 529 h 241300"/>
+                <a:gd name="connsiteX2" fmla="*/ 172506 w 306199"/>
+                <a:gd name="connsiteY2" fmla="*/ 0 h 241300"/>
+                <a:gd name="connsiteX3" fmla="*/ 306073 w 306199"/>
+                <a:gd name="connsiteY3" fmla="*/ 122237 h 241300"/>
+                <a:gd name="connsiteX4" fmla="*/ 172506 w 306199"/>
+                <a:gd name="connsiteY4" fmla="*/ 241300 h 241300"/>
+                <a:gd name="connsiteX5" fmla="*/ 2427 w 306199"/>
+                <a:gd name="connsiteY5" fmla="*/ 241300 h 241300"/>
+                <a:gd name="connsiteX6" fmla="*/ 56402 w 306199"/>
+                <a:gd name="connsiteY6" fmla="*/ 125412 h 241300"/>
+                <a:gd name="connsiteX0" fmla="*/ 56402 w 306096"/>
+                <a:gd name="connsiteY0" fmla="*/ 125412 h 241300"/>
+                <a:gd name="connsiteX1" fmla="*/ 0 w 306096"/>
+                <a:gd name="connsiteY1" fmla="*/ 529 h 241300"/>
+                <a:gd name="connsiteX2" fmla="*/ 172506 w 306096"/>
+                <a:gd name="connsiteY2" fmla="*/ 0 h 241300"/>
+                <a:gd name="connsiteX3" fmla="*/ 306073 w 306096"/>
+                <a:gd name="connsiteY3" fmla="*/ 122237 h 241300"/>
+                <a:gd name="connsiteX4" fmla="*/ 172506 w 306096"/>
+                <a:gd name="connsiteY4" fmla="*/ 241300 h 241300"/>
+                <a:gd name="connsiteX5" fmla="*/ 2427 w 306096"/>
+                <a:gd name="connsiteY5" fmla="*/ 241300 h 241300"/>
+                <a:gd name="connsiteX6" fmla="*/ 56402 w 306096"/>
+                <a:gd name="connsiteY6" fmla="*/ 125412 h 241300"/>
+                <a:gd name="connsiteX0" fmla="*/ 56402 w 352654"/>
+                <a:gd name="connsiteY0" fmla="*/ 125412 h 241300"/>
+                <a:gd name="connsiteX1" fmla="*/ 0 w 352654"/>
+                <a:gd name="connsiteY1" fmla="*/ 529 h 241300"/>
+                <a:gd name="connsiteX2" fmla="*/ 172506 w 352654"/>
+                <a:gd name="connsiteY2" fmla="*/ 0 h 241300"/>
+                <a:gd name="connsiteX3" fmla="*/ 352639 w 352654"/>
+                <a:gd name="connsiteY3" fmla="*/ 124353 h 241300"/>
+                <a:gd name="connsiteX4" fmla="*/ 172506 w 352654"/>
+                <a:gd name="connsiteY4" fmla="*/ 241300 h 241300"/>
+                <a:gd name="connsiteX5" fmla="*/ 2427 w 352654"/>
+                <a:gd name="connsiteY5" fmla="*/ 241300 h 241300"/>
+                <a:gd name="connsiteX6" fmla="*/ 56402 w 352654"/>
+                <a:gd name="connsiteY6" fmla="*/ 125412 h 241300"/>
+                <a:gd name="connsiteX0" fmla="*/ 56402 w 353537"/>
+                <a:gd name="connsiteY0" fmla="*/ 125412 h 241300"/>
+                <a:gd name="connsiteX1" fmla="*/ 0 w 353537"/>
+                <a:gd name="connsiteY1" fmla="*/ 529 h 241300"/>
+                <a:gd name="connsiteX2" fmla="*/ 231772 w 353537"/>
+                <a:gd name="connsiteY2" fmla="*/ 0 h 241300"/>
+                <a:gd name="connsiteX3" fmla="*/ 352639 w 353537"/>
+                <a:gd name="connsiteY3" fmla="*/ 124353 h 241300"/>
+                <a:gd name="connsiteX4" fmla="*/ 172506 w 353537"/>
+                <a:gd name="connsiteY4" fmla="*/ 241300 h 241300"/>
+                <a:gd name="connsiteX5" fmla="*/ 2427 w 353537"/>
+                <a:gd name="connsiteY5" fmla="*/ 241300 h 241300"/>
+                <a:gd name="connsiteX6" fmla="*/ 56402 w 353537"/>
+                <a:gd name="connsiteY6" fmla="*/ 125412 h 241300"/>
+                <a:gd name="connsiteX0" fmla="*/ 56402 w 352648"/>
+                <a:gd name="connsiteY0" fmla="*/ 125412 h 241300"/>
+                <a:gd name="connsiteX1" fmla="*/ 0 w 352648"/>
+                <a:gd name="connsiteY1" fmla="*/ 529 h 241300"/>
+                <a:gd name="connsiteX2" fmla="*/ 231772 w 352648"/>
+                <a:gd name="connsiteY2" fmla="*/ 0 h 241300"/>
+                <a:gd name="connsiteX3" fmla="*/ 352639 w 352648"/>
+                <a:gd name="connsiteY3" fmla="*/ 124353 h 241300"/>
+                <a:gd name="connsiteX4" fmla="*/ 236006 w 352648"/>
+                <a:gd name="connsiteY4" fmla="*/ 241300 h 241300"/>
+                <a:gd name="connsiteX5" fmla="*/ 2427 w 352648"/>
+                <a:gd name="connsiteY5" fmla="*/ 241300 h 241300"/>
+                <a:gd name="connsiteX6" fmla="*/ 56402 w 352648"/>
+                <a:gd name="connsiteY6" fmla="*/ 125412 h 241300"/>
+                <a:gd name="connsiteX0" fmla="*/ 56402 w 346300"/>
+                <a:gd name="connsiteY0" fmla="*/ 125412 h 241300"/>
+                <a:gd name="connsiteX1" fmla="*/ 0 w 346300"/>
+                <a:gd name="connsiteY1" fmla="*/ 529 h 241300"/>
+                <a:gd name="connsiteX2" fmla="*/ 231772 w 346300"/>
+                <a:gd name="connsiteY2" fmla="*/ 0 h 241300"/>
+                <a:gd name="connsiteX3" fmla="*/ 346289 w 346300"/>
+                <a:gd name="connsiteY3" fmla="*/ 124353 h 241300"/>
+                <a:gd name="connsiteX4" fmla="*/ 236006 w 346300"/>
+                <a:gd name="connsiteY4" fmla="*/ 241300 h 241300"/>
+                <a:gd name="connsiteX5" fmla="*/ 2427 w 346300"/>
+                <a:gd name="connsiteY5" fmla="*/ 241300 h 241300"/>
+                <a:gd name="connsiteX6" fmla="*/ 56402 w 346300"/>
+                <a:gd name="connsiteY6" fmla="*/ 125412 h 241300"/>
+                <a:gd name="connsiteX0" fmla="*/ 56402 w 346300"/>
+                <a:gd name="connsiteY0" fmla="*/ 125412 h 241300"/>
+                <a:gd name="connsiteX1" fmla="*/ 0 w 346300"/>
+                <a:gd name="connsiteY1" fmla="*/ 529 h 241300"/>
+                <a:gd name="connsiteX2" fmla="*/ 231772 w 346300"/>
+                <a:gd name="connsiteY2" fmla="*/ 0 h 241300"/>
+                <a:gd name="connsiteX3" fmla="*/ 346289 w 346300"/>
+                <a:gd name="connsiteY3" fmla="*/ 126470 h 241300"/>
+                <a:gd name="connsiteX4" fmla="*/ 236006 w 346300"/>
+                <a:gd name="connsiteY4" fmla="*/ 241300 h 241300"/>
+                <a:gd name="connsiteX5" fmla="*/ 2427 w 346300"/>
+                <a:gd name="connsiteY5" fmla="*/ 241300 h 241300"/>
+                <a:gd name="connsiteX6" fmla="*/ 56402 w 346300"/>
+                <a:gd name="connsiteY6" fmla="*/ 125412 h 241300"/>
+                <a:gd name="connsiteX0" fmla="*/ 56402 w 342069"/>
+                <a:gd name="connsiteY0" fmla="*/ 125412 h 241300"/>
+                <a:gd name="connsiteX1" fmla="*/ 0 w 342069"/>
+                <a:gd name="connsiteY1" fmla="*/ 529 h 241300"/>
+                <a:gd name="connsiteX2" fmla="*/ 231772 w 342069"/>
+                <a:gd name="connsiteY2" fmla="*/ 0 h 241300"/>
+                <a:gd name="connsiteX3" fmla="*/ 342056 w 342069"/>
+                <a:gd name="connsiteY3" fmla="*/ 113770 h 241300"/>
+                <a:gd name="connsiteX4" fmla="*/ 236006 w 342069"/>
+                <a:gd name="connsiteY4" fmla="*/ 241300 h 241300"/>
+                <a:gd name="connsiteX5" fmla="*/ 2427 w 342069"/>
+                <a:gd name="connsiteY5" fmla="*/ 241300 h 241300"/>
+                <a:gd name="connsiteX6" fmla="*/ 56402 w 342069"/>
+                <a:gd name="connsiteY6" fmla="*/ 125412 h 241300"/>
+                <a:gd name="connsiteX0" fmla="*/ 56402 w 344616"/>
+                <a:gd name="connsiteY0" fmla="*/ 125412 h 241300"/>
+                <a:gd name="connsiteX1" fmla="*/ 0 w 344616"/>
+                <a:gd name="connsiteY1" fmla="*/ 529 h 241300"/>
+                <a:gd name="connsiteX2" fmla="*/ 231772 w 344616"/>
+                <a:gd name="connsiteY2" fmla="*/ 0 h 241300"/>
+                <a:gd name="connsiteX3" fmla="*/ 342056 w 344616"/>
+                <a:gd name="connsiteY3" fmla="*/ 113770 h 241300"/>
+                <a:gd name="connsiteX4" fmla="*/ 236006 w 344616"/>
+                <a:gd name="connsiteY4" fmla="*/ 241300 h 241300"/>
+                <a:gd name="connsiteX5" fmla="*/ 2427 w 344616"/>
+                <a:gd name="connsiteY5" fmla="*/ 241300 h 241300"/>
+                <a:gd name="connsiteX6" fmla="*/ 56402 w 344616"/>
+                <a:gd name="connsiteY6" fmla="*/ 125412 h 241300"/>
+                <a:gd name="connsiteX0" fmla="*/ 56402 w 344616"/>
+                <a:gd name="connsiteY0" fmla="*/ 125412 h 241300"/>
+                <a:gd name="connsiteX1" fmla="*/ 0 w 344616"/>
+                <a:gd name="connsiteY1" fmla="*/ 529 h 241300"/>
+                <a:gd name="connsiteX2" fmla="*/ 231772 w 344616"/>
+                <a:gd name="connsiteY2" fmla="*/ 0 h 241300"/>
+                <a:gd name="connsiteX3" fmla="*/ 342056 w 344616"/>
+                <a:gd name="connsiteY3" fmla="*/ 113770 h 241300"/>
+                <a:gd name="connsiteX4" fmla="*/ 236006 w 344616"/>
+                <a:gd name="connsiteY4" fmla="*/ 241300 h 241300"/>
+                <a:gd name="connsiteX5" fmla="*/ 2427 w 344616"/>
+                <a:gd name="connsiteY5" fmla="*/ 241300 h 241300"/>
+                <a:gd name="connsiteX6" fmla="*/ 56402 w 344616"/>
+                <a:gd name="connsiteY6" fmla="*/ 125412 h 241300"/>
+                <a:gd name="connsiteX0" fmla="*/ 56402 w 342056"/>
+                <a:gd name="connsiteY0" fmla="*/ 125412 h 241300"/>
+                <a:gd name="connsiteX1" fmla="*/ 0 w 342056"/>
+                <a:gd name="connsiteY1" fmla="*/ 529 h 241300"/>
+                <a:gd name="connsiteX2" fmla="*/ 231772 w 342056"/>
+                <a:gd name="connsiteY2" fmla="*/ 0 h 241300"/>
+                <a:gd name="connsiteX3" fmla="*/ 342056 w 342056"/>
+                <a:gd name="connsiteY3" fmla="*/ 113770 h 241300"/>
+                <a:gd name="connsiteX4" fmla="*/ 236006 w 342056"/>
+                <a:gd name="connsiteY4" fmla="*/ 241300 h 241300"/>
+                <a:gd name="connsiteX5" fmla="*/ 2427 w 342056"/>
+                <a:gd name="connsiteY5" fmla="*/ 241300 h 241300"/>
+                <a:gd name="connsiteX6" fmla="*/ 56402 w 342056"/>
+                <a:gd name="connsiteY6" fmla="*/ 125412 h 241300"/>
+                <a:gd name="connsiteX0" fmla="*/ 56402 w 342056"/>
+                <a:gd name="connsiteY0" fmla="*/ 125412 h 241300"/>
+                <a:gd name="connsiteX1" fmla="*/ 0 w 342056"/>
+                <a:gd name="connsiteY1" fmla="*/ 529 h 241300"/>
+                <a:gd name="connsiteX2" fmla="*/ 231772 w 342056"/>
+                <a:gd name="connsiteY2" fmla="*/ 0 h 241300"/>
+                <a:gd name="connsiteX3" fmla="*/ 342056 w 342056"/>
+                <a:gd name="connsiteY3" fmla="*/ 113770 h 241300"/>
+                <a:gd name="connsiteX4" fmla="*/ 236006 w 342056"/>
+                <a:gd name="connsiteY4" fmla="*/ 241300 h 241300"/>
+                <a:gd name="connsiteX5" fmla="*/ 2427 w 342056"/>
+                <a:gd name="connsiteY5" fmla="*/ 241300 h 241300"/>
+                <a:gd name="connsiteX6" fmla="*/ 56402 w 342056"/>
+                <a:gd name="connsiteY6" fmla="*/ 125412 h 241300"/>
+                <a:gd name="connsiteX0" fmla="*/ 56402 w 342056"/>
+                <a:gd name="connsiteY0" fmla="*/ 125412 h 241300"/>
+                <a:gd name="connsiteX1" fmla="*/ 0 w 342056"/>
+                <a:gd name="connsiteY1" fmla="*/ 529 h 241300"/>
+                <a:gd name="connsiteX2" fmla="*/ 231772 w 342056"/>
+                <a:gd name="connsiteY2" fmla="*/ 0 h 241300"/>
+                <a:gd name="connsiteX3" fmla="*/ 342056 w 342056"/>
+                <a:gd name="connsiteY3" fmla="*/ 113770 h 241300"/>
+                <a:gd name="connsiteX4" fmla="*/ 236006 w 342056"/>
+                <a:gd name="connsiteY4" fmla="*/ 241300 h 241300"/>
+                <a:gd name="connsiteX5" fmla="*/ 2427 w 342056"/>
+                <a:gd name="connsiteY5" fmla="*/ 241300 h 241300"/>
+                <a:gd name="connsiteX6" fmla="*/ 56402 w 342056"/>
+                <a:gd name="connsiteY6" fmla="*/ 125412 h 241300"/>
+                <a:gd name="connsiteX0" fmla="*/ 56402 w 342056"/>
+                <a:gd name="connsiteY0" fmla="*/ 125412 h 241300"/>
+                <a:gd name="connsiteX1" fmla="*/ 0 w 342056"/>
+                <a:gd name="connsiteY1" fmla="*/ 529 h 241300"/>
+                <a:gd name="connsiteX2" fmla="*/ 231772 w 342056"/>
+                <a:gd name="connsiteY2" fmla="*/ 0 h 241300"/>
+                <a:gd name="connsiteX3" fmla="*/ 342056 w 342056"/>
+                <a:gd name="connsiteY3" fmla="*/ 113770 h 241300"/>
+                <a:gd name="connsiteX4" fmla="*/ 236006 w 342056"/>
+                <a:gd name="connsiteY4" fmla="*/ 241300 h 241300"/>
+                <a:gd name="connsiteX5" fmla="*/ 2427 w 342056"/>
+                <a:gd name="connsiteY5" fmla="*/ 241300 h 241300"/>
+                <a:gd name="connsiteX6" fmla="*/ 56402 w 342056"/>
+                <a:gd name="connsiteY6" fmla="*/ 125412 h 241300"/>
+                <a:gd name="connsiteX0" fmla="*/ 56402 w 342056"/>
+                <a:gd name="connsiteY0" fmla="*/ 125412 h 241300"/>
+                <a:gd name="connsiteX1" fmla="*/ 0 w 342056"/>
+                <a:gd name="connsiteY1" fmla="*/ 529 h 241300"/>
+                <a:gd name="connsiteX2" fmla="*/ 231772 w 342056"/>
+                <a:gd name="connsiteY2" fmla="*/ 0 h 241300"/>
+                <a:gd name="connsiteX3" fmla="*/ 342056 w 342056"/>
+                <a:gd name="connsiteY3" fmla="*/ 113770 h 241300"/>
+                <a:gd name="connsiteX4" fmla="*/ 236006 w 342056"/>
+                <a:gd name="connsiteY4" fmla="*/ 241300 h 241300"/>
+                <a:gd name="connsiteX5" fmla="*/ 2427 w 342056"/>
+                <a:gd name="connsiteY5" fmla="*/ 241300 h 241300"/>
+                <a:gd name="connsiteX6" fmla="*/ 56402 w 342056"/>
+                <a:gd name="connsiteY6" fmla="*/ 125412 h 241300"/>
+              </a:gdLst>
+              <a:ahLst/>
+              <a:cxnLst>
+                <a:cxn ang="0">
+                  <a:pos x="connsiteX0" y="connsiteY0"/>
+                </a:cxn>
+                <a:cxn ang="0">
+                  <a:pos x="connsiteX1" y="connsiteY1"/>
+                </a:cxn>
+                <a:cxn ang="0">
+                  <a:pos x="connsiteX2" y="connsiteY2"/>
+                </a:cxn>
+                <a:cxn ang="0">
+                  <a:pos x="connsiteX3" y="connsiteY3"/>
+                </a:cxn>
+                <a:cxn ang="0">
+                  <a:pos x="connsiteX4" y="connsiteY4"/>
+                </a:cxn>
+                <a:cxn ang="0">
+                  <a:pos x="connsiteX5" y="connsiteY5"/>
+                </a:cxn>
+                <a:cxn ang="0">
+                  <a:pos x="connsiteX6" y="connsiteY6"/>
+                </a:cxn>
+              </a:cxnLst>
+              <a:rect l="l" t="t" r="r" b="b"/>
+              <a:pathLst>
+                <a:path w="342056" h="241300">
+                  <a:moveTo>
+                    <a:pt x="56402" y="125412"/>
+                  </a:moveTo>
+                  <a:cubicBezTo>
+                    <a:pt x="57586" y="96397"/>
+                    <a:pt x="52087" y="57944"/>
+                    <a:pt x="0" y="529"/>
+                  </a:cubicBezTo>
+                  <a:lnTo>
+                    <a:pt x="231772" y="0"/>
+                  </a:lnTo>
+                  <a:cubicBezTo>
+                    <a:pt x="288869" y="20020"/>
+                    <a:pt x="331364" y="63235"/>
+                    <a:pt x="342056" y="113770"/>
+                  </a:cubicBezTo>
+                  <a:cubicBezTo>
+                    <a:pt x="332178" y="175154"/>
+                    <a:pt x="315650" y="215900"/>
+                    <a:pt x="236006" y="241300"/>
+                  </a:cubicBezTo>
+                  <a:lnTo>
+                    <a:pt x="2427" y="241300"/>
+                  </a:lnTo>
+                  <a:cubicBezTo>
+                    <a:pt x="48164" y="179123"/>
+                    <a:pt x="55218" y="154427"/>
+                    <a:pt x="56402" y="125412"/>
+                  </a:cubicBezTo>
+                  <a:close/>
+                </a:path>
+              </a:pathLst>
+            </a:custGeom>
+            <a:grpFill/>
+          </p:spPr>
+          <p:style>
+            <a:lnRef idx="2">
+              <a:schemeClr val="dk1"/>
+            </a:lnRef>
+            <a:fillRef idx="1">
+              <a:schemeClr val="lt1"/>
+            </a:fillRef>
+            <a:effectRef idx="0">
+              <a:schemeClr val="dk1"/>
+            </a:effectRef>
+            <a:fontRef idx="minor">
+              <a:schemeClr val="dk1"/>
+            </a:fontRef>
+          </p:style>
+          <p:txBody>
+            <a:bodyPr rtlCol="0" anchor="ctr"/>
+            <a:lstStyle/>
+            <a:p>
+              <a:pPr algn="ctr"/>
+              <a:endParaRPr lang="en-GB"/>
+            </a:p>
+          </p:txBody>
+        </p:sp>
+        <p:sp>
+          <p:nvSpPr>
+            <p:cNvPr id="20" name="Oval 19">
+              <a:extLst>
+                <a:ext uri="{FF2B5EF4-FFF2-40B4-BE49-F238E27FC236}">
+                  <a16:creationId xmlns:a16="http://schemas.microsoft.com/office/drawing/2014/main" id="{0507DAEC-FB60-9384-B42F-2A6A4668EC5C}"/>
+                </a:ext>
+              </a:extLst>
+            </p:cNvPr>
+            <p:cNvSpPr/>
+            <p:nvPr/>
+          </p:nvSpPr>
+          <p:spPr>
+            <a:xfrm>
+              <a:off x="7365152" y="1971332"/>
+              <a:ext cx="45719" cy="45719"/>
+            </a:xfrm>
+            <a:prstGeom prst="ellipse">
+              <a:avLst/>
+            </a:prstGeom>
+            <a:grpFill/>
+          </p:spPr>
+          <p:style>
+            <a:lnRef idx="2">
+              <a:schemeClr val="dk1"/>
+            </a:lnRef>
+            <a:fillRef idx="1">
+              <a:schemeClr val="lt1"/>
+            </a:fillRef>
+            <a:effectRef idx="0">
+              <a:schemeClr val="dk1"/>
+            </a:effectRef>
+            <a:fontRef idx="minor">
+              <a:schemeClr val="dk1"/>
+            </a:fontRef>
+          </p:style>
+          <p:txBody>
+            <a:bodyPr rtlCol="0" anchor="ctr"/>
+            <a:lstStyle/>
+            <a:p>
+              <a:pPr algn="ctr"/>
+              <a:endParaRPr lang="en-GB"/>
+            </a:p>
+          </p:txBody>
+        </p:sp>
+      </p:grpSp>
+      <p:cxnSp>
+        <p:nvCxnSpPr>
+          <p:cNvPr id="27" name="Straight Connector 26">
+            <a:extLst>
+              <a:ext uri="{FF2B5EF4-FFF2-40B4-BE49-F238E27FC236}">
+                <a16:creationId xmlns:a16="http://schemas.microsoft.com/office/drawing/2014/main" id="{8CE6558C-EC41-9D27-DED8-93BB0D0952BC}"/>
+              </a:ext>
+            </a:extLst>
+          </p:cNvPr>
+          <p:cNvCxnSpPr>
+            <a:cxnSpLocks/>
+          </p:cNvCxnSpPr>
+          <p:nvPr/>
+        </p:nvCxnSpPr>
+        <p:spPr>
+          <a:xfrm>
+            <a:off x="3995475" y="1025718"/>
+            <a:ext cx="635162" cy="0"/>
+          </a:xfrm>
+          <a:prstGeom prst="line">
+            <a:avLst/>
+          </a:prstGeom>
+          <a:ln>
+            <a:solidFill>
+              <a:schemeClr val="tx1"/>
+            </a:solidFill>
+          </a:ln>
+        </p:spPr>
+        <p:style>
+          <a:lnRef idx="1">
+            <a:schemeClr val="accent1"/>
+          </a:lnRef>
+          <a:fillRef idx="0">
+            <a:schemeClr val="accent1"/>
+          </a:fillRef>
+          <a:effectRef idx="0">
+            <a:schemeClr val="accent1"/>
+          </a:effectRef>
+          <a:fontRef idx="minor">
+            <a:schemeClr val="tx1"/>
+          </a:fontRef>
+        </p:style>
+      </p:cxnSp>
+      <p:sp>
+        <p:nvSpPr>
+          <p:cNvPr id="22" name="Cloud 21">
+            <a:extLst>
+              <a:ext uri="{FF2B5EF4-FFF2-40B4-BE49-F238E27FC236}">
+                <a16:creationId xmlns:a16="http://schemas.microsoft.com/office/drawing/2014/main" id="{681D575B-9EE4-EF39-C2ED-49F5CCD8462B}"/>
+              </a:ext>
+            </a:extLst>
+          </p:cNvPr>
+          <p:cNvSpPr/>
+          <p:nvPr/>
+        </p:nvSpPr>
+        <p:spPr>
+          <a:xfrm>
+            <a:off x="2831788" y="640284"/>
+            <a:ext cx="1311691" cy="895482"/>
+          </a:xfrm>
+          <a:prstGeom prst="cloud">
+            <a:avLst/>
+          </a:prstGeom>
+          <a:effectLst>
+            <a:outerShdw blurRad="50800" dist="38100" dir="2700000" algn="tl" rotWithShape="0">
+              <a:prstClr val="black">
+                <a:alpha val="40000"/>
+              </a:prstClr>
+            </a:outerShdw>
+          </a:effectLst>
+        </p:spPr>
+        <p:style>
+          <a:lnRef idx="2">
+            <a:schemeClr val="dk1"/>
+          </a:lnRef>
+          <a:fillRef idx="1">
+            <a:schemeClr val="lt1"/>
+          </a:fillRef>
+          <a:effectRef idx="0">
+            <a:schemeClr val="dk1"/>
+          </a:effectRef>
+          <a:fontRef idx="minor">
+            <a:schemeClr val="dk1"/>
+          </a:fontRef>
+        </p:style>
+        <p:txBody>
+          <a:bodyPr rtlCol="0" anchor="ctr"/>
+          <a:lstStyle/>
+          <a:p>
+            <a:pPr algn="ctr"/>
+            <a:endParaRPr lang="en-GB"/>
+          </a:p>
+        </p:txBody>
+      </p:sp>
+      <p:sp>
+        <p:nvSpPr>
+          <p:cNvPr id="23" name="Flowchart: Delay 22">
+            <a:extLst>
+              <a:ext uri="{FF2B5EF4-FFF2-40B4-BE49-F238E27FC236}">
+                <a16:creationId xmlns:a16="http://schemas.microsoft.com/office/drawing/2014/main" id="{7C7A64A5-6D32-4C56-F573-5487B1EBCD06}"/>
+              </a:ext>
+            </a:extLst>
+          </p:cNvPr>
+          <p:cNvSpPr/>
+          <p:nvPr/>
+        </p:nvSpPr>
+        <p:spPr>
+          <a:xfrm>
+            <a:off x="3474821" y="784418"/>
+            <a:ext cx="340158" cy="241300"/>
+          </a:xfrm>
+          <a:prstGeom prst="flowChartDelay">
+            <a:avLst/>
+          </a:prstGeom>
+          <a:solidFill>
+            <a:schemeClr val="bg1"/>
+          </a:solidFill>
+          <a:effectLst>
+            <a:outerShdw blurRad="50800" dist="38100" dir="2700000" algn="tl" rotWithShape="0">
+              <a:prstClr val="black">
+                <a:alpha val="40000"/>
+              </a:prstClr>
+            </a:outerShdw>
+          </a:effectLst>
+        </p:spPr>
+        <p:style>
+          <a:lnRef idx="2">
+            <a:schemeClr val="dk1"/>
+          </a:lnRef>
+          <a:fillRef idx="1">
+            <a:schemeClr val="lt1"/>
+          </a:fillRef>
+          <a:effectRef idx="0">
+            <a:schemeClr val="dk1"/>
+          </a:effectRef>
+          <a:fontRef idx="minor">
+            <a:schemeClr val="dk1"/>
+          </a:fontRef>
+        </p:style>
+        <p:txBody>
+          <a:bodyPr rtlCol="0" anchor="ctr"/>
+          <a:lstStyle/>
+          <a:p>
+            <a:pPr algn="ctr"/>
+            <a:endParaRPr lang="en-GB"/>
+          </a:p>
+        </p:txBody>
+      </p:sp>
+      <p:grpSp>
+        <p:nvGrpSpPr>
+          <p:cNvPr id="24" name="Group 23">
+            <a:extLst>
+              <a:ext uri="{FF2B5EF4-FFF2-40B4-BE49-F238E27FC236}">
+                <a16:creationId xmlns:a16="http://schemas.microsoft.com/office/drawing/2014/main" id="{9FF3E109-2A5C-E1DE-9740-C280E1A3B369}"/>
+              </a:ext>
+            </a:extLst>
+          </p:cNvPr>
+          <p:cNvGrpSpPr/>
+          <p:nvPr/>
+        </p:nvGrpSpPr>
+        <p:grpSpPr>
+          <a:xfrm>
+            <a:off x="3250189" y="1137735"/>
+            <a:ext cx="387461" cy="241300"/>
+            <a:chOff x="7023410" y="1876718"/>
+            <a:chExt cx="387461" cy="241300"/>
+          </a:xfrm>
+          <a:solidFill>
+            <a:schemeClr val="bg1"/>
+          </a:solidFill>
+          <a:effectLst>
+            <a:outerShdw blurRad="50800" dist="38100" dir="2700000" algn="tl" rotWithShape="0">
+              <a:prstClr val="black">
+                <a:alpha val="40000"/>
+              </a:prstClr>
+            </a:outerShdw>
+          </a:effectLst>
+        </p:grpSpPr>
+        <p:sp>
+          <p:nvSpPr>
+            <p:cNvPr id="25" name="Flowchart: Delay 18">
+              <a:extLst>
+                <a:ext uri="{FF2B5EF4-FFF2-40B4-BE49-F238E27FC236}">
+                  <a16:creationId xmlns:a16="http://schemas.microsoft.com/office/drawing/2014/main" id="{4D00DDC2-8291-7208-11AD-77EAB45CE5F7}"/>
+                </a:ext>
+              </a:extLst>
+            </p:cNvPr>
+            <p:cNvSpPr/>
+            <p:nvPr/>
+          </p:nvSpPr>
+          <p:spPr>
+            <a:xfrm>
+              <a:off x="7023410" y="1876718"/>
+              <a:ext cx="342056" cy="241300"/>
+            </a:xfrm>
+            <a:custGeom>
+              <a:avLst/>
+              <a:gdLst>
+                <a:gd name="connsiteX0" fmla="*/ 0 w 340158"/>
+                <a:gd name="connsiteY0" fmla="*/ 0 h 241300"/>
+                <a:gd name="connsiteX1" fmla="*/ 170079 w 340158"/>
+                <a:gd name="connsiteY1" fmla="*/ 0 h 241300"/>
+                <a:gd name="connsiteX2" fmla="*/ 340158 w 340158"/>
+                <a:gd name="connsiteY2" fmla="*/ 120650 h 241300"/>
+                <a:gd name="connsiteX3" fmla="*/ 170079 w 340158"/>
+                <a:gd name="connsiteY3" fmla="*/ 241300 h 241300"/>
+                <a:gd name="connsiteX4" fmla="*/ 0 w 340158"/>
+                <a:gd name="connsiteY4" fmla="*/ 241300 h 241300"/>
+                <a:gd name="connsiteX5" fmla="*/ 0 w 340158"/>
+                <a:gd name="connsiteY5" fmla="*/ 0 h 241300"/>
+                <a:gd name="connsiteX0" fmla="*/ 2427 w 342585"/>
+                <a:gd name="connsiteY0" fmla="*/ 0 h 241300"/>
+                <a:gd name="connsiteX1" fmla="*/ 0 w 342585"/>
+                <a:gd name="connsiteY1" fmla="*/ 529 h 241300"/>
+                <a:gd name="connsiteX2" fmla="*/ 172506 w 342585"/>
+                <a:gd name="connsiteY2" fmla="*/ 0 h 241300"/>
+                <a:gd name="connsiteX3" fmla="*/ 342585 w 342585"/>
+                <a:gd name="connsiteY3" fmla="*/ 120650 h 241300"/>
+                <a:gd name="connsiteX4" fmla="*/ 172506 w 342585"/>
+                <a:gd name="connsiteY4" fmla="*/ 241300 h 241300"/>
+                <a:gd name="connsiteX5" fmla="*/ 2427 w 342585"/>
+                <a:gd name="connsiteY5" fmla="*/ 241300 h 241300"/>
+                <a:gd name="connsiteX6" fmla="*/ 2427 w 342585"/>
+                <a:gd name="connsiteY6" fmla="*/ 0 h 241300"/>
+                <a:gd name="connsiteX0" fmla="*/ 46877 w 342585"/>
+                <a:gd name="connsiteY0" fmla="*/ 115887 h 241300"/>
+                <a:gd name="connsiteX1" fmla="*/ 0 w 342585"/>
+                <a:gd name="connsiteY1" fmla="*/ 529 h 241300"/>
+                <a:gd name="connsiteX2" fmla="*/ 172506 w 342585"/>
+                <a:gd name="connsiteY2" fmla="*/ 0 h 241300"/>
+                <a:gd name="connsiteX3" fmla="*/ 342585 w 342585"/>
+                <a:gd name="connsiteY3" fmla="*/ 120650 h 241300"/>
+                <a:gd name="connsiteX4" fmla="*/ 172506 w 342585"/>
+                <a:gd name="connsiteY4" fmla="*/ 241300 h 241300"/>
+                <a:gd name="connsiteX5" fmla="*/ 2427 w 342585"/>
+                <a:gd name="connsiteY5" fmla="*/ 241300 h 241300"/>
+                <a:gd name="connsiteX6" fmla="*/ 46877 w 342585"/>
+                <a:gd name="connsiteY6" fmla="*/ 115887 h 241300"/>
+                <a:gd name="connsiteX0" fmla="*/ 50908 w 346616"/>
+                <a:gd name="connsiteY0" fmla="*/ 115887 h 241300"/>
+                <a:gd name="connsiteX1" fmla="*/ 4031 w 346616"/>
+                <a:gd name="connsiteY1" fmla="*/ 529 h 241300"/>
+                <a:gd name="connsiteX2" fmla="*/ 176537 w 346616"/>
+                <a:gd name="connsiteY2" fmla="*/ 0 h 241300"/>
+                <a:gd name="connsiteX3" fmla="*/ 346616 w 346616"/>
+                <a:gd name="connsiteY3" fmla="*/ 120650 h 241300"/>
+                <a:gd name="connsiteX4" fmla="*/ 176537 w 346616"/>
+                <a:gd name="connsiteY4" fmla="*/ 241300 h 241300"/>
+                <a:gd name="connsiteX5" fmla="*/ 6458 w 346616"/>
+                <a:gd name="connsiteY5" fmla="*/ 241300 h 241300"/>
+                <a:gd name="connsiteX6" fmla="*/ 50908 w 346616"/>
+                <a:gd name="connsiteY6" fmla="*/ 115887 h 241300"/>
+                <a:gd name="connsiteX0" fmla="*/ 50908 w 346616"/>
+                <a:gd name="connsiteY0" fmla="*/ 115887 h 241300"/>
+                <a:gd name="connsiteX1" fmla="*/ 4031 w 346616"/>
+                <a:gd name="connsiteY1" fmla="*/ 529 h 241300"/>
+                <a:gd name="connsiteX2" fmla="*/ 176537 w 346616"/>
+                <a:gd name="connsiteY2" fmla="*/ 0 h 241300"/>
+                <a:gd name="connsiteX3" fmla="*/ 346616 w 346616"/>
+                <a:gd name="connsiteY3" fmla="*/ 120650 h 241300"/>
+                <a:gd name="connsiteX4" fmla="*/ 176537 w 346616"/>
+                <a:gd name="connsiteY4" fmla="*/ 241300 h 241300"/>
+                <a:gd name="connsiteX5" fmla="*/ 6458 w 346616"/>
+                <a:gd name="connsiteY5" fmla="*/ 241300 h 241300"/>
+                <a:gd name="connsiteX6" fmla="*/ 50908 w 346616"/>
+                <a:gd name="connsiteY6" fmla="*/ 115887 h 241300"/>
+                <a:gd name="connsiteX0" fmla="*/ 50908 w 346616"/>
+                <a:gd name="connsiteY0" fmla="*/ 115887 h 241300"/>
+                <a:gd name="connsiteX1" fmla="*/ 4031 w 346616"/>
+                <a:gd name="connsiteY1" fmla="*/ 529 h 241300"/>
+                <a:gd name="connsiteX2" fmla="*/ 176537 w 346616"/>
+                <a:gd name="connsiteY2" fmla="*/ 0 h 241300"/>
+                <a:gd name="connsiteX3" fmla="*/ 346616 w 346616"/>
+                <a:gd name="connsiteY3" fmla="*/ 120650 h 241300"/>
+                <a:gd name="connsiteX4" fmla="*/ 176537 w 346616"/>
+                <a:gd name="connsiteY4" fmla="*/ 241300 h 241300"/>
+                <a:gd name="connsiteX5" fmla="*/ 6458 w 346616"/>
+                <a:gd name="connsiteY5" fmla="*/ 241300 h 241300"/>
+                <a:gd name="connsiteX6" fmla="*/ 50908 w 346616"/>
+                <a:gd name="connsiteY6" fmla="*/ 115887 h 241300"/>
+                <a:gd name="connsiteX0" fmla="*/ 46877 w 342585"/>
+                <a:gd name="connsiteY0" fmla="*/ 115887 h 241300"/>
+                <a:gd name="connsiteX1" fmla="*/ 0 w 342585"/>
+                <a:gd name="connsiteY1" fmla="*/ 529 h 241300"/>
+                <a:gd name="connsiteX2" fmla="*/ 172506 w 342585"/>
+                <a:gd name="connsiteY2" fmla="*/ 0 h 241300"/>
+                <a:gd name="connsiteX3" fmla="*/ 342585 w 342585"/>
+                <a:gd name="connsiteY3" fmla="*/ 120650 h 241300"/>
+                <a:gd name="connsiteX4" fmla="*/ 172506 w 342585"/>
+                <a:gd name="connsiteY4" fmla="*/ 241300 h 241300"/>
+                <a:gd name="connsiteX5" fmla="*/ 2427 w 342585"/>
+                <a:gd name="connsiteY5" fmla="*/ 241300 h 241300"/>
+                <a:gd name="connsiteX6" fmla="*/ 46877 w 342585"/>
+                <a:gd name="connsiteY6" fmla="*/ 115887 h 241300"/>
+                <a:gd name="connsiteX0" fmla="*/ 46877 w 342585"/>
+                <a:gd name="connsiteY0" fmla="*/ 115887 h 241300"/>
+                <a:gd name="connsiteX1" fmla="*/ 0 w 342585"/>
+                <a:gd name="connsiteY1" fmla="*/ 529 h 241300"/>
+                <a:gd name="connsiteX2" fmla="*/ 172506 w 342585"/>
+                <a:gd name="connsiteY2" fmla="*/ 0 h 241300"/>
+                <a:gd name="connsiteX3" fmla="*/ 342585 w 342585"/>
+                <a:gd name="connsiteY3" fmla="*/ 120650 h 241300"/>
+                <a:gd name="connsiteX4" fmla="*/ 172506 w 342585"/>
+                <a:gd name="connsiteY4" fmla="*/ 241300 h 241300"/>
+                <a:gd name="connsiteX5" fmla="*/ 2427 w 342585"/>
+                <a:gd name="connsiteY5" fmla="*/ 241300 h 241300"/>
+                <a:gd name="connsiteX6" fmla="*/ 46877 w 342585"/>
+                <a:gd name="connsiteY6" fmla="*/ 115887 h 241300"/>
+                <a:gd name="connsiteX0" fmla="*/ 46877 w 342585"/>
+                <a:gd name="connsiteY0" fmla="*/ 115887 h 241300"/>
+                <a:gd name="connsiteX1" fmla="*/ 0 w 342585"/>
+                <a:gd name="connsiteY1" fmla="*/ 529 h 241300"/>
+                <a:gd name="connsiteX2" fmla="*/ 172506 w 342585"/>
+                <a:gd name="connsiteY2" fmla="*/ 0 h 241300"/>
+                <a:gd name="connsiteX3" fmla="*/ 342585 w 342585"/>
+                <a:gd name="connsiteY3" fmla="*/ 120650 h 241300"/>
+                <a:gd name="connsiteX4" fmla="*/ 172506 w 342585"/>
+                <a:gd name="connsiteY4" fmla="*/ 241300 h 241300"/>
+                <a:gd name="connsiteX5" fmla="*/ 2427 w 342585"/>
+                <a:gd name="connsiteY5" fmla="*/ 241300 h 241300"/>
+                <a:gd name="connsiteX6" fmla="*/ 46877 w 342585"/>
+                <a:gd name="connsiteY6" fmla="*/ 115887 h 241300"/>
+                <a:gd name="connsiteX0" fmla="*/ 46877 w 342585"/>
+                <a:gd name="connsiteY0" fmla="*/ 115887 h 241300"/>
+                <a:gd name="connsiteX1" fmla="*/ 0 w 342585"/>
+                <a:gd name="connsiteY1" fmla="*/ 529 h 241300"/>
+                <a:gd name="connsiteX2" fmla="*/ 172506 w 342585"/>
+                <a:gd name="connsiteY2" fmla="*/ 0 h 241300"/>
+                <a:gd name="connsiteX3" fmla="*/ 342585 w 342585"/>
+                <a:gd name="connsiteY3" fmla="*/ 120650 h 241300"/>
+                <a:gd name="connsiteX4" fmla="*/ 172506 w 342585"/>
+                <a:gd name="connsiteY4" fmla="*/ 241300 h 241300"/>
+                <a:gd name="connsiteX5" fmla="*/ 2427 w 342585"/>
+                <a:gd name="connsiteY5" fmla="*/ 241300 h 241300"/>
+                <a:gd name="connsiteX6" fmla="*/ 46877 w 342585"/>
+                <a:gd name="connsiteY6" fmla="*/ 115887 h 241300"/>
+                <a:gd name="connsiteX0" fmla="*/ 56402 w 342585"/>
+                <a:gd name="connsiteY0" fmla="*/ 107949 h 241300"/>
+                <a:gd name="connsiteX1" fmla="*/ 0 w 342585"/>
+                <a:gd name="connsiteY1" fmla="*/ 529 h 241300"/>
+                <a:gd name="connsiteX2" fmla="*/ 172506 w 342585"/>
+                <a:gd name="connsiteY2" fmla="*/ 0 h 241300"/>
+                <a:gd name="connsiteX3" fmla="*/ 342585 w 342585"/>
+                <a:gd name="connsiteY3" fmla="*/ 120650 h 241300"/>
+                <a:gd name="connsiteX4" fmla="*/ 172506 w 342585"/>
+                <a:gd name="connsiteY4" fmla="*/ 241300 h 241300"/>
+                <a:gd name="connsiteX5" fmla="*/ 2427 w 342585"/>
+                <a:gd name="connsiteY5" fmla="*/ 241300 h 241300"/>
+                <a:gd name="connsiteX6" fmla="*/ 56402 w 342585"/>
+                <a:gd name="connsiteY6" fmla="*/ 107949 h 241300"/>
+                <a:gd name="connsiteX0" fmla="*/ 56402 w 342585"/>
+                <a:gd name="connsiteY0" fmla="*/ 107949 h 241300"/>
+                <a:gd name="connsiteX1" fmla="*/ 0 w 342585"/>
+                <a:gd name="connsiteY1" fmla="*/ 529 h 241300"/>
+                <a:gd name="connsiteX2" fmla="*/ 172506 w 342585"/>
+                <a:gd name="connsiteY2" fmla="*/ 0 h 241300"/>
+                <a:gd name="connsiteX3" fmla="*/ 342585 w 342585"/>
+                <a:gd name="connsiteY3" fmla="*/ 120650 h 241300"/>
+                <a:gd name="connsiteX4" fmla="*/ 172506 w 342585"/>
+                <a:gd name="connsiteY4" fmla="*/ 241300 h 241300"/>
+                <a:gd name="connsiteX5" fmla="*/ 2427 w 342585"/>
+                <a:gd name="connsiteY5" fmla="*/ 241300 h 241300"/>
+                <a:gd name="connsiteX6" fmla="*/ 56402 w 342585"/>
+                <a:gd name="connsiteY6" fmla="*/ 107949 h 241300"/>
+                <a:gd name="connsiteX0" fmla="*/ 56402 w 342585"/>
+                <a:gd name="connsiteY0" fmla="*/ 128587 h 241300"/>
+                <a:gd name="connsiteX1" fmla="*/ 0 w 342585"/>
+                <a:gd name="connsiteY1" fmla="*/ 529 h 241300"/>
+                <a:gd name="connsiteX2" fmla="*/ 172506 w 342585"/>
+                <a:gd name="connsiteY2" fmla="*/ 0 h 241300"/>
+                <a:gd name="connsiteX3" fmla="*/ 342585 w 342585"/>
+                <a:gd name="connsiteY3" fmla="*/ 120650 h 241300"/>
+                <a:gd name="connsiteX4" fmla="*/ 172506 w 342585"/>
+                <a:gd name="connsiteY4" fmla="*/ 241300 h 241300"/>
+                <a:gd name="connsiteX5" fmla="*/ 2427 w 342585"/>
+                <a:gd name="connsiteY5" fmla="*/ 241300 h 241300"/>
+                <a:gd name="connsiteX6" fmla="*/ 56402 w 342585"/>
+                <a:gd name="connsiteY6" fmla="*/ 128587 h 241300"/>
+                <a:gd name="connsiteX0" fmla="*/ 56402 w 342585"/>
+                <a:gd name="connsiteY0" fmla="*/ 128587 h 241300"/>
+                <a:gd name="connsiteX1" fmla="*/ 0 w 342585"/>
+                <a:gd name="connsiteY1" fmla="*/ 529 h 241300"/>
+                <a:gd name="connsiteX2" fmla="*/ 172506 w 342585"/>
+                <a:gd name="connsiteY2" fmla="*/ 0 h 241300"/>
+                <a:gd name="connsiteX3" fmla="*/ 342585 w 342585"/>
+                <a:gd name="connsiteY3" fmla="*/ 120650 h 241300"/>
+                <a:gd name="connsiteX4" fmla="*/ 172506 w 342585"/>
+                <a:gd name="connsiteY4" fmla="*/ 241300 h 241300"/>
+                <a:gd name="connsiteX5" fmla="*/ 2427 w 342585"/>
+                <a:gd name="connsiteY5" fmla="*/ 241300 h 241300"/>
+                <a:gd name="connsiteX6" fmla="*/ 56402 w 342585"/>
+                <a:gd name="connsiteY6" fmla="*/ 128587 h 241300"/>
+                <a:gd name="connsiteX0" fmla="*/ 56402 w 342585"/>
+                <a:gd name="connsiteY0" fmla="*/ 125412 h 241300"/>
+                <a:gd name="connsiteX1" fmla="*/ 0 w 342585"/>
+                <a:gd name="connsiteY1" fmla="*/ 529 h 241300"/>
+                <a:gd name="connsiteX2" fmla="*/ 172506 w 342585"/>
+                <a:gd name="connsiteY2" fmla="*/ 0 h 241300"/>
+                <a:gd name="connsiteX3" fmla="*/ 342585 w 342585"/>
+                <a:gd name="connsiteY3" fmla="*/ 120650 h 241300"/>
+                <a:gd name="connsiteX4" fmla="*/ 172506 w 342585"/>
+                <a:gd name="connsiteY4" fmla="*/ 241300 h 241300"/>
+                <a:gd name="connsiteX5" fmla="*/ 2427 w 342585"/>
+                <a:gd name="connsiteY5" fmla="*/ 241300 h 241300"/>
+                <a:gd name="connsiteX6" fmla="*/ 56402 w 342585"/>
+                <a:gd name="connsiteY6" fmla="*/ 125412 h 241300"/>
+                <a:gd name="connsiteX0" fmla="*/ 56402 w 346146"/>
+                <a:gd name="connsiteY0" fmla="*/ 125412 h 241300"/>
+                <a:gd name="connsiteX1" fmla="*/ 0 w 346146"/>
+                <a:gd name="connsiteY1" fmla="*/ 529 h 241300"/>
+                <a:gd name="connsiteX2" fmla="*/ 172506 w 346146"/>
+                <a:gd name="connsiteY2" fmla="*/ 0 h 241300"/>
+                <a:gd name="connsiteX3" fmla="*/ 342585 w 346146"/>
+                <a:gd name="connsiteY3" fmla="*/ 120650 h 241300"/>
+                <a:gd name="connsiteX4" fmla="*/ 172506 w 346146"/>
+                <a:gd name="connsiteY4" fmla="*/ 241300 h 241300"/>
+                <a:gd name="connsiteX5" fmla="*/ 2427 w 346146"/>
+                <a:gd name="connsiteY5" fmla="*/ 241300 h 241300"/>
+                <a:gd name="connsiteX6" fmla="*/ 56402 w 346146"/>
+                <a:gd name="connsiteY6" fmla="*/ 125412 h 241300"/>
+                <a:gd name="connsiteX0" fmla="*/ 56402 w 346146"/>
+                <a:gd name="connsiteY0" fmla="*/ 125412 h 241300"/>
+                <a:gd name="connsiteX1" fmla="*/ 0 w 346146"/>
+                <a:gd name="connsiteY1" fmla="*/ 529 h 241300"/>
+                <a:gd name="connsiteX2" fmla="*/ 172506 w 346146"/>
+                <a:gd name="connsiteY2" fmla="*/ 0 h 241300"/>
+                <a:gd name="connsiteX3" fmla="*/ 342585 w 346146"/>
+                <a:gd name="connsiteY3" fmla="*/ 120650 h 241300"/>
+                <a:gd name="connsiteX4" fmla="*/ 172506 w 346146"/>
+                <a:gd name="connsiteY4" fmla="*/ 241300 h 241300"/>
+                <a:gd name="connsiteX5" fmla="*/ 2427 w 346146"/>
+                <a:gd name="connsiteY5" fmla="*/ 241300 h 241300"/>
+                <a:gd name="connsiteX6" fmla="*/ 56402 w 346146"/>
+                <a:gd name="connsiteY6" fmla="*/ 125412 h 241300"/>
+                <a:gd name="connsiteX0" fmla="*/ 56402 w 342585"/>
+                <a:gd name="connsiteY0" fmla="*/ 125412 h 241300"/>
+                <a:gd name="connsiteX1" fmla="*/ 0 w 342585"/>
+                <a:gd name="connsiteY1" fmla="*/ 529 h 241300"/>
+                <a:gd name="connsiteX2" fmla="*/ 172506 w 342585"/>
+                <a:gd name="connsiteY2" fmla="*/ 0 h 241300"/>
+                <a:gd name="connsiteX3" fmla="*/ 342585 w 342585"/>
+                <a:gd name="connsiteY3" fmla="*/ 120650 h 241300"/>
+                <a:gd name="connsiteX4" fmla="*/ 172506 w 342585"/>
+                <a:gd name="connsiteY4" fmla="*/ 241300 h 241300"/>
+                <a:gd name="connsiteX5" fmla="*/ 2427 w 342585"/>
+                <a:gd name="connsiteY5" fmla="*/ 241300 h 241300"/>
+                <a:gd name="connsiteX6" fmla="*/ 56402 w 342585"/>
+                <a:gd name="connsiteY6" fmla="*/ 125412 h 241300"/>
+                <a:gd name="connsiteX0" fmla="*/ 56402 w 342585"/>
+                <a:gd name="connsiteY0" fmla="*/ 125412 h 241300"/>
+                <a:gd name="connsiteX1" fmla="*/ 0 w 342585"/>
+                <a:gd name="connsiteY1" fmla="*/ 529 h 241300"/>
+                <a:gd name="connsiteX2" fmla="*/ 172506 w 342585"/>
+                <a:gd name="connsiteY2" fmla="*/ 0 h 241300"/>
+                <a:gd name="connsiteX3" fmla="*/ 342585 w 342585"/>
+                <a:gd name="connsiteY3" fmla="*/ 120650 h 241300"/>
+                <a:gd name="connsiteX4" fmla="*/ 172506 w 342585"/>
+                <a:gd name="connsiteY4" fmla="*/ 241300 h 241300"/>
+                <a:gd name="connsiteX5" fmla="*/ 2427 w 342585"/>
+                <a:gd name="connsiteY5" fmla="*/ 241300 h 241300"/>
+                <a:gd name="connsiteX6" fmla="*/ 56402 w 342585"/>
+                <a:gd name="connsiteY6" fmla="*/ 125412 h 241300"/>
+                <a:gd name="connsiteX0" fmla="*/ 56402 w 353179"/>
+                <a:gd name="connsiteY0" fmla="*/ 125412 h 241300"/>
+                <a:gd name="connsiteX1" fmla="*/ 0 w 353179"/>
+                <a:gd name="connsiteY1" fmla="*/ 529 h 241300"/>
+                <a:gd name="connsiteX2" fmla="*/ 172506 w 353179"/>
+                <a:gd name="connsiteY2" fmla="*/ 0 h 241300"/>
+                <a:gd name="connsiteX3" fmla="*/ 342585 w 353179"/>
+                <a:gd name="connsiteY3" fmla="*/ 120650 h 241300"/>
+                <a:gd name="connsiteX4" fmla="*/ 172506 w 353179"/>
+                <a:gd name="connsiteY4" fmla="*/ 241300 h 241300"/>
+                <a:gd name="connsiteX5" fmla="*/ 2427 w 353179"/>
+                <a:gd name="connsiteY5" fmla="*/ 241300 h 241300"/>
+                <a:gd name="connsiteX6" fmla="*/ 56402 w 353179"/>
+                <a:gd name="connsiteY6" fmla="*/ 125412 h 241300"/>
+                <a:gd name="connsiteX0" fmla="*/ 56402 w 342677"/>
+                <a:gd name="connsiteY0" fmla="*/ 125412 h 241300"/>
+                <a:gd name="connsiteX1" fmla="*/ 0 w 342677"/>
+                <a:gd name="connsiteY1" fmla="*/ 529 h 241300"/>
+                <a:gd name="connsiteX2" fmla="*/ 172506 w 342677"/>
+                <a:gd name="connsiteY2" fmla="*/ 0 h 241300"/>
+                <a:gd name="connsiteX3" fmla="*/ 342585 w 342677"/>
+                <a:gd name="connsiteY3" fmla="*/ 120650 h 241300"/>
+                <a:gd name="connsiteX4" fmla="*/ 172506 w 342677"/>
+                <a:gd name="connsiteY4" fmla="*/ 241300 h 241300"/>
+                <a:gd name="connsiteX5" fmla="*/ 2427 w 342677"/>
+                <a:gd name="connsiteY5" fmla="*/ 241300 h 241300"/>
+                <a:gd name="connsiteX6" fmla="*/ 56402 w 342677"/>
+                <a:gd name="connsiteY6" fmla="*/ 125412 h 241300"/>
+                <a:gd name="connsiteX0" fmla="*/ 56402 w 342677"/>
+                <a:gd name="connsiteY0" fmla="*/ 125412 h 241300"/>
+                <a:gd name="connsiteX1" fmla="*/ 0 w 342677"/>
+                <a:gd name="connsiteY1" fmla="*/ 529 h 241300"/>
+                <a:gd name="connsiteX2" fmla="*/ 172506 w 342677"/>
+                <a:gd name="connsiteY2" fmla="*/ 0 h 241300"/>
+                <a:gd name="connsiteX3" fmla="*/ 342585 w 342677"/>
+                <a:gd name="connsiteY3" fmla="*/ 120650 h 241300"/>
+                <a:gd name="connsiteX4" fmla="*/ 172506 w 342677"/>
+                <a:gd name="connsiteY4" fmla="*/ 241300 h 241300"/>
+                <a:gd name="connsiteX5" fmla="*/ 2427 w 342677"/>
+                <a:gd name="connsiteY5" fmla="*/ 241300 h 241300"/>
+                <a:gd name="connsiteX6" fmla="*/ 56402 w 342677"/>
+                <a:gd name="connsiteY6" fmla="*/ 125412 h 241300"/>
+                <a:gd name="connsiteX0" fmla="*/ 56402 w 306237"/>
+                <a:gd name="connsiteY0" fmla="*/ 125412 h 241300"/>
+                <a:gd name="connsiteX1" fmla="*/ 0 w 306237"/>
+                <a:gd name="connsiteY1" fmla="*/ 529 h 241300"/>
+                <a:gd name="connsiteX2" fmla="*/ 172506 w 306237"/>
+                <a:gd name="connsiteY2" fmla="*/ 0 h 241300"/>
+                <a:gd name="connsiteX3" fmla="*/ 306073 w 306237"/>
+                <a:gd name="connsiteY3" fmla="*/ 104775 h 241300"/>
+                <a:gd name="connsiteX4" fmla="*/ 172506 w 306237"/>
+                <a:gd name="connsiteY4" fmla="*/ 241300 h 241300"/>
+                <a:gd name="connsiteX5" fmla="*/ 2427 w 306237"/>
+                <a:gd name="connsiteY5" fmla="*/ 241300 h 241300"/>
+                <a:gd name="connsiteX6" fmla="*/ 56402 w 306237"/>
+                <a:gd name="connsiteY6" fmla="*/ 125412 h 241300"/>
+                <a:gd name="connsiteX0" fmla="*/ 56402 w 306237"/>
+                <a:gd name="connsiteY0" fmla="*/ 125412 h 241300"/>
+                <a:gd name="connsiteX1" fmla="*/ 0 w 306237"/>
+                <a:gd name="connsiteY1" fmla="*/ 529 h 241300"/>
+                <a:gd name="connsiteX2" fmla="*/ 172506 w 306237"/>
+                <a:gd name="connsiteY2" fmla="*/ 0 h 241300"/>
+                <a:gd name="connsiteX3" fmla="*/ 306073 w 306237"/>
+                <a:gd name="connsiteY3" fmla="*/ 104775 h 241300"/>
+                <a:gd name="connsiteX4" fmla="*/ 172506 w 306237"/>
+                <a:gd name="connsiteY4" fmla="*/ 241300 h 241300"/>
+                <a:gd name="connsiteX5" fmla="*/ 2427 w 306237"/>
+                <a:gd name="connsiteY5" fmla="*/ 241300 h 241300"/>
+                <a:gd name="connsiteX6" fmla="*/ 56402 w 306237"/>
+                <a:gd name="connsiteY6" fmla="*/ 125412 h 241300"/>
+                <a:gd name="connsiteX0" fmla="*/ 56402 w 306199"/>
+                <a:gd name="connsiteY0" fmla="*/ 125412 h 241300"/>
+                <a:gd name="connsiteX1" fmla="*/ 0 w 306199"/>
+                <a:gd name="connsiteY1" fmla="*/ 529 h 241300"/>
+                <a:gd name="connsiteX2" fmla="*/ 172506 w 306199"/>
+                <a:gd name="connsiteY2" fmla="*/ 0 h 241300"/>
+                <a:gd name="connsiteX3" fmla="*/ 306073 w 306199"/>
+                <a:gd name="connsiteY3" fmla="*/ 104775 h 241300"/>
+                <a:gd name="connsiteX4" fmla="*/ 172506 w 306199"/>
+                <a:gd name="connsiteY4" fmla="*/ 241300 h 241300"/>
+                <a:gd name="connsiteX5" fmla="*/ 2427 w 306199"/>
+                <a:gd name="connsiteY5" fmla="*/ 241300 h 241300"/>
+                <a:gd name="connsiteX6" fmla="*/ 56402 w 306199"/>
+                <a:gd name="connsiteY6" fmla="*/ 125412 h 241300"/>
+                <a:gd name="connsiteX0" fmla="*/ 56402 w 306199"/>
+                <a:gd name="connsiteY0" fmla="*/ 125412 h 241300"/>
+                <a:gd name="connsiteX1" fmla="*/ 0 w 306199"/>
+                <a:gd name="connsiteY1" fmla="*/ 529 h 241300"/>
+                <a:gd name="connsiteX2" fmla="*/ 172506 w 306199"/>
+                <a:gd name="connsiteY2" fmla="*/ 0 h 241300"/>
+                <a:gd name="connsiteX3" fmla="*/ 306073 w 306199"/>
+                <a:gd name="connsiteY3" fmla="*/ 128587 h 241300"/>
+                <a:gd name="connsiteX4" fmla="*/ 172506 w 306199"/>
+                <a:gd name="connsiteY4" fmla="*/ 241300 h 241300"/>
+                <a:gd name="connsiteX5" fmla="*/ 2427 w 306199"/>
+                <a:gd name="connsiteY5" fmla="*/ 241300 h 241300"/>
+                <a:gd name="connsiteX6" fmla="*/ 56402 w 306199"/>
+                <a:gd name="connsiteY6" fmla="*/ 125412 h 241300"/>
+                <a:gd name="connsiteX0" fmla="*/ 56402 w 306199"/>
+                <a:gd name="connsiteY0" fmla="*/ 125412 h 241300"/>
+                <a:gd name="connsiteX1" fmla="*/ 0 w 306199"/>
+                <a:gd name="connsiteY1" fmla="*/ 529 h 241300"/>
+                <a:gd name="connsiteX2" fmla="*/ 172506 w 306199"/>
+                <a:gd name="connsiteY2" fmla="*/ 0 h 241300"/>
+                <a:gd name="connsiteX3" fmla="*/ 306073 w 306199"/>
+                <a:gd name="connsiteY3" fmla="*/ 122237 h 241300"/>
+                <a:gd name="connsiteX4" fmla="*/ 172506 w 306199"/>
+                <a:gd name="connsiteY4" fmla="*/ 241300 h 241300"/>
+                <a:gd name="connsiteX5" fmla="*/ 2427 w 306199"/>
+                <a:gd name="connsiteY5" fmla="*/ 241300 h 241300"/>
+                <a:gd name="connsiteX6" fmla="*/ 56402 w 306199"/>
+                <a:gd name="connsiteY6" fmla="*/ 125412 h 241300"/>
+                <a:gd name="connsiteX0" fmla="*/ 56402 w 306096"/>
+                <a:gd name="connsiteY0" fmla="*/ 125412 h 241300"/>
+                <a:gd name="connsiteX1" fmla="*/ 0 w 306096"/>
+                <a:gd name="connsiteY1" fmla="*/ 529 h 241300"/>
+                <a:gd name="connsiteX2" fmla="*/ 172506 w 306096"/>
+                <a:gd name="connsiteY2" fmla="*/ 0 h 241300"/>
+                <a:gd name="connsiteX3" fmla="*/ 306073 w 306096"/>
+                <a:gd name="connsiteY3" fmla="*/ 122237 h 241300"/>
+                <a:gd name="connsiteX4" fmla="*/ 172506 w 306096"/>
+                <a:gd name="connsiteY4" fmla="*/ 241300 h 241300"/>
+                <a:gd name="connsiteX5" fmla="*/ 2427 w 306096"/>
+                <a:gd name="connsiteY5" fmla="*/ 241300 h 241300"/>
+                <a:gd name="connsiteX6" fmla="*/ 56402 w 306096"/>
+                <a:gd name="connsiteY6" fmla="*/ 125412 h 241300"/>
+                <a:gd name="connsiteX0" fmla="*/ 56402 w 352654"/>
+                <a:gd name="connsiteY0" fmla="*/ 125412 h 241300"/>
+                <a:gd name="connsiteX1" fmla="*/ 0 w 352654"/>
+                <a:gd name="connsiteY1" fmla="*/ 529 h 241300"/>
+                <a:gd name="connsiteX2" fmla="*/ 172506 w 352654"/>
+                <a:gd name="connsiteY2" fmla="*/ 0 h 241300"/>
+                <a:gd name="connsiteX3" fmla="*/ 352639 w 352654"/>
+                <a:gd name="connsiteY3" fmla="*/ 124353 h 241300"/>
+                <a:gd name="connsiteX4" fmla="*/ 172506 w 352654"/>
+                <a:gd name="connsiteY4" fmla="*/ 241300 h 241300"/>
+                <a:gd name="connsiteX5" fmla="*/ 2427 w 352654"/>
+                <a:gd name="connsiteY5" fmla="*/ 241300 h 241300"/>
+                <a:gd name="connsiteX6" fmla="*/ 56402 w 352654"/>
+                <a:gd name="connsiteY6" fmla="*/ 125412 h 241300"/>
+                <a:gd name="connsiteX0" fmla="*/ 56402 w 353537"/>
+                <a:gd name="connsiteY0" fmla="*/ 125412 h 241300"/>
+                <a:gd name="connsiteX1" fmla="*/ 0 w 353537"/>
+                <a:gd name="connsiteY1" fmla="*/ 529 h 241300"/>
+                <a:gd name="connsiteX2" fmla="*/ 231772 w 353537"/>
+                <a:gd name="connsiteY2" fmla="*/ 0 h 241300"/>
+                <a:gd name="connsiteX3" fmla="*/ 352639 w 353537"/>
+                <a:gd name="connsiteY3" fmla="*/ 124353 h 241300"/>
+                <a:gd name="connsiteX4" fmla="*/ 172506 w 353537"/>
+                <a:gd name="connsiteY4" fmla="*/ 241300 h 241300"/>
+                <a:gd name="connsiteX5" fmla="*/ 2427 w 353537"/>
+                <a:gd name="connsiteY5" fmla="*/ 241300 h 241300"/>
+                <a:gd name="connsiteX6" fmla="*/ 56402 w 353537"/>
+                <a:gd name="connsiteY6" fmla="*/ 125412 h 241300"/>
+                <a:gd name="connsiteX0" fmla="*/ 56402 w 352648"/>
+                <a:gd name="connsiteY0" fmla="*/ 125412 h 241300"/>
+                <a:gd name="connsiteX1" fmla="*/ 0 w 352648"/>
+                <a:gd name="connsiteY1" fmla="*/ 529 h 241300"/>
+                <a:gd name="connsiteX2" fmla="*/ 231772 w 352648"/>
+                <a:gd name="connsiteY2" fmla="*/ 0 h 241300"/>
+                <a:gd name="connsiteX3" fmla="*/ 352639 w 352648"/>
+                <a:gd name="connsiteY3" fmla="*/ 124353 h 241300"/>
+                <a:gd name="connsiteX4" fmla="*/ 236006 w 352648"/>
+                <a:gd name="connsiteY4" fmla="*/ 241300 h 241300"/>
+                <a:gd name="connsiteX5" fmla="*/ 2427 w 352648"/>
+                <a:gd name="connsiteY5" fmla="*/ 241300 h 241300"/>
+                <a:gd name="connsiteX6" fmla="*/ 56402 w 352648"/>
+                <a:gd name="connsiteY6" fmla="*/ 125412 h 241300"/>
+                <a:gd name="connsiteX0" fmla="*/ 56402 w 346300"/>
+                <a:gd name="connsiteY0" fmla="*/ 125412 h 241300"/>
+                <a:gd name="connsiteX1" fmla="*/ 0 w 346300"/>
+                <a:gd name="connsiteY1" fmla="*/ 529 h 241300"/>
+                <a:gd name="connsiteX2" fmla="*/ 231772 w 346300"/>
+                <a:gd name="connsiteY2" fmla="*/ 0 h 241300"/>
+                <a:gd name="connsiteX3" fmla="*/ 346289 w 346300"/>
+                <a:gd name="connsiteY3" fmla="*/ 124353 h 241300"/>
+                <a:gd name="connsiteX4" fmla="*/ 236006 w 346300"/>
+                <a:gd name="connsiteY4" fmla="*/ 241300 h 241300"/>
+                <a:gd name="connsiteX5" fmla="*/ 2427 w 346300"/>
+                <a:gd name="connsiteY5" fmla="*/ 241300 h 241300"/>
+                <a:gd name="connsiteX6" fmla="*/ 56402 w 346300"/>
+                <a:gd name="connsiteY6" fmla="*/ 125412 h 241300"/>
+                <a:gd name="connsiteX0" fmla="*/ 56402 w 346300"/>
+                <a:gd name="connsiteY0" fmla="*/ 125412 h 241300"/>
+                <a:gd name="connsiteX1" fmla="*/ 0 w 346300"/>
+                <a:gd name="connsiteY1" fmla="*/ 529 h 241300"/>
+                <a:gd name="connsiteX2" fmla="*/ 231772 w 346300"/>
+                <a:gd name="connsiteY2" fmla="*/ 0 h 241300"/>
+                <a:gd name="connsiteX3" fmla="*/ 346289 w 346300"/>
+                <a:gd name="connsiteY3" fmla="*/ 126470 h 241300"/>
+                <a:gd name="connsiteX4" fmla="*/ 236006 w 346300"/>
+                <a:gd name="connsiteY4" fmla="*/ 241300 h 241300"/>
+                <a:gd name="connsiteX5" fmla="*/ 2427 w 346300"/>
+                <a:gd name="connsiteY5" fmla="*/ 241300 h 241300"/>
+                <a:gd name="connsiteX6" fmla="*/ 56402 w 346300"/>
+                <a:gd name="connsiteY6" fmla="*/ 125412 h 241300"/>
+                <a:gd name="connsiteX0" fmla="*/ 56402 w 342069"/>
+                <a:gd name="connsiteY0" fmla="*/ 125412 h 241300"/>
+                <a:gd name="connsiteX1" fmla="*/ 0 w 342069"/>
+                <a:gd name="connsiteY1" fmla="*/ 529 h 241300"/>
+                <a:gd name="connsiteX2" fmla="*/ 231772 w 342069"/>
+                <a:gd name="connsiteY2" fmla="*/ 0 h 241300"/>
+                <a:gd name="connsiteX3" fmla="*/ 342056 w 342069"/>
+                <a:gd name="connsiteY3" fmla="*/ 113770 h 241300"/>
+                <a:gd name="connsiteX4" fmla="*/ 236006 w 342069"/>
+                <a:gd name="connsiteY4" fmla="*/ 241300 h 241300"/>
+                <a:gd name="connsiteX5" fmla="*/ 2427 w 342069"/>
+                <a:gd name="connsiteY5" fmla="*/ 241300 h 241300"/>
+                <a:gd name="connsiteX6" fmla="*/ 56402 w 342069"/>
+                <a:gd name="connsiteY6" fmla="*/ 125412 h 241300"/>
+                <a:gd name="connsiteX0" fmla="*/ 56402 w 344616"/>
+                <a:gd name="connsiteY0" fmla="*/ 125412 h 241300"/>
+                <a:gd name="connsiteX1" fmla="*/ 0 w 344616"/>
+                <a:gd name="connsiteY1" fmla="*/ 529 h 241300"/>
+                <a:gd name="connsiteX2" fmla="*/ 231772 w 344616"/>
+                <a:gd name="connsiteY2" fmla="*/ 0 h 241300"/>
+                <a:gd name="connsiteX3" fmla="*/ 342056 w 344616"/>
+                <a:gd name="connsiteY3" fmla="*/ 113770 h 241300"/>
+                <a:gd name="connsiteX4" fmla="*/ 236006 w 344616"/>
+                <a:gd name="connsiteY4" fmla="*/ 241300 h 241300"/>
+                <a:gd name="connsiteX5" fmla="*/ 2427 w 344616"/>
+                <a:gd name="connsiteY5" fmla="*/ 241300 h 241300"/>
+                <a:gd name="connsiteX6" fmla="*/ 56402 w 344616"/>
+                <a:gd name="connsiteY6" fmla="*/ 125412 h 241300"/>
+                <a:gd name="connsiteX0" fmla="*/ 56402 w 344616"/>
+                <a:gd name="connsiteY0" fmla="*/ 125412 h 241300"/>
+                <a:gd name="connsiteX1" fmla="*/ 0 w 344616"/>
+                <a:gd name="connsiteY1" fmla="*/ 529 h 241300"/>
+                <a:gd name="connsiteX2" fmla="*/ 231772 w 344616"/>
+                <a:gd name="connsiteY2" fmla="*/ 0 h 241300"/>
+                <a:gd name="connsiteX3" fmla="*/ 342056 w 344616"/>
+                <a:gd name="connsiteY3" fmla="*/ 113770 h 241300"/>
+                <a:gd name="connsiteX4" fmla="*/ 236006 w 344616"/>
+                <a:gd name="connsiteY4" fmla="*/ 241300 h 241300"/>
+                <a:gd name="connsiteX5" fmla="*/ 2427 w 344616"/>
+                <a:gd name="connsiteY5" fmla="*/ 241300 h 241300"/>
+                <a:gd name="connsiteX6" fmla="*/ 56402 w 344616"/>
+                <a:gd name="connsiteY6" fmla="*/ 125412 h 241300"/>
+                <a:gd name="connsiteX0" fmla="*/ 56402 w 342056"/>
+                <a:gd name="connsiteY0" fmla="*/ 125412 h 241300"/>
+                <a:gd name="connsiteX1" fmla="*/ 0 w 342056"/>
+                <a:gd name="connsiteY1" fmla="*/ 529 h 241300"/>
+                <a:gd name="connsiteX2" fmla="*/ 231772 w 342056"/>
+                <a:gd name="connsiteY2" fmla="*/ 0 h 241300"/>
+                <a:gd name="connsiteX3" fmla="*/ 342056 w 342056"/>
+                <a:gd name="connsiteY3" fmla="*/ 113770 h 241300"/>
+                <a:gd name="connsiteX4" fmla="*/ 236006 w 342056"/>
+                <a:gd name="connsiteY4" fmla="*/ 241300 h 241300"/>
+                <a:gd name="connsiteX5" fmla="*/ 2427 w 342056"/>
+                <a:gd name="connsiteY5" fmla="*/ 241300 h 241300"/>
+                <a:gd name="connsiteX6" fmla="*/ 56402 w 342056"/>
+                <a:gd name="connsiteY6" fmla="*/ 125412 h 241300"/>
+                <a:gd name="connsiteX0" fmla="*/ 56402 w 342056"/>
+                <a:gd name="connsiteY0" fmla="*/ 125412 h 241300"/>
+                <a:gd name="connsiteX1" fmla="*/ 0 w 342056"/>
+                <a:gd name="connsiteY1" fmla="*/ 529 h 241300"/>
+                <a:gd name="connsiteX2" fmla="*/ 231772 w 342056"/>
+                <a:gd name="connsiteY2" fmla="*/ 0 h 241300"/>
+                <a:gd name="connsiteX3" fmla="*/ 342056 w 342056"/>
+                <a:gd name="connsiteY3" fmla="*/ 113770 h 241300"/>
+                <a:gd name="connsiteX4" fmla="*/ 236006 w 342056"/>
+                <a:gd name="connsiteY4" fmla="*/ 241300 h 241300"/>
+                <a:gd name="connsiteX5" fmla="*/ 2427 w 342056"/>
+                <a:gd name="connsiteY5" fmla="*/ 241300 h 241300"/>
+                <a:gd name="connsiteX6" fmla="*/ 56402 w 342056"/>
+                <a:gd name="connsiteY6" fmla="*/ 125412 h 241300"/>
+                <a:gd name="connsiteX0" fmla="*/ 56402 w 342056"/>
+                <a:gd name="connsiteY0" fmla="*/ 125412 h 241300"/>
+                <a:gd name="connsiteX1" fmla="*/ 0 w 342056"/>
+                <a:gd name="connsiteY1" fmla="*/ 529 h 241300"/>
+                <a:gd name="connsiteX2" fmla="*/ 231772 w 342056"/>
+                <a:gd name="connsiteY2" fmla="*/ 0 h 241300"/>
+                <a:gd name="connsiteX3" fmla="*/ 342056 w 342056"/>
+                <a:gd name="connsiteY3" fmla="*/ 113770 h 241300"/>
+                <a:gd name="connsiteX4" fmla="*/ 236006 w 342056"/>
+                <a:gd name="connsiteY4" fmla="*/ 241300 h 241300"/>
+                <a:gd name="connsiteX5" fmla="*/ 2427 w 342056"/>
+                <a:gd name="connsiteY5" fmla="*/ 241300 h 241300"/>
+                <a:gd name="connsiteX6" fmla="*/ 56402 w 342056"/>
+                <a:gd name="connsiteY6" fmla="*/ 125412 h 241300"/>
+                <a:gd name="connsiteX0" fmla="*/ 56402 w 342056"/>
+                <a:gd name="connsiteY0" fmla="*/ 125412 h 241300"/>
+                <a:gd name="connsiteX1" fmla="*/ 0 w 342056"/>
+                <a:gd name="connsiteY1" fmla="*/ 529 h 241300"/>
+                <a:gd name="connsiteX2" fmla="*/ 231772 w 342056"/>
+                <a:gd name="connsiteY2" fmla="*/ 0 h 241300"/>
+                <a:gd name="connsiteX3" fmla="*/ 342056 w 342056"/>
+                <a:gd name="connsiteY3" fmla="*/ 113770 h 241300"/>
+                <a:gd name="connsiteX4" fmla="*/ 236006 w 342056"/>
+                <a:gd name="connsiteY4" fmla="*/ 241300 h 241300"/>
+                <a:gd name="connsiteX5" fmla="*/ 2427 w 342056"/>
+                <a:gd name="connsiteY5" fmla="*/ 241300 h 241300"/>
+                <a:gd name="connsiteX6" fmla="*/ 56402 w 342056"/>
+                <a:gd name="connsiteY6" fmla="*/ 125412 h 241300"/>
+                <a:gd name="connsiteX0" fmla="*/ 56402 w 342056"/>
+                <a:gd name="connsiteY0" fmla="*/ 125412 h 241300"/>
+                <a:gd name="connsiteX1" fmla="*/ 0 w 342056"/>
+                <a:gd name="connsiteY1" fmla="*/ 529 h 241300"/>
+                <a:gd name="connsiteX2" fmla="*/ 231772 w 342056"/>
+                <a:gd name="connsiteY2" fmla="*/ 0 h 241300"/>
+                <a:gd name="connsiteX3" fmla="*/ 342056 w 342056"/>
+                <a:gd name="connsiteY3" fmla="*/ 113770 h 241300"/>
+                <a:gd name="connsiteX4" fmla="*/ 236006 w 342056"/>
+                <a:gd name="connsiteY4" fmla="*/ 241300 h 241300"/>
+                <a:gd name="connsiteX5" fmla="*/ 2427 w 342056"/>
+                <a:gd name="connsiteY5" fmla="*/ 241300 h 241300"/>
+                <a:gd name="connsiteX6" fmla="*/ 56402 w 342056"/>
+                <a:gd name="connsiteY6" fmla="*/ 125412 h 241300"/>
+              </a:gdLst>
+              <a:ahLst/>
+              <a:cxnLst>
+                <a:cxn ang="0">
+                  <a:pos x="connsiteX0" y="connsiteY0"/>
+                </a:cxn>
+                <a:cxn ang="0">
+                  <a:pos x="connsiteX1" y="connsiteY1"/>
+                </a:cxn>
+                <a:cxn ang="0">
+                  <a:pos x="connsiteX2" y="connsiteY2"/>
+                </a:cxn>
+                <a:cxn ang="0">
+                  <a:pos x="connsiteX3" y="connsiteY3"/>
+                </a:cxn>
+                <a:cxn ang="0">
+                  <a:pos x="connsiteX4" y="connsiteY4"/>
+                </a:cxn>
+                <a:cxn ang="0">
+                  <a:pos x="connsiteX5" y="connsiteY5"/>
+                </a:cxn>
+                <a:cxn ang="0">
+                  <a:pos x="connsiteX6" y="connsiteY6"/>
+                </a:cxn>
+              </a:cxnLst>
+              <a:rect l="l" t="t" r="r" b="b"/>
+              <a:pathLst>
+                <a:path w="342056" h="241300">
+                  <a:moveTo>
+                    <a:pt x="56402" y="125412"/>
+                  </a:moveTo>
+                  <a:cubicBezTo>
+                    <a:pt x="57586" y="96397"/>
+                    <a:pt x="52087" y="57944"/>
+                    <a:pt x="0" y="529"/>
+                  </a:cubicBezTo>
+                  <a:lnTo>
+                    <a:pt x="231772" y="0"/>
+                  </a:lnTo>
+                  <a:cubicBezTo>
+                    <a:pt x="288869" y="20020"/>
+                    <a:pt x="331364" y="63235"/>
+                    <a:pt x="342056" y="113770"/>
+                  </a:cubicBezTo>
+                  <a:cubicBezTo>
+                    <a:pt x="332178" y="175154"/>
+                    <a:pt x="315650" y="215900"/>
+                    <a:pt x="236006" y="241300"/>
+                  </a:cubicBezTo>
+                  <a:lnTo>
+                    <a:pt x="2427" y="241300"/>
+                  </a:lnTo>
+                  <a:cubicBezTo>
+                    <a:pt x="48164" y="179123"/>
+                    <a:pt x="55218" y="154427"/>
+                    <a:pt x="56402" y="125412"/>
+                  </a:cubicBezTo>
+                  <a:close/>
+                </a:path>
+              </a:pathLst>
+            </a:custGeom>
+            <a:grpFill/>
+          </p:spPr>
+          <p:style>
+            <a:lnRef idx="2">
+              <a:schemeClr val="dk1"/>
+            </a:lnRef>
+            <a:fillRef idx="1">
+              <a:schemeClr val="lt1"/>
+            </a:fillRef>
+            <a:effectRef idx="0">
+              <a:schemeClr val="dk1"/>
+            </a:effectRef>
+            <a:fontRef idx="minor">
+              <a:schemeClr val="dk1"/>
+            </a:fontRef>
+          </p:style>
+          <p:txBody>
+            <a:bodyPr rtlCol="0" anchor="ctr"/>
+            <a:lstStyle/>
+            <a:p>
+              <a:pPr algn="ctr"/>
+              <a:endParaRPr lang="en-GB"/>
+            </a:p>
+          </p:txBody>
+        </p:sp>
+        <p:sp>
+          <p:nvSpPr>
+            <p:cNvPr id="26" name="Oval 25">
+              <a:extLst>
+                <a:ext uri="{FF2B5EF4-FFF2-40B4-BE49-F238E27FC236}">
+                  <a16:creationId xmlns:a16="http://schemas.microsoft.com/office/drawing/2014/main" id="{E267EB24-FCAE-028F-B011-F43512BC5D5A}"/>
+                </a:ext>
+              </a:extLst>
+            </p:cNvPr>
+            <p:cNvSpPr/>
+            <p:nvPr/>
+          </p:nvSpPr>
+          <p:spPr>
+            <a:xfrm>
+              <a:off x="7365152" y="1971332"/>
+              <a:ext cx="45719" cy="45719"/>
+            </a:xfrm>
+            <a:prstGeom prst="ellipse">
+              <a:avLst/>
+            </a:prstGeom>
+            <a:grpFill/>
+          </p:spPr>
+          <p:style>
+            <a:lnRef idx="2">
+              <a:schemeClr val="dk1"/>
+            </a:lnRef>
+            <a:fillRef idx="1">
+              <a:schemeClr val="lt1"/>
+            </a:fillRef>
+            <a:effectRef idx="0">
+              <a:schemeClr val="dk1"/>
+            </a:effectRef>
+            <a:fontRef idx="minor">
+              <a:schemeClr val="dk1"/>
+            </a:fontRef>
+          </p:style>
+          <p:txBody>
+            <a:bodyPr rtlCol="0" anchor="ctr"/>
+            <a:lstStyle/>
+            <a:p>
+              <a:pPr algn="ctr"/>
+              <a:endParaRPr lang="en-GB"/>
+            </a:p>
+          </p:txBody>
+        </p:sp>
+      </p:grpSp>
+    </p:spTree>
+    <p:extLst>
+      <p:ext uri="{BB962C8B-B14F-4D97-AF65-F5344CB8AC3E}">
+        <p14:creationId xmlns:p14="http://schemas.microsoft.com/office/powerpoint/2010/main" val="2547627252"/>
+      </p:ext>
+    </p:extLst>
+  </p:cSld>
+  <p:clrMapOvr>
+    <a:masterClrMapping/>
+  </p:clrMapOvr>
+</p:sld>
+</file>
+
 <file path=ppt/theme/theme1.xml><?xml version="1.0" encoding="utf-8"?>
 <a:theme xmlns:a="http://schemas.openxmlformats.org/drawingml/2006/main" name="Office Theme">
   <a:themeElements>

--- a/docs/images/Diagrams.pptx
+++ b/docs/images/Diagrams.pptx
@@ -7,6 +7,7 @@
   <p:sldIdLst>
     <p:sldId id="256" r:id="rId2"/>
     <p:sldId id="257" r:id="rId3"/>
+    <p:sldId id="258" r:id="rId4"/>
   </p:sldIdLst>
   <p:sldSz cx="12192000" cy="6858000"/>
   <p:notesSz cx="6858000" cy="9144000"/>
@@ -262,7 +263,7 @@
           <a:p>
             <a:fld id="{30A9C857-609A-43FA-83CE-07000BF55DB0}" type="datetimeFigureOut">
               <a:rPr lang="en-GB" smtClean="0"/>
-              <a:t>30/10/2022</a:t>
+              <a:t>10/11/2022</a:t>
             </a:fld>
             <a:endParaRPr lang="en-GB"/>
           </a:p>
@@ -462,7 +463,7 @@
           <a:p>
             <a:fld id="{30A9C857-609A-43FA-83CE-07000BF55DB0}" type="datetimeFigureOut">
               <a:rPr lang="en-GB" smtClean="0"/>
-              <a:t>30/10/2022</a:t>
+              <a:t>10/11/2022</a:t>
             </a:fld>
             <a:endParaRPr lang="en-GB"/>
           </a:p>
@@ -672,7 +673,7 @@
           <a:p>
             <a:fld id="{30A9C857-609A-43FA-83CE-07000BF55DB0}" type="datetimeFigureOut">
               <a:rPr lang="en-GB" smtClean="0"/>
-              <a:t>30/10/2022</a:t>
+              <a:t>10/11/2022</a:t>
             </a:fld>
             <a:endParaRPr lang="en-GB"/>
           </a:p>
@@ -872,7 +873,7 @@
           <a:p>
             <a:fld id="{30A9C857-609A-43FA-83CE-07000BF55DB0}" type="datetimeFigureOut">
               <a:rPr lang="en-GB" smtClean="0"/>
-              <a:t>30/10/2022</a:t>
+              <a:t>10/11/2022</a:t>
             </a:fld>
             <a:endParaRPr lang="en-GB"/>
           </a:p>
@@ -1148,7 +1149,7 @@
           <a:p>
             <a:fld id="{30A9C857-609A-43FA-83CE-07000BF55DB0}" type="datetimeFigureOut">
               <a:rPr lang="en-GB" smtClean="0"/>
-              <a:t>30/10/2022</a:t>
+              <a:t>10/11/2022</a:t>
             </a:fld>
             <a:endParaRPr lang="en-GB"/>
           </a:p>
@@ -1416,7 +1417,7 @@
           <a:p>
             <a:fld id="{30A9C857-609A-43FA-83CE-07000BF55DB0}" type="datetimeFigureOut">
               <a:rPr lang="en-GB" smtClean="0"/>
-              <a:t>30/10/2022</a:t>
+              <a:t>10/11/2022</a:t>
             </a:fld>
             <a:endParaRPr lang="en-GB"/>
           </a:p>
@@ -1831,7 +1832,7 @@
           <a:p>
             <a:fld id="{30A9C857-609A-43FA-83CE-07000BF55DB0}" type="datetimeFigureOut">
               <a:rPr lang="en-GB" smtClean="0"/>
-              <a:t>30/10/2022</a:t>
+              <a:t>10/11/2022</a:t>
             </a:fld>
             <a:endParaRPr lang="en-GB"/>
           </a:p>
@@ -1973,7 +1974,7 @@
           <a:p>
             <a:fld id="{30A9C857-609A-43FA-83CE-07000BF55DB0}" type="datetimeFigureOut">
               <a:rPr lang="en-GB" smtClean="0"/>
-              <a:t>30/10/2022</a:t>
+              <a:t>10/11/2022</a:t>
             </a:fld>
             <a:endParaRPr lang="en-GB"/>
           </a:p>
@@ -2086,7 +2087,7 @@
           <a:p>
             <a:fld id="{30A9C857-609A-43FA-83CE-07000BF55DB0}" type="datetimeFigureOut">
               <a:rPr lang="en-GB" smtClean="0"/>
-              <a:t>30/10/2022</a:t>
+              <a:t>10/11/2022</a:t>
             </a:fld>
             <a:endParaRPr lang="en-GB"/>
           </a:p>
@@ -2399,7 +2400,7 @@
           <a:p>
             <a:fld id="{30A9C857-609A-43FA-83CE-07000BF55DB0}" type="datetimeFigureOut">
               <a:rPr lang="en-GB" smtClean="0"/>
-              <a:t>30/10/2022</a:t>
+              <a:t>10/11/2022</a:t>
             </a:fld>
             <a:endParaRPr lang="en-GB"/>
           </a:p>
@@ -2688,7 +2689,7 @@
           <a:p>
             <a:fld id="{30A9C857-609A-43FA-83CE-07000BF55DB0}" type="datetimeFigureOut">
               <a:rPr lang="en-GB" smtClean="0"/>
-              <a:t>30/10/2022</a:t>
+              <a:t>10/11/2022</a:t>
             </a:fld>
             <a:endParaRPr lang="en-GB"/>
           </a:p>
@@ -2931,7 +2932,7 @@
           <a:p>
             <a:fld id="{30A9C857-609A-43FA-83CE-07000BF55DB0}" type="datetimeFigureOut">
               <a:rPr lang="en-GB" smtClean="0"/>
-              <a:t>30/10/2022</a:t>
+              <a:t>10/11/2022</a:t>
             </a:fld>
             <a:endParaRPr lang="en-GB"/>
           </a:p>
@@ -6330,6 +6331,2478 @@
 </p:sld>
 </file>
 
+<file path=ppt/slides/slide3.xml><?xml version="1.0" encoding="utf-8"?>
+<p:sld xmlns:a="http://schemas.openxmlformats.org/drawingml/2006/main" xmlns:r="http://schemas.openxmlformats.org/officeDocument/2006/relationships" xmlns:p="http://schemas.openxmlformats.org/presentationml/2006/main">
+  <p:cSld>
+    <p:spTree>
+      <p:nvGrpSpPr>
+        <p:cNvPr id="1" name=""/>
+        <p:cNvGrpSpPr/>
+        <p:nvPr/>
+      </p:nvGrpSpPr>
+      <p:grpSpPr>
+        <a:xfrm>
+          <a:off x="0" y="0"/>
+          <a:ext cx="0" cy="0"/>
+          <a:chOff x="0" y="0"/>
+          <a:chExt cx="0" cy="0"/>
+        </a:xfrm>
+      </p:grpSpPr>
+      <p:sp>
+        <p:nvSpPr>
+          <p:cNvPr id="94" name="Rectangle 93">
+            <a:extLst>
+              <a:ext uri="{FF2B5EF4-FFF2-40B4-BE49-F238E27FC236}">
+                <a16:creationId xmlns:a16="http://schemas.microsoft.com/office/drawing/2014/main" id="{F03E01E4-46C6-212F-BED7-53F290F21AA6}"/>
+              </a:ext>
+            </a:extLst>
+          </p:cNvPr>
+          <p:cNvSpPr/>
+          <p:nvPr/>
+        </p:nvSpPr>
+        <p:spPr>
+          <a:xfrm>
+            <a:off x="1244600" y="1513840"/>
+            <a:ext cx="3789680" cy="2910840"/>
+          </a:xfrm>
+          <a:prstGeom prst="rect">
+            <a:avLst/>
+          </a:prstGeom>
+          <a:ln>
+            <a:noFill/>
+          </a:ln>
+        </p:spPr>
+        <p:style>
+          <a:lnRef idx="2">
+            <a:schemeClr val="dk1"/>
+          </a:lnRef>
+          <a:fillRef idx="1">
+            <a:schemeClr val="lt1"/>
+          </a:fillRef>
+          <a:effectRef idx="0">
+            <a:schemeClr val="dk1"/>
+          </a:effectRef>
+          <a:fontRef idx="minor">
+            <a:schemeClr val="dk1"/>
+          </a:fontRef>
+        </p:style>
+        <p:txBody>
+          <a:bodyPr rtlCol="0" anchor="ctr"/>
+          <a:lstStyle/>
+          <a:p>
+            <a:pPr algn="ctr"/>
+            <a:endParaRPr lang="en-GB"/>
+          </a:p>
+        </p:txBody>
+      </p:sp>
+      <p:sp>
+        <p:nvSpPr>
+          <p:cNvPr id="2" name="Rectangle 1">
+            <a:extLst>
+              <a:ext uri="{FF2B5EF4-FFF2-40B4-BE49-F238E27FC236}">
+                <a16:creationId xmlns:a16="http://schemas.microsoft.com/office/drawing/2014/main" id="{91E30762-9D34-4724-7C56-9F2AE5FFF4ED}"/>
+              </a:ext>
+            </a:extLst>
+          </p:cNvPr>
+          <p:cNvSpPr/>
+          <p:nvPr/>
+        </p:nvSpPr>
+        <p:spPr>
+          <a:xfrm>
+            <a:off x="2793650" y="1626121"/>
+            <a:ext cx="914400" cy="914400"/>
+          </a:xfrm>
+          <a:prstGeom prst="rect">
+            <a:avLst/>
+          </a:prstGeom>
+          <a:effectLst>
+            <a:outerShdw blurRad="50800" dist="38100" dir="2700000" algn="tl" rotWithShape="0">
+              <a:prstClr val="black">
+                <a:alpha val="40000"/>
+              </a:prstClr>
+            </a:outerShdw>
+          </a:effectLst>
+        </p:spPr>
+        <p:style>
+          <a:lnRef idx="2">
+            <a:schemeClr val="dk1"/>
+          </a:lnRef>
+          <a:fillRef idx="1">
+            <a:schemeClr val="lt1"/>
+          </a:fillRef>
+          <a:effectRef idx="0">
+            <a:schemeClr val="dk1"/>
+          </a:effectRef>
+          <a:fontRef idx="minor">
+            <a:schemeClr val="dk1"/>
+          </a:fontRef>
+        </p:style>
+        <p:txBody>
+          <a:bodyPr rtlCol="0" anchor="ctr"/>
+          <a:lstStyle/>
+          <a:p>
+            <a:pPr algn="ctr"/>
+            <a:r>
+              <a:rPr lang="en-GB" dirty="0"/>
+              <a:t>ROM</a:t>
+            </a:r>
+          </a:p>
+        </p:txBody>
+      </p:sp>
+      <p:sp>
+        <p:nvSpPr>
+          <p:cNvPr id="3" name="Rectangle 2">
+            <a:extLst>
+              <a:ext uri="{FF2B5EF4-FFF2-40B4-BE49-F238E27FC236}">
+                <a16:creationId xmlns:a16="http://schemas.microsoft.com/office/drawing/2014/main" id="{C1113ED5-7B7D-B160-471C-1A86F021B81C}"/>
+              </a:ext>
+            </a:extLst>
+          </p:cNvPr>
+          <p:cNvSpPr/>
+          <p:nvPr/>
+        </p:nvSpPr>
+        <p:spPr>
+          <a:xfrm>
+            <a:off x="2793650" y="2971800"/>
+            <a:ext cx="914400" cy="914400"/>
+          </a:xfrm>
+          <a:prstGeom prst="rect">
+            <a:avLst/>
+          </a:prstGeom>
+          <a:effectLst>
+            <a:outerShdw blurRad="50800" dist="38100" dir="2700000" algn="tl" rotWithShape="0">
+              <a:prstClr val="black">
+                <a:alpha val="40000"/>
+              </a:prstClr>
+            </a:outerShdw>
+          </a:effectLst>
+        </p:spPr>
+        <p:style>
+          <a:lnRef idx="2">
+            <a:schemeClr val="dk1"/>
+          </a:lnRef>
+          <a:fillRef idx="1">
+            <a:schemeClr val="lt1"/>
+          </a:fillRef>
+          <a:effectRef idx="0">
+            <a:schemeClr val="dk1"/>
+          </a:effectRef>
+          <a:fontRef idx="minor">
+            <a:schemeClr val="dk1"/>
+          </a:fontRef>
+        </p:style>
+        <p:txBody>
+          <a:bodyPr rtlCol="0" anchor="ctr"/>
+          <a:lstStyle/>
+          <a:p>
+            <a:pPr algn="ctr"/>
+            <a:r>
+              <a:rPr lang="en-GB" dirty="0"/>
+              <a:t>RISC CPU</a:t>
+            </a:r>
+          </a:p>
+        </p:txBody>
+      </p:sp>
+      <p:grpSp>
+        <p:nvGrpSpPr>
+          <p:cNvPr id="25" name="Group 24">
+            <a:extLst>
+              <a:ext uri="{FF2B5EF4-FFF2-40B4-BE49-F238E27FC236}">
+                <a16:creationId xmlns:a16="http://schemas.microsoft.com/office/drawing/2014/main" id="{EB0A6292-D14F-0FF0-5918-F0A4E73ACA31}"/>
+              </a:ext>
+            </a:extLst>
+          </p:cNvPr>
+          <p:cNvGrpSpPr/>
+          <p:nvPr/>
+        </p:nvGrpSpPr>
+        <p:grpSpPr>
+          <a:xfrm>
+            <a:off x="4205211" y="2540521"/>
+            <a:ext cx="650875" cy="438194"/>
+            <a:chOff x="6797675" y="3488996"/>
+            <a:chExt cx="650875" cy="438194"/>
+          </a:xfrm>
+          <a:effectLst>
+            <a:outerShdw blurRad="50800" dist="38100" dir="2700000" algn="tl" rotWithShape="0">
+              <a:prstClr val="black">
+                <a:alpha val="40000"/>
+              </a:prstClr>
+            </a:outerShdw>
+          </a:effectLst>
+        </p:grpSpPr>
+        <p:sp>
+          <p:nvSpPr>
+            <p:cNvPr id="6" name="Flowchart: Extract 5">
+              <a:extLst>
+                <a:ext uri="{FF2B5EF4-FFF2-40B4-BE49-F238E27FC236}">
+                  <a16:creationId xmlns:a16="http://schemas.microsoft.com/office/drawing/2014/main" id="{2CA7C31D-7916-03EF-5350-80073B5CA380}"/>
+                </a:ext>
+              </a:extLst>
+            </p:cNvPr>
+            <p:cNvSpPr/>
+            <p:nvPr/>
+          </p:nvSpPr>
+          <p:spPr>
+            <a:xfrm rot="5400000">
+              <a:off x="6966782" y="3637105"/>
+              <a:ext cx="310580" cy="269590"/>
+            </a:xfrm>
+            <a:prstGeom prst="flowChartExtract">
+              <a:avLst/>
+            </a:prstGeom>
+          </p:spPr>
+          <p:style>
+            <a:lnRef idx="2">
+              <a:schemeClr val="dk1"/>
+            </a:lnRef>
+            <a:fillRef idx="1">
+              <a:schemeClr val="lt1"/>
+            </a:fillRef>
+            <a:effectRef idx="0">
+              <a:schemeClr val="dk1"/>
+            </a:effectRef>
+            <a:fontRef idx="minor">
+              <a:schemeClr val="dk1"/>
+            </a:fontRef>
+          </p:style>
+          <p:txBody>
+            <a:bodyPr rtlCol="0" anchor="ctr"/>
+            <a:lstStyle/>
+            <a:p>
+              <a:pPr algn="ctr"/>
+              <a:endParaRPr lang="en-GB"/>
+            </a:p>
+          </p:txBody>
+        </p:sp>
+        <p:cxnSp>
+          <p:nvCxnSpPr>
+            <p:cNvPr id="8" name="Straight Connector 7">
+              <a:extLst>
+                <a:ext uri="{FF2B5EF4-FFF2-40B4-BE49-F238E27FC236}">
+                  <a16:creationId xmlns:a16="http://schemas.microsoft.com/office/drawing/2014/main" id="{1CAF2217-A071-4B16-8D11-9B91E1FF61D1}"/>
+                </a:ext>
+              </a:extLst>
+            </p:cNvPr>
+            <p:cNvCxnSpPr>
+              <a:cxnSpLocks/>
+              <a:stCxn id="6" idx="2"/>
+            </p:cNvCxnSpPr>
+            <p:nvPr/>
+          </p:nvCxnSpPr>
+          <p:spPr>
+            <a:xfrm flipH="1">
+              <a:off x="6797675" y="3771900"/>
+              <a:ext cx="189602" cy="0"/>
+            </a:xfrm>
+            <a:prstGeom prst="line">
+              <a:avLst/>
+            </a:prstGeom>
+          </p:spPr>
+          <p:style>
+            <a:lnRef idx="2">
+              <a:schemeClr val="dk1"/>
+            </a:lnRef>
+            <a:fillRef idx="1">
+              <a:schemeClr val="lt1"/>
+            </a:fillRef>
+            <a:effectRef idx="0">
+              <a:schemeClr val="dk1"/>
+            </a:effectRef>
+            <a:fontRef idx="minor">
+              <a:schemeClr val="dk1"/>
+            </a:fontRef>
+          </p:style>
+        </p:cxnSp>
+        <p:cxnSp>
+          <p:nvCxnSpPr>
+            <p:cNvPr id="10" name="Straight Connector 9">
+              <a:extLst>
+                <a:ext uri="{FF2B5EF4-FFF2-40B4-BE49-F238E27FC236}">
+                  <a16:creationId xmlns:a16="http://schemas.microsoft.com/office/drawing/2014/main" id="{F4E566D8-AE46-2ACE-72C8-32FB4ECD2FC9}"/>
+                </a:ext>
+              </a:extLst>
+            </p:cNvPr>
+            <p:cNvCxnSpPr>
+              <a:cxnSpLocks/>
+              <a:stCxn id="6" idx="0"/>
+            </p:cNvCxnSpPr>
+            <p:nvPr/>
+          </p:nvCxnSpPr>
+          <p:spPr>
+            <a:xfrm>
+              <a:off x="7256867" y="3771900"/>
+              <a:ext cx="191683" cy="0"/>
+            </a:xfrm>
+            <a:prstGeom prst="line">
+              <a:avLst/>
+            </a:prstGeom>
+          </p:spPr>
+          <p:style>
+            <a:lnRef idx="2">
+              <a:schemeClr val="dk1"/>
+            </a:lnRef>
+            <a:fillRef idx="1">
+              <a:schemeClr val="lt1"/>
+            </a:fillRef>
+            <a:effectRef idx="0">
+              <a:schemeClr val="dk1"/>
+            </a:effectRef>
+            <a:fontRef idx="minor">
+              <a:schemeClr val="dk1"/>
+            </a:fontRef>
+          </p:style>
+        </p:cxnSp>
+        <p:cxnSp>
+          <p:nvCxnSpPr>
+            <p:cNvPr id="13" name="Straight Arrow Connector 12">
+              <a:extLst>
+                <a:ext uri="{FF2B5EF4-FFF2-40B4-BE49-F238E27FC236}">
+                  <a16:creationId xmlns:a16="http://schemas.microsoft.com/office/drawing/2014/main" id="{D370D15E-3C85-B0ED-2F3B-7BE33114B962}"/>
+                </a:ext>
+              </a:extLst>
+            </p:cNvPr>
+            <p:cNvCxnSpPr>
+              <a:cxnSpLocks/>
+            </p:cNvCxnSpPr>
+            <p:nvPr/>
+          </p:nvCxnSpPr>
+          <p:spPr>
+            <a:xfrm flipV="1">
+              <a:off x="7192524" y="3552803"/>
+              <a:ext cx="128686" cy="127614"/>
+            </a:xfrm>
+            <a:prstGeom prst="straightConnector1">
+              <a:avLst/>
+            </a:prstGeom>
+            <a:ln>
+              <a:tailEnd type="triangle"/>
+            </a:ln>
+          </p:spPr>
+          <p:style>
+            <a:lnRef idx="2">
+              <a:schemeClr val="dk1"/>
+            </a:lnRef>
+            <a:fillRef idx="1">
+              <a:schemeClr val="lt1"/>
+            </a:fillRef>
+            <a:effectRef idx="0">
+              <a:schemeClr val="dk1"/>
+            </a:effectRef>
+            <a:fontRef idx="minor">
+              <a:schemeClr val="dk1"/>
+            </a:fontRef>
+          </p:style>
+        </p:cxnSp>
+        <p:cxnSp>
+          <p:nvCxnSpPr>
+            <p:cNvPr id="22" name="Straight Arrow Connector 21">
+              <a:extLst>
+                <a:ext uri="{FF2B5EF4-FFF2-40B4-BE49-F238E27FC236}">
+                  <a16:creationId xmlns:a16="http://schemas.microsoft.com/office/drawing/2014/main" id="{C29ACBB6-EE3B-2D5C-A31A-441590245E62}"/>
+                </a:ext>
+              </a:extLst>
+            </p:cNvPr>
+            <p:cNvCxnSpPr>
+              <a:cxnSpLocks/>
+            </p:cNvCxnSpPr>
+            <p:nvPr/>
+          </p:nvCxnSpPr>
+          <p:spPr>
+            <a:xfrm flipV="1">
+              <a:off x="7105692" y="3488996"/>
+              <a:ext cx="128686" cy="127614"/>
+            </a:xfrm>
+            <a:prstGeom prst="straightConnector1">
+              <a:avLst/>
+            </a:prstGeom>
+            <a:ln>
+              <a:tailEnd type="triangle"/>
+            </a:ln>
+          </p:spPr>
+          <p:style>
+            <a:lnRef idx="2">
+              <a:schemeClr val="dk1"/>
+            </a:lnRef>
+            <a:fillRef idx="1">
+              <a:schemeClr val="lt1"/>
+            </a:fillRef>
+            <a:effectRef idx="0">
+              <a:schemeClr val="dk1"/>
+            </a:effectRef>
+            <a:fontRef idx="minor">
+              <a:schemeClr val="dk1"/>
+            </a:fontRef>
+          </p:style>
+        </p:cxnSp>
+      </p:grpSp>
+      <p:grpSp>
+        <p:nvGrpSpPr>
+          <p:cNvPr id="38" name="Group 37">
+            <a:extLst>
+              <a:ext uri="{FF2B5EF4-FFF2-40B4-BE49-F238E27FC236}">
+                <a16:creationId xmlns:a16="http://schemas.microsoft.com/office/drawing/2014/main" id="{A31F72DB-DBEC-A2D0-0298-EC6AF5DC287F}"/>
+              </a:ext>
+            </a:extLst>
+          </p:cNvPr>
+          <p:cNvGrpSpPr/>
+          <p:nvPr/>
+        </p:nvGrpSpPr>
+        <p:grpSpPr>
+          <a:xfrm>
+            <a:off x="1387782" y="2754877"/>
+            <a:ext cx="771525" cy="223838"/>
+            <a:chOff x="5454650" y="2763837"/>
+            <a:chExt cx="771525" cy="223838"/>
+          </a:xfrm>
+          <a:effectLst>
+            <a:outerShdw blurRad="50800" dist="38100" dir="2700000" algn="tl" rotWithShape="0">
+              <a:prstClr val="black">
+                <a:alpha val="40000"/>
+              </a:prstClr>
+            </a:outerShdw>
+          </a:effectLst>
+        </p:grpSpPr>
+        <p:cxnSp>
+          <p:nvCxnSpPr>
+            <p:cNvPr id="27" name="Straight Connector 26">
+              <a:extLst>
+                <a:ext uri="{FF2B5EF4-FFF2-40B4-BE49-F238E27FC236}">
+                  <a16:creationId xmlns:a16="http://schemas.microsoft.com/office/drawing/2014/main" id="{BDD12806-2A4B-6690-E459-CC846C0D1CD9}"/>
+                </a:ext>
+              </a:extLst>
+            </p:cNvPr>
+            <p:cNvCxnSpPr>
+              <a:cxnSpLocks/>
+              <a:endCxn id="28" idx="2"/>
+            </p:cNvCxnSpPr>
+            <p:nvPr/>
+          </p:nvCxnSpPr>
+          <p:spPr>
+            <a:xfrm>
+              <a:off x="5454650" y="2957512"/>
+              <a:ext cx="257175" cy="1"/>
+            </a:xfrm>
+            <a:prstGeom prst="line">
+              <a:avLst/>
+            </a:prstGeom>
+          </p:spPr>
+          <p:style>
+            <a:lnRef idx="2">
+              <a:schemeClr val="dk1"/>
+            </a:lnRef>
+            <a:fillRef idx="1">
+              <a:schemeClr val="lt1"/>
+            </a:fillRef>
+            <a:effectRef idx="0">
+              <a:schemeClr val="dk1"/>
+            </a:effectRef>
+            <a:fontRef idx="minor">
+              <a:schemeClr val="dk1"/>
+            </a:fontRef>
+          </p:style>
+        </p:cxnSp>
+        <p:sp>
+          <p:nvSpPr>
+            <p:cNvPr id="28" name="Oval 27">
+              <a:extLst>
+                <a:ext uri="{FF2B5EF4-FFF2-40B4-BE49-F238E27FC236}">
+                  <a16:creationId xmlns:a16="http://schemas.microsoft.com/office/drawing/2014/main" id="{4E633AD2-336F-5BF1-DFA2-717E4629C4B2}"/>
+                </a:ext>
+              </a:extLst>
+            </p:cNvPr>
+            <p:cNvSpPr/>
+            <p:nvPr/>
+          </p:nvSpPr>
+          <p:spPr>
+            <a:xfrm>
+              <a:off x="5711825" y="2927350"/>
+              <a:ext cx="60325" cy="60325"/>
+            </a:xfrm>
+            <a:prstGeom prst="ellipse">
+              <a:avLst/>
+            </a:prstGeom>
+          </p:spPr>
+          <p:style>
+            <a:lnRef idx="2">
+              <a:schemeClr val="dk1"/>
+            </a:lnRef>
+            <a:fillRef idx="1">
+              <a:schemeClr val="lt1"/>
+            </a:fillRef>
+            <a:effectRef idx="0">
+              <a:schemeClr val="dk1"/>
+            </a:effectRef>
+            <a:fontRef idx="minor">
+              <a:schemeClr val="dk1"/>
+            </a:fontRef>
+          </p:style>
+          <p:txBody>
+            <a:bodyPr rtlCol="0" anchor="ctr"/>
+            <a:lstStyle/>
+            <a:p>
+              <a:pPr algn="ctr"/>
+              <a:endParaRPr lang="en-GB"/>
+            </a:p>
+          </p:txBody>
+        </p:sp>
+        <p:cxnSp>
+          <p:nvCxnSpPr>
+            <p:cNvPr id="30" name="Straight Connector 29">
+              <a:extLst>
+                <a:ext uri="{FF2B5EF4-FFF2-40B4-BE49-F238E27FC236}">
+                  <a16:creationId xmlns:a16="http://schemas.microsoft.com/office/drawing/2014/main" id="{641F00EF-C7E3-FB4A-1688-1053A02DC10C}"/>
+                </a:ext>
+              </a:extLst>
+            </p:cNvPr>
+            <p:cNvCxnSpPr>
+              <a:cxnSpLocks/>
+              <a:endCxn id="31" idx="2"/>
+            </p:cNvCxnSpPr>
+            <p:nvPr/>
+          </p:nvCxnSpPr>
+          <p:spPr>
+            <a:xfrm flipH="1">
+              <a:off x="5969000" y="2957512"/>
+              <a:ext cx="257175" cy="1"/>
+            </a:xfrm>
+            <a:prstGeom prst="line">
+              <a:avLst/>
+            </a:prstGeom>
+          </p:spPr>
+          <p:style>
+            <a:lnRef idx="2">
+              <a:schemeClr val="dk1"/>
+            </a:lnRef>
+            <a:fillRef idx="1">
+              <a:schemeClr val="lt1"/>
+            </a:fillRef>
+            <a:effectRef idx="0">
+              <a:schemeClr val="dk1"/>
+            </a:effectRef>
+            <a:fontRef idx="minor">
+              <a:schemeClr val="dk1"/>
+            </a:fontRef>
+          </p:style>
+        </p:cxnSp>
+        <p:sp>
+          <p:nvSpPr>
+            <p:cNvPr id="31" name="Oval 30">
+              <a:extLst>
+                <a:ext uri="{FF2B5EF4-FFF2-40B4-BE49-F238E27FC236}">
+                  <a16:creationId xmlns:a16="http://schemas.microsoft.com/office/drawing/2014/main" id="{62D61E70-BF16-BE3B-6584-CC028F324722}"/>
+                </a:ext>
+              </a:extLst>
+            </p:cNvPr>
+            <p:cNvSpPr/>
+            <p:nvPr/>
+          </p:nvSpPr>
+          <p:spPr>
+            <a:xfrm flipH="1">
+              <a:off x="5908675" y="2927350"/>
+              <a:ext cx="60325" cy="60325"/>
+            </a:xfrm>
+            <a:prstGeom prst="ellipse">
+              <a:avLst/>
+            </a:prstGeom>
+          </p:spPr>
+          <p:style>
+            <a:lnRef idx="2">
+              <a:schemeClr val="dk1"/>
+            </a:lnRef>
+            <a:fillRef idx="1">
+              <a:schemeClr val="lt1"/>
+            </a:fillRef>
+            <a:effectRef idx="0">
+              <a:schemeClr val="dk1"/>
+            </a:effectRef>
+            <a:fontRef idx="minor">
+              <a:schemeClr val="dk1"/>
+            </a:fontRef>
+          </p:style>
+          <p:txBody>
+            <a:bodyPr rtlCol="0" anchor="ctr"/>
+            <a:lstStyle/>
+            <a:p>
+              <a:pPr algn="ctr"/>
+              <a:endParaRPr lang="en-GB"/>
+            </a:p>
+          </p:txBody>
+        </p:sp>
+        <p:grpSp>
+          <p:nvGrpSpPr>
+            <p:cNvPr id="37" name="Group 36">
+              <a:extLst>
+                <a:ext uri="{FF2B5EF4-FFF2-40B4-BE49-F238E27FC236}">
+                  <a16:creationId xmlns:a16="http://schemas.microsoft.com/office/drawing/2014/main" id="{E814C038-D570-520E-B865-C75289C90EE0}"/>
+                </a:ext>
+              </a:extLst>
+            </p:cNvPr>
+            <p:cNvGrpSpPr/>
+            <p:nvPr/>
+          </p:nvGrpSpPr>
+          <p:grpSpPr>
+            <a:xfrm>
+              <a:off x="5705474" y="2763837"/>
+              <a:ext cx="271462" cy="119063"/>
+              <a:chOff x="5688013" y="2752725"/>
+              <a:chExt cx="271462" cy="119063"/>
+            </a:xfrm>
+          </p:grpSpPr>
+          <p:cxnSp>
+            <p:nvCxnSpPr>
+              <p:cNvPr id="34" name="Straight Connector 33">
+                <a:extLst>
+                  <a:ext uri="{FF2B5EF4-FFF2-40B4-BE49-F238E27FC236}">
+                    <a16:creationId xmlns:a16="http://schemas.microsoft.com/office/drawing/2014/main" id="{DD58DF09-3FB1-45C8-97BF-2DE539220174}"/>
+                  </a:ext>
+                </a:extLst>
+              </p:cNvPr>
+              <p:cNvCxnSpPr>
+                <a:cxnSpLocks/>
+              </p:cNvCxnSpPr>
+              <p:nvPr/>
+            </p:nvCxnSpPr>
+            <p:spPr>
+              <a:xfrm>
+                <a:off x="5688013" y="2871788"/>
+                <a:ext cx="271462" cy="0"/>
+              </a:xfrm>
+              <a:prstGeom prst="line">
+                <a:avLst/>
+              </a:prstGeom>
+              <a:ln w="25400"/>
+            </p:spPr>
+            <p:style>
+              <a:lnRef idx="1">
+                <a:schemeClr val="dk1"/>
+              </a:lnRef>
+              <a:fillRef idx="0">
+                <a:schemeClr val="dk1"/>
+              </a:fillRef>
+              <a:effectRef idx="0">
+                <a:schemeClr val="dk1"/>
+              </a:effectRef>
+              <a:fontRef idx="minor">
+                <a:schemeClr val="tx1"/>
+              </a:fontRef>
+            </p:style>
+          </p:cxnSp>
+          <p:cxnSp>
+            <p:nvCxnSpPr>
+              <p:cNvPr id="36" name="Straight Connector 35">
+                <a:extLst>
+                  <a:ext uri="{FF2B5EF4-FFF2-40B4-BE49-F238E27FC236}">
+                    <a16:creationId xmlns:a16="http://schemas.microsoft.com/office/drawing/2014/main" id="{99E1606C-53C8-7462-B352-CC8259B315BD}"/>
+                  </a:ext>
+                </a:extLst>
+              </p:cNvPr>
+              <p:cNvCxnSpPr>
+                <a:cxnSpLocks/>
+              </p:cNvCxnSpPr>
+              <p:nvPr/>
+            </p:nvCxnSpPr>
+            <p:spPr>
+              <a:xfrm flipV="1">
+                <a:off x="5823744" y="2752725"/>
+                <a:ext cx="0" cy="115888"/>
+              </a:xfrm>
+              <a:prstGeom prst="line">
+                <a:avLst/>
+              </a:prstGeom>
+            </p:spPr>
+            <p:style>
+              <a:lnRef idx="2">
+                <a:schemeClr val="dk1"/>
+              </a:lnRef>
+              <a:fillRef idx="1">
+                <a:schemeClr val="lt1"/>
+              </a:fillRef>
+              <a:effectRef idx="0">
+                <a:schemeClr val="dk1"/>
+              </a:effectRef>
+              <a:fontRef idx="minor">
+                <a:schemeClr val="dk1"/>
+              </a:fontRef>
+            </p:style>
+          </p:cxnSp>
+        </p:grpSp>
+      </p:grpSp>
+      <p:grpSp>
+        <p:nvGrpSpPr>
+          <p:cNvPr id="39" name="Group 38">
+            <a:extLst>
+              <a:ext uri="{FF2B5EF4-FFF2-40B4-BE49-F238E27FC236}">
+                <a16:creationId xmlns:a16="http://schemas.microsoft.com/office/drawing/2014/main" id="{00E8F257-6C5D-7265-DE00-A44E1A550C62}"/>
+              </a:ext>
+            </a:extLst>
+          </p:cNvPr>
+          <p:cNvGrpSpPr/>
+          <p:nvPr/>
+        </p:nvGrpSpPr>
+        <p:grpSpPr>
+          <a:xfrm>
+            <a:off x="4205211" y="2986636"/>
+            <a:ext cx="650875" cy="438194"/>
+            <a:chOff x="6797675" y="3488996"/>
+            <a:chExt cx="650875" cy="438194"/>
+          </a:xfrm>
+          <a:effectLst>
+            <a:outerShdw blurRad="50800" dist="38100" dir="2700000" algn="tl" rotWithShape="0">
+              <a:prstClr val="black">
+                <a:alpha val="40000"/>
+              </a:prstClr>
+            </a:outerShdw>
+          </a:effectLst>
+        </p:grpSpPr>
+        <p:sp>
+          <p:nvSpPr>
+            <p:cNvPr id="40" name="Flowchart: Extract 39">
+              <a:extLst>
+                <a:ext uri="{FF2B5EF4-FFF2-40B4-BE49-F238E27FC236}">
+                  <a16:creationId xmlns:a16="http://schemas.microsoft.com/office/drawing/2014/main" id="{9F1242E3-5D70-4AC8-08C2-F4DEC620A37E}"/>
+                </a:ext>
+              </a:extLst>
+            </p:cNvPr>
+            <p:cNvSpPr/>
+            <p:nvPr/>
+          </p:nvSpPr>
+          <p:spPr>
+            <a:xfrm rot="5400000">
+              <a:off x="6966782" y="3637105"/>
+              <a:ext cx="310580" cy="269590"/>
+            </a:xfrm>
+            <a:prstGeom prst="flowChartExtract">
+              <a:avLst/>
+            </a:prstGeom>
+          </p:spPr>
+          <p:style>
+            <a:lnRef idx="2">
+              <a:schemeClr val="dk1"/>
+            </a:lnRef>
+            <a:fillRef idx="1">
+              <a:schemeClr val="lt1"/>
+            </a:fillRef>
+            <a:effectRef idx="0">
+              <a:schemeClr val="dk1"/>
+            </a:effectRef>
+            <a:fontRef idx="minor">
+              <a:schemeClr val="dk1"/>
+            </a:fontRef>
+          </p:style>
+          <p:txBody>
+            <a:bodyPr rtlCol="0" anchor="ctr"/>
+            <a:lstStyle/>
+            <a:p>
+              <a:pPr algn="ctr"/>
+              <a:endParaRPr lang="en-GB"/>
+            </a:p>
+          </p:txBody>
+        </p:sp>
+        <p:cxnSp>
+          <p:nvCxnSpPr>
+            <p:cNvPr id="41" name="Straight Connector 40">
+              <a:extLst>
+                <a:ext uri="{FF2B5EF4-FFF2-40B4-BE49-F238E27FC236}">
+                  <a16:creationId xmlns:a16="http://schemas.microsoft.com/office/drawing/2014/main" id="{B9ACF3FD-DF41-DD7B-62F4-B768CE5E5239}"/>
+                </a:ext>
+              </a:extLst>
+            </p:cNvPr>
+            <p:cNvCxnSpPr>
+              <a:cxnSpLocks/>
+              <a:stCxn id="40" idx="2"/>
+            </p:cNvCxnSpPr>
+            <p:nvPr/>
+          </p:nvCxnSpPr>
+          <p:spPr>
+            <a:xfrm flipH="1">
+              <a:off x="6797675" y="3771900"/>
+              <a:ext cx="189602" cy="0"/>
+            </a:xfrm>
+            <a:prstGeom prst="line">
+              <a:avLst/>
+            </a:prstGeom>
+          </p:spPr>
+          <p:style>
+            <a:lnRef idx="2">
+              <a:schemeClr val="dk1"/>
+            </a:lnRef>
+            <a:fillRef idx="1">
+              <a:schemeClr val="lt1"/>
+            </a:fillRef>
+            <a:effectRef idx="0">
+              <a:schemeClr val="dk1"/>
+            </a:effectRef>
+            <a:fontRef idx="minor">
+              <a:schemeClr val="dk1"/>
+            </a:fontRef>
+          </p:style>
+        </p:cxnSp>
+        <p:cxnSp>
+          <p:nvCxnSpPr>
+            <p:cNvPr id="42" name="Straight Connector 41">
+              <a:extLst>
+                <a:ext uri="{FF2B5EF4-FFF2-40B4-BE49-F238E27FC236}">
+                  <a16:creationId xmlns:a16="http://schemas.microsoft.com/office/drawing/2014/main" id="{8A663858-E38F-0D5A-A6EE-AFEBA6078A78}"/>
+                </a:ext>
+              </a:extLst>
+            </p:cNvPr>
+            <p:cNvCxnSpPr>
+              <a:cxnSpLocks/>
+              <a:stCxn id="40" idx="0"/>
+            </p:cNvCxnSpPr>
+            <p:nvPr/>
+          </p:nvCxnSpPr>
+          <p:spPr>
+            <a:xfrm>
+              <a:off x="7256867" y="3771900"/>
+              <a:ext cx="191683" cy="0"/>
+            </a:xfrm>
+            <a:prstGeom prst="line">
+              <a:avLst/>
+            </a:prstGeom>
+          </p:spPr>
+          <p:style>
+            <a:lnRef idx="2">
+              <a:schemeClr val="dk1"/>
+            </a:lnRef>
+            <a:fillRef idx="1">
+              <a:schemeClr val="lt1"/>
+            </a:fillRef>
+            <a:effectRef idx="0">
+              <a:schemeClr val="dk1"/>
+            </a:effectRef>
+            <a:fontRef idx="minor">
+              <a:schemeClr val="dk1"/>
+            </a:fontRef>
+          </p:style>
+        </p:cxnSp>
+        <p:cxnSp>
+          <p:nvCxnSpPr>
+            <p:cNvPr id="43" name="Straight Arrow Connector 42">
+              <a:extLst>
+                <a:ext uri="{FF2B5EF4-FFF2-40B4-BE49-F238E27FC236}">
+                  <a16:creationId xmlns:a16="http://schemas.microsoft.com/office/drawing/2014/main" id="{3D5B4BEE-665E-81BC-2F67-3F5E9CA4560F}"/>
+                </a:ext>
+              </a:extLst>
+            </p:cNvPr>
+            <p:cNvCxnSpPr>
+              <a:cxnSpLocks/>
+            </p:cNvCxnSpPr>
+            <p:nvPr/>
+          </p:nvCxnSpPr>
+          <p:spPr>
+            <a:xfrm flipV="1">
+              <a:off x="7192524" y="3552803"/>
+              <a:ext cx="128686" cy="127614"/>
+            </a:xfrm>
+            <a:prstGeom prst="straightConnector1">
+              <a:avLst/>
+            </a:prstGeom>
+            <a:ln>
+              <a:tailEnd type="triangle"/>
+            </a:ln>
+          </p:spPr>
+          <p:style>
+            <a:lnRef idx="2">
+              <a:schemeClr val="dk1"/>
+            </a:lnRef>
+            <a:fillRef idx="1">
+              <a:schemeClr val="lt1"/>
+            </a:fillRef>
+            <a:effectRef idx="0">
+              <a:schemeClr val="dk1"/>
+            </a:effectRef>
+            <a:fontRef idx="minor">
+              <a:schemeClr val="dk1"/>
+            </a:fontRef>
+          </p:style>
+        </p:cxnSp>
+        <p:cxnSp>
+          <p:nvCxnSpPr>
+            <p:cNvPr id="44" name="Straight Arrow Connector 43">
+              <a:extLst>
+                <a:ext uri="{FF2B5EF4-FFF2-40B4-BE49-F238E27FC236}">
+                  <a16:creationId xmlns:a16="http://schemas.microsoft.com/office/drawing/2014/main" id="{B7491948-8EEE-74A2-451E-2BE79A4A6D32}"/>
+                </a:ext>
+              </a:extLst>
+            </p:cNvPr>
+            <p:cNvCxnSpPr>
+              <a:cxnSpLocks/>
+            </p:cNvCxnSpPr>
+            <p:nvPr/>
+          </p:nvCxnSpPr>
+          <p:spPr>
+            <a:xfrm flipV="1">
+              <a:off x="7105692" y="3488996"/>
+              <a:ext cx="128686" cy="127614"/>
+            </a:xfrm>
+            <a:prstGeom prst="straightConnector1">
+              <a:avLst/>
+            </a:prstGeom>
+            <a:ln>
+              <a:tailEnd type="triangle"/>
+            </a:ln>
+          </p:spPr>
+          <p:style>
+            <a:lnRef idx="2">
+              <a:schemeClr val="dk1"/>
+            </a:lnRef>
+            <a:fillRef idx="1">
+              <a:schemeClr val="lt1"/>
+            </a:fillRef>
+            <a:effectRef idx="0">
+              <a:schemeClr val="dk1"/>
+            </a:effectRef>
+            <a:fontRef idx="minor">
+              <a:schemeClr val="dk1"/>
+            </a:fontRef>
+          </p:style>
+        </p:cxnSp>
+      </p:grpSp>
+      <p:grpSp>
+        <p:nvGrpSpPr>
+          <p:cNvPr id="45" name="Group 44">
+            <a:extLst>
+              <a:ext uri="{FF2B5EF4-FFF2-40B4-BE49-F238E27FC236}">
+                <a16:creationId xmlns:a16="http://schemas.microsoft.com/office/drawing/2014/main" id="{4E354E9E-0FB6-31F9-1A1E-420881941724}"/>
+              </a:ext>
+            </a:extLst>
+          </p:cNvPr>
+          <p:cNvGrpSpPr/>
+          <p:nvPr/>
+        </p:nvGrpSpPr>
+        <p:grpSpPr>
+          <a:xfrm>
+            <a:off x="4205211" y="3424829"/>
+            <a:ext cx="650875" cy="438194"/>
+            <a:chOff x="6797675" y="3488996"/>
+            <a:chExt cx="650875" cy="438194"/>
+          </a:xfrm>
+          <a:effectLst>
+            <a:outerShdw blurRad="50800" dist="38100" dir="2700000" algn="tl" rotWithShape="0">
+              <a:prstClr val="black">
+                <a:alpha val="40000"/>
+              </a:prstClr>
+            </a:outerShdw>
+          </a:effectLst>
+        </p:grpSpPr>
+        <p:sp>
+          <p:nvSpPr>
+            <p:cNvPr id="46" name="Flowchart: Extract 45">
+              <a:extLst>
+                <a:ext uri="{FF2B5EF4-FFF2-40B4-BE49-F238E27FC236}">
+                  <a16:creationId xmlns:a16="http://schemas.microsoft.com/office/drawing/2014/main" id="{948E9BBF-9DCB-A1FB-6A3B-468A64C8EBAD}"/>
+                </a:ext>
+              </a:extLst>
+            </p:cNvPr>
+            <p:cNvSpPr/>
+            <p:nvPr/>
+          </p:nvSpPr>
+          <p:spPr>
+            <a:xfrm rot="5400000">
+              <a:off x="6966782" y="3637105"/>
+              <a:ext cx="310580" cy="269590"/>
+            </a:xfrm>
+            <a:prstGeom prst="flowChartExtract">
+              <a:avLst/>
+            </a:prstGeom>
+          </p:spPr>
+          <p:style>
+            <a:lnRef idx="2">
+              <a:schemeClr val="dk1"/>
+            </a:lnRef>
+            <a:fillRef idx="1">
+              <a:schemeClr val="lt1"/>
+            </a:fillRef>
+            <a:effectRef idx="0">
+              <a:schemeClr val="dk1"/>
+            </a:effectRef>
+            <a:fontRef idx="minor">
+              <a:schemeClr val="dk1"/>
+            </a:fontRef>
+          </p:style>
+          <p:txBody>
+            <a:bodyPr rtlCol="0" anchor="ctr"/>
+            <a:lstStyle/>
+            <a:p>
+              <a:pPr algn="ctr"/>
+              <a:endParaRPr lang="en-GB"/>
+            </a:p>
+          </p:txBody>
+        </p:sp>
+        <p:cxnSp>
+          <p:nvCxnSpPr>
+            <p:cNvPr id="47" name="Straight Connector 46">
+              <a:extLst>
+                <a:ext uri="{FF2B5EF4-FFF2-40B4-BE49-F238E27FC236}">
+                  <a16:creationId xmlns:a16="http://schemas.microsoft.com/office/drawing/2014/main" id="{9A18076C-3E79-8466-548C-206D072EC6E3}"/>
+                </a:ext>
+              </a:extLst>
+            </p:cNvPr>
+            <p:cNvCxnSpPr>
+              <a:cxnSpLocks/>
+              <a:stCxn id="46" idx="2"/>
+            </p:cNvCxnSpPr>
+            <p:nvPr/>
+          </p:nvCxnSpPr>
+          <p:spPr>
+            <a:xfrm flipH="1">
+              <a:off x="6797675" y="3771900"/>
+              <a:ext cx="189602" cy="0"/>
+            </a:xfrm>
+            <a:prstGeom prst="line">
+              <a:avLst/>
+            </a:prstGeom>
+          </p:spPr>
+          <p:style>
+            <a:lnRef idx="2">
+              <a:schemeClr val="dk1"/>
+            </a:lnRef>
+            <a:fillRef idx="1">
+              <a:schemeClr val="lt1"/>
+            </a:fillRef>
+            <a:effectRef idx="0">
+              <a:schemeClr val="dk1"/>
+            </a:effectRef>
+            <a:fontRef idx="minor">
+              <a:schemeClr val="dk1"/>
+            </a:fontRef>
+          </p:style>
+        </p:cxnSp>
+        <p:cxnSp>
+          <p:nvCxnSpPr>
+            <p:cNvPr id="48" name="Straight Connector 47">
+              <a:extLst>
+                <a:ext uri="{FF2B5EF4-FFF2-40B4-BE49-F238E27FC236}">
+                  <a16:creationId xmlns:a16="http://schemas.microsoft.com/office/drawing/2014/main" id="{8BF9DD04-FC92-5390-118F-6FBAF9E2ED45}"/>
+                </a:ext>
+              </a:extLst>
+            </p:cNvPr>
+            <p:cNvCxnSpPr>
+              <a:cxnSpLocks/>
+              <a:stCxn id="46" idx="0"/>
+            </p:cNvCxnSpPr>
+            <p:nvPr/>
+          </p:nvCxnSpPr>
+          <p:spPr>
+            <a:xfrm>
+              <a:off x="7256867" y="3771900"/>
+              <a:ext cx="191683" cy="0"/>
+            </a:xfrm>
+            <a:prstGeom prst="line">
+              <a:avLst/>
+            </a:prstGeom>
+          </p:spPr>
+          <p:style>
+            <a:lnRef idx="2">
+              <a:schemeClr val="dk1"/>
+            </a:lnRef>
+            <a:fillRef idx="1">
+              <a:schemeClr val="lt1"/>
+            </a:fillRef>
+            <a:effectRef idx="0">
+              <a:schemeClr val="dk1"/>
+            </a:effectRef>
+            <a:fontRef idx="minor">
+              <a:schemeClr val="dk1"/>
+            </a:fontRef>
+          </p:style>
+        </p:cxnSp>
+        <p:cxnSp>
+          <p:nvCxnSpPr>
+            <p:cNvPr id="49" name="Straight Arrow Connector 48">
+              <a:extLst>
+                <a:ext uri="{FF2B5EF4-FFF2-40B4-BE49-F238E27FC236}">
+                  <a16:creationId xmlns:a16="http://schemas.microsoft.com/office/drawing/2014/main" id="{793CC925-382B-D26B-B939-A89484C195CA}"/>
+                </a:ext>
+              </a:extLst>
+            </p:cNvPr>
+            <p:cNvCxnSpPr>
+              <a:cxnSpLocks/>
+            </p:cNvCxnSpPr>
+            <p:nvPr/>
+          </p:nvCxnSpPr>
+          <p:spPr>
+            <a:xfrm flipV="1">
+              <a:off x="7192524" y="3552803"/>
+              <a:ext cx="128686" cy="127614"/>
+            </a:xfrm>
+            <a:prstGeom prst="straightConnector1">
+              <a:avLst/>
+            </a:prstGeom>
+            <a:ln>
+              <a:tailEnd type="triangle"/>
+            </a:ln>
+          </p:spPr>
+          <p:style>
+            <a:lnRef idx="2">
+              <a:schemeClr val="dk1"/>
+            </a:lnRef>
+            <a:fillRef idx="1">
+              <a:schemeClr val="lt1"/>
+            </a:fillRef>
+            <a:effectRef idx="0">
+              <a:schemeClr val="dk1"/>
+            </a:effectRef>
+            <a:fontRef idx="minor">
+              <a:schemeClr val="dk1"/>
+            </a:fontRef>
+          </p:style>
+        </p:cxnSp>
+        <p:cxnSp>
+          <p:nvCxnSpPr>
+            <p:cNvPr id="50" name="Straight Arrow Connector 49">
+              <a:extLst>
+                <a:ext uri="{FF2B5EF4-FFF2-40B4-BE49-F238E27FC236}">
+                  <a16:creationId xmlns:a16="http://schemas.microsoft.com/office/drawing/2014/main" id="{575B9DC0-85C6-1FAC-A6BB-5FB6F7528BFD}"/>
+                </a:ext>
+              </a:extLst>
+            </p:cNvPr>
+            <p:cNvCxnSpPr>
+              <a:cxnSpLocks/>
+            </p:cNvCxnSpPr>
+            <p:nvPr/>
+          </p:nvCxnSpPr>
+          <p:spPr>
+            <a:xfrm flipV="1">
+              <a:off x="7105692" y="3488996"/>
+              <a:ext cx="128686" cy="127614"/>
+            </a:xfrm>
+            <a:prstGeom prst="straightConnector1">
+              <a:avLst/>
+            </a:prstGeom>
+            <a:ln>
+              <a:tailEnd type="triangle"/>
+            </a:ln>
+          </p:spPr>
+          <p:style>
+            <a:lnRef idx="2">
+              <a:schemeClr val="dk1"/>
+            </a:lnRef>
+            <a:fillRef idx="1">
+              <a:schemeClr val="lt1"/>
+            </a:fillRef>
+            <a:effectRef idx="0">
+              <a:schemeClr val="dk1"/>
+            </a:effectRef>
+            <a:fontRef idx="minor">
+              <a:schemeClr val="dk1"/>
+            </a:fontRef>
+          </p:style>
+        </p:cxnSp>
+      </p:grpSp>
+      <p:grpSp>
+        <p:nvGrpSpPr>
+          <p:cNvPr id="51" name="Group 50">
+            <a:extLst>
+              <a:ext uri="{FF2B5EF4-FFF2-40B4-BE49-F238E27FC236}">
+                <a16:creationId xmlns:a16="http://schemas.microsoft.com/office/drawing/2014/main" id="{9364A078-E710-4D29-2747-537B5D3D134B}"/>
+              </a:ext>
+            </a:extLst>
+          </p:cNvPr>
+          <p:cNvGrpSpPr/>
+          <p:nvPr/>
+        </p:nvGrpSpPr>
+        <p:grpSpPr>
+          <a:xfrm>
+            <a:off x="4205211" y="3863021"/>
+            <a:ext cx="650875" cy="438194"/>
+            <a:chOff x="6797675" y="3488996"/>
+            <a:chExt cx="650875" cy="438194"/>
+          </a:xfrm>
+          <a:effectLst>
+            <a:outerShdw blurRad="50800" dist="38100" dir="2700000" algn="tl" rotWithShape="0">
+              <a:prstClr val="black">
+                <a:alpha val="40000"/>
+              </a:prstClr>
+            </a:outerShdw>
+          </a:effectLst>
+        </p:grpSpPr>
+        <p:sp>
+          <p:nvSpPr>
+            <p:cNvPr id="52" name="Flowchart: Extract 51">
+              <a:extLst>
+                <a:ext uri="{FF2B5EF4-FFF2-40B4-BE49-F238E27FC236}">
+                  <a16:creationId xmlns:a16="http://schemas.microsoft.com/office/drawing/2014/main" id="{3F9629D9-F9DD-67A0-3C66-C5E8BE200188}"/>
+                </a:ext>
+              </a:extLst>
+            </p:cNvPr>
+            <p:cNvSpPr/>
+            <p:nvPr/>
+          </p:nvSpPr>
+          <p:spPr>
+            <a:xfrm rot="5400000">
+              <a:off x="6966782" y="3637105"/>
+              <a:ext cx="310580" cy="269590"/>
+            </a:xfrm>
+            <a:prstGeom prst="flowChartExtract">
+              <a:avLst/>
+            </a:prstGeom>
+          </p:spPr>
+          <p:style>
+            <a:lnRef idx="2">
+              <a:schemeClr val="dk1"/>
+            </a:lnRef>
+            <a:fillRef idx="1">
+              <a:schemeClr val="lt1"/>
+            </a:fillRef>
+            <a:effectRef idx="0">
+              <a:schemeClr val="dk1"/>
+            </a:effectRef>
+            <a:fontRef idx="minor">
+              <a:schemeClr val="dk1"/>
+            </a:fontRef>
+          </p:style>
+          <p:txBody>
+            <a:bodyPr rtlCol="0" anchor="ctr"/>
+            <a:lstStyle/>
+            <a:p>
+              <a:pPr algn="ctr"/>
+              <a:endParaRPr lang="en-GB"/>
+            </a:p>
+          </p:txBody>
+        </p:sp>
+        <p:cxnSp>
+          <p:nvCxnSpPr>
+            <p:cNvPr id="53" name="Straight Connector 52">
+              <a:extLst>
+                <a:ext uri="{FF2B5EF4-FFF2-40B4-BE49-F238E27FC236}">
+                  <a16:creationId xmlns:a16="http://schemas.microsoft.com/office/drawing/2014/main" id="{A2194463-95D3-6273-3D26-93CF3B13AF34}"/>
+                </a:ext>
+              </a:extLst>
+            </p:cNvPr>
+            <p:cNvCxnSpPr>
+              <a:cxnSpLocks/>
+              <a:stCxn id="52" idx="2"/>
+            </p:cNvCxnSpPr>
+            <p:nvPr/>
+          </p:nvCxnSpPr>
+          <p:spPr>
+            <a:xfrm flipH="1">
+              <a:off x="6797675" y="3771900"/>
+              <a:ext cx="189602" cy="0"/>
+            </a:xfrm>
+            <a:prstGeom prst="line">
+              <a:avLst/>
+            </a:prstGeom>
+          </p:spPr>
+          <p:style>
+            <a:lnRef idx="2">
+              <a:schemeClr val="dk1"/>
+            </a:lnRef>
+            <a:fillRef idx="1">
+              <a:schemeClr val="lt1"/>
+            </a:fillRef>
+            <a:effectRef idx="0">
+              <a:schemeClr val="dk1"/>
+            </a:effectRef>
+            <a:fontRef idx="minor">
+              <a:schemeClr val="dk1"/>
+            </a:fontRef>
+          </p:style>
+        </p:cxnSp>
+        <p:cxnSp>
+          <p:nvCxnSpPr>
+            <p:cNvPr id="54" name="Straight Connector 53">
+              <a:extLst>
+                <a:ext uri="{FF2B5EF4-FFF2-40B4-BE49-F238E27FC236}">
+                  <a16:creationId xmlns:a16="http://schemas.microsoft.com/office/drawing/2014/main" id="{02CB481F-D360-3570-80B3-F9DC3806B202}"/>
+                </a:ext>
+              </a:extLst>
+            </p:cNvPr>
+            <p:cNvCxnSpPr>
+              <a:cxnSpLocks/>
+              <a:stCxn id="52" idx="0"/>
+            </p:cNvCxnSpPr>
+            <p:nvPr/>
+          </p:nvCxnSpPr>
+          <p:spPr>
+            <a:xfrm>
+              <a:off x="7256867" y="3771900"/>
+              <a:ext cx="191683" cy="0"/>
+            </a:xfrm>
+            <a:prstGeom prst="line">
+              <a:avLst/>
+            </a:prstGeom>
+          </p:spPr>
+          <p:style>
+            <a:lnRef idx="2">
+              <a:schemeClr val="dk1"/>
+            </a:lnRef>
+            <a:fillRef idx="1">
+              <a:schemeClr val="lt1"/>
+            </a:fillRef>
+            <a:effectRef idx="0">
+              <a:schemeClr val="dk1"/>
+            </a:effectRef>
+            <a:fontRef idx="minor">
+              <a:schemeClr val="dk1"/>
+            </a:fontRef>
+          </p:style>
+        </p:cxnSp>
+        <p:cxnSp>
+          <p:nvCxnSpPr>
+            <p:cNvPr id="55" name="Straight Arrow Connector 54">
+              <a:extLst>
+                <a:ext uri="{FF2B5EF4-FFF2-40B4-BE49-F238E27FC236}">
+                  <a16:creationId xmlns:a16="http://schemas.microsoft.com/office/drawing/2014/main" id="{BCBD4431-6ED7-D5C7-F231-C9FE9A65ECDF}"/>
+                </a:ext>
+              </a:extLst>
+            </p:cNvPr>
+            <p:cNvCxnSpPr>
+              <a:cxnSpLocks/>
+            </p:cNvCxnSpPr>
+            <p:nvPr/>
+          </p:nvCxnSpPr>
+          <p:spPr>
+            <a:xfrm flipV="1">
+              <a:off x="7192524" y="3552803"/>
+              <a:ext cx="128686" cy="127614"/>
+            </a:xfrm>
+            <a:prstGeom prst="straightConnector1">
+              <a:avLst/>
+            </a:prstGeom>
+            <a:ln>
+              <a:tailEnd type="triangle"/>
+            </a:ln>
+          </p:spPr>
+          <p:style>
+            <a:lnRef idx="2">
+              <a:schemeClr val="dk1"/>
+            </a:lnRef>
+            <a:fillRef idx="1">
+              <a:schemeClr val="lt1"/>
+            </a:fillRef>
+            <a:effectRef idx="0">
+              <a:schemeClr val="dk1"/>
+            </a:effectRef>
+            <a:fontRef idx="minor">
+              <a:schemeClr val="dk1"/>
+            </a:fontRef>
+          </p:style>
+        </p:cxnSp>
+        <p:cxnSp>
+          <p:nvCxnSpPr>
+            <p:cNvPr id="56" name="Straight Arrow Connector 55">
+              <a:extLst>
+                <a:ext uri="{FF2B5EF4-FFF2-40B4-BE49-F238E27FC236}">
+                  <a16:creationId xmlns:a16="http://schemas.microsoft.com/office/drawing/2014/main" id="{988FDEF9-1A17-02B3-8471-727CAF5601C7}"/>
+                </a:ext>
+              </a:extLst>
+            </p:cNvPr>
+            <p:cNvCxnSpPr>
+              <a:cxnSpLocks/>
+            </p:cNvCxnSpPr>
+            <p:nvPr/>
+          </p:nvCxnSpPr>
+          <p:spPr>
+            <a:xfrm flipV="1">
+              <a:off x="7105692" y="3488996"/>
+              <a:ext cx="128686" cy="127614"/>
+            </a:xfrm>
+            <a:prstGeom prst="straightConnector1">
+              <a:avLst/>
+            </a:prstGeom>
+            <a:ln>
+              <a:tailEnd type="triangle"/>
+            </a:ln>
+          </p:spPr>
+          <p:style>
+            <a:lnRef idx="2">
+              <a:schemeClr val="dk1"/>
+            </a:lnRef>
+            <a:fillRef idx="1">
+              <a:schemeClr val="lt1"/>
+            </a:fillRef>
+            <a:effectRef idx="0">
+              <a:schemeClr val="dk1"/>
+            </a:effectRef>
+            <a:fontRef idx="minor">
+              <a:schemeClr val="dk1"/>
+            </a:fontRef>
+          </p:style>
+        </p:cxnSp>
+      </p:grpSp>
+      <p:grpSp>
+        <p:nvGrpSpPr>
+          <p:cNvPr id="57" name="Group 56">
+            <a:extLst>
+              <a:ext uri="{FF2B5EF4-FFF2-40B4-BE49-F238E27FC236}">
+                <a16:creationId xmlns:a16="http://schemas.microsoft.com/office/drawing/2014/main" id="{08300953-0D7A-5324-B392-F33F1A381962}"/>
+              </a:ext>
+            </a:extLst>
+          </p:cNvPr>
+          <p:cNvGrpSpPr/>
+          <p:nvPr/>
+        </p:nvGrpSpPr>
+        <p:grpSpPr>
+          <a:xfrm>
+            <a:off x="1387782" y="3083344"/>
+            <a:ext cx="771525" cy="223838"/>
+            <a:chOff x="5454650" y="2763837"/>
+            <a:chExt cx="771525" cy="223838"/>
+          </a:xfrm>
+          <a:effectLst>
+            <a:outerShdw blurRad="50800" dist="38100" dir="2700000" algn="tl" rotWithShape="0">
+              <a:prstClr val="black">
+                <a:alpha val="40000"/>
+              </a:prstClr>
+            </a:outerShdw>
+          </a:effectLst>
+        </p:grpSpPr>
+        <p:cxnSp>
+          <p:nvCxnSpPr>
+            <p:cNvPr id="58" name="Straight Connector 57">
+              <a:extLst>
+                <a:ext uri="{FF2B5EF4-FFF2-40B4-BE49-F238E27FC236}">
+                  <a16:creationId xmlns:a16="http://schemas.microsoft.com/office/drawing/2014/main" id="{8126A361-0B84-3420-C280-E30677CCDAED}"/>
+                </a:ext>
+              </a:extLst>
+            </p:cNvPr>
+            <p:cNvCxnSpPr>
+              <a:cxnSpLocks/>
+              <a:endCxn id="59" idx="2"/>
+            </p:cNvCxnSpPr>
+            <p:nvPr/>
+          </p:nvCxnSpPr>
+          <p:spPr>
+            <a:xfrm>
+              <a:off x="5454650" y="2957512"/>
+              <a:ext cx="257175" cy="1"/>
+            </a:xfrm>
+            <a:prstGeom prst="line">
+              <a:avLst/>
+            </a:prstGeom>
+          </p:spPr>
+          <p:style>
+            <a:lnRef idx="2">
+              <a:schemeClr val="dk1"/>
+            </a:lnRef>
+            <a:fillRef idx="1">
+              <a:schemeClr val="lt1"/>
+            </a:fillRef>
+            <a:effectRef idx="0">
+              <a:schemeClr val="dk1"/>
+            </a:effectRef>
+            <a:fontRef idx="minor">
+              <a:schemeClr val="dk1"/>
+            </a:fontRef>
+          </p:style>
+        </p:cxnSp>
+        <p:sp>
+          <p:nvSpPr>
+            <p:cNvPr id="59" name="Oval 58">
+              <a:extLst>
+                <a:ext uri="{FF2B5EF4-FFF2-40B4-BE49-F238E27FC236}">
+                  <a16:creationId xmlns:a16="http://schemas.microsoft.com/office/drawing/2014/main" id="{E242495B-9215-8CF0-25A2-5AF808323EC2}"/>
+                </a:ext>
+              </a:extLst>
+            </p:cNvPr>
+            <p:cNvSpPr/>
+            <p:nvPr/>
+          </p:nvSpPr>
+          <p:spPr>
+            <a:xfrm>
+              <a:off x="5711825" y="2927350"/>
+              <a:ext cx="60325" cy="60325"/>
+            </a:xfrm>
+            <a:prstGeom prst="ellipse">
+              <a:avLst/>
+            </a:prstGeom>
+          </p:spPr>
+          <p:style>
+            <a:lnRef idx="2">
+              <a:schemeClr val="dk1"/>
+            </a:lnRef>
+            <a:fillRef idx="1">
+              <a:schemeClr val="lt1"/>
+            </a:fillRef>
+            <a:effectRef idx="0">
+              <a:schemeClr val="dk1"/>
+            </a:effectRef>
+            <a:fontRef idx="minor">
+              <a:schemeClr val="dk1"/>
+            </a:fontRef>
+          </p:style>
+          <p:txBody>
+            <a:bodyPr rtlCol="0" anchor="ctr"/>
+            <a:lstStyle/>
+            <a:p>
+              <a:pPr algn="ctr"/>
+              <a:endParaRPr lang="en-GB"/>
+            </a:p>
+          </p:txBody>
+        </p:sp>
+        <p:cxnSp>
+          <p:nvCxnSpPr>
+            <p:cNvPr id="60" name="Straight Connector 59">
+              <a:extLst>
+                <a:ext uri="{FF2B5EF4-FFF2-40B4-BE49-F238E27FC236}">
+                  <a16:creationId xmlns:a16="http://schemas.microsoft.com/office/drawing/2014/main" id="{F08A6677-9791-BF7E-84D6-E0D2E750F23C}"/>
+                </a:ext>
+              </a:extLst>
+            </p:cNvPr>
+            <p:cNvCxnSpPr>
+              <a:cxnSpLocks/>
+              <a:endCxn id="61" idx="2"/>
+            </p:cNvCxnSpPr>
+            <p:nvPr/>
+          </p:nvCxnSpPr>
+          <p:spPr>
+            <a:xfrm flipH="1">
+              <a:off x="5969000" y="2957512"/>
+              <a:ext cx="257175" cy="1"/>
+            </a:xfrm>
+            <a:prstGeom prst="line">
+              <a:avLst/>
+            </a:prstGeom>
+          </p:spPr>
+          <p:style>
+            <a:lnRef idx="2">
+              <a:schemeClr val="dk1"/>
+            </a:lnRef>
+            <a:fillRef idx="1">
+              <a:schemeClr val="lt1"/>
+            </a:fillRef>
+            <a:effectRef idx="0">
+              <a:schemeClr val="dk1"/>
+            </a:effectRef>
+            <a:fontRef idx="minor">
+              <a:schemeClr val="dk1"/>
+            </a:fontRef>
+          </p:style>
+        </p:cxnSp>
+        <p:sp>
+          <p:nvSpPr>
+            <p:cNvPr id="61" name="Oval 60">
+              <a:extLst>
+                <a:ext uri="{FF2B5EF4-FFF2-40B4-BE49-F238E27FC236}">
+                  <a16:creationId xmlns:a16="http://schemas.microsoft.com/office/drawing/2014/main" id="{2409004F-993A-DAC4-BAA8-B1357D61B587}"/>
+                </a:ext>
+              </a:extLst>
+            </p:cNvPr>
+            <p:cNvSpPr/>
+            <p:nvPr/>
+          </p:nvSpPr>
+          <p:spPr>
+            <a:xfrm flipH="1">
+              <a:off x="5908675" y="2927350"/>
+              <a:ext cx="60325" cy="60325"/>
+            </a:xfrm>
+            <a:prstGeom prst="ellipse">
+              <a:avLst/>
+            </a:prstGeom>
+          </p:spPr>
+          <p:style>
+            <a:lnRef idx="2">
+              <a:schemeClr val="dk1"/>
+            </a:lnRef>
+            <a:fillRef idx="1">
+              <a:schemeClr val="lt1"/>
+            </a:fillRef>
+            <a:effectRef idx="0">
+              <a:schemeClr val="dk1"/>
+            </a:effectRef>
+            <a:fontRef idx="minor">
+              <a:schemeClr val="dk1"/>
+            </a:fontRef>
+          </p:style>
+          <p:txBody>
+            <a:bodyPr rtlCol="0" anchor="ctr"/>
+            <a:lstStyle/>
+            <a:p>
+              <a:pPr algn="ctr"/>
+              <a:endParaRPr lang="en-GB"/>
+            </a:p>
+          </p:txBody>
+        </p:sp>
+        <p:grpSp>
+          <p:nvGrpSpPr>
+            <p:cNvPr id="62" name="Group 61">
+              <a:extLst>
+                <a:ext uri="{FF2B5EF4-FFF2-40B4-BE49-F238E27FC236}">
+                  <a16:creationId xmlns:a16="http://schemas.microsoft.com/office/drawing/2014/main" id="{A4FEBC33-18B1-F92C-BAC2-5FFFA9BDC272}"/>
+                </a:ext>
+              </a:extLst>
+            </p:cNvPr>
+            <p:cNvGrpSpPr/>
+            <p:nvPr/>
+          </p:nvGrpSpPr>
+          <p:grpSpPr>
+            <a:xfrm>
+              <a:off x="5705474" y="2763837"/>
+              <a:ext cx="271462" cy="119063"/>
+              <a:chOff x="5688013" y="2752725"/>
+              <a:chExt cx="271462" cy="119063"/>
+            </a:xfrm>
+          </p:grpSpPr>
+          <p:cxnSp>
+            <p:nvCxnSpPr>
+              <p:cNvPr id="63" name="Straight Connector 62">
+                <a:extLst>
+                  <a:ext uri="{FF2B5EF4-FFF2-40B4-BE49-F238E27FC236}">
+                    <a16:creationId xmlns:a16="http://schemas.microsoft.com/office/drawing/2014/main" id="{5B72CC3B-C68D-D4F9-F593-F0DAB341D8ED}"/>
+                  </a:ext>
+                </a:extLst>
+              </p:cNvPr>
+              <p:cNvCxnSpPr>
+                <a:cxnSpLocks/>
+              </p:cNvCxnSpPr>
+              <p:nvPr/>
+            </p:nvCxnSpPr>
+            <p:spPr>
+              <a:xfrm>
+                <a:off x="5688013" y="2871788"/>
+                <a:ext cx="271462" cy="0"/>
+              </a:xfrm>
+              <a:prstGeom prst="line">
+                <a:avLst/>
+              </a:prstGeom>
+              <a:ln w="25400"/>
+            </p:spPr>
+            <p:style>
+              <a:lnRef idx="1">
+                <a:schemeClr val="dk1"/>
+              </a:lnRef>
+              <a:fillRef idx="0">
+                <a:schemeClr val="dk1"/>
+              </a:fillRef>
+              <a:effectRef idx="0">
+                <a:schemeClr val="dk1"/>
+              </a:effectRef>
+              <a:fontRef idx="minor">
+                <a:schemeClr val="tx1"/>
+              </a:fontRef>
+            </p:style>
+          </p:cxnSp>
+          <p:cxnSp>
+            <p:nvCxnSpPr>
+              <p:cNvPr id="64" name="Straight Connector 63">
+                <a:extLst>
+                  <a:ext uri="{FF2B5EF4-FFF2-40B4-BE49-F238E27FC236}">
+                    <a16:creationId xmlns:a16="http://schemas.microsoft.com/office/drawing/2014/main" id="{D10CA969-5AE9-D359-5875-BF57E6C9DC2C}"/>
+                  </a:ext>
+                </a:extLst>
+              </p:cNvPr>
+              <p:cNvCxnSpPr>
+                <a:cxnSpLocks/>
+              </p:cNvCxnSpPr>
+              <p:nvPr/>
+            </p:nvCxnSpPr>
+            <p:spPr>
+              <a:xfrm flipV="1">
+                <a:off x="5823744" y="2752725"/>
+                <a:ext cx="0" cy="115888"/>
+              </a:xfrm>
+              <a:prstGeom prst="line">
+                <a:avLst/>
+              </a:prstGeom>
+            </p:spPr>
+            <p:style>
+              <a:lnRef idx="2">
+                <a:schemeClr val="dk1"/>
+              </a:lnRef>
+              <a:fillRef idx="1">
+                <a:schemeClr val="lt1"/>
+              </a:fillRef>
+              <a:effectRef idx="0">
+                <a:schemeClr val="dk1"/>
+              </a:effectRef>
+              <a:fontRef idx="minor">
+                <a:schemeClr val="dk1"/>
+              </a:fontRef>
+            </p:style>
+          </p:cxnSp>
+        </p:grpSp>
+      </p:grpSp>
+      <p:grpSp>
+        <p:nvGrpSpPr>
+          <p:cNvPr id="65" name="Group 64">
+            <a:extLst>
+              <a:ext uri="{FF2B5EF4-FFF2-40B4-BE49-F238E27FC236}">
+                <a16:creationId xmlns:a16="http://schemas.microsoft.com/office/drawing/2014/main" id="{67A89579-9173-DFE1-6F7C-03AA989920B2}"/>
+              </a:ext>
+            </a:extLst>
+          </p:cNvPr>
+          <p:cNvGrpSpPr/>
+          <p:nvPr/>
+        </p:nvGrpSpPr>
+        <p:grpSpPr>
+          <a:xfrm>
+            <a:off x="1387782" y="3744244"/>
+            <a:ext cx="771525" cy="223838"/>
+            <a:chOff x="5454650" y="2763837"/>
+            <a:chExt cx="771525" cy="223838"/>
+          </a:xfrm>
+          <a:effectLst>
+            <a:outerShdw blurRad="50800" dist="38100" dir="2700000" algn="tl" rotWithShape="0">
+              <a:prstClr val="black">
+                <a:alpha val="40000"/>
+              </a:prstClr>
+            </a:outerShdw>
+          </a:effectLst>
+        </p:grpSpPr>
+        <p:cxnSp>
+          <p:nvCxnSpPr>
+            <p:cNvPr id="66" name="Straight Connector 65">
+              <a:extLst>
+                <a:ext uri="{FF2B5EF4-FFF2-40B4-BE49-F238E27FC236}">
+                  <a16:creationId xmlns:a16="http://schemas.microsoft.com/office/drawing/2014/main" id="{75A99180-9FA3-D135-4909-9E20A20D18A1}"/>
+                </a:ext>
+              </a:extLst>
+            </p:cNvPr>
+            <p:cNvCxnSpPr>
+              <a:cxnSpLocks/>
+              <a:endCxn id="67" idx="2"/>
+            </p:cNvCxnSpPr>
+            <p:nvPr/>
+          </p:nvCxnSpPr>
+          <p:spPr>
+            <a:xfrm>
+              <a:off x="5454650" y="2957512"/>
+              <a:ext cx="257175" cy="1"/>
+            </a:xfrm>
+            <a:prstGeom prst="line">
+              <a:avLst/>
+            </a:prstGeom>
+          </p:spPr>
+          <p:style>
+            <a:lnRef idx="2">
+              <a:schemeClr val="dk1"/>
+            </a:lnRef>
+            <a:fillRef idx="1">
+              <a:schemeClr val="lt1"/>
+            </a:fillRef>
+            <a:effectRef idx="0">
+              <a:schemeClr val="dk1"/>
+            </a:effectRef>
+            <a:fontRef idx="minor">
+              <a:schemeClr val="dk1"/>
+            </a:fontRef>
+          </p:style>
+        </p:cxnSp>
+        <p:sp>
+          <p:nvSpPr>
+            <p:cNvPr id="67" name="Oval 66">
+              <a:extLst>
+                <a:ext uri="{FF2B5EF4-FFF2-40B4-BE49-F238E27FC236}">
+                  <a16:creationId xmlns:a16="http://schemas.microsoft.com/office/drawing/2014/main" id="{8A3C385E-8BF8-5FBC-9BE0-7698941A3B66}"/>
+                </a:ext>
+              </a:extLst>
+            </p:cNvPr>
+            <p:cNvSpPr/>
+            <p:nvPr/>
+          </p:nvSpPr>
+          <p:spPr>
+            <a:xfrm>
+              <a:off x="5711825" y="2927350"/>
+              <a:ext cx="60325" cy="60325"/>
+            </a:xfrm>
+            <a:prstGeom prst="ellipse">
+              <a:avLst/>
+            </a:prstGeom>
+          </p:spPr>
+          <p:style>
+            <a:lnRef idx="2">
+              <a:schemeClr val="dk1"/>
+            </a:lnRef>
+            <a:fillRef idx="1">
+              <a:schemeClr val="lt1"/>
+            </a:fillRef>
+            <a:effectRef idx="0">
+              <a:schemeClr val="dk1"/>
+            </a:effectRef>
+            <a:fontRef idx="minor">
+              <a:schemeClr val="dk1"/>
+            </a:fontRef>
+          </p:style>
+          <p:txBody>
+            <a:bodyPr rtlCol="0" anchor="ctr"/>
+            <a:lstStyle/>
+            <a:p>
+              <a:pPr algn="ctr"/>
+              <a:endParaRPr lang="en-GB"/>
+            </a:p>
+          </p:txBody>
+        </p:sp>
+        <p:cxnSp>
+          <p:nvCxnSpPr>
+            <p:cNvPr id="68" name="Straight Connector 67">
+              <a:extLst>
+                <a:ext uri="{FF2B5EF4-FFF2-40B4-BE49-F238E27FC236}">
+                  <a16:creationId xmlns:a16="http://schemas.microsoft.com/office/drawing/2014/main" id="{871A1DB1-5B1B-132D-2853-EEB685AFCA3B}"/>
+                </a:ext>
+              </a:extLst>
+            </p:cNvPr>
+            <p:cNvCxnSpPr>
+              <a:cxnSpLocks/>
+              <a:endCxn id="69" idx="2"/>
+            </p:cNvCxnSpPr>
+            <p:nvPr/>
+          </p:nvCxnSpPr>
+          <p:spPr>
+            <a:xfrm flipH="1">
+              <a:off x="5969000" y="2957512"/>
+              <a:ext cx="257175" cy="1"/>
+            </a:xfrm>
+            <a:prstGeom prst="line">
+              <a:avLst/>
+            </a:prstGeom>
+          </p:spPr>
+          <p:style>
+            <a:lnRef idx="2">
+              <a:schemeClr val="dk1"/>
+            </a:lnRef>
+            <a:fillRef idx="1">
+              <a:schemeClr val="lt1"/>
+            </a:fillRef>
+            <a:effectRef idx="0">
+              <a:schemeClr val="dk1"/>
+            </a:effectRef>
+            <a:fontRef idx="minor">
+              <a:schemeClr val="dk1"/>
+            </a:fontRef>
+          </p:style>
+        </p:cxnSp>
+        <p:sp>
+          <p:nvSpPr>
+            <p:cNvPr id="69" name="Oval 68">
+              <a:extLst>
+                <a:ext uri="{FF2B5EF4-FFF2-40B4-BE49-F238E27FC236}">
+                  <a16:creationId xmlns:a16="http://schemas.microsoft.com/office/drawing/2014/main" id="{0B53705E-690D-E04B-A30F-DA7C3F7C7D5A}"/>
+                </a:ext>
+              </a:extLst>
+            </p:cNvPr>
+            <p:cNvSpPr/>
+            <p:nvPr/>
+          </p:nvSpPr>
+          <p:spPr>
+            <a:xfrm flipH="1">
+              <a:off x="5908675" y="2927350"/>
+              <a:ext cx="60325" cy="60325"/>
+            </a:xfrm>
+            <a:prstGeom prst="ellipse">
+              <a:avLst/>
+            </a:prstGeom>
+          </p:spPr>
+          <p:style>
+            <a:lnRef idx="2">
+              <a:schemeClr val="dk1"/>
+            </a:lnRef>
+            <a:fillRef idx="1">
+              <a:schemeClr val="lt1"/>
+            </a:fillRef>
+            <a:effectRef idx="0">
+              <a:schemeClr val="dk1"/>
+            </a:effectRef>
+            <a:fontRef idx="minor">
+              <a:schemeClr val="dk1"/>
+            </a:fontRef>
+          </p:style>
+          <p:txBody>
+            <a:bodyPr rtlCol="0" anchor="ctr"/>
+            <a:lstStyle/>
+            <a:p>
+              <a:pPr algn="ctr"/>
+              <a:endParaRPr lang="en-GB"/>
+            </a:p>
+          </p:txBody>
+        </p:sp>
+        <p:grpSp>
+          <p:nvGrpSpPr>
+            <p:cNvPr id="70" name="Group 69">
+              <a:extLst>
+                <a:ext uri="{FF2B5EF4-FFF2-40B4-BE49-F238E27FC236}">
+                  <a16:creationId xmlns:a16="http://schemas.microsoft.com/office/drawing/2014/main" id="{FDBFD7AC-9BC8-CF57-2054-85CAEB77F3F5}"/>
+                </a:ext>
+              </a:extLst>
+            </p:cNvPr>
+            <p:cNvGrpSpPr/>
+            <p:nvPr/>
+          </p:nvGrpSpPr>
+          <p:grpSpPr>
+            <a:xfrm>
+              <a:off x="5705474" y="2763837"/>
+              <a:ext cx="271462" cy="119063"/>
+              <a:chOff x="5688013" y="2752725"/>
+              <a:chExt cx="271462" cy="119063"/>
+            </a:xfrm>
+          </p:grpSpPr>
+          <p:cxnSp>
+            <p:nvCxnSpPr>
+              <p:cNvPr id="71" name="Straight Connector 70">
+                <a:extLst>
+                  <a:ext uri="{FF2B5EF4-FFF2-40B4-BE49-F238E27FC236}">
+                    <a16:creationId xmlns:a16="http://schemas.microsoft.com/office/drawing/2014/main" id="{592733BD-D281-B5EF-E9DE-EDCBA74D23A8}"/>
+                  </a:ext>
+                </a:extLst>
+              </p:cNvPr>
+              <p:cNvCxnSpPr>
+                <a:cxnSpLocks/>
+              </p:cNvCxnSpPr>
+              <p:nvPr/>
+            </p:nvCxnSpPr>
+            <p:spPr>
+              <a:xfrm>
+                <a:off x="5688013" y="2871788"/>
+                <a:ext cx="271462" cy="0"/>
+              </a:xfrm>
+              <a:prstGeom prst="line">
+                <a:avLst/>
+              </a:prstGeom>
+              <a:ln w="25400"/>
+            </p:spPr>
+            <p:style>
+              <a:lnRef idx="1">
+                <a:schemeClr val="dk1"/>
+              </a:lnRef>
+              <a:fillRef idx="0">
+                <a:schemeClr val="dk1"/>
+              </a:fillRef>
+              <a:effectRef idx="0">
+                <a:schemeClr val="dk1"/>
+              </a:effectRef>
+              <a:fontRef idx="minor">
+                <a:schemeClr val="tx1"/>
+              </a:fontRef>
+            </p:style>
+          </p:cxnSp>
+          <p:cxnSp>
+            <p:nvCxnSpPr>
+              <p:cNvPr id="72" name="Straight Connector 71">
+                <a:extLst>
+                  <a:ext uri="{FF2B5EF4-FFF2-40B4-BE49-F238E27FC236}">
+                    <a16:creationId xmlns:a16="http://schemas.microsoft.com/office/drawing/2014/main" id="{D8C77588-ADDD-CBE4-BFBD-D7F6F553E447}"/>
+                  </a:ext>
+                </a:extLst>
+              </p:cNvPr>
+              <p:cNvCxnSpPr>
+                <a:cxnSpLocks/>
+              </p:cNvCxnSpPr>
+              <p:nvPr/>
+            </p:nvCxnSpPr>
+            <p:spPr>
+              <a:xfrm flipV="1">
+                <a:off x="5823744" y="2752725"/>
+                <a:ext cx="0" cy="115888"/>
+              </a:xfrm>
+              <a:prstGeom prst="line">
+                <a:avLst/>
+              </a:prstGeom>
+            </p:spPr>
+            <p:style>
+              <a:lnRef idx="2">
+                <a:schemeClr val="dk1"/>
+              </a:lnRef>
+              <a:fillRef idx="1">
+                <a:schemeClr val="lt1"/>
+              </a:fillRef>
+              <a:effectRef idx="0">
+                <a:schemeClr val="dk1"/>
+              </a:effectRef>
+              <a:fontRef idx="minor">
+                <a:schemeClr val="dk1"/>
+              </a:fontRef>
+            </p:style>
+          </p:cxnSp>
+        </p:grpSp>
+      </p:grpSp>
+      <p:grpSp>
+        <p:nvGrpSpPr>
+          <p:cNvPr id="73" name="Group 72">
+            <a:extLst>
+              <a:ext uri="{FF2B5EF4-FFF2-40B4-BE49-F238E27FC236}">
+                <a16:creationId xmlns:a16="http://schemas.microsoft.com/office/drawing/2014/main" id="{0D255EEA-F664-C544-0422-ACDAE57F4863}"/>
+              </a:ext>
+            </a:extLst>
+          </p:cNvPr>
+          <p:cNvGrpSpPr/>
+          <p:nvPr/>
+        </p:nvGrpSpPr>
+        <p:grpSpPr>
+          <a:xfrm>
+            <a:off x="1387782" y="3411810"/>
+            <a:ext cx="771525" cy="223838"/>
+            <a:chOff x="5454650" y="2763837"/>
+            <a:chExt cx="771525" cy="223838"/>
+          </a:xfrm>
+          <a:effectLst>
+            <a:outerShdw blurRad="50800" dist="38100" dir="2700000" algn="tl" rotWithShape="0">
+              <a:prstClr val="black">
+                <a:alpha val="40000"/>
+              </a:prstClr>
+            </a:outerShdw>
+          </a:effectLst>
+        </p:grpSpPr>
+        <p:cxnSp>
+          <p:nvCxnSpPr>
+            <p:cNvPr id="74" name="Straight Connector 73">
+              <a:extLst>
+                <a:ext uri="{FF2B5EF4-FFF2-40B4-BE49-F238E27FC236}">
+                  <a16:creationId xmlns:a16="http://schemas.microsoft.com/office/drawing/2014/main" id="{92F9E2F4-B91C-7E27-D33F-4A6D6BB6E49F}"/>
+                </a:ext>
+              </a:extLst>
+            </p:cNvPr>
+            <p:cNvCxnSpPr>
+              <a:cxnSpLocks/>
+              <a:endCxn id="75" idx="2"/>
+            </p:cNvCxnSpPr>
+            <p:nvPr/>
+          </p:nvCxnSpPr>
+          <p:spPr>
+            <a:xfrm>
+              <a:off x="5454650" y="2957512"/>
+              <a:ext cx="257175" cy="1"/>
+            </a:xfrm>
+            <a:prstGeom prst="line">
+              <a:avLst/>
+            </a:prstGeom>
+          </p:spPr>
+          <p:style>
+            <a:lnRef idx="2">
+              <a:schemeClr val="dk1"/>
+            </a:lnRef>
+            <a:fillRef idx="1">
+              <a:schemeClr val="lt1"/>
+            </a:fillRef>
+            <a:effectRef idx="0">
+              <a:schemeClr val="dk1"/>
+            </a:effectRef>
+            <a:fontRef idx="minor">
+              <a:schemeClr val="dk1"/>
+            </a:fontRef>
+          </p:style>
+        </p:cxnSp>
+        <p:sp>
+          <p:nvSpPr>
+            <p:cNvPr id="75" name="Oval 74">
+              <a:extLst>
+                <a:ext uri="{FF2B5EF4-FFF2-40B4-BE49-F238E27FC236}">
+                  <a16:creationId xmlns:a16="http://schemas.microsoft.com/office/drawing/2014/main" id="{39C3E460-A816-E715-84D4-3C7C4CDCE31B}"/>
+                </a:ext>
+              </a:extLst>
+            </p:cNvPr>
+            <p:cNvSpPr/>
+            <p:nvPr/>
+          </p:nvSpPr>
+          <p:spPr>
+            <a:xfrm>
+              <a:off x="5711825" y="2927350"/>
+              <a:ext cx="60325" cy="60325"/>
+            </a:xfrm>
+            <a:prstGeom prst="ellipse">
+              <a:avLst/>
+            </a:prstGeom>
+          </p:spPr>
+          <p:style>
+            <a:lnRef idx="2">
+              <a:schemeClr val="dk1"/>
+            </a:lnRef>
+            <a:fillRef idx="1">
+              <a:schemeClr val="lt1"/>
+            </a:fillRef>
+            <a:effectRef idx="0">
+              <a:schemeClr val="dk1"/>
+            </a:effectRef>
+            <a:fontRef idx="minor">
+              <a:schemeClr val="dk1"/>
+            </a:fontRef>
+          </p:style>
+          <p:txBody>
+            <a:bodyPr rtlCol="0" anchor="ctr"/>
+            <a:lstStyle/>
+            <a:p>
+              <a:pPr algn="ctr"/>
+              <a:endParaRPr lang="en-GB"/>
+            </a:p>
+          </p:txBody>
+        </p:sp>
+        <p:cxnSp>
+          <p:nvCxnSpPr>
+            <p:cNvPr id="76" name="Straight Connector 75">
+              <a:extLst>
+                <a:ext uri="{FF2B5EF4-FFF2-40B4-BE49-F238E27FC236}">
+                  <a16:creationId xmlns:a16="http://schemas.microsoft.com/office/drawing/2014/main" id="{0E10DA61-E81A-8FE2-6DCD-5498C4F3ECAB}"/>
+                </a:ext>
+              </a:extLst>
+            </p:cNvPr>
+            <p:cNvCxnSpPr>
+              <a:cxnSpLocks/>
+              <a:endCxn id="77" idx="2"/>
+            </p:cNvCxnSpPr>
+            <p:nvPr/>
+          </p:nvCxnSpPr>
+          <p:spPr>
+            <a:xfrm flipH="1">
+              <a:off x="5969000" y="2957512"/>
+              <a:ext cx="257175" cy="1"/>
+            </a:xfrm>
+            <a:prstGeom prst="line">
+              <a:avLst/>
+            </a:prstGeom>
+          </p:spPr>
+          <p:style>
+            <a:lnRef idx="2">
+              <a:schemeClr val="dk1"/>
+            </a:lnRef>
+            <a:fillRef idx="1">
+              <a:schemeClr val="lt1"/>
+            </a:fillRef>
+            <a:effectRef idx="0">
+              <a:schemeClr val="dk1"/>
+            </a:effectRef>
+            <a:fontRef idx="minor">
+              <a:schemeClr val="dk1"/>
+            </a:fontRef>
+          </p:style>
+        </p:cxnSp>
+        <p:sp>
+          <p:nvSpPr>
+            <p:cNvPr id="77" name="Oval 76">
+              <a:extLst>
+                <a:ext uri="{FF2B5EF4-FFF2-40B4-BE49-F238E27FC236}">
+                  <a16:creationId xmlns:a16="http://schemas.microsoft.com/office/drawing/2014/main" id="{C31E8E9E-A6C7-6B13-46E2-6B7F076E48DD}"/>
+                </a:ext>
+              </a:extLst>
+            </p:cNvPr>
+            <p:cNvSpPr/>
+            <p:nvPr/>
+          </p:nvSpPr>
+          <p:spPr>
+            <a:xfrm flipH="1">
+              <a:off x="5908675" y="2927350"/>
+              <a:ext cx="60325" cy="60325"/>
+            </a:xfrm>
+            <a:prstGeom prst="ellipse">
+              <a:avLst/>
+            </a:prstGeom>
+          </p:spPr>
+          <p:style>
+            <a:lnRef idx="2">
+              <a:schemeClr val="dk1"/>
+            </a:lnRef>
+            <a:fillRef idx="1">
+              <a:schemeClr val="lt1"/>
+            </a:fillRef>
+            <a:effectRef idx="0">
+              <a:schemeClr val="dk1"/>
+            </a:effectRef>
+            <a:fontRef idx="minor">
+              <a:schemeClr val="dk1"/>
+            </a:fontRef>
+          </p:style>
+          <p:txBody>
+            <a:bodyPr rtlCol="0" anchor="ctr"/>
+            <a:lstStyle/>
+            <a:p>
+              <a:pPr algn="ctr"/>
+              <a:endParaRPr lang="en-GB"/>
+            </a:p>
+          </p:txBody>
+        </p:sp>
+        <p:grpSp>
+          <p:nvGrpSpPr>
+            <p:cNvPr id="78" name="Group 77">
+              <a:extLst>
+                <a:ext uri="{FF2B5EF4-FFF2-40B4-BE49-F238E27FC236}">
+                  <a16:creationId xmlns:a16="http://schemas.microsoft.com/office/drawing/2014/main" id="{87E436EE-A8F1-C8C8-2955-7EFD20A75683}"/>
+                </a:ext>
+              </a:extLst>
+            </p:cNvPr>
+            <p:cNvGrpSpPr/>
+            <p:nvPr/>
+          </p:nvGrpSpPr>
+          <p:grpSpPr>
+            <a:xfrm>
+              <a:off x="5705474" y="2763837"/>
+              <a:ext cx="271462" cy="119063"/>
+              <a:chOff x="5688013" y="2752725"/>
+              <a:chExt cx="271462" cy="119063"/>
+            </a:xfrm>
+          </p:grpSpPr>
+          <p:cxnSp>
+            <p:nvCxnSpPr>
+              <p:cNvPr id="79" name="Straight Connector 78">
+                <a:extLst>
+                  <a:ext uri="{FF2B5EF4-FFF2-40B4-BE49-F238E27FC236}">
+                    <a16:creationId xmlns:a16="http://schemas.microsoft.com/office/drawing/2014/main" id="{7DA44ABC-E394-0B80-BE60-A4B48B69892F}"/>
+                  </a:ext>
+                </a:extLst>
+              </p:cNvPr>
+              <p:cNvCxnSpPr>
+                <a:cxnSpLocks/>
+              </p:cNvCxnSpPr>
+              <p:nvPr/>
+            </p:nvCxnSpPr>
+            <p:spPr>
+              <a:xfrm>
+                <a:off x="5688013" y="2871788"/>
+                <a:ext cx="271462" cy="0"/>
+              </a:xfrm>
+              <a:prstGeom prst="line">
+                <a:avLst/>
+              </a:prstGeom>
+              <a:ln w="25400"/>
+            </p:spPr>
+            <p:style>
+              <a:lnRef idx="1">
+                <a:schemeClr val="dk1"/>
+              </a:lnRef>
+              <a:fillRef idx="0">
+                <a:schemeClr val="dk1"/>
+              </a:fillRef>
+              <a:effectRef idx="0">
+                <a:schemeClr val="dk1"/>
+              </a:effectRef>
+              <a:fontRef idx="minor">
+                <a:schemeClr val="tx1"/>
+              </a:fontRef>
+            </p:style>
+          </p:cxnSp>
+          <p:cxnSp>
+            <p:nvCxnSpPr>
+              <p:cNvPr id="80" name="Straight Connector 79">
+                <a:extLst>
+                  <a:ext uri="{FF2B5EF4-FFF2-40B4-BE49-F238E27FC236}">
+                    <a16:creationId xmlns:a16="http://schemas.microsoft.com/office/drawing/2014/main" id="{976FF75D-47FD-6A02-8FBE-0A385A146137}"/>
+                  </a:ext>
+                </a:extLst>
+              </p:cNvPr>
+              <p:cNvCxnSpPr>
+                <a:cxnSpLocks/>
+              </p:cNvCxnSpPr>
+              <p:nvPr/>
+            </p:nvCxnSpPr>
+            <p:spPr>
+              <a:xfrm flipV="1">
+                <a:off x="5823744" y="2752725"/>
+                <a:ext cx="0" cy="115888"/>
+              </a:xfrm>
+              <a:prstGeom prst="line">
+                <a:avLst/>
+              </a:prstGeom>
+            </p:spPr>
+            <p:style>
+              <a:lnRef idx="2">
+                <a:schemeClr val="dk1"/>
+              </a:lnRef>
+              <a:fillRef idx="1">
+                <a:schemeClr val="lt1"/>
+              </a:fillRef>
+              <a:effectRef idx="0">
+                <a:schemeClr val="dk1"/>
+              </a:effectRef>
+              <a:fontRef idx="minor">
+                <a:schemeClr val="dk1"/>
+              </a:fontRef>
+            </p:style>
+          </p:cxnSp>
+        </p:grpSp>
+      </p:grpSp>
+      <p:cxnSp>
+        <p:nvCxnSpPr>
+          <p:cNvPr id="82" name="Straight Connector 81">
+            <a:extLst>
+              <a:ext uri="{FF2B5EF4-FFF2-40B4-BE49-F238E27FC236}">
+                <a16:creationId xmlns:a16="http://schemas.microsoft.com/office/drawing/2014/main" id="{F7CA4912-BBE6-90EF-089D-B790674F1018}"/>
+              </a:ext>
+            </a:extLst>
+          </p:cNvPr>
+          <p:cNvCxnSpPr/>
+          <p:nvPr/>
+        </p:nvCxnSpPr>
+        <p:spPr>
+          <a:xfrm>
+            <a:off x="4205211" y="2823425"/>
+            <a:ext cx="0" cy="1322500"/>
+          </a:xfrm>
+          <a:prstGeom prst="line">
+            <a:avLst/>
+          </a:prstGeom>
+        </p:spPr>
+        <p:style>
+          <a:lnRef idx="3">
+            <a:schemeClr val="dk1"/>
+          </a:lnRef>
+          <a:fillRef idx="0">
+            <a:schemeClr val="dk1"/>
+          </a:fillRef>
+          <a:effectRef idx="2">
+            <a:schemeClr val="dk1"/>
+          </a:effectRef>
+          <a:fontRef idx="minor">
+            <a:schemeClr val="tx1"/>
+          </a:fontRef>
+        </p:style>
+      </p:cxnSp>
+      <p:cxnSp>
+        <p:nvCxnSpPr>
+          <p:cNvPr id="84" name="Straight Connector 83">
+            <a:extLst>
+              <a:ext uri="{FF2B5EF4-FFF2-40B4-BE49-F238E27FC236}">
+                <a16:creationId xmlns:a16="http://schemas.microsoft.com/office/drawing/2014/main" id="{0A26B151-2B3C-B88B-0975-903E071CBA9A}"/>
+              </a:ext>
+            </a:extLst>
+          </p:cNvPr>
+          <p:cNvCxnSpPr>
+            <a:stCxn id="3" idx="3"/>
+          </p:cNvCxnSpPr>
+          <p:nvPr/>
+        </p:nvCxnSpPr>
+        <p:spPr>
+          <a:xfrm flipV="1">
+            <a:off x="3708050" y="3424829"/>
+            <a:ext cx="497161" cy="4171"/>
+          </a:xfrm>
+          <a:prstGeom prst="line">
+            <a:avLst/>
+          </a:prstGeom>
+        </p:spPr>
+        <p:style>
+          <a:lnRef idx="3">
+            <a:schemeClr val="dk1"/>
+          </a:lnRef>
+          <a:fillRef idx="0">
+            <a:schemeClr val="dk1"/>
+          </a:fillRef>
+          <a:effectRef idx="2">
+            <a:schemeClr val="dk1"/>
+          </a:effectRef>
+          <a:fontRef idx="minor">
+            <a:schemeClr val="tx1"/>
+          </a:fontRef>
+        </p:style>
+      </p:cxnSp>
+      <p:cxnSp>
+        <p:nvCxnSpPr>
+          <p:cNvPr id="86" name="Straight Connector 85">
+            <a:extLst>
+              <a:ext uri="{FF2B5EF4-FFF2-40B4-BE49-F238E27FC236}">
+                <a16:creationId xmlns:a16="http://schemas.microsoft.com/office/drawing/2014/main" id="{68F3F7AB-E86C-5A23-8D4B-0E8D484DDDCA}"/>
+              </a:ext>
+            </a:extLst>
+          </p:cNvPr>
+          <p:cNvCxnSpPr/>
+          <p:nvPr/>
+        </p:nvCxnSpPr>
+        <p:spPr>
+          <a:xfrm>
+            <a:off x="2159307" y="2948552"/>
+            <a:ext cx="0" cy="989367"/>
+          </a:xfrm>
+          <a:prstGeom prst="line">
+            <a:avLst/>
+          </a:prstGeom>
+        </p:spPr>
+        <p:style>
+          <a:lnRef idx="3">
+            <a:schemeClr val="dk1"/>
+          </a:lnRef>
+          <a:fillRef idx="0">
+            <a:schemeClr val="dk1"/>
+          </a:fillRef>
+          <a:effectRef idx="2">
+            <a:schemeClr val="dk1"/>
+          </a:effectRef>
+          <a:fontRef idx="minor">
+            <a:schemeClr val="tx1"/>
+          </a:fontRef>
+        </p:style>
+      </p:cxnSp>
+      <p:cxnSp>
+        <p:nvCxnSpPr>
+          <p:cNvPr id="91" name="Straight Connector 90">
+            <a:extLst>
+              <a:ext uri="{FF2B5EF4-FFF2-40B4-BE49-F238E27FC236}">
+                <a16:creationId xmlns:a16="http://schemas.microsoft.com/office/drawing/2014/main" id="{E018E146-AF2E-7654-7E24-2EC61239902A}"/>
+              </a:ext>
+            </a:extLst>
+          </p:cNvPr>
+          <p:cNvCxnSpPr>
+            <a:stCxn id="3" idx="1"/>
+          </p:cNvCxnSpPr>
+          <p:nvPr/>
+        </p:nvCxnSpPr>
+        <p:spPr>
+          <a:xfrm flipH="1" flipV="1">
+            <a:off x="2159307" y="3424829"/>
+            <a:ext cx="634343" cy="4171"/>
+          </a:xfrm>
+          <a:prstGeom prst="line">
+            <a:avLst/>
+          </a:prstGeom>
+        </p:spPr>
+        <p:style>
+          <a:lnRef idx="3">
+            <a:schemeClr val="dk1"/>
+          </a:lnRef>
+          <a:fillRef idx="0">
+            <a:schemeClr val="dk1"/>
+          </a:fillRef>
+          <a:effectRef idx="2">
+            <a:schemeClr val="dk1"/>
+          </a:effectRef>
+          <a:fontRef idx="minor">
+            <a:schemeClr val="tx1"/>
+          </a:fontRef>
+        </p:style>
+      </p:cxnSp>
+      <p:cxnSp>
+        <p:nvCxnSpPr>
+          <p:cNvPr id="93" name="Straight Arrow Connector 92">
+            <a:extLst>
+              <a:ext uri="{FF2B5EF4-FFF2-40B4-BE49-F238E27FC236}">
+                <a16:creationId xmlns:a16="http://schemas.microsoft.com/office/drawing/2014/main" id="{6EDC3D26-D76D-AFB2-B8BC-76195EB60C87}"/>
+              </a:ext>
+            </a:extLst>
+          </p:cNvPr>
+          <p:cNvCxnSpPr>
+            <a:stCxn id="2" idx="2"/>
+            <a:endCxn id="3" idx="0"/>
+          </p:cNvCxnSpPr>
+          <p:nvPr/>
+        </p:nvCxnSpPr>
+        <p:spPr>
+          <a:xfrm>
+            <a:off x="3250850" y="2540521"/>
+            <a:ext cx="0" cy="431279"/>
+          </a:xfrm>
+          <a:prstGeom prst="straightConnector1">
+            <a:avLst/>
+          </a:prstGeom>
+          <a:ln>
+            <a:headEnd type="triangle"/>
+            <a:tailEnd type="triangle"/>
+          </a:ln>
+        </p:spPr>
+        <p:style>
+          <a:lnRef idx="3">
+            <a:schemeClr val="dk1"/>
+          </a:lnRef>
+          <a:fillRef idx="0">
+            <a:schemeClr val="dk1"/>
+          </a:fillRef>
+          <a:effectRef idx="2">
+            <a:schemeClr val="dk1"/>
+          </a:effectRef>
+          <a:fontRef idx="minor">
+            <a:schemeClr val="tx1"/>
+          </a:fontRef>
+        </p:style>
+      </p:cxnSp>
+    </p:spTree>
+    <p:extLst>
+      <p:ext uri="{BB962C8B-B14F-4D97-AF65-F5344CB8AC3E}">
+        <p14:creationId xmlns:p14="http://schemas.microsoft.com/office/powerpoint/2010/main" val="293989708"/>
+      </p:ext>
+    </p:extLst>
+  </p:cSld>
+  <p:clrMapOvr>
+    <a:masterClrMapping/>
+  </p:clrMapOvr>
+</p:sld>
+</file>
+
 <file path=ppt/theme/theme1.xml><?xml version="1.0" encoding="utf-8"?>
 <a:theme xmlns:a="http://schemas.openxmlformats.org/drawingml/2006/main" name="Office Theme">
   <a:themeElements>

--- a/docs/images/Diagrams.pptx
+++ b/docs/images/Diagrams.pptx
@@ -8,6 +8,9 @@
     <p:sldId id="256" r:id="rId2"/>
     <p:sldId id="257" r:id="rId3"/>
     <p:sldId id="258" r:id="rId4"/>
+    <p:sldId id="260" r:id="rId5"/>
+    <p:sldId id="261" r:id="rId6"/>
+    <p:sldId id="259" r:id="rId7"/>
   </p:sldIdLst>
   <p:sldSz cx="12192000" cy="6858000"/>
   <p:notesSz cx="6858000" cy="9144000"/>
@@ -263,7 +266,7 @@
           <a:p>
             <a:fld id="{30A9C857-609A-43FA-83CE-07000BF55DB0}" type="datetimeFigureOut">
               <a:rPr lang="en-GB" smtClean="0"/>
-              <a:t>10/11/2022</a:t>
+              <a:t>13/11/2022</a:t>
             </a:fld>
             <a:endParaRPr lang="en-GB"/>
           </a:p>
@@ -463,7 +466,7 @@
           <a:p>
             <a:fld id="{30A9C857-609A-43FA-83CE-07000BF55DB0}" type="datetimeFigureOut">
               <a:rPr lang="en-GB" smtClean="0"/>
-              <a:t>10/11/2022</a:t>
+              <a:t>13/11/2022</a:t>
             </a:fld>
             <a:endParaRPr lang="en-GB"/>
           </a:p>
@@ -673,7 +676,7 @@
           <a:p>
             <a:fld id="{30A9C857-609A-43FA-83CE-07000BF55DB0}" type="datetimeFigureOut">
               <a:rPr lang="en-GB" smtClean="0"/>
-              <a:t>10/11/2022</a:t>
+              <a:t>13/11/2022</a:t>
             </a:fld>
             <a:endParaRPr lang="en-GB"/>
           </a:p>
@@ -873,7 +876,7 @@
           <a:p>
             <a:fld id="{30A9C857-609A-43FA-83CE-07000BF55DB0}" type="datetimeFigureOut">
               <a:rPr lang="en-GB" smtClean="0"/>
-              <a:t>10/11/2022</a:t>
+              <a:t>13/11/2022</a:t>
             </a:fld>
             <a:endParaRPr lang="en-GB"/>
           </a:p>
@@ -1149,7 +1152,7 @@
           <a:p>
             <a:fld id="{30A9C857-609A-43FA-83CE-07000BF55DB0}" type="datetimeFigureOut">
               <a:rPr lang="en-GB" smtClean="0"/>
-              <a:t>10/11/2022</a:t>
+              <a:t>13/11/2022</a:t>
             </a:fld>
             <a:endParaRPr lang="en-GB"/>
           </a:p>
@@ -1417,7 +1420,7 @@
           <a:p>
             <a:fld id="{30A9C857-609A-43FA-83CE-07000BF55DB0}" type="datetimeFigureOut">
               <a:rPr lang="en-GB" smtClean="0"/>
-              <a:t>10/11/2022</a:t>
+              <a:t>13/11/2022</a:t>
             </a:fld>
             <a:endParaRPr lang="en-GB"/>
           </a:p>
@@ -1832,7 +1835,7 @@
           <a:p>
             <a:fld id="{30A9C857-609A-43FA-83CE-07000BF55DB0}" type="datetimeFigureOut">
               <a:rPr lang="en-GB" smtClean="0"/>
-              <a:t>10/11/2022</a:t>
+              <a:t>13/11/2022</a:t>
             </a:fld>
             <a:endParaRPr lang="en-GB"/>
           </a:p>
@@ -1974,7 +1977,7 @@
           <a:p>
             <a:fld id="{30A9C857-609A-43FA-83CE-07000BF55DB0}" type="datetimeFigureOut">
               <a:rPr lang="en-GB" smtClean="0"/>
-              <a:t>10/11/2022</a:t>
+              <a:t>13/11/2022</a:t>
             </a:fld>
             <a:endParaRPr lang="en-GB"/>
           </a:p>
@@ -2087,7 +2090,7 @@
           <a:p>
             <a:fld id="{30A9C857-609A-43FA-83CE-07000BF55DB0}" type="datetimeFigureOut">
               <a:rPr lang="en-GB" smtClean="0"/>
-              <a:t>10/11/2022</a:t>
+              <a:t>13/11/2022</a:t>
             </a:fld>
             <a:endParaRPr lang="en-GB"/>
           </a:p>
@@ -2400,7 +2403,7 @@
           <a:p>
             <a:fld id="{30A9C857-609A-43FA-83CE-07000BF55DB0}" type="datetimeFigureOut">
               <a:rPr lang="en-GB" smtClean="0"/>
-              <a:t>10/11/2022</a:t>
+              <a:t>13/11/2022</a:t>
             </a:fld>
             <a:endParaRPr lang="en-GB"/>
           </a:p>
@@ -2689,7 +2692,7 @@
           <a:p>
             <a:fld id="{30A9C857-609A-43FA-83CE-07000BF55DB0}" type="datetimeFigureOut">
               <a:rPr lang="en-GB" smtClean="0"/>
-              <a:t>10/11/2022</a:t>
+              <a:t>13/11/2022</a:t>
             </a:fld>
             <a:endParaRPr lang="en-GB"/>
           </a:p>
@@ -2932,7 +2935,7 @@
           <a:p>
             <a:fld id="{30A9C857-609A-43FA-83CE-07000BF55DB0}" type="datetimeFigureOut">
               <a:rPr lang="en-GB" smtClean="0"/>
-              <a:t>10/11/2022</a:t>
+              <a:t>13/11/2022</a:t>
             </a:fld>
             <a:endParaRPr lang="en-GB"/>
           </a:p>
@@ -8803,6 +8806,7916 @@
 </p:sld>
 </file>
 
+<file path=ppt/slides/slide4.xml><?xml version="1.0" encoding="utf-8"?>
+<p:sld xmlns:a="http://schemas.openxmlformats.org/drawingml/2006/main" xmlns:r="http://schemas.openxmlformats.org/officeDocument/2006/relationships" xmlns:p="http://schemas.openxmlformats.org/presentationml/2006/main">
+  <p:cSld>
+    <p:spTree>
+      <p:nvGrpSpPr>
+        <p:cNvPr id="1" name=""/>
+        <p:cNvGrpSpPr/>
+        <p:nvPr/>
+      </p:nvGrpSpPr>
+      <p:grpSpPr>
+        <a:xfrm>
+          <a:off x="0" y="0"/>
+          <a:ext cx="0" cy="0"/>
+          <a:chOff x="0" y="0"/>
+          <a:chExt cx="0" cy="0"/>
+        </a:xfrm>
+      </p:grpSpPr>
+      <p:sp>
+        <p:nvSpPr>
+          <p:cNvPr id="168" name="Rectangle 167">
+            <a:extLst>
+              <a:ext uri="{FF2B5EF4-FFF2-40B4-BE49-F238E27FC236}">
+                <a16:creationId xmlns:a16="http://schemas.microsoft.com/office/drawing/2014/main" id="{58F37AE4-38EA-594F-70A6-84585DE16DE0}"/>
+              </a:ext>
+            </a:extLst>
+          </p:cNvPr>
+          <p:cNvSpPr/>
+          <p:nvPr/>
+        </p:nvSpPr>
+        <p:spPr>
+          <a:xfrm>
+            <a:off x="1718440" y="812800"/>
+            <a:ext cx="8365360" cy="4546600"/>
+          </a:xfrm>
+          <a:prstGeom prst="rect">
+            <a:avLst/>
+          </a:prstGeom>
+          <a:ln>
+            <a:noFill/>
+          </a:ln>
+        </p:spPr>
+        <p:style>
+          <a:lnRef idx="2">
+            <a:schemeClr val="dk1"/>
+          </a:lnRef>
+          <a:fillRef idx="1">
+            <a:schemeClr val="lt1"/>
+          </a:fillRef>
+          <a:effectRef idx="0">
+            <a:schemeClr val="dk1"/>
+          </a:effectRef>
+          <a:fontRef idx="minor">
+            <a:schemeClr val="dk1"/>
+          </a:fontRef>
+        </p:style>
+        <p:txBody>
+          <a:bodyPr rtlCol="0" anchor="ctr"/>
+          <a:lstStyle/>
+          <a:p>
+            <a:pPr algn="ctr"/>
+            <a:endParaRPr lang="en-GB"/>
+          </a:p>
+        </p:txBody>
+      </p:sp>
+      <p:sp>
+        <p:nvSpPr>
+          <p:cNvPr id="155" name="Rectangle 154">
+            <a:extLst>
+              <a:ext uri="{FF2B5EF4-FFF2-40B4-BE49-F238E27FC236}">
+                <a16:creationId xmlns:a16="http://schemas.microsoft.com/office/drawing/2014/main" id="{4C3724D4-898F-DA51-39AB-577C06725E28}"/>
+              </a:ext>
+            </a:extLst>
+          </p:cNvPr>
+          <p:cNvSpPr/>
+          <p:nvPr/>
+        </p:nvSpPr>
+        <p:spPr>
+          <a:xfrm>
+            <a:off x="3642174" y="980661"/>
+            <a:ext cx="4526459" cy="4211216"/>
+          </a:xfrm>
+          <a:prstGeom prst="rect">
+            <a:avLst/>
+          </a:prstGeom>
+          <a:effectLst>
+            <a:outerShdw blurRad="50800" dist="38100" dir="2700000" algn="tl" rotWithShape="0">
+              <a:prstClr val="black">
+                <a:alpha val="40000"/>
+              </a:prstClr>
+            </a:outerShdw>
+          </a:effectLst>
+        </p:spPr>
+        <p:style>
+          <a:lnRef idx="2">
+            <a:schemeClr val="dk1"/>
+          </a:lnRef>
+          <a:fillRef idx="1">
+            <a:schemeClr val="lt1"/>
+          </a:fillRef>
+          <a:effectRef idx="0">
+            <a:schemeClr val="dk1"/>
+          </a:effectRef>
+          <a:fontRef idx="minor">
+            <a:schemeClr val="dk1"/>
+          </a:fontRef>
+        </p:style>
+        <p:txBody>
+          <a:bodyPr rtlCol="0" anchor="ctr"/>
+          <a:lstStyle/>
+          <a:p>
+            <a:pPr algn="ctr"/>
+            <a:endParaRPr lang="en-GB" dirty="0"/>
+          </a:p>
+        </p:txBody>
+      </p:sp>
+      <p:sp>
+        <p:nvSpPr>
+          <p:cNvPr id="2" name="Rectangle 1">
+            <a:extLst>
+              <a:ext uri="{FF2B5EF4-FFF2-40B4-BE49-F238E27FC236}">
+                <a16:creationId xmlns:a16="http://schemas.microsoft.com/office/drawing/2014/main" id="{67A4FA9C-5B8B-F0FA-82CF-01B908A40754}"/>
+              </a:ext>
+            </a:extLst>
+          </p:cNvPr>
+          <p:cNvSpPr/>
+          <p:nvPr/>
+        </p:nvSpPr>
+        <p:spPr>
+          <a:xfrm>
+            <a:off x="6443716" y="2418861"/>
+            <a:ext cx="1498922" cy="1209555"/>
+          </a:xfrm>
+          <a:prstGeom prst="rect">
+            <a:avLst/>
+          </a:prstGeom>
+          <a:effectLst>
+            <a:outerShdw blurRad="50800" dist="38100" dir="2700000" algn="tl" rotWithShape="0">
+              <a:prstClr val="black">
+                <a:alpha val="40000"/>
+              </a:prstClr>
+            </a:outerShdw>
+          </a:effectLst>
+        </p:spPr>
+        <p:style>
+          <a:lnRef idx="2">
+            <a:schemeClr val="dk1"/>
+          </a:lnRef>
+          <a:fillRef idx="1">
+            <a:schemeClr val="lt1"/>
+          </a:fillRef>
+          <a:effectRef idx="0">
+            <a:schemeClr val="dk1"/>
+          </a:effectRef>
+          <a:fontRef idx="minor">
+            <a:schemeClr val="dk1"/>
+          </a:fontRef>
+        </p:style>
+        <p:txBody>
+          <a:bodyPr rtlCol="0" anchor="ctr"/>
+          <a:lstStyle/>
+          <a:p>
+            <a:pPr algn="ctr"/>
+            <a:endParaRPr lang="en-GB" dirty="0"/>
+          </a:p>
+        </p:txBody>
+      </p:sp>
+      <p:sp>
+        <p:nvSpPr>
+          <p:cNvPr id="3" name="Rectangle 2">
+            <a:extLst>
+              <a:ext uri="{FF2B5EF4-FFF2-40B4-BE49-F238E27FC236}">
+                <a16:creationId xmlns:a16="http://schemas.microsoft.com/office/drawing/2014/main" id="{7F4410B4-D769-7BBF-608D-498AA98512E7}"/>
+              </a:ext>
+            </a:extLst>
+          </p:cNvPr>
+          <p:cNvSpPr/>
+          <p:nvPr/>
+        </p:nvSpPr>
+        <p:spPr>
+          <a:xfrm>
+            <a:off x="4160523" y="4385112"/>
+            <a:ext cx="582592" cy="623106"/>
+          </a:xfrm>
+          <a:prstGeom prst="rect">
+            <a:avLst/>
+          </a:prstGeom>
+          <a:effectLst>
+            <a:outerShdw blurRad="50800" dist="38100" dir="2700000" algn="tl" rotWithShape="0">
+              <a:prstClr val="black">
+                <a:alpha val="40000"/>
+              </a:prstClr>
+            </a:outerShdw>
+          </a:effectLst>
+        </p:spPr>
+        <p:style>
+          <a:lnRef idx="2">
+            <a:schemeClr val="dk1"/>
+          </a:lnRef>
+          <a:fillRef idx="1">
+            <a:schemeClr val="lt1"/>
+          </a:fillRef>
+          <a:effectRef idx="0">
+            <a:schemeClr val="dk1"/>
+          </a:effectRef>
+          <a:fontRef idx="minor">
+            <a:schemeClr val="dk1"/>
+          </a:fontRef>
+        </p:style>
+        <p:txBody>
+          <a:bodyPr rtlCol="0" anchor="ctr"/>
+          <a:lstStyle/>
+          <a:p>
+            <a:pPr algn="ctr"/>
+            <a:r>
+              <a:rPr lang="en-GB" dirty="0"/>
+              <a:t>PLL</a:t>
+            </a:r>
+          </a:p>
+        </p:txBody>
+      </p:sp>
+      <p:sp>
+        <p:nvSpPr>
+          <p:cNvPr id="4" name="Rectangle 3">
+            <a:extLst>
+              <a:ext uri="{FF2B5EF4-FFF2-40B4-BE49-F238E27FC236}">
+                <a16:creationId xmlns:a16="http://schemas.microsoft.com/office/drawing/2014/main" id="{F2246D48-2423-9EC4-54E5-C770E25A7F63}"/>
+              </a:ext>
+            </a:extLst>
+          </p:cNvPr>
+          <p:cNvSpPr/>
+          <p:nvPr/>
+        </p:nvSpPr>
+        <p:spPr>
+          <a:xfrm>
+            <a:off x="3853127" y="1764093"/>
+            <a:ext cx="1436228" cy="846881"/>
+          </a:xfrm>
+          <a:prstGeom prst="rect">
+            <a:avLst/>
+          </a:prstGeom>
+          <a:effectLst>
+            <a:outerShdw blurRad="50800" dist="38100" dir="2700000" algn="tl" rotWithShape="0">
+              <a:prstClr val="black">
+                <a:alpha val="40000"/>
+              </a:prstClr>
+            </a:outerShdw>
+          </a:effectLst>
+        </p:spPr>
+        <p:style>
+          <a:lnRef idx="2">
+            <a:schemeClr val="dk1"/>
+          </a:lnRef>
+          <a:fillRef idx="1">
+            <a:schemeClr val="lt1"/>
+          </a:fillRef>
+          <a:effectRef idx="0">
+            <a:schemeClr val="dk1"/>
+          </a:effectRef>
+          <a:fontRef idx="minor">
+            <a:schemeClr val="dk1"/>
+          </a:fontRef>
+        </p:style>
+        <p:txBody>
+          <a:bodyPr rtlCol="0" anchor="ctr"/>
+          <a:lstStyle/>
+          <a:p>
+            <a:pPr algn="ctr"/>
+            <a:r>
+              <a:rPr lang="en-GB" dirty="0"/>
+              <a:t>Synchroniser (retime)</a:t>
+            </a:r>
+          </a:p>
+        </p:txBody>
+      </p:sp>
+      <p:sp>
+        <p:nvSpPr>
+          <p:cNvPr id="5" name="Rectangle 4">
+            <a:extLst>
+              <a:ext uri="{FF2B5EF4-FFF2-40B4-BE49-F238E27FC236}">
+                <a16:creationId xmlns:a16="http://schemas.microsoft.com/office/drawing/2014/main" id="{B2E8F522-3F3C-8189-8B2A-AA89E7FB9033}"/>
+              </a:ext>
+            </a:extLst>
+          </p:cNvPr>
+          <p:cNvSpPr/>
+          <p:nvPr/>
+        </p:nvSpPr>
+        <p:spPr>
+          <a:xfrm>
+            <a:off x="3853127" y="3401721"/>
+            <a:ext cx="1436228" cy="846881"/>
+          </a:xfrm>
+          <a:prstGeom prst="rect">
+            <a:avLst/>
+          </a:prstGeom>
+          <a:effectLst>
+            <a:outerShdw blurRad="50800" dist="38100" dir="2700000" algn="tl" rotWithShape="0">
+              <a:prstClr val="black">
+                <a:alpha val="40000"/>
+              </a:prstClr>
+            </a:outerShdw>
+          </a:effectLst>
+        </p:spPr>
+        <p:style>
+          <a:lnRef idx="2">
+            <a:schemeClr val="dk1"/>
+          </a:lnRef>
+          <a:fillRef idx="1">
+            <a:schemeClr val="lt1"/>
+          </a:fillRef>
+          <a:effectRef idx="0">
+            <a:schemeClr val="dk1"/>
+          </a:effectRef>
+          <a:fontRef idx="minor">
+            <a:schemeClr val="dk1"/>
+          </a:fontRef>
+        </p:style>
+        <p:txBody>
+          <a:bodyPr rtlCol="0" anchor="ctr"/>
+          <a:lstStyle/>
+          <a:p>
+            <a:pPr algn="ctr"/>
+            <a:r>
+              <a:rPr lang="en-GB" dirty="0"/>
+              <a:t>Synchroniser (retime)</a:t>
+            </a:r>
+          </a:p>
+        </p:txBody>
+      </p:sp>
+      <p:grpSp>
+        <p:nvGrpSpPr>
+          <p:cNvPr id="6" name="Group 5">
+            <a:extLst>
+              <a:ext uri="{FF2B5EF4-FFF2-40B4-BE49-F238E27FC236}">
+                <a16:creationId xmlns:a16="http://schemas.microsoft.com/office/drawing/2014/main" id="{F294EE48-7723-DB54-341D-8A8F543F7242}"/>
+              </a:ext>
+            </a:extLst>
+          </p:cNvPr>
+          <p:cNvGrpSpPr/>
+          <p:nvPr/>
+        </p:nvGrpSpPr>
+        <p:grpSpPr>
+          <a:xfrm>
+            <a:off x="2696817" y="3149513"/>
+            <a:ext cx="771525" cy="223838"/>
+            <a:chOff x="5454650" y="2763837"/>
+            <a:chExt cx="771525" cy="223838"/>
+          </a:xfrm>
+          <a:effectLst>
+            <a:outerShdw blurRad="50800" dist="38100" dir="2700000" algn="tl" rotWithShape="0">
+              <a:prstClr val="black">
+                <a:alpha val="40000"/>
+              </a:prstClr>
+            </a:outerShdw>
+          </a:effectLst>
+        </p:grpSpPr>
+        <p:cxnSp>
+          <p:nvCxnSpPr>
+            <p:cNvPr id="7" name="Straight Connector 6">
+              <a:extLst>
+                <a:ext uri="{FF2B5EF4-FFF2-40B4-BE49-F238E27FC236}">
+                  <a16:creationId xmlns:a16="http://schemas.microsoft.com/office/drawing/2014/main" id="{FB2A30B6-CAB3-3037-E509-DB2D299832CE}"/>
+                </a:ext>
+              </a:extLst>
+            </p:cNvPr>
+            <p:cNvCxnSpPr>
+              <a:cxnSpLocks/>
+              <a:endCxn id="8" idx="2"/>
+            </p:cNvCxnSpPr>
+            <p:nvPr/>
+          </p:nvCxnSpPr>
+          <p:spPr>
+            <a:xfrm>
+              <a:off x="5454650" y="2957512"/>
+              <a:ext cx="257175" cy="1"/>
+            </a:xfrm>
+            <a:prstGeom prst="line">
+              <a:avLst/>
+            </a:prstGeom>
+          </p:spPr>
+          <p:style>
+            <a:lnRef idx="2">
+              <a:schemeClr val="dk1"/>
+            </a:lnRef>
+            <a:fillRef idx="1">
+              <a:schemeClr val="lt1"/>
+            </a:fillRef>
+            <a:effectRef idx="0">
+              <a:schemeClr val="dk1"/>
+            </a:effectRef>
+            <a:fontRef idx="minor">
+              <a:schemeClr val="dk1"/>
+            </a:fontRef>
+          </p:style>
+        </p:cxnSp>
+        <p:sp>
+          <p:nvSpPr>
+            <p:cNvPr id="8" name="Oval 7">
+              <a:extLst>
+                <a:ext uri="{FF2B5EF4-FFF2-40B4-BE49-F238E27FC236}">
+                  <a16:creationId xmlns:a16="http://schemas.microsoft.com/office/drawing/2014/main" id="{91BAC022-E367-DBE9-4386-105ABF6B0D8E}"/>
+                </a:ext>
+              </a:extLst>
+            </p:cNvPr>
+            <p:cNvSpPr/>
+            <p:nvPr/>
+          </p:nvSpPr>
+          <p:spPr>
+            <a:xfrm>
+              <a:off x="5711825" y="2927350"/>
+              <a:ext cx="60325" cy="60325"/>
+            </a:xfrm>
+            <a:prstGeom prst="ellipse">
+              <a:avLst/>
+            </a:prstGeom>
+          </p:spPr>
+          <p:style>
+            <a:lnRef idx="2">
+              <a:schemeClr val="dk1"/>
+            </a:lnRef>
+            <a:fillRef idx="1">
+              <a:schemeClr val="lt1"/>
+            </a:fillRef>
+            <a:effectRef idx="0">
+              <a:schemeClr val="dk1"/>
+            </a:effectRef>
+            <a:fontRef idx="minor">
+              <a:schemeClr val="dk1"/>
+            </a:fontRef>
+          </p:style>
+          <p:txBody>
+            <a:bodyPr rtlCol="0" anchor="ctr"/>
+            <a:lstStyle/>
+            <a:p>
+              <a:pPr algn="ctr"/>
+              <a:endParaRPr lang="en-GB"/>
+            </a:p>
+          </p:txBody>
+        </p:sp>
+        <p:cxnSp>
+          <p:nvCxnSpPr>
+            <p:cNvPr id="9" name="Straight Connector 8">
+              <a:extLst>
+                <a:ext uri="{FF2B5EF4-FFF2-40B4-BE49-F238E27FC236}">
+                  <a16:creationId xmlns:a16="http://schemas.microsoft.com/office/drawing/2014/main" id="{20597820-E611-3787-9E5B-A21EEAD72754}"/>
+                </a:ext>
+              </a:extLst>
+            </p:cNvPr>
+            <p:cNvCxnSpPr>
+              <a:cxnSpLocks/>
+              <a:endCxn id="10" idx="2"/>
+            </p:cNvCxnSpPr>
+            <p:nvPr/>
+          </p:nvCxnSpPr>
+          <p:spPr>
+            <a:xfrm flipH="1">
+              <a:off x="5969000" y="2957512"/>
+              <a:ext cx="257175" cy="1"/>
+            </a:xfrm>
+            <a:prstGeom prst="line">
+              <a:avLst/>
+            </a:prstGeom>
+          </p:spPr>
+          <p:style>
+            <a:lnRef idx="2">
+              <a:schemeClr val="dk1"/>
+            </a:lnRef>
+            <a:fillRef idx="1">
+              <a:schemeClr val="lt1"/>
+            </a:fillRef>
+            <a:effectRef idx="0">
+              <a:schemeClr val="dk1"/>
+            </a:effectRef>
+            <a:fontRef idx="minor">
+              <a:schemeClr val="dk1"/>
+            </a:fontRef>
+          </p:style>
+        </p:cxnSp>
+        <p:sp>
+          <p:nvSpPr>
+            <p:cNvPr id="10" name="Oval 9">
+              <a:extLst>
+                <a:ext uri="{FF2B5EF4-FFF2-40B4-BE49-F238E27FC236}">
+                  <a16:creationId xmlns:a16="http://schemas.microsoft.com/office/drawing/2014/main" id="{5585E110-16A4-861B-426A-77ED770740FE}"/>
+                </a:ext>
+              </a:extLst>
+            </p:cNvPr>
+            <p:cNvSpPr/>
+            <p:nvPr/>
+          </p:nvSpPr>
+          <p:spPr>
+            <a:xfrm flipH="1">
+              <a:off x="5908675" y="2927350"/>
+              <a:ext cx="60325" cy="60325"/>
+            </a:xfrm>
+            <a:prstGeom prst="ellipse">
+              <a:avLst/>
+            </a:prstGeom>
+          </p:spPr>
+          <p:style>
+            <a:lnRef idx="2">
+              <a:schemeClr val="dk1"/>
+            </a:lnRef>
+            <a:fillRef idx="1">
+              <a:schemeClr val="lt1"/>
+            </a:fillRef>
+            <a:effectRef idx="0">
+              <a:schemeClr val="dk1"/>
+            </a:effectRef>
+            <a:fontRef idx="minor">
+              <a:schemeClr val="dk1"/>
+            </a:fontRef>
+          </p:style>
+          <p:txBody>
+            <a:bodyPr rtlCol="0" anchor="ctr"/>
+            <a:lstStyle/>
+            <a:p>
+              <a:pPr algn="ctr"/>
+              <a:endParaRPr lang="en-GB"/>
+            </a:p>
+          </p:txBody>
+        </p:sp>
+        <p:grpSp>
+          <p:nvGrpSpPr>
+            <p:cNvPr id="11" name="Group 10">
+              <a:extLst>
+                <a:ext uri="{FF2B5EF4-FFF2-40B4-BE49-F238E27FC236}">
+                  <a16:creationId xmlns:a16="http://schemas.microsoft.com/office/drawing/2014/main" id="{10383DD3-C58E-E083-B757-78EA83F9646E}"/>
+                </a:ext>
+              </a:extLst>
+            </p:cNvPr>
+            <p:cNvGrpSpPr/>
+            <p:nvPr/>
+          </p:nvGrpSpPr>
+          <p:grpSpPr>
+            <a:xfrm>
+              <a:off x="5705474" y="2763837"/>
+              <a:ext cx="271462" cy="119063"/>
+              <a:chOff x="5688013" y="2752725"/>
+              <a:chExt cx="271462" cy="119063"/>
+            </a:xfrm>
+          </p:grpSpPr>
+          <p:cxnSp>
+            <p:nvCxnSpPr>
+              <p:cNvPr id="12" name="Straight Connector 11">
+                <a:extLst>
+                  <a:ext uri="{FF2B5EF4-FFF2-40B4-BE49-F238E27FC236}">
+                    <a16:creationId xmlns:a16="http://schemas.microsoft.com/office/drawing/2014/main" id="{36DB1C1C-0011-FBB5-52CC-290D74E79E3C}"/>
+                  </a:ext>
+                </a:extLst>
+              </p:cNvPr>
+              <p:cNvCxnSpPr>
+                <a:cxnSpLocks/>
+              </p:cNvCxnSpPr>
+              <p:nvPr/>
+            </p:nvCxnSpPr>
+            <p:spPr>
+              <a:xfrm>
+                <a:off x="5688013" y="2871788"/>
+                <a:ext cx="271462" cy="0"/>
+              </a:xfrm>
+              <a:prstGeom prst="line">
+                <a:avLst/>
+              </a:prstGeom>
+              <a:ln w="25400"/>
+            </p:spPr>
+            <p:style>
+              <a:lnRef idx="1">
+                <a:schemeClr val="dk1"/>
+              </a:lnRef>
+              <a:fillRef idx="0">
+                <a:schemeClr val="dk1"/>
+              </a:fillRef>
+              <a:effectRef idx="0">
+                <a:schemeClr val="dk1"/>
+              </a:effectRef>
+              <a:fontRef idx="minor">
+                <a:schemeClr val="tx1"/>
+              </a:fontRef>
+            </p:style>
+          </p:cxnSp>
+          <p:cxnSp>
+            <p:nvCxnSpPr>
+              <p:cNvPr id="13" name="Straight Connector 12">
+                <a:extLst>
+                  <a:ext uri="{FF2B5EF4-FFF2-40B4-BE49-F238E27FC236}">
+                    <a16:creationId xmlns:a16="http://schemas.microsoft.com/office/drawing/2014/main" id="{C6D86ED3-ECEF-3A2B-1E78-C9434453B929}"/>
+                  </a:ext>
+                </a:extLst>
+              </p:cNvPr>
+              <p:cNvCxnSpPr>
+                <a:cxnSpLocks/>
+              </p:cNvCxnSpPr>
+              <p:nvPr/>
+            </p:nvCxnSpPr>
+            <p:spPr>
+              <a:xfrm flipV="1">
+                <a:off x="5823744" y="2752725"/>
+                <a:ext cx="0" cy="115888"/>
+              </a:xfrm>
+              <a:prstGeom prst="line">
+                <a:avLst/>
+              </a:prstGeom>
+            </p:spPr>
+            <p:style>
+              <a:lnRef idx="2">
+                <a:schemeClr val="dk1"/>
+              </a:lnRef>
+              <a:fillRef idx="1">
+                <a:schemeClr val="lt1"/>
+              </a:fillRef>
+              <a:effectRef idx="0">
+                <a:schemeClr val="dk1"/>
+              </a:effectRef>
+              <a:fontRef idx="minor">
+                <a:schemeClr val="dk1"/>
+              </a:fontRef>
+            </p:style>
+          </p:cxnSp>
+        </p:grpSp>
+      </p:grpSp>
+      <p:grpSp>
+        <p:nvGrpSpPr>
+          <p:cNvPr id="14" name="Group 13">
+            <a:extLst>
+              <a:ext uri="{FF2B5EF4-FFF2-40B4-BE49-F238E27FC236}">
+                <a16:creationId xmlns:a16="http://schemas.microsoft.com/office/drawing/2014/main" id="{28DA90DE-EF70-EA23-B65A-A4A749482112}"/>
+              </a:ext>
+            </a:extLst>
+          </p:cNvPr>
+          <p:cNvGrpSpPr/>
+          <p:nvPr/>
+        </p:nvGrpSpPr>
+        <p:grpSpPr>
+          <a:xfrm>
+            <a:off x="2696817" y="3477980"/>
+            <a:ext cx="771525" cy="223838"/>
+            <a:chOff x="5454650" y="2763837"/>
+            <a:chExt cx="771525" cy="223838"/>
+          </a:xfrm>
+          <a:effectLst>
+            <a:outerShdw blurRad="50800" dist="38100" dir="2700000" algn="tl" rotWithShape="0">
+              <a:prstClr val="black">
+                <a:alpha val="40000"/>
+              </a:prstClr>
+            </a:outerShdw>
+          </a:effectLst>
+        </p:grpSpPr>
+        <p:cxnSp>
+          <p:nvCxnSpPr>
+            <p:cNvPr id="15" name="Straight Connector 14">
+              <a:extLst>
+                <a:ext uri="{FF2B5EF4-FFF2-40B4-BE49-F238E27FC236}">
+                  <a16:creationId xmlns:a16="http://schemas.microsoft.com/office/drawing/2014/main" id="{A3D8A42C-C04B-101D-9756-0F5977E06016}"/>
+                </a:ext>
+              </a:extLst>
+            </p:cNvPr>
+            <p:cNvCxnSpPr>
+              <a:cxnSpLocks/>
+              <a:endCxn id="16" idx="2"/>
+            </p:cNvCxnSpPr>
+            <p:nvPr/>
+          </p:nvCxnSpPr>
+          <p:spPr>
+            <a:xfrm>
+              <a:off x="5454650" y="2957512"/>
+              <a:ext cx="257175" cy="1"/>
+            </a:xfrm>
+            <a:prstGeom prst="line">
+              <a:avLst/>
+            </a:prstGeom>
+          </p:spPr>
+          <p:style>
+            <a:lnRef idx="2">
+              <a:schemeClr val="dk1"/>
+            </a:lnRef>
+            <a:fillRef idx="1">
+              <a:schemeClr val="lt1"/>
+            </a:fillRef>
+            <a:effectRef idx="0">
+              <a:schemeClr val="dk1"/>
+            </a:effectRef>
+            <a:fontRef idx="minor">
+              <a:schemeClr val="dk1"/>
+            </a:fontRef>
+          </p:style>
+        </p:cxnSp>
+        <p:sp>
+          <p:nvSpPr>
+            <p:cNvPr id="16" name="Oval 15">
+              <a:extLst>
+                <a:ext uri="{FF2B5EF4-FFF2-40B4-BE49-F238E27FC236}">
+                  <a16:creationId xmlns:a16="http://schemas.microsoft.com/office/drawing/2014/main" id="{82E4C94C-265B-4C30-09CA-D8BA7344978C}"/>
+                </a:ext>
+              </a:extLst>
+            </p:cNvPr>
+            <p:cNvSpPr/>
+            <p:nvPr/>
+          </p:nvSpPr>
+          <p:spPr>
+            <a:xfrm>
+              <a:off x="5711825" y="2927350"/>
+              <a:ext cx="60325" cy="60325"/>
+            </a:xfrm>
+            <a:prstGeom prst="ellipse">
+              <a:avLst/>
+            </a:prstGeom>
+          </p:spPr>
+          <p:style>
+            <a:lnRef idx="2">
+              <a:schemeClr val="dk1"/>
+            </a:lnRef>
+            <a:fillRef idx="1">
+              <a:schemeClr val="lt1"/>
+            </a:fillRef>
+            <a:effectRef idx="0">
+              <a:schemeClr val="dk1"/>
+            </a:effectRef>
+            <a:fontRef idx="minor">
+              <a:schemeClr val="dk1"/>
+            </a:fontRef>
+          </p:style>
+          <p:txBody>
+            <a:bodyPr rtlCol="0" anchor="ctr"/>
+            <a:lstStyle/>
+            <a:p>
+              <a:pPr algn="ctr"/>
+              <a:endParaRPr lang="en-GB"/>
+            </a:p>
+          </p:txBody>
+        </p:sp>
+        <p:cxnSp>
+          <p:nvCxnSpPr>
+            <p:cNvPr id="17" name="Straight Connector 16">
+              <a:extLst>
+                <a:ext uri="{FF2B5EF4-FFF2-40B4-BE49-F238E27FC236}">
+                  <a16:creationId xmlns:a16="http://schemas.microsoft.com/office/drawing/2014/main" id="{1EEA822F-7F28-B9F3-D033-AD3B22C4B30C}"/>
+                </a:ext>
+              </a:extLst>
+            </p:cNvPr>
+            <p:cNvCxnSpPr>
+              <a:cxnSpLocks/>
+              <a:endCxn id="18" idx="2"/>
+            </p:cNvCxnSpPr>
+            <p:nvPr/>
+          </p:nvCxnSpPr>
+          <p:spPr>
+            <a:xfrm flipH="1">
+              <a:off x="5969000" y="2957512"/>
+              <a:ext cx="257175" cy="1"/>
+            </a:xfrm>
+            <a:prstGeom prst="line">
+              <a:avLst/>
+            </a:prstGeom>
+          </p:spPr>
+          <p:style>
+            <a:lnRef idx="2">
+              <a:schemeClr val="dk1"/>
+            </a:lnRef>
+            <a:fillRef idx="1">
+              <a:schemeClr val="lt1"/>
+            </a:fillRef>
+            <a:effectRef idx="0">
+              <a:schemeClr val="dk1"/>
+            </a:effectRef>
+            <a:fontRef idx="minor">
+              <a:schemeClr val="dk1"/>
+            </a:fontRef>
+          </p:style>
+        </p:cxnSp>
+        <p:sp>
+          <p:nvSpPr>
+            <p:cNvPr id="18" name="Oval 17">
+              <a:extLst>
+                <a:ext uri="{FF2B5EF4-FFF2-40B4-BE49-F238E27FC236}">
+                  <a16:creationId xmlns:a16="http://schemas.microsoft.com/office/drawing/2014/main" id="{FD74E3E6-08E8-1104-4BFA-CCE78252BD36}"/>
+                </a:ext>
+              </a:extLst>
+            </p:cNvPr>
+            <p:cNvSpPr/>
+            <p:nvPr/>
+          </p:nvSpPr>
+          <p:spPr>
+            <a:xfrm flipH="1">
+              <a:off x="5908675" y="2927350"/>
+              <a:ext cx="60325" cy="60325"/>
+            </a:xfrm>
+            <a:prstGeom prst="ellipse">
+              <a:avLst/>
+            </a:prstGeom>
+          </p:spPr>
+          <p:style>
+            <a:lnRef idx="2">
+              <a:schemeClr val="dk1"/>
+            </a:lnRef>
+            <a:fillRef idx="1">
+              <a:schemeClr val="lt1"/>
+            </a:fillRef>
+            <a:effectRef idx="0">
+              <a:schemeClr val="dk1"/>
+            </a:effectRef>
+            <a:fontRef idx="minor">
+              <a:schemeClr val="dk1"/>
+            </a:fontRef>
+          </p:style>
+          <p:txBody>
+            <a:bodyPr rtlCol="0" anchor="ctr"/>
+            <a:lstStyle/>
+            <a:p>
+              <a:pPr algn="ctr"/>
+              <a:endParaRPr lang="en-GB"/>
+            </a:p>
+          </p:txBody>
+        </p:sp>
+        <p:grpSp>
+          <p:nvGrpSpPr>
+            <p:cNvPr id="19" name="Group 18">
+              <a:extLst>
+                <a:ext uri="{FF2B5EF4-FFF2-40B4-BE49-F238E27FC236}">
+                  <a16:creationId xmlns:a16="http://schemas.microsoft.com/office/drawing/2014/main" id="{27813984-5264-CBE1-C0FB-EE7FAF039838}"/>
+                </a:ext>
+              </a:extLst>
+            </p:cNvPr>
+            <p:cNvGrpSpPr/>
+            <p:nvPr/>
+          </p:nvGrpSpPr>
+          <p:grpSpPr>
+            <a:xfrm>
+              <a:off x="5705474" y="2763837"/>
+              <a:ext cx="271462" cy="119063"/>
+              <a:chOff x="5688013" y="2752725"/>
+              <a:chExt cx="271462" cy="119063"/>
+            </a:xfrm>
+          </p:grpSpPr>
+          <p:cxnSp>
+            <p:nvCxnSpPr>
+              <p:cNvPr id="20" name="Straight Connector 19">
+                <a:extLst>
+                  <a:ext uri="{FF2B5EF4-FFF2-40B4-BE49-F238E27FC236}">
+                    <a16:creationId xmlns:a16="http://schemas.microsoft.com/office/drawing/2014/main" id="{357B0C5F-F3A8-7544-B8CC-59E4C2DC499D}"/>
+                  </a:ext>
+                </a:extLst>
+              </p:cNvPr>
+              <p:cNvCxnSpPr>
+                <a:cxnSpLocks/>
+              </p:cNvCxnSpPr>
+              <p:nvPr/>
+            </p:nvCxnSpPr>
+            <p:spPr>
+              <a:xfrm>
+                <a:off x="5688013" y="2871788"/>
+                <a:ext cx="271462" cy="0"/>
+              </a:xfrm>
+              <a:prstGeom prst="line">
+                <a:avLst/>
+              </a:prstGeom>
+              <a:ln w="25400"/>
+            </p:spPr>
+            <p:style>
+              <a:lnRef idx="1">
+                <a:schemeClr val="dk1"/>
+              </a:lnRef>
+              <a:fillRef idx="0">
+                <a:schemeClr val="dk1"/>
+              </a:fillRef>
+              <a:effectRef idx="0">
+                <a:schemeClr val="dk1"/>
+              </a:effectRef>
+              <a:fontRef idx="minor">
+                <a:schemeClr val="tx1"/>
+              </a:fontRef>
+            </p:style>
+          </p:cxnSp>
+          <p:cxnSp>
+            <p:nvCxnSpPr>
+              <p:cNvPr id="21" name="Straight Connector 20">
+                <a:extLst>
+                  <a:ext uri="{FF2B5EF4-FFF2-40B4-BE49-F238E27FC236}">
+                    <a16:creationId xmlns:a16="http://schemas.microsoft.com/office/drawing/2014/main" id="{087184F8-41AF-5E8D-997C-65DD103C098C}"/>
+                  </a:ext>
+                </a:extLst>
+              </p:cNvPr>
+              <p:cNvCxnSpPr>
+                <a:cxnSpLocks/>
+              </p:cNvCxnSpPr>
+              <p:nvPr/>
+            </p:nvCxnSpPr>
+            <p:spPr>
+              <a:xfrm flipV="1">
+                <a:off x="5823744" y="2752725"/>
+                <a:ext cx="0" cy="115888"/>
+              </a:xfrm>
+              <a:prstGeom prst="line">
+                <a:avLst/>
+              </a:prstGeom>
+            </p:spPr>
+            <p:style>
+              <a:lnRef idx="2">
+                <a:schemeClr val="dk1"/>
+              </a:lnRef>
+              <a:fillRef idx="1">
+                <a:schemeClr val="lt1"/>
+              </a:fillRef>
+              <a:effectRef idx="0">
+                <a:schemeClr val="dk1"/>
+              </a:effectRef>
+              <a:fontRef idx="minor">
+                <a:schemeClr val="dk1"/>
+              </a:fontRef>
+            </p:style>
+          </p:cxnSp>
+        </p:grpSp>
+      </p:grpSp>
+      <p:grpSp>
+        <p:nvGrpSpPr>
+          <p:cNvPr id="22" name="Group 21">
+            <a:extLst>
+              <a:ext uri="{FF2B5EF4-FFF2-40B4-BE49-F238E27FC236}">
+                <a16:creationId xmlns:a16="http://schemas.microsoft.com/office/drawing/2014/main" id="{13FCBF36-4A02-1EC0-79C7-99F9EE3954D7}"/>
+              </a:ext>
+            </a:extLst>
+          </p:cNvPr>
+          <p:cNvGrpSpPr/>
+          <p:nvPr/>
+        </p:nvGrpSpPr>
+        <p:grpSpPr>
+          <a:xfrm>
+            <a:off x="2696817" y="4138880"/>
+            <a:ext cx="771525" cy="223838"/>
+            <a:chOff x="5454650" y="2763837"/>
+            <a:chExt cx="771525" cy="223838"/>
+          </a:xfrm>
+          <a:effectLst>
+            <a:outerShdw blurRad="50800" dist="38100" dir="2700000" algn="tl" rotWithShape="0">
+              <a:prstClr val="black">
+                <a:alpha val="40000"/>
+              </a:prstClr>
+            </a:outerShdw>
+          </a:effectLst>
+        </p:grpSpPr>
+        <p:cxnSp>
+          <p:nvCxnSpPr>
+            <p:cNvPr id="23" name="Straight Connector 22">
+              <a:extLst>
+                <a:ext uri="{FF2B5EF4-FFF2-40B4-BE49-F238E27FC236}">
+                  <a16:creationId xmlns:a16="http://schemas.microsoft.com/office/drawing/2014/main" id="{EA8064F0-2677-88F0-D7CB-2B145F40911B}"/>
+                </a:ext>
+              </a:extLst>
+            </p:cNvPr>
+            <p:cNvCxnSpPr>
+              <a:cxnSpLocks/>
+              <a:endCxn id="24" idx="2"/>
+            </p:cNvCxnSpPr>
+            <p:nvPr/>
+          </p:nvCxnSpPr>
+          <p:spPr>
+            <a:xfrm>
+              <a:off x="5454650" y="2957512"/>
+              <a:ext cx="257175" cy="1"/>
+            </a:xfrm>
+            <a:prstGeom prst="line">
+              <a:avLst/>
+            </a:prstGeom>
+          </p:spPr>
+          <p:style>
+            <a:lnRef idx="2">
+              <a:schemeClr val="dk1"/>
+            </a:lnRef>
+            <a:fillRef idx="1">
+              <a:schemeClr val="lt1"/>
+            </a:fillRef>
+            <a:effectRef idx="0">
+              <a:schemeClr val="dk1"/>
+            </a:effectRef>
+            <a:fontRef idx="minor">
+              <a:schemeClr val="dk1"/>
+            </a:fontRef>
+          </p:style>
+        </p:cxnSp>
+        <p:sp>
+          <p:nvSpPr>
+            <p:cNvPr id="24" name="Oval 23">
+              <a:extLst>
+                <a:ext uri="{FF2B5EF4-FFF2-40B4-BE49-F238E27FC236}">
+                  <a16:creationId xmlns:a16="http://schemas.microsoft.com/office/drawing/2014/main" id="{ADA6AB01-12B3-889E-48A3-BB8594058D7D}"/>
+                </a:ext>
+              </a:extLst>
+            </p:cNvPr>
+            <p:cNvSpPr/>
+            <p:nvPr/>
+          </p:nvSpPr>
+          <p:spPr>
+            <a:xfrm>
+              <a:off x="5711825" y="2927350"/>
+              <a:ext cx="60325" cy="60325"/>
+            </a:xfrm>
+            <a:prstGeom prst="ellipse">
+              <a:avLst/>
+            </a:prstGeom>
+          </p:spPr>
+          <p:style>
+            <a:lnRef idx="2">
+              <a:schemeClr val="dk1"/>
+            </a:lnRef>
+            <a:fillRef idx="1">
+              <a:schemeClr val="lt1"/>
+            </a:fillRef>
+            <a:effectRef idx="0">
+              <a:schemeClr val="dk1"/>
+            </a:effectRef>
+            <a:fontRef idx="minor">
+              <a:schemeClr val="dk1"/>
+            </a:fontRef>
+          </p:style>
+          <p:txBody>
+            <a:bodyPr rtlCol="0" anchor="ctr"/>
+            <a:lstStyle/>
+            <a:p>
+              <a:pPr algn="ctr"/>
+              <a:endParaRPr lang="en-GB"/>
+            </a:p>
+          </p:txBody>
+        </p:sp>
+        <p:cxnSp>
+          <p:nvCxnSpPr>
+            <p:cNvPr id="25" name="Straight Connector 24">
+              <a:extLst>
+                <a:ext uri="{FF2B5EF4-FFF2-40B4-BE49-F238E27FC236}">
+                  <a16:creationId xmlns:a16="http://schemas.microsoft.com/office/drawing/2014/main" id="{8257438F-708F-2DF5-9FED-1592580B97D3}"/>
+                </a:ext>
+              </a:extLst>
+            </p:cNvPr>
+            <p:cNvCxnSpPr>
+              <a:cxnSpLocks/>
+              <a:endCxn id="26" idx="2"/>
+            </p:cNvCxnSpPr>
+            <p:nvPr/>
+          </p:nvCxnSpPr>
+          <p:spPr>
+            <a:xfrm flipH="1">
+              <a:off x="5969000" y="2957512"/>
+              <a:ext cx="257175" cy="1"/>
+            </a:xfrm>
+            <a:prstGeom prst="line">
+              <a:avLst/>
+            </a:prstGeom>
+          </p:spPr>
+          <p:style>
+            <a:lnRef idx="2">
+              <a:schemeClr val="dk1"/>
+            </a:lnRef>
+            <a:fillRef idx="1">
+              <a:schemeClr val="lt1"/>
+            </a:fillRef>
+            <a:effectRef idx="0">
+              <a:schemeClr val="dk1"/>
+            </a:effectRef>
+            <a:fontRef idx="minor">
+              <a:schemeClr val="dk1"/>
+            </a:fontRef>
+          </p:style>
+        </p:cxnSp>
+        <p:sp>
+          <p:nvSpPr>
+            <p:cNvPr id="26" name="Oval 25">
+              <a:extLst>
+                <a:ext uri="{FF2B5EF4-FFF2-40B4-BE49-F238E27FC236}">
+                  <a16:creationId xmlns:a16="http://schemas.microsoft.com/office/drawing/2014/main" id="{2D4FC79F-08C5-EF49-D838-BD10961AD6EB}"/>
+                </a:ext>
+              </a:extLst>
+            </p:cNvPr>
+            <p:cNvSpPr/>
+            <p:nvPr/>
+          </p:nvSpPr>
+          <p:spPr>
+            <a:xfrm flipH="1">
+              <a:off x="5908675" y="2927350"/>
+              <a:ext cx="60325" cy="60325"/>
+            </a:xfrm>
+            <a:prstGeom prst="ellipse">
+              <a:avLst/>
+            </a:prstGeom>
+          </p:spPr>
+          <p:style>
+            <a:lnRef idx="2">
+              <a:schemeClr val="dk1"/>
+            </a:lnRef>
+            <a:fillRef idx="1">
+              <a:schemeClr val="lt1"/>
+            </a:fillRef>
+            <a:effectRef idx="0">
+              <a:schemeClr val="dk1"/>
+            </a:effectRef>
+            <a:fontRef idx="minor">
+              <a:schemeClr val="dk1"/>
+            </a:fontRef>
+          </p:style>
+          <p:txBody>
+            <a:bodyPr rtlCol="0" anchor="ctr"/>
+            <a:lstStyle/>
+            <a:p>
+              <a:pPr algn="ctr"/>
+              <a:endParaRPr lang="en-GB"/>
+            </a:p>
+          </p:txBody>
+        </p:sp>
+        <p:grpSp>
+          <p:nvGrpSpPr>
+            <p:cNvPr id="27" name="Group 26">
+              <a:extLst>
+                <a:ext uri="{FF2B5EF4-FFF2-40B4-BE49-F238E27FC236}">
+                  <a16:creationId xmlns:a16="http://schemas.microsoft.com/office/drawing/2014/main" id="{30C6A355-7BC8-5532-6131-A889B457C707}"/>
+                </a:ext>
+              </a:extLst>
+            </p:cNvPr>
+            <p:cNvGrpSpPr/>
+            <p:nvPr/>
+          </p:nvGrpSpPr>
+          <p:grpSpPr>
+            <a:xfrm>
+              <a:off x="5705474" y="2763837"/>
+              <a:ext cx="271462" cy="119063"/>
+              <a:chOff x="5688013" y="2752725"/>
+              <a:chExt cx="271462" cy="119063"/>
+            </a:xfrm>
+          </p:grpSpPr>
+          <p:cxnSp>
+            <p:nvCxnSpPr>
+              <p:cNvPr id="28" name="Straight Connector 27">
+                <a:extLst>
+                  <a:ext uri="{FF2B5EF4-FFF2-40B4-BE49-F238E27FC236}">
+                    <a16:creationId xmlns:a16="http://schemas.microsoft.com/office/drawing/2014/main" id="{456AB0C6-0955-7845-40FF-77E4EF0765C7}"/>
+                  </a:ext>
+                </a:extLst>
+              </p:cNvPr>
+              <p:cNvCxnSpPr>
+                <a:cxnSpLocks/>
+              </p:cNvCxnSpPr>
+              <p:nvPr/>
+            </p:nvCxnSpPr>
+            <p:spPr>
+              <a:xfrm>
+                <a:off x="5688013" y="2871788"/>
+                <a:ext cx="271462" cy="0"/>
+              </a:xfrm>
+              <a:prstGeom prst="line">
+                <a:avLst/>
+              </a:prstGeom>
+              <a:ln w="25400"/>
+            </p:spPr>
+            <p:style>
+              <a:lnRef idx="1">
+                <a:schemeClr val="dk1"/>
+              </a:lnRef>
+              <a:fillRef idx="0">
+                <a:schemeClr val="dk1"/>
+              </a:fillRef>
+              <a:effectRef idx="0">
+                <a:schemeClr val="dk1"/>
+              </a:effectRef>
+              <a:fontRef idx="minor">
+                <a:schemeClr val="tx1"/>
+              </a:fontRef>
+            </p:style>
+          </p:cxnSp>
+          <p:cxnSp>
+            <p:nvCxnSpPr>
+              <p:cNvPr id="29" name="Straight Connector 28">
+                <a:extLst>
+                  <a:ext uri="{FF2B5EF4-FFF2-40B4-BE49-F238E27FC236}">
+                    <a16:creationId xmlns:a16="http://schemas.microsoft.com/office/drawing/2014/main" id="{47164A3B-238B-0767-B446-E52D0165AD77}"/>
+                  </a:ext>
+                </a:extLst>
+              </p:cNvPr>
+              <p:cNvCxnSpPr>
+                <a:cxnSpLocks/>
+              </p:cNvCxnSpPr>
+              <p:nvPr/>
+            </p:nvCxnSpPr>
+            <p:spPr>
+              <a:xfrm flipV="1">
+                <a:off x="5823744" y="2752725"/>
+                <a:ext cx="0" cy="115888"/>
+              </a:xfrm>
+              <a:prstGeom prst="line">
+                <a:avLst/>
+              </a:prstGeom>
+            </p:spPr>
+            <p:style>
+              <a:lnRef idx="2">
+                <a:schemeClr val="dk1"/>
+              </a:lnRef>
+              <a:fillRef idx="1">
+                <a:schemeClr val="lt1"/>
+              </a:fillRef>
+              <a:effectRef idx="0">
+                <a:schemeClr val="dk1"/>
+              </a:effectRef>
+              <a:fontRef idx="minor">
+                <a:schemeClr val="dk1"/>
+              </a:fontRef>
+            </p:style>
+          </p:cxnSp>
+        </p:grpSp>
+      </p:grpSp>
+      <p:grpSp>
+        <p:nvGrpSpPr>
+          <p:cNvPr id="30" name="Group 29">
+            <a:extLst>
+              <a:ext uri="{FF2B5EF4-FFF2-40B4-BE49-F238E27FC236}">
+                <a16:creationId xmlns:a16="http://schemas.microsoft.com/office/drawing/2014/main" id="{EAEA0528-3C94-A625-2906-F8F78E32E163}"/>
+              </a:ext>
+            </a:extLst>
+          </p:cNvPr>
+          <p:cNvGrpSpPr/>
+          <p:nvPr/>
+        </p:nvGrpSpPr>
+        <p:grpSpPr>
+          <a:xfrm>
+            <a:off x="2696817" y="3806446"/>
+            <a:ext cx="771525" cy="223838"/>
+            <a:chOff x="5454650" y="2763837"/>
+            <a:chExt cx="771525" cy="223838"/>
+          </a:xfrm>
+          <a:effectLst>
+            <a:outerShdw blurRad="50800" dist="38100" dir="2700000" algn="tl" rotWithShape="0">
+              <a:prstClr val="black">
+                <a:alpha val="40000"/>
+              </a:prstClr>
+            </a:outerShdw>
+          </a:effectLst>
+        </p:grpSpPr>
+        <p:cxnSp>
+          <p:nvCxnSpPr>
+            <p:cNvPr id="31" name="Straight Connector 30">
+              <a:extLst>
+                <a:ext uri="{FF2B5EF4-FFF2-40B4-BE49-F238E27FC236}">
+                  <a16:creationId xmlns:a16="http://schemas.microsoft.com/office/drawing/2014/main" id="{7242588E-395F-771E-730C-EA6C0F18E1E7}"/>
+                </a:ext>
+              </a:extLst>
+            </p:cNvPr>
+            <p:cNvCxnSpPr>
+              <a:cxnSpLocks/>
+              <a:endCxn id="32" idx="2"/>
+            </p:cNvCxnSpPr>
+            <p:nvPr/>
+          </p:nvCxnSpPr>
+          <p:spPr>
+            <a:xfrm>
+              <a:off x="5454650" y="2957512"/>
+              <a:ext cx="257175" cy="1"/>
+            </a:xfrm>
+            <a:prstGeom prst="line">
+              <a:avLst/>
+            </a:prstGeom>
+          </p:spPr>
+          <p:style>
+            <a:lnRef idx="2">
+              <a:schemeClr val="dk1"/>
+            </a:lnRef>
+            <a:fillRef idx="1">
+              <a:schemeClr val="lt1"/>
+            </a:fillRef>
+            <a:effectRef idx="0">
+              <a:schemeClr val="dk1"/>
+            </a:effectRef>
+            <a:fontRef idx="minor">
+              <a:schemeClr val="dk1"/>
+            </a:fontRef>
+          </p:style>
+        </p:cxnSp>
+        <p:sp>
+          <p:nvSpPr>
+            <p:cNvPr id="32" name="Oval 31">
+              <a:extLst>
+                <a:ext uri="{FF2B5EF4-FFF2-40B4-BE49-F238E27FC236}">
+                  <a16:creationId xmlns:a16="http://schemas.microsoft.com/office/drawing/2014/main" id="{8781C665-89CF-600A-B769-63A90C2B31BF}"/>
+                </a:ext>
+              </a:extLst>
+            </p:cNvPr>
+            <p:cNvSpPr/>
+            <p:nvPr/>
+          </p:nvSpPr>
+          <p:spPr>
+            <a:xfrm>
+              <a:off x="5711825" y="2927350"/>
+              <a:ext cx="60325" cy="60325"/>
+            </a:xfrm>
+            <a:prstGeom prst="ellipse">
+              <a:avLst/>
+            </a:prstGeom>
+          </p:spPr>
+          <p:style>
+            <a:lnRef idx="2">
+              <a:schemeClr val="dk1"/>
+            </a:lnRef>
+            <a:fillRef idx="1">
+              <a:schemeClr val="lt1"/>
+            </a:fillRef>
+            <a:effectRef idx="0">
+              <a:schemeClr val="dk1"/>
+            </a:effectRef>
+            <a:fontRef idx="minor">
+              <a:schemeClr val="dk1"/>
+            </a:fontRef>
+          </p:style>
+          <p:txBody>
+            <a:bodyPr rtlCol="0" anchor="ctr"/>
+            <a:lstStyle/>
+            <a:p>
+              <a:pPr algn="ctr"/>
+              <a:endParaRPr lang="en-GB"/>
+            </a:p>
+          </p:txBody>
+        </p:sp>
+        <p:cxnSp>
+          <p:nvCxnSpPr>
+            <p:cNvPr id="33" name="Straight Connector 32">
+              <a:extLst>
+                <a:ext uri="{FF2B5EF4-FFF2-40B4-BE49-F238E27FC236}">
+                  <a16:creationId xmlns:a16="http://schemas.microsoft.com/office/drawing/2014/main" id="{134401C7-BDED-4CF4-346D-4A152F3C1B1C}"/>
+                </a:ext>
+              </a:extLst>
+            </p:cNvPr>
+            <p:cNvCxnSpPr>
+              <a:cxnSpLocks/>
+              <a:endCxn id="34" idx="2"/>
+            </p:cNvCxnSpPr>
+            <p:nvPr/>
+          </p:nvCxnSpPr>
+          <p:spPr>
+            <a:xfrm flipH="1">
+              <a:off x="5969000" y="2957512"/>
+              <a:ext cx="257175" cy="1"/>
+            </a:xfrm>
+            <a:prstGeom prst="line">
+              <a:avLst/>
+            </a:prstGeom>
+          </p:spPr>
+          <p:style>
+            <a:lnRef idx="2">
+              <a:schemeClr val="dk1"/>
+            </a:lnRef>
+            <a:fillRef idx="1">
+              <a:schemeClr val="lt1"/>
+            </a:fillRef>
+            <a:effectRef idx="0">
+              <a:schemeClr val="dk1"/>
+            </a:effectRef>
+            <a:fontRef idx="minor">
+              <a:schemeClr val="dk1"/>
+            </a:fontRef>
+          </p:style>
+        </p:cxnSp>
+        <p:sp>
+          <p:nvSpPr>
+            <p:cNvPr id="34" name="Oval 33">
+              <a:extLst>
+                <a:ext uri="{FF2B5EF4-FFF2-40B4-BE49-F238E27FC236}">
+                  <a16:creationId xmlns:a16="http://schemas.microsoft.com/office/drawing/2014/main" id="{4DDF8F49-6E90-F87E-E7AE-906FFC29803B}"/>
+                </a:ext>
+              </a:extLst>
+            </p:cNvPr>
+            <p:cNvSpPr/>
+            <p:nvPr/>
+          </p:nvSpPr>
+          <p:spPr>
+            <a:xfrm flipH="1">
+              <a:off x="5908675" y="2927350"/>
+              <a:ext cx="60325" cy="60325"/>
+            </a:xfrm>
+            <a:prstGeom prst="ellipse">
+              <a:avLst/>
+            </a:prstGeom>
+          </p:spPr>
+          <p:style>
+            <a:lnRef idx="2">
+              <a:schemeClr val="dk1"/>
+            </a:lnRef>
+            <a:fillRef idx="1">
+              <a:schemeClr val="lt1"/>
+            </a:fillRef>
+            <a:effectRef idx="0">
+              <a:schemeClr val="dk1"/>
+            </a:effectRef>
+            <a:fontRef idx="minor">
+              <a:schemeClr val="dk1"/>
+            </a:fontRef>
+          </p:style>
+          <p:txBody>
+            <a:bodyPr rtlCol="0" anchor="ctr"/>
+            <a:lstStyle/>
+            <a:p>
+              <a:pPr algn="ctr"/>
+              <a:endParaRPr lang="en-GB"/>
+            </a:p>
+          </p:txBody>
+        </p:sp>
+        <p:grpSp>
+          <p:nvGrpSpPr>
+            <p:cNvPr id="35" name="Group 34">
+              <a:extLst>
+                <a:ext uri="{FF2B5EF4-FFF2-40B4-BE49-F238E27FC236}">
+                  <a16:creationId xmlns:a16="http://schemas.microsoft.com/office/drawing/2014/main" id="{0906AC5D-9D39-63C5-F52A-3F14EEA20BBB}"/>
+                </a:ext>
+              </a:extLst>
+            </p:cNvPr>
+            <p:cNvGrpSpPr/>
+            <p:nvPr/>
+          </p:nvGrpSpPr>
+          <p:grpSpPr>
+            <a:xfrm>
+              <a:off x="5705474" y="2763837"/>
+              <a:ext cx="271462" cy="119063"/>
+              <a:chOff x="5688013" y="2752725"/>
+              <a:chExt cx="271462" cy="119063"/>
+            </a:xfrm>
+          </p:grpSpPr>
+          <p:cxnSp>
+            <p:nvCxnSpPr>
+              <p:cNvPr id="36" name="Straight Connector 35">
+                <a:extLst>
+                  <a:ext uri="{FF2B5EF4-FFF2-40B4-BE49-F238E27FC236}">
+                    <a16:creationId xmlns:a16="http://schemas.microsoft.com/office/drawing/2014/main" id="{CF4E9847-68A4-29FB-C6D0-D06DE54875B2}"/>
+                  </a:ext>
+                </a:extLst>
+              </p:cNvPr>
+              <p:cNvCxnSpPr>
+                <a:cxnSpLocks/>
+              </p:cNvCxnSpPr>
+              <p:nvPr/>
+            </p:nvCxnSpPr>
+            <p:spPr>
+              <a:xfrm>
+                <a:off x="5688013" y="2871788"/>
+                <a:ext cx="271462" cy="0"/>
+              </a:xfrm>
+              <a:prstGeom prst="line">
+                <a:avLst/>
+              </a:prstGeom>
+              <a:ln w="25400"/>
+            </p:spPr>
+            <p:style>
+              <a:lnRef idx="1">
+                <a:schemeClr val="dk1"/>
+              </a:lnRef>
+              <a:fillRef idx="0">
+                <a:schemeClr val="dk1"/>
+              </a:fillRef>
+              <a:effectRef idx="0">
+                <a:schemeClr val="dk1"/>
+              </a:effectRef>
+              <a:fontRef idx="minor">
+                <a:schemeClr val="tx1"/>
+              </a:fontRef>
+            </p:style>
+          </p:cxnSp>
+          <p:cxnSp>
+            <p:nvCxnSpPr>
+              <p:cNvPr id="37" name="Straight Connector 36">
+                <a:extLst>
+                  <a:ext uri="{FF2B5EF4-FFF2-40B4-BE49-F238E27FC236}">
+                    <a16:creationId xmlns:a16="http://schemas.microsoft.com/office/drawing/2014/main" id="{AD243B7D-8A28-37B8-380B-DCAF9959C32F}"/>
+                  </a:ext>
+                </a:extLst>
+              </p:cNvPr>
+              <p:cNvCxnSpPr>
+                <a:cxnSpLocks/>
+              </p:cNvCxnSpPr>
+              <p:nvPr/>
+            </p:nvCxnSpPr>
+            <p:spPr>
+              <a:xfrm flipV="1">
+                <a:off x="5823744" y="2752725"/>
+                <a:ext cx="0" cy="115888"/>
+              </a:xfrm>
+              <a:prstGeom prst="line">
+                <a:avLst/>
+              </a:prstGeom>
+            </p:spPr>
+            <p:style>
+              <a:lnRef idx="2">
+                <a:schemeClr val="dk1"/>
+              </a:lnRef>
+              <a:fillRef idx="1">
+                <a:schemeClr val="lt1"/>
+              </a:fillRef>
+              <a:effectRef idx="0">
+                <a:schemeClr val="dk1"/>
+              </a:effectRef>
+              <a:fontRef idx="minor">
+                <a:schemeClr val="dk1"/>
+              </a:fontRef>
+            </p:style>
+          </p:cxnSp>
+        </p:grpSp>
+      </p:grpSp>
+      <p:cxnSp>
+        <p:nvCxnSpPr>
+          <p:cNvPr id="38" name="Straight Connector 37">
+            <a:extLst>
+              <a:ext uri="{FF2B5EF4-FFF2-40B4-BE49-F238E27FC236}">
+                <a16:creationId xmlns:a16="http://schemas.microsoft.com/office/drawing/2014/main" id="{0FA5AB65-4BB7-28C3-A025-F709ABA4420A}"/>
+              </a:ext>
+            </a:extLst>
+          </p:cNvPr>
+          <p:cNvCxnSpPr>
+            <a:cxnSpLocks/>
+          </p:cNvCxnSpPr>
+          <p:nvPr/>
+        </p:nvCxnSpPr>
+        <p:spPr>
+          <a:xfrm>
+            <a:off x="3468342" y="3343188"/>
+            <a:ext cx="0" cy="989367"/>
+          </a:xfrm>
+          <a:prstGeom prst="line">
+            <a:avLst/>
+          </a:prstGeom>
+          <a:effectLst>
+            <a:outerShdw blurRad="50800" dist="38100" dir="2700000" algn="tl" rotWithShape="0">
+              <a:prstClr val="black">
+                <a:alpha val="40000"/>
+              </a:prstClr>
+            </a:outerShdw>
+          </a:effectLst>
+        </p:spPr>
+        <p:style>
+          <a:lnRef idx="3">
+            <a:schemeClr val="dk1"/>
+          </a:lnRef>
+          <a:fillRef idx="0">
+            <a:schemeClr val="dk1"/>
+          </a:fillRef>
+          <a:effectRef idx="2">
+            <a:schemeClr val="dk1"/>
+          </a:effectRef>
+          <a:fontRef idx="minor">
+            <a:schemeClr val="tx1"/>
+          </a:fontRef>
+        </p:style>
+      </p:cxnSp>
+      <p:grpSp>
+        <p:nvGrpSpPr>
+          <p:cNvPr id="39" name="Group 38">
+            <a:extLst>
+              <a:ext uri="{FF2B5EF4-FFF2-40B4-BE49-F238E27FC236}">
+                <a16:creationId xmlns:a16="http://schemas.microsoft.com/office/drawing/2014/main" id="{05497717-30F7-DF1F-B67B-E652BDD3652A}"/>
+              </a:ext>
+            </a:extLst>
+          </p:cNvPr>
+          <p:cNvGrpSpPr/>
+          <p:nvPr/>
+        </p:nvGrpSpPr>
+        <p:grpSpPr>
+          <a:xfrm>
+            <a:off x="8361899" y="2086867"/>
+            <a:ext cx="650875" cy="438194"/>
+            <a:chOff x="6797675" y="3488996"/>
+            <a:chExt cx="650875" cy="438194"/>
+          </a:xfrm>
+          <a:effectLst>
+            <a:outerShdw blurRad="50800" dist="38100" dir="2700000" algn="tl" rotWithShape="0">
+              <a:prstClr val="black">
+                <a:alpha val="40000"/>
+              </a:prstClr>
+            </a:outerShdw>
+          </a:effectLst>
+        </p:grpSpPr>
+        <p:sp>
+          <p:nvSpPr>
+            <p:cNvPr id="40" name="Flowchart: Extract 39">
+              <a:extLst>
+                <a:ext uri="{FF2B5EF4-FFF2-40B4-BE49-F238E27FC236}">
+                  <a16:creationId xmlns:a16="http://schemas.microsoft.com/office/drawing/2014/main" id="{499CDC11-F563-F400-00AD-ABDC8D8DA449}"/>
+                </a:ext>
+              </a:extLst>
+            </p:cNvPr>
+            <p:cNvSpPr/>
+            <p:nvPr/>
+          </p:nvSpPr>
+          <p:spPr>
+            <a:xfrm rot="5400000">
+              <a:off x="6966782" y="3637105"/>
+              <a:ext cx="310580" cy="269590"/>
+            </a:xfrm>
+            <a:prstGeom prst="flowChartExtract">
+              <a:avLst/>
+            </a:prstGeom>
+          </p:spPr>
+          <p:style>
+            <a:lnRef idx="2">
+              <a:schemeClr val="dk1"/>
+            </a:lnRef>
+            <a:fillRef idx="1">
+              <a:schemeClr val="lt1"/>
+            </a:fillRef>
+            <a:effectRef idx="0">
+              <a:schemeClr val="dk1"/>
+            </a:effectRef>
+            <a:fontRef idx="minor">
+              <a:schemeClr val="dk1"/>
+            </a:fontRef>
+          </p:style>
+          <p:txBody>
+            <a:bodyPr rtlCol="0" anchor="ctr"/>
+            <a:lstStyle/>
+            <a:p>
+              <a:pPr algn="ctr"/>
+              <a:endParaRPr lang="en-GB"/>
+            </a:p>
+          </p:txBody>
+        </p:sp>
+        <p:cxnSp>
+          <p:nvCxnSpPr>
+            <p:cNvPr id="41" name="Straight Connector 40">
+              <a:extLst>
+                <a:ext uri="{FF2B5EF4-FFF2-40B4-BE49-F238E27FC236}">
+                  <a16:creationId xmlns:a16="http://schemas.microsoft.com/office/drawing/2014/main" id="{4B452C4F-129B-2A09-0CCF-FFD8F7122425}"/>
+                </a:ext>
+              </a:extLst>
+            </p:cNvPr>
+            <p:cNvCxnSpPr>
+              <a:cxnSpLocks/>
+              <a:stCxn id="40" idx="2"/>
+            </p:cNvCxnSpPr>
+            <p:nvPr/>
+          </p:nvCxnSpPr>
+          <p:spPr>
+            <a:xfrm flipH="1">
+              <a:off x="6797675" y="3771900"/>
+              <a:ext cx="189602" cy="0"/>
+            </a:xfrm>
+            <a:prstGeom prst="line">
+              <a:avLst/>
+            </a:prstGeom>
+          </p:spPr>
+          <p:style>
+            <a:lnRef idx="2">
+              <a:schemeClr val="dk1"/>
+            </a:lnRef>
+            <a:fillRef idx="1">
+              <a:schemeClr val="lt1"/>
+            </a:fillRef>
+            <a:effectRef idx="0">
+              <a:schemeClr val="dk1"/>
+            </a:effectRef>
+            <a:fontRef idx="minor">
+              <a:schemeClr val="dk1"/>
+            </a:fontRef>
+          </p:style>
+        </p:cxnSp>
+        <p:cxnSp>
+          <p:nvCxnSpPr>
+            <p:cNvPr id="42" name="Straight Connector 41">
+              <a:extLst>
+                <a:ext uri="{FF2B5EF4-FFF2-40B4-BE49-F238E27FC236}">
+                  <a16:creationId xmlns:a16="http://schemas.microsoft.com/office/drawing/2014/main" id="{5C303C23-BC78-836D-CD65-F9BB80416CB6}"/>
+                </a:ext>
+              </a:extLst>
+            </p:cNvPr>
+            <p:cNvCxnSpPr>
+              <a:cxnSpLocks/>
+              <a:stCxn id="40" idx="0"/>
+            </p:cNvCxnSpPr>
+            <p:nvPr/>
+          </p:nvCxnSpPr>
+          <p:spPr>
+            <a:xfrm>
+              <a:off x="7256867" y="3771900"/>
+              <a:ext cx="191683" cy="0"/>
+            </a:xfrm>
+            <a:prstGeom prst="line">
+              <a:avLst/>
+            </a:prstGeom>
+          </p:spPr>
+          <p:style>
+            <a:lnRef idx="2">
+              <a:schemeClr val="dk1"/>
+            </a:lnRef>
+            <a:fillRef idx="1">
+              <a:schemeClr val="lt1"/>
+            </a:fillRef>
+            <a:effectRef idx="0">
+              <a:schemeClr val="dk1"/>
+            </a:effectRef>
+            <a:fontRef idx="minor">
+              <a:schemeClr val="dk1"/>
+            </a:fontRef>
+          </p:style>
+        </p:cxnSp>
+        <p:cxnSp>
+          <p:nvCxnSpPr>
+            <p:cNvPr id="43" name="Straight Arrow Connector 42">
+              <a:extLst>
+                <a:ext uri="{FF2B5EF4-FFF2-40B4-BE49-F238E27FC236}">
+                  <a16:creationId xmlns:a16="http://schemas.microsoft.com/office/drawing/2014/main" id="{49327043-1D5E-67DC-52C6-70B8CA9B7592}"/>
+                </a:ext>
+              </a:extLst>
+            </p:cNvPr>
+            <p:cNvCxnSpPr>
+              <a:cxnSpLocks/>
+            </p:cNvCxnSpPr>
+            <p:nvPr/>
+          </p:nvCxnSpPr>
+          <p:spPr>
+            <a:xfrm flipV="1">
+              <a:off x="7192524" y="3552803"/>
+              <a:ext cx="128686" cy="127614"/>
+            </a:xfrm>
+            <a:prstGeom prst="straightConnector1">
+              <a:avLst/>
+            </a:prstGeom>
+            <a:ln>
+              <a:tailEnd type="triangle"/>
+            </a:ln>
+          </p:spPr>
+          <p:style>
+            <a:lnRef idx="2">
+              <a:schemeClr val="dk1"/>
+            </a:lnRef>
+            <a:fillRef idx="1">
+              <a:schemeClr val="lt1"/>
+            </a:fillRef>
+            <a:effectRef idx="0">
+              <a:schemeClr val="dk1"/>
+            </a:effectRef>
+            <a:fontRef idx="minor">
+              <a:schemeClr val="dk1"/>
+            </a:fontRef>
+          </p:style>
+        </p:cxnSp>
+        <p:cxnSp>
+          <p:nvCxnSpPr>
+            <p:cNvPr id="44" name="Straight Arrow Connector 43">
+              <a:extLst>
+                <a:ext uri="{FF2B5EF4-FFF2-40B4-BE49-F238E27FC236}">
+                  <a16:creationId xmlns:a16="http://schemas.microsoft.com/office/drawing/2014/main" id="{3CB85A33-CC64-C247-A0AA-9C5AF531824F}"/>
+                </a:ext>
+              </a:extLst>
+            </p:cNvPr>
+            <p:cNvCxnSpPr>
+              <a:cxnSpLocks/>
+            </p:cNvCxnSpPr>
+            <p:nvPr/>
+          </p:nvCxnSpPr>
+          <p:spPr>
+            <a:xfrm flipV="1">
+              <a:off x="7105692" y="3488996"/>
+              <a:ext cx="128686" cy="127614"/>
+            </a:xfrm>
+            <a:prstGeom prst="straightConnector1">
+              <a:avLst/>
+            </a:prstGeom>
+            <a:ln>
+              <a:tailEnd type="triangle"/>
+            </a:ln>
+          </p:spPr>
+          <p:style>
+            <a:lnRef idx="2">
+              <a:schemeClr val="dk1"/>
+            </a:lnRef>
+            <a:fillRef idx="1">
+              <a:schemeClr val="lt1"/>
+            </a:fillRef>
+            <a:effectRef idx="0">
+              <a:schemeClr val="dk1"/>
+            </a:effectRef>
+            <a:fontRef idx="minor">
+              <a:schemeClr val="dk1"/>
+            </a:fontRef>
+          </p:style>
+        </p:cxnSp>
+      </p:grpSp>
+      <p:grpSp>
+        <p:nvGrpSpPr>
+          <p:cNvPr id="45" name="Group 44">
+            <a:extLst>
+              <a:ext uri="{FF2B5EF4-FFF2-40B4-BE49-F238E27FC236}">
+                <a16:creationId xmlns:a16="http://schemas.microsoft.com/office/drawing/2014/main" id="{A2EABF60-2455-E202-8347-F766EACE8EE1}"/>
+              </a:ext>
+            </a:extLst>
+          </p:cNvPr>
+          <p:cNvGrpSpPr/>
+          <p:nvPr/>
+        </p:nvGrpSpPr>
+        <p:grpSpPr>
+          <a:xfrm>
+            <a:off x="8361899" y="2532982"/>
+            <a:ext cx="650875" cy="438194"/>
+            <a:chOff x="6797675" y="3488996"/>
+            <a:chExt cx="650875" cy="438194"/>
+          </a:xfrm>
+          <a:effectLst>
+            <a:outerShdw blurRad="50800" dist="38100" dir="2700000" algn="tl" rotWithShape="0">
+              <a:prstClr val="black">
+                <a:alpha val="40000"/>
+              </a:prstClr>
+            </a:outerShdw>
+          </a:effectLst>
+        </p:grpSpPr>
+        <p:sp>
+          <p:nvSpPr>
+            <p:cNvPr id="46" name="Flowchart: Extract 45">
+              <a:extLst>
+                <a:ext uri="{FF2B5EF4-FFF2-40B4-BE49-F238E27FC236}">
+                  <a16:creationId xmlns:a16="http://schemas.microsoft.com/office/drawing/2014/main" id="{E41EDE52-FDFA-63DC-CA61-3802EA8468FC}"/>
+                </a:ext>
+              </a:extLst>
+            </p:cNvPr>
+            <p:cNvSpPr/>
+            <p:nvPr/>
+          </p:nvSpPr>
+          <p:spPr>
+            <a:xfrm rot="5400000">
+              <a:off x="6966782" y="3637105"/>
+              <a:ext cx="310580" cy="269590"/>
+            </a:xfrm>
+            <a:prstGeom prst="flowChartExtract">
+              <a:avLst/>
+            </a:prstGeom>
+          </p:spPr>
+          <p:style>
+            <a:lnRef idx="2">
+              <a:schemeClr val="dk1"/>
+            </a:lnRef>
+            <a:fillRef idx="1">
+              <a:schemeClr val="lt1"/>
+            </a:fillRef>
+            <a:effectRef idx="0">
+              <a:schemeClr val="dk1"/>
+            </a:effectRef>
+            <a:fontRef idx="minor">
+              <a:schemeClr val="dk1"/>
+            </a:fontRef>
+          </p:style>
+          <p:txBody>
+            <a:bodyPr rtlCol="0" anchor="ctr"/>
+            <a:lstStyle/>
+            <a:p>
+              <a:pPr algn="ctr"/>
+              <a:endParaRPr lang="en-GB"/>
+            </a:p>
+          </p:txBody>
+        </p:sp>
+        <p:cxnSp>
+          <p:nvCxnSpPr>
+            <p:cNvPr id="47" name="Straight Connector 46">
+              <a:extLst>
+                <a:ext uri="{FF2B5EF4-FFF2-40B4-BE49-F238E27FC236}">
+                  <a16:creationId xmlns:a16="http://schemas.microsoft.com/office/drawing/2014/main" id="{A5BE9999-791F-A175-CD78-4923CD8FD1F4}"/>
+                </a:ext>
+              </a:extLst>
+            </p:cNvPr>
+            <p:cNvCxnSpPr>
+              <a:cxnSpLocks/>
+              <a:stCxn id="46" idx="2"/>
+            </p:cNvCxnSpPr>
+            <p:nvPr/>
+          </p:nvCxnSpPr>
+          <p:spPr>
+            <a:xfrm flipH="1">
+              <a:off x="6797675" y="3771900"/>
+              <a:ext cx="189602" cy="0"/>
+            </a:xfrm>
+            <a:prstGeom prst="line">
+              <a:avLst/>
+            </a:prstGeom>
+          </p:spPr>
+          <p:style>
+            <a:lnRef idx="2">
+              <a:schemeClr val="dk1"/>
+            </a:lnRef>
+            <a:fillRef idx="1">
+              <a:schemeClr val="lt1"/>
+            </a:fillRef>
+            <a:effectRef idx="0">
+              <a:schemeClr val="dk1"/>
+            </a:effectRef>
+            <a:fontRef idx="minor">
+              <a:schemeClr val="dk1"/>
+            </a:fontRef>
+          </p:style>
+        </p:cxnSp>
+        <p:cxnSp>
+          <p:nvCxnSpPr>
+            <p:cNvPr id="48" name="Straight Connector 47">
+              <a:extLst>
+                <a:ext uri="{FF2B5EF4-FFF2-40B4-BE49-F238E27FC236}">
+                  <a16:creationId xmlns:a16="http://schemas.microsoft.com/office/drawing/2014/main" id="{9F954824-F046-0E10-7C1B-407D0B0C8379}"/>
+                </a:ext>
+              </a:extLst>
+            </p:cNvPr>
+            <p:cNvCxnSpPr>
+              <a:cxnSpLocks/>
+              <a:stCxn id="46" idx="0"/>
+            </p:cNvCxnSpPr>
+            <p:nvPr/>
+          </p:nvCxnSpPr>
+          <p:spPr>
+            <a:xfrm>
+              <a:off x="7256867" y="3771900"/>
+              <a:ext cx="191683" cy="0"/>
+            </a:xfrm>
+            <a:prstGeom prst="line">
+              <a:avLst/>
+            </a:prstGeom>
+          </p:spPr>
+          <p:style>
+            <a:lnRef idx="2">
+              <a:schemeClr val="dk1"/>
+            </a:lnRef>
+            <a:fillRef idx="1">
+              <a:schemeClr val="lt1"/>
+            </a:fillRef>
+            <a:effectRef idx="0">
+              <a:schemeClr val="dk1"/>
+            </a:effectRef>
+            <a:fontRef idx="minor">
+              <a:schemeClr val="dk1"/>
+            </a:fontRef>
+          </p:style>
+        </p:cxnSp>
+        <p:cxnSp>
+          <p:nvCxnSpPr>
+            <p:cNvPr id="49" name="Straight Arrow Connector 48">
+              <a:extLst>
+                <a:ext uri="{FF2B5EF4-FFF2-40B4-BE49-F238E27FC236}">
+                  <a16:creationId xmlns:a16="http://schemas.microsoft.com/office/drawing/2014/main" id="{24C349AB-AC48-0EAC-6C7A-66BFC8FED426}"/>
+                </a:ext>
+              </a:extLst>
+            </p:cNvPr>
+            <p:cNvCxnSpPr>
+              <a:cxnSpLocks/>
+            </p:cNvCxnSpPr>
+            <p:nvPr/>
+          </p:nvCxnSpPr>
+          <p:spPr>
+            <a:xfrm flipV="1">
+              <a:off x="7192524" y="3552803"/>
+              <a:ext cx="128686" cy="127614"/>
+            </a:xfrm>
+            <a:prstGeom prst="straightConnector1">
+              <a:avLst/>
+            </a:prstGeom>
+            <a:ln>
+              <a:tailEnd type="triangle"/>
+            </a:ln>
+          </p:spPr>
+          <p:style>
+            <a:lnRef idx="2">
+              <a:schemeClr val="dk1"/>
+            </a:lnRef>
+            <a:fillRef idx="1">
+              <a:schemeClr val="lt1"/>
+            </a:fillRef>
+            <a:effectRef idx="0">
+              <a:schemeClr val="dk1"/>
+            </a:effectRef>
+            <a:fontRef idx="minor">
+              <a:schemeClr val="dk1"/>
+            </a:fontRef>
+          </p:style>
+        </p:cxnSp>
+        <p:cxnSp>
+          <p:nvCxnSpPr>
+            <p:cNvPr id="50" name="Straight Arrow Connector 49">
+              <a:extLst>
+                <a:ext uri="{FF2B5EF4-FFF2-40B4-BE49-F238E27FC236}">
+                  <a16:creationId xmlns:a16="http://schemas.microsoft.com/office/drawing/2014/main" id="{6DD84BB6-A84D-5B4E-10D6-06A575FCEA76}"/>
+                </a:ext>
+              </a:extLst>
+            </p:cNvPr>
+            <p:cNvCxnSpPr>
+              <a:cxnSpLocks/>
+            </p:cNvCxnSpPr>
+            <p:nvPr/>
+          </p:nvCxnSpPr>
+          <p:spPr>
+            <a:xfrm flipV="1">
+              <a:off x="7105692" y="3488996"/>
+              <a:ext cx="128686" cy="127614"/>
+            </a:xfrm>
+            <a:prstGeom prst="straightConnector1">
+              <a:avLst/>
+            </a:prstGeom>
+            <a:ln>
+              <a:tailEnd type="triangle"/>
+            </a:ln>
+          </p:spPr>
+          <p:style>
+            <a:lnRef idx="2">
+              <a:schemeClr val="dk1"/>
+            </a:lnRef>
+            <a:fillRef idx="1">
+              <a:schemeClr val="lt1"/>
+            </a:fillRef>
+            <a:effectRef idx="0">
+              <a:schemeClr val="dk1"/>
+            </a:effectRef>
+            <a:fontRef idx="minor">
+              <a:schemeClr val="dk1"/>
+            </a:fontRef>
+          </p:style>
+        </p:cxnSp>
+      </p:grpSp>
+      <p:grpSp>
+        <p:nvGrpSpPr>
+          <p:cNvPr id="51" name="Group 50">
+            <a:extLst>
+              <a:ext uri="{FF2B5EF4-FFF2-40B4-BE49-F238E27FC236}">
+                <a16:creationId xmlns:a16="http://schemas.microsoft.com/office/drawing/2014/main" id="{A1DC2797-54F2-7C68-7BEA-B345C2625B8E}"/>
+              </a:ext>
+            </a:extLst>
+          </p:cNvPr>
+          <p:cNvGrpSpPr/>
+          <p:nvPr/>
+        </p:nvGrpSpPr>
+        <p:grpSpPr>
+          <a:xfrm>
+            <a:off x="8361899" y="2971175"/>
+            <a:ext cx="650875" cy="438194"/>
+            <a:chOff x="6797675" y="3488996"/>
+            <a:chExt cx="650875" cy="438194"/>
+          </a:xfrm>
+          <a:effectLst>
+            <a:outerShdw blurRad="50800" dist="38100" dir="2700000" algn="tl" rotWithShape="0">
+              <a:prstClr val="black">
+                <a:alpha val="40000"/>
+              </a:prstClr>
+            </a:outerShdw>
+          </a:effectLst>
+        </p:grpSpPr>
+        <p:sp>
+          <p:nvSpPr>
+            <p:cNvPr id="52" name="Flowchart: Extract 51">
+              <a:extLst>
+                <a:ext uri="{FF2B5EF4-FFF2-40B4-BE49-F238E27FC236}">
+                  <a16:creationId xmlns:a16="http://schemas.microsoft.com/office/drawing/2014/main" id="{CABC632A-9318-D51B-060F-07DD4EC8EC86}"/>
+                </a:ext>
+              </a:extLst>
+            </p:cNvPr>
+            <p:cNvSpPr/>
+            <p:nvPr/>
+          </p:nvSpPr>
+          <p:spPr>
+            <a:xfrm rot="5400000">
+              <a:off x="6966782" y="3637105"/>
+              <a:ext cx="310580" cy="269590"/>
+            </a:xfrm>
+            <a:prstGeom prst="flowChartExtract">
+              <a:avLst/>
+            </a:prstGeom>
+          </p:spPr>
+          <p:style>
+            <a:lnRef idx="2">
+              <a:schemeClr val="dk1"/>
+            </a:lnRef>
+            <a:fillRef idx="1">
+              <a:schemeClr val="lt1"/>
+            </a:fillRef>
+            <a:effectRef idx="0">
+              <a:schemeClr val="dk1"/>
+            </a:effectRef>
+            <a:fontRef idx="minor">
+              <a:schemeClr val="dk1"/>
+            </a:fontRef>
+          </p:style>
+          <p:txBody>
+            <a:bodyPr rtlCol="0" anchor="ctr"/>
+            <a:lstStyle/>
+            <a:p>
+              <a:pPr algn="ctr"/>
+              <a:endParaRPr lang="en-GB"/>
+            </a:p>
+          </p:txBody>
+        </p:sp>
+        <p:cxnSp>
+          <p:nvCxnSpPr>
+            <p:cNvPr id="53" name="Straight Connector 52">
+              <a:extLst>
+                <a:ext uri="{FF2B5EF4-FFF2-40B4-BE49-F238E27FC236}">
+                  <a16:creationId xmlns:a16="http://schemas.microsoft.com/office/drawing/2014/main" id="{7F4E5A90-C929-ACA2-CAD6-5E9EF092AC4B}"/>
+                </a:ext>
+              </a:extLst>
+            </p:cNvPr>
+            <p:cNvCxnSpPr>
+              <a:cxnSpLocks/>
+              <a:stCxn id="52" idx="2"/>
+            </p:cNvCxnSpPr>
+            <p:nvPr/>
+          </p:nvCxnSpPr>
+          <p:spPr>
+            <a:xfrm flipH="1">
+              <a:off x="6797675" y="3771900"/>
+              <a:ext cx="189602" cy="0"/>
+            </a:xfrm>
+            <a:prstGeom prst="line">
+              <a:avLst/>
+            </a:prstGeom>
+          </p:spPr>
+          <p:style>
+            <a:lnRef idx="2">
+              <a:schemeClr val="dk1"/>
+            </a:lnRef>
+            <a:fillRef idx="1">
+              <a:schemeClr val="lt1"/>
+            </a:fillRef>
+            <a:effectRef idx="0">
+              <a:schemeClr val="dk1"/>
+            </a:effectRef>
+            <a:fontRef idx="minor">
+              <a:schemeClr val="dk1"/>
+            </a:fontRef>
+          </p:style>
+        </p:cxnSp>
+        <p:cxnSp>
+          <p:nvCxnSpPr>
+            <p:cNvPr id="54" name="Straight Connector 53">
+              <a:extLst>
+                <a:ext uri="{FF2B5EF4-FFF2-40B4-BE49-F238E27FC236}">
+                  <a16:creationId xmlns:a16="http://schemas.microsoft.com/office/drawing/2014/main" id="{53C653E8-91A5-1577-BBA9-43A009A2D8DE}"/>
+                </a:ext>
+              </a:extLst>
+            </p:cNvPr>
+            <p:cNvCxnSpPr>
+              <a:cxnSpLocks/>
+              <a:stCxn id="52" idx="0"/>
+            </p:cNvCxnSpPr>
+            <p:nvPr/>
+          </p:nvCxnSpPr>
+          <p:spPr>
+            <a:xfrm>
+              <a:off x="7256867" y="3771900"/>
+              <a:ext cx="191683" cy="0"/>
+            </a:xfrm>
+            <a:prstGeom prst="line">
+              <a:avLst/>
+            </a:prstGeom>
+          </p:spPr>
+          <p:style>
+            <a:lnRef idx="2">
+              <a:schemeClr val="dk1"/>
+            </a:lnRef>
+            <a:fillRef idx="1">
+              <a:schemeClr val="lt1"/>
+            </a:fillRef>
+            <a:effectRef idx="0">
+              <a:schemeClr val="dk1"/>
+            </a:effectRef>
+            <a:fontRef idx="minor">
+              <a:schemeClr val="dk1"/>
+            </a:fontRef>
+          </p:style>
+        </p:cxnSp>
+        <p:cxnSp>
+          <p:nvCxnSpPr>
+            <p:cNvPr id="55" name="Straight Arrow Connector 54">
+              <a:extLst>
+                <a:ext uri="{FF2B5EF4-FFF2-40B4-BE49-F238E27FC236}">
+                  <a16:creationId xmlns:a16="http://schemas.microsoft.com/office/drawing/2014/main" id="{7014E3A0-7BF7-0F49-EE02-E1E3083CBB6E}"/>
+                </a:ext>
+              </a:extLst>
+            </p:cNvPr>
+            <p:cNvCxnSpPr>
+              <a:cxnSpLocks/>
+            </p:cNvCxnSpPr>
+            <p:nvPr/>
+          </p:nvCxnSpPr>
+          <p:spPr>
+            <a:xfrm flipV="1">
+              <a:off x="7192524" y="3552803"/>
+              <a:ext cx="128686" cy="127614"/>
+            </a:xfrm>
+            <a:prstGeom prst="straightConnector1">
+              <a:avLst/>
+            </a:prstGeom>
+            <a:ln>
+              <a:tailEnd type="triangle"/>
+            </a:ln>
+          </p:spPr>
+          <p:style>
+            <a:lnRef idx="2">
+              <a:schemeClr val="dk1"/>
+            </a:lnRef>
+            <a:fillRef idx="1">
+              <a:schemeClr val="lt1"/>
+            </a:fillRef>
+            <a:effectRef idx="0">
+              <a:schemeClr val="dk1"/>
+            </a:effectRef>
+            <a:fontRef idx="minor">
+              <a:schemeClr val="dk1"/>
+            </a:fontRef>
+          </p:style>
+        </p:cxnSp>
+        <p:cxnSp>
+          <p:nvCxnSpPr>
+            <p:cNvPr id="56" name="Straight Arrow Connector 55">
+              <a:extLst>
+                <a:ext uri="{FF2B5EF4-FFF2-40B4-BE49-F238E27FC236}">
+                  <a16:creationId xmlns:a16="http://schemas.microsoft.com/office/drawing/2014/main" id="{0BB06FB0-6651-AACF-F0EA-6FEF952FB106}"/>
+                </a:ext>
+              </a:extLst>
+            </p:cNvPr>
+            <p:cNvCxnSpPr>
+              <a:cxnSpLocks/>
+            </p:cNvCxnSpPr>
+            <p:nvPr/>
+          </p:nvCxnSpPr>
+          <p:spPr>
+            <a:xfrm flipV="1">
+              <a:off x="7105692" y="3488996"/>
+              <a:ext cx="128686" cy="127614"/>
+            </a:xfrm>
+            <a:prstGeom prst="straightConnector1">
+              <a:avLst/>
+            </a:prstGeom>
+            <a:ln>
+              <a:tailEnd type="triangle"/>
+            </a:ln>
+          </p:spPr>
+          <p:style>
+            <a:lnRef idx="2">
+              <a:schemeClr val="dk1"/>
+            </a:lnRef>
+            <a:fillRef idx="1">
+              <a:schemeClr val="lt1"/>
+            </a:fillRef>
+            <a:effectRef idx="0">
+              <a:schemeClr val="dk1"/>
+            </a:effectRef>
+            <a:fontRef idx="minor">
+              <a:schemeClr val="dk1"/>
+            </a:fontRef>
+          </p:style>
+        </p:cxnSp>
+      </p:grpSp>
+      <p:grpSp>
+        <p:nvGrpSpPr>
+          <p:cNvPr id="57" name="Group 56">
+            <a:extLst>
+              <a:ext uri="{FF2B5EF4-FFF2-40B4-BE49-F238E27FC236}">
+                <a16:creationId xmlns:a16="http://schemas.microsoft.com/office/drawing/2014/main" id="{91D421A7-C0C0-3091-AD95-871E9590ED36}"/>
+              </a:ext>
+            </a:extLst>
+          </p:cNvPr>
+          <p:cNvGrpSpPr/>
+          <p:nvPr/>
+        </p:nvGrpSpPr>
+        <p:grpSpPr>
+          <a:xfrm>
+            <a:off x="8361899" y="3409367"/>
+            <a:ext cx="650875" cy="438194"/>
+            <a:chOff x="6797675" y="3488996"/>
+            <a:chExt cx="650875" cy="438194"/>
+          </a:xfrm>
+          <a:effectLst>
+            <a:outerShdw blurRad="50800" dist="38100" dir="2700000" algn="tl" rotWithShape="0">
+              <a:prstClr val="black">
+                <a:alpha val="40000"/>
+              </a:prstClr>
+            </a:outerShdw>
+          </a:effectLst>
+        </p:grpSpPr>
+        <p:sp>
+          <p:nvSpPr>
+            <p:cNvPr id="58" name="Flowchart: Extract 57">
+              <a:extLst>
+                <a:ext uri="{FF2B5EF4-FFF2-40B4-BE49-F238E27FC236}">
+                  <a16:creationId xmlns:a16="http://schemas.microsoft.com/office/drawing/2014/main" id="{9C0187A7-CC51-1FA0-2185-40A971525A97}"/>
+                </a:ext>
+              </a:extLst>
+            </p:cNvPr>
+            <p:cNvSpPr/>
+            <p:nvPr/>
+          </p:nvSpPr>
+          <p:spPr>
+            <a:xfrm rot="5400000">
+              <a:off x="6966782" y="3637105"/>
+              <a:ext cx="310580" cy="269590"/>
+            </a:xfrm>
+            <a:prstGeom prst="flowChartExtract">
+              <a:avLst/>
+            </a:prstGeom>
+          </p:spPr>
+          <p:style>
+            <a:lnRef idx="2">
+              <a:schemeClr val="dk1"/>
+            </a:lnRef>
+            <a:fillRef idx="1">
+              <a:schemeClr val="lt1"/>
+            </a:fillRef>
+            <a:effectRef idx="0">
+              <a:schemeClr val="dk1"/>
+            </a:effectRef>
+            <a:fontRef idx="minor">
+              <a:schemeClr val="dk1"/>
+            </a:fontRef>
+          </p:style>
+          <p:txBody>
+            <a:bodyPr rtlCol="0" anchor="ctr"/>
+            <a:lstStyle/>
+            <a:p>
+              <a:pPr algn="ctr"/>
+              <a:endParaRPr lang="en-GB"/>
+            </a:p>
+          </p:txBody>
+        </p:sp>
+        <p:cxnSp>
+          <p:nvCxnSpPr>
+            <p:cNvPr id="59" name="Straight Connector 58">
+              <a:extLst>
+                <a:ext uri="{FF2B5EF4-FFF2-40B4-BE49-F238E27FC236}">
+                  <a16:creationId xmlns:a16="http://schemas.microsoft.com/office/drawing/2014/main" id="{5342F4E2-B299-F7D3-1CA6-2D7AB3822149}"/>
+                </a:ext>
+              </a:extLst>
+            </p:cNvPr>
+            <p:cNvCxnSpPr>
+              <a:cxnSpLocks/>
+              <a:stCxn id="58" idx="2"/>
+            </p:cNvCxnSpPr>
+            <p:nvPr/>
+          </p:nvCxnSpPr>
+          <p:spPr>
+            <a:xfrm flipH="1">
+              <a:off x="6797675" y="3771900"/>
+              <a:ext cx="189602" cy="0"/>
+            </a:xfrm>
+            <a:prstGeom prst="line">
+              <a:avLst/>
+            </a:prstGeom>
+          </p:spPr>
+          <p:style>
+            <a:lnRef idx="2">
+              <a:schemeClr val="dk1"/>
+            </a:lnRef>
+            <a:fillRef idx="1">
+              <a:schemeClr val="lt1"/>
+            </a:fillRef>
+            <a:effectRef idx="0">
+              <a:schemeClr val="dk1"/>
+            </a:effectRef>
+            <a:fontRef idx="minor">
+              <a:schemeClr val="dk1"/>
+            </a:fontRef>
+          </p:style>
+        </p:cxnSp>
+        <p:cxnSp>
+          <p:nvCxnSpPr>
+            <p:cNvPr id="60" name="Straight Connector 59">
+              <a:extLst>
+                <a:ext uri="{FF2B5EF4-FFF2-40B4-BE49-F238E27FC236}">
+                  <a16:creationId xmlns:a16="http://schemas.microsoft.com/office/drawing/2014/main" id="{7A26E5A4-2D15-9CFF-B9BF-36386B14B042}"/>
+                </a:ext>
+              </a:extLst>
+            </p:cNvPr>
+            <p:cNvCxnSpPr>
+              <a:cxnSpLocks/>
+              <a:stCxn id="58" idx="0"/>
+            </p:cNvCxnSpPr>
+            <p:nvPr/>
+          </p:nvCxnSpPr>
+          <p:spPr>
+            <a:xfrm>
+              <a:off x="7256867" y="3771900"/>
+              <a:ext cx="191683" cy="0"/>
+            </a:xfrm>
+            <a:prstGeom prst="line">
+              <a:avLst/>
+            </a:prstGeom>
+          </p:spPr>
+          <p:style>
+            <a:lnRef idx="2">
+              <a:schemeClr val="dk1"/>
+            </a:lnRef>
+            <a:fillRef idx="1">
+              <a:schemeClr val="lt1"/>
+            </a:fillRef>
+            <a:effectRef idx="0">
+              <a:schemeClr val="dk1"/>
+            </a:effectRef>
+            <a:fontRef idx="minor">
+              <a:schemeClr val="dk1"/>
+            </a:fontRef>
+          </p:style>
+        </p:cxnSp>
+        <p:cxnSp>
+          <p:nvCxnSpPr>
+            <p:cNvPr id="61" name="Straight Arrow Connector 60">
+              <a:extLst>
+                <a:ext uri="{FF2B5EF4-FFF2-40B4-BE49-F238E27FC236}">
+                  <a16:creationId xmlns:a16="http://schemas.microsoft.com/office/drawing/2014/main" id="{60D1FA43-DEAD-EAF6-A033-F9E7DB9ABCCF}"/>
+                </a:ext>
+              </a:extLst>
+            </p:cNvPr>
+            <p:cNvCxnSpPr>
+              <a:cxnSpLocks/>
+            </p:cNvCxnSpPr>
+            <p:nvPr/>
+          </p:nvCxnSpPr>
+          <p:spPr>
+            <a:xfrm flipV="1">
+              <a:off x="7192524" y="3552803"/>
+              <a:ext cx="128686" cy="127614"/>
+            </a:xfrm>
+            <a:prstGeom prst="straightConnector1">
+              <a:avLst/>
+            </a:prstGeom>
+            <a:ln>
+              <a:tailEnd type="triangle"/>
+            </a:ln>
+          </p:spPr>
+          <p:style>
+            <a:lnRef idx="2">
+              <a:schemeClr val="dk1"/>
+            </a:lnRef>
+            <a:fillRef idx="1">
+              <a:schemeClr val="lt1"/>
+            </a:fillRef>
+            <a:effectRef idx="0">
+              <a:schemeClr val="dk1"/>
+            </a:effectRef>
+            <a:fontRef idx="minor">
+              <a:schemeClr val="dk1"/>
+            </a:fontRef>
+          </p:style>
+        </p:cxnSp>
+        <p:cxnSp>
+          <p:nvCxnSpPr>
+            <p:cNvPr id="62" name="Straight Arrow Connector 61">
+              <a:extLst>
+                <a:ext uri="{FF2B5EF4-FFF2-40B4-BE49-F238E27FC236}">
+                  <a16:creationId xmlns:a16="http://schemas.microsoft.com/office/drawing/2014/main" id="{3A6D462B-E0D9-066A-62D9-0CE8A9842367}"/>
+                </a:ext>
+              </a:extLst>
+            </p:cNvPr>
+            <p:cNvCxnSpPr>
+              <a:cxnSpLocks/>
+            </p:cNvCxnSpPr>
+            <p:nvPr/>
+          </p:nvCxnSpPr>
+          <p:spPr>
+            <a:xfrm flipV="1">
+              <a:off x="7105692" y="3488996"/>
+              <a:ext cx="128686" cy="127614"/>
+            </a:xfrm>
+            <a:prstGeom prst="straightConnector1">
+              <a:avLst/>
+            </a:prstGeom>
+            <a:ln>
+              <a:tailEnd type="triangle"/>
+            </a:ln>
+          </p:spPr>
+          <p:style>
+            <a:lnRef idx="2">
+              <a:schemeClr val="dk1"/>
+            </a:lnRef>
+            <a:fillRef idx="1">
+              <a:schemeClr val="lt1"/>
+            </a:fillRef>
+            <a:effectRef idx="0">
+              <a:schemeClr val="dk1"/>
+            </a:effectRef>
+            <a:fontRef idx="minor">
+              <a:schemeClr val="dk1"/>
+            </a:fontRef>
+          </p:style>
+        </p:cxnSp>
+      </p:grpSp>
+      <p:cxnSp>
+        <p:nvCxnSpPr>
+          <p:cNvPr id="63" name="Straight Connector 62">
+            <a:extLst>
+              <a:ext uri="{FF2B5EF4-FFF2-40B4-BE49-F238E27FC236}">
+                <a16:creationId xmlns:a16="http://schemas.microsoft.com/office/drawing/2014/main" id="{21D5DFB7-1B70-1302-57ED-630705066327}"/>
+              </a:ext>
+            </a:extLst>
+          </p:cNvPr>
+          <p:cNvCxnSpPr/>
+          <p:nvPr/>
+        </p:nvCxnSpPr>
+        <p:spPr>
+          <a:xfrm>
+            <a:off x="8361899" y="2369771"/>
+            <a:ext cx="0" cy="1322500"/>
+          </a:xfrm>
+          <a:prstGeom prst="line">
+            <a:avLst/>
+          </a:prstGeom>
+          <a:effectLst>
+            <a:outerShdw blurRad="50800" dist="38100" dir="2700000" algn="tl" rotWithShape="0">
+              <a:prstClr val="black">
+                <a:alpha val="40000"/>
+              </a:prstClr>
+            </a:outerShdw>
+          </a:effectLst>
+        </p:spPr>
+        <p:style>
+          <a:lnRef idx="3">
+            <a:schemeClr val="dk1"/>
+          </a:lnRef>
+          <a:fillRef idx="0">
+            <a:schemeClr val="dk1"/>
+          </a:fillRef>
+          <a:effectRef idx="2">
+            <a:schemeClr val="dk1"/>
+          </a:effectRef>
+          <a:fontRef idx="minor">
+            <a:schemeClr val="tx1"/>
+          </a:fontRef>
+        </p:style>
+      </p:cxnSp>
+      <p:grpSp>
+        <p:nvGrpSpPr>
+          <p:cNvPr id="74" name="Group 73">
+            <a:extLst>
+              <a:ext uri="{FF2B5EF4-FFF2-40B4-BE49-F238E27FC236}">
+                <a16:creationId xmlns:a16="http://schemas.microsoft.com/office/drawing/2014/main" id="{71319EA5-D305-0986-16BC-B59B76B4A5A6}"/>
+              </a:ext>
+            </a:extLst>
+          </p:cNvPr>
+          <p:cNvGrpSpPr/>
+          <p:nvPr/>
+        </p:nvGrpSpPr>
+        <p:grpSpPr>
+          <a:xfrm>
+            <a:off x="2696817" y="1588533"/>
+            <a:ext cx="771525" cy="137915"/>
+            <a:chOff x="1388574" y="1864503"/>
+            <a:chExt cx="771525" cy="137915"/>
+          </a:xfrm>
+          <a:effectLst>
+            <a:outerShdw blurRad="50800" dist="38100" dir="2700000" algn="tl" rotWithShape="0">
+              <a:prstClr val="black">
+                <a:alpha val="40000"/>
+              </a:prstClr>
+            </a:outerShdw>
+          </a:effectLst>
+        </p:grpSpPr>
+        <p:cxnSp>
+          <p:nvCxnSpPr>
+            <p:cNvPr id="70" name="Straight Connector 69">
+              <a:extLst>
+                <a:ext uri="{FF2B5EF4-FFF2-40B4-BE49-F238E27FC236}">
+                  <a16:creationId xmlns:a16="http://schemas.microsoft.com/office/drawing/2014/main" id="{551D9627-3D9A-D0B5-B1F6-60B7D88936A7}"/>
+                </a:ext>
+              </a:extLst>
+            </p:cNvPr>
+            <p:cNvCxnSpPr>
+              <a:cxnSpLocks/>
+            </p:cNvCxnSpPr>
+            <p:nvPr/>
+          </p:nvCxnSpPr>
+          <p:spPr>
+            <a:xfrm>
+              <a:off x="1680427" y="1864503"/>
+              <a:ext cx="178817" cy="103240"/>
+            </a:xfrm>
+            <a:prstGeom prst="line">
+              <a:avLst/>
+            </a:prstGeom>
+            <a:ln w="25400" cap="flat">
+              <a:miter lim="800000"/>
+            </a:ln>
+          </p:spPr>
+          <p:style>
+            <a:lnRef idx="1">
+              <a:schemeClr val="dk1"/>
+            </a:lnRef>
+            <a:fillRef idx="0">
+              <a:schemeClr val="dk1"/>
+            </a:fillRef>
+            <a:effectRef idx="0">
+              <a:schemeClr val="dk1"/>
+            </a:effectRef>
+            <a:fontRef idx="minor">
+              <a:schemeClr val="tx1"/>
+            </a:fontRef>
+          </p:style>
+        </p:cxnSp>
+        <p:cxnSp>
+          <p:nvCxnSpPr>
+            <p:cNvPr id="65" name="Straight Connector 64">
+              <a:extLst>
+                <a:ext uri="{FF2B5EF4-FFF2-40B4-BE49-F238E27FC236}">
+                  <a16:creationId xmlns:a16="http://schemas.microsoft.com/office/drawing/2014/main" id="{6B1E1249-A851-7E0F-B4EA-D0BA25964849}"/>
+                </a:ext>
+              </a:extLst>
+            </p:cNvPr>
+            <p:cNvCxnSpPr>
+              <a:cxnSpLocks/>
+              <a:endCxn id="66" idx="2"/>
+            </p:cNvCxnSpPr>
+            <p:nvPr/>
+          </p:nvCxnSpPr>
+          <p:spPr>
+            <a:xfrm>
+              <a:off x="1388574" y="1972255"/>
+              <a:ext cx="257175" cy="1"/>
+            </a:xfrm>
+            <a:prstGeom prst="line">
+              <a:avLst/>
+            </a:prstGeom>
+          </p:spPr>
+          <p:style>
+            <a:lnRef idx="2">
+              <a:schemeClr val="dk1"/>
+            </a:lnRef>
+            <a:fillRef idx="1">
+              <a:schemeClr val="lt1"/>
+            </a:fillRef>
+            <a:effectRef idx="0">
+              <a:schemeClr val="dk1"/>
+            </a:effectRef>
+            <a:fontRef idx="minor">
+              <a:schemeClr val="dk1"/>
+            </a:fontRef>
+          </p:style>
+        </p:cxnSp>
+        <p:sp>
+          <p:nvSpPr>
+            <p:cNvPr id="66" name="Oval 65">
+              <a:extLst>
+                <a:ext uri="{FF2B5EF4-FFF2-40B4-BE49-F238E27FC236}">
+                  <a16:creationId xmlns:a16="http://schemas.microsoft.com/office/drawing/2014/main" id="{4A6B8B1E-F1F9-7A82-1F5D-01B096D0A857}"/>
+                </a:ext>
+              </a:extLst>
+            </p:cNvPr>
+            <p:cNvSpPr/>
+            <p:nvPr/>
+          </p:nvSpPr>
+          <p:spPr>
+            <a:xfrm>
+              <a:off x="1645749" y="1942093"/>
+              <a:ext cx="60325" cy="60325"/>
+            </a:xfrm>
+            <a:prstGeom prst="ellipse">
+              <a:avLst/>
+            </a:prstGeom>
+          </p:spPr>
+          <p:style>
+            <a:lnRef idx="2">
+              <a:schemeClr val="dk1"/>
+            </a:lnRef>
+            <a:fillRef idx="1">
+              <a:schemeClr val="lt1"/>
+            </a:fillRef>
+            <a:effectRef idx="0">
+              <a:schemeClr val="dk1"/>
+            </a:effectRef>
+            <a:fontRef idx="minor">
+              <a:schemeClr val="dk1"/>
+            </a:fontRef>
+          </p:style>
+          <p:txBody>
+            <a:bodyPr rtlCol="0" anchor="ctr"/>
+            <a:lstStyle/>
+            <a:p>
+              <a:pPr algn="ctr"/>
+              <a:endParaRPr lang="en-GB"/>
+            </a:p>
+          </p:txBody>
+        </p:sp>
+        <p:cxnSp>
+          <p:nvCxnSpPr>
+            <p:cNvPr id="67" name="Straight Connector 66">
+              <a:extLst>
+                <a:ext uri="{FF2B5EF4-FFF2-40B4-BE49-F238E27FC236}">
+                  <a16:creationId xmlns:a16="http://schemas.microsoft.com/office/drawing/2014/main" id="{C292D23C-70F0-61C8-C1B7-156AA5C2CE95}"/>
+                </a:ext>
+              </a:extLst>
+            </p:cNvPr>
+            <p:cNvCxnSpPr>
+              <a:cxnSpLocks/>
+              <a:endCxn id="68" idx="2"/>
+            </p:cNvCxnSpPr>
+            <p:nvPr/>
+          </p:nvCxnSpPr>
+          <p:spPr>
+            <a:xfrm flipH="1">
+              <a:off x="1902924" y="1972255"/>
+              <a:ext cx="257175" cy="1"/>
+            </a:xfrm>
+            <a:prstGeom prst="line">
+              <a:avLst/>
+            </a:prstGeom>
+          </p:spPr>
+          <p:style>
+            <a:lnRef idx="2">
+              <a:schemeClr val="dk1"/>
+            </a:lnRef>
+            <a:fillRef idx="1">
+              <a:schemeClr val="lt1"/>
+            </a:fillRef>
+            <a:effectRef idx="0">
+              <a:schemeClr val="dk1"/>
+            </a:effectRef>
+            <a:fontRef idx="minor">
+              <a:schemeClr val="dk1"/>
+            </a:fontRef>
+          </p:style>
+        </p:cxnSp>
+        <p:sp>
+          <p:nvSpPr>
+            <p:cNvPr id="68" name="Oval 67">
+              <a:extLst>
+                <a:ext uri="{FF2B5EF4-FFF2-40B4-BE49-F238E27FC236}">
+                  <a16:creationId xmlns:a16="http://schemas.microsoft.com/office/drawing/2014/main" id="{00FE74DC-1595-1A94-2E9A-730E25EC0C95}"/>
+                </a:ext>
+              </a:extLst>
+            </p:cNvPr>
+            <p:cNvSpPr/>
+            <p:nvPr/>
+          </p:nvSpPr>
+          <p:spPr>
+            <a:xfrm flipH="1">
+              <a:off x="1842599" y="1942093"/>
+              <a:ext cx="60325" cy="60325"/>
+            </a:xfrm>
+            <a:prstGeom prst="ellipse">
+              <a:avLst/>
+            </a:prstGeom>
+          </p:spPr>
+          <p:style>
+            <a:lnRef idx="2">
+              <a:schemeClr val="dk1"/>
+            </a:lnRef>
+            <a:fillRef idx="1">
+              <a:schemeClr val="lt1"/>
+            </a:fillRef>
+            <a:effectRef idx="0">
+              <a:schemeClr val="dk1"/>
+            </a:effectRef>
+            <a:fontRef idx="minor">
+              <a:schemeClr val="dk1"/>
+            </a:fontRef>
+          </p:style>
+          <p:txBody>
+            <a:bodyPr rtlCol="0" anchor="ctr"/>
+            <a:lstStyle/>
+            <a:p>
+              <a:pPr algn="ctr"/>
+              <a:endParaRPr lang="en-GB"/>
+            </a:p>
+          </p:txBody>
+        </p:sp>
+      </p:grpSp>
+      <p:grpSp>
+        <p:nvGrpSpPr>
+          <p:cNvPr id="75" name="Group 74">
+            <a:extLst>
+              <a:ext uri="{FF2B5EF4-FFF2-40B4-BE49-F238E27FC236}">
+                <a16:creationId xmlns:a16="http://schemas.microsoft.com/office/drawing/2014/main" id="{6C3F7D63-CC03-AADA-E0FC-069AF6B619BA}"/>
+              </a:ext>
+            </a:extLst>
+          </p:cNvPr>
+          <p:cNvGrpSpPr/>
+          <p:nvPr/>
+        </p:nvGrpSpPr>
+        <p:grpSpPr>
+          <a:xfrm>
+            <a:off x="2694058" y="1917537"/>
+            <a:ext cx="771525" cy="137915"/>
+            <a:chOff x="1388574" y="1864503"/>
+            <a:chExt cx="771525" cy="137915"/>
+          </a:xfrm>
+          <a:effectLst>
+            <a:outerShdw blurRad="50800" dist="38100" dir="2700000" algn="tl" rotWithShape="0">
+              <a:prstClr val="black">
+                <a:alpha val="40000"/>
+              </a:prstClr>
+            </a:outerShdw>
+          </a:effectLst>
+        </p:grpSpPr>
+        <p:cxnSp>
+          <p:nvCxnSpPr>
+            <p:cNvPr id="76" name="Straight Connector 75">
+              <a:extLst>
+                <a:ext uri="{FF2B5EF4-FFF2-40B4-BE49-F238E27FC236}">
+                  <a16:creationId xmlns:a16="http://schemas.microsoft.com/office/drawing/2014/main" id="{0223E125-7C3C-28CA-BB23-41D7CEAD2B29}"/>
+                </a:ext>
+              </a:extLst>
+            </p:cNvPr>
+            <p:cNvCxnSpPr>
+              <a:cxnSpLocks/>
+            </p:cNvCxnSpPr>
+            <p:nvPr/>
+          </p:nvCxnSpPr>
+          <p:spPr>
+            <a:xfrm>
+              <a:off x="1680427" y="1864503"/>
+              <a:ext cx="178817" cy="103240"/>
+            </a:xfrm>
+            <a:prstGeom prst="line">
+              <a:avLst/>
+            </a:prstGeom>
+            <a:ln w="25400" cap="flat">
+              <a:miter lim="800000"/>
+            </a:ln>
+          </p:spPr>
+          <p:style>
+            <a:lnRef idx="1">
+              <a:schemeClr val="dk1"/>
+            </a:lnRef>
+            <a:fillRef idx="0">
+              <a:schemeClr val="dk1"/>
+            </a:fillRef>
+            <a:effectRef idx="0">
+              <a:schemeClr val="dk1"/>
+            </a:effectRef>
+            <a:fontRef idx="minor">
+              <a:schemeClr val="tx1"/>
+            </a:fontRef>
+          </p:style>
+        </p:cxnSp>
+        <p:cxnSp>
+          <p:nvCxnSpPr>
+            <p:cNvPr id="77" name="Straight Connector 76">
+              <a:extLst>
+                <a:ext uri="{FF2B5EF4-FFF2-40B4-BE49-F238E27FC236}">
+                  <a16:creationId xmlns:a16="http://schemas.microsoft.com/office/drawing/2014/main" id="{F08D4AB8-1DED-543E-B896-2139FFCC76D1}"/>
+                </a:ext>
+              </a:extLst>
+            </p:cNvPr>
+            <p:cNvCxnSpPr>
+              <a:cxnSpLocks/>
+              <a:endCxn id="78" idx="2"/>
+            </p:cNvCxnSpPr>
+            <p:nvPr/>
+          </p:nvCxnSpPr>
+          <p:spPr>
+            <a:xfrm>
+              <a:off x="1388574" y="1972255"/>
+              <a:ext cx="257175" cy="1"/>
+            </a:xfrm>
+            <a:prstGeom prst="line">
+              <a:avLst/>
+            </a:prstGeom>
+          </p:spPr>
+          <p:style>
+            <a:lnRef idx="2">
+              <a:schemeClr val="dk1"/>
+            </a:lnRef>
+            <a:fillRef idx="1">
+              <a:schemeClr val="lt1"/>
+            </a:fillRef>
+            <a:effectRef idx="0">
+              <a:schemeClr val="dk1"/>
+            </a:effectRef>
+            <a:fontRef idx="minor">
+              <a:schemeClr val="dk1"/>
+            </a:fontRef>
+          </p:style>
+        </p:cxnSp>
+        <p:sp>
+          <p:nvSpPr>
+            <p:cNvPr id="78" name="Oval 77">
+              <a:extLst>
+                <a:ext uri="{FF2B5EF4-FFF2-40B4-BE49-F238E27FC236}">
+                  <a16:creationId xmlns:a16="http://schemas.microsoft.com/office/drawing/2014/main" id="{318DCEF1-4E86-71EB-C556-0CD17DEEAB41}"/>
+                </a:ext>
+              </a:extLst>
+            </p:cNvPr>
+            <p:cNvSpPr/>
+            <p:nvPr/>
+          </p:nvSpPr>
+          <p:spPr>
+            <a:xfrm>
+              <a:off x="1645749" y="1942093"/>
+              <a:ext cx="60325" cy="60325"/>
+            </a:xfrm>
+            <a:prstGeom prst="ellipse">
+              <a:avLst/>
+            </a:prstGeom>
+          </p:spPr>
+          <p:style>
+            <a:lnRef idx="2">
+              <a:schemeClr val="dk1"/>
+            </a:lnRef>
+            <a:fillRef idx="1">
+              <a:schemeClr val="lt1"/>
+            </a:fillRef>
+            <a:effectRef idx="0">
+              <a:schemeClr val="dk1"/>
+            </a:effectRef>
+            <a:fontRef idx="minor">
+              <a:schemeClr val="dk1"/>
+            </a:fontRef>
+          </p:style>
+          <p:txBody>
+            <a:bodyPr rtlCol="0" anchor="ctr"/>
+            <a:lstStyle/>
+            <a:p>
+              <a:pPr algn="ctr"/>
+              <a:endParaRPr lang="en-GB"/>
+            </a:p>
+          </p:txBody>
+        </p:sp>
+        <p:cxnSp>
+          <p:nvCxnSpPr>
+            <p:cNvPr id="79" name="Straight Connector 78">
+              <a:extLst>
+                <a:ext uri="{FF2B5EF4-FFF2-40B4-BE49-F238E27FC236}">
+                  <a16:creationId xmlns:a16="http://schemas.microsoft.com/office/drawing/2014/main" id="{641D8B40-20D6-BD5E-BF8B-DEFA29E64A13}"/>
+                </a:ext>
+              </a:extLst>
+            </p:cNvPr>
+            <p:cNvCxnSpPr>
+              <a:cxnSpLocks/>
+              <a:endCxn id="80" idx="2"/>
+            </p:cNvCxnSpPr>
+            <p:nvPr/>
+          </p:nvCxnSpPr>
+          <p:spPr>
+            <a:xfrm flipH="1">
+              <a:off x="1902924" y="1972255"/>
+              <a:ext cx="257175" cy="1"/>
+            </a:xfrm>
+            <a:prstGeom prst="line">
+              <a:avLst/>
+            </a:prstGeom>
+          </p:spPr>
+          <p:style>
+            <a:lnRef idx="2">
+              <a:schemeClr val="dk1"/>
+            </a:lnRef>
+            <a:fillRef idx="1">
+              <a:schemeClr val="lt1"/>
+            </a:fillRef>
+            <a:effectRef idx="0">
+              <a:schemeClr val="dk1"/>
+            </a:effectRef>
+            <a:fontRef idx="minor">
+              <a:schemeClr val="dk1"/>
+            </a:fontRef>
+          </p:style>
+        </p:cxnSp>
+        <p:sp>
+          <p:nvSpPr>
+            <p:cNvPr id="80" name="Oval 79">
+              <a:extLst>
+                <a:ext uri="{FF2B5EF4-FFF2-40B4-BE49-F238E27FC236}">
+                  <a16:creationId xmlns:a16="http://schemas.microsoft.com/office/drawing/2014/main" id="{63F3FC50-7146-F546-E35B-27FF2056CE3F}"/>
+                </a:ext>
+              </a:extLst>
+            </p:cNvPr>
+            <p:cNvSpPr/>
+            <p:nvPr/>
+          </p:nvSpPr>
+          <p:spPr>
+            <a:xfrm flipH="1">
+              <a:off x="1842599" y="1942093"/>
+              <a:ext cx="60325" cy="60325"/>
+            </a:xfrm>
+            <a:prstGeom prst="ellipse">
+              <a:avLst/>
+            </a:prstGeom>
+          </p:spPr>
+          <p:style>
+            <a:lnRef idx="2">
+              <a:schemeClr val="dk1"/>
+            </a:lnRef>
+            <a:fillRef idx="1">
+              <a:schemeClr val="lt1"/>
+            </a:fillRef>
+            <a:effectRef idx="0">
+              <a:schemeClr val="dk1"/>
+            </a:effectRef>
+            <a:fontRef idx="minor">
+              <a:schemeClr val="dk1"/>
+            </a:fontRef>
+          </p:style>
+          <p:txBody>
+            <a:bodyPr rtlCol="0" anchor="ctr"/>
+            <a:lstStyle/>
+            <a:p>
+              <a:pPr algn="ctr"/>
+              <a:endParaRPr lang="en-GB"/>
+            </a:p>
+          </p:txBody>
+        </p:sp>
+      </p:grpSp>
+      <p:grpSp>
+        <p:nvGrpSpPr>
+          <p:cNvPr id="81" name="Group 80">
+            <a:extLst>
+              <a:ext uri="{FF2B5EF4-FFF2-40B4-BE49-F238E27FC236}">
+                <a16:creationId xmlns:a16="http://schemas.microsoft.com/office/drawing/2014/main" id="{8C47BA54-48D3-ABE7-5EC9-77A59A2379D9}"/>
+              </a:ext>
+            </a:extLst>
+          </p:cNvPr>
+          <p:cNvGrpSpPr/>
+          <p:nvPr/>
+        </p:nvGrpSpPr>
+        <p:grpSpPr>
+          <a:xfrm>
+            <a:off x="2694058" y="2246541"/>
+            <a:ext cx="771525" cy="137915"/>
+            <a:chOff x="1388574" y="1864503"/>
+            <a:chExt cx="771525" cy="137915"/>
+          </a:xfrm>
+          <a:effectLst>
+            <a:outerShdw blurRad="50800" dist="38100" dir="2700000" algn="tl" rotWithShape="0">
+              <a:prstClr val="black">
+                <a:alpha val="40000"/>
+              </a:prstClr>
+            </a:outerShdw>
+          </a:effectLst>
+        </p:grpSpPr>
+        <p:cxnSp>
+          <p:nvCxnSpPr>
+            <p:cNvPr id="82" name="Straight Connector 81">
+              <a:extLst>
+                <a:ext uri="{FF2B5EF4-FFF2-40B4-BE49-F238E27FC236}">
+                  <a16:creationId xmlns:a16="http://schemas.microsoft.com/office/drawing/2014/main" id="{FC238603-7F4E-8B86-1DCB-106005974E81}"/>
+                </a:ext>
+              </a:extLst>
+            </p:cNvPr>
+            <p:cNvCxnSpPr>
+              <a:cxnSpLocks/>
+            </p:cNvCxnSpPr>
+            <p:nvPr/>
+          </p:nvCxnSpPr>
+          <p:spPr>
+            <a:xfrm>
+              <a:off x="1680427" y="1864503"/>
+              <a:ext cx="178817" cy="103240"/>
+            </a:xfrm>
+            <a:prstGeom prst="line">
+              <a:avLst/>
+            </a:prstGeom>
+            <a:ln w="25400" cap="flat">
+              <a:miter lim="800000"/>
+            </a:ln>
+          </p:spPr>
+          <p:style>
+            <a:lnRef idx="1">
+              <a:schemeClr val="dk1"/>
+            </a:lnRef>
+            <a:fillRef idx="0">
+              <a:schemeClr val="dk1"/>
+            </a:fillRef>
+            <a:effectRef idx="0">
+              <a:schemeClr val="dk1"/>
+            </a:effectRef>
+            <a:fontRef idx="minor">
+              <a:schemeClr val="tx1"/>
+            </a:fontRef>
+          </p:style>
+        </p:cxnSp>
+        <p:cxnSp>
+          <p:nvCxnSpPr>
+            <p:cNvPr id="83" name="Straight Connector 82">
+              <a:extLst>
+                <a:ext uri="{FF2B5EF4-FFF2-40B4-BE49-F238E27FC236}">
+                  <a16:creationId xmlns:a16="http://schemas.microsoft.com/office/drawing/2014/main" id="{98C6BC10-3AB7-61E2-EF8C-23FF447C57CE}"/>
+                </a:ext>
+              </a:extLst>
+            </p:cNvPr>
+            <p:cNvCxnSpPr>
+              <a:cxnSpLocks/>
+              <a:endCxn id="84" idx="2"/>
+            </p:cNvCxnSpPr>
+            <p:nvPr/>
+          </p:nvCxnSpPr>
+          <p:spPr>
+            <a:xfrm>
+              <a:off x="1388574" y="1972255"/>
+              <a:ext cx="257175" cy="1"/>
+            </a:xfrm>
+            <a:prstGeom prst="line">
+              <a:avLst/>
+            </a:prstGeom>
+          </p:spPr>
+          <p:style>
+            <a:lnRef idx="2">
+              <a:schemeClr val="dk1"/>
+            </a:lnRef>
+            <a:fillRef idx="1">
+              <a:schemeClr val="lt1"/>
+            </a:fillRef>
+            <a:effectRef idx="0">
+              <a:schemeClr val="dk1"/>
+            </a:effectRef>
+            <a:fontRef idx="minor">
+              <a:schemeClr val="dk1"/>
+            </a:fontRef>
+          </p:style>
+        </p:cxnSp>
+        <p:sp>
+          <p:nvSpPr>
+            <p:cNvPr id="84" name="Oval 83">
+              <a:extLst>
+                <a:ext uri="{FF2B5EF4-FFF2-40B4-BE49-F238E27FC236}">
+                  <a16:creationId xmlns:a16="http://schemas.microsoft.com/office/drawing/2014/main" id="{C82C329F-F7AF-8385-41AC-F5A01CCC1C98}"/>
+                </a:ext>
+              </a:extLst>
+            </p:cNvPr>
+            <p:cNvSpPr/>
+            <p:nvPr/>
+          </p:nvSpPr>
+          <p:spPr>
+            <a:xfrm>
+              <a:off x="1645749" y="1942093"/>
+              <a:ext cx="60325" cy="60325"/>
+            </a:xfrm>
+            <a:prstGeom prst="ellipse">
+              <a:avLst/>
+            </a:prstGeom>
+          </p:spPr>
+          <p:style>
+            <a:lnRef idx="2">
+              <a:schemeClr val="dk1"/>
+            </a:lnRef>
+            <a:fillRef idx="1">
+              <a:schemeClr val="lt1"/>
+            </a:fillRef>
+            <a:effectRef idx="0">
+              <a:schemeClr val="dk1"/>
+            </a:effectRef>
+            <a:fontRef idx="minor">
+              <a:schemeClr val="dk1"/>
+            </a:fontRef>
+          </p:style>
+          <p:txBody>
+            <a:bodyPr rtlCol="0" anchor="ctr"/>
+            <a:lstStyle/>
+            <a:p>
+              <a:pPr algn="ctr"/>
+              <a:endParaRPr lang="en-GB"/>
+            </a:p>
+          </p:txBody>
+        </p:sp>
+        <p:cxnSp>
+          <p:nvCxnSpPr>
+            <p:cNvPr id="85" name="Straight Connector 84">
+              <a:extLst>
+                <a:ext uri="{FF2B5EF4-FFF2-40B4-BE49-F238E27FC236}">
+                  <a16:creationId xmlns:a16="http://schemas.microsoft.com/office/drawing/2014/main" id="{4F205B98-BB46-08F6-6E1B-0030F9051E11}"/>
+                </a:ext>
+              </a:extLst>
+            </p:cNvPr>
+            <p:cNvCxnSpPr>
+              <a:cxnSpLocks/>
+              <a:endCxn id="86" idx="2"/>
+            </p:cNvCxnSpPr>
+            <p:nvPr/>
+          </p:nvCxnSpPr>
+          <p:spPr>
+            <a:xfrm flipH="1">
+              <a:off x="1902924" y="1972255"/>
+              <a:ext cx="257175" cy="1"/>
+            </a:xfrm>
+            <a:prstGeom prst="line">
+              <a:avLst/>
+            </a:prstGeom>
+          </p:spPr>
+          <p:style>
+            <a:lnRef idx="2">
+              <a:schemeClr val="dk1"/>
+            </a:lnRef>
+            <a:fillRef idx="1">
+              <a:schemeClr val="lt1"/>
+            </a:fillRef>
+            <a:effectRef idx="0">
+              <a:schemeClr val="dk1"/>
+            </a:effectRef>
+            <a:fontRef idx="minor">
+              <a:schemeClr val="dk1"/>
+            </a:fontRef>
+          </p:style>
+        </p:cxnSp>
+        <p:sp>
+          <p:nvSpPr>
+            <p:cNvPr id="86" name="Oval 85">
+              <a:extLst>
+                <a:ext uri="{FF2B5EF4-FFF2-40B4-BE49-F238E27FC236}">
+                  <a16:creationId xmlns:a16="http://schemas.microsoft.com/office/drawing/2014/main" id="{1A45DE95-1A1A-55D4-0770-295C916A7B95}"/>
+                </a:ext>
+              </a:extLst>
+            </p:cNvPr>
+            <p:cNvSpPr/>
+            <p:nvPr/>
+          </p:nvSpPr>
+          <p:spPr>
+            <a:xfrm flipH="1">
+              <a:off x="1842599" y="1942093"/>
+              <a:ext cx="60325" cy="60325"/>
+            </a:xfrm>
+            <a:prstGeom prst="ellipse">
+              <a:avLst/>
+            </a:prstGeom>
+          </p:spPr>
+          <p:style>
+            <a:lnRef idx="2">
+              <a:schemeClr val="dk1"/>
+            </a:lnRef>
+            <a:fillRef idx="1">
+              <a:schemeClr val="lt1"/>
+            </a:fillRef>
+            <a:effectRef idx="0">
+              <a:schemeClr val="dk1"/>
+            </a:effectRef>
+            <a:fontRef idx="minor">
+              <a:schemeClr val="dk1"/>
+            </a:fontRef>
+          </p:style>
+          <p:txBody>
+            <a:bodyPr rtlCol="0" anchor="ctr"/>
+            <a:lstStyle/>
+            <a:p>
+              <a:pPr algn="ctr"/>
+              <a:endParaRPr lang="en-GB"/>
+            </a:p>
+          </p:txBody>
+        </p:sp>
+      </p:grpSp>
+      <p:grpSp>
+        <p:nvGrpSpPr>
+          <p:cNvPr id="87" name="Group 86">
+            <a:extLst>
+              <a:ext uri="{FF2B5EF4-FFF2-40B4-BE49-F238E27FC236}">
+                <a16:creationId xmlns:a16="http://schemas.microsoft.com/office/drawing/2014/main" id="{7C93E9C9-32D9-2912-CC08-959B46356707}"/>
+              </a:ext>
+            </a:extLst>
+          </p:cNvPr>
+          <p:cNvGrpSpPr/>
+          <p:nvPr/>
+        </p:nvGrpSpPr>
+        <p:grpSpPr>
+          <a:xfrm>
+            <a:off x="2691190" y="2575544"/>
+            <a:ext cx="771525" cy="137915"/>
+            <a:chOff x="1388574" y="1864503"/>
+            <a:chExt cx="771525" cy="137915"/>
+          </a:xfrm>
+          <a:effectLst>
+            <a:outerShdw blurRad="50800" dist="38100" dir="2700000" algn="tl" rotWithShape="0">
+              <a:prstClr val="black">
+                <a:alpha val="40000"/>
+              </a:prstClr>
+            </a:outerShdw>
+          </a:effectLst>
+        </p:grpSpPr>
+        <p:cxnSp>
+          <p:nvCxnSpPr>
+            <p:cNvPr id="88" name="Straight Connector 87">
+              <a:extLst>
+                <a:ext uri="{FF2B5EF4-FFF2-40B4-BE49-F238E27FC236}">
+                  <a16:creationId xmlns:a16="http://schemas.microsoft.com/office/drawing/2014/main" id="{B39D5AA6-1D7A-3B8C-710C-AE33A00FAFE0}"/>
+                </a:ext>
+              </a:extLst>
+            </p:cNvPr>
+            <p:cNvCxnSpPr>
+              <a:cxnSpLocks/>
+            </p:cNvCxnSpPr>
+            <p:nvPr/>
+          </p:nvCxnSpPr>
+          <p:spPr>
+            <a:xfrm>
+              <a:off x="1680427" y="1864503"/>
+              <a:ext cx="178817" cy="103240"/>
+            </a:xfrm>
+            <a:prstGeom prst="line">
+              <a:avLst/>
+            </a:prstGeom>
+            <a:ln w="25400" cap="flat">
+              <a:miter lim="800000"/>
+            </a:ln>
+          </p:spPr>
+          <p:style>
+            <a:lnRef idx="1">
+              <a:schemeClr val="dk1"/>
+            </a:lnRef>
+            <a:fillRef idx="0">
+              <a:schemeClr val="dk1"/>
+            </a:fillRef>
+            <a:effectRef idx="0">
+              <a:schemeClr val="dk1"/>
+            </a:effectRef>
+            <a:fontRef idx="minor">
+              <a:schemeClr val="tx1"/>
+            </a:fontRef>
+          </p:style>
+        </p:cxnSp>
+        <p:cxnSp>
+          <p:nvCxnSpPr>
+            <p:cNvPr id="89" name="Straight Connector 88">
+              <a:extLst>
+                <a:ext uri="{FF2B5EF4-FFF2-40B4-BE49-F238E27FC236}">
+                  <a16:creationId xmlns:a16="http://schemas.microsoft.com/office/drawing/2014/main" id="{478B3121-E47E-C911-836B-5DAD8E8174C6}"/>
+                </a:ext>
+              </a:extLst>
+            </p:cNvPr>
+            <p:cNvCxnSpPr>
+              <a:cxnSpLocks/>
+              <a:endCxn id="90" idx="2"/>
+            </p:cNvCxnSpPr>
+            <p:nvPr/>
+          </p:nvCxnSpPr>
+          <p:spPr>
+            <a:xfrm>
+              <a:off x="1388574" y="1972255"/>
+              <a:ext cx="257175" cy="1"/>
+            </a:xfrm>
+            <a:prstGeom prst="line">
+              <a:avLst/>
+            </a:prstGeom>
+          </p:spPr>
+          <p:style>
+            <a:lnRef idx="2">
+              <a:schemeClr val="dk1"/>
+            </a:lnRef>
+            <a:fillRef idx="1">
+              <a:schemeClr val="lt1"/>
+            </a:fillRef>
+            <a:effectRef idx="0">
+              <a:schemeClr val="dk1"/>
+            </a:effectRef>
+            <a:fontRef idx="minor">
+              <a:schemeClr val="dk1"/>
+            </a:fontRef>
+          </p:style>
+        </p:cxnSp>
+        <p:sp>
+          <p:nvSpPr>
+            <p:cNvPr id="90" name="Oval 89">
+              <a:extLst>
+                <a:ext uri="{FF2B5EF4-FFF2-40B4-BE49-F238E27FC236}">
+                  <a16:creationId xmlns:a16="http://schemas.microsoft.com/office/drawing/2014/main" id="{EAE47631-4E5C-560A-8AA6-E73511B77EB4}"/>
+                </a:ext>
+              </a:extLst>
+            </p:cNvPr>
+            <p:cNvSpPr/>
+            <p:nvPr/>
+          </p:nvSpPr>
+          <p:spPr>
+            <a:xfrm>
+              <a:off x="1645749" y="1942093"/>
+              <a:ext cx="60325" cy="60325"/>
+            </a:xfrm>
+            <a:prstGeom prst="ellipse">
+              <a:avLst/>
+            </a:prstGeom>
+          </p:spPr>
+          <p:style>
+            <a:lnRef idx="2">
+              <a:schemeClr val="dk1"/>
+            </a:lnRef>
+            <a:fillRef idx="1">
+              <a:schemeClr val="lt1"/>
+            </a:fillRef>
+            <a:effectRef idx="0">
+              <a:schemeClr val="dk1"/>
+            </a:effectRef>
+            <a:fontRef idx="minor">
+              <a:schemeClr val="dk1"/>
+            </a:fontRef>
+          </p:style>
+          <p:txBody>
+            <a:bodyPr rtlCol="0" anchor="ctr"/>
+            <a:lstStyle/>
+            <a:p>
+              <a:pPr algn="ctr"/>
+              <a:endParaRPr lang="en-GB"/>
+            </a:p>
+          </p:txBody>
+        </p:sp>
+        <p:cxnSp>
+          <p:nvCxnSpPr>
+            <p:cNvPr id="91" name="Straight Connector 90">
+              <a:extLst>
+                <a:ext uri="{FF2B5EF4-FFF2-40B4-BE49-F238E27FC236}">
+                  <a16:creationId xmlns:a16="http://schemas.microsoft.com/office/drawing/2014/main" id="{FAA7AB81-A697-0006-AF0E-2BC7B7379693}"/>
+                </a:ext>
+              </a:extLst>
+            </p:cNvPr>
+            <p:cNvCxnSpPr>
+              <a:cxnSpLocks/>
+              <a:endCxn id="92" idx="2"/>
+            </p:cNvCxnSpPr>
+            <p:nvPr/>
+          </p:nvCxnSpPr>
+          <p:spPr>
+            <a:xfrm flipH="1">
+              <a:off x="1902924" y="1972255"/>
+              <a:ext cx="257175" cy="1"/>
+            </a:xfrm>
+            <a:prstGeom prst="line">
+              <a:avLst/>
+            </a:prstGeom>
+          </p:spPr>
+          <p:style>
+            <a:lnRef idx="2">
+              <a:schemeClr val="dk1"/>
+            </a:lnRef>
+            <a:fillRef idx="1">
+              <a:schemeClr val="lt1"/>
+            </a:fillRef>
+            <a:effectRef idx="0">
+              <a:schemeClr val="dk1"/>
+            </a:effectRef>
+            <a:fontRef idx="minor">
+              <a:schemeClr val="dk1"/>
+            </a:fontRef>
+          </p:style>
+        </p:cxnSp>
+        <p:sp>
+          <p:nvSpPr>
+            <p:cNvPr id="92" name="Oval 91">
+              <a:extLst>
+                <a:ext uri="{FF2B5EF4-FFF2-40B4-BE49-F238E27FC236}">
+                  <a16:creationId xmlns:a16="http://schemas.microsoft.com/office/drawing/2014/main" id="{DE438E25-BA1D-CFAB-47FE-75F495ADFDB7}"/>
+                </a:ext>
+              </a:extLst>
+            </p:cNvPr>
+            <p:cNvSpPr/>
+            <p:nvPr/>
+          </p:nvSpPr>
+          <p:spPr>
+            <a:xfrm flipH="1">
+              <a:off x="1842599" y="1942093"/>
+              <a:ext cx="60325" cy="60325"/>
+            </a:xfrm>
+            <a:prstGeom prst="ellipse">
+              <a:avLst/>
+            </a:prstGeom>
+          </p:spPr>
+          <p:style>
+            <a:lnRef idx="2">
+              <a:schemeClr val="dk1"/>
+            </a:lnRef>
+            <a:fillRef idx="1">
+              <a:schemeClr val="lt1"/>
+            </a:fillRef>
+            <a:effectRef idx="0">
+              <a:schemeClr val="dk1"/>
+            </a:effectRef>
+            <a:fontRef idx="minor">
+              <a:schemeClr val="dk1"/>
+            </a:fontRef>
+          </p:style>
+          <p:txBody>
+            <a:bodyPr rtlCol="0" anchor="ctr"/>
+            <a:lstStyle/>
+            <a:p>
+              <a:pPr algn="ctr"/>
+              <a:endParaRPr lang="en-GB"/>
+            </a:p>
+          </p:txBody>
+        </p:sp>
+      </p:grpSp>
+      <p:cxnSp>
+        <p:nvCxnSpPr>
+          <p:cNvPr id="93" name="Straight Connector 92">
+            <a:extLst>
+              <a:ext uri="{FF2B5EF4-FFF2-40B4-BE49-F238E27FC236}">
+                <a16:creationId xmlns:a16="http://schemas.microsoft.com/office/drawing/2014/main" id="{EC32D394-B1A0-53F5-5498-1D710D168BE6}"/>
+              </a:ext>
+            </a:extLst>
+          </p:cNvPr>
+          <p:cNvCxnSpPr>
+            <a:cxnSpLocks/>
+          </p:cNvCxnSpPr>
+          <p:nvPr/>
+        </p:nvCxnSpPr>
+        <p:spPr>
+          <a:xfrm>
+            <a:off x="3466197" y="1696284"/>
+            <a:ext cx="0" cy="982500"/>
+          </a:xfrm>
+          <a:prstGeom prst="line">
+            <a:avLst/>
+          </a:prstGeom>
+          <a:effectLst>
+            <a:outerShdw blurRad="50800" dist="38100" dir="2700000" algn="tl" rotWithShape="0">
+              <a:prstClr val="black">
+                <a:alpha val="40000"/>
+              </a:prstClr>
+            </a:outerShdw>
+          </a:effectLst>
+        </p:spPr>
+        <p:style>
+          <a:lnRef idx="3">
+            <a:schemeClr val="dk1"/>
+          </a:lnRef>
+          <a:fillRef idx="0">
+            <a:schemeClr val="dk1"/>
+          </a:fillRef>
+          <a:effectRef idx="2">
+            <a:schemeClr val="dk1"/>
+          </a:effectRef>
+          <a:fontRef idx="minor">
+            <a:schemeClr val="tx1"/>
+          </a:fontRef>
+        </p:style>
+      </p:cxnSp>
+      <p:cxnSp>
+        <p:nvCxnSpPr>
+          <p:cNvPr id="100" name="Straight Connector 99">
+            <a:extLst>
+              <a:ext uri="{FF2B5EF4-FFF2-40B4-BE49-F238E27FC236}">
+                <a16:creationId xmlns:a16="http://schemas.microsoft.com/office/drawing/2014/main" id="{479D3129-7FA7-D8ED-663E-28ACAB29E837}"/>
+              </a:ext>
+            </a:extLst>
+          </p:cNvPr>
+          <p:cNvCxnSpPr>
+            <a:cxnSpLocks/>
+          </p:cNvCxnSpPr>
+          <p:nvPr/>
+        </p:nvCxnSpPr>
+        <p:spPr>
+          <a:xfrm flipH="1">
+            <a:off x="5539723" y="2971965"/>
+            <a:ext cx="289275" cy="0"/>
+          </a:xfrm>
+          <a:prstGeom prst="line">
+            <a:avLst/>
+          </a:prstGeom>
+          <a:effectLst>
+            <a:outerShdw blurRad="50800" dist="38100" dir="2700000" algn="tl" rotWithShape="0">
+              <a:prstClr val="black">
+                <a:alpha val="40000"/>
+              </a:prstClr>
+            </a:outerShdw>
+          </a:effectLst>
+        </p:spPr>
+        <p:style>
+          <a:lnRef idx="3">
+            <a:schemeClr val="dk1"/>
+          </a:lnRef>
+          <a:fillRef idx="0">
+            <a:schemeClr val="dk1"/>
+          </a:fillRef>
+          <a:effectRef idx="2">
+            <a:schemeClr val="dk1"/>
+          </a:effectRef>
+          <a:fontRef idx="minor">
+            <a:schemeClr val="tx1"/>
+          </a:fontRef>
+        </p:style>
+      </p:cxnSp>
+      <p:cxnSp>
+        <p:nvCxnSpPr>
+          <p:cNvPr id="101" name="Straight Connector 100">
+            <a:extLst>
+              <a:ext uri="{FF2B5EF4-FFF2-40B4-BE49-F238E27FC236}">
+                <a16:creationId xmlns:a16="http://schemas.microsoft.com/office/drawing/2014/main" id="{8F400C64-1C6D-6B62-7C53-0B94BA2C5141}"/>
+              </a:ext>
+            </a:extLst>
+          </p:cNvPr>
+          <p:cNvCxnSpPr>
+            <a:cxnSpLocks/>
+          </p:cNvCxnSpPr>
+          <p:nvPr/>
+        </p:nvCxnSpPr>
+        <p:spPr>
+          <a:xfrm flipH="1">
+            <a:off x="5541310" y="3071289"/>
+            <a:ext cx="287688" cy="0"/>
+          </a:xfrm>
+          <a:prstGeom prst="line">
+            <a:avLst/>
+          </a:prstGeom>
+          <a:effectLst>
+            <a:outerShdw blurRad="50800" dist="38100" dir="2700000" algn="tl" rotWithShape="0">
+              <a:prstClr val="black">
+                <a:alpha val="40000"/>
+              </a:prstClr>
+            </a:outerShdw>
+          </a:effectLst>
+        </p:spPr>
+        <p:style>
+          <a:lnRef idx="3">
+            <a:schemeClr val="dk1"/>
+          </a:lnRef>
+          <a:fillRef idx="0">
+            <a:schemeClr val="dk1"/>
+          </a:fillRef>
+          <a:effectRef idx="2">
+            <a:schemeClr val="dk1"/>
+          </a:effectRef>
+          <a:fontRef idx="minor">
+            <a:schemeClr val="tx1"/>
+          </a:fontRef>
+        </p:style>
+      </p:cxnSp>
+      <p:grpSp>
+        <p:nvGrpSpPr>
+          <p:cNvPr id="96" name="Group 95">
+            <a:extLst>
+              <a:ext uri="{FF2B5EF4-FFF2-40B4-BE49-F238E27FC236}">
+                <a16:creationId xmlns:a16="http://schemas.microsoft.com/office/drawing/2014/main" id="{B5E47185-A2CA-F2D1-3EB0-57083C1A4125}"/>
+              </a:ext>
+            </a:extLst>
+          </p:cNvPr>
+          <p:cNvGrpSpPr/>
+          <p:nvPr/>
+        </p:nvGrpSpPr>
+        <p:grpSpPr>
+          <a:xfrm>
+            <a:off x="5753682" y="2908213"/>
+            <a:ext cx="387461" cy="241300"/>
+            <a:chOff x="7023410" y="1876718"/>
+            <a:chExt cx="387461" cy="241300"/>
+          </a:xfrm>
+          <a:solidFill>
+            <a:schemeClr val="bg1"/>
+          </a:solidFill>
+          <a:effectLst>
+            <a:outerShdw blurRad="50800" dist="38100" dir="2700000" algn="tl" rotWithShape="0">
+              <a:prstClr val="black">
+                <a:alpha val="40000"/>
+              </a:prstClr>
+            </a:outerShdw>
+          </a:effectLst>
+        </p:grpSpPr>
+        <p:sp>
+          <p:nvSpPr>
+            <p:cNvPr id="97" name="Flowchart: Delay 18">
+              <a:extLst>
+                <a:ext uri="{FF2B5EF4-FFF2-40B4-BE49-F238E27FC236}">
+                  <a16:creationId xmlns:a16="http://schemas.microsoft.com/office/drawing/2014/main" id="{026659EB-3C4D-4155-BEE9-D4DCDE2409CC}"/>
+                </a:ext>
+              </a:extLst>
+            </p:cNvPr>
+            <p:cNvSpPr/>
+            <p:nvPr/>
+          </p:nvSpPr>
+          <p:spPr>
+            <a:xfrm>
+              <a:off x="7023410" y="1876718"/>
+              <a:ext cx="342056" cy="241300"/>
+            </a:xfrm>
+            <a:custGeom>
+              <a:avLst/>
+              <a:gdLst>
+                <a:gd name="connsiteX0" fmla="*/ 0 w 340158"/>
+                <a:gd name="connsiteY0" fmla="*/ 0 h 241300"/>
+                <a:gd name="connsiteX1" fmla="*/ 170079 w 340158"/>
+                <a:gd name="connsiteY1" fmla="*/ 0 h 241300"/>
+                <a:gd name="connsiteX2" fmla="*/ 340158 w 340158"/>
+                <a:gd name="connsiteY2" fmla="*/ 120650 h 241300"/>
+                <a:gd name="connsiteX3" fmla="*/ 170079 w 340158"/>
+                <a:gd name="connsiteY3" fmla="*/ 241300 h 241300"/>
+                <a:gd name="connsiteX4" fmla="*/ 0 w 340158"/>
+                <a:gd name="connsiteY4" fmla="*/ 241300 h 241300"/>
+                <a:gd name="connsiteX5" fmla="*/ 0 w 340158"/>
+                <a:gd name="connsiteY5" fmla="*/ 0 h 241300"/>
+                <a:gd name="connsiteX0" fmla="*/ 2427 w 342585"/>
+                <a:gd name="connsiteY0" fmla="*/ 0 h 241300"/>
+                <a:gd name="connsiteX1" fmla="*/ 0 w 342585"/>
+                <a:gd name="connsiteY1" fmla="*/ 529 h 241300"/>
+                <a:gd name="connsiteX2" fmla="*/ 172506 w 342585"/>
+                <a:gd name="connsiteY2" fmla="*/ 0 h 241300"/>
+                <a:gd name="connsiteX3" fmla="*/ 342585 w 342585"/>
+                <a:gd name="connsiteY3" fmla="*/ 120650 h 241300"/>
+                <a:gd name="connsiteX4" fmla="*/ 172506 w 342585"/>
+                <a:gd name="connsiteY4" fmla="*/ 241300 h 241300"/>
+                <a:gd name="connsiteX5" fmla="*/ 2427 w 342585"/>
+                <a:gd name="connsiteY5" fmla="*/ 241300 h 241300"/>
+                <a:gd name="connsiteX6" fmla="*/ 2427 w 342585"/>
+                <a:gd name="connsiteY6" fmla="*/ 0 h 241300"/>
+                <a:gd name="connsiteX0" fmla="*/ 46877 w 342585"/>
+                <a:gd name="connsiteY0" fmla="*/ 115887 h 241300"/>
+                <a:gd name="connsiteX1" fmla="*/ 0 w 342585"/>
+                <a:gd name="connsiteY1" fmla="*/ 529 h 241300"/>
+                <a:gd name="connsiteX2" fmla="*/ 172506 w 342585"/>
+                <a:gd name="connsiteY2" fmla="*/ 0 h 241300"/>
+                <a:gd name="connsiteX3" fmla="*/ 342585 w 342585"/>
+                <a:gd name="connsiteY3" fmla="*/ 120650 h 241300"/>
+                <a:gd name="connsiteX4" fmla="*/ 172506 w 342585"/>
+                <a:gd name="connsiteY4" fmla="*/ 241300 h 241300"/>
+                <a:gd name="connsiteX5" fmla="*/ 2427 w 342585"/>
+                <a:gd name="connsiteY5" fmla="*/ 241300 h 241300"/>
+                <a:gd name="connsiteX6" fmla="*/ 46877 w 342585"/>
+                <a:gd name="connsiteY6" fmla="*/ 115887 h 241300"/>
+                <a:gd name="connsiteX0" fmla="*/ 50908 w 346616"/>
+                <a:gd name="connsiteY0" fmla="*/ 115887 h 241300"/>
+                <a:gd name="connsiteX1" fmla="*/ 4031 w 346616"/>
+                <a:gd name="connsiteY1" fmla="*/ 529 h 241300"/>
+                <a:gd name="connsiteX2" fmla="*/ 176537 w 346616"/>
+                <a:gd name="connsiteY2" fmla="*/ 0 h 241300"/>
+                <a:gd name="connsiteX3" fmla="*/ 346616 w 346616"/>
+                <a:gd name="connsiteY3" fmla="*/ 120650 h 241300"/>
+                <a:gd name="connsiteX4" fmla="*/ 176537 w 346616"/>
+                <a:gd name="connsiteY4" fmla="*/ 241300 h 241300"/>
+                <a:gd name="connsiteX5" fmla="*/ 6458 w 346616"/>
+                <a:gd name="connsiteY5" fmla="*/ 241300 h 241300"/>
+                <a:gd name="connsiteX6" fmla="*/ 50908 w 346616"/>
+                <a:gd name="connsiteY6" fmla="*/ 115887 h 241300"/>
+                <a:gd name="connsiteX0" fmla="*/ 50908 w 346616"/>
+                <a:gd name="connsiteY0" fmla="*/ 115887 h 241300"/>
+                <a:gd name="connsiteX1" fmla="*/ 4031 w 346616"/>
+                <a:gd name="connsiteY1" fmla="*/ 529 h 241300"/>
+                <a:gd name="connsiteX2" fmla="*/ 176537 w 346616"/>
+                <a:gd name="connsiteY2" fmla="*/ 0 h 241300"/>
+                <a:gd name="connsiteX3" fmla="*/ 346616 w 346616"/>
+                <a:gd name="connsiteY3" fmla="*/ 120650 h 241300"/>
+                <a:gd name="connsiteX4" fmla="*/ 176537 w 346616"/>
+                <a:gd name="connsiteY4" fmla="*/ 241300 h 241300"/>
+                <a:gd name="connsiteX5" fmla="*/ 6458 w 346616"/>
+                <a:gd name="connsiteY5" fmla="*/ 241300 h 241300"/>
+                <a:gd name="connsiteX6" fmla="*/ 50908 w 346616"/>
+                <a:gd name="connsiteY6" fmla="*/ 115887 h 241300"/>
+                <a:gd name="connsiteX0" fmla="*/ 50908 w 346616"/>
+                <a:gd name="connsiteY0" fmla="*/ 115887 h 241300"/>
+                <a:gd name="connsiteX1" fmla="*/ 4031 w 346616"/>
+                <a:gd name="connsiteY1" fmla="*/ 529 h 241300"/>
+                <a:gd name="connsiteX2" fmla="*/ 176537 w 346616"/>
+                <a:gd name="connsiteY2" fmla="*/ 0 h 241300"/>
+                <a:gd name="connsiteX3" fmla="*/ 346616 w 346616"/>
+                <a:gd name="connsiteY3" fmla="*/ 120650 h 241300"/>
+                <a:gd name="connsiteX4" fmla="*/ 176537 w 346616"/>
+                <a:gd name="connsiteY4" fmla="*/ 241300 h 241300"/>
+                <a:gd name="connsiteX5" fmla="*/ 6458 w 346616"/>
+                <a:gd name="connsiteY5" fmla="*/ 241300 h 241300"/>
+                <a:gd name="connsiteX6" fmla="*/ 50908 w 346616"/>
+                <a:gd name="connsiteY6" fmla="*/ 115887 h 241300"/>
+                <a:gd name="connsiteX0" fmla="*/ 46877 w 342585"/>
+                <a:gd name="connsiteY0" fmla="*/ 115887 h 241300"/>
+                <a:gd name="connsiteX1" fmla="*/ 0 w 342585"/>
+                <a:gd name="connsiteY1" fmla="*/ 529 h 241300"/>
+                <a:gd name="connsiteX2" fmla="*/ 172506 w 342585"/>
+                <a:gd name="connsiteY2" fmla="*/ 0 h 241300"/>
+                <a:gd name="connsiteX3" fmla="*/ 342585 w 342585"/>
+                <a:gd name="connsiteY3" fmla="*/ 120650 h 241300"/>
+                <a:gd name="connsiteX4" fmla="*/ 172506 w 342585"/>
+                <a:gd name="connsiteY4" fmla="*/ 241300 h 241300"/>
+                <a:gd name="connsiteX5" fmla="*/ 2427 w 342585"/>
+                <a:gd name="connsiteY5" fmla="*/ 241300 h 241300"/>
+                <a:gd name="connsiteX6" fmla="*/ 46877 w 342585"/>
+                <a:gd name="connsiteY6" fmla="*/ 115887 h 241300"/>
+                <a:gd name="connsiteX0" fmla="*/ 46877 w 342585"/>
+                <a:gd name="connsiteY0" fmla="*/ 115887 h 241300"/>
+                <a:gd name="connsiteX1" fmla="*/ 0 w 342585"/>
+                <a:gd name="connsiteY1" fmla="*/ 529 h 241300"/>
+                <a:gd name="connsiteX2" fmla="*/ 172506 w 342585"/>
+                <a:gd name="connsiteY2" fmla="*/ 0 h 241300"/>
+                <a:gd name="connsiteX3" fmla="*/ 342585 w 342585"/>
+                <a:gd name="connsiteY3" fmla="*/ 120650 h 241300"/>
+                <a:gd name="connsiteX4" fmla="*/ 172506 w 342585"/>
+                <a:gd name="connsiteY4" fmla="*/ 241300 h 241300"/>
+                <a:gd name="connsiteX5" fmla="*/ 2427 w 342585"/>
+                <a:gd name="connsiteY5" fmla="*/ 241300 h 241300"/>
+                <a:gd name="connsiteX6" fmla="*/ 46877 w 342585"/>
+                <a:gd name="connsiteY6" fmla="*/ 115887 h 241300"/>
+                <a:gd name="connsiteX0" fmla="*/ 46877 w 342585"/>
+                <a:gd name="connsiteY0" fmla="*/ 115887 h 241300"/>
+                <a:gd name="connsiteX1" fmla="*/ 0 w 342585"/>
+                <a:gd name="connsiteY1" fmla="*/ 529 h 241300"/>
+                <a:gd name="connsiteX2" fmla="*/ 172506 w 342585"/>
+                <a:gd name="connsiteY2" fmla="*/ 0 h 241300"/>
+                <a:gd name="connsiteX3" fmla="*/ 342585 w 342585"/>
+                <a:gd name="connsiteY3" fmla="*/ 120650 h 241300"/>
+                <a:gd name="connsiteX4" fmla="*/ 172506 w 342585"/>
+                <a:gd name="connsiteY4" fmla="*/ 241300 h 241300"/>
+                <a:gd name="connsiteX5" fmla="*/ 2427 w 342585"/>
+                <a:gd name="connsiteY5" fmla="*/ 241300 h 241300"/>
+                <a:gd name="connsiteX6" fmla="*/ 46877 w 342585"/>
+                <a:gd name="connsiteY6" fmla="*/ 115887 h 241300"/>
+                <a:gd name="connsiteX0" fmla="*/ 46877 w 342585"/>
+                <a:gd name="connsiteY0" fmla="*/ 115887 h 241300"/>
+                <a:gd name="connsiteX1" fmla="*/ 0 w 342585"/>
+                <a:gd name="connsiteY1" fmla="*/ 529 h 241300"/>
+                <a:gd name="connsiteX2" fmla="*/ 172506 w 342585"/>
+                <a:gd name="connsiteY2" fmla="*/ 0 h 241300"/>
+                <a:gd name="connsiteX3" fmla="*/ 342585 w 342585"/>
+                <a:gd name="connsiteY3" fmla="*/ 120650 h 241300"/>
+                <a:gd name="connsiteX4" fmla="*/ 172506 w 342585"/>
+                <a:gd name="connsiteY4" fmla="*/ 241300 h 241300"/>
+                <a:gd name="connsiteX5" fmla="*/ 2427 w 342585"/>
+                <a:gd name="connsiteY5" fmla="*/ 241300 h 241300"/>
+                <a:gd name="connsiteX6" fmla="*/ 46877 w 342585"/>
+                <a:gd name="connsiteY6" fmla="*/ 115887 h 241300"/>
+                <a:gd name="connsiteX0" fmla="*/ 56402 w 342585"/>
+                <a:gd name="connsiteY0" fmla="*/ 107949 h 241300"/>
+                <a:gd name="connsiteX1" fmla="*/ 0 w 342585"/>
+                <a:gd name="connsiteY1" fmla="*/ 529 h 241300"/>
+                <a:gd name="connsiteX2" fmla="*/ 172506 w 342585"/>
+                <a:gd name="connsiteY2" fmla="*/ 0 h 241300"/>
+                <a:gd name="connsiteX3" fmla="*/ 342585 w 342585"/>
+                <a:gd name="connsiteY3" fmla="*/ 120650 h 241300"/>
+                <a:gd name="connsiteX4" fmla="*/ 172506 w 342585"/>
+                <a:gd name="connsiteY4" fmla="*/ 241300 h 241300"/>
+                <a:gd name="connsiteX5" fmla="*/ 2427 w 342585"/>
+                <a:gd name="connsiteY5" fmla="*/ 241300 h 241300"/>
+                <a:gd name="connsiteX6" fmla="*/ 56402 w 342585"/>
+                <a:gd name="connsiteY6" fmla="*/ 107949 h 241300"/>
+                <a:gd name="connsiteX0" fmla="*/ 56402 w 342585"/>
+                <a:gd name="connsiteY0" fmla="*/ 107949 h 241300"/>
+                <a:gd name="connsiteX1" fmla="*/ 0 w 342585"/>
+                <a:gd name="connsiteY1" fmla="*/ 529 h 241300"/>
+                <a:gd name="connsiteX2" fmla="*/ 172506 w 342585"/>
+                <a:gd name="connsiteY2" fmla="*/ 0 h 241300"/>
+                <a:gd name="connsiteX3" fmla="*/ 342585 w 342585"/>
+                <a:gd name="connsiteY3" fmla="*/ 120650 h 241300"/>
+                <a:gd name="connsiteX4" fmla="*/ 172506 w 342585"/>
+                <a:gd name="connsiteY4" fmla="*/ 241300 h 241300"/>
+                <a:gd name="connsiteX5" fmla="*/ 2427 w 342585"/>
+                <a:gd name="connsiteY5" fmla="*/ 241300 h 241300"/>
+                <a:gd name="connsiteX6" fmla="*/ 56402 w 342585"/>
+                <a:gd name="connsiteY6" fmla="*/ 107949 h 241300"/>
+                <a:gd name="connsiteX0" fmla="*/ 56402 w 342585"/>
+                <a:gd name="connsiteY0" fmla="*/ 128587 h 241300"/>
+                <a:gd name="connsiteX1" fmla="*/ 0 w 342585"/>
+                <a:gd name="connsiteY1" fmla="*/ 529 h 241300"/>
+                <a:gd name="connsiteX2" fmla="*/ 172506 w 342585"/>
+                <a:gd name="connsiteY2" fmla="*/ 0 h 241300"/>
+                <a:gd name="connsiteX3" fmla="*/ 342585 w 342585"/>
+                <a:gd name="connsiteY3" fmla="*/ 120650 h 241300"/>
+                <a:gd name="connsiteX4" fmla="*/ 172506 w 342585"/>
+                <a:gd name="connsiteY4" fmla="*/ 241300 h 241300"/>
+                <a:gd name="connsiteX5" fmla="*/ 2427 w 342585"/>
+                <a:gd name="connsiteY5" fmla="*/ 241300 h 241300"/>
+                <a:gd name="connsiteX6" fmla="*/ 56402 w 342585"/>
+                <a:gd name="connsiteY6" fmla="*/ 128587 h 241300"/>
+                <a:gd name="connsiteX0" fmla="*/ 56402 w 342585"/>
+                <a:gd name="connsiteY0" fmla="*/ 128587 h 241300"/>
+                <a:gd name="connsiteX1" fmla="*/ 0 w 342585"/>
+                <a:gd name="connsiteY1" fmla="*/ 529 h 241300"/>
+                <a:gd name="connsiteX2" fmla="*/ 172506 w 342585"/>
+                <a:gd name="connsiteY2" fmla="*/ 0 h 241300"/>
+                <a:gd name="connsiteX3" fmla="*/ 342585 w 342585"/>
+                <a:gd name="connsiteY3" fmla="*/ 120650 h 241300"/>
+                <a:gd name="connsiteX4" fmla="*/ 172506 w 342585"/>
+                <a:gd name="connsiteY4" fmla="*/ 241300 h 241300"/>
+                <a:gd name="connsiteX5" fmla="*/ 2427 w 342585"/>
+                <a:gd name="connsiteY5" fmla="*/ 241300 h 241300"/>
+                <a:gd name="connsiteX6" fmla="*/ 56402 w 342585"/>
+                <a:gd name="connsiteY6" fmla="*/ 128587 h 241300"/>
+                <a:gd name="connsiteX0" fmla="*/ 56402 w 342585"/>
+                <a:gd name="connsiteY0" fmla="*/ 125412 h 241300"/>
+                <a:gd name="connsiteX1" fmla="*/ 0 w 342585"/>
+                <a:gd name="connsiteY1" fmla="*/ 529 h 241300"/>
+                <a:gd name="connsiteX2" fmla="*/ 172506 w 342585"/>
+                <a:gd name="connsiteY2" fmla="*/ 0 h 241300"/>
+                <a:gd name="connsiteX3" fmla="*/ 342585 w 342585"/>
+                <a:gd name="connsiteY3" fmla="*/ 120650 h 241300"/>
+                <a:gd name="connsiteX4" fmla="*/ 172506 w 342585"/>
+                <a:gd name="connsiteY4" fmla="*/ 241300 h 241300"/>
+                <a:gd name="connsiteX5" fmla="*/ 2427 w 342585"/>
+                <a:gd name="connsiteY5" fmla="*/ 241300 h 241300"/>
+                <a:gd name="connsiteX6" fmla="*/ 56402 w 342585"/>
+                <a:gd name="connsiteY6" fmla="*/ 125412 h 241300"/>
+                <a:gd name="connsiteX0" fmla="*/ 56402 w 346146"/>
+                <a:gd name="connsiteY0" fmla="*/ 125412 h 241300"/>
+                <a:gd name="connsiteX1" fmla="*/ 0 w 346146"/>
+                <a:gd name="connsiteY1" fmla="*/ 529 h 241300"/>
+                <a:gd name="connsiteX2" fmla="*/ 172506 w 346146"/>
+                <a:gd name="connsiteY2" fmla="*/ 0 h 241300"/>
+                <a:gd name="connsiteX3" fmla="*/ 342585 w 346146"/>
+                <a:gd name="connsiteY3" fmla="*/ 120650 h 241300"/>
+                <a:gd name="connsiteX4" fmla="*/ 172506 w 346146"/>
+                <a:gd name="connsiteY4" fmla="*/ 241300 h 241300"/>
+                <a:gd name="connsiteX5" fmla="*/ 2427 w 346146"/>
+                <a:gd name="connsiteY5" fmla="*/ 241300 h 241300"/>
+                <a:gd name="connsiteX6" fmla="*/ 56402 w 346146"/>
+                <a:gd name="connsiteY6" fmla="*/ 125412 h 241300"/>
+                <a:gd name="connsiteX0" fmla="*/ 56402 w 346146"/>
+                <a:gd name="connsiteY0" fmla="*/ 125412 h 241300"/>
+                <a:gd name="connsiteX1" fmla="*/ 0 w 346146"/>
+                <a:gd name="connsiteY1" fmla="*/ 529 h 241300"/>
+                <a:gd name="connsiteX2" fmla="*/ 172506 w 346146"/>
+                <a:gd name="connsiteY2" fmla="*/ 0 h 241300"/>
+                <a:gd name="connsiteX3" fmla="*/ 342585 w 346146"/>
+                <a:gd name="connsiteY3" fmla="*/ 120650 h 241300"/>
+                <a:gd name="connsiteX4" fmla="*/ 172506 w 346146"/>
+                <a:gd name="connsiteY4" fmla="*/ 241300 h 241300"/>
+                <a:gd name="connsiteX5" fmla="*/ 2427 w 346146"/>
+                <a:gd name="connsiteY5" fmla="*/ 241300 h 241300"/>
+                <a:gd name="connsiteX6" fmla="*/ 56402 w 346146"/>
+                <a:gd name="connsiteY6" fmla="*/ 125412 h 241300"/>
+                <a:gd name="connsiteX0" fmla="*/ 56402 w 342585"/>
+                <a:gd name="connsiteY0" fmla="*/ 125412 h 241300"/>
+                <a:gd name="connsiteX1" fmla="*/ 0 w 342585"/>
+                <a:gd name="connsiteY1" fmla="*/ 529 h 241300"/>
+                <a:gd name="connsiteX2" fmla="*/ 172506 w 342585"/>
+                <a:gd name="connsiteY2" fmla="*/ 0 h 241300"/>
+                <a:gd name="connsiteX3" fmla="*/ 342585 w 342585"/>
+                <a:gd name="connsiteY3" fmla="*/ 120650 h 241300"/>
+                <a:gd name="connsiteX4" fmla="*/ 172506 w 342585"/>
+                <a:gd name="connsiteY4" fmla="*/ 241300 h 241300"/>
+                <a:gd name="connsiteX5" fmla="*/ 2427 w 342585"/>
+                <a:gd name="connsiteY5" fmla="*/ 241300 h 241300"/>
+                <a:gd name="connsiteX6" fmla="*/ 56402 w 342585"/>
+                <a:gd name="connsiteY6" fmla="*/ 125412 h 241300"/>
+                <a:gd name="connsiteX0" fmla="*/ 56402 w 342585"/>
+                <a:gd name="connsiteY0" fmla="*/ 125412 h 241300"/>
+                <a:gd name="connsiteX1" fmla="*/ 0 w 342585"/>
+                <a:gd name="connsiteY1" fmla="*/ 529 h 241300"/>
+                <a:gd name="connsiteX2" fmla="*/ 172506 w 342585"/>
+                <a:gd name="connsiteY2" fmla="*/ 0 h 241300"/>
+                <a:gd name="connsiteX3" fmla="*/ 342585 w 342585"/>
+                <a:gd name="connsiteY3" fmla="*/ 120650 h 241300"/>
+                <a:gd name="connsiteX4" fmla="*/ 172506 w 342585"/>
+                <a:gd name="connsiteY4" fmla="*/ 241300 h 241300"/>
+                <a:gd name="connsiteX5" fmla="*/ 2427 w 342585"/>
+                <a:gd name="connsiteY5" fmla="*/ 241300 h 241300"/>
+                <a:gd name="connsiteX6" fmla="*/ 56402 w 342585"/>
+                <a:gd name="connsiteY6" fmla="*/ 125412 h 241300"/>
+                <a:gd name="connsiteX0" fmla="*/ 56402 w 353179"/>
+                <a:gd name="connsiteY0" fmla="*/ 125412 h 241300"/>
+                <a:gd name="connsiteX1" fmla="*/ 0 w 353179"/>
+                <a:gd name="connsiteY1" fmla="*/ 529 h 241300"/>
+                <a:gd name="connsiteX2" fmla="*/ 172506 w 353179"/>
+                <a:gd name="connsiteY2" fmla="*/ 0 h 241300"/>
+                <a:gd name="connsiteX3" fmla="*/ 342585 w 353179"/>
+                <a:gd name="connsiteY3" fmla="*/ 120650 h 241300"/>
+                <a:gd name="connsiteX4" fmla="*/ 172506 w 353179"/>
+                <a:gd name="connsiteY4" fmla="*/ 241300 h 241300"/>
+                <a:gd name="connsiteX5" fmla="*/ 2427 w 353179"/>
+                <a:gd name="connsiteY5" fmla="*/ 241300 h 241300"/>
+                <a:gd name="connsiteX6" fmla="*/ 56402 w 353179"/>
+                <a:gd name="connsiteY6" fmla="*/ 125412 h 241300"/>
+                <a:gd name="connsiteX0" fmla="*/ 56402 w 342677"/>
+                <a:gd name="connsiteY0" fmla="*/ 125412 h 241300"/>
+                <a:gd name="connsiteX1" fmla="*/ 0 w 342677"/>
+                <a:gd name="connsiteY1" fmla="*/ 529 h 241300"/>
+                <a:gd name="connsiteX2" fmla="*/ 172506 w 342677"/>
+                <a:gd name="connsiteY2" fmla="*/ 0 h 241300"/>
+                <a:gd name="connsiteX3" fmla="*/ 342585 w 342677"/>
+                <a:gd name="connsiteY3" fmla="*/ 120650 h 241300"/>
+                <a:gd name="connsiteX4" fmla="*/ 172506 w 342677"/>
+                <a:gd name="connsiteY4" fmla="*/ 241300 h 241300"/>
+                <a:gd name="connsiteX5" fmla="*/ 2427 w 342677"/>
+                <a:gd name="connsiteY5" fmla="*/ 241300 h 241300"/>
+                <a:gd name="connsiteX6" fmla="*/ 56402 w 342677"/>
+                <a:gd name="connsiteY6" fmla="*/ 125412 h 241300"/>
+                <a:gd name="connsiteX0" fmla="*/ 56402 w 342677"/>
+                <a:gd name="connsiteY0" fmla="*/ 125412 h 241300"/>
+                <a:gd name="connsiteX1" fmla="*/ 0 w 342677"/>
+                <a:gd name="connsiteY1" fmla="*/ 529 h 241300"/>
+                <a:gd name="connsiteX2" fmla="*/ 172506 w 342677"/>
+                <a:gd name="connsiteY2" fmla="*/ 0 h 241300"/>
+                <a:gd name="connsiteX3" fmla="*/ 342585 w 342677"/>
+                <a:gd name="connsiteY3" fmla="*/ 120650 h 241300"/>
+                <a:gd name="connsiteX4" fmla="*/ 172506 w 342677"/>
+                <a:gd name="connsiteY4" fmla="*/ 241300 h 241300"/>
+                <a:gd name="connsiteX5" fmla="*/ 2427 w 342677"/>
+                <a:gd name="connsiteY5" fmla="*/ 241300 h 241300"/>
+                <a:gd name="connsiteX6" fmla="*/ 56402 w 342677"/>
+                <a:gd name="connsiteY6" fmla="*/ 125412 h 241300"/>
+                <a:gd name="connsiteX0" fmla="*/ 56402 w 306237"/>
+                <a:gd name="connsiteY0" fmla="*/ 125412 h 241300"/>
+                <a:gd name="connsiteX1" fmla="*/ 0 w 306237"/>
+                <a:gd name="connsiteY1" fmla="*/ 529 h 241300"/>
+                <a:gd name="connsiteX2" fmla="*/ 172506 w 306237"/>
+                <a:gd name="connsiteY2" fmla="*/ 0 h 241300"/>
+                <a:gd name="connsiteX3" fmla="*/ 306073 w 306237"/>
+                <a:gd name="connsiteY3" fmla="*/ 104775 h 241300"/>
+                <a:gd name="connsiteX4" fmla="*/ 172506 w 306237"/>
+                <a:gd name="connsiteY4" fmla="*/ 241300 h 241300"/>
+                <a:gd name="connsiteX5" fmla="*/ 2427 w 306237"/>
+                <a:gd name="connsiteY5" fmla="*/ 241300 h 241300"/>
+                <a:gd name="connsiteX6" fmla="*/ 56402 w 306237"/>
+                <a:gd name="connsiteY6" fmla="*/ 125412 h 241300"/>
+                <a:gd name="connsiteX0" fmla="*/ 56402 w 306237"/>
+                <a:gd name="connsiteY0" fmla="*/ 125412 h 241300"/>
+                <a:gd name="connsiteX1" fmla="*/ 0 w 306237"/>
+                <a:gd name="connsiteY1" fmla="*/ 529 h 241300"/>
+                <a:gd name="connsiteX2" fmla="*/ 172506 w 306237"/>
+                <a:gd name="connsiteY2" fmla="*/ 0 h 241300"/>
+                <a:gd name="connsiteX3" fmla="*/ 306073 w 306237"/>
+                <a:gd name="connsiteY3" fmla="*/ 104775 h 241300"/>
+                <a:gd name="connsiteX4" fmla="*/ 172506 w 306237"/>
+                <a:gd name="connsiteY4" fmla="*/ 241300 h 241300"/>
+                <a:gd name="connsiteX5" fmla="*/ 2427 w 306237"/>
+                <a:gd name="connsiteY5" fmla="*/ 241300 h 241300"/>
+                <a:gd name="connsiteX6" fmla="*/ 56402 w 306237"/>
+                <a:gd name="connsiteY6" fmla="*/ 125412 h 241300"/>
+                <a:gd name="connsiteX0" fmla="*/ 56402 w 306199"/>
+                <a:gd name="connsiteY0" fmla="*/ 125412 h 241300"/>
+                <a:gd name="connsiteX1" fmla="*/ 0 w 306199"/>
+                <a:gd name="connsiteY1" fmla="*/ 529 h 241300"/>
+                <a:gd name="connsiteX2" fmla="*/ 172506 w 306199"/>
+                <a:gd name="connsiteY2" fmla="*/ 0 h 241300"/>
+                <a:gd name="connsiteX3" fmla="*/ 306073 w 306199"/>
+                <a:gd name="connsiteY3" fmla="*/ 104775 h 241300"/>
+                <a:gd name="connsiteX4" fmla="*/ 172506 w 306199"/>
+                <a:gd name="connsiteY4" fmla="*/ 241300 h 241300"/>
+                <a:gd name="connsiteX5" fmla="*/ 2427 w 306199"/>
+                <a:gd name="connsiteY5" fmla="*/ 241300 h 241300"/>
+                <a:gd name="connsiteX6" fmla="*/ 56402 w 306199"/>
+                <a:gd name="connsiteY6" fmla="*/ 125412 h 241300"/>
+                <a:gd name="connsiteX0" fmla="*/ 56402 w 306199"/>
+                <a:gd name="connsiteY0" fmla="*/ 125412 h 241300"/>
+                <a:gd name="connsiteX1" fmla="*/ 0 w 306199"/>
+                <a:gd name="connsiteY1" fmla="*/ 529 h 241300"/>
+                <a:gd name="connsiteX2" fmla="*/ 172506 w 306199"/>
+                <a:gd name="connsiteY2" fmla="*/ 0 h 241300"/>
+                <a:gd name="connsiteX3" fmla="*/ 306073 w 306199"/>
+                <a:gd name="connsiteY3" fmla="*/ 128587 h 241300"/>
+                <a:gd name="connsiteX4" fmla="*/ 172506 w 306199"/>
+                <a:gd name="connsiteY4" fmla="*/ 241300 h 241300"/>
+                <a:gd name="connsiteX5" fmla="*/ 2427 w 306199"/>
+                <a:gd name="connsiteY5" fmla="*/ 241300 h 241300"/>
+                <a:gd name="connsiteX6" fmla="*/ 56402 w 306199"/>
+                <a:gd name="connsiteY6" fmla="*/ 125412 h 241300"/>
+                <a:gd name="connsiteX0" fmla="*/ 56402 w 306199"/>
+                <a:gd name="connsiteY0" fmla="*/ 125412 h 241300"/>
+                <a:gd name="connsiteX1" fmla="*/ 0 w 306199"/>
+                <a:gd name="connsiteY1" fmla="*/ 529 h 241300"/>
+                <a:gd name="connsiteX2" fmla="*/ 172506 w 306199"/>
+                <a:gd name="connsiteY2" fmla="*/ 0 h 241300"/>
+                <a:gd name="connsiteX3" fmla="*/ 306073 w 306199"/>
+                <a:gd name="connsiteY3" fmla="*/ 122237 h 241300"/>
+                <a:gd name="connsiteX4" fmla="*/ 172506 w 306199"/>
+                <a:gd name="connsiteY4" fmla="*/ 241300 h 241300"/>
+                <a:gd name="connsiteX5" fmla="*/ 2427 w 306199"/>
+                <a:gd name="connsiteY5" fmla="*/ 241300 h 241300"/>
+                <a:gd name="connsiteX6" fmla="*/ 56402 w 306199"/>
+                <a:gd name="connsiteY6" fmla="*/ 125412 h 241300"/>
+                <a:gd name="connsiteX0" fmla="*/ 56402 w 306096"/>
+                <a:gd name="connsiteY0" fmla="*/ 125412 h 241300"/>
+                <a:gd name="connsiteX1" fmla="*/ 0 w 306096"/>
+                <a:gd name="connsiteY1" fmla="*/ 529 h 241300"/>
+                <a:gd name="connsiteX2" fmla="*/ 172506 w 306096"/>
+                <a:gd name="connsiteY2" fmla="*/ 0 h 241300"/>
+                <a:gd name="connsiteX3" fmla="*/ 306073 w 306096"/>
+                <a:gd name="connsiteY3" fmla="*/ 122237 h 241300"/>
+                <a:gd name="connsiteX4" fmla="*/ 172506 w 306096"/>
+                <a:gd name="connsiteY4" fmla="*/ 241300 h 241300"/>
+                <a:gd name="connsiteX5" fmla="*/ 2427 w 306096"/>
+                <a:gd name="connsiteY5" fmla="*/ 241300 h 241300"/>
+                <a:gd name="connsiteX6" fmla="*/ 56402 w 306096"/>
+                <a:gd name="connsiteY6" fmla="*/ 125412 h 241300"/>
+                <a:gd name="connsiteX0" fmla="*/ 56402 w 352654"/>
+                <a:gd name="connsiteY0" fmla="*/ 125412 h 241300"/>
+                <a:gd name="connsiteX1" fmla="*/ 0 w 352654"/>
+                <a:gd name="connsiteY1" fmla="*/ 529 h 241300"/>
+                <a:gd name="connsiteX2" fmla="*/ 172506 w 352654"/>
+                <a:gd name="connsiteY2" fmla="*/ 0 h 241300"/>
+                <a:gd name="connsiteX3" fmla="*/ 352639 w 352654"/>
+                <a:gd name="connsiteY3" fmla="*/ 124353 h 241300"/>
+                <a:gd name="connsiteX4" fmla="*/ 172506 w 352654"/>
+                <a:gd name="connsiteY4" fmla="*/ 241300 h 241300"/>
+                <a:gd name="connsiteX5" fmla="*/ 2427 w 352654"/>
+                <a:gd name="connsiteY5" fmla="*/ 241300 h 241300"/>
+                <a:gd name="connsiteX6" fmla="*/ 56402 w 352654"/>
+                <a:gd name="connsiteY6" fmla="*/ 125412 h 241300"/>
+                <a:gd name="connsiteX0" fmla="*/ 56402 w 353537"/>
+                <a:gd name="connsiteY0" fmla="*/ 125412 h 241300"/>
+                <a:gd name="connsiteX1" fmla="*/ 0 w 353537"/>
+                <a:gd name="connsiteY1" fmla="*/ 529 h 241300"/>
+                <a:gd name="connsiteX2" fmla="*/ 231772 w 353537"/>
+                <a:gd name="connsiteY2" fmla="*/ 0 h 241300"/>
+                <a:gd name="connsiteX3" fmla="*/ 352639 w 353537"/>
+                <a:gd name="connsiteY3" fmla="*/ 124353 h 241300"/>
+                <a:gd name="connsiteX4" fmla="*/ 172506 w 353537"/>
+                <a:gd name="connsiteY4" fmla="*/ 241300 h 241300"/>
+                <a:gd name="connsiteX5" fmla="*/ 2427 w 353537"/>
+                <a:gd name="connsiteY5" fmla="*/ 241300 h 241300"/>
+                <a:gd name="connsiteX6" fmla="*/ 56402 w 353537"/>
+                <a:gd name="connsiteY6" fmla="*/ 125412 h 241300"/>
+                <a:gd name="connsiteX0" fmla="*/ 56402 w 352648"/>
+                <a:gd name="connsiteY0" fmla="*/ 125412 h 241300"/>
+                <a:gd name="connsiteX1" fmla="*/ 0 w 352648"/>
+                <a:gd name="connsiteY1" fmla="*/ 529 h 241300"/>
+                <a:gd name="connsiteX2" fmla="*/ 231772 w 352648"/>
+                <a:gd name="connsiteY2" fmla="*/ 0 h 241300"/>
+                <a:gd name="connsiteX3" fmla="*/ 352639 w 352648"/>
+                <a:gd name="connsiteY3" fmla="*/ 124353 h 241300"/>
+                <a:gd name="connsiteX4" fmla="*/ 236006 w 352648"/>
+                <a:gd name="connsiteY4" fmla="*/ 241300 h 241300"/>
+                <a:gd name="connsiteX5" fmla="*/ 2427 w 352648"/>
+                <a:gd name="connsiteY5" fmla="*/ 241300 h 241300"/>
+                <a:gd name="connsiteX6" fmla="*/ 56402 w 352648"/>
+                <a:gd name="connsiteY6" fmla="*/ 125412 h 241300"/>
+                <a:gd name="connsiteX0" fmla="*/ 56402 w 346300"/>
+                <a:gd name="connsiteY0" fmla="*/ 125412 h 241300"/>
+                <a:gd name="connsiteX1" fmla="*/ 0 w 346300"/>
+                <a:gd name="connsiteY1" fmla="*/ 529 h 241300"/>
+                <a:gd name="connsiteX2" fmla="*/ 231772 w 346300"/>
+                <a:gd name="connsiteY2" fmla="*/ 0 h 241300"/>
+                <a:gd name="connsiteX3" fmla="*/ 346289 w 346300"/>
+                <a:gd name="connsiteY3" fmla="*/ 124353 h 241300"/>
+                <a:gd name="connsiteX4" fmla="*/ 236006 w 346300"/>
+                <a:gd name="connsiteY4" fmla="*/ 241300 h 241300"/>
+                <a:gd name="connsiteX5" fmla="*/ 2427 w 346300"/>
+                <a:gd name="connsiteY5" fmla="*/ 241300 h 241300"/>
+                <a:gd name="connsiteX6" fmla="*/ 56402 w 346300"/>
+                <a:gd name="connsiteY6" fmla="*/ 125412 h 241300"/>
+                <a:gd name="connsiteX0" fmla="*/ 56402 w 346300"/>
+                <a:gd name="connsiteY0" fmla="*/ 125412 h 241300"/>
+                <a:gd name="connsiteX1" fmla="*/ 0 w 346300"/>
+                <a:gd name="connsiteY1" fmla="*/ 529 h 241300"/>
+                <a:gd name="connsiteX2" fmla="*/ 231772 w 346300"/>
+                <a:gd name="connsiteY2" fmla="*/ 0 h 241300"/>
+                <a:gd name="connsiteX3" fmla="*/ 346289 w 346300"/>
+                <a:gd name="connsiteY3" fmla="*/ 126470 h 241300"/>
+                <a:gd name="connsiteX4" fmla="*/ 236006 w 346300"/>
+                <a:gd name="connsiteY4" fmla="*/ 241300 h 241300"/>
+                <a:gd name="connsiteX5" fmla="*/ 2427 w 346300"/>
+                <a:gd name="connsiteY5" fmla="*/ 241300 h 241300"/>
+                <a:gd name="connsiteX6" fmla="*/ 56402 w 346300"/>
+                <a:gd name="connsiteY6" fmla="*/ 125412 h 241300"/>
+                <a:gd name="connsiteX0" fmla="*/ 56402 w 342069"/>
+                <a:gd name="connsiteY0" fmla="*/ 125412 h 241300"/>
+                <a:gd name="connsiteX1" fmla="*/ 0 w 342069"/>
+                <a:gd name="connsiteY1" fmla="*/ 529 h 241300"/>
+                <a:gd name="connsiteX2" fmla="*/ 231772 w 342069"/>
+                <a:gd name="connsiteY2" fmla="*/ 0 h 241300"/>
+                <a:gd name="connsiteX3" fmla="*/ 342056 w 342069"/>
+                <a:gd name="connsiteY3" fmla="*/ 113770 h 241300"/>
+                <a:gd name="connsiteX4" fmla="*/ 236006 w 342069"/>
+                <a:gd name="connsiteY4" fmla="*/ 241300 h 241300"/>
+                <a:gd name="connsiteX5" fmla="*/ 2427 w 342069"/>
+                <a:gd name="connsiteY5" fmla="*/ 241300 h 241300"/>
+                <a:gd name="connsiteX6" fmla="*/ 56402 w 342069"/>
+                <a:gd name="connsiteY6" fmla="*/ 125412 h 241300"/>
+                <a:gd name="connsiteX0" fmla="*/ 56402 w 344616"/>
+                <a:gd name="connsiteY0" fmla="*/ 125412 h 241300"/>
+                <a:gd name="connsiteX1" fmla="*/ 0 w 344616"/>
+                <a:gd name="connsiteY1" fmla="*/ 529 h 241300"/>
+                <a:gd name="connsiteX2" fmla="*/ 231772 w 344616"/>
+                <a:gd name="connsiteY2" fmla="*/ 0 h 241300"/>
+                <a:gd name="connsiteX3" fmla="*/ 342056 w 344616"/>
+                <a:gd name="connsiteY3" fmla="*/ 113770 h 241300"/>
+                <a:gd name="connsiteX4" fmla="*/ 236006 w 344616"/>
+                <a:gd name="connsiteY4" fmla="*/ 241300 h 241300"/>
+                <a:gd name="connsiteX5" fmla="*/ 2427 w 344616"/>
+                <a:gd name="connsiteY5" fmla="*/ 241300 h 241300"/>
+                <a:gd name="connsiteX6" fmla="*/ 56402 w 344616"/>
+                <a:gd name="connsiteY6" fmla="*/ 125412 h 241300"/>
+                <a:gd name="connsiteX0" fmla="*/ 56402 w 344616"/>
+                <a:gd name="connsiteY0" fmla="*/ 125412 h 241300"/>
+                <a:gd name="connsiteX1" fmla="*/ 0 w 344616"/>
+                <a:gd name="connsiteY1" fmla="*/ 529 h 241300"/>
+                <a:gd name="connsiteX2" fmla="*/ 231772 w 344616"/>
+                <a:gd name="connsiteY2" fmla="*/ 0 h 241300"/>
+                <a:gd name="connsiteX3" fmla="*/ 342056 w 344616"/>
+                <a:gd name="connsiteY3" fmla="*/ 113770 h 241300"/>
+                <a:gd name="connsiteX4" fmla="*/ 236006 w 344616"/>
+                <a:gd name="connsiteY4" fmla="*/ 241300 h 241300"/>
+                <a:gd name="connsiteX5" fmla="*/ 2427 w 344616"/>
+                <a:gd name="connsiteY5" fmla="*/ 241300 h 241300"/>
+                <a:gd name="connsiteX6" fmla="*/ 56402 w 344616"/>
+                <a:gd name="connsiteY6" fmla="*/ 125412 h 241300"/>
+                <a:gd name="connsiteX0" fmla="*/ 56402 w 342056"/>
+                <a:gd name="connsiteY0" fmla="*/ 125412 h 241300"/>
+                <a:gd name="connsiteX1" fmla="*/ 0 w 342056"/>
+                <a:gd name="connsiteY1" fmla="*/ 529 h 241300"/>
+                <a:gd name="connsiteX2" fmla="*/ 231772 w 342056"/>
+                <a:gd name="connsiteY2" fmla="*/ 0 h 241300"/>
+                <a:gd name="connsiteX3" fmla="*/ 342056 w 342056"/>
+                <a:gd name="connsiteY3" fmla="*/ 113770 h 241300"/>
+                <a:gd name="connsiteX4" fmla="*/ 236006 w 342056"/>
+                <a:gd name="connsiteY4" fmla="*/ 241300 h 241300"/>
+                <a:gd name="connsiteX5" fmla="*/ 2427 w 342056"/>
+                <a:gd name="connsiteY5" fmla="*/ 241300 h 241300"/>
+                <a:gd name="connsiteX6" fmla="*/ 56402 w 342056"/>
+                <a:gd name="connsiteY6" fmla="*/ 125412 h 241300"/>
+                <a:gd name="connsiteX0" fmla="*/ 56402 w 342056"/>
+                <a:gd name="connsiteY0" fmla="*/ 125412 h 241300"/>
+                <a:gd name="connsiteX1" fmla="*/ 0 w 342056"/>
+                <a:gd name="connsiteY1" fmla="*/ 529 h 241300"/>
+                <a:gd name="connsiteX2" fmla="*/ 231772 w 342056"/>
+                <a:gd name="connsiteY2" fmla="*/ 0 h 241300"/>
+                <a:gd name="connsiteX3" fmla="*/ 342056 w 342056"/>
+                <a:gd name="connsiteY3" fmla="*/ 113770 h 241300"/>
+                <a:gd name="connsiteX4" fmla="*/ 236006 w 342056"/>
+                <a:gd name="connsiteY4" fmla="*/ 241300 h 241300"/>
+                <a:gd name="connsiteX5" fmla="*/ 2427 w 342056"/>
+                <a:gd name="connsiteY5" fmla="*/ 241300 h 241300"/>
+                <a:gd name="connsiteX6" fmla="*/ 56402 w 342056"/>
+                <a:gd name="connsiteY6" fmla="*/ 125412 h 241300"/>
+                <a:gd name="connsiteX0" fmla="*/ 56402 w 342056"/>
+                <a:gd name="connsiteY0" fmla="*/ 125412 h 241300"/>
+                <a:gd name="connsiteX1" fmla="*/ 0 w 342056"/>
+                <a:gd name="connsiteY1" fmla="*/ 529 h 241300"/>
+                <a:gd name="connsiteX2" fmla="*/ 231772 w 342056"/>
+                <a:gd name="connsiteY2" fmla="*/ 0 h 241300"/>
+                <a:gd name="connsiteX3" fmla="*/ 342056 w 342056"/>
+                <a:gd name="connsiteY3" fmla="*/ 113770 h 241300"/>
+                <a:gd name="connsiteX4" fmla="*/ 236006 w 342056"/>
+                <a:gd name="connsiteY4" fmla="*/ 241300 h 241300"/>
+                <a:gd name="connsiteX5" fmla="*/ 2427 w 342056"/>
+                <a:gd name="connsiteY5" fmla="*/ 241300 h 241300"/>
+                <a:gd name="connsiteX6" fmla="*/ 56402 w 342056"/>
+                <a:gd name="connsiteY6" fmla="*/ 125412 h 241300"/>
+                <a:gd name="connsiteX0" fmla="*/ 56402 w 342056"/>
+                <a:gd name="connsiteY0" fmla="*/ 125412 h 241300"/>
+                <a:gd name="connsiteX1" fmla="*/ 0 w 342056"/>
+                <a:gd name="connsiteY1" fmla="*/ 529 h 241300"/>
+                <a:gd name="connsiteX2" fmla="*/ 231772 w 342056"/>
+                <a:gd name="connsiteY2" fmla="*/ 0 h 241300"/>
+                <a:gd name="connsiteX3" fmla="*/ 342056 w 342056"/>
+                <a:gd name="connsiteY3" fmla="*/ 113770 h 241300"/>
+                <a:gd name="connsiteX4" fmla="*/ 236006 w 342056"/>
+                <a:gd name="connsiteY4" fmla="*/ 241300 h 241300"/>
+                <a:gd name="connsiteX5" fmla="*/ 2427 w 342056"/>
+                <a:gd name="connsiteY5" fmla="*/ 241300 h 241300"/>
+                <a:gd name="connsiteX6" fmla="*/ 56402 w 342056"/>
+                <a:gd name="connsiteY6" fmla="*/ 125412 h 241300"/>
+                <a:gd name="connsiteX0" fmla="*/ 56402 w 342056"/>
+                <a:gd name="connsiteY0" fmla="*/ 125412 h 241300"/>
+                <a:gd name="connsiteX1" fmla="*/ 0 w 342056"/>
+                <a:gd name="connsiteY1" fmla="*/ 529 h 241300"/>
+                <a:gd name="connsiteX2" fmla="*/ 231772 w 342056"/>
+                <a:gd name="connsiteY2" fmla="*/ 0 h 241300"/>
+                <a:gd name="connsiteX3" fmla="*/ 342056 w 342056"/>
+                <a:gd name="connsiteY3" fmla="*/ 113770 h 241300"/>
+                <a:gd name="connsiteX4" fmla="*/ 236006 w 342056"/>
+                <a:gd name="connsiteY4" fmla="*/ 241300 h 241300"/>
+                <a:gd name="connsiteX5" fmla="*/ 2427 w 342056"/>
+                <a:gd name="connsiteY5" fmla="*/ 241300 h 241300"/>
+                <a:gd name="connsiteX6" fmla="*/ 56402 w 342056"/>
+                <a:gd name="connsiteY6" fmla="*/ 125412 h 241300"/>
+              </a:gdLst>
+              <a:ahLst/>
+              <a:cxnLst>
+                <a:cxn ang="0">
+                  <a:pos x="connsiteX0" y="connsiteY0"/>
+                </a:cxn>
+                <a:cxn ang="0">
+                  <a:pos x="connsiteX1" y="connsiteY1"/>
+                </a:cxn>
+                <a:cxn ang="0">
+                  <a:pos x="connsiteX2" y="connsiteY2"/>
+                </a:cxn>
+                <a:cxn ang="0">
+                  <a:pos x="connsiteX3" y="connsiteY3"/>
+                </a:cxn>
+                <a:cxn ang="0">
+                  <a:pos x="connsiteX4" y="connsiteY4"/>
+                </a:cxn>
+                <a:cxn ang="0">
+                  <a:pos x="connsiteX5" y="connsiteY5"/>
+                </a:cxn>
+                <a:cxn ang="0">
+                  <a:pos x="connsiteX6" y="connsiteY6"/>
+                </a:cxn>
+              </a:cxnLst>
+              <a:rect l="l" t="t" r="r" b="b"/>
+              <a:pathLst>
+                <a:path w="342056" h="241300">
+                  <a:moveTo>
+                    <a:pt x="56402" y="125412"/>
+                  </a:moveTo>
+                  <a:cubicBezTo>
+                    <a:pt x="57586" y="96397"/>
+                    <a:pt x="52087" y="57944"/>
+                    <a:pt x="0" y="529"/>
+                  </a:cubicBezTo>
+                  <a:lnTo>
+                    <a:pt x="231772" y="0"/>
+                  </a:lnTo>
+                  <a:cubicBezTo>
+                    <a:pt x="288869" y="20020"/>
+                    <a:pt x="331364" y="63235"/>
+                    <a:pt x="342056" y="113770"/>
+                  </a:cubicBezTo>
+                  <a:cubicBezTo>
+                    <a:pt x="332178" y="175154"/>
+                    <a:pt x="315650" y="215900"/>
+                    <a:pt x="236006" y="241300"/>
+                  </a:cubicBezTo>
+                  <a:lnTo>
+                    <a:pt x="2427" y="241300"/>
+                  </a:lnTo>
+                  <a:cubicBezTo>
+                    <a:pt x="48164" y="179123"/>
+                    <a:pt x="55218" y="154427"/>
+                    <a:pt x="56402" y="125412"/>
+                  </a:cubicBezTo>
+                  <a:close/>
+                </a:path>
+              </a:pathLst>
+            </a:custGeom>
+            <a:grpFill/>
+          </p:spPr>
+          <p:style>
+            <a:lnRef idx="2">
+              <a:schemeClr val="dk1"/>
+            </a:lnRef>
+            <a:fillRef idx="1">
+              <a:schemeClr val="lt1"/>
+            </a:fillRef>
+            <a:effectRef idx="0">
+              <a:schemeClr val="dk1"/>
+            </a:effectRef>
+            <a:fontRef idx="minor">
+              <a:schemeClr val="dk1"/>
+            </a:fontRef>
+          </p:style>
+          <p:txBody>
+            <a:bodyPr rtlCol="0" anchor="ctr"/>
+            <a:lstStyle/>
+            <a:p>
+              <a:pPr algn="ctr"/>
+              <a:endParaRPr lang="en-GB"/>
+            </a:p>
+          </p:txBody>
+        </p:sp>
+        <p:sp>
+          <p:nvSpPr>
+            <p:cNvPr id="98" name="Oval 97">
+              <a:extLst>
+                <a:ext uri="{FF2B5EF4-FFF2-40B4-BE49-F238E27FC236}">
+                  <a16:creationId xmlns:a16="http://schemas.microsoft.com/office/drawing/2014/main" id="{5FAF7797-2D2B-B40F-09BD-DC63E095B03A}"/>
+                </a:ext>
+              </a:extLst>
+            </p:cNvPr>
+            <p:cNvSpPr/>
+            <p:nvPr/>
+          </p:nvSpPr>
+          <p:spPr>
+            <a:xfrm>
+              <a:off x="7365152" y="1971332"/>
+              <a:ext cx="45719" cy="45719"/>
+            </a:xfrm>
+            <a:prstGeom prst="ellipse">
+              <a:avLst/>
+            </a:prstGeom>
+            <a:grpFill/>
+          </p:spPr>
+          <p:style>
+            <a:lnRef idx="2">
+              <a:schemeClr val="dk1"/>
+            </a:lnRef>
+            <a:fillRef idx="1">
+              <a:schemeClr val="lt1"/>
+            </a:fillRef>
+            <a:effectRef idx="0">
+              <a:schemeClr val="dk1"/>
+            </a:effectRef>
+            <a:fontRef idx="minor">
+              <a:schemeClr val="dk1"/>
+            </a:fontRef>
+          </p:style>
+          <p:txBody>
+            <a:bodyPr rtlCol="0" anchor="ctr"/>
+            <a:lstStyle/>
+            <a:p>
+              <a:pPr algn="ctr"/>
+              <a:endParaRPr lang="en-GB"/>
+            </a:p>
+          </p:txBody>
+        </p:sp>
+      </p:grpSp>
+      <p:cxnSp>
+        <p:nvCxnSpPr>
+          <p:cNvPr id="112" name="Straight Connector 111">
+            <a:extLst>
+              <a:ext uri="{FF2B5EF4-FFF2-40B4-BE49-F238E27FC236}">
+                <a16:creationId xmlns:a16="http://schemas.microsoft.com/office/drawing/2014/main" id="{72D24E6C-8D72-0137-CC8B-C28444704AFB}"/>
+              </a:ext>
+            </a:extLst>
+          </p:cNvPr>
+          <p:cNvCxnSpPr>
+            <a:stCxn id="5" idx="1"/>
+          </p:cNvCxnSpPr>
+          <p:nvPr/>
+        </p:nvCxnSpPr>
+        <p:spPr>
+          <a:xfrm flipH="1" flipV="1">
+            <a:off x="3462715" y="3823636"/>
+            <a:ext cx="390412" cy="1526"/>
+          </a:xfrm>
+          <a:prstGeom prst="line">
+            <a:avLst/>
+          </a:prstGeom>
+          <a:effectLst>
+            <a:outerShdw blurRad="50800" dist="38100" dir="2700000" algn="tl" rotWithShape="0">
+              <a:prstClr val="black">
+                <a:alpha val="40000"/>
+              </a:prstClr>
+            </a:outerShdw>
+          </a:effectLst>
+        </p:spPr>
+        <p:style>
+          <a:lnRef idx="3">
+            <a:schemeClr val="dk1"/>
+          </a:lnRef>
+          <a:fillRef idx="0">
+            <a:schemeClr val="dk1"/>
+          </a:fillRef>
+          <a:effectRef idx="2">
+            <a:schemeClr val="dk1"/>
+          </a:effectRef>
+          <a:fontRef idx="minor">
+            <a:schemeClr val="tx1"/>
+          </a:fontRef>
+        </p:style>
+      </p:cxnSp>
+      <p:cxnSp>
+        <p:nvCxnSpPr>
+          <p:cNvPr id="114" name="Straight Connector 113">
+            <a:extLst>
+              <a:ext uri="{FF2B5EF4-FFF2-40B4-BE49-F238E27FC236}">
+                <a16:creationId xmlns:a16="http://schemas.microsoft.com/office/drawing/2014/main" id="{4E3CDBE6-FB0F-17FF-3880-3FDB219F2CC7}"/>
+              </a:ext>
+            </a:extLst>
+          </p:cNvPr>
+          <p:cNvCxnSpPr>
+            <a:stCxn id="4" idx="1"/>
+          </p:cNvCxnSpPr>
+          <p:nvPr/>
+        </p:nvCxnSpPr>
+        <p:spPr>
+          <a:xfrm flipH="1" flipV="1">
+            <a:off x="3462715" y="2186772"/>
+            <a:ext cx="390412" cy="762"/>
+          </a:xfrm>
+          <a:prstGeom prst="line">
+            <a:avLst/>
+          </a:prstGeom>
+          <a:effectLst>
+            <a:outerShdw blurRad="50800" dist="38100" dir="2700000" algn="tl" rotWithShape="0">
+              <a:prstClr val="black">
+                <a:alpha val="40000"/>
+              </a:prstClr>
+            </a:outerShdw>
+          </a:effectLst>
+        </p:spPr>
+        <p:style>
+          <a:lnRef idx="3">
+            <a:schemeClr val="dk1"/>
+          </a:lnRef>
+          <a:fillRef idx="0">
+            <a:schemeClr val="dk1"/>
+          </a:fillRef>
+          <a:effectRef idx="2">
+            <a:schemeClr val="dk1"/>
+          </a:effectRef>
+          <a:fontRef idx="minor">
+            <a:schemeClr val="tx1"/>
+          </a:fontRef>
+        </p:style>
+      </p:cxnSp>
+      <p:cxnSp>
+        <p:nvCxnSpPr>
+          <p:cNvPr id="120" name="Straight Connector 119">
+            <a:extLst>
+              <a:ext uri="{FF2B5EF4-FFF2-40B4-BE49-F238E27FC236}">
+                <a16:creationId xmlns:a16="http://schemas.microsoft.com/office/drawing/2014/main" id="{2725B5C8-52F0-6D29-D6B0-98DB05BE9220}"/>
+              </a:ext>
+            </a:extLst>
+          </p:cNvPr>
+          <p:cNvCxnSpPr>
+            <a:stCxn id="4" idx="3"/>
+          </p:cNvCxnSpPr>
+          <p:nvPr/>
+        </p:nvCxnSpPr>
+        <p:spPr>
+          <a:xfrm flipV="1">
+            <a:off x="5289355" y="2186772"/>
+            <a:ext cx="250368" cy="762"/>
+          </a:xfrm>
+          <a:prstGeom prst="line">
+            <a:avLst/>
+          </a:prstGeom>
+          <a:effectLst>
+            <a:outerShdw blurRad="50800" dist="38100" dir="2700000" algn="tl" rotWithShape="0">
+              <a:prstClr val="black">
+                <a:alpha val="40000"/>
+              </a:prstClr>
+            </a:outerShdw>
+          </a:effectLst>
+        </p:spPr>
+        <p:style>
+          <a:lnRef idx="3">
+            <a:schemeClr val="dk1"/>
+          </a:lnRef>
+          <a:fillRef idx="0">
+            <a:schemeClr val="dk1"/>
+          </a:fillRef>
+          <a:effectRef idx="2">
+            <a:schemeClr val="dk1"/>
+          </a:effectRef>
+          <a:fontRef idx="minor">
+            <a:schemeClr val="tx1"/>
+          </a:fontRef>
+        </p:style>
+      </p:cxnSp>
+      <p:cxnSp>
+        <p:nvCxnSpPr>
+          <p:cNvPr id="122" name="Straight Connector 121">
+            <a:extLst>
+              <a:ext uri="{FF2B5EF4-FFF2-40B4-BE49-F238E27FC236}">
+                <a16:creationId xmlns:a16="http://schemas.microsoft.com/office/drawing/2014/main" id="{6866C58D-B68B-9F28-7A28-2E31135EFDDC}"/>
+              </a:ext>
+            </a:extLst>
+          </p:cNvPr>
+          <p:cNvCxnSpPr>
+            <a:stCxn id="5" idx="3"/>
+          </p:cNvCxnSpPr>
+          <p:nvPr/>
+        </p:nvCxnSpPr>
+        <p:spPr>
+          <a:xfrm flipV="1">
+            <a:off x="5289355" y="3823636"/>
+            <a:ext cx="250368" cy="1526"/>
+          </a:xfrm>
+          <a:prstGeom prst="line">
+            <a:avLst/>
+          </a:prstGeom>
+          <a:effectLst>
+            <a:outerShdw blurRad="50800" dist="38100" dir="2700000" algn="tl" rotWithShape="0">
+              <a:prstClr val="black">
+                <a:alpha val="40000"/>
+              </a:prstClr>
+            </a:outerShdw>
+          </a:effectLst>
+        </p:spPr>
+        <p:style>
+          <a:lnRef idx="3">
+            <a:schemeClr val="dk1"/>
+          </a:lnRef>
+          <a:fillRef idx="0">
+            <a:schemeClr val="dk1"/>
+          </a:fillRef>
+          <a:effectRef idx="2">
+            <a:schemeClr val="dk1"/>
+          </a:effectRef>
+          <a:fontRef idx="minor">
+            <a:schemeClr val="tx1"/>
+          </a:fontRef>
+        </p:style>
+      </p:cxnSp>
+      <p:cxnSp>
+        <p:nvCxnSpPr>
+          <p:cNvPr id="124" name="Straight Connector 123">
+            <a:extLst>
+              <a:ext uri="{FF2B5EF4-FFF2-40B4-BE49-F238E27FC236}">
+                <a16:creationId xmlns:a16="http://schemas.microsoft.com/office/drawing/2014/main" id="{B4F95693-ED00-EE11-E85D-049053467991}"/>
+              </a:ext>
+            </a:extLst>
+          </p:cNvPr>
+          <p:cNvCxnSpPr>
+            <a:cxnSpLocks/>
+          </p:cNvCxnSpPr>
+          <p:nvPr/>
+        </p:nvCxnSpPr>
+        <p:spPr>
+          <a:xfrm flipV="1">
+            <a:off x="5539723" y="3071289"/>
+            <a:ext cx="0" cy="752347"/>
+          </a:xfrm>
+          <a:prstGeom prst="line">
+            <a:avLst/>
+          </a:prstGeom>
+          <a:effectLst>
+            <a:outerShdw blurRad="50800" dist="38100" dir="2700000" algn="tl" rotWithShape="0">
+              <a:prstClr val="black">
+                <a:alpha val="40000"/>
+              </a:prstClr>
+            </a:outerShdw>
+          </a:effectLst>
+        </p:spPr>
+        <p:style>
+          <a:lnRef idx="3">
+            <a:schemeClr val="dk1"/>
+          </a:lnRef>
+          <a:fillRef idx="0">
+            <a:schemeClr val="dk1"/>
+          </a:fillRef>
+          <a:effectRef idx="2">
+            <a:schemeClr val="dk1"/>
+          </a:effectRef>
+          <a:fontRef idx="minor">
+            <a:schemeClr val="tx1"/>
+          </a:fontRef>
+        </p:style>
+      </p:cxnSp>
+      <p:cxnSp>
+        <p:nvCxnSpPr>
+          <p:cNvPr id="125" name="Straight Connector 124">
+            <a:extLst>
+              <a:ext uri="{FF2B5EF4-FFF2-40B4-BE49-F238E27FC236}">
+                <a16:creationId xmlns:a16="http://schemas.microsoft.com/office/drawing/2014/main" id="{D9831774-8B08-E963-F858-4B7C89AADB8B}"/>
+              </a:ext>
+            </a:extLst>
+          </p:cNvPr>
+          <p:cNvCxnSpPr>
+            <a:cxnSpLocks/>
+          </p:cNvCxnSpPr>
+          <p:nvPr/>
+        </p:nvCxnSpPr>
+        <p:spPr>
+          <a:xfrm flipV="1">
+            <a:off x="5539723" y="2184395"/>
+            <a:ext cx="0" cy="787570"/>
+          </a:xfrm>
+          <a:prstGeom prst="line">
+            <a:avLst/>
+          </a:prstGeom>
+          <a:effectLst>
+            <a:outerShdw blurRad="50800" dist="38100" dir="2700000" algn="tl" rotWithShape="0">
+              <a:prstClr val="black">
+                <a:alpha val="40000"/>
+              </a:prstClr>
+            </a:outerShdw>
+          </a:effectLst>
+        </p:spPr>
+        <p:style>
+          <a:lnRef idx="3">
+            <a:schemeClr val="dk1"/>
+          </a:lnRef>
+          <a:fillRef idx="0">
+            <a:schemeClr val="dk1"/>
+          </a:fillRef>
+          <a:effectRef idx="2">
+            <a:schemeClr val="dk1"/>
+          </a:effectRef>
+          <a:fontRef idx="minor">
+            <a:schemeClr val="tx1"/>
+          </a:fontRef>
+        </p:style>
+      </p:cxnSp>
+      <p:cxnSp>
+        <p:nvCxnSpPr>
+          <p:cNvPr id="129" name="Straight Connector 128">
+            <a:extLst>
+              <a:ext uri="{FF2B5EF4-FFF2-40B4-BE49-F238E27FC236}">
+                <a16:creationId xmlns:a16="http://schemas.microsoft.com/office/drawing/2014/main" id="{3E82F107-2315-1906-F012-F9D69B30796A}"/>
+              </a:ext>
+            </a:extLst>
+          </p:cNvPr>
+          <p:cNvCxnSpPr>
+            <a:cxnSpLocks/>
+            <a:stCxn id="3" idx="1"/>
+            <a:endCxn id="135" idx="3"/>
+          </p:cNvCxnSpPr>
+          <p:nvPr/>
+        </p:nvCxnSpPr>
+        <p:spPr>
+          <a:xfrm flipH="1">
+            <a:off x="2691189" y="4696665"/>
+            <a:ext cx="1469334" cy="0"/>
+          </a:xfrm>
+          <a:prstGeom prst="line">
+            <a:avLst/>
+          </a:prstGeom>
+          <a:effectLst>
+            <a:outerShdw blurRad="50800" dist="38100" dir="2700000" algn="tl" rotWithShape="0">
+              <a:prstClr val="black">
+                <a:alpha val="40000"/>
+              </a:prstClr>
+            </a:outerShdw>
+          </a:effectLst>
+        </p:spPr>
+        <p:style>
+          <a:lnRef idx="1">
+            <a:schemeClr val="dk1"/>
+          </a:lnRef>
+          <a:fillRef idx="0">
+            <a:schemeClr val="dk1"/>
+          </a:fillRef>
+          <a:effectRef idx="0">
+            <a:schemeClr val="dk1"/>
+          </a:effectRef>
+          <a:fontRef idx="minor">
+            <a:schemeClr val="tx1"/>
+          </a:fontRef>
+        </p:style>
+      </p:cxnSp>
+      <p:cxnSp>
+        <p:nvCxnSpPr>
+          <p:cNvPr id="131" name="Straight Connector 130">
+            <a:extLst>
+              <a:ext uri="{FF2B5EF4-FFF2-40B4-BE49-F238E27FC236}">
+                <a16:creationId xmlns:a16="http://schemas.microsoft.com/office/drawing/2014/main" id="{939DD10C-61C0-9463-C0A3-127D18400F36}"/>
+              </a:ext>
+            </a:extLst>
+          </p:cNvPr>
+          <p:cNvCxnSpPr>
+            <a:cxnSpLocks/>
+            <a:stCxn id="3" idx="3"/>
+          </p:cNvCxnSpPr>
+          <p:nvPr/>
+        </p:nvCxnSpPr>
+        <p:spPr>
+          <a:xfrm>
+            <a:off x="4743115" y="4696665"/>
+            <a:ext cx="2450062" cy="0"/>
+          </a:xfrm>
+          <a:prstGeom prst="line">
+            <a:avLst/>
+          </a:prstGeom>
+          <a:effectLst>
+            <a:outerShdw blurRad="50800" dist="38100" dir="2700000" algn="tl" rotWithShape="0">
+              <a:prstClr val="black">
+                <a:alpha val="40000"/>
+              </a:prstClr>
+            </a:outerShdw>
+          </a:effectLst>
+        </p:spPr>
+        <p:style>
+          <a:lnRef idx="1">
+            <a:schemeClr val="dk1"/>
+          </a:lnRef>
+          <a:fillRef idx="0">
+            <a:schemeClr val="dk1"/>
+          </a:fillRef>
+          <a:effectRef idx="0">
+            <a:schemeClr val="dk1"/>
+          </a:effectRef>
+          <a:fontRef idx="minor">
+            <a:schemeClr val="tx1"/>
+          </a:fontRef>
+        </p:style>
+      </p:cxnSp>
+      <p:cxnSp>
+        <p:nvCxnSpPr>
+          <p:cNvPr id="133" name="Straight Connector 132">
+            <a:extLst>
+              <a:ext uri="{FF2B5EF4-FFF2-40B4-BE49-F238E27FC236}">
+                <a16:creationId xmlns:a16="http://schemas.microsoft.com/office/drawing/2014/main" id="{0E73ECE0-B674-2BB1-B977-285778D2CD66}"/>
+              </a:ext>
+            </a:extLst>
+          </p:cNvPr>
+          <p:cNvCxnSpPr>
+            <a:cxnSpLocks/>
+            <a:stCxn id="2" idx="2"/>
+          </p:cNvCxnSpPr>
+          <p:nvPr/>
+        </p:nvCxnSpPr>
+        <p:spPr>
+          <a:xfrm>
+            <a:off x="7193177" y="3628416"/>
+            <a:ext cx="0" cy="1068249"/>
+          </a:xfrm>
+          <a:prstGeom prst="line">
+            <a:avLst/>
+          </a:prstGeom>
+          <a:effectLst>
+            <a:outerShdw blurRad="50800" dist="38100" dir="2700000" algn="tl" rotWithShape="0">
+              <a:prstClr val="black">
+                <a:alpha val="40000"/>
+              </a:prstClr>
+            </a:outerShdw>
+          </a:effectLst>
+        </p:spPr>
+        <p:style>
+          <a:lnRef idx="1">
+            <a:schemeClr val="dk1"/>
+          </a:lnRef>
+          <a:fillRef idx="0">
+            <a:schemeClr val="dk1"/>
+          </a:fillRef>
+          <a:effectRef idx="0">
+            <a:schemeClr val="dk1"/>
+          </a:effectRef>
+          <a:fontRef idx="minor">
+            <a:schemeClr val="tx1"/>
+          </a:fontRef>
+        </p:style>
+      </p:cxnSp>
+      <p:sp>
+        <p:nvSpPr>
+          <p:cNvPr id="135" name="TextBox 134">
+            <a:extLst>
+              <a:ext uri="{FF2B5EF4-FFF2-40B4-BE49-F238E27FC236}">
+                <a16:creationId xmlns:a16="http://schemas.microsoft.com/office/drawing/2014/main" id="{14791D25-3E24-FF27-C767-961D1DE20795}"/>
+              </a:ext>
+            </a:extLst>
+          </p:cNvPr>
+          <p:cNvSpPr txBox="1"/>
+          <p:nvPr/>
+        </p:nvSpPr>
+        <p:spPr>
+          <a:xfrm>
+            <a:off x="1718439" y="4373499"/>
+            <a:ext cx="972750" cy="646331"/>
+          </a:xfrm>
+          <a:prstGeom prst="rect">
+            <a:avLst/>
+          </a:prstGeom>
+          <a:noFill/>
+        </p:spPr>
+        <p:txBody>
+          <a:bodyPr wrap="square" rtlCol="0">
+            <a:spAutoFit/>
+          </a:bodyPr>
+          <a:lstStyle/>
+          <a:p>
+            <a:pPr algn="r"/>
+            <a:r>
+              <a:rPr lang="en-GB" dirty="0"/>
+              <a:t>External clock</a:t>
+            </a:r>
+          </a:p>
+        </p:txBody>
+      </p:sp>
+      <p:cxnSp>
+        <p:nvCxnSpPr>
+          <p:cNvPr id="137" name="Straight Connector 136">
+            <a:extLst>
+              <a:ext uri="{FF2B5EF4-FFF2-40B4-BE49-F238E27FC236}">
+                <a16:creationId xmlns:a16="http://schemas.microsoft.com/office/drawing/2014/main" id="{A520F4AF-F5B8-E492-1CBE-02C95A9044F0}"/>
+              </a:ext>
+            </a:extLst>
+          </p:cNvPr>
+          <p:cNvCxnSpPr/>
+          <p:nvPr/>
+        </p:nvCxnSpPr>
+        <p:spPr>
+          <a:xfrm flipV="1">
+            <a:off x="5452410" y="2525061"/>
+            <a:ext cx="161925" cy="153723"/>
+          </a:xfrm>
+          <a:prstGeom prst="line">
+            <a:avLst/>
+          </a:prstGeom>
+          <a:effectLst>
+            <a:outerShdw blurRad="50800" dist="38100" dir="2700000" algn="tl" rotWithShape="0">
+              <a:prstClr val="black">
+                <a:alpha val="40000"/>
+              </a:prstClr>
+            </a:outerShdw>
+          </a:effectLst>
+        </p:spPr>
+        <p:style>
+          <a:lnRef idx="1">
+            <a:schemeClr val="dk1"/>
+          </a:lnRef>
+          <a:fillRef idx="0">
+            <a:schemeClr val="dk1"/>
+          </a:fillRef>
+          <a:effectRef idx="0">
+            <a:schemeClr val="dk1"/>
+          </a:effectRef>
+          <a:fontRef idx="minor">
+            <a:schemeClr val="tx1"/>
+          </a:fontRef>
+        </p:style>
+      </p:cxnSp>
+      <p:sp>
+        <p:nvSpPr>
+          <p:cNvPr id="138" name="TextBox 137">
+            <a:extLst>
+              <a:ext uri="{FF2B5EF4-FFF2-40B4-BE49-F238E27FC236}">
+                <a16:creationId xmlns:a16="http://schemas.microsoft.com/office/drawing/2014/main" id="{C0EA95B3-9F5C-95E3-F122-DCB6B1EC2324}"/>
+              </a:ext>
+            </a:extLst>
+          </p:cNvPr>
+          <p:cNvSpPr txBox="1"/>
+          <p:nvPr/>
+        </p:nvSpPr>
+        <p:spPr>
+          <a:xfrm>
+            <a:off x="5525441" y="2457282"/>
+            <a:ext cx="301686" cy="369332"/>
+          </a:xfrm>
+          <a:prstGeom prst="rect">
+            <a:avLst/>
+          </a:prstGeom>
+          <a:noFill/>
+          <a:effectLst>
+            <a:outerShdw blurRad="50800" dist="38100" dir="2700000" algn="tl" rotWithShape="0">
+              <a:prstClr val="black">
+                <a:alpha val="40000"/>
+              </a:prstClr>
+            </a:outerShdw>
+          </a:effectLst>
+        </p:spPr>
+        <p:txBody>
+          <a:bodyPr wrap="none" rtlCol="0">
+            <a:spAutoFit/>
+          </a:bodyPr>
+          <a:lstStyle/>
+          <a:p>
+            <a:r>
+              <a:rPr lang="en-GB" dirty="0"/>
+              <a:t>4</a:t>
+            </a:r>
+          </a:p>
+        </p:txBody>
+      </p:sp>
+      <p:cxnSp>
+        <p:nvCxnSpPr>
+          <p:cNvPr id="139" name="Straight Connector 138">
+            <a:extLst>
+              <a:ext uri="{FF2B5EF4-FFF2-40B4-BE49-F238E27FC236}">
+                <a16:creationId xmlns:a16="http://schemas.microsoft.com/office/drawing/2014/main" id="{19F89646-CD0D-DD4B-15A1-A28FE64B7DFD}"/>
+              </a:ext>
+            </a:extLst>
+          </p:cNvPr>
+          <p:cNvCxnSpPr/>
+          <p:nvPr/>
+        </p:nvCxnSpPr>
+        <p:spPr>
+          <a:xfrm flipV="1">
+            <a:off x="5450265" y="3388054"/>
+            <a:ext cx="161925" cy="153723"/>
+          </a:xfrm>
+          <a:prstGeom prst="line">
+            <a:avLst/>
+          </a:prstGeom>
+          <a:effectLst>
+            <a:outerShdw blurRad="50800" dist="38100" dir="2700000" algn="tl" rotWithShape="0">
+              <a:prstClr val="black">
+                <a:alpha val="40000"/>
+              </a:prstClr>
+            </a:outerShdw>
+          </a:effectLst>
+        </p:spPr>
+        <p:style>
+          <a:lnRef idx="1">
+            <a:schemeClr val="dk1"/>
+          </a:lnRef>
+          <a:fillRef idx="0">
+            <a:schemeClr val="dk1"/>
+          </a:fillRef>
+          <a:effectRef idx="0">
+            <a:schemeClr val="dk1"/>
+          </a:effectRef>
+          <a:fontRef idx="minor">
+            <a:schemeClr val="tx1"/>
+          </a:fontRef>
+        </p:style>
+      </p:cxnSp>
+      <p:sp>
+        <p:nvSpPr>
+          <p:cNvPr id="140" name="TextBox 139">
+            <a:extLst>
+              <a:ext uri="{FF2B5EF4-FFF2-40B4-BE49-F238E27FC236}">
+                <a16:creationId xmlns:a16="http://schemas.microsoft.com/office/drawing/2014/main" id="{27764F6A-3781-B31B-7986-FA7123FB9D61}"/>
+              </a:ext>
+            </a:extLst>
+          </p:cNvPr>
+          <p:cNvSpPr txBox="1"/>
+          <p:nvPr/>
+        </p:nvSpPr>
+        <p:spPr>
+          <a:xfrm>
+            <a:off x="5523296" y="3320275"/>
+            <a:ext cx="301686" cy="369332"/>
+          </a:xfrm>
+          <a:prstGeom prst="rect">
+            <a:avLst/>
+          </a:prstGeom>
+          <a:noFill/>
+          <a:effectLst>
+            <a:outerShdw blurRad="50800" dist="38100" dir="2700000" algn="tl" rotWithShape="0">
+              <a:prstClr val="black">
+                <a:alpha val="40000"/>
+              </a:prstClr>
+            </a:outerShdw>
+          </a:effectLst>
+        </p:spPr>
+        <p:txBody>
+          <a:bodyPr wrap="none" rtlCol="0">
+            <a:spAutoFit/>
+          </a:bodyPr>
+          <a:lstStyle/>
+          <a:p>
+            <a:r>
+              <a:rPr lang="en-GB" dirty="0"/>
+              <a:t>4</a:t>
+            </a:r>
+          </a:p>
+        </p:txBody>
+      </p:sp>
+      <p:cxnSp>
+        <p:nvCxnSpPr>
+          <p:cNvPr id="141" name="Straight Connector 140">
+            <a:extLst>
+              <a:ext uri="{FF2B5EF4-FFF2-40B4-BE49-F238E27FC236}">
+                <a16:creationId xmlns:a16="http://schemas.microsoft.com/office/drawing/2014/main" id="{FFB1E61C-B58D-959D-1D80-89F246B667C5}"/>
+              </a:ext>
+            </a:extLst>
+          </p:cNvPr>
+          <p:cNvCxnSpPr>
+            <a:cxnSpLocks/>
+            <a:stCxn id="98" idx="6"/>
+            <a:endCxn id="2" idx="1"/>
+          </p:cNvCxnSpPr>
+          <p:nvPr/>
+        </p:nvCxnSpPr>
+        <p:spPr>
+          <a:xfrm flipV="1">
+            <a:off x="6141143" y="3023639"/>
+            <a:ext cx="302573" cy="2048"/>
+          </a:xfrm>
+          <a:prstGeom prst="line">
+            <a:avLst/>
+          </a:prstGeom>
+          <a:effectLst>
+            <a:outerShdw blurRad="50800" dist="38100" dir="2700000" algn="tl" rotWithShape="0">
+              <a:prstClr val="black">
+                <a:alpha val="40000"/>
+              </a:prstClr>
+            </a:outerShdw>
+          </a:effectLst>
+        </p:spPr>
+        <p:style>
+          <a:lnRef idx="3">
+            <a:schemeClr val="dk1"/>
+          </a:lnRef>
+          <a:fillRef idx="0">
+            <a:schemeClr val="dk1"/>
+          </a:fillRef>
+          <a:effectRef idx="2">
+            <a:schemeClr val="dk1"/>
+          </a:effectRef>
+          <a:fontRef idx="minor">
+            <a:schemeClr val="tx1"/>
+          </a:fontRef>
+        </p:style>
+      </p:cxnSp>
+      <p:cxnSp>
+        <p:nvCxnSpPr>
+          <p:cNvPr id="147" name="Straight Connector 146">
+            <a:extLst>
+              <a:ext uri="{FF2B5EF4-FFF2-40B4-BE49-F238E27FC236}">
+                <a16:creationId xmlns:a16="http://schemas.microsoft.com/office/drawing/2014/main" id="{57215FF9-132F-CC6C-A611-CFB815AFA053}"/>
+              </a:ext>
+            </a:extLst>
+          </p:cNvPr>
+          <p:cNvCxnSpPr>
+            <a:cxnSpLocks/>
+            <a:stCxn id="2" idx="3"/>
+          </p:cNvCxnSpPr>
+          <p:nvPr/>
+        </p:nvCxnSpPr>
+        <p:spPr>
+          <a:xfrm>
+            <a:off x="7942638" y="3023639"/>
+            <a:ext cx="419261" cy="0"/>
+          </a:xfrm>
+          <a:prstGeom prst="line">
+            <a:avLst/>
+          </a:prstGeom>
+          <a:effectLst>
+            <a:outerShdw blurRad="50800" dist="38100" dir="2700000" algn="tl" rotWithShape="0">
+              <a:prstClr val="black">
+                <a:alpha val="40000"/>
+              </a:prstClr>
+            </a:outerShdw>
+          </a:effectLst>
+        </p:spPr>
+        <p:style>
+          <a:lnRef idx="3">
+            <a:schemeClr val="dk1"/>
+          </a:lnRef>
+          <a:fillRef idx="0">
+            <a:schemeClr val="dk1"/>
+          </a:fillRef>
+          <a:effectRef idx="2">
+            <a:schemeClr val="dk1"/>
+          </a:effectRef>
+          <a:fontRef idx="minor">
+            <a:schemeClr val="tx1"/>
+          </a:fontRef>
+        </p:style>
+      </p:cxnSp>
+      <p:sp>
+        <p:nvSpPr>
+          <p:cNvPr id="153" name="TextBox 152">
+            <a:extLst>
+              <a:ext uri="{FF2B5EF4-FFF2-40B4-BE49-F238E27FC236}">
+                <a16:creationId xmlns:a16="http://schemas.microsoft.com/office/drawing/2014/main" id="{08209D19-505C-D69C-14FD-25865204D561}"/>
+              </a:ext>
+            </a:extLst>
+          </p:cNvPr>
+          <p:cNvSpPr txBox="1"/>
+          <p:nvPr/>
+        </p:nvSpPr>
+        <p:spPr>
+          <a:xfrm>
+            <a:off x="1762404" y="1995127"/>
+            <a:ext cx="876009" cy="369332"/>
+          </a:xfrm>
+          <a:prstGeom prst="rect">
+            <a:avLst/>
+          </a:prstGeom>
+          <a:noFill/>
+        </p:spPr>
+        <p:txBody>
+          <a:bodyPr wrap="none" rtlCol="0">
+            <a:spAutoFit/>
+          </a:bodyPr>
+          <a:lstStyle/>
+          <a:p>
+            <a:pPr algn="r"/>
+            <a:r>
+              <a:rPr lang="en-GB" dirty="0" err="1"/>
+              <a:t>sw</a:t>
+            </a:r>
+            <a:r>
+              <a:rPr lang="en-GB" dirty="0"/>
+              <a:t>(3:0)</a:t>
+            </a:r>
+          </a:p>
+        </p:txBody>
+      </p:sp>
+      <p:sp>
+        <p:nvSpPr>
+          <p:cNvPr id="154" name="TextBox 153">
+            <a:extLst>
+              <a:ext uri="{FF2B5EF4-FFF2-40B4-BE49-F238E27FC236}">
+                <a16:creationId xmlns:a16="http://schemas.microsoft.com/office/drawing/2014/main" id="{B579E282-AE3F-C16E-956C-DC8C936962D9}"/>
+              </a:ext>
+            </a:extLst>
+          </p:cNvPr>
+          <p:cNvSpPr txBox="1"/>
+          <p:nvPr/>
+        </p:nvSpPr>
+        <p:spPr>
+          <a:xfrm>
+            <a:off x="1718440" y="3653205"/>
+            <a:ext cx="941861" cy="369332"/>
+          </a:xfrm>
+          <a:prstGeom prst="rect">
+            <a:avLst/>
+          </a:prstGeom>
+          <a:noFill/>
+        </p:spPr>
+        <p:txBody>
+          <a:bodyPr wrap="none" rtlCol="0">
+            <a:spAutoFit/>
+          </a:bodyPr>
+          <a:lstStyle/>
+          <a:p>
+            <a:pPr algn="r"/>
+            <a:r>
+              <a:rPr lang="en-GB" dirty="0" err="1"/>
+              <a:t>btn</a:t>
+            </a:r>
+            <a:r>
+              <a:rPr lang="en-GB" dirty="0"/>
+              <a:t>(3:0)</a:t>
+            </a:r>
+          </a:p>
+        </p:txBody>
+      </p:sp>
+      <p:sp>
+        <p:nvSpPr>
+          <p:cNvPr id="156" name="Rectangle 155">
+            <a:extLst>
+              <a:ext uri="{FF2B5EF4-FFF2-40B4-BE49-F238E27FC236}">
+                <a16:creationId xmlns:a16="http://schemas.microsoft.com/office/drawing/2014/main" id="{A7C86D1F-DB54-F41F-D0FA-43388CE18CC9}"/>
+              </a:ext>
+            </a:extLst>
+          </p:cNvPr>
+          <p:cNvSpPr/>
+          <p:nvPr/>
+        </p:nvSpPr>
+        <p:spPr>
+          <a:xfrm>
+            <a:off x="6641604" y="1190978"/>
+            <a:ext cx="1103145" cy="623106"/>
+          </a:xfrm>
+          <a:prstGeom prst="rect">
+            <a:avLst/>
+          </a:prstGeom>
+          <a:effectLst>
+            <a:outerShdw blurRad="50800" dist="38100" dir="2700000" algn="tl" rotWithShape="0">
+              <a:prstClr val="black">
+                <a:alpha val="40000"/>
+              </a:prstClr>
+            </a:outerShdw>
+          </a:effectLst>
+        </p:spPr>
+        <p:style>
+          <a:lnRef idx="2">
+            <a:schemeClr val="dk1"/>
+          </a:lnRef>
+          <a:fillRef idx="1">
+            <a:schemeClr val="lt1"/>
+          </a:fillRef>
+          <a:effectRef idx="0">
+            <a:schemeClr val="dk1"/>
+          </a:effectRef>
+          <a:fontRef idx="minor">
+            <a:schemeClr val="dk1"/>
+          </a:fontRef>
+        </p:style>
+        <p:txBody>
+          <a:bodyPr rtlCol="0" anchor="ctr"/>
+          <a:lstStyle/>
+          <a:p>
+            <a:pPr algn="ctr"/>
+            <a:r>
+              <a:rPr lang="en-GB" dirty="0"/>
+              <a:t>Power-on Reset</a:t>
+            </a:r>
+          </a:p>
+        </p:txBody>
+      </p:sp>
+      <p:cxnSp>
+        <p:nvCxnSpPr>
+          <p:cNvPr id="159" name="Straight Connector 158">
+            <a:extLst>
+              <a:ext uri="{FF2B5EF4-FFF2-40B4-BE49-F238E27FC236}">
+                <a16:creationId xmlns:a16="http://schemas.microsoft.com/office/drawing/2014/main" id="{341C70F4-9228-41F7-C718-30250BCE6D8F}"/>
+              </a:ext>
+            </a:extLst>
+          </p:cNvPr>
+          <p:cNvCxnSpPr>
+            <a:cxnSpLocks/>
+          </p:cNvCxnSpPr>
+          <p:nvPr/>
+        </p:nvCxnSpPr>
+        <p:spPr>
+          <a:xfrm>
+            <a:off x="7196241" y="1814084"/>
+            <a:ext cx="0" cy="604777"/>
+          </a:xfrm>
+          <a:prstGeom prst="line">
+            <a:avLst/>
+          </a:prstGeom>
+          <a:effectLst>
+            <a:outerShdw blurRad="50800" dist="38100" dir="2700000" algn="tl" rotWithShape="0">
+              <a:prstClr val="black">
+                <a:alpha val="40000"/>
+              </a:prstClr>
+            </a:outerShdw>
+          </a:effectLst>
+        </p:spPr>
+        <p:style>
+          <a:lnRef idx="1">
+            <a:schemeClr val="dk1"/>
+          </a:lnRef>
+          <a:fillRef idx="0">
+            <a:schemeClr val="dk1"/>
+          </a:fillRef>
+          <a:effectRef idx="0">
+            <a:schemeClr val="dk1"/>
+          </a:effectRef>
+          <a:fontRef idx="minor">
+            <a:schemeClr val="tx1"/>
+          </a:fontRef>
+        </p:style>
+      </p:cxnSp>
+      <p:sp>
+        <p:nvSpPr>
+          <p:cNvPr id="160" name="TextBox 159">
+            <a:extLst>
+              <a:ext uri="{FF2B5EF4-FFF2-40B4-BE49-F238E27FC236}">
+                <a16:creationId xmlns:a16="http://schemas.microsoft.com/office/drawing/2014/main" id="{C1222105-C10F-F45B-8D24-AA129BCC7740}"/>
+              </a:ext>
+            </a:extLst>
+          </p:cNvPr>
+          <p:cNvSpPr txBox="1"/>
+          <p:nvPr/>
+        </p:nvSpPr>
+        <p:spPr>
+          <a:xfrm>
+            <a:off x="3642174" y="981951"/>
+            <a:ext cx="1295098" cy="369332"/>
+          </a:xfrm>
+          <a:prstGeom prst="rect">
+            <a:avLst/>
+          </a:prstGeom>
+          <a:noFill/>
+        </p:spPr>
+        <p:txBody>
+          <a:bodyPr wrap="none" rtlCol="0">
+            <a:spAutoFit/>
+          </a:bodyPr>
+          <a:lstStyle/>
+          <a:p>
+            <a:r>
+              <a:rPr lang="en-GB" dirty="0"/>
+              <a:t>zybo_z7_10</a:t>
+            </a:r>
+          </a:p>
+        </p:txBody>
+      </p:sp>
+      <p:sp>
+        <p:nvSpPr>
+          <p:cNvPr id="161" name="TextBox 160">
+            <a:extLst>
+              <a:ext uri="{FF2B5EF4-FFF2-40B4-BE49-F238E27FC236}">
+                <a16:creationId xmlns:a16="http://schemas.microsoft.com/office/drawing/2014/main" id="{F06F7627-E02C-1EA9-884B-37192E2898F5}"/>
+              </a:ext>
+            </a:extLst>
+          </p:cNvPr>
+          <p:cNvSpPr txBox="1"/>
+          <p:nvPr/>
+        </p:nvSpPr>
+        <p:spPr>
+          <a:xfrm>
+            <a:off x="9121140" y="2838972"/>
+            <a:ext cx="912429" cy="369332"/>
+          </a:xfrm>
+          <a:prstGeom prst="rect">
+            <a:avLst/>
+          </a:prstGeom>
+          <a:noFill/>
+        </p:spPr>
+        <p:txBody>
+          <a:bodyPr wrap="none" rtlCol="0">
+            <a:spAutoFit/>
+          </a:bodyPr>
+          <a:lstStyle/>
+          <a:p>
+            <a:r>
+              <a:rPr lang="en-GB" dirty="0"/>
+              <a:t>led(3:0)</a:t>
+            </a:r>
+          </a:p>
+        </p:txBody>
+      </p:sp>
+      <p:sp>
+        <p:nvSpPr>
+          <p:cNvPr id="162" name="TextBox 161">
+            <a:extLst>
+              <a:ext uri="{FF2B5EF4-FFF2-40B4-BE49-F238E27FC236}">
+                <a16:creationId xmlns:a16="http://schemas.microsoft.com/office/drawing/2014/main" id="{5674623B-FDB8-1CFA-24D6-9679051172D8}"/>
+              </a:ext>
+            </a:extLst>
+          </p:cNvPr>
+          <p:cNvSpPr txBox="1"/>
+          <p:nvPr/>
+        </p:nvSpPr>
+        <p:spPr>
+          <a:xfrm>
+            <a:off x="6945852" y="2340213"/>
+            <a:ext cx="500778" cy="276999"/>
+          </a:xfrm>
+          <a:prstGeom prst="rect">
+            <a:avLst/>
+          </a:prstGeom>
+          <a:noFill/>
+        </p:spPr>
+        <p:txBody>
+          <a:bodyPr wrap="none" rtlCol="0">
+            <a:spAutoFit/>
+          </a:bodyPr>
+          <a:lstStyle/>
+          <a:p>
+            <a:pPr algn="ctr"/>
+            <a:r>
+              <a:rPr lang="en-GB" sz="1200" dirty="0"/>
+              <a:t>reset</a:t>
+            </a:r>
+          </a:p>
+        </p:txBody>
+      </p:sp>
+      <p:sp>
+        <p:nvSpPr>
+          <p:cNvPr id="163" name="TextBox 162">
+            <a:extLst>
+              <a:ext uri="{FF2B5EF4-FFF2-40B4-BE49-F238E27FC236}">
+                <a16:creationId xmlns:a16="http://schemas.microsoft.com/office/drawing/2014/main" id="{2F9947C2-475A-7A17-19DA-1BCB2906472E}"/>
+              </a:ext>
+            </a:extLst>
+          </p:cNvPr>
+          <p:cNvSpPr txBox="1"/>
+          <p:nvPr/>
+        </p:nvSpPr>
+        <p:spPr>
+          <a:xfrm>
+            <a:off x="7018148" y="3380937"/>
+            <a:ext cx="356187" cy="276999"/>
+          </a:xfrm>
+          <a:prstGeom prst="rect">
+            <a:avLst/>
+          </a:prstGeom>
+          <a:noFill/>
+        </p:spPr>
+        <p:txBody>
+          <a:bodyPr wrap="none" rtlCol="0">
+            <a:spAutoFit/>
+          </a:bodyPr>
+          <a:lstStyle/>
+          <a:p>
+            <a:pPr algn="ctr"/>
+            <a:r>
+              <a:rPr lang="en-GB" sz="1200" dirty="0" err="1"/>
+              <a:t>clk</a:t>
+            </a:r>
+            <a:endParaRPr lang="en-GB" sz="1200" dirty="0"/>
+          </a:p>
+        </p:txBody>
+      </p:sp>
+      <p:sp>
+        <p:nvSpPr>
+          <p:cNvPr id="164" name="TextBox 163">
+            <a:extLst>
+              <a:ext uri="{FF2B5EF4-FFF2-40B4-BE49-F238E27FC236}">
+                <a16:creationId xmlns:a16="http://schemas.microsoft.com/office/drawing/2014/main" id="{71823AE4-BC4C-32D9-5007-92007A0CD298}"/>
+              </a:ext>
+            </a:extLst>
+          </p:cNvPr>
+          <p:cNvSpPr txBox="1"/>
+          <p:nvPr/>
+        </p:nvSpPr>
+        <p:spPr>
+          <a:xfrm>
+            <a:off x="6443715" y="2583653"/>
+            <a:ext cx="1506483" cy="369332"/>
+          </a:xfrm>
+          <a:prstGeom prst="rect">
+            <a:avLst/>
+          </a:prstGeom>
+          <a:noFill/>
+        </p:spPr>
+        <p:txBody>
+          <a:bodyPr wrap="square" rtlCol="0">
+            <a:spAutoFit/>
+          </a:bodyPr>
+          <a:lstStyle/>
+          <a:p>
+            <a:pPr algn="ctr"/>
+            <a:r>
+              <a:rPr lang="en-GB" dirty="0"/>
+              <a:t>led4_button4</a:t>
+            </a:r>
+          </a:p>
+        </p:txBody>
+      </p:sp>
+      <p:sp>
+        <p:nvSpPr>
+          <p:cNvPr id="165" name="TextBox 164">
+            <a:extLst>
+              <a:ext uri="{FF2B5EF4-FFF2-40B4-BE49-F238E27FC236}">
+                <a16:creationId xmlns:a16="http://schemas.microsoft.com/office/drawing/2014/main" id="{B9728BFD-86DC-37E1-6229-C81036BCB9F0}"/>
+              </a:ext>
+            </a:extLst>
+          </p:cNvPr>
+          <p:cNvSpPr txBox="1"/>
+          <p:nvPr/>
+        </p:nvSpPr>
+        <p:spPr>
+          <a:xfrm>
+            <a:off x="6396309" y="2871528"/>
+            <a:ext cx="958468" cy="276999"/>
+          </a:xfrm>
+          <a:prstGeom prst="rect">
+            <a:avLst/>
+          </a:prstGeom>
+          <a:noFill/>
+        </p:spPr>
+        <p:txBody>
+          <a:bodyPr wrap="none" rtlCol="0">
+            <a:spAutoFit/>
+          </a:bodyPr>
+          <a:lstStyle/>
+          <a:p>
+            <a:r>
+              <a:rPr lang="en-GB" sz="1200" dirty="0"/>
+              <a:t>buttons(3:0)</a:t>
+            </a:r>
+          </a:p>
+        </p:txBody>
+      </p:sp>
+      <p:sp>
+        <p:nvSpPr>
+          <p:cNvPr id="166" name="TextBox 165">
+            <a:extLst>
+              <a:ext uri="{FF2B5EF4-FFF2-40B4-BE49-F238E27FC236}">
+                <a16:creationId xmlns:a16="http://schemas.microsoft.com/office/drawing/2014/main" id="{C5454F5A-C831-4684-D2D3-663529A433CF}"/>
+              </a:ext>
+            </a:extLst>
+          </p:cNvPr>
+          <p:cNvSpPr txBox="1"/>
+          <p:nvPr/>
+        </p:nvSpPr>
+        <p:spPr>
+          <a:xfrm>
+            <a:off x="7262524" y="2871528"/>
+            <a:ext cx="729687" cy="276999"/>
+          </a:xfrm>
+          <a:prstGeom prst="rect">
+            <a:avLst/>
+          </a:prstGeom>
+          <a:noFill/>
+        </p:spPr>
+        <p:txBody>
+          <a:bodyPr wrap="none" rtlCol="0">
+            <a:spAutoFit/>
+          </a:bodyPr>
+          <a:lstStyle/>
+          <a:p>
+            <a:pPr algn="r"/>
+            <a:r>
+              <a:rPr lang="en-GB" sz="1200" dirty="0" err="1"/>
+              <a:t>leds</a:t>
+            </a:r>
+            <a:r>
+              <a:rPr lang="en-GB" sz="1200" dirty="0"/>
+              <a:t>(3:0)</a:t>
+            </a:r>
+          </a:p>
+        </p:txBody>
+      </p:sp>
+    </p:spTree>
+    <p:extLst>
+      <p:ext uri="{BB962C8B-B14F-4D97-AF65-F5344CB8AC3E}">
+        <p14:creationId xmlns:p14="http://schemas.microsoft.com/office/powerpoint/2010/main" val="2420838044"/>
+      </p:ext>
+    </p:extLst>
+  </p:cSld>
+  <p:clrMapOvr>
+    <a:masterClrMapping/>
+  </p:clrMapOvr>
+</p:sld>
+</file>
+
+<file path=ppt/slides/slide5.xml><?xml version="1.0" encoding="utf-8"?>
+<p:sld xmlns:a="http://schemas.openxmlformats.org/drawingml/2006/main" xmlns:r="http://schemas.openxmlformats.org/officeDocument/2006/relationships" xmlns:p="http://schemas.openxmlformats.org/presentationml/2006/main">
+  <p:cSld>
+    <p:spTree>
+      <p:nvGrpSpPr>
+        <p:cNvPr id="1" name=""/>
+        <p:cNvGrpSpPr/>
+        <p:nvPr/>
+      </p:nvGrpSpPr>
+      <p:grpSpPr>
+        <a:xfrm>
+          <a:off x="0" y="0"/>
+          <a:ext cx="0" cy="0"/>
+          <a:chOff x="0" y="0"/>
+          <a:chExt cx="0" cy="0"/>
+        </a:xfrm>
+      </p:grpSpPr>
+      <p:sp>
+        <p:nvSpPr>
+          <p:cNvPr id="55" name="Rectangle 54">
+            <a:extLst>
+              <a:ext uri="{FF2B5EF4-FFF2-40B4-BE49-F238E27FC236}">
+                <a16:creationId xmlns:a16="http://schemas.microsoft.com/office/drawing/2014/main" id="{E837F354-651C-FED1-B453-FF25F8AF2B8D}"/>
+              </a:ext>
+            </a:extLst>
+          </p:cNvPr>
+          <p:cNvSpPr/>
+          <p:nvPr/>
+        </p:nvSpPr>
+        <p:spPr>
+          <a:xfrm>
+            <a:off x="6793022" y="781050"/>
+            <a:ext cx="4390255" cy="4750426"/>
+          </a:xfrm>
+          <a:prstGeom prst="rect">
+            <a:avLst/>
+          </a:prstGeom>
+          <a:ln>
+            <a:noFill/>
+          </a:ln>
+        </p:spPr>
+        <p:style>
+          <a:lnRef idx="2">
+            <a:schemeClr val="dk1"/>
+          </a:lnRef>
+          <a:fillRef idx="1">
+            <a:schemeClr val="lt1"/>
+          </a:fillRef>
+          <a:effectRef idx="0">
+            <a:schemeClr val="dk1"/>
+          </a:effectRef>
+          <a:fontRef idx="minor">
+            <a:schemeClr val="dk1"/>
+          </a:fontRef>
+        </p:style>
+        <p:txBody>
+          <a:bodyPr rtlCol="0" anchor="ctr"/>
+          <a:lstStyle/>
+          <a:p>
+            <a:pPr algn="ctr"/>
+            <a:endParaRPr lang="en-GB"/>
+          </a:p>
+        </p:txBody>
+      </p:sp>
+      <p:sp>
+        <p:nvSpPr>
+          <p:cNvPr id="34" name="Rectangle 33">
+            <a:extLst>
+              <a:ext uri="{FF2B5EF4-FFF2-40B4-BE49-F238E27FC236}">
+                <a16:creationId xmlns:a16="http://schemas.microsoft.com/office/drawing/2014/main" id="{C2176DED-0311-9D4D-45D6-0FCD3F44686F}"/>
+              </a:ext>
+            </a:extLst>
+          </p:cNvPr>
+          <p:cNvSpPr/>
+          <p:nvPr/>
+        </p:nvSpPr>
+        <p:spPr>
+          <a:xfrm>
+            <a:off x="1370900" y="1446310"/>
+            <a:ext cx="4013200" cy="4371552"/>
+          </a:xfrm>
+          <a:prstGeom prst="rect">
+            <a:avLst/>
+          </a:prstGeom>
+          <a:ln>
+            <a:noFill/>
+          </a:ln>
+        </p:spPr>
+        <p:style>
+          <a:lnRef idx="2">
+            <a:schemeClr val="dk1"/>
+          </a:lnRef>
+          <a:fillRef idx="1">
+            <a:schemeClr val="lt1"/>
+          </a:fillRef>
+          <a:effectRef idx="0">
+            <a:schemeClr val="dk1"/>
+          </a:effectRef>
+          <a:fontRef idx="minor">
+            <a:schemeClr val="dk1"/>
+          </a:fontRef>
+        </p:style>
+        <p:txBody>
+          <a:bodyPr rtlCol="0" anchor="ctr"/>
+          <a:lstStyle/>
+          <a:p>
+            <a:pPr algn="ctr"/>
+            <a:endParaRPr lang="en-GB"/>
+          </a:p>
+        </p:txBody>
+      </p:sp>
+      <p:sp>
+        <p:nvSpPr>
+          <p:cNvPr id="11" name="Rectangle 10">
+            <a:extLst>
+              <a:ext uri="{FF2B5EF4-FFF2-40B4-BE49-F238E27FC236}">
+                <a16:creationId xmlns:a16="http://schemas.microsoft.com/office/drawing/2014/main" id="{B09D9446-EA78-E851-C40D-F66D4AC59F2E}"/>
+              </a:ext>
+            </a:extLst>
+          </p:cNvPr>
+          <p:cNvSpPr/>
+          <p:nvPr/>
+        </p:nvSpPr>
+        <p:spPr>
+          <a:xfrm>
+            <a:off x="1511054" y="1588761"/>
+            <a:ext cx="3650796" cy="4092151"/>
+          </a:xfrm>
+          <a:prstGeom prst="rect">
+            <a:avLst/>
+          </a:prstGeom>
+          <a:effectLst>
+            <a:outerShdw blurRad="50800" dist="38100" dir="2700000" algn="tl" rotWithShape="0">
+              <a:prstClr val="black">
+                <a:alpha val="40000"/>
+              </a:prstClr>
+            </a:outerShdw>
+          </a:effectLst>
+        </p:spPr>
+        <p:style>
+          <a:lnRef idx="2">
+            <a:schemeClr val="dk1"/>
+          </a:lnRef>
+          <a:fillRef idx="1">
+            <a:schemeClr val="lt1"/>
+          </a:fillRef>
+          <a:effectRef idx="0">
+            <a:schemeClr val="dk1"/>
+          </a:effectRef>
+          <a:fontRef idx="minor">
+            <a:schemeClr val="dk1"/>
+          </a:fontRef>
+        </p:style>
+        <p:txBody>
+          <a:bodyPr rtlCol="0" anchor="ctr"/>
+          <a:lstStyle/>
+          <a:p>
+            <a:pPr algn="ctr"/>
+            <a:endParaRPr lang="en-GB"/>
+          </a:p>
+        </p:txBody>
+      </p:sp>
+      <p:sp>
+        <p:nvSpPr>
+          <p:cNvPr id="2" name="Rectangle 1">
+            <a:extLst>
+              <a:ext uri="{FF2B5EF4-FFF2-40B4-BE49-F238E27FC236}">
+                <a16:creationId xmlns:a16="http://schemas.microsoft.com/office/drawing/2014/main" id="{DC4BC172-48D2-7056-BBA4-EB5466678F94}"/>
+              </a:ext>
+            </a:extLst>
+          </p:cNvPr>
+          <p:cNvSpPr/>
+          <p:nvPr/>
+        </p:nvSpPr>
+        <p:spPr>
+          <a:xfrm>
+            <a:off x="2920372" y="2826522"/>
+            <a:ext cx="1498922" cy="1209555"/>
+          </a:xfrm>
+          <a:prstGeom prst="rect">
+            <a:avLst/>
+          </a:prstGeom>
+          <a:effectLst>
+            <a:outerShdw blurRad="50800" dist="38100" dir="2700000" algn="tl" rotWithShape="0">
+              <a:prstClr val="black">
+                <a:alpha val="40000"/>
+              </a:prstClr>
+            </a:outerShdw>
+          </a:effectLst>
+        </p:spPr>
+        <p:style>
+          <a:lnRef idx="2">
+            <a:schemeClr val="dk1"/>
+          </a:lnRef>
+          <a:fillRef idx="1">
+            <a:schemeClr val="lt1"/>
+          </a:fillRef>
+          <a:effectRef idx="0">
+            <a:schemeClr val="dk1"/>
+          </a:effectRef>
+          <a:fontRef idx="minor">
+            <a:schemeClr val="dk1"/>
+          </a:fontRef>
+        </p:style>
+        <p:txBody>
+          <a:bodyPr rtlCol="0" anchor="ctr"/>
+          <a:lstStyle/>
+          <a:p>
+            <a:pPr algn="ctr"/>
+            <a:endParaRPr lang="en-GB" dirty="0"/>
+          </a:p>
+        </p:txBody>
+      </p:sp>
+      <p:sp>
+        <p:nvSpPr>
+          <p:cNvPr id="6" name="TextBox 5">
+            <a:extLst>
+              <a:ext uri="{FF2B5EF4-FFF2-40B4-BE49-F238E27FC236}">
+                <a16:creationId xmlns:a16="http://schemas.microsoft.com/office/drawing/2014/main" id="{F48A249D-E970-33FA-451E-B4AEE07E2FC7}"/>
+              </a:ext>
+            </a:extLst>
+          </p:cNvPr>
+          <p:cNvSpPr txBox="1"/>
+          <p:nvPr/>
+        </p:nvSpPr>
+        <p:spPr>
+          <a:xfrm>
+            <a:off x="3905812" y="2823006"/>
+            <a:ext cx="316112" cy="184666"/>
+          </a:xfrm>
+          <a:prstGeom prst="rect">
+            <a:avLst/>
+          </a:prstGeom>
+          <a:noFill/>
+        </p:spPr>
+        <p:txBody>
+          <a:bodyPr wrap="none" lIns="0" tIns="0" rIns="0" bIns="0" rtlCol="0">
+            <a:spAutoFit/>
+          </a:bodyPr>
+          <a:lstStyle/>
+          <a:p>
+            <a:pPr algn="ctr"/>
+            <a:r>
+              <a:rPr lang="en-GB" sz="1200" dirty="0"/>
+              <a:t>reset</a:t>
+            </a:r>
+          </a:p>
+        </p:txBody>
+      </p:sp>
+      <p:sp>
+        <p:nvSpPr>
+          <p:cNvPr id="7" name="TextBox 6">
+            <a:extLst>
+              <a:ext uri="{FF2B5EF4-FFF2-40B4-BE49-F238E27FC236}">
+                <a16:creationId xmlns:a16="http://schemas.microsoft.com/office/drawing/2014/main" id="{D49A1B0A-279D-F6E1-8FF6-D92095AFA479}"/>
+              </a:ext>
+            </a:extLst>
+          </p:cNvPr>
+          <p:cNvSpPr txBox="1"/>
+          <p:nvPr/>
+        </p:nvSpPr>
+        <p:spPr>
+          <a:xfrm>
+            <a:off x="3195356" y="2823006"/>
+            <a:ext cx="171522" cy="184666"/>
+          </a:xfrm>
+          <a:prstGeom prst="rect">
+            <a:avLst/>
+          </a:prstGeom>
+          <a:noFill/>
+        </p:spPr>
+        <p:txBody>
+          <a:bodyPr wrap="none" lIns="0" tIns="0" rIns="0" bIns="0" rtlCol="0">
+            <a:spAutoFit/>
+          </a:bodyPr>
+          <a:lstStyle/>
+          <a:p>
+            <a:pPr algn="ctr"/>
+            <a:r>
+              <a:rPr lang="en-GB" sz="1200" dirty="0" err="1"/>
+              <a:t>clk</a:t>
+            </a:r>
+            <a:endParaRPr lang="en-GB" sz="1200" dirty="0"/>
+          </a:p>
+        </p:txBody>
+      </p:sp>
+      <p:sp>
+        <p:nvSpPr>
+          <p:cNvPr id="8" name="TextBox 7">
+            <a:extLst>
+              <a:ext uri="{FF2B5EF4-FFF2-40B4-BE49-F238E27FC236}">
+                <a16:creationId xmlns:a16="http://schemas.microsoft.com/office/drawing/2014/main" id="{3F3F5F83-7FF9-4651-8DB1-570A90F6F9AD}"/>
+              </a:ext>
+            </a:extLst>
+          </p:cNvPr>
+          <p:cNvSpPr txBox="1"/>
+          <p:nvPr/>
+        </p:nvSpPr>
+        <p:spPr>
+          <a:xfrm>
+            <a:off x="2919976" y="2991314"/>
+            <a:ext cx="1498922" cy="369332"/>
+          </a:xfrm>
+          <a:prstGeom prst="rect">
+            <a:avLst/>
+          </a:prstGeom>
+          <a:noFill/>
+        </p:spPr>
+        <p:txBody>
+          <a:bodyPr wrap="square" rtlCol="0">
+            <a:spAutoFit/>
+          </a:bodyPr>
+          <a:lstStyle/>
+          <a:p>
+            <a:pPr algn="ctr"/>
+            <a:r>
+              <a:rPr lang="en-GB" dirty="0"/>
+              <a:t>led4_button4</a:t>
+            </a:r>
+          </a:p>
+        </p:txBody>
+      </p:sp>
+      <p:sp>
+        <p:nvSpPr>
+          <p:cNvPr id="9" name="TextBox 8">
+            <a:extLst>
+              <a:ext uri="{FF2B5EF4-FFF2-40B4-BE49-F238E27FC236}">
+                <a16:creationId xmlns:a16="http://schemas.microsoft.com/office/drawing/2014/main" id="{A0009FBA-AF42-99FA-DB61-7A09DFE9CDAE}"/>
+              </a:ext>
+            </a:extLst>
+          </p:cNvPr>
+          <p:cNvSpPr txBox="1"/>
+          <p:nvPr/>
+        </p:nvSpPr>
+        <p:spPr>
+          <a:xfrm>
+            <a:off x="2919976" y="3335828"/>
+            <a:ext cx="810153" cy="184666"/>
+          </a:xfrm>
+          <a:prstGeom prst="rect">
+            <a:avLst/>
+          </a:prstGeom>
+          <a:noFill/>
+        </p:spPr>
+        <p:txBody>
+          <a:bodyPr wrap="none" lIns="36000" tIns="0" rIns="0" bIns="0" rtlCol="0">
+            <a:spAutoFit/>
+          </a:bodyPr>
+          <a:lstStyle/>
+          <a:p>
+            <a:r>
+              <a:rPr lang="en-GB" sz="1200" dirty="0"/>
+              <a:t>buttons(3:0)</a:t>
+            </a:r>
+          </a:p>
+        </p:txBody>
+      </p:sp>
+      <p:sp>
+        <p:nvSpPr>
+          <p:cNvPr id="10" name="TextBox 9">
+            <a:extLst>
+              <a:ext uri="{FF2B5EF4-FFF2-40B4-BE49-F238E27FC236}">
+                <a16:creationId xmlns:a16="http://schemas.microsoft.com/office/drawing/2014/main" id="{8C11ADC6-F12B-F5F5-20F3-7B192AE1E51C}"/>
+              </a:ext>
+            </a:extLst>
+          </p:cNvPr>
+          <p:cNvSpPr txBox="1"/>
+          <p:nvPr/>
+        </p:nvSpPr>
+        <p:spPr>
+          <a:xfrm>
+            <a:off x="3837525" y="3335828"/>
+            <a:ext cx="581373" cy="184666"/>
+          </a:xfrm>
+          <a:prstGeom prst="rect">
+            <a:avLst/>
+          </a:prstGeom>
+          <a:noFill/>
+        </p:spPr>
+        <p:txBody>
+          <a:bodyPr wrap="none" lIns="0" tIns="0" rIns="36000" bIns="0" rtlCol="0">
+            <a:spAutoFit/>
+          </a:bodyPr>
+          <a:lstStyle/>
+          <a:p>
+            <a:pPr algn="r"/>
+            <a:r>
+              <a:rPr lang="en-GB" sz="1200" dirty="0" err="1"/>
+              <a:t>leds</a:t>
+            </a:r>
+            <a:r>
+              <a:rPr lang="en-GB" sz="1200" dirty="0"/>
+              <a:t>(3:0)</a:t>
+            </a:r>
+          </a:p>
+        </p:txBody>
+      </p:sp>
+      <p:pic>
+        <p:nvPicPr>
+          <p:cNvPr id="12" name="Picture 11">
+            <a:extLst>
+              <a:ext uri="{FF2B5EF4-FFF2-40B4-BE49-F238E27FC236}">
+                <a16:creationId xmlns:a16="http://schemas.microsoft.com/office/drawing/2014/main" id="{31429ABE-04E8-8348-2C2E-48C1B8042F5E}"/>
+              </a:ext>
+            </a:extLst>
+          </p:cNvPr>
+          <p:cNvPicPr>
+            <a:picLocks noChangeAspect="1"/>
+          </p:cNvPicPr>
+          <p:nvPr/>
+        </p:nvPicPr>
+        <p:blipFill>
+          <a:blip r:embed="rId2"/>
+          <a:stretch>
+            <a:fillRect/>
+          </a:stretch>
+        </p:blipFill>
+        <p:spPr>
+          <a:xfrm>
+            <a:off x="2609843" y="4369333"/>
+            <a:ext cx="2119980" cy="1111032"/>
+          </a:xfrm>
+          <a:prstGeom prst="rect">
+            <a:avLst/>
+          </a:prstGeom>
+          <a:effectLst>
+            <a:outerShdw blurRad="50800" dist="38100" dir="2700000" algn="tl" rotWithShape="0">
+              <a:prstClr val="black">
+                <a:alpha val="40000"/>
+              </a:prstClr>
+            </a:outerShdw>
+          </a:effectLst>
+        </p:spPr>
+      </p:pic>
+      <p:cxnSp>
+        <p:nvCxnSpPr>
+          <p:cNvPr id="14" name="Connector: Elbow 13">
+            <a:extLst>
+              <a:ext uri="{FF2B5EF4-FFF2-40B4-BE49-F238E27FC236}">
+                <a16:creationId xmlns:a16="http://schemas.microsoft.com/office/drawing/2014/main" id="{088B8266-6FAC-AAA2-34BE-B5783DB87B33}"/>
+              </a:ext>
+            </a:extLst>
+          </p:cNvPr>
+          <p:cNvCxnSpPr>
+            <a:cxnSpLocks/>
+          </p:cNvCxnSpPr>
+          <p:nvPr/>
+        </p:nvCxnSpPr>
+        <p:spPr>
+          <a:xfrm rot="10800000" flipH="1">
+            <a:off x="2609843" y="3431300"/>
+            <a:ext cx="310529" cy="1493549"/>
+          </a:xfrm>
+          <a:prstGeom prst="bentConnector3">
+            <a:avLst>
+              <a:gd name="adj1" fmla="val -73616"/>
+            </a:avLst>
+          </a:prstGeom>
+          <a:ln>
+            <a:tailEnd type="triangle"/>
+          </a:ln>
+          <a:effectLst>
+            <a:outerShdw blurRad="50800" dist="38100" dir="2700000" algn="tl" rotWithShape="0">
+              <a:prstClr val="black">
+                <a:alpha val="40000"/>
+              </a:prstClr>
+            </a:outerShdw>
+          </a:effectLst>
+        </p:spPr>
+        <p:style>
+          <a:lnRef idx="3">
+            <a:schemeClr val="dk1"/>
+          </a:lnRef>
+          <a:fillRef idx="0">
+            <a:schemeClr val="dk1"/>
+          </a:fillRef>
+          <a:effectRef idx="2">
+            <a:schemeClr val="dk1"/>
+          </a:effectRef>
+          <a:fontRef idx="minor">
+            <a:schemeClr val="tx1"/>
+          </a:fontRef>
+        </p:style>
+      </p:cxnSp>
+      <p:cxnSp>
+        <p:nvCxnSpPr>
+          <p:cNvPr id="19" name="Connector: Elbow 18">
+            <a:extLst>
+              <a:ext uri="{FF2B5EF4-FFF2-40B4-BE49-F238E27FC236}">
+                <a16:creationId xmlns:a16="http://schemas.microsoft.com/office/drawing/2014/main" id="{8E012FDE-B619-AA17-A441-2080408ED219}"/>
+              </a:ext>
+            </a:extLst>
+          </p:cNvPr>
+          <p:cNvCxnSpPr>
+            <a:cxnSpLocks/>
+            <a:stCxn id="2" idx="3"/>
+            <a:endCxn id="12" idx="3"/>
+          </p:cNvCxnSpPr>
+          <p:nvPr/>
+        </p:nvCxnSpPr>
+        <p:spPr>
+          <a:xfrm>
+            <a:off x="4419294" y="3431300"/>
+            <a:ext cx="310529" cy="1493549"/>
+          </a:xfrm>
+          <a:prstGeom prst="bentConnector3">
+            <a:avLst>
+              <a:gd name="adj1" fmla="val 173616"/>
+            </a:avLst>
+          </a:prstGeom>
+          <a:ln>
+            <a:tailEnd type="triangle"/>
+          </a:ln>
+          <a:effectLst>
+            <a:outerShdw blurRad="50800" dist="38100" dir="2700000" algn="tl" rotWithShape="0">
+              <a:prstClr val="black">
+                <a:alpha val="40000"/>
+              </a:prstClr>
+            </a:outerShdw>
+          </a:effectLst>
+        </p:spPr>
+        <p:style>
+          <a:lnRef idx="3">
+            <a:schemeClr val="dk1"/>
+          </a:lnRef>
+          <a:fillRef idx="0">
+            <a:schemeClr val="dk1"/>
+          </a:fillRef>
+          <a:effectRef idx="2">
+            <a:schemeClr val="dk1"/>
+          </a:effectRef>
+          <a:fontRef idx="minor">
+            <a:schemeClr val="tx1"/>
+          </a:fontRef>
+        </p:style>
+      </p:cxnSp>
+      <p:sp>
+        <p:nvSpPr>
+          <p:cNvPr id="23" name="Rectangle: Rounded Corners 22">
+            <a:extLst>
+              <a:ext uri="{FF2B5EF4-FFF2-40B4-BE49-F238E27FC236}">
+                <a16:creationId xmlns:a16="http://schemas.microsoft.com/office/drawing/2014/main" id="{7C93B001-F677-08FE-78F0-DBC3FEB835CB}"/>
+              </a:ext>
+            </a:extLst>
+          </p:cNvPr>
+          <p:cNvSpPr/>
+          <p:nvPr/>
+        </p:nvSpPr>
+        <p:spPr>
+          <a:xfrm>
+            <a:off x="1686283" y="2144652"/>
+            <a:ext cx="1038796" cy="603222"/>
+          </a:xfrm>
+          <a:prstGeom prst="roundRect">
+            <a:avLst/>
+          </a:prstGeom>
+          <a:effectLst>
+            <a:outerShdw blurRad="50800" dist="38100" dir="2700000" algn="tl" rotWithShape="0">
+              <a:prstClr val="black">
+                <a:alpha val="40000"/>
+              </a:prstClr>
+            </a:outerShdw>
+          </a:effectLst>
+        </p:spPr>
+        <p:style>
+          <a:lnRef idx="2">
+            <a:schemeClr val="dk1"/>
+          </a:lnRef>
+          <a:fillRef idx="1">
+            <a:schemeClr val="lt1"/>
+          </a:fillRef>
+          <a:effectRef idx="0">
+            <a:schemeClr val="dk1"/>
+          </a:effectRef>
+          <a:fontRef idx="minor">
+            <a:schemeClr val="dk1"/>
+          </a:fontRef>
+        </p:style>
+        <p:txBody>
+          <a:bodyPr rtlCol="0" anchor="ctr"/>
+          <a:lstStyle/>
+          <a:p>
+            <a:pPr algn="ctr"/>
+            <a:endParaRPr lang="en-GB" dirty="0"/>
+          </a:p>
+        </p:txBody>
+      </p:sp>
+      <p:sp>
+        <p:nvSpPr>
+          <p:cNvPr id="24" name="TextBox 23">
+            <a:extLst>
+              <a:ext uri="{FF2B5EF4-FFF2-40B4-BE49-F238E27FC236}">
+                <a16:creationId xmlns:a16="http://schemas.microsoft.com/office/drawing/2014/main" id="{600804DA-9EF8-4C4A-EFA3-40C419380636}"/>
+              </a:ext>
+            </a:extLst>
+          </p:cNvPr>
+          <p:cNvSpPr txBox="1"/>
+          <p:nvPr/>
+        </p:nvSpPr>
+        <p:spPr>
+          <a:xfrm>
+            <a:off x="2372615" y="2155635"/>
+            <a:ext cx="352464" cy="184666"/>
+          </a:xfrm>
+          <a:prstGeom prst="rect">
+            <a:avLst/>
+          </a:prstGeom>
+          <a:noFill/>
+        </p:spPr>
+        <p:txBody>
+          <a:bodyPr wrap="none" lIns="0" tIns="0" rIns="36000" bIns="0" rtlCol="0">
+            <a:spAutoFit/>
+          </a:bodyPr>
+          <a:lstStyle/>
+          <a:p>
+            <a:pPr algn="r"/>
+            <a:r>
+              <a:rPr lang="en-GB" sz="1200" dirty="0"/>
+              <a:t>reset</a:t>
+            </a:r>
+          </a:p>
+        </p:txBody>
+      </p:sp>
+      <p:sp>
+        <p:nvSpPr>
+          <p:cNvPr id="25" name="TextBox 24">
+            <a:extLst>
+              <a:ext uri="{FF2B5EF4-FFF2-40B4-BE49-F238E27FC236}">
+                <a16:creationId xmlns:a16="http://schemas.microsoft.com/office/drawing/2014/main" id="{210B6748-BDA6-91F4-AB24-974F5365478A}"/>
+              </a:ext>
+            </a:extLst>
+          </p:cNvPr>
+          <p:cNvSpPr txBox="1"/>
+          <p:nvPr/>
+        </p:nvSpPr>
+        <p:spPr>
+          <a:xfrm>
+            <a:off x="2517206" y="2351274"/>
+            <a:ext cx="207873" cy="184666"/>
+          </a:xfrm>
+          <a:prstGeom prst="rect">
+            <a:avLst/>
+          </a:prstGeom>
+          <a:noFill/>
+        </p:spPr>
+        <p:txBody>
+          <a:bodyPr wrap="none" lIns="0" tIns="0" rIns="36000" bIns="0" rtlCol="0">
+            <a:spAutoFit/>
+          </a:bodyPr>
+          <a:lstStyle/>
+          <a:p>
+            <a:pPr algn="r"/>
+            <a:r>
+              <a:rPr lang="en-GB" sz="1200" dirty="0" err="1"/>
+              <a:t>clk</a:t>
+            </a:r>
+            <a:endParaRPr lang="en-GB" sz="1200" dirty="0"/>
+          </a:p>
+        </p:txBody>
+      </p:sp>
+      <p:cxnSp>
+        <p:nvCxnSpPr>
+          <p:cNvPr id="27" name="Connector: Elbow 26">
+            <a:extLst>
+              <a:ext uri="{FF2B5EF4-FFF2-40B4-BE49-F238E27FC236}">
+                <a16:creationId xmlns:a16="http://schemas.microsoft.com/office/drawing/2014/main" id="{3E49DD65-707F-AEA5-AAED-AA57412A8809}"/>
+              </a:ext>
+            </a:extLst>
+          </p:cNvPr>
+          <p:cNvCxnSpPr>
+            <a:stCxn id="25" idx="3"/>
+            <a:endCxn id="7" idx="0"/>
+          </p:cNvCxnSpPr>
+          <p:nvPr/>
+        </p:nvCxnSpPr>
+        <p:spPr>
+          <a:xfrm>
+            <a:off x="2725079" y="2443607"/>
+            <a:ext cx="556038" cy="379399"/>
+          </a:xfrm>
+          <a:prstGeom prst="bentConnector2">
+            <a:avLst/>
+          </a:prstGeom>
+          <a:effectLst>
+            <a:outerShdw blurRad="50800" dist="38100" dir="2700000" algn="tl" rotWithShape="0">
+              <a:prstClr val="black">
+                <a:alpha val="40000"/>
+              </a:prstClr>
+            </a:outerShdw>
+          </a:effectLst>
+        </p:spPr>
+        <p:style>
+          <a:lnRef idx="1">
+            <a:schemeClr val="dk1"/>
+          </a:lnRef>
+          <a:fillRef idx="0">
+            <a:schemeClr val="dk1"/>
+          </a:fillRef>
+          <a:effectRef idx="0">
+            <a:schemeClr val="dk1"/>
+          </a:effectRef>
+          <a:fontRef idx="minor">
+            <a:schemeClr val="tx1"/>
+          </a:fontRef>
+        </p:style>
+      </p:cxnSp>
+      <p:cxnSp>
+        <p:nvCxnSpPr>
+          <p:cNvPr id="29" name="Connector: Elbow 28">
+            <a:extLst>
+              <a:ext uri="{FF2B5EF4-FFF2-40B4-BE49-F238E27FC236}">
+                <a16:creationId xmlns:a16="http://schemas.microsoft.com/office/drawing/2014/main" id="{33C70F06-A601-EB05-69ED-D26F4D97DA7F}"/>
+              </a:ext>
+            </a:extLst>
+          </p:cNvPr>
+          <p:cNvCxnSpPr>
+            <a:stCxn id="24" idx="3"/>
+            <a:endCxn id="6" idx="0"/>
+          </p:cNvCxnSpPr>
+          <p:nvPr/>
+        </p:nvCxnSpPr>
+        <p:spPr>
+          <a:xfrm>
+            <a:off x="2725079" y="2247968"/>
+            <a:ext cx="1338789" cy="575038"/>
+          </a:xfrm>
+          <a:prstGeom prst="bentConnector2">
+            <a:avLst/>
+          </a:prstGeom>
+          <a:effectLst>
+            <a:outerShdw blurRad="50800" dist="38100" dir="2700000" algn="tl" rotWithShape="0">
+              <a:prstClr val="black">
+                <a:alpha val="40000"/>
+              </a:prstClr>
+            </a:outerShdw>
+          </a:effectLst>
+        </p:spPr>
+        <p:style>
+          <a:lnRef idx="1">
+            <a:schemeClr val="dk1"/>
+          </a:lnRef>
+          <a:fillRef idx="0">
+            <a:schemeClr val="dk1"/>
+          </a:fillRef>
+          <a:effectRef idx="0">
+            <a:schemeClr val="dk1"/>
+          </a:effectRef>
+          <a:fontRef idx="minor">
+            <a:schemeClr val="tx1"/>
+          </a:fontRef>
+        </p:style>
+      </p:cxnSp>
+      <p:sp>
+        <p:nvSpPr>
+          <p:cNvPr id="32" name="TextBox 31">
+            <a:extLst>
+              <a:ext uri="{FF2B5EF4-FFF2-40B4-BE49-F238E27FC236}">
+                <a16:creationId xmlns:a16="http://schemas.microsoft.com/office/drawing/2014/main" id="{9D4691EF-61AE-5739-16A0-83B15694DFDB}"/>
+              </a:ext>
+            </a:extLst>
+          </p:cNvPr>
+          <p:cNvSpPr txBox="1"/>
+          <p:nvPr/>
+        </p:nvSpPr>
+        <p:spPr>
+          <a:xfrm>
+            <a:off x="1686283" y="2446263"/>
+            <a:ext cx="1038797" cy="369332"/>
+          </a:xfrm>
+          <a:prstGeom prst="rect">
+            <a:avLst/>
+          </a:prstGeom>
+          <a:noFill/>
+        </p:spPr>
+        <p:txBody>
+          <a:bodyPr wrap="square" rtlCol="0">
+            <a:spAutoFit/>
+          </a:bodyPr>
+          <a:lstStyle/>
+          <a:p>
+            <a:r>
+              <a:rPr lang="en-GB" dirty="0"/>
+              <a:t>Stimulus</a:t>
+            </a:r>
+          </a:p>
+        </p:txBody>
+      </p:sp>
+      <p:sp>
+        <p:nvSpPr>
+          <p:cNvPr id="33" name="TextBox 32">
+            <a:extLst>
+              <a:ext uri="{FF2B5EF4-FFF2-40B4-BE49-F238E27FC236}">
+                <a16:creationId xmlns:a16="http://schemas.microsoft.com/office/drawing/2014/main" id="{9D89F05A-9317-AB58-4A7D-A3F36F52260E}"/>
+              </a:ext>
+            </a:extLst>
+          </p:cNvPr>
+          <p:cNvSpPr txBox="1"/>
+          <p:nvPr/>
+        </p:nvSpPr>
+        <p:spPr>
+          <a:xfrm>
+            <a:off x="1511054" y="1586010"/>
+            <a:ext cx="1764522" cy="369332"/>
+          </a:xfrm>
+          <a:prstGeom prst="rect">
+            <a:avLst/>
+          </a:prstGeom>
+          <a:noFill/>
+        </p:spPr>
+        <p:txBody>
+          <a:bodyPr wrap="none" rtlCol="0">
+            <a:spAutoFit/>
+          </a:bodyPr>
+          <a:lstStyle/>
+          <a:p>
+            <a:r>
+              <a:rPr lang="en-GB" dirty="0"/>
+              <a:t>test_zybo_z7_10</a:t>
+            </a:r>
+          </a:p>
+        </p:txBody>
+      </p:sp>
+      <p:sp>
+        <p:nvSpPr>
+          <p:cNvPr id="35" name="Rectangle 34">
+            <a:extLst>
+              <a:ext uri="{FF2B5EF4-FFF2-40B4-BE49-F238E27FC236}">
+                <a16:creationId xmlns:a16="http://schemas.microsoft.com/office/drawing/2014/main" id="{A618C1DB-8BCF-4151-ED83-1324E239F175}"/>
+              </a:ext>
+            </a:extLst>
+          </p:cNvPr>
+          <p:cNvSpPr/>
+          <p:nvPr/>
+        </p:nvSpPr>
+        <p:spPr>
+          <a:xfrm>
+            <a:off x="8271846" y="2033903"/>
+            <a:ext cx="2254658" cy="3383522"/>
+          </a:xfrm>
+          <a:prstGeom prst="rect">
+            <a:avLst/>
+          </a:prstGeom>
+          <a:effectLst>
+            <a:outerShdw blurRad="50800" dist="38100" dir="2700000" algn="tl" rotWithShape="0">
+              <a:prstClr val="black">
+                <a:alpha val="40000"/>
+              </a:prstClr>
+            </a:outerShdw>
+          </a:effectLst>
+        </p:spPr>
+        <p:style>
+          <a:lnRef idx="2">
+            <a:schemeClr val="dk1"/>
+          </a:lnRef>
+          <a:fillRef idx="1">
+            <a:schemeClr val="lt1"/>
+          </a:fillRef>
+          <a:effectRef idx="0">
+            <a:schemeClr val="dk1"/>
+          </a:effectRef>
+          <a:fontRef idx="minor">
+            <a:schemeClr val="dk1"/>
+          </a:fontRef>
+        </p:style>
+        <p:txBody>
+          <a:bodyPr rtlCol="0" anchor="ctr"/>
+          <a:lstStyle/>
+          <a:p>
+            <a:pPr algn="ctr"/>
+            <a:endParaRPr lang="en-GB" dirty="0"/>
+          </a:p>
+        </p:txBody>
+      </p:sp>
+      <p:sp>
+        <p:nvSpPr>
+          <p:cNvPr id="36" name="TextBox 35">
+            <a:extLst>
+              <a:ext uri="{FF2B5EF4-FFF2-40B4-BE49-F238E27FC236}">
+                <a16:creationId xmlns:a16="http://schemas.microsoft.com/office/drawing/2014/main" id="{251C64E3-31FF-165D-FEAB-E1D4E52BA8A2}"/>
+              </a:ext>
+            </a:extLst>
+          </p:cNvPr>
+          <p:cNvSpPr txBox="1"/>
+          <p:nvPr/>
+        </p:nvSpPr>
+        <p:spPr>
+          <a:xfrm>
+            <a:off x="7920872" y="4859674"/>
+            <a:ext cx="352465" cy="184666"/>
+          </a:xfrm>
+          <a:prstGeom prst="rect">
+            <a:avLst/>
+          </a:prstGeom>
+          <a:noFill/>
+        </p:spPr>
+        <p:txBody>
+          <a:bodyPr wrap="none" lIns="0" tIns="0" rIns="36000" bIns="0" rtlCol="0">
+            <a:spAutoFit/>
+          </a:bodyPr>
+          <a:lstStyle/>
+          <a:p>
+            <a:pPr algn="ctr"/>
+            <a:r>
+              <a:rPr lang="en-GB" sz="1200" dirty="0"/>
+              <a:t>reset</a:t>
+            </a:r>
+          </a:p>
+        </p:txBody>
+      </p:sp>
+      <p:sp>
+        <p:nvSpPr>
+          <p:cNvPr id="37" name="TextBox 36">
+            <a:extLst>
+              <a:ext uri="{FF2B5EF4-FFF2-40B4-BE49-F238E27FC236}">
+                <a16:creationId xmlns:a16="http://schemas.microsoft.com/office/drawing/2014/main" id="{5BFC1431-28B5-8A50-4E84-37B3CE90B911}"/>
+              </a:ext>
+            </a:extLst>
+          </p:cNvPr>
+          <p:cNvSpPr txBox="1"/>
+          <p:nvPr/>
+        </p:nvSpPr>
+        <p:spPr>
+          <a:xfrm>
+            <a:off x="8065464" y="5138549"/>
+            <a:ext cx="207873" cy="184666"/>
+          </a:xfrm>
+          <a:prstGeom prst="rect">
+            <a:avLst/>
+          </a:prstGeom>
+          <a:noFill/>
+        </p:spPr>
+        <p:txBody>
+          <a:bodyPr wrap="none" lIns="0" tIns="0" rIns="36000" bIns="0" rtlCol="0">
+            <a:spAutoFit/>
+          </a:bodyPr>
+          <a:lstStyle/>
+          <a:p>
+            <a:pPr algn="ctr"/>
+            <a:r>
+              <a:rPr lang="en-GB" sz="1200" dirty="0" err="1"/>
+              <a:t>clk</a:t>
+            </a:r>
+            <a:endParaRPr lang="en-GB" sz="1200" dirty="0"/>
+          </a:p>
+        </p:txBody>
+      </p:sp>
+      <p:sp>
+        <p:nvSpPr>
+          <p:cNvPr id="38" name="TextBox 37">
+            <a:extLst>
+              <a:ext uri="{FF2B5EF4-FFF2-40B4-BE49-F238E27FC236}">
+                <a16:creationId xmlns:a16="http://schemas.microsoft.com/office/drawing/2014/main" id="{9116C661-EAED-4D97-37D7-1CE22C7CD32C}"/>
+              </a:ext>
+            </a:extLst>
+          </p:cNvPr>
+          <p:cNvSpPr txBox="1"/>
+          <p:nvPr/>
+        </p:nvSpPr>
+        <p:spPr>
+          <a:xfrm>
+            <a:off x="8271846" y="2026766"/>
+            <a:ext cx="1498922" cy="369332"/>
+          </a:xfrm>
+          <a:prstGeom prst="rect">
+            <a:avLst/>
+          </a:prstGeom>
+          <a:noFill/>
+        </p:spPr>
+        <p:txBody>
+          <a:bodyPr wrap="square" rtlCol="0">
+            <a:spAutoFit/>
+          </a:bodyPr>
+          <a:lstStyle/>
+          <a:p>
+            <a:pPr algn="ctr"/>
+            <a:r>
+              <a:rPr lang="en-GB" dirty="0"/>
+              <a:t>led4_button4</a:t>
+            </a:r>
+          </a:p>
+        </p:txBody>
+      </p:sp>
+      <p:sp>
+        <p:nvSpPr>
+          <p:cNvPr id="39" name="TextBox 38">
+            <a:extLst>
+              <a:ext uri="{FF2B5EF4-FFF2-40B4-BE49-F238E27FC236}">
+                <a16:creationId xmlns:a16="http://schemas.microsoft.com/office/drawing/2014/main" id="{B14B140E-8ADC-6895-A169-F6B508C9D9A4}"/>
+              </a:ext>
+            </a:extLst>
+          </p:cNvPr>
+          <p:cNvSpPr txBox="1"/>
+          <p:nvPr/>
+        </p:nvSpPr>
+        <p:spPr>
+          <a:xfrm>
+            <a:off x="7461693" y="4486590"/>
+            <a:ext cx="810153" cy="184666"/>
+          </a:xfrm>
+          <a:prstGeom prst="rect">
+            <a:avLst/>
+          </a:prstGeom>
+          <a:noFill/>
+        </p:spPr>
+        <p:txBody>
+          <a:bodyPr wrap="none" lIns="0" tIns="0" rIns="36000" bIns="0" rtlCol="0">
+            <a:spAutoFit/>
+          </a:bodyPr>
+          <a:lstStyle/>
+          <a:p>
+            <a:r>
+              <a:rPr lang="en-GB" sz="1200" dirty="0"/>
+              <a:t>buttons(3:0)</a:t>
+            </a:r>
+          </a:p>
+        </p:txBody>
+      </p:sp>
+      <p:sp>
+        <p:nvSpPr>
+          <p:cNvPr id="40" name="TextBox 39">
+            <a:extLst>
+              <a:ext uri="{FF2B5EF4-FFF2-40B4-BE49-F238E27FC236}">
+                <a16:creationId xmlns:a16="http://schemas.microsoft.com/office/drawing/2014/main" id="{92F9785C-C81D-388E-44CF-CD9B08D4A78B}"/>
+              </a:ext>
+            </a:extLst>
+          </p:cNvPr>
+          <p:cNvSpPr txBox="1"/>
+          <p:nvPr/>
+        </p:nvSpPr>
+        <p:spPr>
+          <a:xfrm>
+            <a:off x="10526504" y="4486590"/>
+            <a:ext cx="581373" cy="184666"/>
+          </a:xfrm>
+          <a:prstGeom prst="rect">
+            <a:avLst/>
+          </a:prstGeom>
+          <a:noFill/>
+        </p:spPr>
+        <p:txBody>
+          <a:bodyPr wrap="none" lIns="36000" tIns="0" rIns="0" bIns="0" rtlCol="0">
+            <a:spAutoFit/>
+          </a:bodyPr>
+          <a:lstStyle/>
+          <a:p>
+            <a:pPr algn="r"/>
+            <a:r>
+              <a:rPr lang="en-GB" sz="1200" dirty="0" err="1"/>
+              <a:t>leds</a:t>
+            </a:r>
+            <a:r>
+              <a:rPr lang="en-GB" sz="1200" dirty="0"/>
+              <a:t>(3:0)</a:t>
+            </a:r>
+          </a:p>
+        </p:txBody>
+      </p:sp>
+      <p:sp>
+        <p:nvSpPr>
+          <p:cNvPr id="43" name="Rectangle 42">
+            <a:extLst>
+              <a:ext uri="{FF2B5EF4-FFF2-40B4-BE49-F238E27FC236}">
+                <a16:creationId xmlns:a16="http://schemas.microsoft.com/office/drawing/2014/main" id="{6D2D37F8-0B98-18D4-03F5-848DC066532E}"/>
+              </a:ext>
+            </a:extLst>
+          </p:cNvPr>
+          <p:cNvSpPr/>
+          <p:nvPr/>
+        </p:nvSpPr>
+        <p:spPr>
+          <a:xfrm>
+            <a:off x="8659197" y="2587779"/>
+            <a:ext cx="1479958" cy="1059937"/>
+          </a:xfrm>
+          <a:prstGeom prst="rect">
+            <a:avLst/>
+          </a:prstGeom>
+          <a:effectLst>
+            <a:outerShdw blurRad="50800" dist="38100" dir="2700000" algn="tl" rotWithShape="0">
+              <a:prstClr val="black">
+                <a:alpha val="40000"/>
+              </a:prstClr>
+            </a:outerShdw>
+          </a:effectLst>
+        </p:spPr>
+        <p:style>
+          <a:lnRef idx="2">
+            <a:schemeClr val="dk1"/>
+          </a:lnRef>
+          <a:fillRef idx="1">
+            <a:schemeClr val="lt1"/>
+          </a:fillRef>
+          <a:effectRef idx="0">
+            <a:schemeClr val="dk1"/>
+          </a:effectRef>
+          <a:fontRef idx="minor">
+            <a:schemeClr val="dk1"/>
+          </a:fontRef>
+        </p:style>
+        <p:txBody>
+          <a:bodyPr rtlCol="0" anchor="ctr"/>
+          <a:lstStyle/>
+          <a:p>
+            <a:pPr algn="ctr"/>
+            <a:r>
+              <a:rPr lang="en-GB" dirty="0"/>
+              <a:t>ROM</a:t>
+            </a:r>
+          </a:p>
+        </p:txBody>
+      </p:sp>
+      <p:sp>
+        <p:nvSpPr>
+          <p:cNvPr id="44" name="Rectangle 43">
+            <a:extLst>
+              <a:ext uri="{FF2B5EF4-FFF2-40B4-BE49-F238E27FC236}">
+                <a16:creationId xmlns:a16="http://schemas.microsoft.com/office/drawing/2014/main" id="{ADED6343-95E9-0258-1E63-71CF149043EE}"/>
+              </a:ext>
+            </a:extLst>
+          </p:cNvPr>
+          <p:cNvSpPr/>
+          <p:nvPr/>
+        </p:nvSpPr>
+        <p:spPr>
+          <a:xfrm>
+            <a:off x="8659197" y="4056342"/>
+            <a:ext cx="1479958" cy="1059937"/>
+          </a:xfrm>
+          <a:prstGeom prst="rect">
+            <a:avLst/>
+          </a:prstGeom>
+          <a:effectLst>
+            <a:outerShdw blurRad="50800" dist="38100" dir="2700000" algn="tl" rotWithShape="0">
+              <a:prstClr val="black">
+                <a:alpha val="40000"/>
+              </a:prstClr>
+            </a:outerShdw>
+          </a:effectLst>
+        </p:spPr>
+        <p:style>
+          <a:lnRef idx="2">
+            <a:schemeClr val="dk1"/>
+          </a:lnRef>
+          <a:fillRef idx="1">
+            <a:schemeClr val="lt1"/>
+          </a:fillRef>
+          <a:effectRef idx="0">
+            <a:schemeClr val="dk1"/>
+          </a:effectRef>
+          <a:fontRef idx="minor">
+            <a:schemeClr val="dk1"/>
+          </a:fontRef>
+        </p:style>
+        <p:txBody>
+          <a:bodyPr rtlCol="0" anchor="ctr"/>
+          <a:lstStyle/>
+          <a:p>
+            <a:pPr algn="ctr"/>
+            <a:r>
+              <a:rPr lang="en-GB" dirty="0"/>
+              <a:t>RISC</a:t>
+            </a:r>
+            <a:br>
+              <a:rPr lang="en-GB" dirty="0"/>
+            </a:br>
+            <a:r>
+              <a:rPr lang="en-GB" dirty="0"/>
+              <a:t>CPU</a:t>
+            </a:r>
+          </a:p>
+        </p:txBody>
+      </p:sp>
+      <p:sp>
+        <p:nvSpPr>
+          <p:cNvPr id="45" name="TextBox 44">
+            <a:extLst>
+              <a:ext uri="{FF2B5EF4-FFF2-40B4-BE49-F238E27FC236}">
+                <a16:creationId xmlns:a16="http://schemas.microsoft.com/office/drawing/2014/main" id="{A2156296-8E64-669D-171D-C66A2EF622BF}"/>
+              </a:ext>
+            </a:extLst>
+          </p:cNvPr>
+          <p:cNvSpPr txBox="1"/>
+          <p:nvPr/>
+        </p:nvSpPr>
+        <p:spPr>
+          <a:xfrm>
+            <a:off x="9731355" y="4487660"/>
+            <a:ext cx="407800" cy="184666"/>
+          </a:xfrm>
+          <a:prstGeom prst="rect">
+            <a:avLst/>
+          </a:prstGeom>
+          <a:noFill/>
+        </p:spPr>
+        <p:txBody>
+          <a:bodyPr wrap="none" lIns="0" tIns="0" rIns="36000" bIns="0" rtlCol="0">
+            <a:spAutoFit/>
+          </a:bodyPr>
+          <a:lstStyle/>
+          <a:p>
+            <a:pPr algn="r"/>
+            <a:r>
+              <a:rPr lang="en-GB" sz="1200" dirty="0"/>
+              <a:t>reg(7)</a:t>
+            </a:r>
+          </a:p>
+        </p:txBody>
+      </p:sp>
+      <p:sp>
+        <p:nvSpPr>
+          <p:cNvPr id="46" name="TextBox 45">
+            <a:extLst>
+              <a:ext uri="{FF2B5EF4-FFF2-40B4-BE49-F238E27FC236}">
+                <a16:creationId xmlns:a16="http://schemas.microsoft.com/office/drawing/2014/main" id="{7D7BD148-B400-2B20-E393-156B7A8EC525}"/>
+              </a:ext>
+            </a:extLst>
+          </p:cNvPr>
+          <p:cNvSpPr txBox="1"/>
+          <p:nvPr/>
+        </p:nvSpPr>
+        <p:spPr>
+          <a:xfrm>
+            <a:off x="8659197" y="4487660"/>
+            <a:ext cx="407800" cy="184666"/>
+          </a:xfrm>
+          <a:prstGeom prst="rect">
+            <a:avLst/>
+          </a:prstGeom>
+          <a:noFill/>
+        </p:spPr>
+        <p:txBody>
+          <a:bodyPr wrap="none" lIns="36000" tIns="0" rIns="0" bIns="0" rtlCol="0">
+            <a:spAutoFit/>
+          </a:bodyPr>
+          <a:lstStyle/>
+          <a:p>
+            <a:r>
+              <a:rPr lang="en-GB" sz="1200" dirty="0"/>
+              <a:t>reg(6)</a:t>
+            </a:r>
+          </a:p>
+        </p:txBody>
+      </p:sp>
+      <p:cxnSp>
+        <p:nvCxnSpPr>
+          <p:cNvPr id="48" name="Straight Connector 47">
+            <a:extLst>
+              <a:ext uri="{FF2B5EF4-FFF2-40B4-BE49-F238E27FC236}">
+                <a16:creationId xmlns:a16="http://schemas.microsoft.com/office/drawing/2014/main" id="{E3CA94E6-026E-E99D-AF9B-24FD19DFFD13}"/>
+              </a:ext>
+            </a:extLst>
+          </p:cNvPr>
+          <p:cNvCxnSpPr>
+            <a:stCxn id="39" idx="3"/>
+            <a:endCxn id="46" idx="1"/>
+          </p:cNvCxnSpPr>
+          <p:nvPr/>
+        </p:nvCxnSpPr>
+        <p:spPr>
+          <a:xfrm>
+            <a:off x="8271846" y="4578923"/>
+            <a:ext cx="387351" cy="1070"/>
+          </a:xfrm>
+          <a:prstGeom prst="line">
+            <a:avLst/>
+          </a:prstGeom>
+          <a:effectLst>
+            <a:outerShdw blurRad="50800" dist="38100" dir="2700000" algn="tl" rotWithShape="0">
+              <a:prstClr val="black">
+                <a:alpha val="40000"/>
+              </a:prstClr>
+            </a:outerShdw>
+          </a:effectLst>
+        </p:spPr>
+        <p:style>
+          <a:lnRef idx="3">
+            <a:schemeClr val="dk1"/>
+          </a:lnRef>
+          <a:fillRef idx="0">
+            <a:schemeClr val="dk1"/>
+          </a:fillRef>
+          <a:effectRef idx="2">
+            <a:schemeClr val="dk1"/>
+          </a:effectRef>
+          <a:fontRef idx="minor">
+            <a:schemeClr val="tx1"/>
+          </a:fontRef>
+        </p:style>
+      </p:cxnSp>
+      <p:cxnSp>
+        <p:nvCxnSpPr>
+          <p:cNvPr id="50" name="Straight Connector 49">
+            <a:extLst>
+              <a:ext uri="{FF2B5EF4-FFF2-40B4-BE49-F238E27FC236}">
+                <a16:creationId xmlns:a16="http://schemas.microsoft.com/office/drawing/2014/main" id="{9BF5565A-FECA-2652-06FE-DB203DAEF174}"/>
+              </a:ext>
+            </a:extLst>
+          </p:cNvPr>
+          <p:cNvCxnSpPr>
+            <a:stCxn id="45" idx="3"/>
+            <a:endCxn id="40" idx="1"/>
+          </p:cNvCxnSpPr>
+          <p:nvPr/>
+        </p:nvCxnSpPr>
+        <p:spPr>
+          <a:xfrm flipV="1">
+            <a:off x="10139155" y="4578923"/>
+            <a:ext cx="387349" cy="1070"/>
+          </a:xfrm>
+          <a:prstGeom prst="line">
+            <a:avLst/>
+          </a:prstGeom>
+          <a:effectLst>
+            <a:outerShdw blurRad="50800" dist="38100" dir="2700000" algn="tl" rotWithShape="0">
+              <a:prstClr val="black">
+                <a:alpha val="40000"/>
+              </a:prstClr>
+            </a:outerShdw>
+          </a:effectLst>
+        </p:spPr>
+        <p:style>
+          <a:lnRef idx="3">
+            <a:schemeClr val="dk1"/>
+          </a:lnRef>
+          <a:fillRef idx="0">
+            <a:schemeClr val="dk1"/>
+          </a:fillRef>
+          <a:effectRef idx="2">
+            <a:schemeClr val="dk1"/>
+          </a:effectRef>
+          <a:fontRef idx="minor">
+            <a:schemeClr val="tx1"/>
+          </a:fontRef>
+        </p:style>
+      </p:cxnSp>
+      <p:cxnSp>
+        <p:nvCxnSpPr>
+          <p:cNvPr id="52" name="Straight Connector 51">
+            <a:extLst>
+              <a:ext uri="{FF2B5EF4-FFF2-40B4-BE49-F238E27FC236}">
+                <a16:creationId xmlns:a16="http://schemas.microsoft.com/office/drawing/2014/main" id="{7B66B9F4-62EA-8ECD-9F44-DBBC17818CE1}"/>
+              </a:ext>
+            </a:extLst>
+          </p:cNvPr>
+          <p:cNvCxnSpPr>
+            <a:stCxn id="43" idx="2"/>
+            <a:endCxn id="44" idx="0"/>
+          </p:cNvCxnSpPr>
+          <p:nvPr/>
+        </p:nvCxnSpPr>
+        <p:spPr>
+          <a:xfrm>
+            <a:off x="9399176" y="3647716"/>
+            <a:ext cx="0" cy="408626"/>
+          </a:xfrm>
+          <a:prstGeom prst="line">
+            <a:avLst/>
+          </a:prstGeom>
+          <a:effectLst>
+            <a:outerShdw blurRad="50800" dist="38100" dir="2700000" algn="tl" rotWithShape="0">
+              <a:prstClr val="black">
+                <a:alpha val="40000"/>
+              </a:prstClr>
+            </a:outerShdw>
+          </a:effectLst>
+        </p:spPr>
+        <p:style>
+          <a:lnRef idx="3">
+            <a:schemeClr val="dk1"/>
+          </a:lnRef>
+          <a:fillRef idx="0">
+            <a:schemeClr val="dk1"/>
+          </a:fillRef>
+          <a:effectRef idx="2">
+            <a:schemeClr val="dk1"/>
+          </a:effectRef>
+          <a:fontRef idx="minor">
+            <a:schemeClr val="tx1"/>
+          </a:fontRef>
+        </p:style>
+      </p:cxnSp>
+      <p:sp>
+        <p:nvSpPr>
+          <p:cNvPr id="56" name="Oval 55">
+            <a:extLst>
+              <a:ext uri="{FF2B5EF4-FFF2-40B4-BE49-F238E27FC236}">
+                <a16:creationId xmlns:a16="http://schemas.microsoft.com/office/drawing/2014/main" id="{27D24AF3-6CEE-C8AF-1884-AB93D44D60B9}"/>
+              </a:ext>
+            </a:extLst>
+          </p:cNvPr>
+          <p:cNvSpPr/>
+          <p:nvPr/>
+        </p:nvSpPr>
+        <p:spPr>
+          <a:xfrm>
+            <a:off x="6922252" y="1868066"/>
+            <a:ext cx="1182442" cy="555281"/>
+          </a:xfrm>
+          <a:prstGeom prst="ellipse">
+            <a:avLst/>
+          </a:prstGeom>
+          <a:effectLst>
+            <a:outerShdw blurRad="50800" dist="38100" dir="2700000" algn="tl" rotWithShape="0">
+              <a:prstClr val="black">
+                <a:alpha val="40000"/>
+              </a:prstClr>
+            </a:outerShdw>
+          </a:effectLst>
+        </p:spPr>
+        <p:style>
+          <a:lnRef idx="2">
+            <a:schemeClr val="accent1"/>
+          </a:lnRef>
+          <a:fillRef idx="1">
+            <a:schemeClr val="lt1"/>
+          </a:fillRef>
+          <a:effectRef idx="0">
+            <a:schemeClr val="accent1"/>
+          </a:effectRef>
+          <a:fontRef idx="minor">
+            <a:schemeClr val="dk1"/>
+          </a:fontRef>
+        </p:style>
+        <p:txBody>
+          <a:bodyPr lIns="0" tIns="0" rIns="0" bIns="0" rtlCol="0" anchor="ctr"/>
+          <a:lstStyle/>
+          <a:p>
+            <a:pPr algn="ctr"/>
+            <a:r>
+              <a:rPr lang="en-GB" sz="1400" dirty="0" err="1">
+                <a:solidFill>
+                  <a:schemeClr val="accent1"/>
+                </a:solidFill>
+              </a:rPr>
+              <a:t>customasm</a:t>
+            </a:r>
+            <a:endParaRPr lang="en-GB" sz="1400" dirty="0">
+              <a:solidFill>
+                <a:schemeClr val="accent1"/>
+              </a:solidFill>
+            </a:endParaRPr>
+          </a:p>
+        </p:txBody>
+      </p:sp>
+      <p:cxnSp>
+        <p:nvCxnSpPr>
+          <p:cNvPr id="58" name="Straight Arrow Connector 57">
+            <a:extLst>
+              <a:ext uri="{FF2B5EF4-FFF2-40B4-BE49-F238E27FC236}">
+                <a16:creationId xmlns:a16="http://schemas.microsoft.com/office/drawing/2014/main" id="{D91CAED6-4576-EE01-1B7B-351E3EEB42C0}"/>
+              </a:ext>
+            </a:extLst>
+          </p:cNvPr>
+          <p:cNvCxnSpPr>
+            <a:cxnSpLocks/>
+            <a:stCxn id="62" idx="3"/>
+            <a:endCxn id="43" idx="1"/>
+          </p:cNvCxnSpPr>
+          <p:nvPr/>
+        </p:nvCxnSpPr>
+        <p:spPr>
+          <a:xfrm>
+            <a:off x="7778442" y="3117747"/>
+            <a:ext cx="880755" cy="1"/>
+          </a:xfrm>
+          <a:prstGeom prst="straightConnector1">
+            <a:avLst/>
+          </a:prstGeom>
+          <a:ln>
+            <a:tailEnd type="triangle"/>
+          </a:ln>
+        </p:spPr>
+        <p:style>
+          <a:lnRef idx="1">
+            <a:schemeClr val="accent1"/>
+          </a:lnRef>
+          <a:fillRef idx="0">
+            <a:schemeClr val="accent1"/>
+          </a:fillRef>
+          <a:effectRef idx="0">
+            <a:schemeClr val="accent1"/>
+          </a:effectRef>
+          <a:fontRef idx="minor">
+            <a:schemeClr val="tx1"/>
+          </a:fontRef>
+        </p:style>
+      </p:cxnSp>
+      <p:sp>
+        <p:nvSpPr>
+          <p:cNvPr id="60" name="Rectangle: Folded Corner 59">
+            <a:extLst>
+              <a:ext uri="{FF2B5EF4-FFF2-40B4-BE49-F238E27FC236}">
+                <a16:creationId xmlns:a16="http://schemas.microsoft.com/office/drawing/2014/main" id="{7127026B-B3DA-25B5-D43A-592A6F35A052}"/>
+              </a:ext>
+            </a:extLst>
+          </p:cNvPr>
+          <p:cNvSpPr/>
+          <p:nvPr/>
+        </p:nvSpPr>
+        <p:spPr>
+          <a:xfrm>
+            <a:off x="7248504" y="905607"/>
+            <a:ext cx="529938" cy="529938"/>
+          </a:xfrm>
+          <a:prstGeom prst="foldedCorner">
+            <a:avLst/>
+          </a:prstGeom>
+          <a:effectLst>
+            <a:outerShdw blurRad="50800" dist="38100" dir="2700000" algn="tl" rotWithShape="0">
+              <a:prstClr val="black">
+                <a:alpha val="40000"/>
+              </a:prstClr>
+            </a:outerShdw>
+          </a:effectLst>
+        </p:spPr>
+        <p:style>
+          <a:lnRef idx="2">
+            <a:schemeClr val="accent1"/>
+          </a:lnRef>
+          <a:fillRef idx="1">
+            <a:schemeClr val="lt1"/>
+          </a:fillRef>
+          <a:effectRef idx="0">
+            <a:schemeClr val="accent1"/>
+          </a:effectRef>
+          <a:fontRef idx="minor">
+            <a:schemeClr val="dk1"/>
+          </a:fontRef>
+        </p:style>
+        <p:txBody>
+          <a:bodyPr rtlCol="0" anchor="ctr"/>
+          <a:lstStyle/>
+          <a:p>
+            <a:pPr algn="ctr"/>
+            <a:r>
+              <a:rPr lang="en-GB" sz="1400" dirty="0">
+                <a:solidFill>
+                  <a:schemeClr val="accent1"/>
+                </a:solidFill>
+              </a:rPr>
+              <a:t>file.</a:t>
+            </a:r>
+            <a:br>
+              <a:rPr lang="en-GB" sz="1400" dirty="0">
+                <a:solidFill>
+                  <a:schemeClr val="accent1"/>
+                </a:solidFill>
+              </a:rPr>
+            </a:br>
+            <a:r>
+              <a:rPr lang="en-GB" sz="1400" dirty="0" err="1">
+                <a:solidFill>
+                  <a:schemeClr val="accent1"/>
+                </a:solidFill>
+              </a:rPr>
+              <a:t>asm</a:t>
+            </a:r>
+            <a:endParaRPr lang="en-GB" sz="1400" dirty="0">
+              <a:solidFill>
+                <a:schemeClr val="accent1"/>
+              </a:solidFill>
+            </a:endParaRPr>
+          </a:p>
+        </p:txBody>
+      </p:sp>
+      <p:sp>
+        <p:nvSpPr>
+          <p:cNvPr id="62" name="Rectangle: Folded Corner 61">
+            <a:extLst>
+              <a:ext uri="{FF2B5EF4-FFF2-40B4-BE49-F238E27FC236}">
+                <a16:creationId xmlns:a16="http://schemas.microsoft.com/office/drawing/2014/main" id="{5C65D95B-92EF-2D9C-AC2F-2351E9CFB910}"/>
+              </a:ext>
+            </a:extLst>
+          </p:cNvPr>
+          <p:cNvSpPr/>
+          <p:nvPr/>
+        </p:nvSpPr>
+        <p:spPr>
+          <a:xfrm>
+            <a:off x="7248504" y="2852778"/>
+            <a:ext cx="529938" cy="529938"/>
+          </a:xfrm>
+          <a:prstGeom prst="foldedCorner">
+            <a:avLst/>
+          </a:prstGeom>
+          <a:effectLst>
+            <a:outerShdw blurRad="50800" dist="38100" dir="2700000" algn="tl" rotWithShape="0">
+              <a:prstClr val="black">
+                <a:alpha val="40000"/>
+              </a:prstClr>
+            </a:outerShdw>
+          </a:effectLst>
+        </p:spPr>
+        <p:style>
+          <a:lnRef idx="2">
+            <a:schemeClr val="accent1"/>
+          </a:lnRef>
+          <a:fillRef idx="1">
+            <a:schemeClr val="lt1"/>
+          </a:fillRef>
+          <a:effectRef idx="0">
+            <a:schemeClr val="accent1"/>
+          </a:effectRef>
+          <a:fontRef idx="minor">
+            <a:schemeClr val="dk1"/>
+          </a:fontRef>
+        </p:style>
+        <p:txBody>
+          <a:bodyPr rtlCol="0" anchor="ctr"/>
+          <a:lstStyle/>
+          <a:p>
+            <a:pPr algn="ctr"/>
+            <a:r>
+              <a:rPr lang="en-GB" sz="1400" dirty="0" err="1">
+                <a:solidFill>
+                  <a:schemeClr val="accent1"/>
+                </a:solidFill>
+              </a:rPr>
+              <a:t>file.o</a:t>
+            </a:r>
+            <a:endParaRPr lang="en-GB" sz="1400" dirty="0">
+              <a:solidFill>
+                <a:schemeClr val="accent1"/>
+              </a:solidFill>
+            </a:endParaRPr>
+          </a:p>
+        </p:txBody>
+      </p:sp>
+      <p:cxnSp>
+        <p:nvCxnSpPr>
+          <p:cNvPr id="64" name="Straight Arrow Connector 63">
+            <a:extLst>
+              <a:ext uri="{FF2B5EF4-FFF2-40B4-BE49-F238E27FC236}">
+                <a16:creationId xmlns:a16="http://schemas.microsoft.com/office/drawing/2014/main" id="{133DD251-6DE3-76CF-9296-09757D49DEC0}"/>
+              </a:ext>
+            </a:extLst>
+          </p:cNvPr>
+          <p:cNvCxnSpPr>
+            <a:cxnSpLocks/>
+            <a:stCxn id="60" idx="2"/>
+            <a:endCxn id="56" idx="0"/>
+          </p:cNvCxnSpPr>
+          <p:nvPr/>
+        </p:nvCxnSpPr>
+        <p:spPr>
+          <a:xfrm>
+            <a:off x="7513473" y="1435545"/>
+            <a:ext cx="0" cy="432521"/>
+          </a:xfrm>
+          <a:prstGeom prst="straightConnector1">
+            <a:avLst/>
+          </a:prstGeom>
+          <a:ln>
+            <a:tailEnd type="triangle"/>
+          </a:ln>
+        </p:spPr>
+        <p:style>
+          <a:lnRef idx="1">
+            <a:schemeClr val="accent1"/>
+          </a:lnRef>
+          <a:fillRef idx="0">
+            <a:schemeClr val="accent1"/>
+          </a:fillRef>
+          <a:effectRef idx="0">
+            <a:schemeClr val="accent1"/>
+          </a:effectRef>
+          <a:fontRef idx="minor">
+            <a:schemeClr val="tx1"/>
+          </a:fontRef>
+        </p:style>
+      </p:cxnSp>
+      <p:cxnSp>
+        <p:nvCxnSpPr>
+          <p:cNvPr id="67" name="Straight Arrow Connector 66">
+            <a:extLst>
+              <a:ext uri="{FF2B5EF4-FFF2-40B4-BE49-F238E27FC236}">
+                <a16:creationId xmlns:a16="http://schemas.microsoft.com/office/drawing/2014/main" id="{814013D3-BAD9-FA50-B795-1B0FB728184A}"/>
+              </a:ext>
+            </a:extLst>
+          </p:cNvPr>
+          <p:cNvCxnSpPr>
+            <a:cxnSpLocks/>
+            <a:stCxn id="56" idx="4"/>
+            <a:endCxn id="62" idx="0"/>
+          </p:cNvCxnSpPr>
+          <p:nvPr/>
+        </p:nvCxnSpPr>
+        <p:spPr>
+          <a:xfrm>
+            <a:off x="7513473" y="2423347"/>
+            <a:ext cx="0" cy="429431"/>
+          </a:xfrm>
+          <a:prstGeom prst="straightConnector1">
+            <a:avLst/>
+          </a:prstGeom>
+          <a:ln>
+            <a:tailEnd type="triangle"/>
+          </a:ln>
+        </p:spPr>
+        <p:style>
+          <a:lnRef idx="1">
+            <a:schemeClr val="accent1"/>
+          </a:lnRef>
+          <a:fillRef idx="0">
+            <a:schemeClr val="accent1"/>
+          </a:fillRef>
+          <a:effectRef idx="0">
+            <a:schemeClr val="accent1"/>
+          </a:effectRef>
+          <a:fontRef idx="minor">
+            <a:schemeClr val="tx1"/>
+          </a:fontRef>
+        </p:style>
+      </p:cxnSp>
+    </p:spTree>
+    <p:extLst>
+      <p:ext uri="{BB962C8B-B14F-4D97-AF65-F5344CB8AC3E}">
+        <p14:creationId xmlns:p14="http://schemas.microsoft.com/office/powerpoint/2010/main" val="983283717"/>
+      </p:ext>
+    </p:extLst>
+  </p:cSld>
+  <p:clrMapOvr>
+    <a:masterClrMapping/>
+  </p:clrMapOvr>
+</p:sld>
+</file>
+
+<file path=ppt/slides/slide6.xml><?xml version="1.0" encoding="utf-8"?>
+<p:sld xmlns:a="http://schemas.openxmlformats.org/drawingml/2006/main" xmlns:r="http://schemas.openxmlformats.org/officeDocument/2006/relationships" xmlns:p="http://schemas.openxmlformats.org/presentationml/2006/main">
+  <p:cSld>
+    <p:spTree>
+      <p:nvGrpSpPr>
+        <p:cNvPr id="1" name=""/>
+        <p:cNvGrpSpPr/>
+        <p:nvPr/>
+      </p:nvGrpSpPr>
+      <p:grpSpPr>
+        <a:xfrm>
+          <a:off x="0" y="0"/>
+          <a:ext cx="0" cy="0"/>
+          <a:chOff x="0" y="0"/>
+          <a:chExt cx="0" cy="0"/>
+        </a:xfrm>
+      </p:grpSpPr>
+      <p:sp>
+        <p:nvSpPr>
+          <p:cNvPr id="54" name="Rectangle 53">
+            <a:extLst>
+              <a:ext uri="{FF2B5EF4-FFF2-40B4-BE49-F238E27FC236}">
+                <a16:creationId xmlns:a16="http://schemas.microsoft.com/office/drawing/2014/main" id="{DD98E779-0F37-5B3B-7C73-DAC9EC16E323}"/>
+              </a:ext>
+            </a:extLst>
+          </p:cNvPr>
+          <p:cNvSpPr/>
+          <p:nvPr/>
+        </p:nvSpPr>
+        <p:spPr>
+          <a:xfrm>
+            <a:off x="1901687" y="894223"/>
+            <a:ext cx="7904922" cy="4843967"/>
+          </a:xfrm>
+          <a:prstGeom prst="rect">
+            <a:avLst/>
+          </a:prstGeom>
+          <a:ln>
+            <a:noFill/>
+          </a:ln>
+        </p:spPr>
+        <p:style>
+          <a:lnRef idx="2">
+            <a:schemeClr val="dk1"/>
+          </a:lnRef>
+          <a:fillRef idx="1">
+            <a:schemeClr val="lt1"/>
+          </a:fillRef>
+          <a:effectRef idx="0">
+            <a:schemeClr val="dk1"/>
+          </a:effectRef>
+          <a:fontRef idx="minor">
+            <a:schemeClr val="dk1"/>
+          </a:fontRef>
+        </p:style>
+        <p:txBody>
+          <a:bodyPr rtlCol="0" anchor="ctr"/>
+          <a:lstStyle/>
+          <a:p>
+            <a:pPr algn="ctr"/>
+            <a:endParaRPr lang="en-GB"/>
+          </a:p>
+        </p:txBody>
+      </p:sp>
+      <p:sp>
+        <p:nvSpPr>
+          <p:cNvPr id="4" name="TextBox 3">
+            <a:extLst>
+              <a:ext uri="{FF2B5EF4-FFF2-40B4-BE49-F238E27FC236}">
+                <a16:creationId xmlns:a16="http://schemas.microsoft.com/office/drawing/2014/main" id="{3BE939E8-AD58-F253-7064-B04ADF3E1984}"/>
+              </a:ext>
+            </a:extLst>
+          </p:cNvPr>
+          <p:cNvSpPr txBox="1"/>
+          <p:nvPr/>
+        </p:nvSpPr>
+        <p:spPr>
+          <a:xfrm>
+            <a:off x="7128248" y="1171222"/>
+            <a:ext cx="1149398" cy="646331"/>
+          </a:xfrm>
+          <a:prstGeom prst="rect">
+            <a:avLst/>
+          </a:prstGeom>
+          <a:noFill/>
+        </p:spPr>
+        <p:txBody>
+          <a:bodyPr wrap="square" rtlCol="0">
+            <a:spAutoFit/>
+          </a:bodyPr>
+          <a:lstStyle/>
+          <a:p>
+            <a:pPr algn="ctr"/>
+            <a:r>
+              <a:rPr lang="en-GB" dirty="0">
+                <a:solidFill>
+                  <a:schemeClr val="accent1"/>
+                </a:solidFill>
+              </a:rPr>
+              <a:t>Start Emulation</a:t>
+            </a:r>
+          </a:p>
+        </p:txBody>
+      </p:sp>
+      <p:sp>
+        <p:nvSpPr>
+          <p:cNvPr id="5" name="TextBox 4">
+            <a:extLst>
+              <a:ext uri="{FF2B5EF4-FFF2-40B4-BE49-F238E27FC236}">
+                <a16:creationId xmlns:a16="http://schemas.microsoft.com/office/drawing/2014/main" id="{C0771EDC-5232-A323-A8D0-D637CC79F3BB}"/>
+              </a:ext>
+            </a:extLst>
+          </p:cNvPr>
+          <p:cNvSpPr txBox="1"/>
+          <p:nvPr/>
+        </p:nvSpPr>
+        <p:spPr>
+          <a:xfrm>
+            <a:off x="4465707" y="1171222"/>
+            <a:ext cx="1509671" cy="646331"/>
+          </a:xfrm>
+          <a:prstGeom prst="rect">
+            <a:avLst/>
+          </a:prstGeom>
+          <a:noFill/>
+        </p:spPr>
+        <p:txBody>
+          <a:bodyPr wrap="square" rtlCol="0">
+            <a:spAutoFit/>
+          </a:bodyPr>
+          <a:lstStyle/>
+          <a:p>
+            <a:pPr algn="ctr"/>
+            <a:r>
+              <a:rPr lang="en-GB" dirty="0">
+                <a:solidFill>
+                  <a:schemeClr val="accent1"/>
+                </a:solidFill>
+              </a:rPr>
+              <a:t>Set Assembly File for ROM</a:t>
+            </a:r>
+          </a:p>
+        </p:txBody>
+      </p:sp>
+      <p:sp>
+        <p:nvSpPr>
+          <p:cNvPr id="6" name="TextBox 5">
+            <a:extLst>
+              <a:ext uri="{FF2B5EF4-FFF2-40B4-BE49-F238E27FC236}">
+                <a16:creationId xmlns:a16="http://schemas.microsoft.com/office/drawing/2014/main" id="{59309D54-E176-162E-D99E-BCDB17D524C0}"/>
+              </a:ext>
+            </a:extLst>
+          </p:cNvPr>
+          <p:cNvSpPr txBox="1"/>
+          <p:nvPr/>
+        </p:nvSpPr>
+        <p:spPr>
+          <a:xfrm>
+            <a:off x="8024296" y="1814945"/>
+            <a:ext cx="1841462" cy="923330"/>
+          </a:xfrm>
+          <a:prstGeom prst="rect">
+            <a:avLst/>
+          </a:prstGeom>
+          <a:noFill/>
+        </p:spPr>
+        <p:txBody>
+          <a:bodyPr wrap="square" rtlCol="0">
+            <a:spAutoFit/>
+          </a:bodyPr>
+          <a:lstStyle/>
+          <a:p>
+            <a:r>
+              <a:rPr lang="en-GB" dirty="0">
+                <a:solidFill>
+                  <a:schemeClr val="accent1"/>
+                </a:solidFill>
+              </a:rPr>
+              <a:t>Make the display reflect the state under the cursor</a:t>
+            </a:r>
+          </a:p>
+        </p:txBody>
+      </p:sp>
+      <p:sp>
+        <p:nvSpPr>
+          <p:cNvPr id="8" name="TextBox 7">
+            <a:extLst>
+              <a:ext uri="{FF2B5EF4-FFF2-40B4-BE49-F238E27FC236}">
+                <a16:creationId xmlns:a16="http://schemas.microsoft.com/office/drawing/2014/main" id="{87826EC4-713F-F881-4C78-0F2174FA7C56}"/>
+              </a:ext>
+            </a:extLst>
+          </p:cNvPr>
+          <p:cNvSpPr txBox="1"/>
+          <p:nvPr/>
+        </p:nvSpPr>
+        <p:spPr>
+          <a:xfrm>
+            <a:off x="4996070" y="4959428"/>
+            <a:ext cx="2761643" cy="646331"/>
+          </a:xfrm>
+          <a:prstGeom prst="rect">
+            <a:avLst/>
+          </a:prstGeom>
+          <a:noFill/>
+        </p:spPr>
+        <p:txBody>
+          <a:bodyPr wrap="square" rtlCol="0">
+            <a:spAutoFit/>
+          </a:bodyPr>
+          <a:lstStyle/>
+          <a:p>
+            <a:pPr algn="ctr"/>
+            <a:r>
+              <a:rPr lang="en-GB" dirty="0">
+                <a:solidFill>
+                  <a:schemeClr val="accent1"/>
+                </a:solidFill>
+              </a:rPr>
+              <a:t>Three tabs for different displays and button types</a:t>
+            </a:r>
+          </a:p>
+        </p:txBody>
+      </p:sp>
+      <p:pic>
+        <p:nvPicPr>
+          <p:cNvPr id="12" name="Picture 11">
+            <a:extLst>
+              <a:ext uri="{FF2B5EF4-FFF2-40B4-BE49-F238E27FC236}">
+                <a16:creationId xmlns:a16="http://schemas.microsoft.com/office/drawing/2014/main" id="{6DB594B4-ACFE-D9FE-6849-EEDB366256FD}"/>
+              </a:ext>
+            </a:extLst>
+          </p:cNvPr>
+          <p:cNvPicPr>
+            <a:picLocks noChangeAspect="1"/>
+          </p:cNvPicPr>
+          <p:nvPr/>
+        </p:nvPicPr>
+        <p:blipFill>
+          <a:blip r:embed="rId2"/>
+          <a:stretch>
+            <a:fillRect/>
+          </a:stretch>
+        </p:blipFill>
+        <p:spPr>
+          <a:xfrm>
+            <a:off x="2075543" y="1855003"/>
+            <a:ext cx="5890568" cy="3087107"/>
+          </a:xfrm>
+          <a:prstGeom prst="rect">
+            <a:avLst/>
+          </a:prstGeom>
+        </p:spPr>
+      </p:pic>
+      <p:sp>
+        <p:nvSpPr>
+          <p:cNvPr id="14" name="Rectangle 13">
+            <a:extLst>
+              <a:ext uri="{FF2B5EF4-FFF2-40B4-BE49-F238E27FC236}">
+                <a16:creationId xmlns:a16="http://schemas.microsoft.com/office/drawing/2014/main" id="{9D57CA8D-5BBA-7DDA-98A1-1E54321845DB}"/>
+              </a:ext>
+            </a:extLst>
+          </p:cNvPr>
+          <p:cNvSpPr/>
+          <p:nvPr/>
+        </p:nvSpPr>
+        <p:spPr>
+          <a:xfrm>
+            <a:off x="4996070" y="4643303"/>
+            <a:ext cx="2761643" cy="962456"/>
+          </a:xfrm>
+          <a:prstGeom prst="rect">
+            <a:avLst/>
+          </a:prstGeom>
+          <a:noFill/>
+          <a:ln w="25400" cap="flat" cmpd="sng" algn="ctr">
+            <a:solidFill>
+              <a:schemeClr val="accent1"/>
+            </a:solidFill>
+            <a:prstDash val="solid"/>
+            <a:round/>
+            <a:headEnd type="none" w="med" len="med"/>
+            <a:tailEnd type="none" w="med" len="med"/>
+          </a:ln>
+        </p:spPr>
+        <p:style>
+          <a:lnRef idx="0">
+            <a:scrgbClr r="0" g="0" b="0"/>
+          </a:lnRef>
+          <a:fillRef idx="0">
+            <a:scrgbClr r="0" g="0" b="0"/>
+          </a:fillRef>
+          <a:effectRef idx="0">
+            <a:scrgbClr r="0" g="0" b="0"/>
+          </a:effectRef>
+          <a:fontRef idx="minor">
+            <a:schemeClr val="accent1"/>
+          </a:fontRef>
+        </p:style>
+        <p:txBody>
+          <a:bodyPr rtlCol="0" anchor="ctr"/>
+          <a:lstStyle/>
+          <a:p>
+            <a:pPr algn="ctr"/>
+            <a:endParaRPr lang="en-GB"/>
+          </a:p>
+        </p:txBody>
+      </p:sp>
+      <p:sp>
+        <p:nvSpPr>
+          <p:cNvPr id="15" name="Rectangle 14">
+            <a:extLst>
+              <a:ext uri="{FF2B5EF4-FFF2-40B4-BE49-F238E27FC236}">
+                <a16:creationId xmlns:a16="http://schemas.microsoft.com/office/drawing/2014/main" id="{4A099F8E-66B9-A82F-F98D-BA355568BE3D}"/>
+              </a:ext>
+            </a:extLst>
+          </p:cNvPr>
+          <p:cNvSpPr/>
+          <p:nvPr/>
+        </p:nvSpPr>
+        <p:spPr>
+          <a:xfrm>
+            <a:off x="6427820" y="3054626"/>
+            <a:ext cx="2211346" cy="1490870"/>
+          </a:xfrm>
+          <a:prstGeom prst="rect">
+            <a:avLst/>
+          </a:prstGeom>
+          <a:noFill/>
+          <a:ln w="25400" cap="flat" cmpd="sng" algn="ctr">
+            <a:solidFill>
+              <a:schemeClr val="accent1"/>
+            </a:solidFill>
+            <a:prstDash val="solid"/>
+            <a:round/>
+            <a:headEnd type="none" w="med" len="med"/>
+            <a:tailEnd type="none" w="med" len="med"/>
+          </a:ln>
+        </p:spPr>
+        <p:style>
+          <a:lnRef idx="0">
+            <a:scrgbClr r="0" g="0" b="0"/>
+          </a:lnRef>
+          <a:fillRef idx="0">
+            <a:scrgbClr r="0" g="0" b="0"/>
+          </a:fillRef>
+          <a:effectRef idx="0">
+            <a:scrgbClr r="0" g="0" b="0"/>
+          </a:effectRef>
+          <a:fontRef idx="minor">
+            <a:schemeClr val="accent1"/>
+          </a:fontRef>
+        </p:style>
+        <p:txBody>
+          <a:bodyPr rtlCol="0" anchor="ctr"/>
+          <a:lstStyle/>
+          <a:p>
+            <a:pPr algn="ctr"/>
+            <a:endParaRPr lang="en-GB"/>
+          </a:p>
+        </p:txBody>
+      </p:sp>
+      <p:cxnSp>
+        <p:nvCxnSpPr>
+          <p:cNvPr id="17" name="Straight Connector 16">
+            <a:extLst>
+              <a:ext uri="{FF2B5EF4-FFF2-40B4-BE49-F238E27FC236}">
+                <a16:creationId xmlns:a16="http://schemas.microsoft.com/office/drawing/2014/main" id="{49025D27-0438-9F59-FF1D-D521F35B9A25}"/>
+              </a:ext>
+            </a:extLst>
+          </p:cNvPr>
+          <p:cNvCxnSpPr>
+            <a:cxnSpLocks/>
+            <a:stCxn id="6" idx="1"/>
+          </p:cNvCxnSpPr>
+          <p:nvPr/>
+        </p:nvCxnSpPr>
+        <p:spPr>
+          <a:xfrm flipH="1">
+            <a:off x="7520609" y="2276610"/>
+            <a:ext cx="503687" cy="280024"/>
+          </a:xfrm>
+          <a:prstGeom prst="line">
+            <a:avLst/>
+          </a:prstGeom>
+        </p:spPr>
+        <p:style>
+          <a:lnRef idx="3">
+            <a:schemeClr val="accent1"/>
+          </a:lnRef>
+          <a:fillRef idx="0">
+            <a:schemeClr val="accent1"/>
+          </a:fillRef>
+          <a:effectRef idx="2">
+            <a:schemeClr val="accent1"/>
+          </a:effectRef>
+          <a:fontRef idx="minor">
+            <a:schemeClr val="tx1"/>
+          </a:fontRef>
+        </p:style>
+      </p:cxnSp>
+      <p:cxnSp>
+        <p:nvCxnSpPr>
+          <p:cNvPr id="19" name="Straight Connector 18">
+            <a:extLst>
+              <a:ext uri="{FF2B5EF4-FFF2-40B4-BE49-F238E27FC236}">
+                <a16:creationId xmlns:a16="http://schemas.microsoft.com/office/drawing/2014/main" id="{8BD02A64-8820-FCB1-DEA1-5B0DD78C1C44}"/>
+              </a:ext>
+            </a:extLst>
+          </p:cNvPr>
+          <p:cNvCxnSpPr>
+            <a:cxnSpLocks/>
+            <a:endCxn id="5" idx="2"/>
+          </p:cNvCxnSpPr>
+          <p:nvPr/>
+        </p:nvCxnSpPr>
+        <p:spPr>
+          <a:xfrm flipH="1" flipV="1">
+            <a:off x="5220543" y="1817553"/>
+            <a:ext cx="284919" cy="758381"/>
+          </a:xfrm>
+          <a:prstGeom prst="line">
+            <a:avLst/>
+          </a:prstGeom>
+        </p:spPr>
+        <p:style>
+          <a:lnRef idx="3">
+            <a:schemeClr val="accent1"/>
+          </a:lnRef>
+          <a:fillRef idx="0">
+            <a:schemeClr val="accent1"/>
+          </a:fillRef>
+          <a:effectRef idx="2">
+            <a:schemeClr val="accent1"/>
+          </a:effectRef>
+          <a:fontRef idx="minor">
+            <a:schemeClr val="tx1"/>
+          </a:fontRef>
+        </p:style>
+      </p:cxnSp>
+      <p:cxnSp>
+        <p:nvCxnSpPr>
+          <p:cNvPr id="22" name="Straight Connector 21">
+            <a:extLst>
+              <a:ext uri="{FF2B5EF4-FFF2-40B4-BE49-F238E27FC236}">
+                <a16:creationId xmlns:a16="http://schemas.microsoft.com/office/drawing/2014/main" id="{AE718938-EC80-D997-0CA8-94FAFF1180F6}"/>
+              </a:ext>
+            </a:extLst>
+          </p:cNvPr>
+          <p:cNvCxnSpPr>
+            <a:cxnSpLocks/>
+            <a:endCxn id="4" idx="2"/>
+          </p:cNvCxnSpPr>
+          <p:nvPr/>
+        </p:nvCxnSpPr>
+        <p:spPr>
+          <a:xfrm flipV="1">
+            <a:off x="6796417" y="1817553"/>
+            <a:ext cx="906530" cy="739081"/>
+          </a:xfrm>
+          <a:prstGeom prst="line">
+            <a:avLst/>
+          </a:prstGeom>
+        </p:spPr>
+        <p:style>
+          <a:lnRef idx="3">
+            <a:schemeClr val="accent1"/>
+          </a:lnRef>
+          <a:fillRef idx="0">
+            <a:schemeClr val="accent1"/>
+          </a:fillRef>
+          <a:effectRef idx="2">
+            <a:schemeClr val="accent1"/>
+          </a:effectRef>
+          <a:fontRef idx="minor">
+            <a:schemeClr val="tx1"/>
+          </a:fontRef>
+        </p:style>
+      </p:cxnSp>
+      <p:sp>
+        <p:nvSpPr>
+          <p:cNvPr id="32" name="TextBox 31">
+            <a:extLst>
+              <a:ext uri="{FF2B5EF4-FFF2-40B4-BE49-F238E27FC236}">
+                <a16:creationId xmlns:a16="http://schemas.microsoft.com/office/drawing/2014/main" id="{8457F85A-FD68-D248-5D88-1A0E16AAAE96}"/>
+              </a:ext>
+            </a:extLst>
+          </p:cNvPr>
+          <p:cNvSpPr txBox="1"/>
+          <p:nvPr/>
+        </p:nvSpPr>
+        <p:spPr>
+          <a:xfrm>
+            <a:off x="5951183" y="1171222"/>
+            <a:ext cx="1149398" cy="646331"/>
+          </a:xfrm>
+          <a:prstGeom prst="rect">
+            <a:avLst/>
+          </a:prstGeom>
+          <a:noFill/>
+        </p:spPr>
+        <p:txBody>
+          <a:bodyPr wrap="square" rtlCol="0">
+            <a:spAutoFit/>
+          </a:bodyPr>
+          <a:lstStyle/>
+          <a:p>
+            <a:pPr algn="ctr"/>
+            <a:r>
+              <a:rPr lang="en-GB" dirty="0">
+                <a:solidFill>
+                  <a:schemeClr val="accent1"/>
+                </a:solidFill>
+              </a:rPr>
+              <a:t>Step Emulation</a:t>
+            </a:r>
+          </a:p>
+        </p:txBody>
+      </p:sp>
+      <p:sp>
+        <p:nvSpPr>
+          <p:cNvPr id="34" name="TextBox 33">
+            <a:extLst>
+              <a:ext uri="{FF2B5EF4-FFF2-40B4-BE49-F238E27FC236}">
+                <a16:creationId xmlns:a16="http://schemas.microsoft.com/office/drawing/2014/main" id="{DCEDBD54-0A8B-6E9E-E56C-C019491F3132}"/>
+              </a:ext>
+            </a:extLst>
+          </p:cNvPr>
+          <p:cNvSpPr txBox="1"/>
+          <p:nvPr/>
+        </p:nvSpPr>
+        <p:spPr>
+          <a:xfrm>
+            <a:off x="2844771" y="894223"/>
+            <a:ext cx="1620936" cy="923330"/>
+          </a:xfrm>
+          <a:prstGeom prst="rect">
+            <a:avLst/>
+          </a:prstGeom>
+          <a:noFill/>
+        </p:spPr>
+        <p:txBody>
+          <a:bodyPr wrap="square" rtlCol="0">
+            <a:spAutoFit/>
+          </a:bodyPr>
+          <a:lstStyle/>
+          <a:p>
+            <a:pPr algn="ctr"/>
+            <a:r>
+              <a:rPr lang="en-GB" dirty="0">
+                <a:solidFill>
+                  <a:schemeClr val="accent1"/>
+                </a:solidFill>
+              </a:rPr>
+              <a:t>Restart the simulation and  reset the GUI</a:t>
+            </a:r>
+          </a:p>
+        </p:txBody>
+      </p:sp>
+      <p:cxnSp>
+        <p:nvCxnSpPr>
+          <p:cNvPr id="37" name="Straight Connector 36">
+            <a:extLst>
+              <a:ext uri="{FF2B5EF4-FFF2-40B4-BE49-F238E27FC236}">
+                <a16:creationId xmlns:a16="http://schemas.microsoft.com/office/drawing/2014/main" id="{BE833B6E-DC6A-07B8-4B08-68B4494D9D1B}"/>
+              </a:ext>
+            </a:extLst>
+          </p:cNvPr>
+          <p:cNvCxnSpPr>
+            <a:cxnSpLocks/>
+            <a:endCxn id="32" idx="2"/>
+          </p:cNvCxnSpPr>
+          <p:nvPr/>
+        </p:nvCxnSpPr>
+        <p:spPr>
+          <a:xfrm flipV="1">
+            <a:off x="6166570" y="1817553"/>
+            <a:ext cx="359312" cy="739081"/>
+          </a:xfrm>
+          <a:prstGeom prst="line">
+            <a:avLst/>
+          </a:prstGeom>
+        </p:spPr>
+        <p:style>
+          <a:lnRef idx="3">
+            <a:schemeClr val="accent1"/>
+          </a:lnRef>
+          <a:fillRef idx="0">
+            <a:schemeClr val="accent1"/>
+          </a:fillRef>
+          <a:effectRef idx="2">
+            <a:schemeClr val="accent1"/>
+          </a:effectRef>
+          <a:fontRef idx="minor">
+            <a:schemeClr val="tx1"/>
+          </a:fontRef>
+        </p:style>
+      </p:cxnSp>
+      <p:cxnSp>
+        <p:nvCxnSpPr>
+          <p:cNvPr id="40" name="Straight Connector 39">
+            <a:extLst>
+              <a:ext uri="{FF2B5EF4-FFF2-40B4-BE49-F238E27FC236}">
+                <a16:creationId xmlns:a16="http://schemas.microsoft.com/office/drawing/2014/main" id="{5451D8EC-A7B4-AEC6-9F05-7F931A574FC4}"/>
+              </a:ext>
+            </a:extLst>
+          </p:cNvPr>
+          <p:cNvCxnSpPr>
+            <a:cxnSpLocks/>
+            <a:endCxn id="34" idx="2"/>
+          </p:cNvCxnSpPr>
+          <p:nvPr/>
+        </p:nvCxnSpPr>
+        <p:spPr>
+          <a:xfrm flipH="1" flipV="1">
+            <a:off x="3655239" y="1817553"/>
+            <a:ext cx="1119583" cy="758381"/>
+          </a:xfrm>
+          <a:prstGeom prst="line">
+            <a:avLst/>
+          </a:prstGeom>
+        </p:spPr>
+        <p:style>
+          <a:lnRef idx="3">
+            <a:schemeClr val="accent1"/>
+          </a:lnRef>
+          <a:fillRef idx="0">
+            <a:schemeClr val="accent1"/>
+          </a:fillRef>
+          <a:effectRef idx="2">
+            <a:schemeClr val="accent1"/>
+          </a:effectRef>
+          <a:fontRef idx="minor">
+            <a:schemeClr val="tx1"/>
+          </a:fontRef>
+        </p:style>
+      </p:cxnSp>
+      <p:sp>
+        <p:nvSpPr>
+          <p:cNvPr id="7" name="TextBox 6">
+            <a:extLst>
+              <a:ext uri="{FF2B5EF4-FFF2-40B4-BE49-F238E27FC236}">
+                <a16:creationId xmlns:a16="http://schemas.microsoft.com/office/drawing/2014/main" id="{E84714CE-CB18-58A2-E1E4-86A9A2CEA612}"/>
+              </a:ext>
+            </a:extLst>
+          </p:cNvPr>
+          <p:cNvSpPr txBox="1"/>
+          <p:nvPr/>
+        </p:nvSpPr>
+        <p:spPr>
+          <a:xfrm>
+            <a:off x="7249682" y="3615395"/>
+            <a:ext cx="1389483" cy="369332"/>
+          </a:xfrm>
+          <a:prstGeom prst="rect">
+            <a:avLst/>
+          </a:prstGeom>
+          <a:noFill/>
+        </p:spPr>
+        <p:txBody>
+          <a:bodyPr wrap="none" rtlCol="0">
+            <a:spAutoFit/>
+          </a:bodyPr>
+          <a:lstStyle/>
+          <a:p>
+            <a:r>
+              <a:rPr lang="en-GB" dirty="0">
+                <a:solidFill>
+                  <a:schemeClr val="accent1"/>
+                </a:solidFill>
+              </a:rPr>
+              <a:t>Four buttons</a:t>
+            </a:r>
+          </a:p>
+        </p:txBody>
+      </p:sp>
+    </p:spTree>
+    <p:extLst>
+      <p:ext uri="{BB962C8B-B14F-4D97-AF65-F5344CB8AC3E}">
+        <p14:creationId xmlns:p14="http://schemas.microsoft.com/office/powerpoint/2010/main" val="1922784245"/>
+      </p:ext>
+    </p:extLst>
+  </p:cSld>
+  <p:clrMapOvr>
+    <a:masterClrMapping/>
+  </p:clrMapOvr>
+</p:sld>
+</file>
+
 <file path=ppt/theme/theme1.xml><?xml version="1.0" encoding="utf-8"?>
 <a:theme xmlns:a="http://schemas.openxmlformats.org/drawingml/2006/main" name="Office Theme">
   <a:themeElements>

--- a/docs/images/Diagrams.pptx
+++ b/docs/images/Diagrams.pptx
@@ -266,7 +266,7 @@
           <a:p>
             <a:fld id="{30A9C857-609A-43FA-83CE-07000BF55DB0}" type="datetimeFigureOut">
               <a:rPr lang="en-GB" smtClean="0"/>
-              <a:t>13/11/2022</a:t>
+              <a:t>19/11/2022</a:t>
             </a:fld>
             <a:endParaRPr lang="en-GB"/>
           </a:p>
@@ -466,7 +466,7 @@
           <a:p>
             <a:fld id="{30A9C857-609A-43FA-83CE-07000BF55DB0}" type="datetimeFigureOut">
               <a:rPr lang="en-GB" smtClean="0"/>
-              <a:t>13/11/2022</a:t>
+              <a:t>19/11/2022</a:t>
             </a:fld>
             <a:endParaRPr lang="en-GB"/>
           </a:p>
@@ -676,7 +676,7 @@
           <a:p>
             <a:fld id="{30A9C857-609A-43FA-83CE-07000BF55DB0}" type="datetimeFigureOut">
               <a:rPr lang="en-GB" smtClean="0"/>
-              <a:t>13/11/2022</a:t>
+              <a:t>19/11/2022</a:t>
             </a:fld>
             <a:endParaRPr lang="en-GB"/>
           </a:p>
@@ -876,7 +876,7 @@
           <a:p>
             <a:fld id="{30A9C857-609A-43FA-83CE-07000BF55DB0}" type="datetimeFigureOut">
               <a:rPr lang="en-GB" smtClean="0"/>
-              <a:t>13/11/2022</a:t>
+              <a:t>19/11/2022</a:t>
             </a:fld>
             <a:endParaRPr lang="en-GB"/>
           </a:p>
@@ -1152,7 +1152,7 @@
           <a:p>
             <a:fld id="{30A9C857-609A-43FA-83CE-07000BF55DB0}" type="datetimeFigureOut">
               <a:rPr lang="en-GB" smtClean="0"/>
-              <a:t>13/11/2022</a:t>
+              <a:t>19/11/2022</a:t>
             </a:fld>
             <a:endParaRPr lang="en-GB"/>
           </a:p>
@@ -1420,7 +1420,7 @@
           <a:p>
             <a:fld id="{30A9C857-609A-43FA-83CE-07000BF55DB0}" type="datetimeFigureOut">
               <a:rPr lang="en-GB" smtClean="0"/>
-              <a:t>13/11/2022</a:t>
+              <a:t>19/11/2022</a:t>
             </a:fld>
             <a:endParaRPr lang="en-GB"/>
           </a:p>
@@ -1835,7 +1835,7 @@
           <a:p>
             <a:fld id="{30A9C857-609A-43FA-83CE-07000BF55DB0}" type="datetimeFigureOut">
               <a:rPr lang="en-GB" smtClean="0"/>
-              <a:t>13/11/2022</a:t>
+              <a:t>19/11/2022</a:t>
             </a:fld>
             <a:endParaRPr lang="en-GB"/>
           </a:p>
@@ -1977,7 +1977,7 @@
           <a:p>
             <a:fld id="{30A9C857-609A-43FA-83CE-07000BF55DB0}" type="datetimeFigureOut">
               <a:rPr lang="en-GB" smtClean="0"/>
-              <a:t>13/11/2022</a:t>
+              <a:t>19/11/2022</a:t>
             </a:fld>
             <a:endParaRPr lang="en-GB"/>
           </a:p>
@@ -2090,7 +2090,7 @@
           <a:p>
             <a:fld id="{30A9C857-609A-43FA-83CE-07000BF55DB0}" type="datetimeFigureOut">
               <a:rPr lang="en-GB" smtClean="0"/>
-              <a:t>13/11/2022</a:t>
+              <a:t>19/11/2022</a:t>
             </a:fld>
             <a:endParaRPr lang="en-GB"/>
           </a:p>
@@ -2403,7 +2403,7 @@
           <a:p>
             <a:fld id="{30A9C857-609A-43FA-83CE-07000BF55DB0}" type="datetimeFigureOut">
               <a:rPr lang="en-GB" smtClean="0"/>
-              <a:t>13/11/2022</a:t>
+              <a:t>19/11/2022</a:t>
             </a:fld>
             <a:endParaRPr lang="en-GB"/>
           </a:p>
@@ -2692,7 +2692,7 @@
           <a:p>
             <a:fld id="{30A9C857-609A-43FA-83CE-07000BF55DB0}" type="datetimeFigureOut">
               <a:rPr lang="en-GB" smtClean="0"/>
-              <a:t>13/11/2022</a:t>
+              <a:t>19/11/2022</a:t>
             </a:fld>
             <a:endParaRPr lang="en-GB"/>
           </a:p>
@@ -2935,7 +2935,7 @@
           <a:p>
             <a:fld id="{30A9C857-609A-43FA-83CE-07000BF55DB0}" type="datetimeFigureOut">
               <a:rPr lang="en-GB" smtClean="0"/>
-              <a:t>13/11/2022</a:t>
+              <a:t>19/11/2022</a:t>
             </a:fld>
             <a:endParaRPr lang="en-GB"/>
           </a:p>
@@ -8838,7 +8838,7 @@
         <p:spPr>
           <a:xfrm>
             <a:off x="1718440" y="812800"/>
-            <a:ext cx="8365360" cy="4546600"/>
+            <a:ext cx="8436480" cy="4739640"/>
           </a:xfrm>
           <a:prstGeom prst="rect">
             <a:avLst/>
@@ -8884,8 +8884,8 @@
         </p:nvSpPr>
         <p:spPr>
           <a:xfrm>
-            <a:off x="3642174" y="980661"/>
-            <a:ext cx="4526459" cy="4211216"/>
+            <a:off x="3642174" y="980660"/>
+            <a:ext cx="4690442" cy="4440421"/>
           </a:xfrm>
           <a:prstGeom prst="rect">
             <a:avLst/>
@@ -10361,7 +10361,7 @@
         </p:nvGrpSpPr>
         <p:grpSpPr>
           <a:xfrm>
-            <a:off x="8361899" y="2086867"/>
+            <a:off x="8522217" y="2086867"/>
             <a:ext cx="650875" cy="438194"/>
             <a:chOff x="6797675" y="3488996"/>
             <a:chExt cx="650875" cy="438194"/>
@@ -10593,7 +10593,7 @@
         </p:nvGrpSpPr>
         <p:grpSpPr>
           <a:xfrm>
-            <a:off x="8361899" y="2532982"/>
+            <a:off x="8522217" y="2532982"/>
             <a:ext cx="650875" cy="438194"/>
             <a:chOff x="6797675" y="3488996"/>
             <a:chExt cx="650875" cy="438194"/>
@@ -10825,7 +10825,7 @@
         </p:nvGrpSpPr>
         <p:grpSpPr>
           <a:xfrm>
-            <a:off x="8361899" y="2971175"/>
+            <a:off x="8522217" y="2971175"/>
             <a:ext cx="650875" cy="438194"/>
             <a:chOff x="6797675" y="3488996"/>
             <a:chExt cx="650875" cy="438194"/>
@@ -11057,7 +11057,7 @@
         </p:nvGrpSpPr>
         <p:grpSpPr>
           <a:xfrm>
-            <a:off x="8361899" y="3409367"/>
+            <a:off x="8522217" y="3409367"/>
             <a:ext cx="650875" cy="438194"/>
             <a:chOff x="6797675" y="3488996"/>
             <a:chExt cx="650875" cy="438194"/>
@@ -11289,7 +11289,7 @@
         </p:nvCxnSpPr>
         <p:spPr>
           <a:xfrm>
-            <a:off x="8361899" y="2369771"/>
+            <a:off x="8522217" y="2369771"/>
             <a:ext cx="0" cy="1322500"/>
           </a:xfrm>
           <a:prstGeom prst="line">
@@ -13476,13 +13476,14 @@
           <p:cNvCxnSpPr>
             <a:cxnSpLocks/>
             <a:stCxn id="3" idx="3"/>
+            <a:endCxn id="110" idx="1"/>
           </p:cNvCxnSpPr>
           <p:nvPr/>
         </p:nvCxnSpPr>
         <p:spPr>
           <a:xfrm>
             <a:off x="4743115" y="4696665"/>
-            <a:ext cx="2450062" cy="0"/>
+            <a:ext cx="2100336" cy="3404"/>
           </a:xfrm>
           <a:prstGeom prst="line">
             <a:avLst/>
@@ -13521,14 +13522,14 @@
           </p:cNvPr>
           <p:cNvCxnSpPr>
             <a:cxnSpLocks/>
-            <a:stCxn id="2" idx="2"/>
+            <a:stCxn id="163" idx="2"/>
           </p:cNvCxnSpPr>
           <p:nvPr/>
         </p:nvCxnSpPr>
         <p:spPr>
           <a:xfrm>
-            <a:off x="7193177" y="3628416"/>
-            <a:ext cx="0" cy="1068249"/>
+            <a:off x="6605788" y="3628416"/>
+            <a:ext cx="0" cy="1067263"/>
           </a:xfrm>
           <a:prstGeom prst="line">
             <a:avLst/>
@@ -13827,7 +13828,7 @@
         <p:spPr>
           <a:xfrm>
             <a:off x="7942638" y="3023639"/>
-            <a:ext cx="419261" cy="0"/>
+            <a:ext cx="579579" cy="0"/>
           </a:xfrm>
           <a:prstGeom prst="line">
             <a:avLst/>
@@ -14083,7 +14084,7 @@
         </p:nvSpPr>
         <p:spPr>
           <a:xfrm>
-            <a:off x="9121140" y="2838972"/>
+            <a:off x="9281458" y="2838972"/>
             <a:ext cx="912429" cy="369332"/>
           </a:xfrm>
           <a:prstGeom prst="rect">
@@ -14118,8 +14119,8 @@
         </p:nvSpPr>
         <p:spPr>
           <a:xfrm>
-            <a:off x="6945852" y="2340213"/>
-            <a:ext cx="500778" cy="276999"/>
+            <a:off x="7028848" y="2418439"/>
+            <a:ext cx="316112" cy="184666"/>
           </a:xfrm>
           <a:prstGeom prst="rect">
             <a:avLst/>
@@ -14127,7 +14128,7 @@
           <a:noFill/>
         </p:spPr>
         <p:txBody>
-          <a:bodyPr wrap="none" rtlCol="0">
+          <a:bodyPr wrap="none" lIns="0" tIns="0" rIns="0" bIns="0" rtlCol="0">
             <a:spAutoFit/>
           </a:bodyPr>
           <a:lstStyle/>
@@ -14154,8 +14155,8 @@
         </p:nvSpPr>
         <p:spPr>
           <a:xfrm>
-            <a:off x="7018148" y="3380937"/>
-            <a:ext cx="356187" cy="276999"/>
+            <a:off x="6520027" y="3443750"/>
+            <a:ext cx="171522" cy="184666"/>
           </a:xfrm>
           <a:prstGeom prst="rect">
             <a:avLst/>
@@ -14163,7 +14164,7 @@
           <a:noFill/>
         </p:spPr>
         <p:txBody>
-          <a:bodyPr wrap="none" rtlCol="0">
+          <a:bodyPr wrap="none" lIns="0" tIns="0" rIns="0" bIns="0" rtlCol="0">
             <a:spAutoFit/>
           </a:bodyPr>
           <a:lstStyle/>
@@ -14227,8 +14228,8 @@
         </p:nvSpPr>
         <p:spPr>
           <a:xfrm>
-            <a:off x="6396309" y="2871528"/>
-            <a:ext cx="958468" cy="276999"/>
+            <a:off x="6452828" y="2923669"/>
+            <a:ext cx="810153" cy="184666"/>
           </a:xfrm>
           <a:prstGeom prst="rect">
             <a:avLst/>
@@ -14236,7 +14237,7 @@
           <a:noFill/>
         </p:spPr>
         <p:txBody>
-          <a:bodyPr wrap="none" rtlCol="0">
+          <a:bodyPr wrap="none" lIns="0" tIns="0" rIns="36000" bIns="0" rtlCol="0">
             <a:spAutoFit/>
           </a:bodyPr>
           <a:lstStyle/>
@@ -14262,8 +14263,8 @@
         </p:nvSpPr>
         <p:spPr>
           <a:xfrm>
-            <a:off x="7262524" y="2871528"/>
-            <a:ext cx="729687" cy="276999"/>
+            <a:off x="7358757" y="2923669"/>
+            <a:ext cx="581373" cy="184666"/>
           </a:xfrm>
           <a:prstGeom prst="rect">
             <a:avLst/>
@@ -14271,7 +14272,7 @@
           <a:noFill/>
         </p:spPr>
         <p:txBody>
-          <a:bodyPr wrap="none" rtlCol="0">
+          <a:bodyPr wrap="none" lIns="0" tIns="0" rIns="36000" bIns="0" rtlCol="0">
             <a:spAutoFit/>
           </a:bodyPr>
           <a:lstStyle/>
@@ -14285,6 +14286,840 @@
               <a:rPr lang="en-GB" sz="1200" dirty="0"/>
               <a:t>(3:0)</a:t>
             </a:r>
+          </a:p>
+        </p:txBody>
+      </p:sp>
+      <p:grpSp>
+        <p:nvGrpSpPr>
+          <p:cNvPr id="126" name="Group 125">
+            <a:extLst>
+              <a:ext uri="{FF2B5EF4-FFF2-40B4-BE49-F238E27FC236}">
+                <a16:creationId xmlns:a16="http://schemas.microsoft.com/office/drawing/2014/main" id="{DE393775-87C6-DB55-3EB0-9A7E9B5B1A27}"/>
+              </a:ext>
+            </a:extLst>
+          </p:cNvPr>
+          <p:cNvGrpSpPr/>
+          <p:nvPr/>
+        </p:nvGrpSpPr>
+        <p:grpSpPr>
+          <a:xfrm>
+            <a:off x="8525194" y="4067305"/>
+            <a:ext cx="912429" cy="1256747"/>
+            <a:chOff x="8522217" y="4030284"/>
+            <a:chExt cx="912429" cy="1256747"/>
+          </a:xfrm>
+        </p:grpSpPr>
+        <p:sp>
+          <p:nvSpPr>
+            <p:cNvPr id="64" name="Rectangle 63">
+              <a:extLst>
+                <a:ext uri="{FF2B5EF4-FFF2-40B4-BE49-F238E27FC236}">
+                  <a16:creationId xmlns:a16="http://schemas.microsoft.com/office/drawing/2014/main" id="{D6C71C24-592A-D3B7-DBAC-3404CC8111EE}"/>
+                </a:ext>
+              </a:extLst>
+            </p:cNvPr>
+            <p:cNvSpPr/>
+            <p:nvPr/>
+          </p:nvSpPr>
+          <p:spPr>
+            <a:xfrm>
+              <a:off x="8522217" y="4030284"/>
+              <a:ext cx="912429" cy="1256747"/>
+            </a:xfrm>
+            <a:prstGeom prst="rect">
+              <a:avLst/>
+            </a:prstGeom>
+            <a:effectLst>
+              <a:outerShdw blurRad="50800" dist="38100" dir="2700000" algn="tl" rotWithShape="0">
+                <a:prstClr val="black">
+                  <a:alpha val="40000"/>
+                </a:prstClr>
+              </a:outerShdw>
+            </a:effectLst>
+          </p:spPr>
+          <p:style>
+            <a:lnRef idx="2">
+              <a:schemeClr val="dk1"/>
+            </a:lnRef>
+            <a:fillRef idx="1">
+              <a:schemeClr val="lt1"/>
+            </a:fillRef>
+            <a:effectRef idx="0">
+              <a:schemeClr val="dk1"/>
+            </a:effectRef>
+            <a:fontRef idx="minor">
+              <a:schemeClr val="dk1"/>
+            </a:fontRef>
+          </p:style>
+          <p:txBody>
+            <a:bodyPr rtlCol="0" anchor="ctr"/>
+            <a:lstStyle/>
+            <a:p>
+              <a:pPr algn="ctr"/>
+              <a:endParaRPr lang="en-GB" dirty="0"/>
+            </a:p>
+          </p:txBody>
+        </p:sp>
+        <p:cxnSp>
+          <p:nvCxnSpPr>
+            <p:cNvPr id="71" name="Straight Connector 70">
+              <a:extLst>
+                <a:ext uri="{FF2B5EF4-FFF2-40B4-BE49-F238E27FC236}">
+                  <a16:creationId xmlns:a16="http://schemas.microsoft.com/office/drawing/2014/main" id="{616AA4B9-897A-6F07-C5D6-2525498050C0}"/>
+                </a:ext>
+              </a:extLst>
+            </p:cNvPr>
+            <p:cNvCxnSpPr>
+              <a:cxnSpLocks/>
+            </p:cNvCxnSpPr>
+            <p:nvPr/>
+          </p:nvCxnSpPr>
+          <p:spPr>
+            <a:xfrm flipH="1">
+              <a:off x="8772781" y="4281658"/>
+              <a:ext cx="40542" cy="291405"/>
+            </a:xfrm>
+            <a:prstGeom prst="line">
+              <a:avLst/>
+            </a:prstGeom>
+            <a:ln w="57150" cap="rnd">
+              <a:solidFill>
+                <a:srgbClr val="FF0000"/>
+              </a:solidFill>
+            </a:ln>
+            <a:effectLst>
+              <a:outerShdw blurRad="50800" dist="38100" dir="2700000" algn="tl" rotWithShape="0">
+                <a:prstClr val="black">
+                  <a:alpha val="40000"/>
+                </a:prstClr>
+              </a:outerShdw>
+            </a:effectLst>
+          </p:spPr>
+          <p:style>
+            <a:lnRef idx="1">
+              <a:schemeClr val="accent1"/>
+            </a:lnRef>
+            <a:fillRef idx="0">
+              <a:schemeClr val="accent1"/>
+            </a:fillRef>
+            <a:effectRef idx="0">
+              <a:schemeClr val="accent1"/>
+            </a:effectRef>
+            <a:fontRef idx="minor">
+              <a:schemeClr val="tx1"/>
+            </a:fontRef>
+          </p:style>
+        </p:cxnSp>
+        <p:cxnSp>
+          <p:nvCxnSpPr>
+            <p:cNvPr id="94" name="Straight Connector 93">
+              <a:extLst>
+                <a:ext uri="{FF2B5EF4-FFF2-40B4-BE49-F238E27FC236}">
+                  <a16:creationId xmlns:a16="http://schemas.microsoft.com/office/drawing/2014/main" id="{EF88683A-F9BB-9E8B-34E8-8ED71DE0467C}"/>
+                </a:ext>
+              </a:extLst>
+            </p:cNvPr>
+            <p:cNvCxnSpPr>
+              <a:cxnSpLocks/>
+            </p:cNvCxnSpPr>
+            <p:nvPr/>
+          </p:nvCxnSpPr>
+          <p:spPr>
+            <a:xfrm flipH="1">
+              <a:off x="8706754" y="4726415"/>
+              <a:ext cx="40542" cy="291405"/>
+            </a:xfrm>
+            <a:prstGeom prst="line">
+              <a:avLst/>
+            </a:prstGeom>
+            <a:ln w="57150" cap="rnd">
+              <a:solidFill>
+                <a:srgbClr val="FF0000"/>
+              </a:solidFill>
+            </a:ln>
+            <a:effectLst>
+              <a:outerShdw blurRad="50800" dist="38100" dir="2700000" algn="tl" rotWithShape="0">
+                <a:prstClr val="black">
+                  <a:alpha val="40000"/>
+                </a:prstClr>
+              </a:outerShdw>
+            </a:effectLst>
+          </p:spPr>
+          <p:style>
+            <a:lnRef idx="1">
+              <a:schemeClr val="accent1"/>
+            </a:lnRef>
+            <a:fillRef idx="0">
+              <a:schemeClr val="accent1"/>
+            </a:fillRef>
+            <a:effectRef idx="0">
+              <a:schemeClr val="accent1"/>
+            </a:effectRef>
+            <a:fontRef idx="minor">
+              <a:schemeClr val="tx1"/>
+            </a:fontRef>
+          </p:style>
+        </p:cxnSp>
+        <p:cxnSp>
+          <p:nvCxnSpPr>
+            <p:cNvPr id="102" name="Straight Connector 101">
+              <a:extLst>
+                <a:ext uri="{FF2B5EF4-FFF2-40B4-BE49-F238E27FC236}">
+                  <a16:creationId xmlns:a16="http://schemas.microsoft.com/office/drawing/2014/main" id="{852744CA-0A51-3019-665D-B9E4FCD57D38}"/>
+                </a:ext>
+              </a:extLst>
+            </p:cNvPr>
+            <p:cNvCxnSpPr>
+              <a:cxnSpLocks/>
+            </p:cNvCxnSpPr>
+            <p:nvPr/>
+          </p:nvCxnSpPr>
+          <p:spPr>
+            <a:xfrm>
+              <a:off x="8902201" y="4230202"/>
+              <a:ext cx="262376" cy="0"/>
+            </a:xfrm>
+            <a:prstGeom prst="line">
+              <a:avLst/>
+            </a:prstGeom>
+            <a:ln w="57150" cap="rnd">
+              <a:solidFill>
+                <a:srgbClr val="FF0000"/>
+              </a:solidFill>
+            </a:ln>
+            <a:effectLst>
+              <a:outerShdw blurRad="50800" dist="38100" dir="2700000" algn="tl" rotWithShape="0">
+                <a:prstClr val="black">
+                  <a:alpha val="40000"/>
+                </a:prstClr>
+              </a:outerShdw>
+            </a:effectLst>
+          </p:spPr>
+          <p:style>
+            <a:lnRef idx="1">
+              <a:schemeClr val="accent1"/>
+            </a:lnRef>
+            <a:fillRef idx="0">
+              <a:schemeClr val="accent1"/>
+            </a:fillRef>
+            <a:effectRef idx="0">
+              <a:schemeClr val="accent1"/>
+            </a:effectRef>
+            <a:fontRef idx="minor">
+              <a:schemeClr val="tx1"/>
+            </a:fontRef>
+          </p:style>
+        </p:cxnSp>
+        <p:cxnSp>
+          <p:nvCxnSpPr>
+            <p:cNvPr id="105" name="Straight Connector 104">
+              <a:extLst>
+                <a:ext uri="{FF2B5EF4-FFF2-40B4-BE49-F238E27FC236}">
+                  <a16:creationId xmlns:a16="http://schemas.microsoft.com/office/drawing/2014/main" id="{4BDFD318-366A-1D9B-A3A6-833FCDFAD6AA}"/>
+                </a:ext>
+              </a:extLst>
+            </p:cNvPr>
+            <p:cNvCxnSpPr>
+              <a:cxnSpLocks/>
+            </p:cNvCxnSpPr>
+            <p:nvPr/>
+          </p:nvCxnSpPr>
+          <p:spPr>
+            <a:xfrm>
+              <a:off x="8835613" y="4658658"/>
+              <a:ext cx="262376" cy="0"/>
+            </a:xfrm>
+            <a:prstGeom prst="line">
+              <a:avLst/>
+            </a:prstGeom>
+            <a:ln w="57150" cap="rnd">
+              <a:solidFill>
+                <a:srgbClr val="FF0000"/>
+              </a:solidFill>
+            </a:ln>
+            <a:effectLst>
+              <a:outerShdw blurRad="50800" dist="38100" dir="2700000" algn="tl" rotWithShape="0">
+                <a:prstClr val="black">
+                  <a:alpha val="40000"/>
+                </a:prstClr>
+              </a:outerShdw>
+            </a:effectLst>
+          </p:spPr>
+          <p:style>
+            <a:lnRef idx="1">
+              <a:schemeClr val="accent1"/>
+            </a:lnRef>
+            <a:fillRef idx="0">
+              <a:schemeClr val="accent1"/>
+            </a:fillRef>
+            <a:effectRef idx="0">
+              <a:schemeClr val="accent1"/>
+            </a:effectRef>
+            <a:fontRef idx="minor">
+              <a:schemeClr val="tx1"/>
+            </a:fontRef>
+          </p:style>
+        </p:cxnSp>
+        <p:cxnSp>
+          <p:nvCxnSpPr>
+            <p:cNvPr id="106" name="Straight Connector 105">
+              <a:extLst>
+                <a:ext uri="{FF2B5EF4-FFF2-40B4-BE49-F238E27FC236}">
+                  <a16:creationId xmlns:a16="http://schemas.microsoft.com/office/drawing/2014/main" id="{0EE26AD8-E5CB-075D-965E-08DA33008CDC}"/>
+                </a:ext>
+              </a:extLst>
+            </p:cNvPr>
+            <p:cNvCxnSpPr>
+              <a:cxnSpLocks/>
+            </p:cNvCxnSpPr>
+            <p:nvPr/>
+          </p:nvCxnSpPr>
+          <p:spPr>
+            <a:xfrm>
+              <a:off x="8782174" y="5087114"/>
+              <a:ext cx="262376" cy="0"/>
+            </a:xfrm>
+            <a:prstGeom prst="line">
+              <a:avLst/>
+            </a:prstGeom>
+            <a:ln w="57150" cap="rnd">
+              <a:solidFill>
+                <a:srgbClr val="FF0000"/>
+              </a:solidFill>
+            </a:ln>
+            <a:effectLst>
+              <a:outerShdw blurRad="50800" dist="38100" dir="2700000" algn="tl" rotWithShape="0">
+                <a:prstClr val="black">
+                  <a:alpha val="40000"/>
+                </a:prstClr>
+              </a:outerShdw>
+            </a:effectLst>
+          </p:spPr>
+          <p:style>
+            <a:lnRef idx="1">
+              <a:schemeClr val="accent1"/>
+            </a:lnRef>
+            <a:fillRef idx="0">
+              <a:schemeClr val="accent1"/>
+            </a:fillRef>
+            <a:effectRef idx="0">
+              <a:schemeClr val="accent1"/>
+            </a:effectRef>
+            <a:fontRef idx="minor">
+              <a:schemeClr val="tx1"/>
+            </a:fontRef>
+          </p:style>
+        </p:cxnSp>
+        <p:cxnSp>
+          <p:nvCxnSpPr>
+            <p:cNvPr id="107" name="Straight Connector 106">
+              <a:extLst>
+                <a:ext uri="{FF2B5EF4-FFF2-40B4-BE49-F238E27FC236}">
+                  <a16:creationId xmlns:a16="http://schemas.microsoft.com/office/drawing/2014/main" id="{4B4DB885-2975-D20B-A441-BB87C8F5AFB2}"/>
+                </a:ext>
+              </a:extLst>
+            </p:cNvPr>
+            <p:cNvCxnSpPr>
+              <a:cxnSpLocks/>
+            </p:cNvCxnSpPr>
+            <p:nvPr/>
+          </p:nvCxnSpPr>
+          <p:spPr>
+            <a:xfrm flipH="1">
+              <a:off x="9197732" y="4281658"/>
+              <a:ext cx="40542" cy="291405"/>
+            </a:xfrm>
+            <a:prstGeom prst="line">
+              <a:avLst/>
+            </a:prstGeom>
+            <a:ln w="57150" cap="rnd">
+              <a:solidFill>
+                <a:srgbClr val="FF0000"/>
+              </a:solidFill>
+            </a:ln>
+            <a:effectLst>
+              <a:outerShdw blurRad="50800" dist="38100" dir="2700000" algn="tl" rotWithShape="0">
+                <a:prstClr val="black">
+                  <a:alpha val="40000"/>
+                </a:prstClr>
+              </a:outerShdw>
+            </a:effectLst>
+          </p:spPr>
+          <p:style>
+            <a:lnRef idx="1">
+              <a:schemeClr val="accent1"/>
+            </a:lnRef>
+            <a:fillRef idx="0">
+              <a:schemeClr val="accent1"/>
+            </a:fillRef>
+            <a:effectRef idx="0">
+              <a:schemeClr val="accent1"/>
+            </a:effectRef>
+            <a:fontRef idx="minor">
+              <a:schemeClr val="tx1"/>
+            </a:fontRef>
+          </p:style>
+        </p:cxnSp>
+        <p:cxnSp>
+          <p:nvCxnSpPr>
+            <p:cNvPr id="108" name="Straight Connector 107">
+              <a:extLst>
+                <a:ext uri="{FF2B5EF4-FFF2-40B4-BE49-F238E27FC236}">
+                  <a16:creationId xmlns:a16="http://schemas.microsoft.com/office/drawing/2014/main" id="{4513B271-1C9D-9D84-C0CD-48C754EA11CE}"/>
+                </a:ext>
+              </a:extLst>
+            </p:cNvPr>
+            <p:cNvCxnSpPr>
+              <a:cxnSpLocks/>
+            </p:cNvCxnSpPr>
+            <p:nvPr/>
+          </p:nvCxnSpPr>
+          <p:spPr>
+            <a:xfrm flipH="1">
+              <a:off x="9131705" y="4726415"/>
+              <a:ext cx="40542" cy="291405"/>
+            </a:xfrm>
+            <a:prstGeom prst="line">
+              <a:avLst/>
+            </a:prstGeom>
+            <a:ln w="57150" cap="rnd">
+              <a:solidFill>
+                <a:srgbClr val="FF0000"/>
+              </a:solidFill>
+            </a:ln>
+            <a:effectLst>
+              <a:outerShdw blurRad="50800" dist="38100" dir="2700000" algn="tl" rotWithShape="0">
+                <a:prstClr val="black">
+                  <a:alpha val="40000"/>
+                </a:prstClr>
+              </a:outerShdw>
+            </a:effectLst>
+          </p:spPr>
+          <p:style>
+            <a:lnRef idx="1">
+              <a:schemeClr val="accent1"/>
+            </a:lnRef>
+            <a:fillRef idx="0">
+              <a:schemeClr val="accent1"/>
+            </a:fillRef>
+            <a:effectRef idx="0">
+              <a:schemeClr val="accent1"/>
+            </a:effectRef>
+            <a:fontRef idx="minor">
+              <a:schemeClr val="tx1"/>
+            </a:fontRef>
+          </p:style>
+        </p:cxnSp>
+      </p:grpSp>
+      <p:sp>
+        <p:nvSpPr>
+          <p:cNvPr id="110" name="Rectangle 109">
+            <a:extLst>
+              <a:ext uri="{FF2B5EF4-FFF2-40B4-BE49-F238E27FC236}">
+                <a16:creationId xmlns:a16="http://schemas.microsoft.com/office/drawing/2014/main" id="{0EAE3620-36E7-3BCC-A575-A4158C2F27D4}"/>
+              </a:ext>
+            </a:extLst>
+          </p:cNvPr>
+          <p:cNvSpPr/>
+          <p:nvPr/>
+        </p:nvSpPr>
+        <p:spPr>
+          <a:xfrm>
+            <a:off x="6843451" y="4168729"/>
+            <a:ext cx="1206357" cy="1062680"/>
+          </a:xfrm>
+          <a:prstGeom prst="rect">
+            <a:avLst/>
+          </a:prstGeom>
+          <a:effectLst>
+            <a:outerShdw blurRad="50800" dist="38100" dir="2700000" algn="tl" rotWithShape="0">
+              <a:prstClr val="black">
+                <a:alpha val="40000"/>
+              </a:prstClr>
+            </a:outerShdw>
+          </a:effectLst>
+        </p:spPr>
+        <p:style>
+          <a:lnRef idx="2">
+            <a:schemeClr val="dk1"/>
+          </a:lnRef>
+          <a:fillRef idx="1">
+            <a:schemeClr val="lt1"/>
+          </a:fillRef>
+          <a:effectRef idx="0">
+            <a:schemeClr val="dk1"/>
+          </a:effectRef>
+          <a:fontRef idx="minor">
+            <a:schemeClr val="dk1"/>
+          </a:fontRef>
+        </p:style>
+        <p:txBody>
+          <a:bodyPr rtlCol="0" anchor="b" anchorCtr="0"/>
+          <a:lstStyle/>
+          <a:p>
+            <a:pPr algn="ctr"/>
+            <a:r>
+              <a:rPr lang="en-GB" sz="1200" dirty="0"/>
+              <a:t>7 Segment  Display Decoder</a:t>
+            </a:r>
+          </a:p>
+        </p:txBody>
+      </p:sp>
+      <p:cxnSp>
+        <p:nvCxnSpPr>
+          <p:cNvPr id="123" name="Straight Connector 122">
+            <a:extLst>
+              <a:ext uri="{FF2B5EF4-FFF2-40B4-BE49-F238E27FC236}">
+                <a16:creationId xmlns:a16="http://schemas.microsoft.com/office/drawing/2014/main" id="{72A4CC78-A6E7-46C8-100A-59F8292B68A9}"/>
+              </a:ext>
+            </a:extLst>
+          </p:cNvPr>
+          <p:cNvCxnSpPr>
+            <a:cxnSpLocks/>
+            <a:stCxn id="110" idx="3"/>
+            <a:endCxn id="64" idx="1"/>
+          </p:cNvCxnSpPr>
+          <p:nvPr/>
+        </p:nvCxnSpPr>
+        <p:spPr>
+          <a:xfrm flipV="1">
+            <a:off x="8049808" y="4695679"/>
+            <a:ext cx="475386" cy="4390"/>
+          </a:xfrm>
+          <a:prstGeom prst="line">
+            <a:avLst/>
+          </a:prstGeom>
+          <a:effectLst>
+            <a:outerShdw blurRad="50800" dist="38100" dir="2700000" algn="tl" rotWithShape="0">
+              <a:prstClr val="black">
+                <a:alpha val="40000"/>
+              </a:prstClr>
+            </a:outerShdw>
+          </a:effectLst>
+        </p:spPr>
+        <p:style>
+          <a:lnRef idx="3">
+            <a:schemeClr val="dk1"/>
+          </a:lnRef>
+          <a:fillRef idx="0">
+            <a:schemeClr val="dk1"/>
+          </a:fillRef>
+          <a:effectRef idx="2">
+            <a:schemeClr val="dk1"/>
+          </a:effectRef>
+          <a:fontRef idx="minor">
+            <a:schemeClr val="tx1"/>
+          </a:fontRef>
+        </p:style>
+      </p:cxnSp>
+      <p:cxnSp>
+        <p:nvCxnSpPr>
+          <p:cNvPr id="134" name="Connector: Elbow 133">
+            <a:extLst>
+              <a:ext uri="{FF2B5EF4-FFF2-40B4-BE49-F238E27FC236}">
+                <a16:creationId xmlns:a16="http://schemas.microsoft.com/office/drawing/2014/main" id="{8F2BD19F-E975-6806-A862-88365E3FCC2C}"/>
+              </a:ext>
+            </a:extLst>
+          </p:cNvPr>
+          <p:cNvCxnSpPr>
+            <a:cxnSpLocks/>
+            <a:stCxn id="110" idx="0"/>
+          </p:cNvCxnSpPr>
+          <p:nvPr/>
+        </p:nvCxnSpPr>
+        <p:spPr>
+          <a:xfrm rot="5400000" flipH="1" flipV="1">
+            <a:off x="7630066" y="3680955"/>
+            <a:ext cx="304338" cy="671210"/>
+          </a:xfrm>
+          <a:prstGeom prst="bentConnector2">
+            <a:avLst/>
+          </a:prstGeom>
+          <a:effectLst>
+            <a:outerShdw blurRad="50800" dist="38100" dir="2700000" algn="tl" rotWithShape="0">
+              <a:prstClr val="black">
+                <a:alpha val="40000"/>
+              </a:prstClr>
+            </a:outerShdw>
+          </a:effectLst>
+        </p:spPr>
+        <p:style>
+          <a:lnRef idx="3">
+            <a:schemeClr val="dk1"/>
+          </a:lnRef>
+          <a:fillRef idx="0">
+            <a:schemeClr val="dk1"/>
+          </a:fillRef>
+          <a:effectRef idx="2">
+            <a:schemeClr val="dk1"/>
+          </a:effectRef>
+          <a:fontRef idx="minor">
+            <a:schemeClr val="tx1"/>
+          </a:fontRef>
+        </p:style>
+      </p:cxnSp>
+      <p:cxnSp>
+        <p:nvCxnSpPr>
+          <p:cNvPr id="142" name="Straight Connector 141">
+            <a:extLst>
+              <a:ext uri="{FF2B5EF4-FFF2-40B4-BE49-F238E27FC236}">
+                <a16:creationId xmlns:a16="http://schemas.microsoft.com/office/drawing/2014/main" id="{06B4646E-74FB-DB5F-C82B-D0115BB8A0A8}"/>
+              </a:ext>
+            </a:extLst>
+          </p:cNvPr>
+          <p:cNvCxnSpPr>
+            <a:cxnSpLocks/>
+          </p:cNvCxnSpPr>
+          <p:nvPr/>
+        </p:nvCxnSpPr>
+        <p:spPr>
+          <a:xfrm flipV="1">
+            <a:off x="8113729" y="3023638"/>
+            <a:ext cx="0" cy="840752"/>
+          </a:xfrm>
+          <a:prstGeom prst="line">
+            <a:avLst/>
+          </a:prstGeom>
+          <a:effectLst>
+            <a:outerShdw blurRad="50800" dist="38100" dir="2700000" algn="tl" rotWithShape="0">
+              <a:prstClr val="black">
+                <a:alpha val="40000"/>
+              </a:prstClr>
+            </a:outerShdw>
+          </a:effectLst>
+        </p:spPr>
+        <p:style>
+          <a:lnRef idx="3">
+            <a:schemeClr val="dk1"/>
+          </a:lnRef>
+          <a:fillRef idx="0">
+            <a:schemeClr val="dk1"/>
+          </a:fillRef>
+          <a:effectRef idx="2">
+            <a:schemeClr val="dk1"/>
+          </a:effectRef>
+          <a:fontRef idx="minor">
+            <a:schemeClr val="tx1"/>
+          </a:fontRef>
+        </p:style>
+      </p:cxnSp>
+      <p:sp>
+        <p:nvSpPr>
+          <p:cNvPr id="145" name="TextBox 144">
+            <a:extLst>
+              <a:ext uri="{FF2B5EF4-FFF2-40B4-BE49-F238E27FC236}">
+                <a16:creationId xmlns:a16="http://schemas.microsoft.com/office/drawing/2014/main" id="{1A01A30E-5883-FD03-F610-29461653D0DC}"/>
+              </a:ext>
+            </a:extLst>
+          </p:cNvPr>
+          <p:cNvSpPr txBox="1"/>
+          <p:nvPr/>
+        </p:nvSpPr>
+        <p:spPr>
+          <a:xfrm>
+            <a:off x="6854730" y="4603345"/>
+            <a:ext cx="207873" cy="184666"/>
+          </a:xfrm>
+          <a:prstGeom prst="rect">
+            <a:avLst/>
+          </a:prstGeom>
+          <a:noFill/>
+        </p:spPr>
+        <p:txBody>
+          <a:bodyPr wrap="none" lIns="36000" tIns="0" rIns="0" bIns="0" rtlCol="0">
+            <a:spAutoFit/>
+          </a:bodyPr>
+          <a:lstStyle/>
+          <a:p>
+            <a:r>
+              <a:rPr lang="en-GB" sz="1200" dirty="0" err="1"/>
+              <a:t>clk</a:t>
+            </a:r>
+            <a:endParaRPr lang="en-GB" sz="1200" dirty="0"/>
+          </a:p>
+        </p:txBody>
+      </p:sp>
+      <p:sp>
+        <p:nvSpPr>
+          <p:cNvPr id="146" name="TextBox 145">
+            <a:extLst>
+              <a:ext uri="{FF2B5EF4-FFF2-40B4-BE49-F238E27FC236}">
+                <a16:creationId xmlns:a16="http://schemas.microsoft.com/office/drawing/2014/main" id="{EDE269FE-71B7-F936-6530-17AFFF004E71}"/>
+              </a:ext>
+            </a:extLst>
+          </p:cNvPr>
+          <p:cNvSpPr txBox="1"/>
+          <p:nvPr/>
+        </p:nvSpPr>
+        <p:spPr>
+          <a:xfrm>
+            <a:off x="7172809" y="4180179"/>
+            <a:ext cx="545021" cy="184666"/>
+          </a:xfrm>
+          <a:prstGeom prst="rect">
+            <a:avLst/>
+          </a:prstGeom>
+          <a:noFill/>
+        </p:spPr>
+        <p:txBody>
+          <a:bodyPr wrap="none" lIns="0" tIns="0" rIns="0" bIns="0" rtlCol="0">
+            <a:spAutoFit/>
+          </a:bodyPr>
+          <a:lstStyle/>
+          <a:p>
+            <a:pPr algn="ctr"/>
+            <a:r>
+              <a:rPr lang="en-GB" sz="1200" dirty="0" err="1"/>
+              <a:t>leds</a:t>
+            </a:r>
+            <a:r>
+              <a:rPr lang="en-GB" sz="1200" dirty="0"/>
+              <a:t>(3:0)</a:t>
+            </a:r>
+          </a:p>
+        </p:txBody>
+      </p:sp>
+      <p:sp>
+        <p:nvSpPr>
+          <p:cNvPr id="148" name="TextBox 147">
+            <a:extLst>
+              <a:ext uri="{FF2B5EF4-FFF2-40B4-BE49-F238E27FC236}">
+                <a16:creationId xmlns:a16="http://schemas.microsoft.com/office/drawing/2014/main" id="{16329D3B-72AA-F2D1-7E6E-9C1C9C99C231}"/>
+              </a:ext>
+            </a:extLst>
+          </p:cNvPr>
+          <p:cNvSpPr txBox="1"/>
+          <p:nvPr/>
+        </p:nvSpPr>
+        <p:spPr>
+          <a:xfrm>
+            <a:off x="7318757" y="4610084"/>
+            <a:ext cx="743405" cy="184666"/>
+          </a:xfrm>
+          <a:prstGeom prst="rect">
+            <a:avLst/>
+          </a:prstGeom>
+          <a:noFill/>
+        </p:spPr>
+        <p:txBody>
+          <a:bodyPr wrap="none" lIns="0" tIns="0" rIns="36000" bIns="0" rtlCol="0">
+            <a:spAutoFit/>
+          </a:bodyPr>
+          <a:lstStyle/>
+          <a:p>
+            <a:pPr algn="r"/>
+            <a:r>
+              <a:rPr lang="en-GB" sz="1200" dirty="0" err="1"/>
+              <a:t>sevseg</a:t>
+            </a:r>
+            <a:r>
+              <a:rPr lang="en-GB" sz="1200" dirty="0"/>
+              <a:t>(6:0)</a:t>
+            </a:r>
+          </a:p>
+        </p:txBody>
+      </p:sp>
+      <p:sp>
+        <p:nvSpPr>
+          <p:cNvPr id="169" name="Oval 168">
+            <a:extLst>
+              <a:ext uri="{FF2B5EF4-FFF2-40B4-BE49-F238E27FC236}">
+                <a16:creationId xmlns:a16="http://schemas.microsoft.com/office/drawing/2014/main" id="{E1FC3EE2-3CBD-901C-D750-C6E6B6A66000}"/>
+              </a:ext>
+            </a:extLst>
+          </p:cNvPr>
+          <p:cNvSpPr/>
+          <p:nvPr/>
+        </p:nvSpPr>
+        <p:spPr>
+          <a:xfrm>
+            <a:off x="8083717" y="2993598"/>
+            <a:ext cx="62107" cy="62107"/>
+          </a:xfrm>
+          <a:prstGeom prst="ellipse">
+            <a:avLst/>
+          </a:prstGeom>
+          <a:solidFill>
+            <a:schemeClr val="tx1"/>
+          </a:solidFill>
+          <a:ln>
+            <a:noFill/>
+          </a:ln>
+        </p:spPr>
+        <p:style>
+          <a:lnRef idx="2">
+            <a:schemeClr val="accent1">
+              <a:shade val="50000"/>
+            </a:schemeClr>
+          </a:lnRef>
+          <a:fillRef idx="1">
+            <a:schemeClr val="accent1"/>
+          </a:fillRef>
+          <a:effectRef idx="0">
+            <a:schemeClr val="accent1"/>
+          </a:effectRef>
+          <a:fontRef idx="minor">
+            <a:schemeClr val="lt1"/>
+          </a:fontRef>
+        </p:style>
+        <p:txBody>
+          <a:bodyPr rtlCol="0" anchor="ctr"/>
+          <a:lstStyle/>
+          <a:p>
+            <a:pPr algn="ctr"/>
+            <a:endParaRPr lang="en-GB"/>
+          </a:p>
+        </p:txBody>
+      </p:sp>
+      <p:sp>
+        <p:nvSpPr>
+          <p:cNvPr id="170" name="Oval 169">
+            <a:extLst>
+              <a:ext uri="{FF2B5EF4-FFF2-40B4-BE49-F238E27FC236}">
+                <a16:creationId xmlns:a16="http://schemas.microsoft.com/office/drawing/2014/main" id="{8C1EB6EE-8C0A-C2EC-B39A-C558DC486623}"/>
+              </a:ext>
+            </a:extLst>
+          </p:cNvPr>
+          <p:cNvSpPr/>
+          <p:nvPr/>
+        </p:nvSpPr>
+        <p:spPr>
+          <a:xfrm flipV="1">
+            <a:off x="6581190" y="4672606"/>
+            <a:ext cx="45722" cy="45720"/>
+          </a:xfrm>
+          <a:prstGeom prst="ellipse">
+            <a:avLst/>
+          </a:prstGeom>
+          <a:solidFill>
+            <a:schemeClr val="tx1"/>
+          </a:solidFill>
+          <a:ln>
+            <a:noFill/>
+          </a:ln>
+        </p:spPr>
+        <p:style>
+          <a:lnRef idx="2">
+            <a:schemeClr val="accent1">
+              <a:shade val="50000"/>
+            </a:schemeClr>
+          </a:lnRef>
+          <a:fillRef idx="1">
+            <a:schemeClr val="accent1"/>
+          </a:fillRef>
+          <a:effectRef idx="0">
+            <a:schemeClr val="accent1"/>
+          </a:effectRef>
+          <a:fontRef idx="minor">
+            <a:schemeClr val="lt1"/>
+          </a:fontRef>
+        </p:style>
+        <p:txBody>
+          <a:bodyPr rtlCol="0" anchor="ctr"/>
+          <a:lstStyle/>
+          <a:p>
+            <a:pPr algn="ctr"/>
+            <a:endParaRPr lang="en-GB"/>
           </a:p>
         </p:txBody>
       </p:sp>

--- a/docs/images/Diagrams.pptx
+++ b/docs/images/Diagrams.pptx
@@ -11,6 +11,7 @@
     <p:sldId id="260" r:id="rId5"/>
     <p:sldId id="261" r:id="rId6"/>
     <p:sldId id="259" r:id="rId7"/>
+    <p:sldId id="262" r:id="rId8"/>
   </p:sldIdLst>
   <p:sldSz cx="12192000" cy="6858000"/>
   <p:notesSz cx="6858000" cy="9144000"/>
@@ -266,7 +267,7 @@
           <a:p>
             <a:fld id="{30A9C857-609A-43FA-83CE-07000BF55DB0}" type="datetimeFigureOut">
               <a:rPr lang="en-GB" smtClean="0"/>
-              <a:t>19/11/2022</a:t>
+              <a:t>24/04/2023</a:t>
             </a:fld>
             <a:endParaRPr lang="en-GB"/>
           </a:p>
@@ -466,7 +467,7 @@
           <a:p>
             <a:fld id="{30A9C857-609A-43FA-83CE-07000BF55DB0}" type="datetimeFigureOut">
               <a:rPr lang="en-GB" smtClean="0"/>
-              <a:t>19/11/2022</a:t>
+              <a:t>24/04/2023</a:t>
             </a:fld>
             <a:endParaRPr lang="en-GB"/>
           </a:p>
@@ -676,7 +677,7 @@
           <a:p>
             <a:fld id="{30A9C857-609A-43FA-83CE-07000BF55DB0}" type="datetimeFigureOut">
               <a:rPr lang="en-GB" smtClean="0"/>
-              <a:t>19/11/2022</a:t>
+              <a:t>24/04/2023</a:t>
             </a:fld>
             <a:endParaRPr lang="en-GB"/>
           </a:p>
@@ -876,7 +877,7 @@
           <a:p>
             <a:fld id="{30A9C857-609A-43FA-83CE-07000BF55DB0}" type="datetimeFigureOut">
               <a:rPr lang="en-GB" smtClean="0"/>
-              <a:t>19/11/2022</a:t>
+              <a:t>24/04/2023</a:t>
             </a:fld>
             <a:endParaRPr lang="en-GB"/>
           </a:p>
@@ -1152,7 +1153,7 @@
           <a:p>
             <a:fld id="{30A9C857-609A-43FA-83CE-07000BF55DB0}" type="datetimeFigureOut">
               <a:rPr lang="en-GB" smtClean="0"/>
-              <a:t>19/11/2022</a:t>
+              <a:t>24/04/2023</a:t>
             </a:fld>
             <a:endParaRPr lang="en-GB"/>
           </a:p>
@@ -1420,7 +1421,7 @@
           <a:p>
             <a:fld id="{30A9C857-609A-43FA-83CE-07000BF55DB0}" type="datetimeFigureOut">
               <a:rPr lang="en-GB" smtClean="0"/>
-              <a:t>19/11/2022</a:t>
+              <a:t>24/04/2023</a:t>
             </a:fld>
             <a:endParaRPr lang="en-GB"/>
           </a:p>
@@ -1835,7 +1836,7 @@
           <a:p>
             <a:fld id="{30A9C857-609A-43FA-83CE-07000BF55DB0}" type="datetimeFigureOut">
               <a:rPr lang="en-GB" smtClean="0"/>
-              <a:t>19/11/2022</a:t>
+              <a:t>24/04/2023</a:t>
             </a:fld>
             <a:endParaRPr lang="en-GB"/>
           </a:p>
@@ -1977,7 +1978,7 @@
           <a:p>
             <a:fld id="{30A9C857-609A-43FA-83CE-07000BF55DB0}" type="datetimeFigureOut">
               <a:rPr lang="en-GB" smtClean="0"/>
-              <a:t>19/11/2022</a:t>
+              <a:t>24/04/2023</a:t>
             </a:fld>
             <a:endParaRPr lang="en-GB"/>
           </a:p>
@@ -2090,7 +2091,7 @@
           <a:p>
             <a:fld id="{30A9C857-609A-43FA-83CE-07000BF55DB0}" type="datetimeFigureOut">
               <a:rPr lang="en-GB" smtClean="0"/>
-              <a:t>19/11/2022</a:t>
+              <a:t>24/04/2023</a:t>
             </a:fld>
             <a:endParaRPr lang="en-GB"/>
           </a:p>
@@ -2403,7 +2404,7 @@
           <a:p>
             <a:fld id="{30A9C857-609A-43FA-83CE-07000BF55DB0}" type="datetimeFigureOut">
               <a:rPr lang="en-GB" smtClean="0"/>
-              <a:t>19/11/2022</a:t>
+              <a:t>24/04/2023</a:t>
             </a:fld>
             <a:endParaRPr lang="en-GB"/>
           </a:p>
@@ -2692,7 +2693,7 @@
           <a:p>
             <a:fld id="{30A9C857-609A-43FA-83CE-07000BF55DB0}" type="datetimeFigureOut">
               <a:rPr lang="en-GB" smtClean="0"/>
-              <a:t>19/11/2022</a:t>
+              <a:t>24/04/2023</a:t>
             </a:fld>
             <a:endParaRPr lang="en-GB"/>
           </a:p>
@@ -2935,7 +2936,7 @@
           <a:p>
             <a:fld id="{30A9C857-609A-43FA-83CE-07000BF55DB0}" type="datetimeFigureOut">
               <a:rPr lang="en-GB" smtClean="0"/>
-              <a:t>19/11/2022</a:t>
+              <a:t>24/04/2023</a:t>
             </a:fld>
             <a:endParaRPr lang="en-GB"/>
           </a:p>
@@ -17551,6 +17552,1550 @@
 </p:sld>
 </file>
 
+<file path=ppt/slides/slide7.xml><?xml version="1.0" encoding="utf-8"?>
+<p:sld xmlns:a="http://schemas.openxmlformats.org/drawingml/2006/main" xmlns:r="http://schemas.openxmlformats.org/officeDocument/2006/relationships" xmlns:p="http://schemas.openxmlformats.org/presentationml/2006/main">
+  <p:cSld>
+    <p:spTree>
+      <p:nvGrpSpPr>
+        <p:cNvPr id="1" name=""/>
+        <p:cNvGrpSpPr/>
+        <p:nvPr/>
+      </p:nvGrpSpPr>
+      <p:grpSpPr>
+        <a:xfrm>
+          <a:off x="0" y="0"/>
+          <a:ext cx="0" cy="0"/>
+          <a:chOff x="0" y="0"/>
+          <a:chExt cx="0" cy="0"/>
+        </a:xfrm>
+      </p:grpSpPr>
+      <p:sp>
+        <p:nvSpPr>
+          <p:cNvPr id="83" name="Rectangle 82">
+            <a:extLst>
+              <a:ext uri="{FF2B5EF4-FFF2-40B4-BE49-F238E27FC236}">
+                <a16:creationId xmlns:a16="http://schemas.microsoft.com/office/drawing/2014/main" id="{97365F58-C382-E857-FAB8-92734C74A180}"/>
+              </a:ext>
+            </a:extLst>
+          </p:cNvPr>
+          <p:cNvSpPr/>
+          <p:nvPr/>
+        </p:nvSpPr>
+        <p:spPr>
+          <a:xfrm>
+            <a:off x="1912402" y="513792"/>
+            <a:ext cx="6129093" cy="5830418"/>
+          </a:xfrm>
+          <a:prstGeom prst="rect">
+            <a:avLst/>
+          </a:prstGeom>
+          <a:solidFill>
+            <a:schemeClr val="bg1"/>
+          </a:solidFill>
+          <a:ln>
+            <a:noFill/>
+          </a:ln>
+        </p:spPr>
+        <p:style>
+          <a:lnRef idx="2">
+            <a:schemeClr val="accent1">
+              <a:shade val="50000"/>
+            </a:schemeClr>
+          </a:lnRef>
+          <a:fillRef idx="1">
+            <a:schemeClr val="accent1"/>
+          </a:fillRef>
+          <a:effectRef idx="0">
+            <a:schemeClr val="accent1"/>
+          </a:effectRef>
+          <a:fontRef idx="minor">
+            <a:schemeClr val="lt1"/>
+          </a:fontRef>
+        </p:style>
+        <p:txBody>
+          <a:bodyPr rtlCol="0" anchor="ctr"/>
+          <a:lstStyle/>
+          <a:p>
+            <a:pPr algn="ctr"/>
+            <a:endParaRPr lang="en-GB" dirty="0"/>
+          </a:p>
+        </p:txBody>
+      </p:sp>
+      <p:sp>
+        <p:nvSpPr>
+          <p:cNvPr id="40" name="Rectangle 39">
+            <a:extLst>
+              <a:ext uri="{FF2B5EF4-FFF2-40B4-BE49-F238E27FC236}">
+                <a16:creationId xmlns:a16="http://schemas.microsoft.com/office/drawing/2014/main" id="{7D37B6F7-0F28-BA1D-BA29-659C174AC3DF}"/>
+              </a:ext>
+            </a:extLst>
+          </p:cNvPr>
+          <p:cNvSpPr/>
+          <p:nvPr/>
+        </p:nvSpPr>
+        <p:spPr>
+          <a:xfrm>
+            <a:off x="3445845" y="2377440"/>
+            <a:ext cx="2550694" cy="3696101"/>
+          </a:xfrm>
+          <a:prstGeom prst="rect">
+            <a:avLst/>
+          </a:prstGeom>
+        </p:spPr>
+        <p:style>
+          <a:lnRef idx="2">
+            <a:schemeClr val="accent3">
+              <a:shade val="50000"/>
+            </a:schemeClr>
+          </a:lnRef>
+          <a:fillRef idx="1">
+            <a:schemeClr val="accent3"/>
+          </a:fillRef>
+          <a:effectRef idx="0">
+            <a:schemeClr val="accent3"/>
+          </a:effectRef>
+          <a:fontRef idx="minor">
+            <a:schemeClr val="lt1"/>
+          </a:fontRef>
+        </p:style>
+        <p:txBody>
+          <a:bodyPr rtlCol="0" anchor="ctr"/>
+          <a:lstStyle/>
+          <a:p>
+            <a:pPr algn="ctr"/>
+            <a:endParaRPr lang="en-GB"/>
+          </a:p>
+        </p:txBody>
+      </p:sp>
+      <p:sp>
+        <p:nvSpPr>
+          <p:cNvPr id="6" name="Rectangle 5">
+            <a:extLst>
+              <a:ext uri="{FF2B5EF4-FFF2-40B4-BE49-F238E27FC236}">
+                <a16:creationId xmlns:a16="http://schemas.microsoft.com/office/drawing/2014/main" id="{DE14A8FE-150F-DEBD-EADE-0C78C85B6F81}"/>
+              </a:ext>
+            </a:extLst>
+          </p:cNvPr>
+          <p:cNvSpPr/>
+          <p:nvPr/>
+        </p:nvSpPr>
+        <p:spPr>
+          <a:xfrm>
+            <a:off x="4196615" y="2517006"/>
+            <a:ext cx="1039529" cy="428325"/>
+          </a:xfrm>
+          <a:prstGeom prst="rect">
+            <a:avLst/>
+          </a:prstGeom>
+        </p:spPr>
+        <p:style>
+          <a:lnRef idx="2">
+            <a:schemeClr val="accent1">
+              <a:shade val="50000"/>
+            </a:schemeClr>
+          </a:lnRef>
+          <a:fillRef idx="1">
+            <a:schemeClr val="accent1"/>
+          </a:fillRef>
+          <a:effectRef idx="0">
+            <a:schemeClr val="accent1"/>
+          </a:effectRef>
+          <a:fontRef idx="minor">
+            <a:schemeClr val="lt1"/>
+          </a:fontRef>
+        </p:style>
+        <p:txBody>
+          <a:bodyPr rtlCol="0" anchor="ctr"/>
+          <a:lstStyle/>
+          <a:p>
+            <a:pPr algn="ctr"/>
+            <a:r>
+              <a:rPr lang="en-GB" dirty="0"/>
+              <a:t>r0</a:t>
+            </a:r>
+          </a:p>
+        </p:txBody>
+      </p:sp>
+      <p:sp>
+        <p:nvSpPr>
+          <p:cNvPr id="7" name="Rectangle 6">
+            <a:extLst>
+              <a:ext uri="{FF2B5EF4-FFF2-40B4-BE49-F238E27FC236}">
+                <a16:creationId xmlns:a16="http://schemas.microsoft.com/office/drawing/2014/main" id="{25AA6D25-B9F8-4306-C186-F7CA3BB35A1E}"/>
+              </a:ext>
+            </a:extLst>
+          </p:cNvPr>
+          <p:cNvSpPr/>
+          <p:nvPr/>
+        </p:nvSpPr>
+        <p:spPr>
+          <a:xfrm>
+            <a:off x="4196614" y="2945331"/>
+            <a:ext cx="1039529" cy="428325"/>
+          </a:xfrm>
+          <a:prstGeom prst="rect">
+            <a:avLst/>
+          </a:prstGeom>
+        </p:spPr>
+        <p:style>
+          <a:lnRef idx="2">
+            <a:schemeClr val="accent1">
+              <a:shade val="50000"/>
+            </a:schemeClr>
+          </a:lnRef>
+          <a:fillRef idx="1">
+            <a:schemeClr val="accent1"/>
+          </a:fillRef>
+          <a:effectRef idx="0">
+            <a:schemeClr val="accent1"/>
+          </a:effectRef>
+          <a:fontRef idx="minor">
+            <a:schemeClr val="lt1"/>
+          </a:fontRef>
+        </p:style>
+        <p:txBody>
+          <a:bodyPr rtlCol="0" anchor="ctr"/>
+          <a:lstStyle/>
+          <a:p>
+            <a:pPr algn="ctr"/>
+            <a:r>
+              <a:rPr lang="en-GB" dirty="0"/>
+              <a:t>r1</a:t>
+            </a:r>
+          </a:p>
+        </p:txBody>
+      </p:sp>
+      <p:sp>
+        <p:nvSpPr>
+          <p:cNvPr id="8" name="Rectangle 7">
+            <a:extLst>
+              <a:ext uri="{FF2B5EF4-FFF2-40B4-BE49-F238E27FC236}">
+                <a16:creationId xmlns:a16="http://schemas.microsoft.com/office/drawing/2014/main" id="{BFC6D284-1828-1205-AC7A-79FDB004182D}"/>
+              </a:ext>
+            </a:extLst>
+          </p:cNvPr>
+          <p:cNvSpPr/>
+          <p:nvPr/>
+        </p:nvSpPr>
+        <p:spPr>
+          <a:xfrm>
+            <a:off x="4196614" y="3373656"/>
+            <a:ext cx="1039529" cy="428325"/>
+          </a:xfrm>
+          <a:prstGeom prst="rect">
+            <a:avLst/>
+          </a:prstGeom>
+        </p:spPr>
+        <p:style>
+          <a:lnRef idx="2">
+            <a:schemeClr val="accent1">
+              <a:shade val="50000"/>
+            </a:schemeClr>
+          </a:lnRef>
+          <a:fillRef idx="1">
+            <a:schemeClr val="accent1"/>
+          </a:fillRef>
+          <a:effectRef idx="0">
+            <a:schemeClr val="accent1"/>
+          </a:effectRef>
+          <a:fontRef idx="minor">
+            <a:schemeClr val="lt1"/>
+          </a:fontRef>
+        </p:style>
+        <p:txBody>
+          <a:bodyPr rtlCol="0" anchor="ctr"/>
+          <a:lstStyle/>
+          <a:p>
+            <a:pPr algn="ctr"/>
+            <a:r>
+              <a:rPr lang="en-GB" dirty="0"/>
+              <a:t>r2</a:t>
+            </a:r>
+          </a:p>
+        </p:txBody>
+      </p:sp>
+      <p:sp>
+        <p:nvSpPr>
+          <p:cNvPr id="9" name="Rectangle 8">
+            <a:extLst>
+              <a:ext uri="{FF2B5EF4-FFF2-40B4-BE49-F238E27FC236}">
+                <a16:creationId xmlns:a16="http://schemas.microsoft.com/office/drawing/2014/main" id="{60AA649C-A8A2-66A2-E393-7CCCAD6C9C05}"/>
+              </a:ext>
+            </a:extLst>
+          </p:cNvPr>
+          <p:cNvSpPr/>
+          <p:nvPr/>
+        </p:nvSpPr>
+        <p:spPr>
+          <a:xfrm>
+            <a:off x="4196613" y="3801981"/>
+            <a:ext cx="1039529" cy="428325"/>
+          </a:xfrm>
+          <a:prstGeom prst="rect">
+            <a:avLst/>
+          </a:prstGeom>
+        </p:spPr>
+        <p:style>
+          <a:lnRef idx="2">
+            <a:schemeClr val="accent1">
+              <a:shade val="50000"/>
+            </a:schemeClr>
+          </a:lnRef>
+          <a:fillRef idx="1">
+            <a:schemeClr val="accent1"/>
+          </a:fillRef>
+          <a:effectRef idx="0">
+            <a:schemeClr val="accent1"/>
+          </a:effectRef>
+          <a:fontRef idx="minor">
+            <a:schemeClr val="lt1"/>
+          </a:fontRef>
+        </p:style>
+        <p:txBody>
+          <a:bodyPr rtlCol="0" anchor="ctr"/>
+          <a:lstStyle/>
+          <a:p>
+            <a:pPr algn="ctr"/>
+            <a:r>
+              <a:rPr lang="en-GB" dirty="0"/>
+              <a:t>r3</a:t>
+            </a:r>
+          </a:p>
+        </p:txBody>
+      </p:sp>
+      <p:sp>
+        <p:nvSpPr>
+          <p:cNvPr id="10" name="Rectangle 9">
+            <a:extLst>
+              <a:ext uri="{FF2B5EF4-FFF2-40B4-BE49-F238E27FC236}">
+                <a16:creationId xmlns:a16="http://schemas.microsoft.com/office/drawing/2014/main" id="{4A882935-CD67-C55C-B11A-ECAA774C85BE}"/>
+              </a:ext>
+            </a:extLst>
+          </p:cNvPr>
+          <p:cNvSpPr/>
+          <p:nvPr/>
+        </p:nvSpPr>
+        <p:spPr>
+          <a:xfrm>
+            <a:off x="4196613" y="4230306"/>
+            <a:ext cx="1039529" cy="428325"/>
+          </a:xfrm>
+          <a:prstGeom prst="rect">
+            <a:avLst/>
+          </a:prstGeom>
+        </p:spPr>
+        <p:style>
+          <a:lnRef idx="2">
+            <a:schemeClr val="accent1">
+              <a:shade val="50000"/>
+            </a:schemeClr>
+          </a:lnRef>
+          <a:fillRef idx="1">
+            <a:schemeClr val="accent1"/>
+          </a:fillRef>
+          <a:effectRef idx="0">
+            <a:schemeClr val="accent1"/>
+          </a:effectRef>
+          <a:fontRef idx="minor">
+            <a:schemeClr val="lt1"/>
+          </a:fontRef>
+        </p:style>
+        <p:txBody>
+          <a:bodyPr rtlCol="0" anchor="ctr"/>
+          <a:lstStyle/>
+          <a:p>
+            <a:pPr algn="ctr"/>
+            <a:r>
+              <a:rPr lang="en-GB" dirty="0"/>
+              <a:t>r4</a:t>
+            </a:r>
+          </a:p>
+        </p:txBody>
+      </p:sp>
+      <p:sp>
+        <p:nvSpPr>
+          <p:cNvPr id="11" name="Rectangle 10">
+            <a:extLst>
+              <a:ext uri="{FF2B5EF4-FFF2-40B4-BE49-F238E27FC236}">
+                <a16:creationId xmlns:a16="http://schemas.microsoft.com/office/drawing/2014/main" id="{DB842D63-838F-7AB6-7C68-C6833D427468}"/>
+              </a:ext>
+            </a:extLst>
+          </p:cNvPr>
+          <p:cNvSpPr/>
+          <p:nvPr/>
+        </p:nvSpPr>
+        <p:spPr>
+          <a:xfrm>
+            <a:off x="4196612" y="4658631"/>
+            <a:ext cx="1039529" cy="428325"/>
+          </a:xfrm>
+          <a:prstGeom prst="rect">
+            <a:avLst/>
+          </a:prstGeom>
+        </p:spPr>
+        <p:style>
+          <a:lnRef idx="2">
+            <a:schemeClr val="accent1">
+              <a:shade val="50000"/>
+            </a:schemeClr>
+          </a:lnRef>
+          <a:fillRef idx="1">
+            <a:schemeClr val="accent1"/>
+          </a:fillRef>
+          <a:effectRef idx="0">
+            <a:schemeClr val="accent1"/>
+          </a:effectRef>
+          <a:fontRef idx="minor">
+            <a:schemeClr val="lt1"/>
+          </a:fontRef>
+        </p:style>
+        <p:txBody>
+          <a:bodyPr rtlCol="0" anchor="ctr"/>
+          <a:lstStyle/>
+          <a:p>
+            <a:pPr algn="ctr"/>
+            <a:r>
+              <a:rPr lang="en-GB" dirty="0"/>
+              <a:t>r5</a:t>
+            </a:r>
+          </a:p>
+        </p:txBody>
+      </p:sp>
+      <p:sp>
+        <p:nvSpPr>
+          <p:cNvPr id="12" name="Rectangle 11">
+            <a:extLst>
+              <a:ext uri="{FF2B5EF4-FFF2-40B4-BE49-F238E27FC236}">
+                <a16:creationId xmlns:a16="http://schemas.microsoft.com/office/drawing/2014/main" id="{A136E710-70BE-AD57-55BA-CD1A232EAC83}"/>
+              </a:ext>
+            </a:extLst>
+          </p:cNvPr>
+          <p:cNvSpPr/>
+          <p:nvPr/>
+        </p:nvSpPr>
+        <p:spPr>
+          <a:xfrm>
+            <a:off x="4196612" y="5086956"/>
+            <a:ext cx="1039529" cy="428325"/>
+          </a:xfrm>
+          <a:prstGeom prst="rect">
+            <a:avLst/>
+          </a:prstGeom>
+        </p:spPr>
+        <p:style>
+          <a:lnRef idx="2">
+            <a:schemeClr val="accent1">
+              <a:shade val="50000"/>
+            </a:schemeClr>
+          </a:lnRef>
+          <a:fillRef idx="1">
+            <a:schemeClr val="accent1"/>
+          </a:fillRef>
+          <a:effectRef idx="0">
+            <a:schemeClr val="accent1"/>
+          </a:effectRef>
+          <a:fontRef idx="minor">
+            <a:schemeClr val="lt1"/>
+          </a:fontRef>
+        </p:style>
+        <p:txBody>
+          <a:bodyPr rtlCol="0" anchor="ctr"/>
+          <a:lstStyle/>
+          <a:p>
+            <a:pPr algn="ctr"/>
+            <a:r>
+              <a:rPr lang="en-GB" dirty="0" err="1"/>
+              <a:t>btns</a:t>
+            </a:r>
+            <a:endParaRPr lang="en-GB" dirty="0"/>
+          </a:p>
+        </p:txBody>
+      </p:sp>
+      <p:sp>
+        <p:nvSpPr>
+          <p:cNvPr id="13" name="Rectangle 12">
+            <a:extLst>
+              <a:ext uri="{FF2B5EF4-FFF2-40B4-BE49-F238E27FC236}">
+                <a16:creationId xmlns:a16="http://schemas.microsoft.com/office/drawing/2014/main" id="{9E7BCF26-2FC9-AFDD-A0BC-7C6F2B7F7D00}"/>
+              </a:ext>
+            </a:extLst>
+          </p:cNvPr>
+          <p:cNvSpPr/>
+          <p:nvPr/>
+        </p:nvSpPr>
+        <p:spPr>
+          <a:xfrm>
+            <a:off x="4196611" y="5515281"/>
+            <a:ext cx="1039529" cy="428325"/>
+          </a:xfrm>
+          <a:prstGeom prst="rect">
+            <a:avLst/>
+          </a:prstGeom>
+        </p:spPr>
+        <p:style>
+          <a:lnRef idx="2">
+            <a:schemeClr val="accent1">
+              <a:shade val="50000"/>
+            </a:schemeClr>
+          </a:lnRef>
+          <a:fillRef idx="1">
+            <a:schemeClr val="accent1"/>
+          </a:fillRef>
+          <a:effectRef idx="0">
+            <a:schemeClr val="accent1"/>
+          </a:effectRef>
+          <a:fontRef idx="minor">
+            <a:schemeClr val="lt1"/>
+          </a:fontRef>
+        </p:style>
+        <p:txBody>
+          <a:bodyPr rtlCol="0" anchor="ctr"/>
+          <a:lstStyle/>
+          <a:p>
+            <a:pPr algn="ctr"/>
+            <a:r>
+              <a:rPr lang="en-GB" dirty="0" err="1"/>
+              <a:t>leds</a:t>
+            </a:r>
+            <a:endParaRPr lang="en-GB" dirty="0"/>
+          </a:p>
+        </p:txBody>
+      </p:sp>
+      <p:sp>
+        <p:nvSpPr>
+          <p:cNvPr id="14" name="Trapezoid 13">
+            <a:extLst>
+              <a:ext uri="{FF2B5EF4-FFF2-40B4-BE49-F238E27FC236}">
+                <a16:creationId xmlns:a16="http://schemas.microsoft.com/office/drawing/2014/main" id="{95A393A4-C615-9720-5D4E-AF6B1B62A4FD}"/>
+              </a:ext>
+            </a:extLst>
+          </p:cNvPr>
+          <p:cNvSpPr/>
+          <p:nvPr/>
+        </p:nvSpPr>
+        <p:spPr>
+          <a:xfrm rot="5400000">
+            <a:off x="5225722" y="3161058"/>
+            <a:ext cx="856650" cy="425196"/>
+          </a:xfrm>
+          <a:prstGeom prst="trapezoid">
+            <a:avLst>
+              <a:gd name="adj" fmla="val 51033"/>
+            </a:avLst>
+          </a:prstGeom>
+        </p:spPr>
+        <p:style>
+          <a:lnRef idx="2">
+            <a:schemeClr val="accent1">
+              <a:shade val="50000"/>
+            </a:schemeClr>
+          </a:lnRef>
+          <a:fillRef idx="1">
+            <a:schemeClr val="accent1"/>
+          </a:fillRef>
+          <a:effectRef idx="0">
+            <a:schemeClr val="accent1"/>
+          </a:effectRef>
+          <a:fontRef idx="minor">
+            <a:schemeClr val="lt1"/>
+          </a:fontRef>
+        </p:style>
+        <p:txBody>
+          <a:bodyPr rtlCol="0" anchor="ctr"/>
+          <a:lstStyle/>
+          <a:p>
+            <a:pPr algn="ctr"/>
+            <a:endParaRPr lang="en-GB"/>
+          </a:p>
+        </p:txBody>
+      </p:sp>
+      <p:sp>
+        <p:nvSpPr>
+          <p:cNvPr id="16" name="Trapezoid 15">
+            <a:extLst>
+              <a:ext uri="{FF2B5EF4-FFF2-40B4-BE49-F238E27FC236}">
+                <a16:creationId xmlns:a16="http://schemas.microsoft.com/office/drawing/2014/main" id="{3BED0525-E5AB-61FD-014A-95C5625B868F}"/>
+              </a:ext>
+            </a:extLst>
+          </p:cNvPr>
+          <p:cNvSpPr/>
+          <p:nvPr/>
+        </p:nvSpPr>
+        <p:spPr>
+          <a:xfrm rot="16200000" flipH="1">
+            <a:off x="2065405" y="4017710"/>
+            <a:ext cx="3426601" cy="425196"/>
+          </a:xfrm>
+          <a:prstGeom prst="trapezoid">
+            <a:avLst>
+              <a:gd name="adj" fmla="val 78198"/>
+            </a:avLst>
+          </a:prstGeom>
+        </p:spPr>
+        <p:style>
+          <a:lnRef idx="2">
+            <a:schemeClr val="accent1">
+              <a:shade val="50000"/>
+            </a:schemeClr>
+          </a:lnRef>
+          <a:fillRef idx="1">
+            <a:schemeClr val="accent1"/>
+          </a:fillRef>
+          <a:effectRef idx="0">
+            <a:schemeClr val="accent1"/>
+          </a:effectRef>
+          <a:fontRef idx="minor">
+            <a:schemeClr val="lt1"/>
+          </a:fontRef>
+        </p:style>
+        <p:txBody>
+          <a:bodyPr rtlCol="0" anchor="ctr"/>
+          <a:lstStyle/>
+          <a:p>
+            <a:pPr algn="ctr"/>
+            <a:endParaRPr lang="en-GB"/>
+          </a:p>
+        </p:txBody>
+      </p:sp>
+      <p:sp>
+        <p:nvSpPr>
+          <p:cNvPr id="19" name="Rectangle 18">
+            <a:extLst>
+              <a:ext uri="{FF2B5EF4-FFF2-40B4-BE49-F238E27FC236}">
+                <a16:creationId xmlns:a16="http://schemas.microsoft.com/office/drawing/2014/main" id="{08B36969-6B67-3544-9188-22A7BCAEE589}"/>
+              </a:ext>
+            </a:extLst>
+          </p:cNvPr>
+          <p:cNvSpPr/>
+          <p:nvPr/>
+        </p:nvSpPr>
+        <p:spPr>
+          <a:xfrm>
+            <a:off x="6809886" y="3700914"/>
+            <a:ext cx="914400" cy="914400"/>
+          </a:xfrm>
+          <a:prstGeom prst="rect">
+            <a:avLst/>
+          </a:prstGeom>
+        </p:spPr>
+        <p:style>
+          <a:lnRef idx="2">
+            <a:schemeClr val="accent1">
+              <a:shade val="50000"/>
+            </a:schemeClr>
+          </a:lnRef>
+          <a:fillRef idx="1">
+            <a:schemeClr val="accent1"/>
+          </a:fillRef>
+          <a:effectRef idx="0">
+            <a:schemeClr val="accent1"/>
+          </a:effectRef>
+          <a:fontRef idx="minor">
+            <a:schemeClr val="lt1"/>
+          </a:fontRef>
+        </p:style>
+        <p:txBody>
+          <a:bodyPr rtlCol="0" anchor="ctr"/>
+          <a:lstStyle/>
+          <a:p>
+            <a:pPr algn="ctr"/>
+            <a:r>
+              <a:rPr lang="en-GB" dirty="0"/>
+              <a:t>ALU</a:t>
+            </a:r>
+          </a:p>
+        </p:txBody>
+      </p:sp>
+      <p:sp>
+        <p:nvSpPr>
+          <p:cNvPr id="20" name="Trapezoid 19">
+            <a:extLst>
+              <a:ext uri="{FF2B5EF4-FFF2-40B4-BE49-F238E27FC236}">
+                <a16:creationId xmlns:a16="http://schemas.microsoft.com/office/drawing/2014/main" id="{A45E68FD-12C8-20D3-09AC-B4BDAC92BA13}"/>
+              </a:ext>
+            </a:extLst>
+          </p:cNvPr>
+          <p:cNvSpPr/>
+          <p:nvPr/>
+        </p:nvSpPr>
+        <p:spPr>
+          <a:xfrm rot="5400000">
+            <a:off x="5225723" y="4874358"/>
+            <a:ext cx="856650" cy="425196"/>
+          </a:xfrm>
+          <a:prstGeom prst="trapezoid">
+            <a:avLst>
+              <a:gd name="adj" fmla="val 51033"/>
+            </a:avLst>
+          </a:prstGeom>
+        </p:spPr>
+        <p:style>
+          <a:lnRef idx="2">
+            <a:schemeClr val="accent1">
+              <a:shade val="50000"/>
+            </a:schemeClr>
+          </a:lnRef>
+          <a:fillRef idx="1">
+            <a:schemeClr val="accent1"/>
+          </a:fillRef>
+          <a:effectRef idx="0">
+            <a:schemeClr val="accent1"/>
+          </a:effectRef>
+          <a:fontRef idx="minor">
+            <a:schemeClr val="lt1"/>
+          </a:fontRef>
+        </p:style>
+        <p:txBody>
+          <a:bodyPr rtlCol="0" anchor="ctr"/>
+          <a:lstStyle/>
+          <a:p>
+            <a:pPr algn="ctr"/>
+            <a:endParaRPr lang="en-GB"/>
+          </a:p>
+        </p:txBody>
+      </p:sp>
+      <p:grpSp>
+        <p:nvGrpSpPr>
+          <p:cNvPr id="30" name="Group 29">
+            <a:extLst>
+              <a:ext uri="{FF2B5EF4-FFF2-40B4-BE49-F238E27FC236}">
+                <a16:creationId xmlns:a16="http://schemas.microsoft.com/office/drawing/2014/main" id="{06F4DFBF-EE94-C0FA-2E88-C2352612641D}"/>
+              </a:ext>
+            </a:extLst>
+          </p:cNvPr>
+          <p:cNvGrpSpPr/>
+          <p:nvPr/>
+        </p:nvGrpSpPr>
+        <p:grpSpPr>
+          <a:xfrm>
+            <a:off x="3625461" y="858873"/>
+            <a:ext cx="3436242" cy="837580"/>
+            <a:chOff x="3064821" y="671982"/>
+            <a:chExt cx="3436242" cy="837580"/>
+          </a:xfrm>
+        </p:grpSpPr>
+        <p:sp>
+          <p:nvSpPr>
+            <p:cNvPr id="22" name="Rectangle 21">
+              <a:extLst>
+                <a:ext uri="{FF2B5EF4-FFF2-40B4-BE49-F238E27FC236}">
+                  <a16:creationId xmlns:a16="http://schemas.microsoft.com/office/drawing/2014/main" id="{D7AC67FD-8027-58AB-5B90-6A0497665D96}"/>
+                </a:ext>
+              </a:extLst>
+            </p:cNvPr>
+            <p:cNvSpPr/>
+            <p:nvPr/>
+          </p:nvSpPr>
+          <p:spPr>
+            <a:xfrm>
+              <a:off x="4880809" y="1081237"/>
+              <a:ext cx="810127" cy="428325"/>
+            </a:xfrm>
+            <a:prstGeom prst="rect">
+              <a:avLst/>
+            </a:prstGeom>
+          </p:spPr>
+          <p:style>
+            <a:lnRef idx="2">
+              <a:schemeClr val="accent2">
+                <a:shade val="50000"/>
+              </a:schemeClr>
+            </a:lnRef>
+            <a:fillRef idx="1">
+              <a:schemeClr val="accent2"/>
+            </a:fillRef>
+            <a:effectRef idx="0">
+              <a:schemeClr val="accent2"/>
+            </a:effectRef>
+            <a:fontRef idx="minor">
+              <a:schemeClr val="lt1"/>
+            </a:fontRef>
+          </p:style>
+          <p:txBody>
+            <a:bodyPr rtlCol="0" anchor="ctr"/>
+            <a:lstStyle/>
+            <a:p>
+              <a:pPr algn="ctr"/>
+              <a:r>
+                <a:rPr lang="en-GB" dirty="0"/>
+                <a:t>5:3</a:t>
+              </a:r>
+            </a:p>
+          </p:txBody>
+        </p:sp>
+        <p:sp>
+          <p:nvSpPr>
+            <p:cNvPr id="23" name="Rectangle 22">
+              <a:extLst>
+                <a:ext uri="{FF2B5EF4-FFF2-40B4-BE49-F238E27FC236}">
+                  <a16:creationId xmlns:a16="http://schemas.microsoft.com/office/drawing/2014/main" id="{BBC545E8-0126-5A8C-54AB-D18218D903D2}"/>
+                </a:ext>
+              </a:extLst>
+            </p:cNvPr>
+            <p:cNvSpPr/>
+            <p:nvPr/>
+          </p:nvSpPr>
+          <p:spPr>
+            <a:xfrm>
+              <a:off x="5690936" y="1081237"/>
+              <a:ext cx="810127" cy="428325"/>
+            </a:xfrm>
+            <a:prstGeom prst="rect">
+              <a:avLst/>
+            </a:prstGeom>
+          </p:spPr>
+          <p:style>
+            <a:lnRef idx="2">
+              <a:schemeClr val="accent2">
+                <a:shade val="50000"/>
+              </a:schemeClr>
+            </a:lnRef>
+            <a:fillRef idx="1">
+              <a:schemeClr val="accent2"/>
+            </a:fillRef>
+            <a:effectRef idx="0">
+              <a:schemeClr val="accent2"/>
+            </a:effectRef>
+            <a:fontRef idx="minor">
+              <a:schemeClr val="lt1"/>
+            </a:fontRef>
+          </p:style>
+          <p:txBody>
+            <a:bodyPr rtlCol="0" anchor="ctr"/>
+            <a:lstStyle/>
+            <a:p>
+              <a:pPr algn="ctr"/>
+              <a:r>
+                <a:rPr lang="en-GB" dirty="0"/>
+                <a:t>2:0</a:t>
+              </a:r>
+            </a:p>
+          </p:txBody>
+        </p:sp>
+        <p:sp>
+          <p:nvSpPr>
+            <p:cNvPr id="24" name="Rectangle 23">
+              <a:extLst>
+                <a:ext uri="{FF2B5EF4-FFF2-40B4-BE49-F238E27FC236}">
+                  <a16:creationId xmlns:a16="http://schemas.microsoft.com/office/drawing/2014/main" id="{04C06452-669D-F36D-78D0-D4AADF9B5339}"/>
+                </a:ext>
+              </a:extLst>
+            </p:cNvPr>
+            <p:cNvSpPr/>
+            <p:nvPr/>
+          </p:nvSpPr>
+          <p:spPr>
+            <a:xfrm>
+              <a:off x="4070682" y="1081237"/>
+              <a:ext cx="810127" cy="428325"/>
+            </a:xfrm>
+            <a:prstGeom prst="rect">
+              <a:avLst/>
+            </a:prstGeom>
+          </p:spPr>
+          <p:style>
+            <a:lnRef idx="2">
+              <a:schemeClr val="accent2">
+                <a:shade val="50000"/>
+              </a:schemeClr>
+            </a:lnRef>
+            <a:fillRef idx="1">
+              <a:schemeClr val="accent2"/>
+            </a:fillRef>
+            <a:effectRef idx="0">
+              <a:schemeClr val="accent2"/>
+            </a:effectRef>
+            <a:fontRef idx="minor">
+              <a:schemeClr val="lt1"/>
+            </a:fontRef>
+          </p:style>
+          <p:txBody>
+            <a:bodyPr rtlCol="0" anchor="ctr"/>
+            <a:lstStyle/>
+            <a:p>
+              <a:pPr algn="ctr"/>
+              <a:r>
+                <a:rPr lang="en-GB" dirty="0"/>
+                <a:t>8:6</a:t>
+              </a:r>
+            </a:p>
+          </p:txBody>
+        </p:sp>
+        <p:sp>
+          <p:nvSpPr>
+            <p:cNvPr id="25" name="TextBox 24">
+              <a:extLst>
+                <a:ext uri="{FF2B5EF4-FFF2-40B4-BE49-F238E27FC236}">
+                  <a16:creationId xmlns:a16="http://schemas.microsoft.com/office/drawing/2014/main" id="{A916EC87-662C-8B6B-A9CC-B281C801BF48}"/>
+                </a:ext>
+              </a:extLst>
+            </p:cNvPr>
+            <p:cNvSpPr txBox="1"/>
+            <p:nvPr/>
+          </p:nvSpPr>
+          <p:spPr>
+            <a:xfrm>
+              <a:off x="4322498" y="671982"/>
+              <a:ext cx="306494" cy="369332"/>
+            </a:xfrm>
+            <a:prstGeom prst="rect">
+              <a:avLst/>
+            </a:prstGeom>
+            <a:noFill/>
+          </p:spPr>
+          <p:txBody>
+            <a:bodyPr wrap="none" rtlCol="0">
+              <a:spAutoFit/>
+            </a:bodyPr>
+            <a:lstStyle/>
+            <a:p>
+              <a:pPr algn="ctr"/>
+              <a:r>
+                <a:rPr lang="en-GB" dirty="0"/>
+                <a:t>o</a:t>
+              </a:r>
+            </a:p>
+          </p:txBody>
+        </p:sp>
+        <p:sp>
+          <p:nvSpPr>
+            <p:cNvPr id="26" name="TextBox 25">
+              <a:extLst>
+                <a:ext uri="{FF2B5EF4-FFF2-40B4-BE49-F238E27FC236}">
+                  <a16:creationId xmlns:a16="http://schemas.microsoft.com/office/drawing/2014/main" id="{D2AA3626-1868-955B-C3AF-1359EB4A82D7}"/>
+                </a:ext>
+              </a:extLst>
+            </p:cNvPr>
+            <p:cNvSpPr txBox="1"/>
+            <p:nvPr/>
+          </p:nvSpPr>
+          <p:spPr>
+            <a:xfrm>
+              <a:off x="5138235" y="671982"/>
+              <a:ext cx="295274" cy="369332"/>
+            </a:xfrm>
+            <a:prstGeom prst="rect">
+              <a:avLst/>
+            </a:prstGeom>
+            <a:noFill/>
+          </p:spPr>
+          <p:txBody>
+            <a:bodyPr wrap="none" rtlCol="0">
+              <a:spAutoFit/>
+            </a:bodyPr>
+            <a:lstStyle/>
+            <a:p>
+              <a:pPr algn="ctr"/>
+              <a:r>
+                <a:rPr lang="en-GB" dirty="0"/>
+                <a:t>a</a:t>
+              </a:r>
+            </a:p>
+          </p:txBody>
+        </p:sp>
+        <p:sp>
+          <p:nvSpPr>
+            <p:cNvPr id="27" name="TextBox 26">
+              <a:extLst>
+                <a:ext uri="{FF2B5EF4-FFF2-40B4-BE49-F238E27FC236}">
+                  <a16:creationId xmlns:a16="http://schemas.microsoft.com/office/drawing/2014/main" id="{C826CC46-3262-F756-2EE1-EC9864CE1778}"/>
+                </a:ext>
+              </a:extLst>
+            </p:cNvPr>
+            <p:cNvSpPr txBox="1"/>
+            <p:nvPr/>
+          </p:nvSpPr>
+          <p:spPr>
+            <a:xfrm>
+              <a:off x="5942752" y="671982"/>
+              <a:ext cx="306494" cy="369332"/>
+            </a:xfrm>
+            <a:prstGeom prst="rect">
+              <a:avLst/>
+            </a:prstGeom>
+            <a:noFill/>
+          </p:spPr>
+          <p:txBody>
+            <a:bodyPr wrap="none" rtlCol="0">
+              <a:spAutoFit/>
+            </a:bodyPr>
+            <a:lstStyle/>
+            <a:p>
+              <a:pPr algn="ctr"/>
+              <a:r>
+                <a:rPr lang="en-GB" dirty="0"/>
+                <a:t>b</a:t>
+              </a:r>
+            </a:p>
+          </p:txBody>
+        </p:sp>
+        <p:sp>
+          <p:nvSpPr>
+            <p:cNvPr id="28" name="Rectangle 27">
+              <a:extLst>
+                <a:ext uri="{FF2B5EF4-FFF2-40B4-BE49-F238E27FC236}">
+                  <a16:creationId xmlns:a16="http://schemas.microsoft.com/office/drawing/2014/main" id="{D62FFE52-FACF-6AC1-BFE8-EEF23C42A4BF}"/>
+                </a:ext>
+              </a:extLst>
+            </p:cNvPr>
+            <p:cNvSpPr/>
+            <p:nvPr/>
+          </p:nvSpPr>
+          <p:spPr>
+            <a:xfrm>
+              <a:off x="3064821" y="1081237"/>
+              <a:ext cx="1005862" cy="428325"/>
+            </a:xfrm>
+            <a:prstGeom prst="rect">
+              <a:avLst/>
+            </a:prstGeom>
+          </p:spPr>
+          <p:style>
+            <a:lnRef idx="2">
+              <a:schemeClr val="accent2">
+                <a:shade val="50000"/>
+              </a:schemeClr>
+            </a:lnRef>
+            <a:fillRef idx="1">
+              <a:schemeClr val="accent2"/>
+            </a:fillRef>
+            <a:effectRef idx="0">
+              <a:schemeClr val="accent2"/>
+            </a:effectRef>
+            <a:fontRef idx="minor">
+              <a:schemeClr val="lt1"/>
+            </a:fontRef>
+          </p:style>
+          <p:txBody>
+            <a:bodyPr rtlCol="0" anchor="ctr"/>
+            <a:lstStyle/>
+            <a:p>
+              <a:pPr algn="ctr"/>
+              <a:r>
+                <a:rPr lang="en-GB" dirty="0"/>
+                <a:t>12:9</a:t>
+              </a:r>
+            </a:p>
+          </p:txBody>
+        </p:sp>
+        <p:sp>
+          <p:nvSpPr>
+            <p:cNvPr id="29" name="TextBox 28">
+              <a:extLst>
+                <a:ext uri="{FF2B5EF4-FFF2-40B4-BE49-F238E27FC236}">
+                  <a16:creationId xmlns:a16="http://schemas.microsoft.com/office/drawing/2014/main" id="{6050585E-457E-5C1C-0323-6109E665055D}"/>
+                </a:ext>
+              </a:extLst>
+            </p:cNvPr>
+            <p:cNvSpPr txBox="1"/>
+            <p:nvPr/>
+          </p:nvSpPr>
+          <p:spPr>
+            <a:xfrm>
+              <a:off x="3351664" y="671982"/>
+              <a:ext cx="428323" cy="369332"/>
+            </a:xfrm>
+            <a:prstGeom prst="rect">
+              <a:avLst/>
+            </a:prstGeom>
+            <a:noFill/>
+          </p:spPr>
+          <p:txBody>
+            <a:bodyPr wrap="none" rtlCol="0">
+              <a:spAutoFit/>
+            </a:bodyPr>
+            <a:lstStyle/>
+            <a:p>
+              <a:pPr algn="ctr"/>
+              <a:r>
+                <a:rPr lang="en-GB" dirty="0"/>
+                <a:t>op</a:t>
+              </a:r>
+            </a:p>
+          </p:txBody>
+        </p:sp>
+      </p:grpSp>
+      <p:cxnSp>
+        <p:nvCxnSpPr>
+          <p:cNvPr id="32" name="Connector: Elbow 31">
+            <a:extLst>
+              <a:ext uri="{FF2B5EF4-FFF2-40B4-BE49-F238E27FC236}">
+                <a16:creationId xmlns:a16="http://schemas.microsoft.com/office/drawing/2014/main" id="{174B9D2F-D825-3375-EC3F-65B6FB9C4B0B}"/>
+              </a:ext>
+            </a:extLst>
+          </p:cNvPr>
+          <p:cNvCxnSpPr>
+            <a:stCxn id="14" idx="0"/>
+            <a:endCxn id="19" idx="0"/>
+          </p:cNvCxnSpPr>
+          <p:nvPr/>
+        </p:nvCxnSpPr>
+        <p:spPr>
+          <a:xfrm>
+            <a:off x="5866645" y="3373656"/>
+            <a:ext cx="1400441" cy="327258"/>
+          </a:xfrm>
+          <a:prstGeom prst="bentConnector2">
+            <a:avLst/>
+          </a:prstGeom>
+          <a:ln>
+            <a:tailEnd type="triangle"/>
+          </a:ln>
+        </p:spPr>
+        <p:style>
+          <a:lnRef idx="3">
+            <a:schemeClr val="dk1"/>
+          </a:lnRef>
+          <a:fillRef idx="0">
+            <a:schemeClr val="dk1"/>
+          </a:fillRef>
+          <a:effectRef idx="2">
+            <a:schemeClr val="dk1"/>
+          </a:effectRef>
+          <a:fontRef idx="minor">
+            <a:schemeClr val="tx1"/>
+          </a:fontRef>
+        </p:style>
+      </p:cxnSp>
+      <p:cxnSp>
+        <p:nvCxnSpPr>
+          <p:cNvPr id="34" name="Connector: Elbow 33">
+            <a:extLst>
+              <a:ext uri="{FF2B5EF4-FFF2-40B4-BE49-F238E27FC236}">
+                <a16:creationId xmlns:a16="http://schemas.microsoft.com/office/drawing/2014/main" id="{04CA80D3-8EF5-EA7F-0139-65EE8F063E06}"/>
+              </a:ext>
+            </a:extLst>
+          </p:cNvPr>
+          <p:cNvCxnSpPr>
+            <a:stCxn id="20" idx="0"/>
+            <a:endCxn id="19" idx="2"/>
+          </p:cNvCxnSpPr>
+          <p:nvPr/>
+        </p:nvCxnSpPr>
+        <p:spPr>
+          <a:xfrm flipV="1">
+            <a:off x="5866646" y="4615314"/>
+            <a:ext cx="1400440" cy="471642"/>
+          </a:xfrm>
+          <a:prstGeom prst="bentConnector2">
+            <a:avLst/>
+          </a:prstGeom>
+          <a:ln>
+            <a:tailEnd type="triangle"/>
+          </a:ln>
+        </p:spPr>
+        <p:style>
+          <a:lnRef idx="3">
+            <a:schemeClr val="dk1"/>
+          </a:lnRef>
+          <a:fillRef idx="0">
+            <a:schemeClr val="dk1"/>
+          </a:fillRef>
+          <a:effectRef idx="2">
+            <a:schemeClr val="dk1"/>
+          </a:effectRef>
+          <a:fontRef idx="minor">
+            <a:schemeClr val="tx1"/>
+          </a:fontRef>
+        </p:style>
+      </p:cxnSp>
+      <p:cxnSp>
+        <p:nvCxnSpPr>
+          <p:cNvPr id="38" name="Connector: Elbow 37">
+            <a:extLst>
+              <a:ext uri="{FF2B5EF4-FFF2-40B4-BE49-F238E27FC236}">
+                <a16:creationId xmlns:a16="http://schemas.microsoft.com/office/drawing/2014/main" id="{AE439596-3CA9-86A9-E23C-00012A778B79}"/>
+              </a:ext>
+            </a:extLst>
+          </p:cNvPr>
+          <p:cNvCxnSpPr>
+            <a:cxnSpLocks/>
+            <a:stCxn id="19" idx="3"/>
+            <a:endCxn id="16" idx="0"/>
+          </p:cNvCxnSpPr>
+          <p:nvPr/>
+        </p:nvCxnSpPr>
+        <p:spPr>
+          <a:xfrm flipH="1">
+            <a:off x="3566108" y="4158114"/>
+            <a:ext cx="4158178" cy="72195"/>
+          </a:xfrm>
+          <a:prstGeom prst="bentConnector5">
+            <a:avLst>
+              <a:gd name="adj1" fmla="val -5498"/>
+              <a:gd name="adj2" fmla="val 2889779"/>
+              <a:gd name="adj3" fmla="val 107929"/>
+            </a:avLst>
+          </a:prstGeom>
+          <a:ln>
+            <a:tailEnd type="triangle"/>
+          </a:ln>
+        </p:spPr>
+        <p:style>
+          <a:lnRef idx="3">
+            <a:schemeClr val="dk1"/>
+          </a:lnRef>
+          <a:fillRef idx="0">
+            <a:schemeClr val="dk1"/>
+          </a:fillRef>
+          <a:effectRef idx="2">
+            <a:schemeClr val="dk1"/>
+          </a:effectRef>
+          <a:fontRef idx="minor">
+            <a:schemeClr val="tx1"/>
+          </a:fontRef>
+        </p:style>
+      </p:cxnSp>
+      <p:cxnSp>
+        <p:nvCxnSpPr>
+          <p:cNvPr id="53" name="Connector: Elbow 52">
+            <a:extLst>
+              <a:ext uri="{FF2B5EF4-FFF2-40B4-BE49-F238E27FC236}">
+                <a16:creationId xmlns:a16="http://schemas.microsoft.com/office/drawing/2014/main" id="{C27CD05B-1F0C-2DC2-5BCB-D5247405DD43}"/>
+              </a:ext>
+            </a:extLst>
+          </p:cNvPr>
+          <p:cNvCxnSpPr>
+            <a:cxnSpLocks/>
+            <a:stCxn id="24" idx="2"/>
+            <a:endCxn id="16" idx="1"/>
+          </p:cNvCxnSpPr>
+          <p:nvPr/>
+        </p:nvCxnSpPr>
+        <p:spPr>
+          <a:xfrm rot="5400000">
+            <a:off x="3914145" y="1561014"/>
+            <a:ext cx="986802" cy="1257681"/>
+          </a:xfrm>
+          <a:prstGeom prst="bentConnector3">
+            <a:avLst>
+              <a:gd name="adj1" fmla="val 50000"/>
+            </a:avLst>
+          </a:prstGeom>
+          <a:ln>
+            <a:tailEnd type="triangle"/>
+          </a:ln>
+        </p:spPr>
+        <p:style>
+          <a:lnRef idx="3">
+            <a:schemeClr val="accent2"/>
+          </a:lnRef>
+          <a:fillRef idx="0">
+            <a:schemeClr val="accent2"/>
+          </a:fillRef>
+          <a:effectRef idx="2">
+            <a:schemeClr val="accent2"/>
+          </a:effectRef>
+          <a:fontRef idx="minor">
+            <a:schemeClr val="tx1"/>
+          </a:fontRef>
+        </p:style>
+      </p:cxnSp>
+      <p:cxnSp>
+        <p:nvCxnSpPr>
+          <p:cNvPr id="57" name="Connector: Elbow 56">
+            <a:extLst>
+              <a:ext uri="{FF2B5EF4-FFF2-40B4-BE49-F238E27FC236}">
+                <a16:creationId xmlns:a16="http://schemas.microsoft.com/office/drawing/2014/main" id="{B14AF3BA-85ED-DBFE-73BB-EBFD81670F8C}"/>
+              </a:ext>
+            </a:extLst>
+          </p:cNvPr>
+          <p:cNvCxnSpPr>
+            <a:stCxn id="22" idx="2"/>
+            <a:endCxn id="14" idx="1"/>
+          </p:cNvCxnSpPr>
+          <p:nvPr/>
+        </p:nvCxnSpPr>
+        <p:spPr>
+          <a:xfrm rot="5400000">
+            <a:off x="5071594" y="2278906"/>
+            <a:ext cx="1357373" cy="192466"/>
+          </a:xfrm>
+          <a:prstGeom prst="bentConnector3">
+            <a:avLst>
+              <a:gd name="adj1" fmla="val 35463"/>
+            </a:avLst>
+          </a:prstGeom>
+          <a:ln>
+            <a:tailEnd type="triangle"/>
+          </a:ln>
+        </p:spPr>
+        <p:style>
+          <a:lnRef idx="3">
+            <a:schemeClr val="accent2"/>
+          </a:lnRef>
+          <a:fillRef idx="0">
+            <a:schemeClr val="accent2"/>
+          </a:fillRef>
+          <a:effectRef idx="2">
+            <a:schemeClr val="accent2"/>
+          </a:effectRef>
+          <a:fontRef idx="minor">
+            <a:schemeClr val="tx1"/>
+          </a:fontRef>
+        </p:style>
+      </p:cxnSp>
+      <p:cxnSp>
+        <p:nvCxnSpPr>
+          <p:cNvPr id="59" name="Connector: Elbow 58">
+            <a:extLst>
+              <a:ext uri="{FF2B5EF4-FFF2-40B4-BE49-F238E27FC236}">
+                <a16:creationId xmlns:a16="http://schemas.microsoft.com/office/drawing/2014/main" id="{87A28614-34ED-2CB5-3D77-569508431C45}"/>
+              </a:ext>
+            </a:extLst>
+          </p:cNvPr>
+          <p:cNvCxnSpPr>
+            <a:stCxn id="23" idx="2"/>
+            <a:endCxn id="20" idx="1"/>
+          </p:cNvCxnSpPr>
+          <p:nvPr/>
+        </p:nvCxnSpPr>
+        <p:spPr>
+          <a:xfrm rot="5400000">
+            <a:off x="4620008" y="2730493"/>
+            <a:ext cx="3070673" cy="1002592"/>
+          </a:xfrm>
+          <a:prstGeom prst="bentConnector3">
+            <a:avLst>
+              <a:gd name="adj1" fmla="val 78211"/>
+            </a:avLst>
+          </a:prstGeom>
+          <a:ln>
+            <a:tailEnd type="triangle"/>
+          </a:ln>
+        </p:spPr>
+        <p:style>
+          <a:lnRef idx="3">
+            <a:schemeClr val="accent2"/>
+          </a:lnRef>
+          <a:fillRef idx="0">
+            <a:schemeClr val="accent2"/>
+          </a:fillRef>
+          <a:effectRef idx="2">
+            <a:schemeClr val="accent2"/>
+          </a:effectRef>
+          <a:fontRef idx="minor">
+            <a:schemeClr val="tx1"/>
+          </a:fontRef>
+        </p:style>
+      </p:cxnSp>
+      <p:cxnSp>
+        <p:nvCxnSpPr>
+          <p:cNvPr id="67" name="Connector: Elbow 66">
+            <a:extLst>
+              <a:ext uri="{FF2B5EF4-FFF2-40B4-BE49-F238E27FC236}">
+                <a16:creationId xmlns:a16="http://schemas.microsoft.com/office/drawing/2014/main" id="{FE3C754B-49C8-1A3A-475A-3E3D245B485B}"/>
+              </a:ext>
+            </a:extLst>
+          </p:cNvPr>
+          <p:cNvCxnSpPr>
+            <a:cxnSpLocks/>
+            <a:stCxn id="28" idx="2"/>
+            <a:endCxn id="68" idx="0"/>
+          </p:cNvCxnSpPr>
+          <p:nvPr/>
+        </p:nvCxnSpPr>
+        <p:spPr>
+          <a:xfrm rot="16200000" flipH="1">
+            <a:off x="4799976" y="1024869"/>
+            <a:ext cx="2008125" cy="3351292"/>
+          </a:xfrm>
+          <a:prstGeom prst="bentConnector3">
+            <a:avLst>
+              <a:gd name="adj1" fmla="val 11950"/>
+            </a:avLst>
+          </a:prstGeom>
+          <a:ln>
+            <a:tailEnd type="triangle"/>
+          </a:ln>
+        </p:spPr>
+        <p:style>
+          <a:lnRef idx="3">
+            <a:schemeClr val="accent2"/>
+          </a:lnRef>
+          <a:fillRef idx="0">
+            <a:schemeClr val="accent2"/>
+          </a:fillRef>
+          <a:effectRef idx="2">
+            <a:schemeClr val="accent2"/>
+          </a:effectRef>
+          <a:fontRef idx="minor">
+            <a:schemeClr val="tx1"/>
+          </a:fontRef>
+        </p:style>
+      </p:cxnSp>
+      <p:sp>
+        <p:nvSpPr>
+          <p:cNvPr id="68" name="Rectangle 67">
+            <a:extLst>
+              <a:ext uri="{FF2B5EF4-FFF2-40B4-BE49-F238E27FC236}">
+                <a16:creationId xmlns:a16="http://schemas.microsoft.com/office/drawing/2014/main" id="{CC0C3A94-B290-2073-4490-E2D2218BFBD0}"/>
+              </a:ext>
+            </a:extLst>
+          </p:cNvPr>
+          <p:cNvSpPr/>
+          <p:nvPr/>
+        </p:nvSpPr>
+        <p:spPr>
+          <a:xfrm>
+            <a:off x="7382281" y="3704578"/>
+            <a:ext cx="194805" cy="194805"/>
+          </a:xfrm>
+          <a:prstGeom prst="rect">
+            <a:avLst/>
+          </a:prstGeom>
+          <a:noFill/>
+          <a:ln>
+            <a:noFill/>
+          </a:ln>
+        </p:spPr>
+        <p:style>
+          <a:lnRef idx="2">
+            <a:schemeClr val="accent1">
+              <a:shade val="50000"/>
+            </a:schemeClr>
+          </a:lnRef>
+          <a:fillRef idx="1">
+            <a:schemeClr val="accent1"/>
+          </a:fillRef>
+          <a:effectRef idx="0">
+            <a:schemeClr val="accent1"/>
+          </a:effectRef>
+          <a:fontRef idx="minor">
+            <a:schemeClr val="lt1"/>
+          </a:fontRef>
+        </p:style>
+        <p:txBody>
+          <a:bodyPr rtlCol="0" anchor="ctr"/>
+          <a:lstStyle/>
+          <a:p>
+            <a:pPr algn="ctr"/>
+            <a:endParaRPr lang="en-GB"/>
+          </a:p>
+        </p:txBody>
+      </p:sp>
+      <p:sp>
+        <p:nvSpPr>
+          <p:cNvPr id="77" name="TextBox 76">
+            <a:extLst>
+              <a:ext uri="{FF2B5EF4-FFF2-40B4-BE49-F238E27FC236}">
+                <a16:creationId xmlns:a16="http://schemas.microsoft.com/office/drawing/2014/main" id="{5DF7A08A-7092-C6E9-6523-BC37EA94BB22}"/>
+              </a:ext>
+            </a:extLst>
+          </p:cNvPr>
+          <p:cNvSpPr txBox="1"/>
+          <p:nvPr/>
+        </p:nvSpPr>
+        <p:spPr>
+          <a:xfrm>
+            <a:off x="4385586" y="513791"/>
+            <a:ext cx="1701108" cy="369332"/>
+          </a:xfrm>
+          <a:prstGeom prst="rect">
+            <a:avLst/>
+          </a:prstGeom>
+          <a:noFill/>
+        </p:spPr>
+        <p:txBody>
+          <a:bodyPr wrap="none" rtlCol="0">
+            <a:spAutoFit/>
+          </a:bodyPr>
+          <a:lstStyle/>
+          <a:p>
+            <a:pPr algn="ctr"/>
+            <a:r>
+              <a:rPr lang="en-GB" dirty="0">
+                <a:latin typeface="Courier New" panose="02070309020205020404" pitchFamily="49" charset="0"/>
+                <a:cs typeface="Courier New" panose="02070309020205020404" pitchFamily="49" charset="0"/>
+              </a:rPr>
+              <a:t>o &lt;- a op b</a:t>
+            </a:r>
+          </a:p>
+        </p:txBody>
+      </p:sp>
+      <p:sp>
+        <p:nvSpPr>
+          <p:cNvPr id="81" name="TextBox 80">
+            <a:extLst>
+              <a:ext uri="{FF2B5EF4-FFF2-40B4-BE49-F238E27FC236}">
+                <a16:creationId xmlns:a16="http://schemas.microsoft.com/office/drawing/2014/main" id="{52D95111-6666-63A3-36E6-DD5F65E190EC}"/>
+              </a:ext>
+            </a:extLst>
+          </p:cNvPr>
+          <p:cNvSpPr txBox="1"/>
+          <p:nvPr/>
+        </p:nvSpPr>
+        <p:spPr>
+          <a:xfrm>
+            <a:off x="1985490" y="1025788"/>
+            <a:ext cx="1629809" cy="923330"/>
+          </a:xfrm>
+          <a:prstGeom prst="rect">
+            <a:avLst/>
+          </a:prstGeom>
+          <a:noFill/>
+        </p:spPr>
+        <p:txBody>
+          <a:bodyPr wrap="square" rtlCol="0">
+            <a:spAutoFit/>
+          </a:bodyPr>
+          <a:lstStyle/>
+          <a:p>
+            <a:r>
+              <a:rPr lang="en-GB" dirty="0"/>
+              <a:t>Assembled instructions are 13-bits long</a:t>
+            </a:r>
+          </a:p>
+        </p:txBody>
+      </p:sp>
+      <p:sp>
+        <p:nvSpPr>
+          <p:cNvPr id="82" name="TextBox 81">
+            <a:extLst>
+              <a:ext uri="{FF2B5EF4-FFF2-40B4-BE49-F238E27FC236}">
+                <a16:creationId xmlns:a16="http://schemas.microsoft.com/office/drawing/2014/main" id="{8FC7DDFA-5607-54BC-C13F-AC29F7B88B72}"/>
+              </a:ext>
+            </a:extLst>
+          </p:cNvPr>
+          <p:cNvSpPr txBox="1"/>
+          <p:nvPr/>
+        </p:nvSpPr>
+        <p:spPr>
+          <a:xfrm>
+            <a:off x="1989878" y="2503673"/>
+            <a:ext cx="1446335" cy="1200329"/>
+          </a:xfrm>
+          <a:prstGeom prst="rect">
+            <a:avLst/>
+          </a:prstGeom>
+          <a:noFill/>
+        </p:spPr>
+        <p:txBody>
+          <a:bodyPr wrap="square" rtlCol="0">
+            <a:spAutoFit/>
+          </a:bodyPr>
+          <a:lstStyle/>
+          <a:p>
+            <a:r>
+              <a:rPr lang="en-GB" dirty="0"/>
+              <a:t>6 registers, but no RAM. 2 “special” registers</a:t>
+            </a:r>
+          </a:p>
+        </p:txBody>
+      </p:sp>
+    </p:spTree>
+    <p:extLst>
+      <p:ext uri="{BB962C8B-B14F-4D97-AF65-F5344CB8AC3E}">
+        <p14:creationId xmlns:p14="http://schemas.microsoft.com/office/powerpoint/2010/main" val="2637868964"/>
+      </p:ext>
+    </p:extLst>
+  </p:cSld>
+  <p:clrMapOvr>
+    <a:masterClrMapping/>
+  </p:clrMapOvr>
+</p:sld>
+</file>
+
 <file path=ppt/theme/theme1.xml><?xml version="1.0" encoding="utf-8"?>
 <a:theme xmlns:a="http://schemas.openxmlformats.org/drawingml/2006/main" name="Office Theme">
   <a:themeElements>

--- a/docs/images/Diagrams.pptx
+++ b/docs/images/Diagrams.pptx
@@ -12,6 +12,7 @@
     <p:sldId id="261" r:id="rId6"/>
     <p:sldId id="259" r:id="rId7"/>
     <p:sldId id="262" r:id="rId8"/>
+    <p:sldId id="263" r:id="rId9"/>
   </p:sldIdLst>
   <p:sldSz cx="12192000" cy="6858000"/>
   <p:notesSz cx="6858000" cy="9144000"/>
@@ -267,7 +268,7 @@
           <a:p>
             <a:fld id="{30A9C857-609A-43FA-83CE-07000BF55DB0}" type="datetimeFigureOut">
               <a:rPr lang="en-GB" smtClean="0"/>
-              <a:t>24/04/2023</a:t>
+              <a:t>26/08/2023</a:t>
             </a:fld>
             <a:endParaRPr lang="en-GB"/>
           </a:p>
@@ -467,7 +468,7 @@
           <a:p>
             <a:fld id="{30A9C857-609A-43FA-83CE-07000BF55DB0}" type="datetimeFigureOut">
               <a:rPr lang="en-GB" smtClean="0"/>
-              <a:t>24/04/2023</a:t>
+              <a:t>26/08/2023</a:t>
             </a:fld>
             <a:endParaRPr lang="en-GB"/>
           </a:p>
@@ -677,7 +678,7 @@
           <a:p>
             <a:fld id="{30A9C857-609A-43FA-83CE-07000BF55DB0}" type="datetimeFigureOut">
               <a:rPr lang="en-GB" smtClean="0"/>
-              <a:t>24/04/2023</a:t>
+              <a:t>26/08/2023</a:t>
             </a:fld>
             <a:endParaRPr lang="en-GB"/>
           </a:p>
@@ -877,7 +878,7 @@
           <a:p>
             <a:fld id="{30A9C857-609A-43FA-83CE-07000BF55DB0}" type="datetimeFigureOut">
               <a:rPr lang="en-GB" smtClean="0"/>
-              <a:t>24/04/2023</a:t>
+              <a:t>26/08/2023</a:t>
             </a:fld>
             <a:endParaRPr lang="en-GB"/>
           </a:p>
@@ -1153,7 +1154,7 @@
           <a:p>
             <a:fld id="{30A9C857-609A-43FA-83CE-07000BF55DB0}" type="datetimeFigureOut">
               <a:rPr lang="en-GB" smtClean="0"/>
-              <a:t>24/04/2023</a:t>
+              <a:t>26/08/2023</a:t>
             </a:fld>
             <a:endParaRPr lang="en-GB"/>
           </a:p>
@@ -1421,7 +1422,7 @@
           <a:p>
             <a:fld id="{30A9C857-609A-43FA-83CE-07000BF55DB0}" type="datetimeFigureOut">
               <a:rPr lang="en-GB" smtClean="0"/>
-              <a:t>24/04/2023</a:t>
+              <a:t>26/08/2023</a:t>
             </a:fld>
             <a:endParaRPr lang="en-GB"/>
           </a:p>
@@ -1836,7 +1837,7 @@
           <a:p>
             <a:fld id="{30A9C857-609A-43FA-83CE-07000BF55DB0}" type="datetimeFigureOut">
               <a:rPr lang="en-GB" smtClean="0"/>
-              <a:t>24/04/2023</a:t>
+              <a:t>26/08/2023</a:t>
             </a:fld>
             <a:endParaRPr lang="en-GB"/>
           </a:p>
@@ -1978,7 +1979,7 @@
           <a:p>
             <a:fld id="{30A9C857-609A-43FA-83CE-07000BF55DB0}" type="datetimeFigureOut">
               <a:rPr lang="en-GB" smtClean="0"/>
-              <a:t>24/04/2023</a:t>
+              <a:t>26/08/2023</a:t>
             </a:fld>
             <a:endParaRPr lang="en-GB"/>
           </a:p>
@@ -2091,7 +2092,7 @@
           <a:p>
             <a:fld id="{30A9C857-609A-43FA-83CE-07000BF55DB0}" type="datetimeFigureOut">
               <a:rPr lang="en-GB" smtClean="0"/>
-              <a:t>24/04/2023</a:t>
+              <a:t>26/08/2023</a:t>
             </a:fld>
             <a:endParaRPr lang="en-GB"/>
           </a:p>
@@ -2404,7 +2405,7 @@
           <a:p>
             <a:fld id="{30A9C857-609A-43FA-83CE-07000BF55DB0}" type="datetimeFigureOut">
               <a:rPr lang="en-GB" smtClean="0"/>
-              <a:t>24/04/2023</a:t>
+              <a:t>26/08/2023</a:t>
             </a:fld>
             <a:endParaRPr lang="en-GB"/>
           </a:p>
@@ -2693,7 +2694,7 @@
           <a:p>
             <a:fld id="{30A9C857-609A-43FA-83CE-07000BF55DB0}" type="datetimeFigureOut">
               <a:rPr lang="en-GB" smtClean="0"/>
-              <a:t>24/04/2023</a:t>
+              <a:t>26/08/2023</a:t>
             </a:fld>
             <a:endParaRPr lang="en-GB"/>
           </a:p>
@@ -2936,7 +2937,7 @@
           <a:p>
             <a:fld id="{30A9C857-609A-43FA-83CE-07000BF55DB0}" type="datetimeFigureOut">
               <a:rPr lang="en-GB" smtClean="0"/>
-              <a:t>24/04/2023</a:t>
+              <a:t>26/08/2023</a:t>
             </a:fld>
             <a:endParaRPr lang="en-GB"/>
           </a:p>
@@ -19096,6 +19097,7848 @@
 </p:sld>
 </file>
 
+<file path=ppt/slides/slide8.xml><?xml version="1.0" encoding="utf-8"?>
+<p:sld xmlns:a="http://schemas.openxmlformats.org/drawingml/2006/main" xmlns:r="http://schemas.openxmlformats.org/officeDocument/2006/relationships" xmlns:p="http://schemas.openxmlformats.org/presentationml/2006/main">
+  <p:cSld>
+    <p:spTree>
+      <p:nvGrpSpPr>
+        <p:cNvPr id="1" name=""/>
+        <p:cNvGrpSpPr/>
+        <p:nvPr/>
+      </p:nvGrpSpPr>
+      <p:grpSpPr>
+        <a:xfrm>
+          <a:off x="0" y="0"/>
+          <a:ext cx="0" cy="0"/>
+          <a:chOff x="0" y="0"/>
+          <a:chExt cx="0" cy="0"/>
+        </a:xfrm>
+      </p:grpSpPr>
+      <p:sp>
+        <p:nvSpPr>
+          <p:cNvPr id="280" name="Rectangle 279">
+            <a:extLst>
+              <a:ext uri="{FF2B5EF4-FFF2-40B4-BE49-F238E27FC236}">
+                <a16:creationId xmlns:a16="http://schemas.microsoft.com/office/drawing/2014/main" id="{79CF1553-B211-9C4F-56C0-468FF120683E}"/>
+              </a:ext>
+            </a:extLst>
+          </p:cNvPr>
+          <p:cNvSpPr/>
+          <p:nvPr/>
+        </p:nvSpPr>
+        <p:spPr>
+          <a:xfrm>
+            <a:off x="1197080" y="998649"/>
+            <a:ext cx="5049552" cy="2034009"/>
+          </a:xfrm>
+          <a:prstGeom prst="rect">
+            <a:avLst/>
+          </a:prstGeom>
+          <a:solidFill>
+            <a:srgbClr val="FF0000">
+              <a:alpha val="25000"/>
+            </a:srgbClr>
+          </a:solidFill>
+          <a:ln>
+            <a:noFill/>
+          </a:ln>
+        </p:spPr>
+        <p:style>
+          <a:lnRef idx="2">
+            <a:schemeClr val="accent1">
+              <a:shade val="15000"/>
+            </a:schemeClr>
+          </a:lnRef>
+          <a:fillRef idx="1">
+            <a:schemeClr val="accent1"/>
+          </a:fillRef>
+          <a:effectRef idx="0">
+            <a:schemeClr val="accent1"/>
+          </a:effectRef>
+          <a:fontRef idx="minor">
+            <a:schemeClr val="lt1"/>
+          </a:fontRef>
+        </p:style>
+        <p:txBody>
+          <a:bodyPr rtlCol="0" anchor="t" anchorCtr="0"/>
+          <a:lstStyle/>
+          <a:p>
+            <a:r>
+              <a:rPr lang="en-GB" dirty="0"/>
+              <a:t>Plain Text</a:t>
+            </a:r>
+          </a:p>
+        </p:txBody>
+      </p:sp>
+      <p:sp>
+        <p:nvSpPr>
+          <p:cNvPr id="281" name="Rectangle 280">
+            <a:extLst>
+              <a:ext uri="{FF2B5EF4-FFF2-40B4-BE49-F238E27FC236}">
+                <a16:creationId xmlns:a16="http://schemas.microsoft.com/office/drawing/2014/main" id="{ACE652A1-69FE-A213-9742-8909F9E8E78A}"/>
+              </a:ext>
+            </a:extLst>
+          </p:cNvPr>
+          <p:cNvSpPr/>
+          <p:nvPr/>
+        </p:nvSpPr>
+        <p:spPr>
+          <a:xfrm>
+            <a:off x="9393735" y="989991"/>
+            <a:ext cx="2061665" cy="2051658"/>
+          </a:xfrm>
+          <a:prstGeom prst="rect">
+            <a:avLst/>
+          </a:prstGeom>
+          <a:solidFill>
+            <a:srgbClr val="FF0000">
+              <a:alpha val="25000"/>
+            </a:srgbClr>
+          </a:solidFill>
+          <a:ln>
+            <a:noFill/>
+          </a:ln>
+        </p:spPr>
+        <p:style>
+          <a:lnRef idx="2">
+            <a:schemeClr val="accent1">
+              <a:shade val="15000"/>
+            </a:schemeClr>
+          </a:lnRef>
+          <a:fillRef idx="1">
+            <a:schemeClr val="accent1"/>
+          </a:fillRef>
+          <a:effectRef idx="0">
+            <a:schemeClr val="accent1"/>
+          </a:effectRef>
+          <a:fontRef idx="minor">
+            <a:schemeClr val="lt1"/>
+          </a:fontRef>
+        </p:style>
+        <p:txBody>
+          <a:bodyPr rtlCol="0" anchor="t" anchorCtr="0"/>
+          <a:lstStyle/>
+          <a:p>
+            <a:r>
+              <a:rPr lang="en-GB" dirty="0"/>
+              <a:t>Plain Text</a:t>
+            </a:r>
+          </a:p>
+        </p:txBody>
+      </p:sp>
+      <p:sp>
+        <p:nvSpPr>
+          <p:cNvPr id="282" name="Rectangle 281">
+            <a:extLst>
+              <a:ext uri="{FF2B5EF4-FFF2-40B4-BE49-F238E27FC236}">
+                <a16:creationId xmlns:a16="http://schemas.microsoft.com/office/drawing/2014/main" id="{A045FFDF-7045-5ADC-BABF-5B1AC00012B0}"/>
+              </a:ext>
+            </a:extLst>
+          </p:cNvPr>
+          <p:cNvSpPr/>
+          <p:nvPr/>
+        </p:nvSpPr>
+        <p:spPr>
+          <a:xfrm>
+            <a:off x="6557696" y="999297"/>
+            <a:ext cx="2524975" cy="2042352"/>
+          </a:xfrm>
+          <a:prstGeom prst="rect">
+            <a:avLst/>
+          </a:prstGeom>
+          <a:solidFill>
+            <a:srgbClr val="00B050">
+              <a:alpha val="25000"/>
+            </a:srgbClr>
+          </a:solidFill>
+          <a:ln>
+            <a:noFill/>
+          </a:ln>
+        </p:spPr>
+        <p:style>
+          <a:lnRef idx="2">
+            <a:schemeClr val="accent1">
+              <a:shade val="15000"/>
+            </a:schemeClr>
+          </a:lnRef>
+          <a:fillRef idx="1">
+            <a:schemeClr val="accent1"/>
+          </a:fillRef>
+          <a:effectRef idx="0">
+            <a:schemeClr val="accent1"/>
+          </a:effectRef>
+          <a:fontRef idx="minor">
+            <a:schemeClr val="lt1"/>
+          </a:fontRef>
+        </p:style>
+        <p:txBody>
+          <a:bodyPr rtlCol="0" anchor="t" anchorCtr="0"/>
+          <a:lstStyle/>
+          <a:p>
+            <a:r>
+              <a:rPr lang="en-GB" dirty="0"/>
+              <a:t>Cipher Text</a:t>
+            </a:r>
+          </a:p>
+        </p:txBody>
+      </p:sp>
+      <p:sp>
+        <p:nvSpPr>
+          <p:cNvPr id="286" name="Rectangle 285">
+            <a:extLst>
+              <a:ext uri="{FF2B5EF4-FFF2-40B4-BE49-F238E27FC236}">
+                <a16:creationId xmlns:a16="http://schemas.microsoft.com/office/drawing/2014/main" id="{7139152F-90A1-1203-4289-75AC70389EE2}"/>
+              </a:ext>
+            </a:extLst>
+          </p:cNvPr>
+          <p:cNvSpPr/>
+          <p:nvPr/>
+        </p:nvSpPr>
+        <p:spPr>
+          <a:xfrm>
+            <a:off x="1099671" y="4269642"/>
+            <a:ext cx="1194246" cy="1037365"/>
+          </a:xfrm>
+          <a:prstGeom prst="rect">
+            <a:avLst/>
+          </a:prstGeom>
+          <a:solidFill>
+            <a:srgbClr val="FF0000">
+              <a:alpha val="25000"/>
+            </a:srgbClr>
+          </a:solidFill>
+          <a:ln>
+            <a:noFill/>
+          </a:ln>
+        </p:spPr>
+        <p:style>
+          <a:lnRef idx="2">
+            <a:schemeClr val="accent1">
+              <a:shade val="15000"/>
+            </a:schemeClr>
+          </a:lnRef>
+          <a:fillRef idx="1">
+            <a:schemeClr val="accent1"/>
+          </a:fillRef>
+          <a:effectRef idx="0">
+            <a:schemeClr val="accent1"/>
+          </a:effectRef>
+          <a:fontRef idx="minor">
+            <a:schemeClr val="lt1"/>
+          </a:fontRef>
+        </p:style>
+        <p:txBody>
+          <a:bodyPr rtlCol="0" anchor="t" anchorCtr="0"/>
+          <a:lstStyle/>
+          <a:p>
+            <a:endParaRPr lang="en-GB" dirty="0"/>
+          </a:p>
+        </p:txBody>
+      </p:sp>
+      <p:sp>
+        <p:nvSpPr>
+          <p:cNvPr id="125" name="Rectangle 124">
+            <a:extLst>
+              <a:ext uri="{FF2B5EF4-FFF2-40B4-BE49-F238E27FC236}">
+                <a16:creationId xmlns:a16="http://schemas.microsoft.com/office/drawing/2014/main" id="{24C54B96-C8D7-FA3F-E655-CB64813F972C}"/>
+              </a:ext>
+            </a:extLst>
+          </p:cNvPr>
+          <p:cNvSpPr/>
+          <p:nvPr/>
+        </p:nvSpPr>
+        <p:spPr>
+          <a:xfrm>
+            <a:off x="8498488" y="2465866"/>
+            <a:ext cx="46814" cy="57150"/>
+          </a:xfrm>
+          <a:prstGeom prst="rect">
+            <a:avLst/>
+          </a:prstGeom>
+        </p:spPr>
+        <p:style>
+          <a:lnRef idx="2">
+            <a:schemeClr val="accent1">
+              <a:shade val="15000"/>
+            </a:schemeClr>
+          </a:lnRef>
+          <a:fillRef idx="1">
+            <a:schemeClr val="accent1"/>
+          </a:fillRef>
+          <a:effectRef idx="0">
+            <a:schemeClr val="accent1"/>
+          </a:effectRef>
+          <a:fontRef idx="minor">
+            <a:schemeClr val="lt1"/>
+          </a:fontRef>
+        </p:style>
+        <p:txBody>
+          <a:bodyPr rtlCol="0" anchor="ctr"/>
+          <a:lstStyle/>
+          <a:p>
+            <a:pPr algn="ctr"/>
+            <a:endParaRPr lang="en-GB"/>
+          </a:p>
+        </p:txBody>
+      </p:sp>
+      <p:sp>
+        <p:nvSpPr>
+          <p:cNvPr id="126" name="Rectangle 125">
+            <a:extLst>
+              <a:ext uri="{FF2B5EF4-FFF2-40B4-BE49-F238E27FC236}">
+                <a16:creationId xmlns:a16="http://schemas.microsoft.com/office/drawing/2014/main" id="{6C7DF1A5-BC7B-6A31-3F9F-EA448AB61AF6}"/>
+              </a:ext>
+            </a:extLst>
+          </p:cNvPr>
+          <p:cNvSpPr/>
+          <p:nvPr/>
+        </p:nvSpPr>
+        <p:spPr>
+          <a:xfrm>
+            <a:off x="8498488" y="2570496"/>
+            <a:ext cx="46814" cy="57150"/>
+          </a:xfrm>
+          <a:prstGeom prst="rect">
+            <a:avLst/>
+          </a:prstGeom>
+        </p:spPr>
+        <p:style>
+          <a:lnRef idx="2">
+            <a:schemeClr val="accent1">
+              <a:shade val="15000"/>
+            </a:schemeClr>
+          </a:lnRef>
+          <a:fillRef idx="1">
+            <a:schemeClr val="accent1"/>
+          </a:fillRef>
+          <a:effectRef idx="0">
+            <a:schemeClr val="accent1"/>
+          </a:effectRef>
+          <a:fontRef idx="minor">
+            <a:schemeClr val="lt1"/>
+          </a:fontRef>
+        </p:style>
+        <p:txBody>
+          <a:bodyPr rtlCol="0" anchor="ctr"/>
+          <a:lstStyle/>
+          <a:p>
+            <a:pPr algn="ctr"/>
+            <a:endParaRPr lang="en-GB"/>
+          </a:p>
+        </p:txBody>
+      </p:sp>
+      <p:grpSp>
+        <p:nvGrpSpPr>
+          <p:cNvPr id="250" name="Group 249">
+            <a:extLst>
+              <a:ext uri="{FF2B5EF4-FFF2-40B4-BE49-F238E27FC236}">
+                <a16:creationId xmlns:a16="http://schemas.microsoft.com/office/drawing/2014/main" id="{4FF7B832-F7C1-5851-9560-99BB97D9D127}"/>
+              </a:ext>
+            </a:extLst>
+          </p:cNvPr>
+          <p:cNvGrpSpPr/>
+          <p:nvPr/>
+        </p:nvGrpSpPr>
+        <p:grpSpPr>
+          <a:xfrm>
+            <a:off x="6563389" y="2143181"/>
+            <a:ext cx="790213" cy="812200"/>
+            <a:chOff x="6595139" y="1870131"/>
+            <a:chExt cx="790213" cy="812200"/>
+          </a:xfrm>
+        </p:grpSpPr>
+        <p:sp>
+          <p:nvSpPr>
+            <p:cNvPr id="2" name="Rectangle 1">
+              <a:extLst>
+                <a:ext uri="{FF2B5EF4-FFF2-40B4-BE49-F238E27FC236}">
+                  <a16:creationId xmlns:a16="http://schemas.microsoft.com/office/drawing/2014/main" id="{092A2448-2F39-7091-1BE8-6E8863CAE040}"/>
+                </a:ext>
+              </a:extLst>
+            </p:cNvPr>
+            <p:cNvSpPr/>
+            <p:nvPr/>
+          </p:nvSpPr>
+          <p:spPr>
+            <a:xfrm>
+              <a:off x="6799594" y="1926070"/>
+              <a:ext cx="581416" cy="756261"/>
+            </a:xfrm>
+            <a:prstGeom prst="rect">
+              <a:avLst/>
+            </a:prstGeom>
+            <a:solidFill>
+              <a:schemeClr val="bg1"/>
+            </a:solidFill>
+            <a:ln>
+              <a:solidFill>
+                <a:schemeClr val="tx1"/>
+              </a:solidFill>
+            </a:ln>
+            <a:effectLst>
+              <a:outerShdw blurRad="50800" dist="38100" dir="2700000" algn="tl" rotWithShape="0">
+                <a:prstClr val="black">
+                  <a:alpha val="40000"/>
+                </a:prstClr>
+              </a:outerShdw>
+            </a:effectLst>
+          </p:spPr>
+          <p:style>
+            <a:lnRef idx="2">
+              <a:schemeClr val="accent1">
+                <a:shade val="50000"/>
+              </a:schemeClr>
+            </a:lnRef>
+            <a:fillRef idx="1">
+              <a:schemeClr val="accent1"/>
+            </a:fillRef>
+            <a:effectRef idx="0">
+              <a:schemeClr val="accent1"/>
+            </a:effectRef>
+            <a:fontRef idx="minor">
+              <a:schemeClr val="lt1"/>
+            </a:fontRef>
+          </p:style>
+          <p:txBody>
+            <a:bodyPr rtlCol="0" anchor="ctr"/>
+            <a:lstStyle/>
+            <a:p>
+              <a:pPr algn="ctr"/>
+              <a:endParaRPr lang="en-GB">
+                <a:solidFill>
+                  <a:schemeClr val="tx1"/>
+                </a:solidFill>
+              </a:endParaRPr>
+            </a:p>
+          </p:txBody>
+        </p:sp>
+        <p:grpSp>
+          <p:nvGrpSpPr>
+            <p:cNvPr id="3" name="Group 2">
+              <a:extLst>
+                <a:ext uri="{FF2B5EF4-FFF2-40B4-BE49-F238E27FC236}">
+                  <a16:creationId xmlns:a16="http://schemas.microsoft.com/office/drawing/2014/main" id="{4B7630B9-33ED-180F-AC66-18F30D1733C8}"/>
+                </a:ext>
+              </a:extLst>
+            </p:cNvPr>
+            <p:cNvGrpSpPr/>
+            <p:nvPr/>
+          </p:nvGrpSpPr>
+          <p:grpSpPr>
+            <a:xfrm>
+              <a:off x="6793902" y="2392152"/>
+              <a:ext cx="118030" cy="208875"/>
+              <a:chOff x="8388570" y="2302315"/>
+              <a:chExt cx="61130" cy="108180"/>
+            </a:xfrm>
+          </p:grpSpPr>
+          <p:cxnSp>
+            <p:nvCxnSpPr>
+              <p:cNvPr id="4" name="Straight Connector 3">
+                <a:extLst>
+                  <a:ext uri="{FF2B5EF4-FFF2-40B4-BE49-F238E27FC236}">
+                    <a16:creationId xmlns:a16="http://schemas.microsoft.com/office/drawing/2014/main" id="{B936EAD9-FBA2-915E-3842-352CFC6103D1}"/>
+                  </a:ext>
+                </a:extLst>
+              </p:cNvPr>
+              <p:cNvCxnSpPr>
+                <a:cxnSpLocks/>
+              </p:cNvCxnSpPr>
+              <p:nvPr/>
+            </p:nvCxnSpPr>
+            <p:spPr>
+              <a:xfrm>
+                <a:off x="8391518" y="2302315"/>
+                <a:ext cx="58182" cy="56934"/>
+              </a:xfrm>
+              <a:prstGeom prst="line">
+                <a:avLst/>
+              </a:prstGeom>
+              <a:ln>
+                <a:solidFill>
+                  <a:schemeClr val="tx1"/>
+                </a:solidFill>
+              </a:ln>
+            </p:spPr>
+            <p:style>
+              <a:lnRef idx="1">
+                <a:schemeClr val="accent1"/>
+              </a:lnRef>
+              <a:fillRef idx="0">
+                <a:schemeClr val="accent1"/>
+              </a:fillRef>
+              <a:effectRef idx="0">
+                <a:schemeClr val="accent1"/>
+              </a:effectRef>
+              <a:fontRef idx="minor">
+                <a:schemeClr val="tx1"/>
+              </a:fontRef>
+            </p:style>
+          </p:cxnSp>
+          <p:cxnSp>
+            <p:nvCxnSpPr>
+              <p:cNvPr id="5" name="Straight Connector 4">
+                <a:extLst>
+                  <a:ext uri="{FF2B5EF4-FFF2-40B4-BE49-F238E27FC236}">
+                    <a16:creationId xmlns:a16="http://schemas.microsoft.com/office/drawing/2014/main" id="{663A2D2E-F915-7B20-FA9B-7A283B15913B}"/>
+                  </a:ext>
+                </a:extLst>
+              </p:cNvPr>
+              <p:cNvCxnSpPr>
+                <a:cxnSpLocks/>
+              </p:cNvCxnSpPr>
+              <p:nvPr/>
+            </p:nvCxnSpPr>
+            <p:spPr>
+              <a:xfrm flipV="1">
+                <a:off x="8388570" y="2359249"/>
+                <a:ext cx="61130" cy="51246"/>
+              </a:xfrm>
+              <a:prstGeom prst="line">
+                <a:avLst/>
+              </a:prstGeom>
+              <a:ln>
+                <a:solidFill>
+                  <a:schemeClr val="tx1"/>
+                </a:solidFill>
+              </a:ln>
+            </p:spPr>
+            <p:style>
+              <a:lnRef idx="1">
+                <a:schemeClr val="accent1"/>
+              </a:lnRef>
+              <a:fillRef idx="0">
+                <a:schemeClr val="accent1"/>
+              </a:fillRef>
+              <a:effectRef idx="0">
+                <a:schemeClr val="accent1"/>
+              </a:effectRef>
+              <a:fontRef idx="minor">
+                <a:schemeClr val="tx1"/>
+              </a:fontRef>
+            </p:style>
+          </p:cxnSp>
+        </p:grpSp>
+        <p:sp>
+          <p:nvSpPr>
+            <p:cNvPr id="6" name="TextBox 5">
+              <a:extLst>
+                <a:ext uri="{FF2B5EF4-FFF2-40B4-BE49-F238E27FC236}">
+                  <a16:creationId xmlns:a16="http://schemas.microsoft.com/office/drawing/2014/main" id="{F410ED51-232E-FA76-BDF3-0839CC131B5C}"/>
+                </a:ext>
+              </a:extLst>
+            </p:cNvPr>
+            <p:cNvSpPr txBox="1"/>
+            <p:nvPr/>
+          </p:nvSpPr>
+          <p:spPr>
+            <a:xfrm>
+              <a:off x="6796660" y="1870131"/>
+              <a:ext cx="220753" cy="369332"/>
+            </a:xfrm>
+            <a:prstGeom prst="rect">
+              <a:avLst/>
+            </a:prstGeom>
+            <a:noFill/>
+          </p:spPr>
+          <p:txBody>
+            <a:bodyPr wrap="square" lIns="36000" rIns="36000" rtlCol="0">
+              <a:spAutoFit/>
+            </a:bodyPr>
+            <a:lstStyle>
+              <a:defPPr>
+                <a:defRPr lang="en-US"/>
+              </a:defPPr>
+            </a:lstStyle>
+            <a:p>
+              <a:r>
+                <a:rPr lang="en-GB" dirty="0"/>
+                <a:t>D</a:t>
+              </a:r>
+            </a:p>
+          </p:txBody>
+        </p:sp>
+        <p:sp>
+          <p:nvSpPr>
+            <p:cNvPr id="7" name="TextBox 6">
+              <a:extLst>
+                <a:ext uri="{FF2B5EF4-FFF2-40B4-BE49-F238E27FC236}">
+                  <a16:creationId xmlns:a16="http://schemas.microsoft.com/office/drawing/2014/main" id="{EE3EE6F1-083D-9A65-F378-0E6AECA626E3}"/>
+                </a:ext>
+              </a:extLst>
+            </p:cNvPr>
+            <p:cNvSpPr txBox="1"/>
+            <p:nvPr/>
+          </p:nvSpPr>
+          <p:spPr>
+            <a:xfrm>
+              <a:off x="7157157" y="1870131"/>
+              <a:ext cx="228195" cy="369332"/>
+            </a:xfrm>
+            <a:prstGeom prst="rect">
+              <a:avLst/>
+            </a:prstGeom>
+            <a:noFill/>
+          </p:spPr>
+          <p:txBody>
+            <a:bodyPr wrap="none" lIns="36000" rIns="36000" rtlCol="0">
+              <a:spAutoFit/>
+            </a:bodyPr>
+            <a:lstStyle/>
+            <a:p>
+              <a:pPr algn="r"/>
+              <a:r>
+                <a:rPr lang="en-GB" dirty="0"/>
+                <a:t>Q</a:t>
+              </a:r>
+            </a:p>
+          </p:txBody>
+        </p:sp>
+        <p:cxnSp>
+          <p:nvCxnSpPr>
+            <p:cNvPr id="9" name="Straight Connector 8">
+              <a:extLst>
+                <a:ext uri="{FF2B5EF4-FFF2-40B4-BE49-F238E27FC236}">
+                  <a16:creationId xmlns:a16="http://schemas.microsoft.com/office/drawing/2014/main" id="{F3F1C35C-38C3-38FC-9B1E-CEFCEB12EBE4}"/>
+                </a:ext>
+              </a:extLst>
+            </p:cNvPr>
+            <p:cNvCxnSpPr>
+              <a:cxnSpLocks/>
+            </p:cNvCxnSpPr>
+            <p:nvPr/>
+          </p:nvCxnSpPr>
+          <p:spPr>
+            <a:xfrm>
+              <a:off x="6595139" y="2496589"/>
+              <a:ext cx="198763" cy="0"/>
+            </a:xfrm>
+            <a:prstGeom prst="line">
+              <a:avLst/>
+            </a:prstGeom>
+          </p:spPr>
+          <p:style>
+            <a:lnRef idx="2">
+              <a:schemeClr val="dk1"/>
+            </a:lnRef>
+            <a:fillRef idx="1">
+              <a:schemeClr val="lt1"/>
+            </a:fillRef>
+            <a:effectRef idx="0">
+              <a:schemeClr val="dk1"/>
+            </a:effectRef>
+            <a:fontRef idx="minor">
+              <a:schemeClr val="dk1"/>
+            </a:fontRef>
+          </p:style>
+        </p:cxnSp>
+        <p:sp>
+          <p:nvSpPr>
+            <p:cNvPr id="10" name="TextBox 9">
+              <a:extLst>
+                <a:ext uri="{FF2B5EF4-FFF2-40B4-BE49-F238E27FC236}">
+                  <a16:creationId xmlns:a16="http://schemas.microsoft.com/office/drawing/2014/main" id="{8293A7A9-216B-B93F-0A7D-947D4745309C}"/>
+                </a:ext>
+              </a:extLst>
+            </p:cNvPr>
+            <p:cNvSpPr txBox="1"/>
+            <p:nvPr/>
+          </p:nvSpPr>
+          <p:spPr>
+            <a:xfrm>
+              <a:off x="6796660" y="2089507"/>
+              <a:ext cx="309841" cy="369332"/>
+            </a:xfrm>
+            <a:prstGeom prst="rect">
+              <a:avLst/>
+            </a:prstGeom>
+            <a:noFill/>
+          </p:spPr>
+          <p:txBody>
+            <a:bodyPr wrap="square" lIns="36000" rIns="36000" rtlCol="0">
+              <a:spAutoFit/>
+            </a:bodyPr>
+            <a:lstStyle>
+              <a:defPPr>
+                <a:defRPr lang="en-US"/>
+              </a:defPPr>
+            </a:lstStyle>
+            <a:p>
+              <a:r>
+                <a:rPr lang="en-GB" dirty="0"/>
+                <a:t>CE</a:t>
+              </a:r>
+            </a:p>
+          </p:txBody>
+        </p:sp>
+      </p:grpSp>
+      <p:grpSp>
+        <p:nvGrpSpPr>
+          <p:cNvPr id="267" name="Group 266">
+            <a:extLst>
+              <a:ext uri="{FF2B5EF4-FFF2-40B4-BE49-F238E27FC236}">
+                <a16:creationId xmlns:a16="http://schemas.microsoft.com/office/drawing/2014/main" id="{481D8385-8D87-3F9E-25C3-73C14D9EBD32}"/>
+              </a:ext>
+            </a:extLst>
+          </p:cNvPr>
+          <p:cNvGrpSpPr/>
+          <p:nvPr/>
+        </p:nvGrpSpPr>
+        <p:grpSpPr>
+          <a:xfrm>
+            <a:off x="6064250" y="2209064"/>
+            <a:ext cx="443999" cy="241300"/>
+            <a:chOff x="6096000" y="1957179"/>
+            <a:chExt cx="443999" cy="241300"/>
+          </a:xfrm>
+          <a:effectLst>
+            <a:outerShdw blurRad="50800" dist="38100" dir="2700000" algn="tl" rotWithShape="0">
+              <a:prstClr val="black">
+                <a:alpha val="40000"/>
+              </a:prstClr>
+            </a:outerShdw>
+          </a:effectLst>
+        </p:grpSpPr>
+        <p:sp>
+          <p:nvSpPr>
+            <p:cNvPr id="132" name="Rectangle 131">
+              <a:extLst>
+                <a:ext uri="{FF2B5EF4-FFF2-40B4-BE49-F238E27FC236}">
+                  <a16:creationId xmlns:a16="http://schemas.microsoft.com/office/drawing/2014/main" id="{7EB44BDF-F6A7-3889-4616-DB20991E85D2}"/>
+                </a:ext>
+              </a:extLst>
+            </p:cNvPr>
+            <p:cNvSpPr/>
+            <p:nvPr/>
+          </p:nvSpPr>
+          <p:spPr>
+            <a:xfrm>
+              <a:off x="6126348" y="1992882"/>
+              <a:ext cx="46814" cy="57150"/>
+            </a:xfrm>
+            <a:prstGeom prst="rect">
+              <a:avLst/>
+            </a:prstGeom>
+            <a:noFill/>
+            <a:ln>
+              <a:noFill/>
+            </a:ln>
+          </p:spPr>
+          <p:style>
+            <a:lnRef idx="2">
+              <a:schemeClr val="accent1">
+                <a:shade val="15000"/>
+              </a:schemeClr>
+            </a:lnRef>
+            <a:fillRef idx="1">
+              <a:schemeClr val="accent1"/>
+            </a:fillRef>
+            <a:effectRef idx="0">
+              <a:schemeClr val="accent1"/>
+            </a:effectRef>
+            <a:fontRef idx="minor">
+              <a:schemeClr val="lt1"/>
+            </a:fontRef>
+          </p:style>
+          <p:txBody>
+            <a:bodyPr rtlCol="0" anchor="ctr"/>
+            <a:lstStyle/>
+            <a:p>
+              <a:pPr algn="ctr"/>
+              <a:endParaRPr lang="en-GB"/>
+            </a:p>
+          </p:txBody>
+        </p:sp>
+        <p:sp>
+          <p:nvSpPr>
+            <p:cNvPr id="133" name="Rectangle 132">
+              <a:extLst>
+                <a:ext uri="{FF2B5EF4-FFF2-40B4-BE49-F238E27FC236}">
+                  <a16:creationId xmlns:a16="http://schemas.microsoft.com/office/drawing/2014/main" id="{5D7AC64B-DCD7-9773-F100-5914DC16C59B}"/>
+                </a:ext>
+              </a:extLst>
+            </p:cNvPr>
+            <p:cNvSpPr/>
+            <p:nvPr/>
+          </p:nvSpPr>
+          <p:spPr>
+            <a:xfrm>
+              <a:off x="6126348" y="2097512"/>
+              <a:ext cx="46814" cy="57150"/>
+            </a:xfrm>
+            <a:prstGeom prst="rect">
+              <a:avLst/>
+            </a:prstGeom>
+            <a:noFill/>
+            <a:ln>
+              <a:noFill/>
+            </a:ln>
+          </p:spPr>
+          <p:style>
+            <a:lnRef idx="2">
+              <a:schemeClr val="accent1">
+                <a:shade val="15000"/>
+              </a:schemeClr>
+            </a:lnRef>
+            <a:fillRef idx="1">
+              <a:schemeClr val="accent1"/>
+            </a:fillRef>
+            <a:effectRef idx="0">
+              <a:schemeClr val="accent1"/>
+            </a:effectRef>
+            <a:fontRef idx="minor">
+              <a:schemeClr val="lt1"/>
+            </a:fontRef>
+          </p:style>
+          <p:txBody>
+            <a:bodyPr rtlCol="0" anchor="ctr"/>
+            <a:lstStyle/>
+            <a:p>
+              <a:pPr algn="ctr"/>
+              <a:endParaRPr lang="en-GB"/>
+            </a:p>
+          </p:txBody>
+        </p:sp>
+        <p:grpSp>
+          <p:nvGrpSpPr>
+            <p:cNvPr id="16" name="Group 15">
+              <a:extLst>
+                <a:ext uri="{FF2B5EF4-FFF2-40B4-BE49-F238E27FC236}">
+                  <a16:creationId xmlns:a16="http://schemas.microsoft.com/office/drawing/2014/main" id="{4FA2756C-71E6-EAE5-5F59-FF344D463CE5}"/>
+                </a:ext>
+              </a:extLst>
+            </p:cNvPr>
+            <p:cNvGrpSpPr/>
+            <p:nvPr/>
+          </p:nvGrpSpPr>
+          <p:grpSpPr>
+            <a:xfrm>
+              <a:off x="6096000" y="1957179"/>
+              <a:ext cx="443999" cy="241300"/>
+              <a:chOff x="6039462" y="2148722"/>
+              <a:chExt cx="443999" cy="241300"/>
+            </a:xfrm>
+          </p:grpSpPr>
+          <p:sp>
+            <p:nvSpPr>
+              <p:cNvPr id="13" name="Flowchart: Delay 18">
+                <a:extLst>
+                  <a:ext uri="{FF2B5EF4-FFF2-40B4-BE49-F238E27FC236}">
+                    <a16:creationId xmlns:a16="http://schemas.microsoft.com/office/drawing/2014/main" id="{27C5BBBE-023A-CA69-E0C7-984BE39C4D10}"/>
+                  </a:ext>
+                </a:extLst>
+              </p:cNvPr>
+              <p:cNvSpPr/>
+              <p:nvPr/>
+            </p:nvSpPr>
+            <p:spPr>
+              <a:xfrm>
+                <a:off x="6096000" y="2148722"/>
+                <a:ext cx="342056" cy="241300"/>
+              </a:xfrm>
+              <a:custGeom>
+                <a:avLst/>
+                <a:gdLst>
+                  <a:gd name="connsiteX0" fmla="*/ 0 w 340158"/>
+                  <a:gd name="connsiteY0" fmla="*/ 0 h 241300"/>
+                  <a:gd name="connsiteX1" fmla="*/ 170079 w 340158"/>
+                  <a:gd name="connsiteY1" fmla="*/ 0 h 241300"/>
+                  <a:gd name="connsiteX2" fmla="*/ 340158 w 340158"/>
+                  <a:gd name="connsiteY2" fmla="*/ 120650 h 241300"/>
+                  <a:gd name="connsiteX3" fmla="*/ 170079 w 340158"/>
+                  <a:gd name="connsiteY3" fmla="*/ 241300 h 241300"/>
+                  <a:gd name="connsiteX4" fmla="*/ 0 w 340158"/>
+                  <a:gd name="connsiteY4" fmla="*/ 241300 h 241300"/>
+                  <a:gd name="connsiteX5" fmla="*/ 0 w 340158"/>
+                  <a:gd name="connsiteY5" fmla="*/ 0 h 241300"/>
+                  <a:gd name="connsiteX0" fmla="*/ 2427 w 342585"/>
+                  <a:gd name="connsiteY0" fmla="*/ 0 h 241300"/>
+                  <a:gd name="connsiteX1" fmla="*/ 0 w 342585"/>
+                  <a:gd name="connsiteY1" fmla="*/ 529 h 241300"/>
+                  <a:gd name="connsiteX2" fmla="*/ 172506 w 342585"/>
+                  <a:gd name="connsiteY2" fmla="*/ 0 h 241300"/>
+                  <a:gd name="connsiteX3" fmla="*/ 342585 w 342585"/>
+                  <a:gd name="connsiteY3" fmla="*/ 120650 h 241300"/>
+                  <a:gd name="connsiteX4" fmla="*/ 172506 w 342585"/>
+                  <a:gd name="connsiteY4" fmla="*/ 241300 h 241300"/>
+                  <a:gd name="connsiteX5" fmla="*/ 2427 w 342585"/>
+                  <a:gd name="connsiteY5" fmla="*/ 241300 h 241300"/>
+                  <a:gd name="connsiteX6" fmla="*/ 2427 w 342585"/>
+                  <a:gd name="connsiteY6" fmla="*/ 0 h 241300"/>
+                  <a:gd name="connsiteX0" fmla="*/ 46877 w 342585"/>
+                  <a:gd name="connsiteY0" fmla="*/ 115887 h 241300"/>
+                  <a:gd name="connsiteX1" fmla="*/ 0 w 342585"/>
+                  <a:gd name="connsiteY1" fmla="*/ 529 h 241300"/>
+                  <a:gd name="connsiteX2" fmla="*/ 172506 w 342585"/>
+                  <a:gd name="connsiteY2" fmla="*/ 0 h 241300"/>
+                  <a:gd name="connsiteX3" fmla="*/ 342585 w 342585"/>
+                  <a:gd name="connsiteY3" fmla="*/ 120650 h 241300"/>
+                  <a:gd name="connsiteX4" fmla="*/ 172506 w 342585"/>
+                  <a:gd name="connsiteY4" fmla="*/ 241300 h 241300"/>
+                  <a:gd name="connsiteX5" fmla="*/ 2427 w 342585"/>
+                  <a:gd name="connsiteY5" fmla="*/ 241300 h 241300"/>
+                  <a:gd name="connsiteX6" fmla="*/ 46877 w 342585"/>
+                  <a:gd name="connsiteY6" fmla="*/ 115887 h 241300"/>
+                  <a:gd name="connsiteX0" fmla="*/ 50908 w 346616"/>
+                  <a:gd name="connsiteY0" fmla="*/ 115887 h 241300"/>
+                  <a:gd name="connsiteX1" fmla="*/ 4031 w 346616"/>
+                  <a:gd name="connsiteY1" fmla="*/ 529 h 241300"/>
+                  <a:gd name="connsiteX2" fmla="*/ 176537 w 346616"/>
+                  <a:gd name="connsiteY2" fmla="*/ 0 h 241300"/>
+                  <a:gd name="connsiteX3" fmla="*/ 346616 w 346616"/>
+                  <a:gd name="connsiteY3" fmla="*/ 120650 h 241300"/>
+                  <a:gd name="connsiteX4" fmla="*/ 176537 w 346616"/>
+                  <a:gd name="connsiteY4" fmla="*/ 241300 h 241300"/>
+                  <a:gd name="connsiteX5" fmla="*/ 6458 w 346616"/>
+                  <a:gd name="connsiteY5" fmla="*/ 241300 h 241300"/>
+                  <a:gd name="connsiteX6" fmla="*/ 50908 w 346616"/>
+                  <a:gd name="connsiteY6" fmla="*/ 115887 h 241300"/>
+                  <a:gd name="connsiteX0" fmla="*/ 50908 w 346616"/>
+                  <a:gd name="connsiteY0" fmla="*/ 115887 h 241300"/>
+                  <a:gd name="connsiteX1" fmla="*/ 4031 w 346616"/>
+                  <a:gd name="connsiteY1" fmla="*/ 529 h 241300"/>
+                  <a:gd name="connsiteX2" fmla="*/ 176537 w 346616"/>
+                  <a:gd name="connsiteY2" fmla="*/ 0 h 241300"/>
+                  <a:gd name="connsiteX3" fmla="*/ 346616 w 346616"/>
+                  <a:gd name="connsiteY3" fmla="*/ 120650 h 241300"/>
+                  <a:gd name="connsiteX4" fmla="*/ 176537 w 346616"/>
+                  <a:gd name="connsiteY4" fmla="*/ 241300 h 241300"/>
+                  <a:gd name="connsiteX5" fmla="*/ 6458 w 346616"/>
+                  <a:gd name="connsiteY5" fmla="*/ 241300 h 241300"/>
+                  <a:gd name="connsiteX6" fmla="*/ 50908 w 346616"/>
+                  <a:gd name="connsiteY6" fmla="*/ 115887 h 241300"/>
+                  <a:gd name="connsiteX0" fmla="*/ 50908 w 346616"/>
+                  <a:gd name="connsiteY0" fmla="*/ 115887 h 241300"/>
+                  <a:gd name="connsiteX1" fmla="*/ 4031 w 346616"/>
+                  <a:gd name="connsiteY1" fmla="*/ 529 h 241300"/>
+                  <a:gd name="connsiteX2" fmla="*/ 176537 w 346616"/>
+                  <a:gd name="connsiteY2" fmla="*/ 0 h 241300"/>
+                  <a:gd name="connsiteX3" fmla="*/ 346616 w 346616"/>
+                  <a:gd name="connsiteY3" fmla="*/ 120650 h 241300"/>
+                  <a:gd name="connsiteX4" fmla="*/ 176537 w 346616"/>
+                  <a:gd name="connsiteY4" fmla="*/ 241300 h 241300"/>
+                  <a:gd name="connsiteX5" fmla="*/ 6458 w 346616"/>
+                  <a:gd name="connsiteY5" fmla="*/ 241300 h 241300"/>
+                  <a:gd name="connsiteX6" fmla="*/ 50908 w 346616"/>
+                  <a:gd name="connsiteY6" fmla="*/ 115887 h 241300"/>
+                  <a:gd name="connsiteX0" fmla="*/ 46877 w 342585"/>
+                  <a:gd name="connsiteY0" fmla="*/ 115887 h 241300"/>
+                  <a:gd name="connsiteX1" fmla="*/ 0 w 342585"/>
+                  <a:gd name="connsiteY1" fmla="*/ 529 h 241300"/>
+                  <a:gd name="connsiteX2" fmla="*/ 172506 w 342585"/>
+                  <a:gd name="connsiteY2" fmla="*/ 0 h 241300"/>
+                  <a:gd name="connsiteX3" fmla="*/ 342585 w 342585"/>
+                  <a:gd name="connsiteY3" fmla="*/ 120650 h 241300"/>
+                  <a:gd name="connsiteX4" fmla="*/ 172506 w 342585"/>
+                  <a:gd name="connsiteY4" fmla="*/ 241300 h 241300"/>
+                  <a:gd name="connsiteX5" fmla="*/ 2427 w 342585"/>
+                  <a:gd name="connsiteY5" fmla="*/ 241300 h 241300"/>
+                  <a:gd name="connsiteX6" fmla="*/ 46877 w 342585"/>
+                  <a:gd name="connsiteY6" fmla="*/ 115887 h 241300"/>
+                  <a:gd name="connsiteX0" fmla="*/ 46877 w 342585"/>
+                  <a:gd name="connsiteY0" fmla="*/ 115887 h 241300"/>
+                  <a:gd name="connsiteX1" fmla="*/ 0 w 342585"/>
+                  <a:gd name="connsiteY1" fmla="*/ 529 h 241300"/>
+                  <a:gd name="connsiteX2" fmla="*/ 172506 w 342585"/>
+                  <a:gd name="connsiteY2" fmla="*/ 0 h 241300"/>
+                  <a:gd name="connsiteX3" fmla="*/ 342585 w 342585"/>
+                  <a:gd name="connsiteY3" fmla="*/ 120650 h 241300"/>
+                  <a:gd name="connsiteX4" fmla="*/ 172506 w 342585"/>
+                  <a:gd name="connsiteY4" fmla="*/ 241300 h 241300"/>
+                  <a:gd name="connsiteX5" fmla="*/ 2427 w 342585"/>
+                  <a:gd name="connsiteY5" fmla="*/ 241300 h 241300"/>
+                  <a:gd name="connsiteX6" fmla="*/ 46877 w 342585"/>
+                  <a:gd name="connsiteY6" fmla="*/ 115887 h 241300"/>
+                  <a:gd name="connsiteX0" fmla="*/ 46877 w 342585"/>
+                  <a:gd name="connsiteY0" fmla="*/ 115887 h 241300"/>
+                  <a:gd name="connsiteX1" fmla="*/ 0 w 342585"/>
+                  <a:gd name="connsiteY1" fmla="*/ 529 h 241300"/>
+                  <a:gd name="connsiteX2" fmla="*/ 172506 w 342585"/>
+                  <a:gd name="connsiteY2" fmla="*/ 0 h 241300"/>
+                  <a:gd name="connsiteX3" fmla="*/ 342585 w 342585"/>
+                  <a:gd name="connsiteY3" fmla="*/ 120650 h 241300"/>
+                  <a:gd name="connsiteX4" fmla="*/ 172506 w 342585"/>
+                  <a:gd name="connsiteY4" fmla="*/ 241300 h 241300"/>
+                  <a:gd name="connsiteX5" fmla="*/ 2427 w 342585"/>
+                  <a:gd name="connsiteY5" fmla="*/ 241300 h 241300"/>
+                  <a:gd name="connsiteX6" fmla="*/ 46877 w 342585"/>
+                  <a:gd name="connsiteY6" fmla="*/ 115887 h 241300"/>
+                  <a:gd name="connsiteX0" fmla="*/ 46877 w 342585"/>
+                  <a:gd name="connsiteY0" fmla="*/ 115887 h 241300"/>
+                  <a:gd name="connsiteX1" fmla="*/ 0 w 342585"/>
+                  <a:gd name="connsiteY1" fmla="*/ 529 h 241300"/>
+                  <a:gd name="connsiteX2" fmla="*/ 172506 w 342585"/>
+                  <a:gd name="connsiteY2" fmla="*/ 0 h 241300"/>
+                  <a:gd name="connsiteX3" fmla="*/ 342585 w 342585"/>
+                  <a:gd name="connsiteY3" fmla="*/ 120650 h 241300"/>
+                  <a:gd name="connsiteX4" fmla="*/ 172506 w 342585"/>
+                  <a:gd name="connsiteY4" fmla="*/ 241300 h 241300"/>
+                  <a:gd name="connsiteX5" fmla="*/ 2427 w 342585"/>
+                  <a:gd name="connsiteY5" fmla="*/ 241300 h 241300"/>
+                  <a:gd name="connsiteX6" fmla="*/ 46877 w 342585"/>
+                  <a:gd name="connsiteY6" fmla="*/ 115887 h 241300"/>
+                  <a:gd name="connsiteX0" fmla="*/ 56402 w 342585"/>
+                  <a:gd name="connsiteY0" fmla="*/ 107949 h 241300"/>
+                  <a:gd name="connsiteX1" fmla="*/ 0 w 342585"/>
+                  <a:gd name="connsiteY1" fmla="*/ 529 h 241300"/>
+                  <a:gd name="connsiteX2" fmla="*/ 172506 w 342585"/>
+                  <a:gd name="connsiteY2" fmla="*/ 0 h 241300"/>
+                  <a:gd name="connsiteX3" fmla="*/ 342585 w 342585"/>
+                  <a:gd name="connsiteY3" fmla="*/ 120650 h 241300"/>
+                  <a:gd name="connsiteX4" fmla="*/ 172506 w 342585"/>
+                  <a:gd name="connsiteY4" fmla="*/ 241300 h 241300"/>
+                  <a:gd name="connsiteX5" fmla="*/ 2427 w 342585"/>
+                  <a:gd name="connsiteY5" fmla="*/ 241300 h 241300"/>
+                  <a:gd name="connsiteX6" fmla="*/ 56402 w 342585"/>
+                  <a:gd name="connsiteY6" fmla="*/ 107949 h 241300"/>
+                  <a:gd name="connsiteX0" fmla="*/ 56402 w 342585"/>
+                  <a:gd name="connsiteY0" fmla="*/ 107949 h 241300"/>
+                  <a:gd name="connsiteX1" fmla="*/ 0 w 342585"/>
+                  <a:gd name="connsiteY1" fmla="*/ 529 h 241300"/>
+                  <a:gd name="connsiteX2" fmla="*/ 172506 w 342585"/>
+                  <a:gd name="connsiteY2" fmla="*/ 0 h 241300"/>
+                  <a:gd name="connsiteX3" fmla="*/ 342585 w 342585"/>
+                  <a:gd name="connsiteY3" fmla="*/ 120650 h 241300"/>
+                  <a:gd name="connsiteX4" fmla="*/ 172506 w 342585"/>
+                  <a:gd name="connsiteY4" fmla="*/ 241300 h 241300"/>
+                  <a:gd name="connsiteX5" fmla="*/ 2427 w 342585"/>
+                  <a:gd name="connsiteY5" fmla="*/ 241300 h 241300"/>
+                  <a:gd name="connsiteX6" fmla="*/ 56402 w 342585"/>
+                  <a:gd name="connsiteY6" fmla="*/ 107949 h 241300"/>
+                  <a:gd name="connsiteX0" fmla="*/ 56402 w 342585"/>
+                  <a:gd name="connsiteY0" fmla="*/ 128587 h 241300"/>
+                  <a:gd name="connsiteX1" fmla="*/ 0 w 342585"/>
+                  <a:gd name="connsiteY1" fmla="*/ 529 h 241300"/>
+                  <a:gd name="connsiteX2" fmla="*/ 172506 w 342585"/>
+                  <a:gd name="connsiteY2" fmla="*/ 0 h 241300"/>
+                  <a:gd name="connsiteX3" fmla="*/ 342585 w 342585"/>
+                  <a:gd name="connsiteY3" fmla="*/ 120650 h 241300"/>
+                  <a:gd name="connsiteX4" fmla="*/ 172506 w 342585"/>
+                  <a:gd name="connsiteY4" fmla="*/ 241300 h 241300"/>
+                  <a:gd name="connsiteX5" fmla="*/ 2427 w 342585"/>
+                  <a:gd name="connsiteY5" fmla="*/ 241300 h 241300"/>
+                  <a:gd name="connsiteX6" fmla="*/ 56402 w 342585"/>
+                  <a:gd name="connsiteY6" fmla="*/ 128587 h 241300"/>
+                  <a:gd name="connsiteX0" fmla="*/ 56402 w 342585"/>
+                  <a:gd name="connsiteY0" fmla="*/ 128587 h 241300"/>
+                  <a:gd name="connsiteX1" fmla="*/ 0 w 342585"/>
+                  <a:gd name="connsiteY1" fmla="*/ 529 h 241300"/>
+                  <a:gd name="connsiteX2" fmla="*/ 172506 w 342585"/>
+                  <a:gd name="connsiteY2" fmla="*/ 0 h 241300"/>
+                  <a:gd name="connsiteX3" fmla="*/ 342585 w 342585"/>
+                  <a:gd name="connsiteY3" fmla="*/ 120650 h 241300"/>
+                  <a:gd name="connsiteX4" fmla="*/ 172506 w 342585"/>
+                  <a:gd name="connsiteY4" fmla="*/ 241300 h 241300"/>
+                  <a:gd name="connsiteX5" fmla="*/ 2427 w 342585"/>
+                  <a:gd name="connsiteY5" fmla="*/ 241300 h 241300"/>
+                  <a:gd name="connsiteX6" fmla="*/ 56402 w 342585"/>
+                  <a:gd name="connsiteY6" fmla="*/ 128587 h 241300"/>
+                  <a:gd name="connsiteX0" fmla="*/ 56402 w 342585"/>
+                  <a:gd name="connsiteY0" fmla="*/ 125412 h 241300"/>
+                  <a:gd name="connsiteX1" fmla="*/ 0 w 342585"/>
+                  <a:gd name="connsiteY1" fmla="*/ 529 h 241300"/>
+                  <a:gd name="connsiteX2" fmla="*/ 172506 w 342585"/>
+                  <a:gd name="connsiteY2" fmla="*/ 0 h 241300"/>
+                  <a:gd name="connsiteX3" fmla="*/ 342585 w 342585"/>
+                  <a:gd name="connsiteY3" fmla="*/ 120650 h 241300"/>
+                  <a:gd name="connsiteX4" fmla="*/ 172506 w 342585"/>
+                  <a:gd name="connsiteY4" fmla="*/ 241300 h 241300"/>
+                  <a:gd name="connsiteX5" fmla="*/ 2427 w 342585"/>
+                  <a:gd name="connsiteY5" fmla="*/ 241300 h 241300"/>
+                  <a:gd name="connsiteX6" fmla="*/ 56402 w 342585"/>
+                  <a:gd name="connsiteY6" fmla="*/ 125412 h 241300"/>
+                  <a:gd name="connsiteX0" fmla="*/ 56402 w 346146"/>
+                  <a:gd name="connsiteY0" fmla="*/ 125412 h 241300"/>
+                  <a:gd name="connsiteX1" fmla="*/ 0 w 346146"/>
+                  <a:gd name="connsiteY1" fmla="*/ 529 h 241300"/>
+                  <a:gd name="connsiteX2" fmla="*/ 172506 w 346146"/>
+                  <a:gd name="connsiteY2" fmla="*/ 0 h 241300"/>
+                  <a:gd name="connsiteX3" fmla="*/ 342585 w 346146"/>
+                  <a:gd name="connsiteY3" fmla="*/ 120650 h 241300"/>
+                  <a:gd name="connsiteX4" fmla="*/ 172506 w 346146"/>
+                  <a:gd name="connsiteY4" fmla="*/ 241300 h 241300"/>
+                  <a:gd name="connsiteX5" fmla="*/ 2427 w 346146"/>
+                  <a:gd name="connsiteY5" fmla="*/ 241300 h 241300"/>
+                  <a:gd name="connsiteX6" fmla="*/ 56402 w 346146"/>
+                  <a:gd name="connsiteY6" fmla="*/ 125412 h 241300"/>
+                  <a:gd name="connsiteX0" fmla="*/ 56402 w 346146"/>
+                  <a:gd name="connsiteY0" fmla="*/ 125412 h 241300"/>
+                  <a:gd name="connsiteX1" fmla="*/ 0 w 346146"/>
+                  <a:gd name="connsiteY1" fmla="*/ 529 h 241300"/>
+                  <a:gd name="connsiteX2" fmla="*/ 172506 w 346146"/>
+                  <a:gd name="connsiteY2" fmla="*/ 0 h 241300"/>
+                  <a:gd name="connsiteX3" fmla="*/ 342585 w 346146"/>
+                  <a:gd name="connsiteY3" fmla="*/ 120650 h 241300"/>
+                  <a:gd name="connsiteX4" fmla="*/ 172506 w 346146"/>
+                  <a:gd name="connsiteY4" fmla="*/ 241300 h 241300"/>
+                  <a:gd name="connsiteX5" fmla="*/ 2427 w 346146"/>
+                  <a:gd name="connsiteY5" fmla="*/ 241300 h 241300"/>
+                  <a:gd name="connsiteX6" fmla="*/ 56402 w 346146"/>
+                  <a:gd name="connsiteY6" fmla="*/ 125412 h 241300"/>
+                  <a:gd name="connsiteX0" fmla="*/ 56402 w 342585"/>
+                  <a:gd name="connsiteY0" fmla="*/ 125412 h 241300"/>
+                  <a:gd name="connsiteX1" fmla="*/ 0 w 342585"/>
+                  <a:gd name="connsiteY1" fmla="*/ 529 h 241300"/>
+                  <a:gd name="connsiteX2" fmla="*/ 172506 w 342585"/>
+                  <a:gd name="connsiteY2" fmla="*/ 0 h 241300"/>
+                  <a:gd name="connsiteX3" fmla="*/ 342585 w 342585"/>
+                  <a:gd name="connsiteY3" fmla="*/ 120650 h 241300"/>
+                  <a:gd name="connsiteX4" fmla="*/ 172506 w 342585"/>
+                  <a:gd name="connsiteY4" fmla="*/ 241300 h 241300"/>
+                  <a:gd name="connsiteX5" fmla="*/ 2427 w 342585"/>
+                  <a:gd name="connsiteY5" fmla="*/ 241300 h 241300"/>
+                  <a:gd name="connsiteX6" fmla="*/ 56402 w 342585"/>
+                  <a:gd name="connsiteY6" fmla="*/ 125412 h 241300"/>
+                  <a:gd name="connsiteX0" fmla="*/ 56402 w 342585"/>
+                  <a:gd name="connsiteY0" fmla="*/ 125412 h 241300"/>
+                  <a:gd name="connsiteX1" fmla="*/ 0 w 342585"/>
+                  <a:gd name="connsiteY1" fmla="*/ 529 h 241300"/>
+                  <a:gd name="connsiteX2" fmla="*/ 172506 w 342585"/>
+                  <a:gd name="connsiteY2" fmla="*/ 0 h 241300"/>
+                  <a:gd name="connsiteX3" fmla="*/ 342585 w 342585"/>
+                  <a:gd name="connsiteY3" fmla="*/ 120650 h 241300"/>
+                  <a:gd name="connsiteX4" fmla="*/ 172506 w 342585"/>
+                  <a:gd name="connsiteY4" fmla="*/ 241300 h 241300"/>
+                  <a:gd name="connsiteX5" fmla="*/ 2427 w 342585"/>
+                  <a:gd name="connsiteY5" fmla="*/ 241300 h 241300"/>
+                  <a:gd name="connsiteX6" fmla="*/ 56402 w 342585"/>
+                  <a:gd name="connsiteY6" fmla="*/ 125412 h 241300"/>
+                  <a:gd name="connsiteX0" fmla="*/ 56402 w 353179"/>
+                  <a:gd name="connsiteY0" fmla="*/ 125412 h 241300"/>
+                  <a:gd name="connsiteX1" fmla="*/ 0 w 353179"/>
+                  <a:gd name="connsiteY1" fmla="*/ 529 h 241300"/>
+                  <a:gd name="connsiteX2" fmla="*/ 172506 w 353179"/>
+                  <a:gd name="connsiteY2" fmla="*/ 0 h 241300"/>
+                  <a:gd name="connsiteX3" fmla="*/ 342585 w 353179"/>
+                  <a:gd name="connsiteY3" fmla="*/ 120650 h 241300"/>
+                  <a:gd name="connsiteX4" fmla="*/ 172506 w 353179"/>
+                  <a:gd name="connsiteY4" fmla="*/ 241300 h 241300"/>
+                  <a:gd name="connsiteX5" fmla="*/ 2427 w 353179"/>
+                  <a:gd name="connsiteY5" fmla="*/ 241300 h 241300"/>
+                  <a:gd name="connsiteX6" fmla="*/ 56402 w 353179"/>
+                  <a:gd name="connsiteY6" fmla="*/ 125412 h 241300"/>
+                  <a:gd name="connsiteX0" fmla="*/ 56402 w 342677"/>
+                  <a:gd name="connsiteY0" fmla="*/ 125412 h 241300"/>
+                  <a:gd name="connsiteX1" fmla="*/ 0 w 342677"/>
+                  <a:gd name="connsiteY1" fmla="*/ 529 h 241300"/>
+                  <a:gd name="connsiteX2" fmla="*/ 172506 w 342677"/>
+                  <a:gd name="connsiteY2" fmla="*/ 0 h 241300"/>
+                  <a:gd name="connsiteX3" fmla="*/ 342585 w 342677"/>
+                  <a:gd name="connsiteY3" fmla="*/ 120650 h 241300"/>
+                  <a:gd name="connsiteX4" fmla="*/ 172506 w 342677"/>
+                  <a:gd name="connsiteY4" fmla="*/ 241300 h 241300"/>
+                  <a:gd name="connsiteX5" fmla="*/ 2427 w 342677"/>
+                  <a:gd name="connsiteY5" fmla="*/ 241300 h 241300"/>
+                  <a:gd name="connsiteX6" fmla="*/ 56402 w 342677"/>
+                  <a:gd name="connsiteY6" fmla="*/ 125412 h 241300"/>
+                  <a:gd name="connsiteX0" fmla="*/ 56402 w 342677"/>
+                  <a:gd name="connsiteY0" fmla="*/ 125412 h 241300"/>
+                  <a:gd name="connsiteX1" fmla="*/ 0 w 342677"/>
+                  <a:gd name="connsiteY1" fmla="*/ 529 h 241300"/>
+                  <a:gd name="connsiteX2" fmla="*/ 172506 w 342677"/>
+                  <a:gd name="connsiteY2" fmla="*/ 0 h 241300"/>
+                  <a:gd name="connsiteX3" fmla="*/ 342585 w 342677"/>
+                  <a:gd name="connsiteY3" fmla="*/ 120650 h 241300"/>
+                  <a:gd name="connsiteX4" fmla="*/ 172506 w 342677"/>
+                  <a:gd name="connsiteY4" fmla="*/ 241300 h 241300"/>
+                  <a:gd name="connsiteX5" fmla="*/ 2427 w 342677"/>
+                  <a:gd name="connsiteY5" fmla="*/ 241300 h 241300"/>
+                  <a:gd name="connsiteX6" fmla="*/ 56402 w 342677"/>
+                  <a:gd name="connsiteY6" fmla="*/ 125412 h 241300"/>
+                  <a:gd name="connsiteX0" fmla="*/ 56402 w 306237"/>
+                  <a:gd name="connsiteY0" fmla="*/ 125412 h 241300"/>
+                  <a:gd name="connsiteX1" fmla="*/ 0 w 306237"/>
+                  <a:gd name="connsiteY1" fmla="*/ 529 h 241300"/>
+                  <a:gd name="connsiteX2" fmla="*/ 172506 w 306237"/>
+                  <a:gd name="connsiteY2" fmla="*/ 0 h 241300"/>
+                  <a:gd name="connsiteX3" fmla="*/ 306073 w 306237"/>
+                  <a:gd name="connsiteY3" fmla="*/ 104775 h 241300"/>
+                  <a:gd name="connsiteX4" fmla="*/ 172506 w 306237"/>
+                  <a:gd name="connsiteY4" fmla="*/ 241300 h 241300"/>
+                  <a:gd name="connsiteX5" fmla="*/ 2427 w 306237"/>
+                  <a:gd name="connsiteY5" fmla="*/ 241300 h 241300"/>
+                  <a:gd name="connsiteX6" fmla="*/ 56402 w 306237"/>
+                  <a:gd name="connsiteY6" fmla="*/ 125412 h 241300"/>
+                  <a:gd name="connsiteX0" fmla="*/ 56402 w 306237"/>
+                  <a:gd name="connsiteY0" fmla="*/ 125412 h 241300"/>
+                  <a:gd name="connsiteX1" fmla="*/ 0 w 306237"/>
+                  <a:gd name="connsiteY1" fmla="*/ 529 h 241300"/>
+                  <a:gd name="connsiteX2" fmla="*/ 172506 w 306237"/>
+                  <a:gd name="connsiteY2" fmla="*/ 0 h 241300"/>
+                  <a:gd name="connsiteX3" fmla="*/ 306073 w 306237"/>
+                  <a:gd name="connsiteY3" fmla="*/ 104775 h 241300"/>
+                  <a:gd name="connsiteX4" fmla="*/ 172506 w 306237"/>
+                  <a:gd name="connsiteY4" fmla="*/ 241300 h 241300"/>
+                  <a:gd name="connsiteX5" fmla="*/ 2427 w 306237"/>
+                  <a:gd name="connsiteY5" fmla="*/ 241300 h 241300"/>
+                  <a:gd name="connsiteX6" fmla="*/ 56402 w 306237"/>
+                  <a:gd name="connsiteY6" fmla="*/ 125412 h 241300"/>
+                  <a:gd name="connsiteX0" fmla="*/ 56402 w 306199"/>
+                  <a:gd name="connsiteY0" fmla="*/ 125412 h 241300"/>
+                  <a:gd name="connsiteX1" fmla="*/ 0 w 306199"/>
+                  <a:gd name="connsiteY1" fmla="*/ 529 h 241300"/>
+                  <a:gd name="connsiteX2" fmla="*/ 172506 w 306199"/>
+                  <a:gd name="connsiteY2" fmla="*/ 0 h 241300"/>
+                  <a:gd name="connsiteX3" fmla="*/ 306073 w 306199"/>
+                  <a:gd name="connsiteY3" fmla="*/ 104775 h 241300"/>
+                  <a:gd name="connsiteX4" fmla="*/ 172506 w 306199"/>
+                  <a:gd name="connsiteY4" fmla="*/ 241300 h 241300"/>
+                  <a:gd name="connsiteX5" fmla="*/ 2427 w 306199"/>
+                  <a:gd name="connsiteY5" fmla="*/ 241300 h 241300"/>
+                  <a:gd name="connsiteX6" fmla="*/ 56402 w 306199"/>
+                  <a:gd name="connsiteY6" fmla="*/ 125412 h 241300"/>
+                  <a:gd name="connsiteX0" fmla="*/ 56402 w 306199"/>
+                  <a:gd name="connsiteY0" fmla="*/ 125412 h 241300"/>
+                  <a:gd name="connsiteX1" fmla="*/ 0 w 306199"/>
+                  <a:gd name="connsiteY1" fmla="*/ 529 h 241300"/>
+                  <a:gd name="connsiteX2" fmla="*/ 172506 w 306199"/>
+                  <a:gd name="connsiteY2" fmla="*/ 0 h 241300"/>
+                  <a:gd name="connsiteX3" fmla="*/ 306073 w 306199"/>
+                  <a:gd name="connsiteY3" fmla="*/ 128587 h 241300"/>
+                  <a:gd name="connsiteX4" fmla="*/ 172506 w 306199"/>
+                  <a:gd name="connsiteY4" fmla="*/ 241300 h 241300"/>
+                  <a:gd name="connsiteX5" fmla="*/ 2427 w 306199"/>
+                  <a:gd name="connsiteY5" fmla="*/ 241300 h 241300"/>
+                  <a:gd name="connsiteX6" fmla="*/ 56402 w 306199"/>
+                  <a:gd name="connsiteY6" fmla="*/ 125412 h 241300"/>
+                  <a:gd name="connsiteX0" fmla="*/ 56402 w 306199"/>
+                  <a:gd name="connsiteY0" fmla="*/ 125412 h 241300"/>
+                  <a:gd name="connsiteX1" fmla="*/ 0 w 306199"/>
+                  <a:gd name="connsiteY1" fmla="*/ 529 h 241300"/>
+                  <a:gd name="connsiteX2" fmla="*/ 172506 w 306199"/>
+                  <a:gd name="connsiteY2" fmla="*/ 0 h 241300"/>
+                  <a:gd name="connsiteX3" fmla="*/ 306073 w 306199"/>
+                  <a:gd name="connsiteY3" fmla="*/ 122237 h 241300"/>
+                  <a:gd name="connsiteX4" fmla="*/ 172506 w 306199"/>
+                  <a:gd name="connsiteY4" fmla="*/ 241300 h 241300"/>
+                  <a:gd name="connsiteX5" fmla="*/ 2427 w 306199"/>
+                  <a:gd name="connsiteY5" fmla="*/ 241300 h 241300"/>
+                  <a:gd name="connsiteX6" fmla="*/ 56402 w 306199"/>
+                  <a:gd name="connsiteY6" fmla="*/ 125412 h 241300"/>
+                  <a:gd name="connsiteX0" fmla="*/ 56402 w 306096"/>
+                  <a:gd name="connsiteY0" fmla="*/ 125412 h 241300"/>
+                  <a:gd name="connsiteX1" fmla="*/ 0 w 306096"/>
+                  <a:gd name="connsiteY1" fmla="*/ 529 h 241300"/>
+                  <a:gd name="connsiteX2" fmla="*/ 172506 w 306096"/>
+                  <a:gd name="connsiteY2" fmla="*/ 0 h 241300"/>
+                  <a:gd name="connsiteX3" fmla="*/ 306073 w 306096"/>
+                  <a:gd name="connsiteY3" fmla="*/ 122237 h 241300"/>
+                  <a:gd name="connsiteX4" fmla="*/ 172506 w 306096"/>
+                  <a:gd name="connsiteY4" fmla="*/ 241300 h 241300"/>
+                  <a:gd name="connsiteX5" fmla="*/ 2427 w 306096"/>
+                  <a:gd name="connsiteY5" fmla="*/ 241300 h 241300"/>
+                  <a:gd name="connsiteX6" fmla="*/ 56402 w 306096"/>
+                  <a:gd name="connsiteY6" fmla="*/ 125412 h 241300"/>
+                  <a:gd name="connsiteX0" fmla="*/ 56402 w 352654"/>
+                  <a:gd name="connsiteY0" fmla="*/ 125412 h 241300"/>
+                  <a:gd name="connsiteX1" fmla="*/ 0 w 352654"/>
+                  <a:gd name="connsiteY1" fmla="*/ 529 h 241300"/>
+                  <a:gd name="connsiteX2" fmla="*/ 172506 w 352654"/>
+                  <a:gd name="connsiteY2" fmla="*/ 0 h 241300"/>
+                  <a:gd name="connsiteX3" fmla="*/ 352639 w 352654"/>
+                  <a:gd name="connsiteY3" fmla="*/ 124353 h 241300"/>
+                  <a:gd name="connsiteX4" fmla="*/ 172506 w 352654"/>
+                  <a:gd name="connsiteY4" fmla="*/ 241300 h 241300"/>
+                  <a:gd name="connsiteX5" fmla="*/ 2427 w 352654"/>
+                  <a:gd name="connsiteY5" fmla="*/ 241300 h 241300"/>
+                  <a:gd name="connsiteX6" fmla="*/ 56402 w 352654"/>
+                  <a:gd name="connsiteY6" fmla="*/ 125412 h 241300"/>
+                  <a:gd name="connsiteX0" fmla="*/ 56402 w 353537"/>
+                  <a:gd name="connsiteY0" fmla="*/ 125412 h 241300"/>
+                  <a:gd name="connsiteX1" fmla="*/ 0 w 353537"/>
+                  <a:gd name="connsiteY1" fmla="*/ 529 h 241300"/>
+                  <a:gd name="connsiteX2" fmla="*/ 231772 w 353537"/>
+                  <a:gd name="connsiteY2" fmla="*/ 0 h 241300"/>
+                  <a:gd name="connsiteX3" fmla="*/ 352639 w 353537"/>
+                  <a:gd name="connsiteY3" fmla="*/ 124353 h 241300"/>
+                  <a:gd name="connsiteX4" fmla="*/ 172506 w 353537"/>
+                  <a:gd name="connsiteY4" fmla="*/ 241300 h 241300"/>
+                  <a:gd name="connsiteX5" fmla="*/ 2427 w 353537"/>
+                  <a:gd name="connsiteY5" fmla="*/ 241300 h 241300"/>
+                  <a:gd name="connsiteX6" fmla="*/ 56402 w 353537"/>
+                  <a:gd name="connsiteY6" fmla="*/ 125412 h 241300"/>
+                  <a:gd name="connsiteX0" fmla="*/ 56402 w 352648"/>
+                  <a:gd name="connsiteY0" fmla="*/ 125412 h 241300"/>
+                  <a:gd name="connsiteX1" fmla="*/ 0 w 352648"/>
+                  <a:gd name="connsiteY1" fmla="*/ 529 h 241300"/>
+                  <a:gd name="connsiteX2" fmla="*/ 231772 w 352648"/>
+                  <a:gd name="connsiteY2" fmla="*/ 0 h 241300"/>
+                  <a:gd name="connsiteX3" fmla="*/ 352639 w 352648"/>
+                  <a:gd name="connsiteY3" fmla="*/ 124353 h 241300"/>
+                  <a:gd name="connsiteX4" fmla="*/ 236006 w 352648"/>
+                  <a:gd name="connsiteY4" fmla="*/ 241300 h 241300"/>
+                  <a:gd name="connsiteX5" fmla="*/ 2427 w 352648"/>
+                  <a:gd name="connsiteY5" fmla="*/ 241300 h 241300"/>
+                  <a:gd name="connsiteX6" fmla="*/ 56402 w 352648"/>
+                  <a:gd name="connsiteY6" fmla="*/ 125412 h 241300"/>
+                  <a:gd name="connsiteX0" fmla="*/ 56402 w 346300"/>
+                  <a:gd name="connsiteY0" fmla="*/ 125412 h 241300"/>
+                  <a:gd name="connsiteX1" fmla="*/ 0 w 346300"/>
+                  <a:gd name="connsiteY1" fmla="*/ 529 h 241300"/>
+                  <a:gd name="connsiteX2" fmla="*/ 231772 w 346300"/>
+                  <a:gd name="connsiteY2" fmla="*/ 0 h 241300"/>
+                  <a:gd name="connsiteX3" fmla="*/ 346289 w 346300"/>
+                  <a:gd name="connsiteY3" fmla="*/ 124353 h 241300"/>
+                  <a:gd name="connsiteX4" fmla="*/ 236006 w 346300"/>
+                  <a:gd name="connsiteY4" fmla="*/ 241300 h 241300"/>
+                  <a:gd name="connsiteX5" fmla="*/ 2427 w 346300"/>
+                  <a:gd name="connsiteY5" fmla="*/ 241300 h 241300"/>
+                  <a:gd name="connsiteX6" fmla="*/ 56402 w 346300"/>
+                  <a:gd name="connsiteY6" fmla="*/ 125412 h 241300"/>
+                  <a:gd name="connsiteX0" fmla="*/ 56402 w 346300"/>
+                  <a:gd name="connsiteY0" fmla="*/ 125412 h 241300"/>
+                  <a:gd name="connsiteX1" fmla="*/ 0 w 346300"/>
+                  <a:gd name="connsiteY1" fmla="*/ 529 h 241300"/>
+                  <a:gd name="connsiteX2" fmla="*/ 231772 w 346300"/>
+                  <a:gd name="connsiteY2" fmla="*/ 0 h 241300"/>
+                  <a:gd name="connsiteX3" fmla="*/ 346289 w 346300"/>
+                  <a:gd name="connsiteY3" fmla="*/ 126470 h 241300"/>
+                  <a:gd name="connsiteX4" fmla="*/ 236006 w 346300"/>
+                  <a:gd name="connsiteY4" fmla="*/ 241300 h 241300"/>
+                  <a:gd name="connsiteX5" fmla="*/ 2427 w 346300"/>
+                  <a:gd name="connsiteY5" fmla="*/ 241300 h 241300"/>
+                  <a:gd name="connsiteX6" fmla="*/ 56402 w 346300"/>
+                  <a:gd name="connsiteY6" fmla="*/ 125412 h 241300"/>
+                  <a:gd name="connsiteX0" fmla="*/ 56402 w 342069"/>
+                  <a:gd name="connsiteY0" fmla="*/ 125412 h 241300"/>
+                  <a:gd name="connsiteX1" fmla="*/ 0 w 342069"/>
+                  <a:gd name="connsiteY1" fmla="*/ 529 h 241300"/>
+                  <a:gd name="connsiteX2" fmla="*/ 231772 w 342069"/>
+                  <a:gd name="connsiteY2" fmla="*/ 0 h 241300"/>
+                  <a:gd name="connsiteX3" fmla="*/ 342056 w 342069"/>
+                  <a:gd name="connsiteY3" fmla="*/ 113770 h 241300"/>
+                  <a:gd name="connsiteX4" fmla="*/ 236006 w 342069"/>
+                  <a:gd name="connsiteY4" fmla="*/ 241300 h 241300"/>
+                  <a:gd name="connsiteX5" fmla="*/ 2427 w 342069"/>
+                  <a:gd name="connsiteY5" fmla="*/ 241300 h 241300"/>
+                  <a:gd name="connsiteX6" fmla="*/ 56402 w 342069"/>
+                  <a:gd name="connsiteY6" fmla="*/ 125412 h 241300"/>
+                  <a:gd name="connsiteX0" fmla="*/ 56402 w 344616"/>
+                  <a:gd name="connsiteY0" fmla="*/ 125412 h 241300"/>
+                  <a:gd name="connsiteX1" fmla="*/ 0 w 344616"/>
+                  <a:gd name="connsiteY1" fmla="*/ 529 h 241300"/>
+                  <a:gd name="connsiteX2" fmla="*/ 231772 w 344616"/>
+                  <a:gd name="connsiteY2" fmla="*/ 0 h 241300"/>
+                  <a:gd name="connsiteX3" fmla="*/ 342056 w 344616"/>
+                  <a:gd name="connsiteY3" fmla="*/ 113770 h 241300"/>
+                  <a:gd name="connsiteX4" fmla="*/ 236006 w 344616"/>
+                  <a:gd name="connsiteY4" fmla="*/ 241300 h 241300"/>
+                  <a:gd name="connsiteX5" fmla="*/ 2427 w 344616"/>
+                  <a:gd name="connsiteY5" fmla="*/ 241300 h 241300"/>
+                  <a:gd name="connsiteX6" fmla="*/ 56402 w 344616"/>
+                  <a:gd name="connsiteY6" fmla="*/ 125412 h 241300"/>
+                  <a:gd name="connsiteX0" fmla="*/ 56402 w 344616"/>
+                  <a:gd name="connsiteY0" fmla="*/ 125412 h 241300"/>
+                  <a:gd name="connsiteX1" fmla="*/ 0 w 344616"/>
+                  <a:gd name="connsiteY1" fmla="*/ 529 h 241300"/>
+                  <a:gd name="connsiteX2" fmla="*/ 231772 w 344616"/>
+                  <a:gd name="connsiteY2" fmla="*/ 0 h 241300"/>
+                  <a:gd name="connsiteX3" fmla="*/ 342056 w 344616"/>
+                  <a:gd name="connsiteY3" fmla="*/ 113770 h 241300"/>
+                  <a:gd name="connsiteX4" fmla="*/ 236006 w 344616"/>
+                  <a:gd name="connsiteY4" fmla="*/ 241300 h 241300"/>
+                  <a:gd name="connsiteX5" fmla="*/ 2427 w 344616"/>
+                  <a:gd name="connsiteY5" fmla="*/ 241300 h 241300"/>
+                  <a:gd name="connsiteX6" fmla="*/ 56402 w 344616"/>
+                  <a:gd name="connsiteY6" fmla="*/ 125412 h 241300"/>
+                  <a:gd name="connsiteX0" fmla="*/ 56402 w 342056"/>
+                  <a:gd name="connsiteY0" fmla="*/ 125412 h 241300"/>
+                  <a:gd name="connsiteX1" fmla="*/ 0 w 342056"/>
+                  <a:gd name="connsiteY1" fmla="*/ 529 h 241300"/>
+                  <a:gd name="connsiteX2" fmla="*/ 231772 w 342056"/>
+                  <a:gd name="connsiteY2" fmla="*/ 0 h 241300"/>
+                  <a:gd name="connsiteX3" fmla="*/ 342056 w 342056"/>
+                  <a:gd name="connsiteY3" fmla="*/ 113770 h 241300"/>
+                  <a:gd name="connsiteX4" fmla="*/ 236006 w 342056"/>
+                  <a:gd name="connsiteY4" fmla="*/ 241300 h 241300"/>
+                  <a:gd name="connsiteX5" fmla="*/ 2427 w 342056"/>
+                  <a:gd name="connsiteY5" fmla="*/ 241300 h 241300"/>
+                  <a:gd name="connsiteX6" fmla="*/ 56402 w 342056"/>
+                  <a:gd name="connsiteY6" fmla="*/ 125412 h 241300"/>
+                  <a:gd name="connsiteX0" fmla="*/ 56402 w 342056"/>
+                  <a:gd name="connsiteY0" fmla="*/ 125412 h 241300"/>
+                  <a:gd name="connsiteX1" fmla="*/ 0 w 342056"/>
+                  <a:gd name="connsiteY1" fmla="*/ 529 h 241300"/>
+                  <a:gd name="connsiteX2" fmla="*/ 231772 w 342056"/>
+                  <a:gd name="connsiteY2" fmla="*/ 0 h 241300"/>
+                  <a:gd name="connsiteX3" fmla="*/ 342056 w 342056"/>
+                  <a:gd name="connsiteY3" fmla="*/ 113770 h 241300"/>
+                  <a:gd name="connsiteX4" fmla="*/ 236006 w 342056"/>
+                  <a:gd name="connsiteY4" fmla="*/ 241300 h 241300"/>
+                  <a:gd name="connsiteX5" fmla="*/ 2427 w 342056"/>
+                  <a:gd name="connsiteY5" fmla="*/ 241300 h 241300"/>
+                  <a:gd name="connsiteX6" fmla="*/ 56402 w 342056"/>
+                  <a:gd name="connsiteY6" fmla="*/ 125412 h 241300"/>
+                  <a:gd name="connsiteX0" fmla="*/ 56402 w 342056"/>
+                  <a:gd name="connsiteY0" fmla="*/ 125412 h 241300"/>
+                  <a:gd name="connsiteX1" fmla="*/ 0 w 342056"/>
+                  <a:gd name="connsiteY1" fmla="*/ 529 h 241300"/>
+                  <a:gd name="connsiteX2" fmla="*/ 231772 w 342056"/>
+                  <a:gd name="connsiteY2" fmla="*/ 0 h 241300"/>
+                  <a:gd name="connsiteX3" fmla="*/ 342056 w 342056"/>
+                  <a:gd name="connsiteY3" fmla="*/ 113770 h 241300"/>
+                  <a:gd name="connsiteX4" fmla="*/ 236006 w 342056"/>
+                  <a:gd name="connsiteY4" fmla="*/ 241300 h 241300"/>
+                  <a:gd name="connsiteX5" fmla="*/ 2427 w 342056"/>
+                  <a:gd name="connsiteY5" fmla="*/ 241300 h 241300"/>
+                  <a:gd name="connsiteX6" fmla="*/ 56402 w 342056"/>
+                  <a:gd name="connsiteY6" fmla="*/ 125412 h 241300"/>
+                  <a:gd name="connsiteX0" fmla="*/ 56402 w 342056"/>
+                  <a:gd name="connsiteY0" fmla="*/ 125412 h 241300"/>
+                  <a:gd name="connsiteX1" fmla="*/ 0 w 342056"/>
+                  <a:gd name="connsiteY1" fmla="*/ 529 h 241300"/>
+                  <a:gd name="connsiteX2" fmla="*/ 231772 w 342056"/>
+                  <a:gd name="connsiteY2" fmla="*/ 0 h 241300"/>
+                  <a:gd name="connsiteX3" fmla="*/ 342056 w 342056"/>
+                  <a:gd name="connsiteY3" fmla="*/ 113770 h 241300"/>
+                  <a:gd name="connsiteX4" fmla="*/ 236006 w 342056"/>
+                  <a:gd name="connsiteY4" fmla="*/ 241300 h 241300"/>
+                  <a:gd name="connsiteX5" fmla="*/ 2427 w 342056"/>
+                  <a:gd name="connsiteY5" fmla="*/ 241300 h 241300"/>
+                  <a:gd name="connsiteX6" fmla="*/ 56402 w 342056"/>
+                  <a:gd name="connsiteY6" fmla="*/ 125412 h 241300"/>
+                  <a:gd name="connsiteX0" fmla="*/ 56402 w 342056"/>
+                  <a:gd name="connsiteY0" fmla="*/ 125412 h 241300"/>
+                  <a:gd name="connsiteX1" fmla="*/ 0 w 342056"/>
+                  <a:gd name="connsiteY1" fmla="*/ 529 h 241300"/>
+                  <a:gd name="connsiteX2" fmla="*/ 231772 w 342056"/>
+                  <a:gd name="connsiteY2" fmla="*/ 0 h 241300"/>
+                  <a:gd name="connsiteX3" fmla="*/ 342056 w 342056"/>
+                  <a:gd name="connsiteY3" fmla="*/ 113770 h 241300"/>
+                  <a:gd name="connsiteX4" fmla="*/ 236006 w 342056"/>
+                  <a:gd name="connsiteY4" fmla="*/ 241300 h 241300"/>
+                  <a:gd name="connsiteX5" fmla="*/ 2427 w 342056"/>
+                  <a:gd name="connsiteY5" fmla="*/ 241300 h 241300"/>
+                  <a:gd name="connsiteX6" fmla="*/ 56402 w 342056"/>
+                  <a:gd name="connsiteY6" fmla="*/ 125412 h 241300"/>
+                </a:gdLst>
+                <a:ahLst/>
+                <a:cxnLst>
+                  <a:cxn ang="0">
+                    <a:pos x="connsiteX0" y="connsiteY0"/>
+                  </a:cxn>
+                  <a:cxn ang="0">
+                    <a:pos x="connsiteX1" y="connsiteY1"/>
+                  </a:cxn>
+                  <a:cxn ang="0">
+                    <a:pos x="connsiteX2" y="connsiteY2"/>
+                  </a:cxn>
+                  <a:cxn ang="0">
+                    <a:pos x="connsiteX3" y="connsiteY3"/>
+                  </a:cxn>
+                  <a:cxn ang="0">
+                    <a:pos x="connsiteX4" y="connsiteY4"/>
+                  </a:cxn>
+                  <a:cxn ang="0">
+                    <a:pos x="connsiteX5" y="connsiteY5"/>
+                  </a:cxn>
+                  <a:cxn ang="0">
+                    <a:pos x="connsiteX6" y="connsiteY6"/>
+                  </a:cxn>
+                </a:cxnLst>
+                <a:rect l="l" t="t" r="r" b="b"/>
+                <a:pathLst>
+                  <a:path w="342056" h="241300">
+                    <a:moveTo>
+                      <a:pt x="56402" y="125412"/>
+                    </a:moveTo>
+                    <a:cubicBezTo>
+                      <a:pt x="57586" y="96397"/>
+                      <a:pt x="52087" y="57944"/>
+                      <a:pt x="0" y="529"/>
+                    </a:cubicBezTo>
+                    <a:lnTo>
+                      <a:pt x="231772" y="0"/>
+                    </a:lnTo>
+                    <a:cubicBezTo>
+                      <a:pt x="288869" y="20020"/>
+                      <a:pt x="331364" y="63235"/>
+                      <a:pt x="342056" y="113770"/>
+                    </a:cubicBezTo>
+                    <a:cubicBezTo>
+                      <a:pt x="332178" y="175154"/>
+                      <a:pt x="315650" y="215900"/>
+                      <a:pt x="236006" y="241300"/>
+                    </a:cubicBezTo>
+                    <a:lnTo>
+                      <a:pt x="2427" y="241300"/>
+                    </a:lnTo>
+                    <a:cubicBezTo>
+                      <a:pt x="48164" y="179123"/>
+                      <a:pt x="55218" y="154427"/>
+                      <a:pt x="56402" y="125412"/>
+                    </a:cubicBezTo>
+                    <a:close/>
+                  </a:path>
+                </a:pathLst>
+              </a:custGeom>
+              <a:solidFill>
+                <a:schemeClr val="bg1"/>
+              </a:solidFill>
+            </p:spPr>
+            <p:style>
+              <a:lnRef idx="2">
+                <a:schemeClr val="dk1"/>
+              </a:lnRef>
+              <a:fillRef idx="1">
+                <a:schemeClr val="lt1"/>
+              </a:fillRef>
+              <a:effectRef idx="0">
+                <a:schemeClr val="dk1"/>
+              </a:effectRef>
+              <a:fontRef idx="minor">
+                <a:schemeClr val="dk1"/>
+              </a:fontRef>
+            </p:style>
+            <p:txBody>
+              <a:bodyPr rtlCol="0" anchor="ctr"/>
+              <a:lstStyle/>
+              <a:p>
+                <a:pPr algn="ctr"/>
+                <a:endParaRPr lang="en-GB" dirty="0"/>
+              </a:p>
+            </p:txBody>
+          </p:sp>
+          <p:sp>
+            <p:nvSpPr>
+              <p:cNvPr id="14" name="Oval 13">
+                <a:extLst>
+                  <a:ext uri="{FF2B5EF4-FFF2-40B4-BE49-F238E27FC236}">
+                    <a16:creationId xmlns:a16="http://schemas.microsoft.com/office/drawing/2014/main" id="{29EFB932-1278-70E2-2F54-36966C0AD707}"/>
+                  </a:ext>
+                </a:extLst>
+              </p:cNvPr>
+              <p:cNvSpPr/>
+              <p:nvPr/>
+            </p:nvSpPr>
+            <p:spPr>
+              <a:xfrm>
+                <a:off x="6437742" y="2243336"/>
+                <a:ext cx="45719" cy="45719"/>
+              </a:xfrm>
+              <a:prstGeom prst="ellipse">
+                <a:avLst/>
+              </a:prstGeom>
+              <a:solidFill>
+                <a:schemeClr val="bg1"/>
+              </a:solidFill>
+            </p:spPr>
+            <p:style>
+              <a:lnRef idx="2">
+                <a:schemeClr val="dk1"/>
+              </a:lnRef>
+              <a:fillRef idx="1">
+                <a:schemeClr val="lt1"/>
+              </a:fillRef>
+              <a:effectRef idx="0">
+                <a:schemeClr val="dk1"/>
+              </a:effectRef>
+              <a:fontRef idx="minor">
+                <a:schemeClr val="dk1"/>
+              </a:fontRef>
+            </p:style>
+            <p:txBody>
+              <a:bodyPr rtlCol="0" anchor="ctr"/>
+              <a:lstStyle/>
+              <a:p>
+                <a:pPr algn="ctr"/>
+                <a:endParaRPr lang="en-GB"/>
+              </a:p>
+            </p:txBody>
+          </p:sp>
+          <p:sp>
+            <p:nvSpPr>
+              <p:cNvPr id="15" name="Flowchart: Delay 18">
+                <a:extLst>
+                  <a:ext uri="{FF2B5EF4-FFF2-40B4-BE49-F238E27FC236}">
+                    <a16:creationId xmlns:a16="http://schemas.microsoft.com/office/drawing/2014/main" id="{9912F4F3-131A-9F19-F930-E3ACDB8D5254}"/>
+                  </a:ext>
+                </a:extLst>
+              </p:cNvPr>
+              <p:cNvSpPr/>
+              <p:nvPr/>
+            </p:nvSpPr>
+            <p:spPr>
+              <a:xfrm>
+                <a:off x="6039462" y="2149251"/>
+                <a:ext cx="56538" cy="240771"/>
+              </a:xfrm>
+              <a:custGeom>
+                <a:avLst/>
+                <a:gdLst>
+                  <a:gd name="connsiteX0" fmla="*/ 0 w 340158"/>
+                  <a:gd name="connsiteY0" fmla="*/ 0 h 241300"/>
+                  <a:gd name="connsiteX1" fmla="*/ 170079 w 340158"/>
+                  <a:gd name="connsiteY1" fmla="*/ 0 h 241300"/>
+                  <a:gd name="connsiteX2" fmla="*/ 340158 w 340158"/>
+                  <a:gd name="connsiteY2" fmla="*/ 120650 h 241300"/>
+                  <a:gd name="connsiteX3" fmla="*/ 170079 w 340158"/>
+                  <a:gd name="connsiteY3" fmla="*/ 241300 h 241300"/>
+                  <a:gd name="connsiteX4" fmla="*/ 0 w 340158"/>
+                  <a:gd name="connsiteY4" fmla="*/ 241300 h 241300"/>
+                  <a:gd name="connsiteX5" fmla="*/ 0 w 340158"/>
+                  <a:gd name="connsiteY5" fmla="*/ 0 h 241300"/>
+                  <a:gd name="connsiteX0" fmla="*/ 2427 w 342585"/>
+                  <a:gd name="connsiteY0" fmla="*/ 0 h 241300"/>
+                  <a:gd name="connsiteX1" fmla="*/ 0 w 342585"/>
+                  <a:gd name="connsiteY1" fmla="*/ 529 h 241300"/>
+                  <a:gd name="connsiteX2" fmla="*/ 172506 w 342585"/>
+                  <a:gd name="connsiteY2" fmla="*/ 0 h 241300"/>
+                  <a:gd name="connsiteX3" fmla="*/ 342585 w 342585"/>
+                  <a:gd name="connsiteY3" fmla="*/ 120650 h 241300"/>
+                  <a:gd name="connsiteX4" fmla="*/ 172506 w 342585"/>
+                  <a:gd name="connsiteY4" fmla="*/ 241300 h 241300"/>
+                  <a:gd name="connsiteX5" fmla="*/ 2427 w 342585"/>
+                  <a:gd name="connsiteY5" fmla="*/ 241300 h 241300"/>
+                  <a:gd name="connsiteX6" fmla="*/ 2427 w 342585"/>
+                  <a:gd name="connsiteY6" fmla="*/ 0 h 241300"/>
+                  <a:gd name="connsiteX0" fmla="*/ 46877 w 342585"/>
+                  <a:gd name="connsiteY0" fmla="*/ 115887 h 241300"/>
+                  <a:gd name="connsiteX1" fmla="*/ 0 w 342585"/>
+                  <a:gd name="connsiteY1" fmla="*/ 529 h 241300"/>
+                  <a:gd name="connsiteX2" fmla="*/ 172506 w 342585"/>
+                  <a:gd name="connsiteY2" fmla="*/ 0 h 241300"/>
+                  <a:gd name="connsiteX3" fmla="*/ 342585 w 342585"/>
+                  <a:gd name="connsiteY3" fmla="*/ 120650 h 241300"/>
+                  <a:gd name="connsiteX4" fmla="*/ 172506 w 342585"/>
+                  <a:gd name="connsiteY4" fmla="*/ 241300 h 241300"/>
+                  <a:gd name="connsiteX5" fmla="*/ 2427 w 342585"/>
+                  <a:gd name="connsiteY5" fmla="*/ 241300 h 241300"/>
+                  <a:gd name="connsiteX6" fmla="*/ 46877 w 342585"/>
+                  <a:gd name="connsiteY6" fmla="*/ 115887 h 241300"/>
+                  <a:gd name="connsiteX0" fmla="*/ 50908 w 346616"/>
+                  <a:gd name="connsiteY0" fmla="*/ 115887 h 241300"/>
+                  <a:gd name="connsiteX1" fmla="*/ 4031 w 346616"/>
+                  <a:gd name="connsiteY1" fmla="*/ 529 h 241300"/>
+                  <a:gd name="connsiteX2" fmla="*/ 176537 w 346616"/>
+                  <a:gd name="connsiteY2" fmla="*/ 0 h 241300"/>
+                  <a:gd name="connsiteX3" fmla="*/ 346616 w 346616"/>
+                  <a:gd name="connsiteY3" fmla="*/ 120650 h 241300"/>
+                  <a:gd name="connsiteX4" fmla="*/ 176537 w 346616"/>
+                  <a:gd name="connsiteY4" fmla="*/ 241300 h 241300"/>
+                  <a:gd name="connsiteX5" fmla="*/ 6458 w 346616"/>
+                  <a:gd name="connsiteY5" fmla="*/ 241300 h 241300"/>
+                  <a:gd name="connsiteX6" fmla="*/ 50908 w 346616"/>
+                  <a:gd name="connsiteY6" fmla="*/ 115887 h 241300"/>
+                  <a:gd name="connsiteX0" fmla="*/ 50908 w 346616"/>
+                  <a:gd name="connsiteY0" fmla="*/ 115887 h 241300"/>
+                  <a:gd name="connsiteX1" fmla="*/ 4031 w 346616"/>
+                  <a:gd name="connsiteY1" fmla="*/ 529 h 241300"/>
+                  <a:gd name="connsiteX2" fmla="*/ 176537 w 346616"/>
+                  <a:gd name="connsiteY2" fmla="*/ 0 h 241300"/>
+                  <a:gd name="connsiteX3" fmla="*/ 346616 w 346616"/>
+                  <a:gd name="connsiteY3" fmla="*/ 120650 h 241300"/>
+                  <a:gd name="connsiteX4" fmla="*/ 176537 w 346616"/>
+                  <a:gd name="connsiteY4" fmla="*/ 241300 h 241300"/>
+                  <a:gd name="connsiteX5" fmla="*/ 6458 w 346616"/>
+                  <a:gd name="connsiteY5" fmla="*/ 241300 h 241300"/>
+                  <a:gd name="connsiteX6" fmla="*/ 50908 w 346616"/>
+                  <a:gd name="connsiteY6" fmla="*/ 115887 h 241300"/>
+                  <a:gd name="connsiteX0" fmla="*/ 50908 w 346616"/>
+                  <a:gd name="connsiteY0" fmla="*/ 115887 h 241300"/>
+                  <a:gd name="connsiteX1" fmla="*/ 4031 w 346616"/>
+                  <a:gd name="connsiteY1" fmla="*/ 529 h 241300"/>
+                  <a:gd name="connsiteX2" fmla="*/ 176537 w 346616"/>
+                  <a:gd name="connsiteY2" fmla="*/ 0 h 241300"/>
+                  <a:gd name="connsiteX3" fmla="*/ 346616 w 346616"/>
+                  <a:gd name="connsiteY3" fmla="*/ 120650 h 241300"/>
+                  <a:gd name="connsiteX4" fmla="*/ 176537 w 346616"/>
+                  <a:gd name="connsiteY4" fmla="*/ 241300 h 241300"/>
+                  <a:gd name="connsiteX5" fmla="*/ 6458 w 346616"/>
+                  <a:gd name="connsiteY5" fmla="*/ 241300 h 241300"/>
+                  <a:gd name="connsiteX6" fmla="*/ 50908 w 346616"/>
+                  <a:gd name="connsiteY6" fmla="*/ 115887 h 241300"/>
+                  <a:gd name="connsiteX0" fmla="*/ 46877 w 342585"/>
+                  <a:gd name="connsiteY0" fmla="*/ 115887 h 241300"/>
+                  <a:gd name="connsiteX1" fmla="*/ 0 w 342585"/>
+                  <a:gd name="connsiteY1" fmla="*/ 529 h 241300"/>
+                  <a:gd name="connsiteX2" fmla="*/ 172506 w 342585"/>
+                  <a:gd name="connsiteY2" fmla="*/ 0 h 241300"/>
+                  <a:gd name="connsiteX3" fmla="*/ 342585 w 342585"/>
+                  <a:gd name="connsiteY3" fmla="*/ 120650 h 241300"/>
+                  <a:gd name="connsiteX4" fmla="*/ 172506 w 342585"/>
+                  <a:gd name="connsiteY4" fmla="*/ 241300 h 241300"/>
+                  <a:gd name="connsiteX5" fmla="*/ 2427 w 342585"/>
+                  <a:gd name="connsiteY5" fmla="*/ 241300 h 241300"/>
+                  <a:gd name="connsiteX6" fmla="*/ 46877 w 342585"/>
+                  <a:gd name="connsiteY6" fmla="*/ 115887 h 241300"/>
+                  <a:gd name="connsiteX0" fmla="*/ 46877 w 342585"/>
+                  <a:gd name="connsiteY0" fmla="*/ 115887 h 241300"/>
+                  <a:gd name="connsiteX1" fmla="*/ 0 w 342585"/>
+                  <a:gd name="connsiteY1" fmla="*/ 529 h 241300"/>
+                  <a:gd name="connsiteX2" fmla="*/ 172506 w 342585"/>
+                  <a:gd name="connsiteY2" fmla="*/ 0 h 241300"/>
+                  <a:gd name="connsiteX3" fmla="*/ 342585 w 342585"/>
+                  <a:gd name="connsiteY3" fmla="*/ 120650 h 241300"/>
+                  <a:gd name="connsiteX4" fmla="*/ 172506 w 342585"/>
+                  <a:gd name="connsiteY4" fmla="*/ 241300 h 241300"/>
+                  <a:gd name="connsiteX5" fmla="*/ 2427 w 342585"/>
+                  <a:gd name="connsiteY5" fmla="*/ 241300 h 241300"/>
+                  <a:gd name="connsiteX6" fmla="*/ 46877 w 342585"/>
+                  <a:gd name="connsiteY6" fmla="*/ 115887 h 241300"/>
+                  <a:gd name="connsiteX0" fmla="*/ 46877 w 342585"/>
+                  <a:gd name="connsiteY0" fmla="*/ 115887 h 241300"/>
+                  <a:gd name="connsiteX1" fmla="*/ 0 w 342585"/>
+                  <a:gd name="connsiteY1" fmla="*/ 529 h 241300"/>
+                  <a:gd name="connsiteX2" fmla="*/ 172506 w 342585"/>
+                  <a:gd name="connsiteY2" fmla="*/ 0 h 241300"/>
+                  <a:gd name="connsiteX3" fmla="*/ 342585 w 342585"/>
+                  <a:gd name="connsiteY3" fmla="*/ 120650 h 241300"/>
+                  <a:gd name="connsiteX4" fmla="*/ 172506 w 342585"/>
+                  <a:gd name="connsiteY4" fmla="*/ 241300 h 241300"/>
+                  <a:gd name="connsiteX5" fmla="*/ 2427 w 342585"/>
+                  <a:gd name="connsiteY5" fmla="*/ 241300 h 241300"/>
+                  <a:gd name="connsiteX6" fmla="*/ 46877 w 342585"/>
+                  <a:gd name="connsiteY6" fmla="*/ 115887 h 241300"/>
+                  <a:gd name="connsiteX0" fmla="*/ 46877 w 342585"/>
+                  <a:gd name="connsiteY0" fmla="*/ 115887 h 241300"/>
+                  <a:gd name="connsiteX1" fmla="*/ 0 w 342585"/>
+                  <a:gd name="connsiteY1" fmla="*/ 529 h 241300"/>
+                  <a:gd name="connsiteX2" fmla="*/ 172506 w 342585"/>
+                  <a:gd name="connsiteY2" fmla="*/ 0 h 241300"/>
+                  <a:gd name="connsiteX3" fmla="*/ 342585 w 342585"/>
+                  <a:gd name="connsiteY3" fmla="*/ 120650 h 241300"/>
+                  <a:gd name="connsiteX4" fmla="*/ 172506 w 342585"/>
+                  <a:gd name="connsiteY4" fmla="*/ 241300 h 241300"/>
+                  <a:gd name="connsiteX5" fmla="*/ 2427 w 342585"/>
+                  <a:gd name="connsiteY5" fmla="*/ 241300 h 241300"/>
+                  <a:gd name="connsiteX6" fmla="*/ 46877 w 342585"/>
+                  <a:gd name="connsiteY6" fmla="*/ 115887 h 241300"/>
+                  <a:gd name="connsiteX0" fmla="*/ 56402 w 342585"/>
+                  <a:gd name="connsiteY0" fmla="*/ 107949 h 241300"/>
+                  <a:gd name="connsiteX1" fmla="*/ 0 w 342585"/>
+                  <a:gd name="connsiteY1" fmla="*/ 529 h 241300"/>
+                  <a:gd name="connsiteX2" fmla="*/ 172506 w 342585"/>
+                  <a:gd name="connsiteY2" fmla="*/ 0 h 241300"/>
+                  <a:gd name="connsiteX3" fmla="*/ 342585 w 342585"/>
+                  <a:gd name="connsiteY3" fmla="*/ 120650 h 241300"/>
+                  <a:gd name="connsiteX4" fmla="*/ 172506 w 342585"/>
+                  <a:gd name="connsiteY4" fmla="*/ 241300 h 241300"/>
+                  <a:gd name="connsiteX5" fmla="*/ 2427 w 342585"/>
+                  <a:gd name="connsiteY5" fmla="*/ 241300 h 241300"/>
+                  <a:gd name="connsiteX6" fmla="*/ 56402 w 342585"/>
+                  <a:gd name="connsiteY6" fmla="*/ 107949 h 241300"/>
+                  <a:gd name="connsiteX0" fmla="*/ 56402 w 342585"/>
+                  <a:gd name="connsiteY0" fmla="*/ 107949 h 241300"/>
+                  <a:gd name="connsiteX1" fmla="*/ 0 w 342585"/>
+                  <a:gd name="connsiteY1" fmla="*/ 529 h 241300"/>
+                  <a:gd name="connsiteX2" fmla="*/ 172506 w 342585"/>
+                  <a:gd name="connsiteY2" fmla="*/ 0 h 241300"/>
+                  <a:gd name="connsiteX3" fmla="*/ 342585 w 342585"/>
+                  <a:gd name="connsiteY3" fmla="*/ 120650 h 241300"/>
+                  <a:gd name="connsiteX4" fmla="*/ 172506 w 342585"/>
+                  <a:gd name="connsiteY4" fmla="*/ 241300 h 241300"/>
+                  <a:gd name="connsiteX5" fmla="*/ 2427 w 342585"/>
+                  <a:gd name="connsiteY5" fmla="*/ 241300 h 241300"/>
+                  <a:gd name="connsiteX6" fmla="*/ 56402 w 342585"/>
+                  <a:gd name="connsiteY6" fmla="*/ 107949 h 241300"/>
+                  <a:gd name="connsiteX0" fmla="*/ 56402 w 342585"/>
+                  <a:gd name="connsiteY0" fmla="*/ 128587 h 241300"/>
+                  <a:gd name="connsiteX1" fmla="*/ 0 w 342585"/>
+                  <a:gd name="connsiteY1" fmla="*/ 529 h 241300"/>
+                  <a:gd name="connsiteX2" fmla="*/ 172506 w 342585"/>
+                  <a:gd name="connsiteY2" fmla="*/ 0 h 241300"/>
+                  <a:gd name="connsiteX3" fmla="*/ 342585 w 342585"/>
+                  <a:gd name="connsiteY3" fmla="*/ 120650 h 241300"/>
+                  <a:gd name="connsiteX4" fmla="*/ 172506 w 342585"/>
+                  <a:gd name="connsiteY4" fmla="*/ 241300 h 241300"/>
+                  <a:gd name="connsiteX5" fmla="*/ 2427 w 342585"/>
+                  <a:gd name="connsiteY5" fmla="*/ 241300 h 241300"/>
+                  <a:gd name="connsiteX6" fmla="*/ 56402 w 342585"/>
+                  <a:gd name="connsiteY6" fmla="*/ 128587 h 241300"/>
+                  <a:gd name="connsiteX0" fmla="*/ 56402 w 342585"/>
+                  <a:gd name="connsiteY0" fmla="*/ 128587 h 241300"/>
+                  <a:gd name="connsiteX1" fmla="*/ 0 w 342585"/>
+                  <a:gd name="connsiteY1" fmla="*/ 529 h 241300"/>
+                  <a:gd name="connsiteX2" fmla="*/ 172506 w 342585"/>
+                  <a:gd name="connsiteY2" fmla="*/ 0 h 241300"/>
+                  <a:gd name="connsiteX3" fmla="*/ 342585 w 342585"/>
+                  <a:gd name="connsiteY3" fmla="*/ 120650 h 241300"/>
+                  <a:gd name="connsiteX4" fmla="*/ 172506 w 342585"/>
+                  <a:gd name="connsiteY4" fmla="*/ 241300 h 241300"/>
+                  <a:gd name="connsiteX5" fmla="*/ 2427 w 342585"/>
+                  <a:gd name="connsiteY5" fmla="*/ 241300 h 241300"/>
+                  <a:gd name="connsiteX6" fmla="*/ 56402 w 342585"/>
+                  <a:gd name="connsiteY6" fmla="*/ 128587 h 241300"/>
+                  <a:gd name="connsiteX0" fmla="*/ 56402 w 342585"/>
+                  <a:gd name="connsiteY0" fmla="*/ 125412 h 241300"/>
+                  <a:gd name="connsiteX1" fmla="*/ 0 w 342585"/>
+                  <a:gd name="connsiteY1" fmla="*/ 529 h 241300"/>
+                  <a:gd name="connsiteX2" fmla="*/ 172506 w 342585"/>
+                  <a:gd name="connsiteY2" fmla="*/ 0 h 241300"/>
+                  <a:gd name="connsiteX3" fmla="*/ 342585 w 342585"/>
+                  <a:gd name="connsiteY3" fmla="*/ 120650 h 241300"/>
+                  <a:gd name="connsiteX4" fmla="*/ 172506 w 342585"/>
+                  <a:gd name="connsiteY4" fmla="*/ 241300 h 241300"/>
+                  <a:gd name="connsiteX5" fmla="*/ 2427 w 342585"/>
+                  <a:gd name="connsiteY5" fmla="*/ 241300 h 241300"/>
+                  <a:gd name="connsiteX6" fmla="*/ 56402 w 342585"/>
+                  <a:gd name="connsiteY6" fmla="*/ 125412 h 241300"/>
+                  <a:gd name="connsiteX0" fmla="*/ 56402 w 346146"/>
+                  <a:gd name="connsiteY0" fmla="*/ 125412 h 241300"/>
+                  <a:gd name="connsiteX1" fmla="*/ 0 w 346146"/>
+                  <a:gd name="connsiteY1" fmla="*/ 529 h 241300"/>
+                  <a:gd name="connsiteX2" fmla="*/ 172506 w 346146"/>
+                  <a:gd name="connsiteY2" fmla="*/ 0 h 241300"/>
+                  <a:gd name="connsiteX3" fmla="*/ 342585 w 346146"/>
+                  <a:gd name="connsiteY3" fmla="*/ 120650 h 241300"/>
+                  <a:gd name="connsiteX4" fmla="*/ 172506 w 346146"/>
+                  <a:gd name="connsiteY4" fmla="*/ 241300 h 241300"/>
+                  <a:gd name="connsiteX5" fmla="*/ 2427 w 346146"/>
+                  <a:gd name="connsiteY5" fmla="*/ 241300 h 241300"/>
+                  <a:gd name="connsiteX6" fmla="*/ 56402 w 346146"/>
+                  <a:gd name="connsiteY6" fmla="*/ 125412 h 241300"/>
+                  <a:gd name="connsiteX0" fmla="*/ 56402 w 346146"/>
+                  <a:gd name="connsiteY0" fmla="*/ 125412 h 241300"/>
+                  <a:gd name="connsiteX1" fmla="*/ 0 w 346146"/>
+                  <a:gd name="connsiteY1" fmla="*/ 529 h 241300"/>
+                  <a:gd name="connsiteX2" fmla="*/ 172506 w 346146"/>
+                  <a:gd name="connsiteY2" fmla="*/ 0 h 241300"/>
+                  <a:gd name="connsiteX3" fmla="*/ 342585 w 346146"/>
+                  <a:gd name="connsiteY3" fmla="*/ 120650 h 241300"/>
+                  <a:gd name="connsiteX4" fmla="*/ 172506 w 346146"/>
+                  <a:gd name="connsiteY4" fmla="*/ 241300 h 241300"/>
+                  <a:gd name="connsiteX5" fmla="*/ 2427 w 346146"/>
+                  <a:gd name="connsiteY5" fmla="*/ 241300 h 241300"/>
+                  <a:gd name="connsiteX6" fmla="*/ 56402 w 346146"/>
+                  <a:gd name="connsiteY6" fmla="*/ 125412 h 241300"/>
+                  <a:gd name="connsiteX0" fmla="*/ 56402 w 342585"/>
+                  <a:gd name="connsiteY0" fmla="*/ 125412 h 241300"/>
+                  <a:gd name="connsiteX1" fmla="*/ 0 w 342585"/>
+                  <a:gd name="connsiteY1" fmla="*/ 529 h 241300"/>
+                  <a:gd name="connsiteX2" fmla="*/ 172506 w 342585"/>
+                  <a:gd name="connsiteY2" fmla="*/ 0 h 241300"/>
+                  <a:gd name="connsiteX3" fmla="*/ 342585 w 342585"/>
+                  <a:gd name="connsiteY3" fmla="*/ 120650 h 241300"/>
+                  <a:gd name="connsiteX4" fmla="*/ 172506 w 342585"/>
+                  <a:gd name="connsiteY4" fmla="*/ 241300 h 241300"/>
+                  <a:gd name="connsiteX5" fmla="*/ 2427 w 342585"/>
+                  <a:gd name="connsiteY5" fmla="*/ 241300 h 241300"/>
+                  <a:gd name="connsiteX6" fmla="*/ 56402 w 342585"/>
+                  <a:gd name="connsiteY6" fmla="*/ 125412 h 241300"/>
+                  <a:gd name="connsiteX0" fmla="*/ 56402 w 342585"/>
+                  <a:gd name="connsiteY0" fmla="*/ 125412 h 241300"/>
+                  <a:gd name="connsiteX1" fmla="*/ 0 w 342585"/>
+                  <a:gd name="connsiteY1" fmla="*/ 529 h 241300"/>
+                  <a:gd name="connsiteX2" fmla="*/ 172506 w 342585"/>
+                  <a:gd name="connsiteY2" fmla="*/ 0 h 241300"/>
+                  <a:gd name="connsiteX3" fmla="*/ 342585 w 342585"/>
+                  <a:gd name="connsiteY3" fmla="*/ 120650 h 241300"/>
+                  <a:gd name="connsiteX4" fmla="*/ 172506 w 342585"/>
+                  <a:gd name="connsiteY4" fmla="*/ 241300 h 241300"/>
+                  <a:gd name="connsiteX5" fmla="*/ 2427 w 342585"/>
+                  <a:gd name="connsiteY5" fmla="*/ 241300 h 241300"/>
+                  <a:gd name="connsiteX6" fmla="*/ 56402 w 342585"/>
+                  <a:gd name="connsiteY6" fmla="*/ 125412 h 241300"/>
+                  <a:gd name="connsiteX0" fmla="*/ 56402 w 353179"/>
+                  <a:gd name="connsiteY0" fmla="*/ 125412 h 241300"/>
+                  <a:gd name="connsiteX1" fmla="*/ 0 w 353179"/>
+                  <a:gd name="connsiteY1" fmla="*/ 529 h 241300"/>
+                  <a:gd name="connsiteX2" fmla="*/ 172506 w 353179"/>
+                  <a:gd name="connsiteY2" fmla="*/ 0 h 241300"/>
+                  <a:gd name="connsiteX3" fmla="*/ 342585 w 353179"/>
+                  <a:gd name="connsiteY3" fmla="*/ 120650 h 241300"/>
+                  <a:gd name="connsiteX4" fmla="*/ 172506 w 353179"/>
+                  <a:gd name="connsiteY4" fmla="*/ 241300 h 241300"/>
+                  <a:gd name="connsiteX5" fmla="*/ 2427 w 353179"/>
+                  <a:gd name="connsiteY5" fmla="*/ 241300 h 241300"/>
+                  <a:gd name="connsiteX6" fmla="*/ 56402 w 353179"/>
+                  <a:gd name="connsiteY6" fmla="*/ 125412 h 241300"/>
+                  <a:gd name="connsiteX0" fmla="*/ 56402 w 342677"/>
+                  <a:gd name="connsiteY0" fmla="*/ 125412 h 241300"/>
+                  <a:gd name="connsiteX1" fmla="*/ 0 w 342677"/>
+                  <a:gd name="connsiteY1" fmla="*/ 529 h 241300"/>
+                  <a:gd name="connsiteX2" fmla="*/ 172506 w 342677"/>
+                  <a:gd name="connsiteY2" fmla="*/ 0 h 241300"/>
+                  <a:gd name="connsiteX3" fmla="*/ 342585 w 342677"/>
+                  <a:gd name="connsiteY3" fmla="*/ 120650 h 241300"/>
+                  <a:gd name="connsiteX4" fmla="*/ 172506 w 342677"/>
+                  <a:gd name="connsiteY4" fmla="*/ 241300 h 241300"/>
+                  <a:gd name="connsiteX5" fmla="*/ 2427 w 342677"/>
+                  <a:gd name="connsiteY5" fmla="*/ 241300 h 241300"/>
+                  <a:gd name="connsiteX6" fmla="*/ 56402 w 342677"/>
+                  <a:gd name="connsiteY6" fmla="*/ 125412 h 241300"/>
+                  <a:gd name="connsiteX0" fmla="*/ 56402 w 342677"/>
+                  <a:gd name="connsiteY0" fmla="*/ 125412 h 241300"/>
+                  <a:gd name="connsiteX1" fmla="*/ 0 w 342677"/>
+                  <a:gd name="connsiteY1" fmla="*/ 529 h 241300"/>
+                  <a:gd name="connsiteX2" fmla="*/ 172506 w 342677"/>
+                  <a:gd name="connsiteY2" fmla="*/ 0 h 241300"/>
+                  <a:gd name="connsiteX3" fmla="*/ 342585 w 342677"/>
+                  <a:gd name="connsiteY3" fmla="*/ 120650 h 241300"/>
+                  <a:gd name="connsiteX4" fmla="*/ 172506 w 342677"/>
+                  <a:gd name="connsiteY4" fmla="*/ 241300 h 241300"/>
+                  <a:gd name="connsiteX5" fmla="*/ 2427 w 342677"/>
+                  <a:gd name="connsiteY5" fmla="*/ 241300 h 241300"/>
+                  <a:gd name="connsiteX6" fmla="*/ 56402 w 342677"/>
+                  <a:gd name="connsiteY6" fmla="*/ 125412 h 241300"/>
+                  <a:gd name="connsiteX0" fmla="*/ 56402 w 306237"/>
+                  <a:gd name="connsiteY0" fmla="*/ 125412 h 241300"/>
+                  <a:gd name="connsiteX1" fmla="*/ 0 w 306237"/>
+                  <a:gd name="connsiteY1" fmla="*/ 529 h 241300"/>
+                  <a:gd name="connsiteX2" fmla="*/ 172506 w 306237"/>
+                  <a:gd name="connsiteY2" fmla="*/ 0 h 241300"/>
+                  <a:gd name="connsiteX3" fmla="*/ 306073 w 306237"/>
+                  <a:gd name="connsiteY3" fmla="*/ 104775 h 241300"/>
+                  <a:gd name="connsiteX4" fmla="*/ 172506 w 306237"/>
+                  <a:gd name="connsiteY4" fmla="*/ 241300 h 241300"/>
+                  <a:gd name="connsiteX5" fmla="*/ 2427 w 306237"/>
+                  <a:gd name="connsiteY5" fmla="*/ 241300 h 241300"/>
+                  <a:gd name="connsiteX6" fmla="*/ 56402 w 306237"/>
+                  <a:gd name="connsiteY6" fmla="*/ 125412 h 241300"/>
+                  <a:gd name="connsiteX0" fmla="*/ 56402 w 306237"/>
+                  <a:gd name="connsiteY0" fmla="*/ 125412 h 241300"/>
+                  <a:gd name="connsiteX1" fmla="*/ 0 w 306237"/>
+                  <a:gd name="connsiteY1" fmla="*/ 529 h 241300"/>
+                  <a:gd name="connsiteX2" fmla="*/ 172506 w 306237"/>
+                  <a:gd name="connsiteY2" fmla="*/ 0 h 241300"/>
+                  <a:gd name="connsiteX3" fmla="*/ 306073 w 306237"/>
+                  <a:gd name="connsiteY3" fmla="*/ 104775 h 241300"/>
+                  <a:gd name="connsiteX4" fmla="*/ 172506 w 306237"/>
+                  <a:gd name="connsiteY4" fmla="*/ 241300 h 241300"/>
+                  <a:gd name="connsiteX5" fmla="*/ 2427 w 306237"/>
+                  <a:gd name="connsiteY5" fmla="*/ 241300 h 241300"/>
+                  <a:gd name="connsiteX6" fmla="*/ 56402 w 306237"/>
+                  <a:gd name="connsiteY6" fmla="*/ 125412 h 241300"/>
+                  <a:gd name="connsiteX0" fmla="*/ 56402 w 306199"/>
+                  <a:gd name="connsiteY0" fmla="*/ 125412 h 241300"/>
+                  <a:gd name="connsiteX1" fmla="*/ 0 w 306199"/>
+                  <a:gd name="connsiteY1" fmla="*/ 529 h 241300"/>
+                  <a:gd name="connsiteX2" fmla="*/ 172506 w 306199"/>
+                  <a:gd name="connsiteY2" fmla="*/ 0 h 241300"/>
+                  <a:gd name="connsiteX3" fmla="*/ 306073 w 306199"/>
+                  <a:gd name="connsiteY3" fmla="*/ 104775 h 241300"/>
+                  <a:gd name="connsiteX4" fmla="*/ 172506 w 306199"/>
+                  <a:gd name="connsiteY4" fmla="*/ 241300 h 241300"/>
+                  <a:gd name="connsiteX5" fmla="*/ 2427 w 306199"/>
+                  <a:gd name="connsiteY5" fmla="*/ 241300 h 241300"/>
+                  <a:gd name="connsiteX6" fmla="*/ 56402 w 306199"/>
+                  <a:gd name="connsiteY6" fmla="*/ 125412 h 241300"/>
+                  <a:gd name="connsiteX0" fmla="*/ 56402 w 306199"/>
+                  <a:gd name="connsiteY0" fmla="*/ 125412 h 241300"/>
+                  <a:gd name="connsiteX1" fmla="*/ 0 w 306199"/>
+                  <a:gd name="connsiteY1" fmla="*/ 529 h 241300"/>
+                  <a:gd name="connsiteX2" fmla="*/ 172506 w 306199"/>
+                  <a:gd name="connsiteY2" fmla="*/ 0 h 241300"/>
+                  <a:gd name="connsiteX3" fmla="*/ 306073 w 306199"/>
+                  <a:gd name="connsiteY3" fmla="*/ 128587 h 241300"/>
+                  <a:gd name="connsiteX4" fmla="*/ 172506 w 306199"/>
+                  <a:gd name="connsiteY4" fmla="*/ 241300 h 241300"/>
+                  <a:gd name="connsiteX5" fmla="*/ 2427 w 306199"/>
+                  <a:gd name="connsiteY5" fmla="*/ 241300 h 241300"/>
+                  <a:gd name="connsiteX6" fmla="*/ 56402 w 306199"/>
+                  <a:gd name="connsiteY6" fmla="*/ 125412 h 241300"/>
+                  <a:gd name="connsiteX0" fmla="*/ 56402 w 306199"/>
+                  <a:gd name="connsiteY0" fmla="*/ 125412 h 241300"/>
+                  <a:gd name="connsiteX1" fmla="*/ 0 w 306199"/>
+                  <a:gd name="connsiteY1" fmla="*/ 529 h 241300"/>
+                  <a:gd name="connsiteX2" fmla="*/ 172506 w 306199"/>
+                  <a:gd name="connsiteY2" fmla="*/ 0 h 241300"/>
+                  <a:gd name="connsiteX3" fmla="*/ 306073 w 306199"/>
+                  <a:gd name="connsiteY3" fmla="*/ 122237 h 241300"/>
+                  <a:gd name="connsiteX4" fmla="*/ 172506 w 306199"/>
+                  <a:gd name="connsiteY4" fmla="*/ 241300 h 241300"/>
+                  <a:gd name="connsiteX5" fmla="*/ 2427 w 306199"/>
+                  <a:gd name="connsiteY5" fmla="*/ 241300 h 241300"/>
+                  <a:gd name="connsiteX6" fmla="*/ 56402 w 306199"/>
+                  <a:gd name="connsiteY6" fmla="*/ 125412 h 241300"/>
+                  <a:gd name="connsiteX0" fmla="*/ 56402 w 306096"/>
+                  <a:gd name="connsiteY0" fmla="*/ 125412 h 241300"/>
+                  <a:gd name="connsiteX1" fmla="*/ 0 w 306096"/>
+                  <a:gd name="connsiteY1" fmla="*/ 529 h 241300"/>
+                  <a:gd name="connsiteX2" fmla="*/ 172506 w 306096"/>
+                  <a:gd name="connsiteY2" fmla="*/ 0 h 241300"/>
+                  <a:gd name="connsiteX3" fmla="*/ 306073 w 306096"/>
+                  <a:gd name="connsiteY3" fmla="*/ 122237 h 241300"/>
+                  <a:gd name="connsiteX4" fmla="*/ 172506 w 306096"/>
+                  <a:gd name="connsiteY4" fmla="*/ 241300 h 241300"/>
+                  <a:gd name="connsiteX5" fmla="*/ 2427 w 306096"/>
+                  <a:gd name="connsiteY5" fmla="*/ 241300 h 241300"/>
+                  <a:gd name="connsiteX6" fmla="*/ 56402 w 306096"/>
+                  <a:gd name="connsiteY6" fmla="*/ 125412 h 241300"/>
+                  <a:gd name="connsiteX0" fmla="*/ 56402 w 352654"/>
+                  <a:gd name="connsiteY0" fmla="*/ 125412 h 241300"/>
+                  <a:gd name="connsiteX1" fmla="*/ 0 w 352654"/>
+                  <a:gd name="connsiteY1" fmla="*/ 529 h 241300"/>
+                  <a:gd name="connsiteX2" fmla="*/ 172506 w 352654"/>
+                  <a:gd name="connsiteY2" fmla="*/ 0 h 241300"/>
+                  <a:gd name="connsiteX3" fmla="*/ 352639 w 352654"/>
+                  <a:gd name="connsiteY3" fmla="*/ 124353 h 241300"/>
+                  <a:gd name="connsiteX4" fmla="*/ 172506 w 352654"/>
+                  <a:gd name="connsiteY4" fmla="*/ 241300 h 241300"/>
+                  <a:gd name="connsiteX5" fmla="*/ 2427 w 352654"/>
+                  <a:gd name="connsiteY5" fmla="*/ 241300 h 241300"/>
+                  <a:gd name="connsiteX6" fmla="*/ 56402 w 352654"/>
+                  <a:gd name="connsiteY6" fmla="*/ 125412 h 241300"/>
+                  <a:gd name="connsiteX0" fmla="*/ 56402 w 353537"/>
+                  <a:gd name="connsiteY0" fmla="*/ 125412 h 241300"/>
+                  <a:gd name="connsiteX1" fmla="*/ 0 w 353537"/>
+                  <a:gd name="connsiteY1" fmla="*/ 529 h 241300"/>
+                  <a:gd name="connsiteX2" fmla="*/ 231772 w 353537"/>
+                  <a:gd name="connsiteY2" fmla="*/ 0 h 241300"/>
+                  <a:gd name="connsiteX3" fmla="*/ 352639 w 353537"/>
+                  <a:gd name="connsiteY3" fmla="*/ 124353 h 241300"/>
+                  <a:gd name="connsiteX4" fmla="*/ 172506 w 353537"/>
+                  <a:gd name="connsiteY4" fmla="*/ 241300 h 241300"/>
+                  <a:gd name="connsiteX5" fmla="*/ 2427 w 353537"/>
+                  <a:gd name="connsiteY5" fmla="*/ 241300 h 241300"/>
+                  <a:gd name="connsiteX6" fmla="*/ 56402 w 353537"/>
+                  <a:gd name="connsiteY6" fmla="*/ 125412 h 241300"/>
+                  <a:gd name="connsiteX0" fmla="*/ 56402 w 352648"/>
+                  <a:gd name="connsiteY0" fmla="*/ 125412 h 241300"/>
+                  <a:gd name="connsiteX1" fmla="*/ 0 w 352648"/>
+                  <a:gd name="connsiteY1" fmla="*/ 529 h 241300"/>
+                  <a:gd name="connsiteX2" fmla="*/ 231772 w 352648"/>
+                  <a:gd name="connsiteY2" fmla="*/ 0 h 241300"/>
+                  <a:gd name="connsiteX3" fmla="*/ 352639 w 352648"/>
+                  <a:gd name="connsiteY3" fmla="*/ 124353 h 241300"/>
+                  <a:gd name="connsiteX4" fmla="*/ 236006 w 352648"/>
+                  <a:gd name="connsiteY4" fmla="*/ 241300 h 241300"/>
+                  <a:gd name="connsiteX5" fmla="*/ 2427 w 352648"/>
+                  <a:gd name="connsiteY5" fmla="*/ 241300 h 241300"/>
+                  <a:gd name="connsiteX6" fmla="*/ 56402 w 352648"/>
+                  <a:gd name="connsiteY6" fmla="*/ 125412 h 241300"/>
+                  <a:gd name="connsiteX0" fmla="*/ 56402 w 346300"/>
+                  <a:gd name="connsiteY0" fmla="*/ 125412 h 241300"/>
+                  <a:gd name="connsiteX1" fmla="*/ 0 w 346300"/>
+                  <a:gd name="connsiteY1" fmla="*/ 529 h 241300"/>
+                  <a:gd name="connsiteX2" fmla="*/ 231772 w 346300"/>
+                  <a:gd name="connsiteY2" fmla="*/ 0 h 241300"/>
+                  <a:gd name="connsiteX3" fmla="*/ 346289 w 346300"/>
+                  <a:gd name="connsiteY3" fmla="*/ 124353 h 241300"/>
+                  <a:gd name="connsiteX4" fmla="*/ 236006 w 346300"/>
+                  <a:gd name="connsiteY4" fmla="*/ 241300 h 241300"/>
+                  <a:gd name="connsiteX5" fmla="*/ 2427 w 346300"/>
+                  <a:gd name="connsiteY5" fmla="*/ 241300 h 241300"/>
+                  <a:gd name="connsiteX6" fmla="*/ 56402 w 346300"/>
+                  <a:gd name="connsiteY6" fmla="*/ 125412 h 241300"/>
+                  <a:gd name="connsiteX0" fmla="*/ 56402 w 346300"/>
+                  <a:gd name="connsiteY0" fmla="*/ 125412 h 241300"/>
+                  <a:gd name="connsiteX1" fmla="*/ 0 w 346300"/>
+                  <a:gd name="connsiteY1" fmla="*/ 529 h 241300"/>
+                  <a:gd name="connsiteX2" fmla="*/ 231772 w 346300"/>
+                  <a:gd name="connsiteY2" fmla="*/ 0 h 241300"/>
+                  <a:gd name="connsiteX3" fmla="*/ 346289 w 346300"/>
+                  <a:gd name="connsiteY3" fmla="*/ 126470 h 241300"/>
+                  <a:gd name="connsiteX4" fmla="*/ 236006 w 346300"/>
+                  <a:gd name="connsiteY4" fmla="*/ 241300 h 241300"/>
+                  <a:gd name="connsiteX5" fmla="*/ 2427 w 346300"/>
+                  <a:gd name="connsiteY5" fmla="*/ 241300 h 241300"/>
+                  <a:gd name="connsiteX6" fmla="*/ 56402 w 346300"/>
+                  <a:gd name="connsiteY6" fmla="*/ 125412 h 241300"/>
+                  <a:gd name="connsiteX0" fmla="*/ 56402 w 342069"/>
+                  <a:gd name="connsiteY0" fmla="*/ 125412 h 241300"/>
+                  <a:gd name="connsiteX1" fmla="*/ 0 w 342069"/>
+                  <a:gd name="connsiteY1" fmla="*/ 529 h 241300"/>
+                  <a:gd name="connsiteX2" fmla="*/ 231772 w 342069"/>
+                  <a:gd name="connsiteY2" fmla="*/ 0 h 241300"/>
+                  <a:gd name="connsiteX3" fmla="*/ 342056 w 342069"/>
+                  <a:gd name="connsiteY3" fmla="*/ 113770 h 241300"/>
+                  <a:gd name="connsiteX4" fmla="*/ 236006 w 342069"/>
+                  <a:gd name="connsiteY4" fmla="*/ 241300 h 241300"/>
+                  <a:gd name="connsiteX5" fmla="*/ 2427 w 342069"/>
+                  <a:gd name="connsiteY5" fmla="*/ 241300 h 241300"/>
+                  <a:gd name="connsiteX6" fmla="*/ 56402 w 342069"/>
+                  <a:gd name="connsiteY6" fmla="*/ 125412 h 241300"/>
+                  <a:gd name="connsiteX0" fmla="*/ 56402 w 344616"/>
+                  <a:gd name="connsiteY0" fmla="*/ 125412 h 241300"/>
+                  <a:gd name="connsiteX1" fmla="*/ 0 w 344616"/>
+                  <a:gd name="connsiteY1" fmla="*/ 529 h 241300"/>
+                  <a:gd name="connsiteX2" fmla="*/ 231772 w 344616"/>
+                  <a:gd name="connsiteY2" fmla="*/ 0 h 241300"/>
+                  <a:gd name="connsiteX3" fmla="*/ 342056 w 344616"/>
+                  <a:gd name="connsiteY3" fmla="*/ 113770 h 241300"/>
+                  <a:gd name="connsiteX4" fmla="*/ 236006 w 344616"/>
+                  <a:gd name="connsiteY4" fmla="*/ 241300 h 241300"/>
+                  <a:gd name="connsiteX5" fmla="*/ 2427 w 344616"/>
+                  <a:gd name="connsiteY5" fmla="*/ 241300 h 241300"/>
+                  <a:gd name="connsiteX6" fmla="*/ 56402 w 344616"/>
+                  <a:gd name="connsiteY6" fmla="*/ 125412 h 241300"/>
+                  <a:gd name="connsiteX0" fmla="*/ 56402 w 344616"/>
+                  <a:gd name="connsiteY0" fmla="*/ 125412 h 241300"/>
+                  <a:gd name="connsiteX1" fmla="*/ 0 w 344616"/>
+                  <a:gd name="connsiteY1" fmla="*/ 529 h 241300"/>
+                  <a:gd name="connsiteX2" fmla="*/ 231772 w 344616"/>
+                  <a:gd name="connsiteY2" fmla="*/ 0 h 241300"/>
+                  <a:gd name="connsiteX3" fmla="*/ 342056 w 344616"/>
+                  <a:gd name="connsiteY3" fmla="*/ 113770 h 241300"/>
+                  <a:gd name="connsiteX4" fmla="*/ 236006 w 344616"/>
+                  <a:gd name="connsiteY4" fmla="*/ 241300 h 241300"/>
+                  <a:gd name="connsiteX5" fmla="*/ 2427 w 344616"/>
+                  <a:gd name="connsiteY5" fmla="*/ 241300 h 241300"/>
+                  <a:gd name="connsiteX6" fmla="*/ 56402 w 344616"/>
+                  <a:gd name="connsiteY6" fmla="*/ 125412 h 241300"/>
+                  <a:gd name="connsiteX0" fmla="*/ 56402 w 342056"/>
+                  <a:gd name="connsiteY0" fmla="*/ 125412 h 241300"/>
+                  <a:gd name="connsiteX1" fmla="*/ 0 w 342056"/>
+                  <a:gd name="connsiteY1" fmla="*/ 529 h 241300"/>
+                  <a:gd name="connsiteX2" fmla="*/ 231772 w 342056"/>
+                  <a:gd name="connsiteY2" fmla="*/ 0 h 241300"/>
+                  <a:gd name="connsiteX3" fmla="*/ 342056 w 342056"/>
+                  <a:gd name="connsiteY3" fmla="*/ 113770 h 241300"/>
+                  <a:gd name="connsiteX4" fmla="*/ 236006 w 342056"/>
+                  <a:gd name="connsiteY4" fmla="*/ 241300 h 241300"/>
+                  <a:gd name="connsiteX5" fmla="*/ 2427 w 342056"/>
+                  <a:gd name="connsiteY5" fmla="*/ 241300 h 241300"/>
+                  <a:gd name="connsiteX6" fmla="*/ 56402 w 342056"/>
+                  <a:gd name="connsiteY6" fmla="*/ 125412 h 241300"/>
+                  <a:gd name="connsiteX0" fmla="*/ 56402 w 342056"/>
+                  <a:gd name="connsiteY0" fmla="*/ 125412 h 241300"/>
+                  <a:gd name="connsiteX1" fmla="*/ 0 w 342056"/>
+                  <a:gd name="connsiteY1" fmla="*/ 529 h 241300"/>
+                  <a:gd name="connsiteX2" fmla="*/ 231772 w 342056"/>
+                  <a:gd name="connsiteY2" fmla="*/ 0 h 241300"/>
+                  <a:gd name="connsiteX3" fmla="*/ 342056 w 342056"/>
+                  <a:gd name="connsiteY3" fmla="*/ 113770 h 241300"/>
+                  <a:gd name="connsiteX4" fmla="*/ 236006 w 342056"/>
+                  <a:gd name="connsiteY4" fmla="*/ 241300 h 241300"/>
+                  <a:gd name="connsiteX5" fmla="*/ 2427 w 342056"/>
+                  <a:gd name="connsiteY5" fmla="*/ 241300 h 241300"/>
+                  <a:gd name="connsiteX6" fmla="*/ 56402 w 342056"/>
+                  <a:gd name="connsiteY6" fmla="*/ 125412 h 241300"/>
+                  <a:gd name="connsiteX0" fmla="*/ 56402 w 342056"/>
+                  <a:gd name="connsiteY0" fmla="*/ 125412 h 241300"/>
+                  <a:gd name="connsiteX1" fmla="*/ 0 w 342056"/>
+                  <a:gd name="connsiteY1" fmla="*/ 529 h 241300"/>
+                  <a:gd name="connsiteX2" fmla="*/ 231772 w 342056"/>
+                  <a:gd name="connsiteY2" fmla="*/ 0 h 241300"/>
+                  <a:gd name="connsiteX3" fmla="*/ 342056 w 342056"/>
+                  <a:gd name="connsiteY3" fmla="*/ 113770 h 241300"/>
+                  <a:gd name="connsiteX4" fmla="*/ 236006 w 342056"/>
+                  <a:gd name="connsiteY4" fmla="*/ 241300 h 241300"/>
+                  <a:gd name="connsiteX5" fmla="*/ 2427 w 342056"/>
+                  <a:gd name="connsiteY5" fmla="*/ 241300 h 241300"/>
+                  <a:gd name="connsiteX6" fmla="*/ 56402 w 342056"/>
+                  <a:gd name="connsiteY6" fmla="*/ 125412 h 241300"/>
+                  <a:gd name="connsiteX0" fmla="*/ 56402 w 342056"/>
+                  <a:gd name="connsiteY0" fmla="*/ 125412 h 241300"/>
+                  <a:gd name="connsiteX1" fmla="*/ 0 w 342056"/>
+                  <a:gd name="connsiteY1" fmla="*/ 529 h 241300"/>
+                  <a:gd name="connsiteX2" fmla="*/ 231772 w 342056"/>
+                  <a:gd name="connsiteY2" fmla="*/ 0 h 241300"/>
+                  <a:gd name="connsiteX3" fmla="*/ 342056 w 342056"/>
+                  <a:gd name="connsiteY3" fmla="*/ 113770 h 241300"/>
+                  <a:gd name="connsiteX4" fmla="*/ 236006 w 342056"/>
+                  <a:gd name="connsiteY4" fmla="*/ 241300 h 241300"/>
+                  <a:gd name="connsiteX5" fmla="*/ 2427 w 342056"/>
+                  <a:gd name="connsiteY5" fmla="*/ 241300 h 241300"/>
+                  <a:gd name="connsiteX6" fmla="*/ 56402 w 342056"/>
+                  <a:gd name="connsiteY6" fmla="*/ 125412 h 241300"/>
+                  <a:gd name="connsiteX0" fmla="*/ 56402 w 342056"/>
+                  <a:gd name="connsiteY0" fmla="*/ 125412 h 241300"/>
+                  <a:gd name="connsiteX1" fmla="*/ 0 w 342056"/>
+                  <a:gd name="connsiteY1" fmla="*/ 529 h 241300"/>
+                  <a:gd name="connsiteX2" fmla="*/ 231772 w 342056"/>
+                  <a:gd name="connsiteY2" fmla="*/ 0 h 241300"/>
+                  <a:gd name="connsiteX3" fmla="*/ 342056 w 342056"/>
+                  <a:gd name="connsiteY3" fmla="*/ 113770 h 241300"/>
+                  <a:gd name="connsiteX4" fmla="*/ 236006 w 342056"/>
+                  <a:gd name="connsiteY4" fmla="*/ 241300 h 241300"/>
+                  <a:gd name="connsiteX5" fmla="*/ 2427 w 342056"/>
+                  <a:gd name="connsiteY5" fmla="*/ 241300 h 241300"/>
+                  <a:gd name="connsiteX6" fmla="*/ 56402 w 342056"/>
+                  <a:gd name="connsiteY6" fmla="*/ 125412 h 241300"/>
+                  <a:gd name="connsiteX0" fmla="*/ 56402 w 342056"/>
+                  <a:gd name="connsiteY0" fmla="*/ 124883 h 240771"/>
+                  <a:gd name="connsiteX1" fmla="*/ 0 w 342056"/>
+                  <a:gd name="connsiteY1" fmla="*/ 0 h 240771"/>
+                  <a:gd name="connsiteX2" fmla="*/ 342056 w 342056"/>
+                  <a:gd name="connsiteY2" fmla="*/ 113241 h 240771"/>
+                  <a:gd name="connsiteX3" fmla="*/ 236006 w 342056"/>
+                  <a:gd name="connsiteY3" fmla="*/ 240771 h 240771"/>
+                  <a:gd name="connsiteX4" fmla="*/ 2427 w 342056"/>
+                  <a:gd name="connsiteY4" fmla="*/ 240771 h 240771"/>
+                  <a:gd name="connsiteX5" fmla="*/ 56402 w 342056"/>
+                  <a:gd name="connsiteY5" fmla="*/ 124883 h 240771"/>
+                  <a:gd name="connsiteX0" fmla="*/ 342056 w 433496"/>
+                  <a:gd name="connsiteY0" fmla="*/ 113241 h 240771"/>
+                  <a:gd name="connsiteX1" fmla="*/ 236006 w 433496"/>
+                  <a:gd name="connsiteY1" fmla="*/ 240771 h 240771"/>
+                  <a:gd name="connsiteX2" fmla="*/ 2427 w 433496"/>
+                  <a:gd name="connsiteY2" fmla="*/ 240771 h 240771"/>
+                  <a:gd name="connsiteX3" fmla="*/ 56402 w 433496"/>
+                  <a:gd name="connsiteY3" fmla="*/ 124883 h 240771"/>
+                  <a:gd name="connsiteX4" fmla="*/ 0 w 433496"/>
+                  <a:gd name="connsiteY4" fmla="*/ 0 h 240771"/>
+                  <a:gd name="connsiteX5" fmla="*/ 433496 w 433496"/>
+                  <a:gd name="connsiteY5" fmla="*/ 204681 h 240771"/>
+                  <a:gd name="connsiteX0" fmla="*/ 342056 w 342056"/>
+                  <a:gd name="connsiteY0" fmla="*/ 113241 h 240771"/>
+                  <a:gd name="connsiteX1" fmla="*/ 236006 w 342056"/>
+                  <a:gd name="connsiteY1" fmla="*/ 240771 h 240771"/>
+                  <a:gd name="connsiteX2" fmla="*/ 2427 w 342056"/>
+                  <a:gd name="connsiteY2" fmla="*/ 240771 h 240771"/>
+                  <a:gd name="connsiteX3" fmla="*/ 56402 w 342056"/>
+                  <a:gd name="connsiteY3" fmla="*/ 124883 h 240771"/>
+                  <a:gd name="connsiteX4" fmla="*/ 0 w 342056"/>
+                  <a:gd name="connsiteY4" fmla="*/ 0 h 240771"/>
+                  <a:gd name="connsiteX0" fmla="*/ 236006 w 236006"/>
+                  <a:gd name="connsiteY0" fmla="*/ 240771 h 240771"/>
+                  <a:gd name="connsiteX1" fmla="*/ 2427 w 236006"/>
+                  <a:gd name="connsiteY1" fmla="*/ 240771 h 240771"/>
+                  <a:gd name="connsiteX2" fmla="*/ 56402 w 236006"/>
+                  <a:gd name="connsiteY2" fmla="*/ 124883 h 240771"/>
+                  <a:gd name="connsiteX3" fmla="*/ 0 w 236006"/>
+                  <a:gd name="connsiteY3" fmla="*/ 0 h 240771"/>
+                  <a:gd name="connsiteX0" fmla="*/ 2427 w 56538"/>
+                  <a:gd name="connsiteY0" fmla="*/ 240771 h 240771"/>
+                  <a:gd name="connsiteX1" fmla="*/ 56402 w 56538"/>
+                  <a:gd name="connsiteY1" fmla="*/ 124883 h 240771"/>
+                  <a:gd name="connsiteX2" fmla="*/ 0 w 56538"/>
+                  <a:gd name="connsiteY2" fmla="*/ 0 h 240771"/>
+                </a:gdLst>
+                <a:ahLst/>
+                <a:cxnLst>
+                  <a:cxn ang="0">
+                    <a:pos x="connsiteX0" y="connsiteY0"/>
+                  </a:cxn>
+                  <a:cxn ang="0">
+                    <a:pos x="connsiteX1" y="connsiteY1"/>
+                  </a:cxn>
+                  <a:cxn ang="0">
+                    <a:pos x="connsiteX2" y="connsiteY2"/>
+                  </a:cxn>
+                </a:cxnLst>
+                <a:rect l="l" t="t" r="r" b="b"/>
+                <a:pathLst>
+                  <a:path w="56538" h="240771">
+                    <a:moveTo>
+                      <a:pt x="2427" y="240771"/>
+                    </a:moveTo>
+                    <a:cubicBezTo>
+                      <a:pt x="48164" y="178594"/>
+                      <a:pt x="55218" y="153898"/>
+                      <a:pt x="56402" y="124883"/>
+                    </a:cubicBezTo>
+                    <a:cubicBezTo>
+                      <a:pt x="57586" y="95868"/>
+                      <a:pt x="52087" y="57415"/>
+                      <a:pt x="0" y="0"/>
+                    </a:cubicBezTo>
+                  </a:path>
+                </a:pathLst>
+              </a:custGeom>
+              <a:noFill/>
+            </p:spPr>
+            <p:style>
+              <a:lnRef idx="2">
+                <a:schemeClr val="dk1"/>
+              </a:lnRef>
+              <a:fillRef idx="1">
+                <a:schemeClr val="lt1"/>
+              </a:fillRef>
+              <a:effectRef idx="0">
+                <a:schemeClr val="dk1"/>
+              </a:effectRef>
+              <a:fontRef idx="minor">
+                <a:schemeClr val="dk1"/>
+              </a:fontRef>
+            </p:style>
+            <p:txBody>
+              <a:bodyPr rtlCol="0" anchor="ctr"/>
+              <a:lstStyle/>
+              <a:p>
+                <a:pPr algn="ctr"/>
+                <a:endParaRPr lang="en-GB" dirty="0"/>
+              </a:p>
+            </p:txBody>
+          </p:sp>
+        </p:grpSp>
+      </p:grpSp>
+      <p:grpSp>
+        <p:nvGrpSpPr>
+          <p:cNvPr id="251" name="Group 250">
+            <a:extLst>
+              <a:ext uri="{FF2B5EF4-FFF2-40B4-BE49-F238E27FC236}">
+                <a16:creationId xmlns:a16="http://schemas.microsoft.com/office/drawing/2014/main" id="{B323C615-4256-B916-FAA9-69583599138A}"/>
+              </a:ext>
+            </a:extLst>
+          </p:cNvPr>
+          <p:cNvGrpSpPr/>
+          <p:nvPr/>
+        </p:nvGrpSpPr>
+        <p:grpSpPr>
+          <a:xfrm>
+            <a:off x="9646916" y="2143181"/>
+            <a:ext cx="780179" cy="812200"/>
+            <a:chOff x="9678666" y="1870131"/>
+            <a:chExt cx="780179" cy="812200"/>
+          </a:xfrm>
+        </p:grpSpPr>
+        <p:sp>
+          <p:nvSpPr>
+            <p:cNvPr id="22" name="Rectangle 21">
+              <a:extLst>
+                <a:ext uri="{FF2B5EF4-FFF2-40B4-BE49-F238E27FC236}">
+                  <a16:creationId xmlns:a16="http://schemas.microsoft.com/office/drawing/2014/main" id="{9F993EDE-4A48-5D54-2D3A-0FB612B13113}"/>
+                </a:ext>
+              </a:extLst>
+            </p:cNvPr>
+            <p:cNvSpPr/>
+            <p:nvPr/>
+          </p:nvSpPr>
+          <p:spPr>
+            <a:xfrm>
+              <a:off x="9877429" y="1926070"/>
+              <a:ext cx="581416" cy="756261"/>
+            </a:xfrm>
+            <a:prstGeom prst="rect">
+              <a:avLst/>
+            </a:prstGeom>
+            <a:solidFill>
+              <a:schemeClr val="bg1"/>
+            </a:solidFill>
+            <a:ln>
+              <a:solidFill>
+                <a:schemeClr val="tx1"/>
+              </a:solidFill>
+            </a:ln>
+            <a:effectLst>
+              <a:outerShdw blurRad="50800" dist="38100" dir="2700000" algn="tl" rotWithShape="0">
+                <a:prstClr val="black">
+                  <a:alpha val="40000"/>
+                </a:prstClr>
+              </a:outerShdw>
+            </a:effectLst>
+          </p:spPr>
+          <p:style>
+            <a:lnRef idx="2">
+              <a:schemeClr val="accent1">
+                <a:shade val="50000"/>
+              </a:schemeClr>
+            </a:lnRef>
+            <a:fillRef idx="1">
+              <a:schemeClr val="accent1"/>
+            </a:fillRef>
+            <a:effectRef idx="0">
+              <a:schemeClr val="accent1"/>
+            </a:effectRef>
+            <a:fontRef idx="minor">
+              <a:schemeClr val="lt1"/>
+            </a:fontRef>
+          </p:style>
+          <p:txBody>
+            <a:bodyPr rtlCol="0" anchor="ctr"/>
+            <a:lstStyle/>
+            <a:p>
+              <a:pPr algn="ctr"/>
+              <a:endParaRPr lang="en-GB">
+                <a:solidFill>
+                  <a:schemeClr val="tx1"/>
+                </a:solidFill>
+              </a:endParaRPr>
+            </a:p>
+          </p:txBody>
+        </p:sp>
+        <p:grpSp>
+          <p:nvGrpSpPr>
+            <p:cNvPr id="23" name="Group 22">
+              <a:extLst>
+                <a:ext uri="{FF2B5EF4-FFF2-40B4-BE49-F238E27FC236}">
+                  <a16:creationId xmlns:a16="http://schemas.microsoft.com/office/drawing/2014/main" id="{2BB333CC-9B1B-80B8-0823-0DC96F1203D9}"/>
+                </a:ext>
+              </a:extLst>
+            </p:cNvPr>
+            <p:cNvGrpSpPr/>
+            <p:nvPr/>
+          </p:nvGrpSpPr>
+          <p:grpSpPr>
+            <a:xfrm>
+              <a:off x="9877429" y="2392152"/>
+              <a:ext cx="118030" cy="208875"/>
+              <a:chOff x="8388570" y="2302315"/>
+              <a:chExt cx="61130" cy="108180"/>
+            </a:xfrm>
+          </p:grpSpPr>
+          <p:cxnSp>
+            <p:nvCxnSpPr>
+              <p:cNvPr id="24" name="Straight Connector 23">
+                <a:extLst>
+                  <a:ext uri="{FF2B5EF4-FFF2-40B4-BE49-F238E27FC236}">
+                    <a16:creationId xmlns:a16="http://schemas.microsoft.com/office/drawing/2014/main" id="{ADDA2A35-C0AD-A529-B048-F38BD3E096BE}"/>
+                  </a:ext>
+                </a:extLst>
+              </p:cNvPr>
+              <p:cNvCxnSpPr>
+                <a:cxnSpLocks/>
+              </p:cNvCxnSpPr>
+              <p:nvPr/>
+            </p:nvCxnSpPr>
+            <p:spPr>
+              <a:xfrm>
+                <a:off x="8391518" y="2302315"/>
+                <a:ext cx="58182" cy="56934"/>
+              </a:xfrm>
+              <a:prstGeom prst="line">
+                <a:avLst/>
+              </a:prstGeom>
+              <a:ln>
+                <a:solidFill>
+                  <a:schemeClr val="tx1"/>
+                </a:solidFill>
+              </a:ln>
+            </p:spPr>
+            <p:style>
+              <a:lnRef idx="1">
+                <a:schemeClr val="accent1"/>
+              </a:lnRef>
+              <a:fillRef idx="0">
+                <a:schemeClr val="accent1"/>
+              </a:fillRef>
+              <a:effectRef idx="0">
+                <a:schemeClr val="accent1"/>
+              </a:effectRef>
+              <a:fontRef idx="minor">
+                <a:schemeClr val="tx1"/>
+              </a:fontRef>
+            </p:style>
+          </p:cxnSp>
+          <p:cxnSp>
+            <p:nvCxnSpPr>
+              <p:cNvPr id="25" name="Straight Connector 24">
+                <a:extLst>
+                  <a:ext uri="{FF2B5EF4-FFF2-40B4-BE49-F238E27FC236}">
+                    <a16:creationId xmlns:a16="http://schemas.microsoft.com/office/drawing/2014/main" id="{9202081F-5660-7A68-918E-3C73F0BD89AB}"/>
+                  </a:ext>
+                </a:extLst>
+              </p:cNvPr>
+              <p:cNvCxnSpPr>
+                <a:cxnSpLocks/>
+              </p:cNvCxnSpPr>
+              <p:nvPr/>
+            </p:nvCxnSpPr>
+            <p:spPr>
+              <a:xfrm flipV="1">
+                <a:off x="8388570" y="2359249"/>
+                <a:ext cx="61130" cy="51246"/>
+              </a:xfrm>
+              <a:prstGeom prst="line">
+                <a:avLst/>
+              </a:prstGeom>
+              <a:ln>
+                <a:solidFill>
+                  <a:schemeClr val="tx1"/>
+                </a:solidFill>
+              </a:ln>
+            </p:spPr>
+            <p:style>
+              <a:lnRef idx="1">
+                <a:schemeClr val="accent1"/>
+              </a:lnRef>
+              <a:fillRef idx="0">
+                <a:schemeClr val="accent1"/>
+              </a:fillRef>
+              <a:effectRef idx="0">
+                <a:schemeClr val="accent1"/>
+              </a:effectRef>
+              <a:fontRef idx="minor">
+                <a:schemeClr val="tx1"/>
+              </a:fontRef>
+            </p:style>
+          </p:cxnSp>
+        </p:grpSp>
+        <p:sp>
+          <p:nvSpPr>
+            <p:cNvPr id="26" name="TextBox 25">
+              <a:extLst>
+                <a:ext uri="{FF2B5EF4-FFF2-40B4-BE49-F238E27FC236}">
+                  <a16:creationId xmlns:a16="http://schemas.microsoft.com/office/drawing/2014/main" id="{BDCF4AE0-B8AB-A4D7-A592-5C853A9C061F}"/>
+                </a:ext>
+              </a:extLst>
+            </p:cNvPr>
+            <p:cNvSpPr txBox="1"/>
+            <p:nvPr/>
+          </p:nvSpPr>
+          <p:spPr>
+            <a:xfrm>
+              <a:off x="9877429" y="1870131"/>
+              <a:ext cx="327334" cy="369332"/>
+            </a:xfrm>
+            <a:prstGeom prst="rect">
+              <a:avLst/>
+            </a:prstGeom>
+            <a:noFill/>
+          </p:spPr>
+          <p:txBody>
+            <a:bodyPr wrap="none" lIns="36000" rIns="36000" rtlCol="0">
+              <a:spAutoFit/>
+            </a:bodyPr>
+            <a:lstStyle>
+              <a:defPPr>
+                <a:defRPr lang="en-US"/>
+              </a:defPPr>
+            </a:lstStyle>
+            <a:p>
+              <a:r>
+                <a:rPr lang="en-GB" dirty="0"/>
+                <a:t>D</a:t>
+              </a:r>
+            </a:p>
+          </p:txBody>
+        </p:sp>
+        <p:sp>
+          <p:nvSpPr>
+            <p:cNvPr id="27" name="TextBox 26">
+              <a:extLst>
+                <a:ext uri="{FF2B5EF4-FFF2-40B4-BE49-F238E27FC236}">
+                  <a16:creationId xmlns:a16="http://schemas.microsoft.com/office/drawing/2014/main" id="{C1FBBA47-0BF7-ACE5-01B0-C4133C36D6F8}"/>
+                </a:ext>
+              </a:extLst>
+            </p:cNvPr>
+            <p:cNvSpPr txBox="1"/>
+            <p:nvPr/>
+          </p:nvSpPr>
+          <p:spPr>
+            <a:xfrm>
+              <a:off x="10229790" y="1870131"/>
+              <a:ext cx="228194" cy="369332"/>
+            </a:xfrm>
+            <a:prstGeom prst="rect">
+              <a:avLst/>
+            </a:prstGeom>
+            <a:noFill/>
+          </p:spPr>
+          <p:txBody>
+            <a:bodyPr wrap="none" lIns="36000" rIns="36000" rtlCol="0">
+              <a:spAutoFit/>
+            </a:bodyPr>
+            <a:lstStyle>
+              <a:defPPr>
+                <a:defRPr lang="en-US"/>
+              </a:defPPr>
+            </a:lstStyle>
+            <a:p>
+              <a:pPr algn="r"/>
+              <a:r>
+                <a:rPr lang="en-GB" dirty="0"/>
+                <a:t>Q</a:t>
+              </a:r>
+            </a:p>
+          </p:txBody>
+        </p:sp>
+        <p:cxnSp>
+          <p:nvCxnSpPr>
+            <p:cNvPr id="29" name="Straight Connector 28">
+              <a:extLst>
+                <a:ext uri="{FF2B5EF4-FFF2-40B4-BE49-F238E27FC236}">
+                  <a16:creationId xmlns:a16="http://schemas.microsoft.com/office/drawing/2014/main" id="{2BBEE6A4-1A8D-E788-7C45-B87B03B25AAD}"/>
+                </a:ext>
+              </a:extLst>
+            </p:cNvPr>
+            <p:cNvCxnSpPr>
+              <a:cxnSpLocks/>
+            </p:cNvCxnSpPr>
+            <p:nvPr/>
+          </p:nvCxnSpPr>
+          <p:spPr>
+            <a:xfrm>
+              <a:off x="9678666" y="2496589"/>
+              <a:ext cx="198763" cy="0"/>
+            </a:xfrm>
+            <a:prstGeom prst="line">
+              <a:avLst/>
+            </a:prstGeom>
+          </p:spPr>
+          <p:style>
+            <a:lnRef idx="2">
+              <a:schemeClr val="dk1"/>
+            </a:lnRef>
+            <a:fillRef idx="1">
+              <a:schemeClr val="lt1"/>
+            </a:fillRef>
+            <a:effectRef idx="0">
+              <a:schemeClr val="dk1"/>
+            </a:effectRef>
+            <a:fontRef idx="minor">
+              <a:schemeClr val="dk1"/>
+            </a:fontRef>
+          </p:style>
+        </p:cxnSp>
+        <p:sp>
+          <p:nvSpPr>
+            <p:cNvPr id="30" name="TextBox 29">
+              <a:extLst>
+                <a:ext uri="{FF2B5EF4-FFF2-40B4-BE49-F238E27FC236}">
+                  <a16:creationId xmlns:a16="http://schemas.microsoft.com/office/drawing/2014/main" id="{045BD885-3E5F-5E8B-1653-736610C8762B}"/>
+                </a:ext>
+              </a:extLst>
+            </p:cNvPr>
+            <p:cNvSpPr txBox="1"/>
+            <p:nvPr/>
+          </p:nvSpPr>
+          <p:spPr>
+            <a:xfrm>
+              <a:off x="9877429" y="2089507"/>
+              <a:ext cx="420308" cy="369332"/>
+            </a:xfrm>
+            <a:prstGeom prst="rect">
+              <a:avLst/>
+            </a:prstGeom>
+            <a:noFill/>
+          </p:spPr>
+          <p:txBody>
+            <a:bodyPr wrap="none" lIns="36000" rIns="36000" rtlCol="0">
+              <a:spAutoFit/>
+            </a:bodyPr>
+            <a:lstStyle>
+              <a:defPPr>
+                <a:defRPr lang="en-US"/>
+              </a:defPPr>
+            </a:lstStyle>
+            <a:p>
+              <a:r>
+                <a:rPr lang="en-GB" dirty="0"/>
+                <a:t>CE</a:t>
+              </a:r>
+            </a:p>
+          </p:txBody>
+        </p:sp>
+      </p:grpSp>
+      <p:cxnSp>
+        <p:nvCxnSpPr>
+          <p:cNvPr id="31" name="Straight Connector 30">
+            <a:extLst>
+              <a:ext uri="{FF2B5EF4-FFF2-40B4-BE49-F238E27FC236}">
+                <a16:creationId xmlns:a16="http://schemas.microsoft.com/office/drawing/2014/main" id="{C03EB777-E334-0F4D-66AD-D67638B49E59}"/>
+              </a:ext>
+            </a:extLst>
+          </p:cNvPr>
+          <p:cNvCxnSpPr>
+            <a:cxnSpLocks/>
+            <a:stCxn id="34" idx="6"/>
+          </p:cNvCxnSpPr>
+          <p:nvPr/>
+        </p:nvCxnSpPr>
+        <p:spPr>
+          <a:xfrm>
+            <a:off x="9591776" y="2347703"/>
+            <a:ext cx="253903" cy="3176"/>
+          </a:xfrm>
+          <a:prstGeom prst="line">
+            <a:avLst/>
+          </a:prstGeom>
+        </p:spPr>
+        <p:style>
+          <a:lnRef idx="2">
+            <a:schemeClr val="dk1"/>
+          </a:lnRef>
+          <a:fillRef idx="1">
+            <a:schemeClr val="lt1"/>
+          </a:fillRef>
+          <a:effectRef idx="0">
+            <a:schemeClr val="dk1"/>
+          </a:effectRef>
+          <a:fontRef idx="minor">
+            <a:schemeClr val="dk1"/>
+          </a:fontRef>
+        </p:style>
+      </p:cxnSp>
+      <p:grpSp>
+        <p:nvGrpSpPr>
+          <p:cNvPr id="32" name="Group 31">
+            <a:extLst>
+              <a:ext uri="{FF2B5EF4-FFF2-40B4-BE49-F238E27FC236}">
+                <a16:creationId xmlns:a16="http://schemas.microsoft.com/office/drawing/2014/main" id="{0329A68E-B50F-0C02-0D12-2CD3FB5ADA70}"/>
+              </a:ext>
+            </a:extLst>
+          </p:cNvPr>
+          <p:cNvGrpSpPr/>
+          <p:nvPr/>
+        </p:nvGrpSpPr>
+        <p:grpSpPr>
+          <a:xfrm>
+            <a:off x="9147777" y="2230229"/>
+            <a:ext cx="443999" cy="241300"/>
+            <a:chOff x="6039462" y="2148722"/>
+            <a:chExt cx="443999" cy="241300"/>
+          </a:xfrm>
+          <a:effectLst>
+            <a:outerShdw blurRad="50800" dist="38100" dir="2700000" algn="tl" rotWithShape="0">
+              <a:prstClr val="black">
+                <a:alpha val="40000"/>
+              </a:prstClr>
+            </a:outerShdw>
+          </a:effectLst>
+        </p:grpSpPr>
+        <p:sp>
+          <p:nvSpPr>
+            <p:cNvPr id="33" name="Flowchart: Delay 18">
+              <a:extLst>
+                <a:ext uri="{FF2B5EF4-FFF2-40B4-BE49-F238E27FC236}">
+                  <a16:creationId xmlns:a16="http://schemas.microsoft.com/office/drawing/2014/main" id="{3722937D-1116-30BC-645E-36E5BF65AFA5}"/>
+                </a:ext>
+              </a:extLst>
+            </p:cNvPr>
+            <p:cNvSpPr/>
+            <p:nvPr/>
+          </p:nvSpPr>
+          <p:spPr>
+            <a:xfrm>
+              <a:off x="6096000" y="2148722"/>
+              <a:ext cx="342056" cy="241300"/>
+            </a:xfrm>
+            <a:custGeom>
+              <a:avLst/>
+              <a:gdLst>
+                <a:gd name="connsiteX0" fmla="*/ 0 w 340158"/>
+                <a:gd name="connsiteY0" fmla="*/ 0 h 241300"/>
+                <a:gd name="connsiteX1" fmla="*/ 170079 w 340158"/>
+                <a:gd name="connsiteY1" fmla="*/ 0 h 241300"/>
+                <a:gd name="connsiteX2" fmla="*/ 340158 w 340158"/>
+                <a:gd name="connsiteY2" fmla="*/ 120650 h 241300"/>
+                <a:gd name="connsiteX3" fmla="*/ 170079 w 340158"/>
+                <a:gd name="connsiteY3" fmla="*/ 241300 h 241300"/>
+                <a:gd name="connsiteX4" fmla="*/ 0 w 340158"/>
+                <a:gd name="connsiteY4" fmla="*/ 241300 h 241300"/>
+                <a:gd name="connsiteX5" fmla="*/ 0 w 340158"/>
+                <a:gd name="connsiteY5" fmla="*/ 0 h 241300"/>
+                <a:gd name="connsiteX0" fmla="*/ 2427 w 342585"/>
+                <a:gd name="connsiteY0" fmla="*/ 0 h 241300"/>
+                <a:gd name="connsiteX1" fmla="*/ 0 w 342585"/>
+                <a:gd name="connsiteY1" fmla="*/ 529 h 241300"/>
+                <a:gd name="connsiteX2" fmla="*/ 172506 w 342585"/>
+                <a:gd name="connsiteY2" fmla="*/ 0 h 241300"/>
+                <a:gd name="connsiteX3" fmla="*/ 342585 w 342585"/>
+                <a:gd name="connsiteY3" fmla="*/ 120650 h 241300"/>
+                <a:gd name="connsiteX4" fmla="*/ 172506 w 342585"/>
+                <a:gd name="connsiteY4" fmla="*/ 241300 h 241300"/>
+                <a:gd name="connsiteX5" fmla="*/ 2427 w 342585"/>
+                <a:gd name="connsiteY5" fmla="*/ 241300 h 241300"/>
+                <a:gd name="connsiteX6" fmla="*/ 2427 w 342585"/>
+                <a:gd name="connsiteY6" fmla="*/ 0 h 241300"/>
+                <a:gd name="connsiteX0" fmla="*/ 46877 w 342585"/>
+                <a:gd name="connsiteY0" fmla="*/ 115887 h 241300"/>
+                <a:gd name="connsiteX1" fmla="*/ 0 w 342585"/>
+                <a:gd name="connsiteY1" fmla="*/ 529 h 241300"/>
+                <a:gd name="connsiteX2" fmla="*/ 172506 w 342585"/>
+                <a:gd name="connsiteY2" fmla="*/ 0 h 241300"/>
+                <a:gd name="connsiteX3" fmla="*/ 342585 w 342585"/>
+                <a:gd name="connsiteY3" fmla="*/ 120650 h 241300"/>
+                <a:gd name="connsiteX4" fmla="*/ 172506 w 342585"/>
+                <a:gd name="connsiteY4" fmla="*/ 241300 h 241300"/>
+                <a:gd name="connsiteX5" fmla="*/ 2427 w 342585"/>
+                <a:gd name="connsiteY5" fmla="*/ 241300 h 241300"/>
+                <a:gd name="connsiteX6" fmla="*/ 46877 w 342585"/>
+                <a:gd name="connsiteY6" fmla="*/ 115887 h 241300"/>
+                <a:gd name="connsiteX0" fmla="*/ 50908 w 346616"/>
+                <a:gd name="connsiteY0" fmla="*/ 115887 h 241300"/>
+                <a:gd name="connsiteX1" fmla="*/ 4031 w 346616"/>
+                <a:gd name="connsiteY1" fmla="*/ 529 h 241300"/>
+                <a:gd name="connsiteX2" fmla="*/ 176537 w 346616"/>
+                <a:gd name="connsiteY2" fmla="*/ 0 h 241300"/>
+                <a:gd name="connsiteX3" fmla="*/ 346616 w 346616"/>
+                <a:gd name="connsiteY3" fmla="*/ 120650 h 241300"/>
+                <a:gd name="connsiteX4" fmla="*/ 176537 w 346616"/>
+                <a:gd name="connsiteY4" fmla="*/ 241300 h 241300"/>
+                <a:gd name="connsiteX5" fmla="*/ 6458 w 346616"/>
+                <a:gd name="connsiteY5" fmla="*/ 241300 h 241300"/>
+                <a:gd name="connsiteX6" fmla="*/ 50908 w 346616"/>
+                <a:gd name="connsiteY6" fmla="*/ 115887 h 241300"/>
+                <a:gd name="connsiteX0" fmla="*/ 50908 w 346616"/>
+                <a:gd name="connsiteY0" fmla="*/ 115887 h 241300"/>
+                <a:gd name="connsiteX1" fmla="*/ 4031 w 346616"/>
+                <a:gd name="connsiteY1" fmla="*/ 529 h 241300"/>
+                <a:gd name="connsiteX2" fmla="*/ 176537 w 346616"/>
+                <a:gd name="connsiteY2" fmla="*/ 0 h 241300"/>
+                <a:gd name="connsiteX3" fmla="*/ 346616 w 346616"/>
+                <a:gd name="connsiteY3" fmla="*/ 120650 h 241300"/>
+                <a:gd name="connsiteX4" fmla="*/ 176537 w 346616"/>
+                <a:gd name="connsiteY4" fmla="*/ 241300 h 241300"/>
+                <a:gd name="connsiteX5" fmla="*/ 6458 w 346616"/>
+                <a:gd name="connsiteY5" fmla="*/ 241300 h 241300"/>
+                <a:gd name="connsiteX6" fmla="*/ 50908 w 346616"/>
+                <a:gd name="connsiteY6" fmla="*/ 115887 h 241300"/>
+                <a:gd name="connsiteX0" fmla="*/ 50908 w 346616"/>
+                <a:gd name="connsiteY0" fmla="*/ 115887 h 241300"/>
+                <a:gd name="connsiteX1" fmla="*/ 4031 w 346616"/>
+                <a:gd name="connsiteY1" fmla="*/ 529 h 241300"/>
+                <a:gd name="connsiteX2" fmla="*/ 176537 w 346616"/>
+                <a:gd name="connsiteY2" fmla="*/ 0 h 241300"/>
+                <a:gd name="connsiteX3" fmla="*/ 346616 w 346616"/>
+                <a:gd name="connsiteY3" fmla="*/ 120650 h 241300"/>
+                <a:gd name="connsiteX4" fmla="*/ 176537 w 346616"/>
+                <a:gd name="connsiteY4" fmla="*/ 241300 h 241300"/>
+                <a:gd name="connsiteX5" fmla="*/ 6458 w 346616"/>
+                <a:gd name="connsiteY5" fmla="*/ 241300 h 241300"/>
+                <a:gd name="connsiteX6" fmla="*/ 50908 w 346616"/>
+                <a:gd name="connsiteY6" fmla="*/ 115887 h 241300"/>
+                <a:gd name="connsiteX0" fmla="*/ 46877 w 342585"/>
+                <a:gd name="connsiteY0" fmla="*/ 115887 h 241300"/>
+                <a:gd name="connsiteX1" fmla="*/ 0 w 342585"/>
+                <a:gd name="connsiteY1" fmla="*/ 529 h 241300"/>
+                <a:gd name="connsiteX2" fmla="*/ 172506 w 342585"/>
+                <a:gd name="connsiteY2" fmla="*/ 0 h 241300"/>
+                <a:gd name="connsiteX3" fmla="*/ 342585 w 342585"/>
+                <a:gd name="connsiteY3" fmla="*/ 120650 h 241300"/>
+                <a:gd name="connsiteX4" fmla="*/ 172506 w 342585"/>
+                <a:gd name="connsiteY4" fmla="*/ 241300 h 241300"/>
+                <a:gd name="connsiteX5" fmla="*/ 2427 w 342585"/>
+                <a:gd name="connsiteY5" fmla="*/ 241300 h 241300"/>
+                <a:gd name="connsiteX6" fmla="*/ 46877 w 342585"/>
+                <a:gd name="connsiteY6" fmla="*/ 115887 h 241300"/>
+                <a:gd name="connsiteX0" fmla="*/ 46877 w 342585"/>
+                <a:gd name="connsiteY0" fmla="*/ 115887 h 241300"/>
+                <a:gd name="connsiteX1" fmla="*/ 0 w 342585"/>
+                <a:gd name="connsiteY1" fmla="*/ 529 h 241300"/>
+                <a:gd name="connsiteX2" fmla="*/ 172506 w 342585"/>
+                <a:gd name="connsiteY2" fmla="*/ 0 h 241300"/>
+                <a:gd name="connsiteX3" fmla="*/ 342585 w 342585"/>
+                <a:gd name="connsiteY3" fmla="*/ 120650 h 241300"/>
+                <a:gd name="connsiteX4" fmla="*/ 172506 w 342585"/>
+                <a:gd name="connsiteY4" fmla="*/ 241300 h 241300"/>
+                <a:gd name="connsiteX5" fmla="*/ 2427 w 342585"/>
+                <a:gd name="connsiteY5" fmla="*/ 241300 h 241300"/>
+                <a:gd name="connsiteX6" fmla="*/ 46877 w 342585"/>
+                <a:gd name="connsiteY6" fmla="*/ 115887 h 241300"/>
+                <a:gd name="connsiteX0" fmla="*/ 46877 w 342585"/>
+                <a:gd name="connsiteY0" fmla="*/ 115887 h 241300"/>
+                <a:gd name="connsiteX1" fmla="*/ 0 w 342585"/>
+                <a:gd name="connsiteY1" fmla="*/ 529 h 241300"/>
+                <a:gd name="connsiteX2" fmla="*/ 172506 w 342585"/>
+                <a:gd name="connsiteY2" fmla="*/ 0 h 241300"/>
+                <a:gd name="connsiteX3" fmla="*/ 342585 w 342585"/>
+                <a:gd name="connsiteY3" fmla="*/ 120650 h 241300"/>
+                <a:gd name="connsiteX4" fmla="*/ 172506 w 342585"/>
+                <a:gd name="connsiteY4" fmla="*/ 241300 h 241300"/>
+                <a:gd name="connsiteX5" fmla="*/ 2427 w 342585"/>
+                <a:gd name="connsiteY5" fmla="*/ 241300 h 241300"/>
+                <a:gd name="connsiteX6" fmla="*/ 46877 w 342585"/>
+                <a:gd name="connsiteY6" fmla="*/ 115887 h 241300"/>
+                <a:gd name="connsiteX0" fmla="*/ 46877 w 342585"/>
+                <a:gd name="connsiteY0" fmla="*/ 115887 h 241300"/>
+                <a:gd name="connsiteX1" fmla="*/ 0 w 342585"/>
+                <a:gd name="connsiteY1" fmla="*/ 529 h 241300"/>
+                <a:gd name="connsiteX2" fmla="*/ 172506 w 342585"/>
+                <a:gd name="connsiteY2" fmla="*/ 0 h 241300"/>
+                <a:gd name="connsiteX3" fmla="*/ 342585 w 342585"/>
+                <a:gd name="connsiteY3" fmla="*/ 120650 h 241300"/>
+                <a:gd name="connsiteX4" fmla="*/ 172506 w 342585"/>
+                <a:gd name="connsiteY4" fmla="*/ 241300 h 241300"/>
+                <a:gd name="connsiteX5" fmla="*/ 2427 w 342585"/>
+                <a:gd name="connsiteY5" fmla="*/ 241300 h 241300"/>
+                <a:gd name="connsiteX6" fmla="*/ 46877 w 342585"/>
+                <a:gd name="connsiteY6" fmla="*/ 115887 h 241300"/>
+                <a:gd name="connsiteX0" fmla="*/ 56402 w 342585"/>
+                <a:gd name="connsiteY0" fmla="*/ 107949 h 241300"/>
+                <a:gd name="connsiteX1" fmla="*/ 0 w 342585"/>
+                <a:gd name="connsiteY1" fmla="*/ 529 h 241300"/>
+                <a:gd name="connsiteX2" fmla="*/ 172506 w 342585"/>
+                <a:gd name="connsiteY2" fmla="*/ 0 h 241300"/>
+                <a:gd name="connsiteX3" fmla="*/ 342585 w 342585"/>
+                <a:gd name="connsiteY3" fmla="*/ 120650 h 241300"/>
+                <a:gd name="connsiteX4" fmla="*/ 172506 w 342585"/>
+                <a:gd name="connsiteY4" fmla="*/ 241300 h 241300"/>
+                <a:gd name="connsiteX5" fmla="*/ 2427 w 342585"/>
+                <a:gd name="connsiteY5" fmla="*/ 241300 h 241300"/>
+                <a:gd name="connsiteX6" fmla="*/ 56402 w 342585"/>
+                <a:gd name="connsiteY6" fmla="*/ 107949 h 241300"/>
+                <a:gd name="connsiteX0" fmla="*/ 56402 w 342585"/>
+                <a:gd name="connsiteY0" fmla="*/ 107949 h 241300"/>
+                <a:gd name="connsiteX1" fmla="*/ 0 w 342585"/>
+                <a:gd name="connsiteY1" fmla="*/ 529 h 241300"/>
+                <a:gd name="connsiteX2" fmla="*/ 172506 w 342585"/>
+                <a:gd name="connsiteY2" fmla="*/ 0 h 241300"/>
+                <a:gd name="connsiteX3" fmla="*/ 342585 w 342585"/>
+                <a:gd name="connsiteY3" fmla="*/ 120650 h 241300"/>
+                <a:gd name="connsiteX4" fmla="*/ 172506 w 342585"/>
+                <a:gd name="connsiteY4" fmla="*/ 241300 h 241300"/>
+                <a:gd name="connsiteX5" fmla="*/ 2427 w 342585"/>
+                <a:gd name="connsiteY5" fmla="*/ 241300 h 241300"/>
+                <a:gd name="connsiteX6" fmla="*/ 56402 w 342585"/>
+                <a:gd name="connsiteY6" fmla="*/ 107949 h 241300"/>
+                <a:gd name="connsiteX0" fmla="*/ 56402 w 342585"/>
+                <a:gd name="connsiteY0" fmla="*/ 128587 h 241300"/>
+                <a:gd name="connsiteX1" fmla="*/ 0 w 342585"/>
+                <a:gd name="connsiteY1" fmla="*/ 529 h 241300"/>
+                <a:gd name="connsiteX2" fmla="*/ 172506 w 342585"/>
+                <a:gd name="connsiteY2" fmla="*/ 0 h 241300"/>
+                <a:gd name="connsiteX3" fmla="*/ 342585 w 342585"/>
+                <a:gd name="connsiteY3" fmla="*/ 120650 h 241300"/>
+                <a:gd name="connsiteX4" fmla="*/ 172506 w 342585"/>
+                <a:gd name="connsiteY4" fmla="*/ 241300 h 241300"/>
+                <a:gd name="connsiteX5" fmla="*/ 2427 w 342585"/>
+                <a:gd name="connsiteY5" fmla="*/ 241300 h 241300"/>
+                <a:gd name="connsiteX6" fmla="*/ 56402 w 342585"/>
+                <a:gd name="connsiteY6" fmla="*/ 128587 h 241300"/>
+                <a:gd name="connsiteX0" fmla="*/ 56402 w 342585"/>
+                <a:gd name="connsiteY0" fmla="*/ 128587 h 241300"/>
+                <a:gd name="connsiteX1" fmla="*/ 0 w 342585"/>
+                <a:gd name="connsiteY1" fmla="*/ 529 h 241300"/>
+                <a:gd name="connsiteX2" fmla="*/ 172506 w 342585"/>
+                <a:gd name="connsiteY2" fmla="*/ 0 h 241300"/>
+                <a:gd name="connsiteX3" fmla="*/ 342585 w 342585"/>
+                <a:gd name="connsiteY3" fmla="*/ 120650 h 241300"/>
+                <a:gd name="connsiteX4" fmla="*/ 172506 w 342585"/>
+                <a:gd name="connsiteY4" fmla="*/ 241300 h 241300"/>
+                <a:gd name="connsiteX5" fmla="*/ 2427 w 342585"/>
+                <a:gd name="connsiteY5" fmla="*/ 241300 h 241300"/>
+                <a:gd name="connsiteX6" fmla="*/ 56402 w 342585"/>
+                <a:gd name="connsiteY6" fmla="*/ 128587 h 241300"/>
+                <a:gd name="connsiteX0" fmla="*/ 56402 w 342585"/>
+                <a:gd name="connsiteY0" fmla="*/ 125412 h 241300"/>
+                <a:gd name="connsiteX1" fmla="*/ 0 w 342585"/>
+                <a:gd name="connsiteY1" fmla="*/ 529 h 241300"/>
+                <a:gd name="connsiteX2" fmla="*/ 172506 w 342585"/>
+                <a:gd name="connsiteY2" fmla="*/ 0 h 241300"/>
+                <a:gd name="connsiteX3" fmla="*/ 342585 w 342585"/>
+                <a:gd name="connsiteY3" fmla="*/ 120650 h 241300"/>
+                <a:gd name="connsiteX4" fmla="*/ 172506 w 342585"/>
+                <a:gd name="connsiteY4" fmla="*/ 241300 h 241300"/>
+                <a:gd name="connsiteX5" fmla="*/ 2427 w 342585"/>
+                <a:gd name="connsiteY5" fmla="*/ 241300 h 241300"/>
+                <a:gd name="connsiteX6" fmla="*/ 56402 w 342585"/>
+                <a:gd name="connsiteY6" fmla="*/ 125412 h 241300"/>
+                <a:gd name="connsiteX0" fmla="*/ 56402 w 346146"/>
+                <a:gd name="connsiteY0" fmla="*/ 125412 h 241300"/>
+                <a:gd name="connsiteX1" fmla="*/ 0 w 346146"/>
+                <a:gd name="connsiteY1" fmla="*/ 529 h 241300"/>
+                <a:gd name="connsiteX2" fmla="*/ 172506 w 346146"/>
+                <a:gd name="connsiteY2" fmla="*/ 0 h 241300"/>
+                <a:gd name="connsiteX3" fmla="*/ 342585 w 346146"/>
+                <a:gd name="connsiteY3" fmla="*/ 120650 h 241300"/>
+                <a:gd name="connsiteX4" fmla="*/ 172506 w 346146"/>
+                <a:gd name="connsiteY4" fmla="*/ 241300 h 241300"/>
+                <a:gd name="connsiteX5" fmla="*/ 2427 w 346146"/>
+                <a:gd name="connsiteY5" fmla="*/ 241300 h 241300"/>
+                <a:gd name="connsiteX6" fmla="*/ 56402 w 346146"/>
+                <a:gd name="connsiteY6" fmla="*/ 125412 h 241300"/>
+                <a:gd name="connsiteX0" fmla="*/ 56402 w 346146"/>
+                <a:gd name="connsiteY0" fmla="*/ 125412 h 241300"/>
+                <a:gd name="connsiteX1" fmla="*/ 0 w 346146"/>
+                <a:gd name="connsiteY1" fmla="*/ 529 h 241300"/>
+                <a:gd name="connsiteX2" fmla="*/ 172506 w 346146"/>
+                <a:gd name="connsiteY2" fmla="*/ 0 h 241300"/>
+                <a:gd name="connsiteX3" fmla="*/ 342585 w 346146"/>
+                <a:gd name="connsiteY3" fmla="*/ 120650 h 241300"/>
+                <a:gd name="connsiteX4" fmla="*/ 172506 w 346146"/>
+                <a:gd name="connsiteY4" fmla="*/ 241300 h 241300"/>
+                <a:gd name="connsiteX5" fmla="*/ 2427 w 346146"/>
+                <a:gd name="connsiteY5" fmla="*/ 241300 h 241300"/>
+                <a:gd name="connsiteX6" fmla="*/ 56402 w 346146"/>
+                <a:gd name="connsiteY6" fmla="*/ 125412 h 241300"/>
+                <a:gd name="connsiteX0" fmla="*/ 56402 w 342585"/>
+                <a:gd name="connsiteY0" fmla="*/ 125412 h 241300"/>
+                <a:gd name="connsiteX1" fmla="*/ 0 w 342585"/>
+                <a:gd name="connsiteY1" fmla="*/ 529 h 241300"/>
+                <a:gd name="connsiteX2" fmla="*/ 172506 w 342585"/>
+                <a:gd name="connsiteY2" fmla="*/ 0 h 241300"/>
+                <a:gd name="connsiteX3" fmla="*/ 342585 w 342585"/>
+                <a:gd name="connsiteY3" fmla="*/ 120650 h 241300"/>
+                <a:gd name="connsiteX4" fmla="*/ 172506 w 342585"/>
+                <a:gd name="connsiteY4" fmla="*/ 241300 h 241300"/>
+                <a:gd name="connsiteX5" fmla="*/ 2427 w 342585"/>
+                <a:gd name="connsiteY5" fmla="*/ 241300 h 241300"/>
+                <a:gd name="connsiteX6" fmla="*/ 56402 w 342585"/>
+                <a:gd name="connsiteY6" fmla="*/ 125412 h 241300"/>
+                <a:gd name="connsiteX0" fmla="*/ 56402 w 342585"/>
+                <a:gd name="connsiteY0" fmla="*/ 125412 h 241300"/>
+                <a:gd name="connsiteX1" fmla="*/ 0 w 342585"/>
+                <a:gd name="connsiteY1" fmla="*/ 529 h 241300"/>
+                <a:gd name="connsiteX2" fmla="*/ 172506 w 342585"/>
+                <a:gd name="connsiteY2" fmla="*/ 0 h 241300"/>
+                <a:gd name="connsiteX3" fmla="*/ 342585 w 342585"/>
+                <a:gd name="connsiteY3" fmla="*/ 120650 h 241300"/>
+                <a:gd name="connsiteX4" fmla="*/ 172506 w 342585"/>
+                <a:gd name="connsiteY4" fmla="*/ 241300 h 241300"/>
+                <a:gd name="connsiteX5" fmla="*/ 2427 w 342585"/>
+                <a:gd name="connsiteY5" fmla="*/ 241300 h 241300"/>
+                <a:gd name="connsiteX6" fmla="*/ 56402 w 342585"/>
+                <a:gd name="connsiteY6" fmla="*/ 125412 h 241300"/>
+                <a:gd name="connsiteX0" fmla="*/ 56402 w 353179"/>
+                <a:gd name="connsiteY0" fmla="*/ 125412 h 241300"/>
+                <a:gd name="connsiteX1" fmla="*/ 0 w 353179"/>
+                <a:gd name="connsiteY1" fmla="*/ 529 h 241300"/>
+                <a:gd name="connsiteX2" fmla="*/ 172506 w 353179"/>
+                <a:gd name="connsiteY2" fmla="*/ 0 h 241300"/>
+                <a:gd name="connsiteX3" fmla="*/ 342585 w 353179"/>
+                <a:gd name="connsiteY3" fmla="*/ 120650 h 241300"/>
+                <a:gd name="connsiteX4" fmla="*/ 172506 w 353179"/>
+                <a:gd name="connsiteY4" fmla="*/ 241300 h 241300"/>
+                <a:gd name="connsiteX5" fmla="*/ 2427 w 353179"/>
+                <a:gd name="connsiteY5" fmla="*/ 241300 h 241300"/>
+                <a:gd name="connsiteX6" fmla="*/ 56402 w 353179"/>
+                <a:gd name="connsiteY6" fmla="*/ 125412 h 241300"/>
+                <a:gd name="connsiteX0" fmla="*/ 56402 w 342677"/>
+                <a:gd name="connsiteY0" fmla="*/ 125412 h 241300"/>
+                <a:gd name="connsiteX1" fmla="*/ 0 w 342677"/>
+                <a:gd name="connsiteY1" fmla="*/ 529 h 241300"/>
+                <a:gd name="connsiteX2" fmla="*/ 172506 w 342677"/>
+                <a:gd name="connsiteY2" fmla="*/ 0 h 241300"/>
+                <a:gd name="connsiteX3" fmla="*/ 342585 w 342677"/>
+                <a:gd name="connsiteY3" fmla="*/ 120650 h 241300"/>
+                <a:gd name="connsiteX4" fmla="*/ 172506 w 342677"/>
+                <a:gd name="connsiteY4" fmla="*/ 241300 h 241300"/>
+                <a:gd name="connsiteX5" fmla="*/ 2427 w 342677"/>
+                <a:gd name="connsiteY5" fmla="*/ 241300 h 241300"/>
+                <a:gd name="connsiteX6" fmla="*/ 56402 w 342677"/>
+                <a:gd name="connsiteY6" fmla="*/ 125412 h 241300"/>
+                <a:gd name="connsiteX0" fmla="*/ 56402 w 342677"/>
+                <a:gd name="connsiteY0" fmla="*/ 125412 h 241300"/>
+                <a:gd name="connsiteX1" fmla="*/ 0 w 342677"/>
+                <a:gd name="connsiteY1" fmla="*/ 529 h 241300"/>
+                <a:gd name="connsiteX2" fmla="*/ 172506 w 342677"/>
+                <a:gd name="connsiteY2" fmla="*/ 0 h 241300"/>
+                <a:gd name="connsiteX3" fmla="*/ 342585 w 342677"/>
+                <a:gd name="connsiteY3" fmla="*/ 120650 h 241300"/>
+                <a:gd name="connsiteX4" fmla="*/ 172506 w 342677"/>
+                <a:gd name="connsiteY4" fmla="*/ 241300 h 241300"/>
+                <a:gd name="connsiteX5" fmla="*/ 2427 w 342677"/>
+                <a:gd name="connsiteY5" fmla="*/ 241300 h 241300"/>
+                <a:gd name="connsiteX6" fmla="*/ 56402 w 342677"/>
+                <a:gd name="connsiteY6" fmla="*/ 125412 h 241300"/>
+                <a:gd name="connsiteX0" fmla="*/ 56402 w 306237"/>
+                <a:gd name="connsiteY0" fmla="*/ 125412 h 241300"/>
+                <a:gd name="connsiteX1" fmla="*/ 0 w 306237"/>
+                <a:gd name="connsiteY1" fmla="*/ 529 h 241300"/>
+                <a:gd name="connsiteX2" fmla="*/ 172506 w 306237"/>
+                <a:gd name="connsiteY2" fmla="*/ 0 h 241300"/>
+                <a:gd name="connsiteX3" fmla="*/ 306073 w 306237"/>
+                <a:gd name="connsiteY3" fmla="*/ 104775 h 241300"/>
+                <a:gd name="connsiteX4" fmla="*/ 172506 w 306237"/>
+                <a:gd name="connsiteY4" fmla="*/ 241300 h 241300"/>
+                <a:gd name="connsiteX5" fmla="*/ 2427 w 306237"/>
+                <a:gd name="connsiteY5" fmla="*/ 241300 h 241300"/>
+                <a:gd name="connsiteX6" fmla="*/ 56402 w 306237"/>
+                <a:gd name="connsiteY6" fmla="*/ 125412 h 241300"/>
+                <a:gd name="connsiteX0" fmla="*/ 56402 w 306237"/>
+                <a:gd name="connsiteY0" fmla="*/ 125412 h 241300"/>
+                <a:gd name="connsiteX1" fmla="*/ 0 w 306237"/>
+                <a:gd name="connsiteY1" fmla="*/ 529 h 241300"/>
+                <a:gd name="connsiteX2" fmla="*/ 172506 w 306237"/>
+                <a:gd name="connsiteY2" fmla="*/ 0 h 241300"/>
+                <a:gd name="connsiteX3" fmla="*/ 306073 w 306237"/>
+                <a:gd name="connsiteY3" fmla="*/ 104775 h 241300"/>
+                <a:gd name="connsiteX4" fmla="*/ 172506 w 306237"/>
+                <a:gd name="connsiteY4" fmla="*/ 241300 h 241300"/>
+                <a:gd name="connsiteX5" fmla="*/ 2427 w 306237"/>
+                <a:gd name="connsiteY5" fmla="*/ 241300 h 241300"/>
+                <a:gd name="connsiteX6" fmla="*/ 56402 w 306237"/>
+                <a:gd name="connsiteY6" fmla="*/ 125412 h 241300"/>
+                <a:gd name="connsiteX0" fmla="*/ 56402 w 306199"/>
+                <a:gd name="connsiteY0" fmla="*/ 125412 h 241300"/>
+                <a:gd name="connsiteX1" fmla="*/ 0 w 306199"/>
+                <a:gd name="connsiteY1" fmla="*/ 529 h 241300"/>
+                <a:gd name="connsiteX2" fmla="*/ 172506 w 306199"/>
+                <a:gd name="connsiteY2" fmla="*/ 0 h 241300"/>
+                <a:gd name="connsiteX3" fmla="*/ 306073 w 306199"/>
+                <a:gd name="connsiteY3" fmla="*/ 104775 h 241300"/>
+                <a:gd name="connsiteX4" fmla="*/ 172506 w 306199"/>
+                <a:gd name="connsiteY4" fmla="*/ 241300 h 241300"/>
+                <a:gd name="connsiteX5" fmla="*/ 2427 w 306199"/>
+                <a:gd name="connsiteY5" fmla="*/ 241300 h 241300"/>
+                <a:gd name="connsiteX6" fmla="*/ 56402 w 306199"/>
+                <a:gd name="connsiteY6" fmla="*/ 125412 h 241300"/>
+                <a:gd name="connsiteX0" fmla="*/ 56402 w 306199"/>
+                <a:gd name="connsiteY0" fmla="*/ 125412 h 241300"/>
+                <a:gd name="connsiteX1" fmla="*/ 0 w 306199"/>
+                <a:gd name="connsiteY1" fmla="*/ 529 h 241300"/>
+                <a:gd name="connsiteX2" fmla="*/ 172506 w 306199"/>
+                <a:gd name="connsiteY2" fmla="*/ 0 h 241300"/>
+                <a:gd name="connsiteX3" fmla="*/ 306073 w 306199"/>
+                <a:gd name="connsiteY3" fmla="*/ 128587 h 241300"/>
+                <a:gd name="connsiteX4" fmla="*/ 172506 w 306199"/>
+                <a:gd name="connsiteY4" fmla="*/ 241300 h 241300"/>
+                <a:gd name="connsiteX5" fmla="*/ 2427 w 306199"/>
+                <a:gd name="connsiteY5" fmla="*/ 241300 h 241300"/>
+                <a:gd name="connsiteX6" fmla="*/ 56402 w 306199"/>
+                <a:gd name="connsiteY6" fmla="*/ 125412 h 241300"/>
+                <a:gd name="connsiteX0" fmla="*/ 56402 w 306199"/>
+                <a:gd name="connsiteY0" fmla="*/ 125412 h 241300"/>
+                <a:gd name="connsiteX1" fmla="*/ 0 w 306199"/>
+                <a:gd name="connsiteY1" fmla="*/ 529 h 241300"/>
+                <a:gd name="connsiteX2" fmla="*/ 172506 w 306199"/>
+                <a:gd name="connsiteY2" fmla="*/ 0 h 241300"/>
+                <a:gd name="connsiteX3" fmla="*/ 306073 w 306199"/>
+                <a:gd name="connsiteY3" fmla="*/ 122237 h 241300"/>
+                <a:gd name="connsiteX4" fmla="*/ 172506 w 306199"/>
+                <a:gd name="connsiteY4" fmla="*/ 241300 h 241300"/>
+                <a:gd name="connsiteX5" fmla="*/ 2427 w 306199"/>
+                <a:gd name="connsiteY5" fmla="*/ 241300 h 241300"/>
+                <a:gd name="connsiteX6" fmla="*/ 56402 w 306199"/>
+                <a:gd name="connsiteY6" fmla="*/ 125412 h 241300"/>
+                <a:gd name="connsiteX0" fmla="*/ 56402 w 306096"/>
+                <a:gd name="connsiteY0" fmla="*/ 125412 h 241300"/>
+                <a:gd name="connsiteX1" fmla="*/ 0 w 306096"/>
+                <a:gd name="connsiteY1" fmla="*/ 529 h 241300"/>
+                <a:gd name="connsiteX2" fmla="*/ 172506 w 306096"/>
+                <a:gd name="connsiteY2" fmla="*/ 0 h 241300"/>
+                <a:gd name="connsiteX3" fmla="*/ 306073 w 306096"/>
+                <a:gd name="connsiteY3" fmla="*/ 122237 h 241300"/>
+                <a:gd name="connsiteX4" fmla="*/ 172506 w 306096"/>
+                <a:gd name="connsiteY4" fmla="*/ 241300 h 241300"/>
+                <a:gd name="connsiteX5" fmla="*/ 2427 w 306096"/>
+                <a:gd name="connsiteY5" fmla="*/ 241300 h 241300"/>
+                <a:gd name="connsiteX6" fmla="*/ 56402 w 306096"/>
+                <a:gd name="connsiteY6" fmla="*/ 125412 h 241300"/>
+                <a:gd name="connsiteX0" fmla="*/ 56402 w 352654"/>
+                <a:gd name="connsiteY0" fmla="*/ 125412 h 241300"/>
+                <a:gd name="connsiteX1" fmla="*/ 0 w 352654"/>
+                <a:gd name="connsiteY1" fmla="*/ 529 h 241300"/>
+                <a:gd name="connsiteX2" fmla="*/ 172506 w 352654"/>
+                <a:gd name="connsiteY2" fmla="*/ 0 h 241300"/>
+                <a:gd name="connsiteX3" fmla="*/ 352639 w 352654"/>
+                <a:gd name="connsiteY3" fmla="*/ 124353 h 241300"/>
+                <a:gd name="connsiteX4" fmla="*/ 172506 w 352654"/>
+                <a:gd name="connsiteY4" fmla="*/ 241300 h 241300"/>
+                <a:gd name="connsiteX5" fmla="*/ 2427 w 352654"/>
+                <a:gd name="connsiteY5" fmla="*/ 241300 h 241300"/>
+                <a:gd name="connsiteX6" fmla="*/ 56402 w 352654"/>
+                <a:gd name="connsiteY6" fmla="*/ 125412 h 241300"/>
+                <a:gd name="connsiteX0" fmla="*/ 56402 w 353537"/>
+                <a:gd name="connsiteY0" fmla="*/ 125412 h 241300"/>
+                <a:gd name="connsiteX1" fmla="*/ 0 w 353537"/>
+                <a:gd name="connsiteY1" fmla="*/ 529 h 241300"/>
+                <a:gd name="connsiteX2" fmla="*/ 231772 w 353537"/>
+                <a:gd name="connsiteY2" fmla="*/ 0 h 241300"/>
+                <a:gd name="connsiteX3" fmla="*/ 352639 w 353537"/>
+                <a:gd name="connsiteY3" fmla="*/ 124353 h 241300"/>
+                <a:gd name="connsiteX4" fmla="*/ 172506 w 353537"/>
+                <a:gd name="connsiteY4" fmla="*/ 241300 h 241300"/>
+                <a:gd name="connsiteX5" fmla="*/ 2427 w 353537"/>
+                <a:gd name="connsiteY5" fmla="*/ 241300 h 241300"/>
+                <a:gd name="connsiteX6" fmla="*/ 56402 w 353537"/>
+                <a:gd name="connsiteY6" fmla="*/ 125412 h 241300"/>
+                <a:gd name="connsiteX0" fmla="*/ 56402 w 352648"/>
+                <a:gd name="connsiteY0" fmla="*/ 125412 h 241300"/>
+                <a:gd name="connsiteX1" fmla="*/ 0 w 352648"/>
+                <a:gd name="connsiteY1" fmla="*/ 529 h 241300"/>
+                <a:gd name="connsiteX2" fmla="*/ 231772 w 352648"/>
+                <a:gd name="connsiteY2" fmla="*/ 0 h 241300"/>
+                <a:gd name="connsiteX3" fmla="*/ 352639 w 352648"/>
+                <a:gd name="connsiteY3" fmla="*/ 124353 h 241300"/>
+                <a:gd name="connsiteX4" fmla="*/ 236006 w 352648"/>
+                <a:gd name="connsiteY4" fmla="*/ 241300 h 241300"/>
+                <a:gd name="connsiteX5" fmla="*/ 2427 w 352648"/>
+                <a:gd name="connsiteY5" fmla="*/ 241300 h 241300"/>
+                <a:gd name="connsiteX6" fmla="*/ 56402 w 352648"/>
+                <a:gd name="connsiteY6" fmla="*/ 125412 h 241300"/>
+                <a:gd name="connsiteX0" fmla="*/ 56402 w 346300"/>
+                <a:gd name="connsiteY0" fmla="*/ 125412 h 241300"/>
+                <a:gd name="connsiteX1" fmla="*/ 0 w 346300"/>
+                <a:gd name="connsiteY1" fmla="*/ 529 h 241300"/>
+                <a:gd name="connsiteX2" fmla="*/ 231772 w 346300"/>
+                <a:gd name="connsiteY2" fmla="*/ 0 h 241300"/>
+                <a:gd name="connsiteX3" fmla="*/ 346289 w 346300"/>
+                <a:gd name="connsiteY3" fmla="*/ 124353 h 241300"/>
+                <a:gd name="connsiteX4" fmla="*/ 236006 w 346300"/>
+                <a:gd name="connsiteY4" fmla="*/ 241300 h 241300"/>
+                <a:gd name="connsiteX5" fmla="*/ 2427 w 346300"/>
+                <a:gd name="connsiteY5" fmla="*/ 241300 h 241300"/>
+                <a:gd name="connsiteX6" fmla="*/ 56402 w 346300"/>
+                <a:gd name="connsiteY6" fmla="*/ 125412 h 241300"/>
+                <a:gd name="connsiteX0" fmla="*/ 56402 w 346300"/>
+                <a:gd name="connsiteY0" fmla="*/ 125412 h 241300"/>
+                <a:gd name="connsiteX1" fmla="*/ 0 w 346300"/>
+                <a:gd name="connsiteY1" fmla="*/ 529 h 241300"/>
+                <a:gd name="connsiteX2" fmla="*/ 231772 w 346300"/>
+                <a:gd name="connsiteY2" fmla="*/ 0 h 241300"/>
+                <a:gd name="connsiteX3" fmla="*/ 346289 w 346300"/>
+                <a:gd name="connsiteY3" fmla="*/ 126470 h 241300"/>
+                <a:gd name="connsiteX4" fmla="*/ 236006 w 346300"/>
+                <a:gd name="connsiteY4" fmla="*/ 241300 h 241300"/>
+                <a:gd name="connsiteX5" fmla="*/ 2427 w 346300"/>
+                <a:gd name="connsiteY5" fmla="*/ 241300 h 241300"/>
+                <a:gd name="connsiteX6" fmla="*/ 56402 w 346300"/>
+                <a:gd name="connsiteY6" fmla="*/ 125412 h 241300"/>
+                <a:gd name="connsiteX0" fmla="*/ 56402 w 342069"/>
+                <a:gd name="connsiteY0" fmla="*/ 125412 h 241300"/>
+                <a:gd name="connsiteX1" fmla="*/ 0 w 342069"/>
+                <a:gd name="connsiteY1" fmla="*/ 529 h 241300"/>
+                <a:gd name="connsiteX2" fmla="*/ 231772 w 342069"/>
+                <a:gd name="connsiteY2" fmla="*/ 0 h 241300"/>
+                <a:gd name="connsiteX3" fmla="*/ 342056 w 342069"/>
+                <a:gd name="connsiteY3" fmla="*/ 113770 h 241300"/>
+                <a:gd name="connsiteX4" fmla="*/ 236006 w 342069"/>
+                <a:gd name="connsiteY4" fmla="*/ 241300 h 241300"/>
+                <a:gd name="connsiteX5" fmla="*/ 2427 w 342069"/>
+                <a:gd name="connsiteY5" fmla="*/ 241300 h 241300"/>
+                <a:gd name="connsiteX6" fmla="*/ 56402 w 342069"/>
+                <a:gd name="connsiteY6" fmla="*/ 125412 h 241300"/>
+                <a:gd name="connsiteX0" fmla="*/ 56402 w 344616"/>
+                <a:gd name="connsiteY0" fmla="*/ 125412 h 241300"/>
+                <a:gd name="connsiteX1" fmla="*/ 0 w 344616"/>
+                <a:gd name="connsiteY1" fmla="*/ 529 h 241300"/>
+                <a:gd name="connsiteX2" fmla="*/ 231772 w 344616"/>
+                <a:gd name="connsiteY2" fmla="*/ 0 h 241300"/>
+                <a:gd name="connsiteX3" fmla="*/ 342056 w 344616"/>
+                <a:gd name="connsiteY3" fmla="*/ 113770 h 241300"/>
+                <a:gd name="connsiteX4" fmla="*/ 236006 w 344616"/>
+                <a:gd name="connsiteY4" fmla="*/ 241300 h 241300"/>
+                <a:gd name="connsiteX5" fmla="*/ 2427 w 344616"/>
+                <a:gd name="connsiteY5" fmla="*/ 241300 h 241300"/>
+                <a:gd name="connsiteX6" fmla="*/ 56402 w 344616"/>
+                <a:gd name="connsiteY6" fmla="*/ 125412 h 241300"/>
+                <a:gd name="connsiteX0" fmla="*/ 56402 w 344616"/>
+                <a:gd name="connsiteY0" fmla="*/ 125412 h 241300"/>
+                <a:gd name="connsiteX1" fmla="*/ 0 w 344616"/>
+                <a:gd name="connsiteY1" fmla="*/ 529 h 241300"/>
+                <a:gd name="connsiteX2" fmla="*/ 231772 w 344616"/>
+                <a:gd name="connsiteY2" fmla="*/ 0 h 241300"/>
+                <a:gd name="connsiteX3" fmla="*/ 342056 w 344616"/>
+                <a:gd name="connsiteY3" fmla="*/ 113770 h 241300"/>
+                <a:gd name="connsiteX4" fmla="*/ 236006 w 344616"/>
+                <a:gd name="connsiteY4" fmla="*/ 241300 h 241300"/>
+                <a:gd name="connsiteX5" fmla="*/ 2427 w 344616"/>
+                <a:gd name="connsiteY5" fmla="*/ 241300 h 241300"/>
+                <a:gd name="connsiteX6" fmla="*/ 56402 w 344616"/>
+                <a:gd name="connsiteY6" fmla="*/ 125412 h 241300"/>
+                <a:gd name="connsiteX0" fmla="*/ 56402 w 342056"/>
+                <a:gd name="connsiteY0" fmla="*/ 125412 h 241300"/>
+                <a:gd name="connsiteX1" fmla="*/ 0 w 342056"/>
+                <a:gd name="connsiteY1" fmla="*/ 529 h 241300"/>
+                <a:gd name="connsiteX2" fmla="*/ 231772 w 342056"/>
+                <a:gd name="connsiteY2" fmla="*/ 0 h 241300"/>
+                <a:gd name="connsiteX3" fmla="*/ 342056 w 342056"/>
+                <a:gd name="connsiteY3" fmla="*/ 113770 h 241300"/>
+                <a:gd name="connsiteX4" fmla="*/ 236006 w 342056"/>
+                <a:gd name="connsiteY4" fmla="*/ 241300 h 241300"/>
+                <a:gd name="connsiteX5" fmla="*/ 2427 w 342056"/>
+                <a:gd name="connsiteY5" fmla="*/ 241300 h 241300"/>
+                <a:gd name="connsiteX6" fmla="*/ 56402 w 342056"/>
+                <a:gd name="connsiteY6" fmla="*/ 125412 h 241300"/>
+                <a:gd name="connsiteX0" fmla="*/ 56402 w 342056"/>
+                <a:gd name="connsiteY0" fmla="*/ 125412 h 241300"/>
+                <a:gd name="connsiteX1" fmla="*/ 0 w 342056"/>
+                <a:gd name="connsiteY1" fmla="*/ 529 h 241300"/>
+                <a:gd name="connsiteX2" fmla="*/ 231772 w 342056"/>
+                <a:gd name="connsiteY2" fmla="*/ 0 h 241300"/>
+                <a:gd name="connsiteX3" fmla="*/ 342056 w 342056"/>
+                <a:gd name="connsiteY3" fmla="*/ 113770 h 241300"/>
+                <a:gd name="connsiteX4" fmla="*/ 236006 w 342056"/>
+                <a:gd name="connsiteY4" fmla="*/ 241300 h 241300"/>
+                <a:gd name="connsiteX5" fmla="*/ 2427 w 342056"/>
+                <a:gd name="connsiteY5" fmla="*/ 241300 h 241300"/>
+                <a:gd name="connsiteX6" fmla="*/ 56402 w 342056"/>
+                <a:gd name="connsiteY6" fmla="*/ 125412 h 241300"/>
+                <a:gd name="connsiteX0" fmla="*/ 56402 w 342056"/>
+                <a:gd name="connsiteY0" fmla="*/ 125412 h 241300"/>
+                <a:gd name="connsiteX1" fmla="*/ 0 w 342056"/>
+                <a:gd name="connsiteY1" fmla="*/ 529 h 241300"/>
+                <a:gd name="connsiteX2" fmla="*/ 231772 w 342056"/>
+                <a:gd name="connsiteY2" fmla="*/ 0 h 241300"/>
+                <a:gd name="connsiteX3" fmla="*/ 342056 w 342056"/>
+                <a:gd name="connsiteY3" fmla="*/ 113770 h 241300"/>
+                <a:gd name="connsiteX4" fmla="*/ 236006 w 342056"/>
+                <a:gd name="connsiteY4" fmla="*/ 241300 h 241300"/>
+                <a:gd name="connsiteX5" fmla="*/ 2427 w 342056"/>
+                <a:gd name="connsiteY5" fmla="*/ 241300 h 241300"/>
+                <a:gd name="connsiteX6" fmla="*/ 56402 w 342056"/>
+                <a:gd name="connsiteY6" fmla="*/ 125412 h 241300"/>
+                <a:gd name="connsiteX0" fmla="*/ 56402 w 342056"/>
+                <a:gd name="connsiteY0" fmla="*/ 125412 h 241300"/>
+                <a:gd name="connsiteX1" fmla="*/ 0 w 342056"/>
+                <a:gd name="connsiteY1" fmla="*/ 529 h 241300"/>
+                <a:gd name="connsiteX2" fmla="*/ 231772 w 342056"/>
+                <a:gd name="connsiteY2" fmla="*/ 0 h 241300"/>
+                <a:gd name="connsiteX3" fmla="*/ 342056 w 342056"/>
+                <a:gd name="connsiteY3" fmla="*/ 113770 h 241300"/>
+                <a:gd name="connsiteX4" fmla="*/ 236006 w 342056"/>
+                <a:gd name="connsiteY4" fmla="*/ 241300 h 241300"/>
+                <a:gd name="connsiteX5" fmla="*/ 2427 w 342056"/>
+                <a:gd name="connsiteY5" fmla="*/ 241300 h 241300"/>
+                <a:gd name="connsiteX6" fmla="*/ 56402 w 342056"/>
+                <a:gd name="connsiteY6" fmla="*/ 125412 h 241300"/>
+                <a:gd name="connsiteX0" fmla="*/ 56402 w 342056"/>
+                <a:gd name="connsiteY0" fmla="*/ 125412 h 241300"/>
+                <a:gd name="connsiteX1" fmla="*/ 0 w 342056"/>
+                <a:gd name="connsiteY1" fmla="*/ 529 h 241300"/>
+                <a:gd name="connsiteX2" fmla="*/ 231772 w 342056"/>
+                <a:gd name="connsiteY2" fmla="*/ 0 h 241300"/>
+                <a:gd name="connsiteX3" fmla="*/ 342056 w 342056"/>
+                <a:gd name="connsiteY3" fmla="*/ 113770 h 241300"/>
+                <a:gd name="connsiteX4" fmla="*/ 236006 w 342056"/>
+                <a:gd name="connsiteY4" fmla="*/ 241300 h 241300"/>
+                <a:gd name="connsiteX5" fmla="*/ 2427 w 342056"/>
+                <a:gd name="connsiteY5" fmla="*/ 241300 h 241300"/>
+                <a:gd name="connsiteX6" fmla="*/ 56402 w 342056"/>
+                <a:gd name="connsiteY6" fmla="*/ 125412 h 241300"/>
+              </a:gdLst>
+              <a:ahLst/>
+              <a:cxnLst>
+                <a:cxn ang="0">
+                  <a:pos x="connsiteX0" y="connsiteY0"/>
+                </a:cxn>
+                <a:cxn ang="0">
+                  <a:pos x="connsiteX1" y="connsiteY1"/>
+                </a:cxn>
+                <a:cxn ang="0">
+                  <a:pos x="connsiteX2" y="connsiteY2"/>
+                </a:cxn>
+                <a:cxn ang="0">
+                  <a:pos x="connsiteX3" y="connsiteY3"/>
+                </a:cxn>
+                <a:cxn ang="0">
+                  <a:pos x="connsiteX4" y="connsiteY4"/>
+                </a:cxn>
+                <a:cxn ang="0">
+                  <a:pos x="connsiteX5" y="connsiteY5"/>
+                </a:cxn>
+                <a:cxn ang="0">
+                  <a:pos x="connsiteX6" y="connsiteY6"/>
+                </a:cxn>
+              </a:cxnLst>
+              <a:rect l="l" t="t" r="r" b="b"/>
+              <a:pathLst>
+                <a:path w="342056" h="241300">
+                  <a:moveTo>
+                    <a:pt x="56402" y="125412"/>
+                  </a:moveTo>
+                  <a:cubicBezTo>
+                    <a:pt x="57586" y="96397"/>
+                    <a:pt x="52087" y="57944"/>
+                    <a:pt x="0" y="529"/>
+                  </a:cubicBezTo>
+                  <a:lnTo>
+                    <a:pt x="231772" y="0"/>
+                  </a:lnTo>
+                  <a:cubicBezTo>
+                    <a:pt x="288869" y="20020"/>
+                    <a:pt x="331364" y="63235"/>
+                    <a:pt x="342056" y="113770"/>
+                  </a:cubicBezTo>
+                  <a:cubicBezTo>
+                    <a:pt x="332178" y="175154"/>
+                    <a:pt x="315650" y="215900"/>
+                    <a:pt x="236006" y="241300"/>
+                  </a:cubicBezTo>
+                  <a:lnTo>
+                    <a:pt x="2427" y="241300"/>
+                  </a:lnTo>
+                  <a:cubicBezTo>
+                    <a:pt x="48164" y="179123"/>
+                    <a:pt x="55218" y="154427"/>
+                    <a:pt x="56402" y="125412"/>
+                  </a:cubicBezTo>
+                  <a:close/>
+                </a:path>
+              </a:pathLst>
+            </a:custGeom>
+            <a:solidFill>
+              <a:schemeClr val="bg1"/>
+            </a:solidFill>
+          </p:spPr>
+          <p:style>
+            <a:lnRef idx="2">
+              <a:schemeClr val="dk1"/>
+            </a:lnRef>
+            <a:fillRef idx="1">
+              <a:schemeClr val="lt1"/>
+            </a:fillRef>
+            <a:effectRef idx="0">
+              <a:schemeClr val="dk1"/>
+            </a:effectRef>
+            <a:fontRef idx="minor">
+              <a:schemeClr val="dk1"/>
+            </a:fontRef>
+          </p:style>
+          <p:txBody>
+            <a:bodyPr rtlCol="0" anchor="ctr"/>
+            <a:lstStyle/>
+            <a:p>
+              <a:pPr algn="ctr"/>
+              <a:endParaRPr lang="en-GB" dirty="0"/>
+            </a:p>
+          </p:txBody>
+        </p:sp>
+        <p:sp>
+          <p:nvSpPr>
+            <p:cNvPr id="34" name="Oval 33">
+              <a:extLst>
+                <a:ext uri="{FF2B5EF4-FFF2-40B4-BE49-F238E27FC236}">
+                  <a16:creationId xmlns:a16="http://schemas.microsoft.com/office/drawing/2014/main" id="{9877C334-A45A-D326-A3E1-045D60C8E257}"/>
+                </a:ext>
+              </a:extLst>
+            </p:cNvPr>
+            <p:cNvSpPr/>
+            <p:nvPr/>
+          </p:nvSpPr>
+          <p:spPr>
+            <a:xfrm>
+              <a:off x="6437742" y="2243336"/>
+              <a:ext cx="45719" cy="45719"/>
+            </a:xfrm>
+            <a:prstGeom prst="ellipse">
+              <a:avLst/>
+            </a:prstGeom>
+            <a:solidFill>
+              <a:schemeClr val="bg1"/>
+            </a:solidFill>
+          </p:spPr>
+          <p:style>
+            <a:lnRef idx="2">
+              <a:schemeClr val="dk1"/>
+            </a:lnRef>
+            <a:fillRef idx="1">
+              <a:schemeClr val="lt1"/>
+            </a:fillRef>
+            <a:effectRef idx="0">
+              <a:schemeClr val="dk1"/>
+            </a:effectRef>
+            <a:fontRef idx="minor">
+              <a:schemeClr val="dk1"/>
+            </a:fontRef>
+          </p:style>
+          <p:txBody>
+            <a:bodyPr rtlCol="0" anchor="ctr"/>
+            <a:lstStyle/>
+            <a:p>
+              <a:pPr algn="ctr"/>
+              <a:endParaRPr lang="en-GB"/>
+            </a:p>
+          </p:txBody>
+        </p:sp>
+        <p:sp>
+          <p:nvSpPr>
+            <p:cNvPr id="35" name="Flowchart: Delay 18">
+              <a:extLst>
+                <a:ext uri="{FF2B5EF4-FFF2-40B4-BE49-F238E27FC236}">
+                  <a16:creationId xmlns:a16="http://schemas.microsoft.com/office/drawing/2014/main" id="{34B129CE-9344-905D-1F88-19CDF4646F6B}"/>
+                </a:ext>
+              </a:extLst>
+            </p:cNvPr>
+            <p:cNvSpPr/>
+            <p:nvPr/>
+          </p:nvSpPr>
+          <p:spPr>
+            <a:xfrm>
+              <a:off x="6039462" y="2149251"/>
+              <a:ext cx="56538" cy="240771"/>
+            </a:xfrm>
+            <a:custGeom>
+              <a:avLst/>
+              <a:gdLst>
+                <a:gd name="connsiteX0" fmla="*/ 0 w 340158"/>
+                <a:gd name="connsiteY0" fmla="*/ 0 h 241300"/>
+                <a:gd name="connsiteX1" fmla="*/ 170079 w 340158"/>
+                <a:gd name="connsiteY1" fmla="*/ 0 h 241300"/>
+                <a:gd name="connsiteX2" fmla="*/ 340158 w 340158"/>
+                <a:gd name="connsiteY2" fmla="*/ 120650 h 241300"/>
+                <a:gd name="connsiteX3" fmla="*/ 170079 w 340158"/>
+                <a:gd name="connsiteY3" fmla="*/ 241300 h 241300"/>
+                <a:gd name="connsiteX4" fmla="*/ 0 w 340158"/>
+                <a:gd name="connsiteY4" fmla="*/ 241300 h 241300"/>
+                <a:gd name="connsiteX5" fmla="*/ 0 w 340158"/>
+                <a:gd name="connsiteY5" fmla="*/ 0 h 241300"/>
+                <a:gd name="connsiteX0" fmla="*/ 2427 w 342585"/>
+                <a:gd name="connsiteY0" fmla="*/ 0 h 241300"/>
+                <a:gd name="connsiteX1" fmla="*/ 0 w 342585"/>
+                <a:gd name="connsiteY1" fmla="*/ 529 h 241300"/>
+                <a:gd name="connsiteX2" fmla="*/ 172506 w 342585"/>
+                <a:gd name="connsiteY2" fmla="*/ 0 h 241300"/>
+                <a:gd name="connsiteX3" fmla="*/ 342585 w 342585"/>
+                <a:gd name="connsiteY3" fmla="*/ 120650 h 241300"/>
+                <a:gd name="connsiteX4" fmla="*/ 172506 w 342585"/>
+                <a:gd name="connsiteY4" fmla="*/ 241300 h 241300"/>
+                <a:gd name="connsiteX5" fmla="*/ 2427 w 342585"/>
+                <a:gd name="connsiteY5" fmla="*/ 241300 h 241300"/>
+                <a:gd name="connsiteX6" fmla="*/ 2427 w 342585"/>
+                <a:gd name="connsiteY6" fmla="*/ 0 h 241300"/>
+                <a:gd name="connsiteX0" fmla="*/ 46877 w 342585"/>
+                <a:gd name="connsiteY0" fmla="*/ 115887 h 241300"/>
+                <a:gd name="connsiteX1" fmla="*/ 0 w 342585"/>
+                <a:gd name="connsiteY1" fmla="*/ 529 h 241300"/>
+                <a:gd name="connsiteX2" fmla="*/ 172506 w 342585"/>
+                <a:gd name="connsiteY2" fmla="*/ 0 h 241300"/>
+                <a:gd name="connsiteX3" fmla="*/ 342585 w 342585"/>
+                <a:gd name="connsiteY3" fmla="*/ 120650 h 241300"/>
+                <a:gd name="connsiteX4" fmla="*/ 172506 w 342585"/>
+                <a:gd name="connsiteY4" fmla="*/ 241300 h 241300"/>
+                <a:gd name="connsiteX5" fmla="*/ 2427 w 342585"/>
+                <a:gd name="connsiteY5" fmla="*/ 241300 h 241300"/>
+                <a:gd name="connsiteX6" fmla="*/ 46877 w 342585"/>
+                <a:gd name="connsiteY6" fmla="*/ 115887 h 241300"/>
+                <a:gd name="connsiteX0" fmla="*/ 50908 w 346616"/>
+                <a:gd name="connsiteY0" fmla="*/ 115887 h 241300"/>
+                <a:gd name="connsiteX1" fmla="*/ 4031 w 346616"/>
+                <a:gd name="connsiteY1" fmla="*/ 529 h 241300"/>
+                <a:gd name="connsiteX2" fmla="*/ 176537 w 346616"/>
+                <a:gd name="connsiteY2" fmla="*/ 0 h 241300"/>
+                <a:gd name="connsiteX3" fmla="*/ 346616 w 346616"/>
+                <a:gd name="connsiteY3" fmla="*/ 120650 h 241300"/>
+                <a:gd name="connsiteX4" fmla="*/ 176537 w 346616"/>
+                <a:gd name="connsiteY4" fmla="*/ 241300 h 241300"/>
+                <a:gd name="connsiteX5" fmla="*/ 6458 w 346616"/>
+                <a:gd name="connsiteY5" fmla="*/ 241300 h 241300"/>
+                <a:gd name="connsiteX6" fmla="*/ 50908 w 346616"/>
+                <a:gd name="connsiteY6" fmla="*/ 115887 h 241300"/>
+                <a:gd name="connsiteX0" fmla="*/ 50908 w 346616"/>
+                <a:gd name="connsiteY0" fmla="*/ 115887 h 241300"/>
+                <a:gd name="connsiteX1" fmla="*/ 4031 w 346616"/>
+                <a:gd name="connsiteY1" fmla="*/ 529 h 241300"/>
+                <a:gd name="connsiteX2" fmla="*/ 176537 w 346616"/>
+                <a:gd name="connsiteY2" fmla="*/ 0 h 241300"/>
+                <a:gd name="connsiteX3" fmla="*/ 346616 w 346616"/>
+                <a:gd name="connsiteY3" fmla="*/ 120650 h 241300"/>
+                <a:gd name="connsiteX4" fmla="*/ 176537 w 346616"/>
+                <a:gd name="connsiteY4" fmla="*/ 241300 h 241300"/>
+                <a:gd name="connsiteX5" fmla="*/ 6458 w 346616"/>
+                <a:gd name="connsiteY5" fmla="*/ 241300 h 241300"/>
+                <a:gd name="connsiteX6" fmla="*/ 50908 w 346616"/>
+                <a:gd name="connsiteY6" fmla="*/ 115887 h 241300"/>
+                <a:gd name="connsiteX0" fmla="*/ 50908 w 346616"/>
+                <a:gd name="connsiteY0" fmla="*/ 115887 h 241300"/>
+                <a:gd name="connsiteX1" fmla="*/ 4031 w 346616"/>
+                <a:gd name="connsiteY1" fmla="*/ 529 h 241300"/>
+                <a:gd name="connsiteX2" fmla="*/ 176537 w 346616"/>
+                <a:gd name="connsiteY2" fmla="*/ 0 h 241300"/>
+                <a:gd name="connsiteX3" fmla="*/ 346616 w 346616"/>
+                <a:gd name="connsiteY3" fmla="*/ 120650 h 241300"/>
+                <a:gd name="connsiteX4" fmla="*/ 176537 w 346616"/>
+                <a:gd name="connsiteY4" fmla="*/ 241300 h 241300"/>
+                <a:gd name="connsiteX5" fmla="*/ 6458 w 346616"/>
+                <a:gd name="connsiteY5" fmla="*/ 241300 h 241300"/>
+                <a:gd name="connsiteX6" fmla="*/ 50908 w 346616"/>
+                <a:gd name="connsiteY6" fmla="*/ 115887 h 241300"/>
+                <a:gd name="connsiteX0" fmla="*/ 46877 w 342585"/>
+                <a:gd name="connsiteY0" fmla="*/ 115887 h 241300"/>
+                <a:gd name="connsiteX1" fmla="*/ 0 w 342585"/>
+                <a:gd name="connsiteY1" fmla="*/ 529 h 241300"/>
+                <a:gd name="connsiteX2" fmla="*/ 172506 w 342585"/>
+                <a:gd name="connsiteY2" fmla="*/ 0 h 241300"/>
+                <a:gd name="connsiteX3" fmla="*/ 342585 w 342585"/>
+                <a:gd name="connsiteY3" fmla="*/ 120650 h 241300"/>
+                <a:gd name="connsiteX4" fmla="*/ 172506 w 342585"/>
+                <a:gd name="connsiteY4" fmla="*/ 241300 h 241300"/>
+                <a:gd name="connsiteX5" fmla="*/ 2427 w 342585"/>
+                <a:gd name="connsiteY5" fmla="*/ 241300 h 241300"/>
+                <a:gd name="connsiteX6" fmla="*/ 46877 w 342585"/>
+                <a:gd name="connsiteY6" fmla="*/ 115887 h 241300"/>
+                <a:gd name="connsiteX0" fmla="*/ 46877 w 342585"/>
+                <a:gd name="connsiteY0" fmla="*/ 115887 h 241300"/>
+                <a:gd name="connsiteX1" fmla="*/ 0 w 342585"/>
+                <a:gd name="connsiteY1" fmla="*/ 529 h 241300"/>
+                <a:gd name="connsiteX2" fmla="*/ 172506 w 342585"/>
+                <a:gd name="connsiteY2" fmla="*/ 0 h 241300"/>
+                <a:gd name="connsiteX3" fmla="*/ 342585 w 342585"/>
+                <a:gd name="connsiteY3" fmla="*/ 120650 h 241300"/>
+                <a:gd name="connsiteX4" fmla="*/ 172506 w 342585"/>
+                <a:gd name="connsiteY4" fmla="*/ 241300 h 241300"/>
+                <a:gd name="connsiteX5" fmla="*/ 2427 w 342585"/>
+                <a:gd name="connsiteY5" fmla="*/ 241300 h 241300"/>
+                <a:gd name="connsiteX6" fmla="*/ 46877 w 342585"/>
+                <a:gd name="connsiteY6" fmla="*/ 115887 h 241300"/>
+                <a:gd name="connsiteX0" fmla="*/ 46877 w 342585"/>
+                <a:gd name="connsiteY0" fmla="*/ 115887 h 241300"/>
+                <a:gd name="connsiteX1" fmla="*/ 0 w 342585"/>
+                <a:gd name="connsiteY1" fmla="*/ 529 h 241300"/>
+                <a:gd name="connsiteX2" fmla="*/ 172506 w 342585"/>
+                <a:gd name="connsiteY2" fmla="*/ 0 h 241300"/>
+                <a:gd name="connsiteX3" fmla="*/ 342585 w 342585"/>
+                <a:gd name="connsiteY3" fmla="*/ 120650 h 241300"/>
+                <a:gd name="connsiteX4" fmla="*/ 172506 w 342585"/>
+                <a:gd name="connsiteY4" fmla="*/ 241300 h 241300"/>
+                <a:gd name="connsiteX5" fmla="*/ 2427 w 342585"/>
+                <a:gd name="connsiteY5" fmla="*/ 241300 h 241300"/>
+                <a:gd name="connsiteX6" fmla="*/ 46877 w 342585"/>
+                <a:gd name="connsiteY6" fmla="*/ 115887 h 241300"/>
+                <a:gd name="connsiteX0" fmla="*/ 46877 w 342585"/>
+                <a:gd name="connsiteY0" fmla="*/ 115887 h 241300"/>
+                <a:gd name="connsiteX1" fmla="*/ 0 w 342585"/>
+                <a:gd name="connsiteY1" fmla="*/ 529 h 241300"/>
+                <a:gd name="connsiteX2" fmla="*/ 172506 w 342585"/>
+                <a:gd name="connsiteY2" fmla="*/ 0 h 241300"/>
+                <a:gd name="connsiteX3" fmla="*/ 342585 w 342585"/>
+                <a:gd name="connsiteY3" fmla="*/ 120650 h 241300"/>
+                <a:gd name="connsiteX4" fmla="*/ 172506 w 342585"/>
+                <a:gd name="connsiteY4" fmla="*/ 241300 h 241300"/>
+                <a:gd name="connsiteX5" fmla="*/ 2427 w 342585"/>
+                <a:gd name="connsiteY5" fmla="*/ 241300 h 241300"/>
+                <a:gd name="connsiteX6" fmla="*/ 46877 w 342585"/>
+                <a:gd name="connsiteY6" fmla="*/ 115887 h 241300"/>
+                <a:gd name="connsiteX0" fmla="*/ 56402 w 342585"/>
+                <a:gd name="connsiteY0" fmla="*/ 107949 h 241300"/>
+                <a:gd name="connsiteX1" fmla="*/ 0 w 342585"/>
+                <a:gd name="connsiteY1" fmla="*/ 529 h 241300"/>
+                <a:gd name="connsiteX2" fmla="*/ 172506 w 342585"/>
+                <a:gd name="connsiteY2" fmla="*/ 0 h 241300"/>
+                <a:gd name="connsiteX3" fmla="*/ 342585 w 342585"/>
+                <a:gd name="connsiteY3" fmla="*/ 120650 h 241300"/>
+                <a:gd name="connsiteX4" fmla="*/ 172506 w 342585"/>
+                <a:gd name="connsiteY4" fmla="*/ 241300 h 241300"/>
+                <a:gd name="connsiteX5" fmla="*/ 2427 w 342585"/>
+                <a:gd name="connsiteY5" fmla="*/ 241300 h 241300"/>
+                <a:gd name="connsiteX6" fmla="*/ 56402 w 342585"/>
+                <a:gd name="connsiteY6" fmla="*/ 107949 h 241300"/>
+                <a:gd name="connsiteX0" fmla="*/ 56402 w 342585"/>
+                <a:gd name="connsiteY0" fmla="*/ 107949 h 241300"/>
+                <a:gd name="connsiteX1" fmla="*/ 0 w 342585"/>
+                <a:gd name="connsiteY1" fmla="*/ 529 h 241300"/>
+                <a:gd name="connsiteX2" fmla="*/ 172506 w 342585"/>
+                <a:gd name="connsiteY2" fmla="*/ 0 h 241300"/>
+                <a:gd name="connsiteX3" fmla="*/ 342585 w 342585"/>
+                <a:gd name="connsiteY3" fmla="*/ 120650 h 241300"/>
+                <a:gd name="connsiteX4" fmla="*/ 172506 w 342585"/>
+                <a:gd name="connsiteY4" fmla="*/ 241300 h 241300"/>
+                <a:gd name="connsiteX5" fmla="*/ 2427 w 342585"/>
+                <a:gd name="connsiteY5" fmla="*/ 241300 h 241300"/>
+                <a:gd name="connsiteX6" fmla="*/ 56402 w 342585"/>
+                <a:gd name="connsiteY6" fmla="*/ 107949 h 241300"/>
+                <a:gd name="connsiteX0" fmla="*/ 56402 w 342585"/>
+                <a:gd name="connsiteY0" fmla="*/ 128587 h 241300"/>
+                <a:gd name="connsiteX1" fmla="*/ 0 w 342585"/>
+                <a:gd name="connsiteY1" fmla="*/ 529 h 241300"/>
+                <a:gd name="connsiteX2" fmla="*/ 172506 w 342585"/>
+                <a:gd name="connsiteY2" fmla="*/ 0 h 241300"/>
+                <a:gd name="connsiteX3" fmla="*/ 342585 w 342585"/>
+                <a:gd name="connsiteY3" fmla="*/ 120650 h 241300"/>
+                <a:gd name="connsiteX4" fmla="*/ 172506 w 342585"/>
+                <a:gd name="connsiteY4" fmla="*/ 241300 h 241300"/>
+                <a:gd name="connsiteX5" fmla="*/ 2427 w 342585"/>
+                <a:gd name="connsiteY5" fmla="*/ 241300 h 241300"/>
+                <a:gd name="connsiteX6" fmla="*/ 56402 w 342585"/>
+                <a:gd name="connsiteY6" fmla="*/ 128587 h 241300"/>
+                <a:gd name="connsiteX0" fmla="*/ 56402 w 342585"/>
+                <a:gd name="connsiteY0" fmla="*/ 128587 h 241300"/>
+                <a:gd name="connsiteX1" fmla="*/ 0 w 342585"/>
+                <a:gd name="connsiteY1" fmla="*/ 529 h 241300"/>
+                <a:gd name="connsiteX2" fmla="*/ 172506 w 342585"/>
+                <a:gd name="connsiteY2" fmla="*/ 0 h 241300"/>
+                <a:gd name="connsiteX3" fmla="*/ 342585 w 342585"/>
+                <a:gd name="connsiteY3" fmla="*/ 120650 h 241300"/>
+                <a:gd name="connsiteX4" fmla="*/ 172506 w 342585"/>
+                <a:gd name="connsiteY4" fmla="*/ 241300 h 241300"/>
+                <a:gd name="connsiteX5" fmla="*/ 2427 w 342585"/>
+                <a:gd name="connsiteY5" fmla="*/ 241300 h 241300"/>
+                <a:gd name="connsiteX6" fmla="*/ 56402 w 342585"/>
+                <a:gd name="connsiteY6" fmla="*/ 128587 h 241300"/>
+                <a:gd name="connsiteX0" fmla="*/ 56402 w 342585"/>
+                <a:gd name="connsiteY0" fmla="*/ 125412 h 241300"/>
+                <a:gd name="connsiteX1" fmla="*/ 0 w 342585"/>
+                <a:gd name="connsiteY1" fmla="*/ 529 h 241300"/>
+                <a:gd name="connsiteX2" fmla="*/ 172506 w 342585"/>
+                <a:gd name="connsiteY2" fmla="*/ 0 h 241300"/>
+                <a:gd name="connsiteX3" fmla="*/ 342585 w 342585"/>
+                <a:gd name="connsiteY3" fmla="*/ 120650 h 241300"/>
+                <a:gd name="connsiteX4" fmla="*/ 172506 w 342585"/>
+                <a:gd name="connsiteY4" fmla="*/ 241300 h 241300"/>
+                <a:gd name="connsiteX5" fmla="*/ 2427 w 342585"/>
+                <a:gd name="connsiteY5" fmla="*/ 241300 h 241300"/>
+                <a:gd name="connsiteX6" fmla="*/ 56402 w 342585"/>
+                <a:gd name="connsiteY6" fmla="*/ 125412 h 241300"/>
+                <a:gd name="connsiteX0" fmla="*/ 56402 w 346146"/>
+                <a:gd name="connsiteY0" fmla="*/ 125412 h 241300"/>
+                <a:gd name="connsiteX1" fmla="*/ 0 w 346146"/>
+                <a:gd name="connsiteY1" fmla="*/ 529 h 241300"/>
+                <a:gd name="connsiteX2" fmla="*/ 172506 w 346146"/>
+                <a:gd name="connsiteY2" fmla="*/ 0 h 241300"/>
+                <a:gd name="connsiteX3" fmla="*/ 342585 w 346146"/>
+                <a:gd name="connsiteY3" fmla="*/ 120650 h 241300"/>
+                <a:gd name="connsiteX4" fmla="*/ 172506 w 346146"/>
+                <a:gd name="connsiteY4" fmla="*/ 241300 h 241300"/>
+                <a:gd name="connsiteX5" fmla="*/ 2427 w 346146"/>
+                <a:gd name="connsiteY5" fmla="*/ 241300 h 241300"/>
+                <a:gd name="connsiteX6" fmla="*/ 56402 w 346146"/>
+                <a:gd name="connsiteY6" fmla="*/ 125412 h 241300"/>
+                <a:gd name="connsiteX0" fmla="*/ 56402 w 346146"/>
+                <a:gd name="connsiteY0" fmla="*/ 125412 h 241300"/>
+                <a:gd name="connsiteX1" fmla="*/ 0 w 346146"/>
+                <a:gd name="connsiteY1" fmla="*/ 529 h 241300"/>
+                <a:gd name="connsiteX2" fmla="*/ 172506 w 346146"/>
+                <a:gd name="connsiteY2" fmla="*/ 0 h 241300"/>
+                <a:gd name="connsiteX3" fmla="*/ 342585 w 346146"/>
+                <a:gd name="connsiteY3" fmla="*/ 120650 h 241300"/>
+                <a:gd name="connsiteX4" fmla="*/ 172506 w 346146"/>
+                <a:gd name="connsiteY4" fmla="*/ 241300 h 241300"/>
+                <a:gd name="connsiteX5" fmla="*/ 2427 w 346146"/>
+                <a:gd name="connsiteY5" fmla="*/ 241300 h 241300"/>
+                <a:gd name="connsiteX6" fmla="*/ 56402 w 346146"/>
+                <a:gd name="connsiteY6" fmla="*/ 125412 h 241300"/>
+                <a:gd name="connsiteX0" fmla="*/ 56402 w 342585"/>
+                <a:gd name="connsiteY0" fmla="*/ 125412 h 241300"/>
+                <a:gd name="connsiteX1" fmla="*/ 0 w 342585"/>
+                <a:gd name="connsiteY1" fmla="*/ 529 h 241300"/>
+                <a:gd name="connsiteX2" fmla="*/ 172506 w 342585"/>
+                <a:gd name="connsiteY2" fmla="*/ 0 h 241300"/>
+                <a:gd name="connsiteX3" fmla="*/ 342585 w 342585"/>
+                <a:gd name="connsiteY3" fmla="*/ 120650 h 241300"/>
+                <a:gd name="connsiteX4" fmla="*/ 172506 w 342585"/>
+                <a:gd name="connsiteY4" fmla="*/ 241300 h 241300"/>
+                <a:gd name="connsiteX5" fmla="*/ 2427 w 342585"/>
+                <a:gd name="connsiteY5" fmla="*/ 241300 h 241300"/>
+                <a:gd name="connsiteX6" fmla="*/ 56402 w 342585"/>
+                <a:gd name="connsiteY6" fmla="*/ 125412 h 241300"/>
+                <a:gd name="connsiteX0" fmla="*/ 56402 w 342585"/>
+                <a:gd name="connsiteY0" fmla="*/ 125412 h 241300"/>
+                <a:gd name="connsiteX1" fmla="*/ 0 w 342585"/>
+                <a:gd name="connsiteY1" fmla="*/ 529 h 241300"/>
+                <a:gd name="connsiteX2" fmla="*/ 172506 w 342585"/>
+                <a:gd name="connsiteY2" fmla="*/ 0 h 241300"/>
+                <a:gd name="connsiteX3" fmla="*/ 342585 w 342585"/>
+                <a:gd name="connsiteY3" fmla="*/ 120650 h 241300"/>
+                <a:gd name="connsiteX4" fmla="*/ 172506 w 342585"/>
+                <a:gd name="connsiteY4" fmla="*/ 241300 h 241300"/>
+                <a:gd name="connsiteX5" fmla="*/ 2427 w 342585"/>
+                <a:gd name="connsiteY5" fmla="*/ 241300 h 241300"/>
+                <a:gd name="connsiteX6" fmla="*/ 56402 w 342585"/>
+                <a:gd name="connsiteY6" fmla="*/ 125412 h 241300"/>
+                <a:gd name="connsiteX0" fmla="*/ 56402 w 353179"/>
+                <a:gd name="connsiteY0" fmla="*/ 125412 h 241300"/>
+                <a:gd name="connsiteX1" fmla="*/ 0 w 353179"/>
+                <a:gd name="connsiteY1" fmla="*/ 529 h 241300"/>
+                <a:gd name="connsiteX2" fmla="*/ 172506 w 353179"/>
+                <a:gd name="connsiteY2" fmla="*/ 0 h 241300"/>
+                <a:gd name="connsiteX3" fmla="*/ 342585 w 353179"/>
+                <a:gd name="connsiteY3" fmla="*/ 120650 h 241300"/>
+                <a:gd name="connsiteX4" fmla="*/ 172506 w 353179"/>
+                <a:gd name="connsiteY4" fmla="*/ 241300 h 241300"/>
+                <a:gd name="connsiteX5" fmla="*/ 2427 w 353179"/>
+                <a:gd name="connsiteY5" fmla="*/ 241300 h 241300"/>
+                <a:gd name="connsiteX6" fmla="*/ 56402 w 353179"/>
+                <a:gd name="connsiteY6" fmla="*/ 125412 h 241300"/>
+                <a:gd name="connsiteX0" fmla="*/ 56402 w 342677"/>
+                <a:gd name="connsiteY0" fmla="*/ 125412 h 241300"/>
+                <a:gd name="connsiteX1" fmla="*/ 0 w 342677"/>
+                <a:gd name="connsiteY1" fmla="*/ 529 h 241300"/>
+                <a:gd name="connsiteX2" fmla="*/ 172506 w 342677"/>
+                <a:gd name="connsiteY2" fmla="*/ 0 h 241300"/>
+                <a:gd name="connsiteX3" fmla="*/ 342585 w 342677"/>
+                <a:gd name="connsiteY3" fmla="*/ 120650 h 241300"/>
+                <a:gd name="connsiteX4" fmla="*/ 172506 w 342677"/>
+                <a:gd name="connsiteY4" fmla="*/ 241300 h 241300"/>
+                <a:gd name="connsiteX5" fmla="*/ 2427 w 342677"/>
+                <a:gd name="connsiteY5" fmla="*/ 241300 h 241300"/>
+                <a:gd name="connsiteX6" fmla="*/ 56402 w 342677"/>
+                <a:gd name="connsiteY6" fmla="*/ 125412 h 241300"/>
+                <a:gd name="connsiteX0" fmla="*/ 56402 w 342677"/>
+                <a:gd name="connsiteY0" fmla="*/ 125412 h 241300"/>
+                <a:gd name="connsiteX1" fmla="*/ 0 w 342677"/>
+                <a:gd name="connsiteY1" fmla="*/ 529 h 241300"/>
+                <a:gd name="connsiteX2" fmla="*/ 172506 w 342677"/>
+                <a:gd name="connsiteY2" fmla="*/ 0 h 241300"/>
+                <a:gd name="connsiteX3" fmla="*/ 342585 w 342677"/>
+                <a:gd name="connsiteY3" fmla="*/ 120650 h 241300"/>
+                <a:gd name="connsiteX4" fmla="*/ 172506 w 342677"/>
+                <a:gd name="connsiteY4" fmla="*/ 241300 h 241300"/>
+                <a:gd name="connsiteX5" fmla="*/ 2427 w 342677"/>
+                <a:gd name="connsiteY5" fmla="*/ 241300 h 241300"/>
+                <a:gd name="connsiteX6" fmla="*/ 56402 w 342677"/>
+                <a:gd name="connsiteY6" fmla="*/ 125412 h 241300"/>
+                <a:gd name="connsiteX0" fmla="*/ 56402 w 306237"/>
+                <a:gd name="connsiteY0" fmla="*/ 125412 h 241300"/>
+                <a:gd name="connsiteX1" fmla="*/ 0 w 306237"/>
+                <a:gd name="connsiteY1" fmla="*/ 529 h 241300"/>
+                <a:gd name="connsiteX2" fmla="*/ 172506 w 306237"/>
+                <a:gd name="connsiteY2" fmla="*/ 0 h 241300"/>
+                <a:gd name="connsiteX3" fmla="*/ 306073 w 306237"/>
+                <a:gd name="connsiteY3" fmla="*/ 104775 h 241300"/>
+                <a:gd name="connsiteX4" fmla="*/ 172506 w 306237"/>
+                <a:gd name="connsiteY4" fmla="*/ 241300 h 241300"/>
+                <a:gd name="connsiteX5" fmla="*/ 2427 w 306237"/>
+                <a:gd name="connsiteY5" fmla="*/ 241300 h 241300"/>
+                <a:gd name="connsiteX6" fmla="*/ 56402 w 306237"/>
+                <a:gd name="connsiteY6" fmla="*/ 125412 h 241300"/>
+                <a:gd name="connsiteX0" fmla="*/ 56402 w 306237"/>
+                <a:gd name="connsiteY0" fmla="*/ 125412 h 241300"/>
+                <a:gd name="connsiteX1" fmla="*/ 0 w 306237"/>
+                <a:gd name="connsiteY1" fmla="*/ 529 h 241300"/>
+                <a:gd name="connsiteX2" fmla="*/ 172506 w 306237"/>
+                <a:gd name="connsiteY2" fmla="*/ 0 h 241300"/>
+                <a:gd name="connsiteX3" fmla="*/ 306073 w 306237"/>
+                <a:gd name="connsiteY3" fmla="*/ 104775 h 241300"/>
+                <a:gd name="connsiteX4" fmla="*/ 172506 w 306237"/>
+                <a:gd name="connsiteY4" fmla="*/ 241300 h 241300"/>
+                <a:gd name="connsiteX5" fmla="*/ 2427 w 306237"/>
+                <a:gd name="connsiteY5" fmla="*/ 241300 h 241300"/>
+                <a:gd name="connsiteX6" fmla="*/ 56402 w 306237"/>
+                <a:gd name="connsiteY6" fmla="*/ 125412 h 241300"/>
+                <a:gd name="connsiteX0" fmla="*/ 56402 w 306199"/>
+                <a:gd name="connsiteY0" fmla="*/ 125412 h 241300"/>
+                <a:gd name="connsiteX1" fmla="*/ 0 w 306199"/>
+                <a:gd name="connsiteY1" fmla="*/ 529 h 241300"/>
+                <a:gd name="connsiteX2" fmla="*/ 172506 w 306199"/>
+                <a:gd name="connsiteY2" fmla="*/ 0 h 241300"/>
+                <a:gd name="connsiteX3" fmla="*/ 306073 w 306199"/>
+                <a:gd name="connsiteY3" fmla="*/ 104775 h 241300"/>
+                <a:gd name="connsiteX4" fmla="*/ 172506 w 306199"/>
+                <a:gd name="connsiteY4" fmla="*/ 241300 h 241300"/>
+                <a:gd name="connsiteX5" fmla="*/ 2427 w 306199"/>
+                <a:gd name="connsiteY5" fmla="*/ 241300 h 241300"/>
+                <a:gd name="connsiteX6" fmla="*/ 56402 w 306199"/>
+                <a:gd name="connsiteY6" fmla="*/ 125412 h 241300"/>
+                <a:gd name="connsiteX0" fmla="*/ 56402 w 306199"/>
+                <a:gd name="connsiteY0" fmla="*/ 125412 h 241300"/>
+                <a:gd name="connsiteX1" fmla="*/ 0 w 306199"/>
+                <a:gd name="connsiteY1" fmla="*/ 529 h 241300"/>
+                <a:gd name="connsiteX2" fmla="*/ 172506 w 306199"/>
+                <a:gd name="connsiteY2" fmla="*/ 0 h 241300"/>
+                <a:gd name="connsiteX3" fmla="*/ 306073 w 306199"/>
+                <a:gd name="connsiteY3" fmla="*/ 128587 h 241300"/>
+                <a:gd name="connsiteX4" fmla="*/ 172506 w 306199"/>
+                <a:gd name="connsiteY4" fmla="*/ 241300 h 241300"/>
+                <a:gd name="connsiteX5" fmla="*/ 2427 w 306199"/>
+                <a:gd name="connsiteY5" fmla="*/ 241300 h 241300"/>
+                <a:gd name="connsiteX6" fmla="*/ 56402 w 306199"/>
+                <a:gd name="connsiteY6" fmla="*/ 125412 h 241300"/>
+                <a:gd name="connsiteX0" fmla="*/ 56402 w 306199"/>
+                <a:gd name="connsiteY0" fmla="*/ 125412 h 241300"/>
+                <a:gd name="connsiteX1" fmla="*/ 0 w 306199"/>
+                <a:gd name="connsiteY1" fmla="*/ 529 h 241300"/>
+                <a:gd name="connsiteX2" fmla="*/ 172506 w 306199"/>
+                <a:gd name="connsiteY2" fmla="*/ 0 h 241300"/>
+                <a:gd name="connsiteX3" fmla="*/ 306073 w 306199"/>
+                <a:gd name="connsiteY3" fmla="*/ 122237 h 241300"/>
+                <a:gd name="connsiteX4" fmla="*/ 172506 w 306199"/>
+                <a:gd name="connsiteY4" fmla="*/ 241300 h 241300"/>
+                <a:gd name="connsiteX5" fmla="*/ 2427 w 306199"/>
+                <a:gd name="connsiteY5" fmla="*/ 241300 h 241300"/>
+                <a:gd name="connsiteX6" fmla="*/ 56402 w 306199"/>
+                <a:gd name="connsiteY6" fmla="*/ 125412 h 241300"/>
+                <a:gd name="connsiteX0" fmla="*/ 56402 w 306096"/>
+                <a:gd name="connsiteY0" fmla="*/ 125412 h 241300"/>
+                <a:gd name="connsiteX1" fmla="*/ 0 w 306096"/>
+                <a:gd name="connsiteY1" fmla="*/ 529 h 241300"/>
+                <a:gd name="connsiteX2" fmla="*/ 172506 w 306096"/>
+                <a:gd name="connsiteY2" fmla="*/ 0 h 241300"/>
+                <a:gd name="connsiteX3" fmla="*/ 306073 w 306096"/>
+                <a:gd name="connsiteY3" fmla="*/ 122237 h 241300"/>
+                <a:gd name="connsiteX4" fmla="*/ 172506 w 306096"/>
+                <a:gd name="connsiteY4" fmla="*/ 241300 h 241300"/>
+                <a:gd name="connsiteX5" fmla="*/ 2427 w 306096"/>
+                <a:gd name="connsiteY5" fmla="*/ 241300 h 241300"/>
+                <a:gd name="connsiteX6" fmla="*/ 56402 w 306096"/>
+                <a:gd name="connsiteY6" fmla="*/ 125412 h 241300"/>
+                <a:gd name="connsiteX0" fmla="*/ 56402 w 352654"/>
+                <a:gd name="connsiteY0" fmla="*/ 125412 h 241300"/>
+                <a:gd name="connsiteX1" fmla="*/ 0 w 352654"/>
+                <a:gd name="connsiteY1" fmla="*/ 529 h 241300"/>
+                <a:gd name="connsiteX2" fmla="*/ 172506 w 352654"/>
+                <a:gd name="connsiteY2" fmla="*/ 0 h 241300"/>
+                <a:gd name="connsiteX3" fmla="*/ 352639 w 352654"/>
+                <a:gd name="connsiteY3" fmla="*/ 124353 h 241300"/>
+                <a:gd name="connsiteX4" fmla="*/ 172506 w 352654"/>
+                <a:gd name="connsiteY4" fmla="*/ 241300 h 241300"/>
+                <a:gd name="connsiteX5" fmla="*/ 2427 w 352654"/>
+                <a:gd name="connsiteY5" fmla="*/ 241300 h 241300"/>
+                <a:gd name="connsiteX6" fmla="*/ 56402 w 352654"/>
+                <a:gd name="connsiteY6" fmla="*/ 125412 h 241300"/>
+                <a:gd name="connsiteX0" fmla="*/ 56402 w 353537"/>
+                <a:gd name="connsiteY0" fmla="*/ 125412 h 241300"/>
+                <a:gd name="connsiteX1" fmla="*/ 0 w 353537"/>
+                <a:gd name="connsiteY1" fmla="*/ 529 h 241300"/>
+                <a:gd name="connsiteX2" fmla="*/ 231772 w 353537"/>
+                <a:gd name="connsiteY2" fmla="*/ 0 h 241300"/>
+                <a:gd name="connsiteX3" fmla="*/ 352639 w 353537"/>
+                <a:gd name="connsiteY3" fmla="*/ 124353 h 241300"/>
+                <a:gd name="connsiteX4" fmla="*/ 172506 w 353537"/>
+                <a:gd name="connsiteY4" fmla="*/ 241300 h 241300"/>
+                <a:gd name="connsiteX5" fmla="*/ 2427 w 353537"/>
+                <a:gd name="connsiteY5" fmla="*/ 241300 h 241300"/>
+                <a:gd name="connsiteX6" fmla="*/ 56402 w 353537"/>
+                <a:gd name="connsiteY6" fmla="*/ 125412 h 241300"/>
+                <a:gd name="connsiteX0" fmla="*/ 56402 w 352648"/>
+                <a:gd name="connsiteY0" fmla="*/ 125412 h 241300"/>
+                <a:gd name="connsiteX1" fmla="*/ 0 w 352648"/>
+                <a:gd name="connsiteY1" fmla="*/ 529 h 241300"/>
+                <a:gd name="connsiteX2" fmla="*/ 231772 w 352648"/>
+                <a:gd name="connsiteY2" fmla="*/ 0 h 241300"/>
+                <a:gd name="connsiteX3" fmla="*/ 352639 w 352648"/>
+                <a:gd name="connsiteY3" fmla="*/ 124353 h 241300"/>
+                <a:gd name="connsiteX4" fmla="*/ 236006 w 352648"/>
+                <a:gd name="connsiteY4" fmla="*/ 241300 h 241300"/>
+                <a:gd name="connsiteX5" fmla="*/ 2427 w 352648"/>
+                <a:gd name="connsiteY5" fmla="*/ 241300 h 241300"/>
+                <a:gd name="connsiteX6" fmla="*/ 56402 w 352648"/>
+                <a:gd name="connsiteY6" fmla="*/ 125412 h 241300"/>
+                <a:gd name="connsiteX0" fmla="*/ 56402 w 346300"/>
+                <a:gd name="connsiteY0" fmla="*/ 125412 h 241300"/>
+                <a:gd name="connsiteX1" fmla="*/ 0 w 346300"/>
+                <a:gd name="connsiteY1" fmla="*/ 529 h 241300"/>
+                <a:gd name="connsiteX2" fmla="*/ 231772 w 346300"/>
+                <a:gd name="connsiteY2" fmla="*/ 0 h 241300"/>
+                <a:gd name="connsiteX3" fmla="*/ 346289 w 346300"/>
+                <a:gd name="connsiteY3" fmla="*/ 124353 h 241300"/>
+                <a:gd name="connsiteX4" fmla="*/ 236006 w 346300"/>
+                <a:gd name="connsiteY4" fmla="*/ 241300 h 241300"/>
+                <a:gd name="connsiteX5" fmla="*/ 2427 w 346300"/>
+                <a:gd name="connsiteY5" fmla="*/ 241300 h 241300"/>
+                <a:gd name="connsiteX6" fmla="*/ 56402 w 346300"/>
+                <a:gd name="connsiteY6" fmla="*/ 125412 h 241300"/>
+                <a:gd name="connsiteX0" fmla="*/ 56402 w 346300"/>
+                <a:gd name="connsiteY0" fmla="*/ 125412 h 241300"/>
+                <a:gd name="connsiteX1" fmla="*/ 0 w 346300"/>
+                <a:gd name="connsiteY1" fmla="*/ 529 h 241300"/>
+                <a:gd name="connsiteX2" fmla="*/ 231772 w 346300"/>
+                <a:gd name="connsiteY2" fmla="*/ 0 h 241300"/>
+                <a:gd name="connsiteX3" fmla="*/ 346289 w 346300"/>
+                <a:gd name="connsiteY3" fmla="*/ 126470 h 241300"/>
+                <a:gd name="connsiteX4" fmla="*/ 236006 w 346300"/>
+                <a:gd name="connsiteY4" fmla="*/ 241300 h 241300"/>
+                <a:gd name="connsiteX5" fmla="*/ 2427 w 346300"/>
+                <a:gd name="connsiteY5" fmla="*/ 241300 h 241300"/>
+                <a:gd name="connsiteX6" fmla="*/ 56402 w 346300"/>
+                <a:gd name="connsiteY6" fmla="*/ 125412 h 241300"/>
+                <a:gd name="connsiteX0" fmla="*/ 56402 w 342069"/>
+                <a:gd name="connsiteY0" fmla="*/ 125412 h 241300"/>
+                <a:gd name="connsiteX1" fmla="*/ 0 w 342069"/>
+                <a:gd name="connsiteY1" fmla="*/ 529 h 241300"/>
+                <a:gd name="connsiteX2" fmla="*/ 231772 w 342069"/>
+                <a:gd name="connsiteY2" fmla="*/ 0 h 241300"/>
+                <a:gd name="connsiteX3" fmla="*/ 342056 w 342069"/>
+                <a:gd name="connsiteY3" fmla="*/ 113770 h 241300"/>
+                <a:gd name="connsiteX4" fmla="*/ 236006 w 342069"/>
+                <a:gd name="connsiteY4" fmla="*/ 241300 h 241300"/>
+                <a:gd name="connsiteX5" fmla="*/ 2427 w 342069"/>
+                <a:gd name="connsiteY5" fmla="*/ 241300 h 241300"/>
+                <a:gd name="connsiteX6" fmla="*/ 56402 w 342069"/>
+                <a:gd name="connsiteY6" fmla="*/ 125412 h 241300"/>
+                <a:gd name="connsiteX0" fmla="*/ 56402 w 344616"/>
+                <a:gd name="connsiteY0" fmla="*/ 125412 h 241300"/>
+                <a:gd name="connsiteX1" fmla="*/ 0 w 344616"/>
+                <a:gd name="connsiteY1" fmla="*/ 529 h 241300"/>
+                <a:gd name="connsiteX2" fmla="*/ 231772 w 344616"/>
+                <a:gd name="connsiteY2" fmla="*/ 0 h 241300"/>
+                <a:gd name="connsiteX3" fmla="*/ 342056 w 344616"/>
+                <a:gd name="connsiteY3" fmla="*/ 113770 h 241300"/>
+                <a:gd name="connsiteX4" fmla="*/ 236006 w 344616"/>
+                <a:gd name="connsiteY4" fmla="*/ 241300 h 241300"/>
+                <a:gd name="connsiteX5" fmla="*/ 2427 w 344616"/>
+                <a:gd name="connsiteY5" fmla="*/ 241300 h 241300"/>
+                <a:gd name="connsiteX6" fmla="*/ 56402 w 344616"/>
+                <a:gd name="connsiteY6" fmla="*/ 125412 h 241300"/>
+                <a:gd name="connsiteX0" fmla="*/ 56402 w 344616"/>
+                <a:gd name="connsiteY0" fmla="*/ 125412 h 241300"/>
+                <a:gd name="connsiteX1" fmla="*/ 0 w 344616"/>
+                <a:gd name="connsiteY1" fmla="*/ 529 h 241300"/>
+                <a:gd name="connsiteX2" fmla="*/ 231772 w 344616"/>
+                <a:gd name="connsiteY2" fmla="*/ 0 h 241300"/>
+                <a:gd name="connsiteX3" fmla="*/ 342056 w 344616"/>
+                <a:gd name="connsiteY3" fmla="*/ 113770 h 241300"/>
+                <a:gd name="connsiteX4" fmla="*/ 236006 w 344616"/>
+                <a:gd name="connsiteY4" fmla="*/ 241300 h 241300"/>
+                <a:gd name="connsiteX5" fmla="*/ 2427 w 344616"/>
+                <a:gd name="connsiteY5" fmla="*/ 241300 h 241300"/>
+                <a:gd name="connsiteX6" fmla="*/ 56402 w 344616"/>
+                <a:gd name="connsiteY6" fmla="*/ 125412 h 241300"/>
+                <a:gd name="connsiteX0" fmla="*/ 56402 w 342056"/>
+                <a:gd name="connsiteY0" fmla="*/ 125412 h 241300"/>
+                <a:gd name="connsiteX1" fmla="*/ 0 w 342056"/>
+                <a:gd name="connsiteY1" fmla="*/ 529 h 241300"/>
+                <a:gd name="connsiteX2" fmla="*/ 231772 w 342056"/>
+                <a:gd name="connsiteY2" fmla="*/ 0 h 241300"/>
+                <a:gd name="connsiteX3" fmla="*/ 342056 w 342056"/>
+                <a:gd name="connsiteY3" fmla="*/ 113770 h 241300"/>
+                <a:gd name="connsiteX4" fmla="*/ 236006 w 342056"/>
+                <a:gd name="connsiteY4" fmla="*/ 241300 h 241300"/>
+                <a:gd name="connsiteX5" fmla="*/ 2427 w 342056"/>
+                <a:gd name="connsiteY5" fmla="*/ 241300 h 241300"/>
+                <a:gd name="connsiteX6" fmla="*/ 56402 w 342056"/>
+                <a:gd name="connsiteY6" fmla="*/ 125412 h 241300"/>
+                <a:gd name="connsiteX0" fmla="*/ 56402 w 342056"/>
+                <a:gd name="connsiteY0" fmla="*/ 125412 h 241300"/>
+                <a:gd name="connsiteX1" fmla="*/ 0 w 342056"/>
+                <a:gd name="connsiteY1" fmla="*/ 529 h 241300"/>
+                <a:gd name="connsiteX2" fmla="*/ 231772 w 342056"/>
+                <a:gd name="connsiteY2" fmla="*/ 0 h 241300"/>
+                <a:gd name="connsiteX3" fmla="*/ 342056 w 342056"/>
+                <a:gd name="connsiteY3" fmla="*/ 113770 h 241300"/>
+                <a:gd name="connsiteX4" fmla="*/ 236006 w 342056"/>
+                <a:gd name="connsiteY4" fmla="*/ 241300 h 241300"/>
+                <a:gd name="connsiteX5" fmla="*/ 2427 w 342056"/>
+                <a:gd name="connsiteY5" fmla="*/ 241300 h 241300"/>
+                <a:gd name="connsiteX6" fmla="*/ 56402 w 342056"/>
+                <a:gd name="connsiteY6" fmla="*/ 125412 h 241300"/>
+                <a:gd name="connsiteX0" fmla="*/ 56402 w 342056"/>
+                <a:gd name="connsiteY0" fmla="*/ 125412 h 241300"/>
+                <a:gd name="connsiteX1" fmla="*/ 0 w 342056"/>
+                <a:gd name="connsiteY1" fmla="*/ 529 h 241300"/>
+                <a:gd name="connsiteX2" fmla="*/ 231772 w 342056"/>
+                <a:gd name="connsiteY2" fmla="*/ 0 h 241300"/>
+                <a:gd name="connsiteX3" fmla="*/ 342056 w 342056"/>
+                <a:gd name="connsiteY3" fmla="*/ 113770 h 241300"/>
+                <a:gd name="connsiteX4" fmla="*/ 236006 w 342056"/>
+                <a:gd name="connsiteY4" fmla="*/ 241300 h 241300"/>
+                <a:gd name="connsiteX5" fmla="*/ 2427 w 342056"/>
+                <a:gd name="connsiteY5" fmla="*/ 241300 h 241300"/>
+                <a:gd name="connsiteX6" fmla="*/ 56402 w 342056"/>
+                <a:gd name="connsiteY6" fmla="*/ 125412 h 241300"/>
+                <a:gd name="connsiteX0" fmla="*/ 56402 w 342056"/>
+                <a:gd name="connsiteY0" fmla="*/ 125412 h 241300"/>
+                <a:gd name="connsiteX1" fmla="*/ 0 w 342056"/>
+                <a:gd name="connsiteY1" fmla="*/ 529 h 241300"/>
+                <a:gd name="connsiteX2" fmla="*/ 231772 w 342056"/>
+                <a:gd name="connsiteY2" fmla="*/ 0 h 241300"/>
+                <a:gd name="connsiteX3" fmla="*/ 342056 w 342056"/>
+                <a:gd name="connsiteY3" fmla="*/ 113770 h 241300"/>
+                <a:gd name="connsiteX4" fmla="*/ 236006 w 342056"/>
+                <a:gd name="connsiteY4" fmla="*/ 241300 h 241300"/>
+                <a:gd name="connsiteX5" fmla="*/ 2427 w 342056"/>
+                <a:gd name="connsiteY5" fmla="*/ 241300 h 241300"/>
+                <a:gd name="connsiteX6" fmla="*/ 56402 w 342056"/>
+                <a:gd name="connsiteY6" fmla="*/ 125412 h 241300"/>
+                <a:gd name="connsiteX0" fmla="*/ 56402 w 342056"/>
+                <a:gd name="connsiteY0" fmla="*/ 125412 h 241300"/>
+                <a:gd name="connsiteX1" fmla="*/ 0 w 342056"/>
+                <a:gd name="connsiteY1" fmla="*/ 529 h 241300"/>
+                <a:gd name="connsiteX2" fmla="*/ 231772 w 342056"/>
+                <a:gd name="connsiteY2" fmla="*/ 0 h 241300"/>
+                <a:gd name="connsiteX3" fmla="*/ 342056 w 342056"/>
+                <a:gd name="connsiteY3" fmla="*/ 113770 h 241300"/>
+                <a:gd name="connsiteX4" fmla="*/ 236006 w 342056"/>
+                <a:gd name="connsiteY4" fmla="*/ 241300 h 241300"/>
+                <a:gd name="connsiteX5" fmla="*/ 2427 w 342056"/>
+                <a:gd name="connsiteY5" fmla="*/ 241300 h 241300"/>
+                <a:gd name="connsiteX6" fmla="*/ 56402 w 342056"/>
+                <a:gd name="connsiteY6" fmla="*/ 125412 h 241300"/>
+                <a:gd name="connsiteX0" fmla="*/ 56402 w 342056"/>
+                <a:gd name="connsiteY0" fmla="*/ 124883 h 240771"/>
+                <a:gd name="connsiteX1" fmla="*/ 0 w 342056"/>
+                <a:gd name="connsiteY1" fmla="*/ 0 h 240771"/>
+                <a:gd name="connsiteX2" fmla="*/ 342056 w 342056"/>
+                <a:gd name="connsiteY2" fmla="*/ 113241 h 240771"/>
+                <a:gd name="connsiteX3" fmla="*/ 236006 w 342056"/>
+                <a:gd name="connsiteY3" fmla="*/ 240771 h 240771"/>
+                <a:gd name="connsiteX4" fmla="*/ 2427 w 342056"/>
+                <a:gd name="connsiteY4" fmla="*/ 240771 h 240771"/>
+                <a:gd name="connsiteX5" fmla="*/ 56402 w 342056"/>
+                <a:gd name="connsiteY5" fmla="*/ 124883 h 240771"/>
+                <a:gd name="connsiteX0" fmla="*/ 342056 w 433496"/>
+                <a:gd name="connsiteY0" fmla="*/ 113241 h 240771"/>
+                <a:gd name="connsiteX1" fmla="*/ 236006 w 433496"/>
+                <a:gd name="connsiteY1" fmla="*/ 240771 h 240771"/>
+                <a:gd name="connsiteX2" fmla="*/ 2427 w 433496"/>
+                <a:gd name="connsiteY2" fmla="*/ 240771 h 240771"/>
+                <a:gd name="connsiteX3" fmla="*/ 56402 w 433496"/>
+                <a:gd name="connsiteY3" fmla="*/ 124883 h 240771"/>
+                <a:gd name="connsiteX4" fmla="*/ 0 w 433496"/>
+                <a:gd name="connsiteY4" fmla="*/ 0 h 240771"/>
+                <a:gd name="connsiteX5" fmla="*/ 433496 w 433496"/>
+                <a:gd name="connsiteY5" fmla="*/ 204681 h 240771"/>
+                <a:gd name="connsiteX0" fmla="*/ 342056 w 342056"/>
+                <a:gd name="connsiteY0" fmla="*/ 113241 h 240771"/>
+                <a:gd name="connsiteX1" fmla="*/ 236006 w 342056"/>
+                <a:gd name="connsiteY1" fmla="*/ 240771 h 240771"/>
+                <a:gd name="connsiteX2" fmla="*/ 2427 w 342056"/>
+                <a:gd name="connsiteY2" fmla="*/ 240771 h 240771"/>
+                <a:gd name="connsiteX3" fmla="*/ 56402 w 342056"/>
+                <a:gd name="connsiteY3" fmla="*/ 124883 h 240771"/>
+                <a:gd name="connsiteX4" fmla="*/ 0 w 342056"/>
+                <a:gd name="connsiteY4" fmla="*/ 0 h 240771"/>
+                <a:gd name="connsiteX0" fmla="*/ 236006 w 236006"/>
+                <a:gd name="connsiteY0" fmla="*/ 240771 h 240771"/>
+                <a:gd name="connsiteX1" fmla="*/ 2427 w 236006"/>
+                <a:gd name="connsiteY1" fmla="*/ 240771 h 240771"/>
+                <a:gd name="connsiteX2" fmla="*/ 56402 w 236006"/>
+                <a:gd name="connsiteY2" fmla="*/ 124883 h 240771"/>
+                <a:gd name="connsiteX3" fmla="*/ 0 w 236006"/>
+                <a:gd name="connsiteY3" fmla="*/ 0 h 240771"/>
+                <a:gd name="connsiteX0" fmla="*/ 2427 w 56538"/>
+                <a:gd name="connsiteY0" fmla="*/ 240771 h 240771"/>
+                <a:gd name="connsiteX1" fmla="*/ 56402 w 56538"/>
+                <a:gd name="connsiteY1" fmla="*/ 124883 h 240771"/>
+                <a:gd name="connsiteX2" fmla="*/ 0 w 56538"/>
+                <a:gd name="connsiteY2" fmla="*/ 0 h 240771"/>
+              </a:gdLst>
+              <a:ahLst/>
+              <a:cxnLst>
+                <a:cxn ang="0">
+                  <a:pos x="connsiteX0" y="connsiteY0"/>
+                </a:cxn>
+                <a:cxn ang="0">
+                  <a:pos x="connsiteX1" y="connsiteY1"/>
+                </a:cxn>
+                <a:cxn ang="0">
+                  <a:pos x="connsiteX2" y="connsiteY2"/>
+                </a:cxn>
+              </a:cxnLst>
+              <a:rect l="l" t="t" r="r" b="b"/>
+              <a:pathLst>
+                <a:path w="56538" h="240771">
+                  <a:moveTo>
+                    <a:pt x="2427" y="240771"/>
+                  </a:moveTo>
+                  <a:cubicBezTo>
+                    <a:pt x="48164" y="178594"/>
+                    <a:pt x="55218" y="153898"/>
+                    <a:pt x="56402" y="124883"/>
+                  </a:cubicBezTo>
+                  <a:cubicBezTo>
+                    <a:pt x="57586" y="95868"/>
+                    <a:pt x="52087" y="57415"/>
+                    <a:pt x="0" y="0"/>
+                  </a:cubicBezTo>
+                </a:path>
+              </a:pathLst>
+            </a:custGeom>
+            <a:noFill/>
+          </p:spPr>
+          <p:style>
+            <a:lnRef idx="2">
+              <a:schemeClr val="dk1"/>
+            </a:lnRef>
+            <a:fillRef idx="1">
+              <a:schemeClr val="lt1"/>
+            </a:fillRef>
+            <a:effectRef idx="0">
+              <a:schemeClr val="dk1"/>
+            </a:effectRef>
+            <a:fontRef idx="minor">
+              <a:schemeClr val="dk1"/>
+            </a:fontRef>
+          </p:style>
+          <p:txBody>
+            <a:bodyPr rtlCol="0" anchor="ctr"/>
+            <a:lstStyle/>
+            <a:p>
+              <a:pPr algn="ctr"/>
+              <a:endParaRPr lang="en-GB" dirty="0"/>
+            </a:p>
+          </p:txBody>
+        </p:sp>
+      </p:grpSp>
+      <p:grpSp>
+        <p:nvGrpSpPr>
+          <p:cNvPr id="266" name="Group 265">
+            <a:extLst>
+              <a:ext uri="{FF2B5EF4-FFF2-40B4-BE49-F238E27FC236}">
+                <a16:creationId xmlns:a16="http://schemas.microsoft.com/office/drawing/2014/main" id="{8B9B4FF4-9720-B949-A83C-9A57925151BE}"/>
+              </a:ext>
+            </a:extLst>
+          </p:cNvPr>
+          <p:cNvGrpSpPr/>
+          <p:nvPr/>
+        </p:nvGrpSpPr>
+        <p:grpSpPr>
+          <a:xfrm>
+            <a:off x="5247860" y="2419669"/>
+            <a:ext cx="340158" cy="241300"/>
+            <a:chOff x="5279610" y="2150852"/>
+            <a:chExt cx="340158" cy="241300"/>
+          </a:xfrm>
+        </p:grpSpPr>
+        <p:sp>
+          <p:nvSpPr>
+            <p:cNvPr id="102" name="Rectangle 101">
+              <a:extLst>
+                <a:ext uri="{FF2B5EF4-FFF2-40B4-BE49-F238E27FC236}">
+                  <a16:creationId xmlns:a16="http://schemas.microsoft.com/office/drawing/2014/main" id="{2AB5FCA0-CA11-1DBD-71E8-CB711AA8F560}"/>
+                </a:ext>
+              </a:extLst>
+            </p:cNvPr>
+            <p:cNvSpPr/>
+            <p:nvPr/>
+          </p:nvSpPr>
+          <p:spPr>
+            <a:xfrm>
+              <a:off x="5280538" y="2190393"/>
+              <a:ext cx="46814" cy="57150"/>
+            </a:xfrm>
+            <a:prstGeom prst="rect">
+              <a:avLst/>
+            </a:prstGeom>
+          </p:spPr>
+          <p:style>
+            <a:lnRef idx="2">
+              <a:schemeClr val="accent1">
+                <a:shade val="15000"/>
+              </a:schemeClr>
+            </a:lnRef>
+            <a:fillRef idx="1">
+              <a:schemeClr val="accent1"/>
+            </a:fillRef>
+            <a:effectRef idx="0">
+              <a:schemeClr val="accent1"/>
+            </a:effectRef>
+            <a:fontRef idx="minor">
+              <a:schemeClr val="lt1"/>
+            </a:fontRef>
+          </p:style>
+          <p:txBody>
+            <a:bodyPr rtlCol="0" anchor="ctr"/>
+            <a:lstStyle/>
+            <a:p>
+              <a:pPr algn="ctr"/>
+              <a:endParaRPr lang="en-GB"/>
+            </a:p>
+          </p:txBody>
+        </p:sp>
+        <p:sp>
+          <p:nvSpPr>
+            <p:cNvPr id="103" name="Rectangle 102">
+              <a:extLst>
+                <a:ext uri="{FF2B5EF4-FFF2-40B4-BE49-F238E27FC236}">
+                  <a16:creationId xmlns:a16="http://schemas.microsoft.com/office/drawing/2014/main" id="{499355D9-8D6F-9C0F-40A0-0973C29BBD32}"/>
+                </a:ext>
+              </a:extLst>
+            </p:cNvPr>
+            <p:cNvSpPr/>
+            <p:nvPr/>
+          </p:nvSpPr>
+          <p:spPr>
+            <a:xfrm>
+              <a:off x="5280538" y="2295023"/>
+              <a:ext cx="46814" cy="57150"/>
+            </a:xfrm>
+            <a:prstGeom prst="rect">
+              <a:avLst/>
+            </a:prstGeom>
+          </p:spPr>
+          <p:style>
+            <a:lnRef idx="2">
+              <a:schemeClr val="accent1">
+                <a:shade val="15000"/>
+              </a:schemeClr>
+            </a:lnRef>
+            <a:fillRef idx="1">
+              <a:schemeClr val="accent1"/>
+            </a:fillRef>
+            <a:effectRef idx="0">
+              <a:schemeClr val="accent1"/>
+            </a:effectRef>
+            <a:fontRef idx="minor">
+              <a:schemeClr val="lt1"/>
+            </a:fontRef>
+          </p:style>
+          <p:txBody>
+            <a:bodyPr rtlCol="0" anchor="ctr"/>
+            <a:lstStyle/>
+            <a:p>
+              <a:pPr algn="ctr"/>
+              <a:endParaRPr lang="en-GB"/>
+            </a:p>
+          </p:txBody>
+        </p:sp>
+        <p:sp>
+          <p:nvSpPr>
+            <p:cNvPr id="46" name="Flowchart: Delay 45">
+              <a:extLst>
+                <a:ext uri="{FF2B5EF4-FFF2-40B4-BE49-F238E27FC236}">
+                  <a16:creationId xmlns:a16="http://schemas.microsoft.com/office/drawing/2014/main" id="{7820C0C2-EA10-CE17-1E57-3106270C48C2}"/>
+                </a:ext>
+              </a:extLst>
+            </p:cNvPr>
+            <p:cNvSpPr/>
+            <p:nvPr/>
+          </p:nvSpPr>
+          <p:spPr>
+            <a:xfrm>
+              <a:off x="5279610" y="2150852"/>
+              <a:ext cx="340158" cy="241300"/>
+            </a:xfrm>
+            <a:prstGeom prst="flowChartDelay">
+              <a:avLst/>
+            </a:prstGeom>
+            <a:solidFill>
+              <a:schemeClr val="bg1"/>
+            </a:solidFill>
+            <a:effectLst>
+              <a:outerShdw blurRad="50800" dist="38100" dir="2700000" algn="tl" rotWithShape="0">
+                <a:prstClr val="black">
+                  <a:alpha val="40000"/>
+                </a:prstClr>
+              </a:outerShdw>
+            </a:effectLst>
+          </p:spPr>
+          <p:style>
+            <a:lnRef idx="2">
+              <a:schemeClr val="dk1"/>
+            </a:lnRef>
+            <a:fillRef idx="1">
+              <a:schemeClr val="lt1"/>
+            </a:fillRef>
+            <a:effectRef idx="0">
+              <a:schemeClr val="dk1"/>
+            </a:effectRef>
+            <a:fontRef idx="minor">
+              <a:schemeClr val="dk1"/>
+            </a:fontRef>
+          </p:style>
+          <p:txBody>
+            <a:bodyPr rtlCol="0" anchor="ctr"/>
+            <a:lstStyle/>
+            <a:p>
+              <a:pPr algn="ctr"/>
+              <a:endParaRPr lang="en-GB"/>
+            </a:p>
+          </p:txBody>
+        </p:sp>
+      </p:grpSp>
+      <p:cxnSp>
+        <p:nvCxnSpPr>
+          <p:cNvPr id="69" name="Straight Connector 68">
+            <a:extLst>
+              <a:ext uri="{FF2B5EF4-FFF2-40B4-BE49-F238E27FC236}">
+                <a16:creationId xmlns:a16="http://schemas.microsoft.com/office/drawing/2014/main" id="{03A53066-7AF2-3B56-4AF1-5FE15E3D4399}"/>
+              </a:ext>
+            </a:extLst>
+          </p:cNvPr>
+          <p:cNvCxnSpPr>
+            <a:cxnSpLocks/>
+            <a:stCxn id="55" idx="3"/>
+            <a:endCxn id="64" idx="1"/>
+          </p:cNvCxnSpPr>
+          <p:nvPr/>
+        </p:nvCxnSpPr>
+        <p:spPr>
+          <a:xfrm>
+            <a:off x="3103153" y="4927474"/>
+            <a:ext cx="2555078" cy="1"/>
+          </a:xfrm>
+          <a:prstGeom prst="line">
+            <a:avLst/>
+          </a:prstGeom>
+        </p:spPr>
+        <p:style>
+          <a:lnRef idx="2">
+            <a:schemeClr val="dk1"/>
+          </a:lnRef>
+          <a:fillRef idx="1">
+            <a:schemeClr val="lt1"/>
+          </a:fillRef>
+          <a:effectRef idx="0">
+            <a:schemeClr val="dk1"/>
+          </a:effectRef>
+          <a:fontRef idx="minor">
+            <a:schemeClr val="dk1"/>
+          </a:fontRef>
+        </p:style>
+      </p:cxnSp>
+      <p:grpSp>
+        <p:nvGrpSpPr>
+          <p:cNvPr id="247" name="Group 246">
+            <a:extLst>
+              <a:ext uri="{FF2B5EF4-FFF2-40B4-BE49-F238E27FC236}">
+                <a16:creationId xmlns:a16="http://schemas.microsoft.com/office/drawing/2014/main" id="{34798D17-E660-8210-B138-4152301C3366}"/>
+              </a:ext>
+            </a:extLst>
+          </p:cNvPr>
+          <p:cNvGrpSpPr/>
+          <p:nvPr/>
+        </p:nvGrpSpPr>
+        <p:grpSpPr>
+          <a:xfrm>
+            <a:off x="5449652" y="4742809"/>
+            <a:ext cx="785871" cy="802674"/>
+            <a:chOff x="5481402" y="4469759"/>
+            <a:chExt cx="785871" cy="802674"/>
+          </a:xfrm>
+        </p:grpSpPr>
+        <p:cxnSp>
+          <p:nvCxnSpPr>
+            <p:cNvPr id="67" name="Straight Connector 66">
+              <a:extLst>
+                <a:ext uri="{FF2B5EF4-FFF2-40B4-BE49-F238E27FC236}">
+                  <a16:creationId xmlns:a16="http://schemas.microsoft.com/office/drawing/2014/main" id="{0302E2FF-274C-FD59-03D6-80288955EC4F}"/>
+                </a:ext>
+              </a:extLst>
+            </p:cNvPr>
+            <p:cNvCxnSpPr>
+              <a:cxnSpLocks/>
+            </p:cNvCxnSpPr>
+            <p:nvPr/>
+          </p:nvCxnSpPr>
+          <p:spPr>
+            <a:xfrm>
+              <a:off x="5481402" y="5086691"/>
+              <a:ext cx="198763" cy="0"/>
+            </a:xfrm>
+            <a:prstGeom prst="line">
+              <a:avLst/>
+            </a:prstGeom>
+          </p:spPr>
+          <p:style>
+            <a:lnRef idx="2">
+              <a:schemeClr val="dk1"/>
+            </a:lnRef>
+            <a:fillRef idx="1">
+              <a:schemeClr val="lt1"/>
+            </a:fillRef>
+            <a:effectRef idx="0">
+              <a:schemeClr val="dk1"/>
+            </a:effectRef>
+            <a:fontRef idx="minor">
+              <a:schemeClr val="dk1"/>
+            </a:fontRef>
+          </p:style>
+        </p:cxnSp>
+        <p:sp>
+          <p:nvSpPr>
+            <p:cNvPr id="62" name="Rectangle 61">
+              <a:extLst>
+                <a:ext uri="{FF2B5EF4-FFF2-40B4-BE49-F238E27FC236}">
+                  <a16:creationId xmlns:a16="http://schemas.microsoft.com/office/drawing/2014/main" id="{ABDCEC0B-FDC0-B50C-95E7-BB3CDF07AAAA}"/>
+                </a:ext>
+              </a:extLst>
+            </p:cNvPr>
+            <p:cNvSpPr/>
+            <p:nvPr/>
+          </p:nvSpPr>
+          <p:spPr>
+            <a:xfrm>
+              <a:off x="5685857" y="4516172"/>
+              <a:ext cx="581416" cy="756261"/>
+            </a:xfrm>
+            <a:prstGeom prst="rect">
+              <a:avLst/>
+            </a:prstGeom>
+            <a:solidFill>
+              <a:schemeClr val="bg1"/>
+            </a:solidFill>
+            <a:ln>
+              <a:solidFill>
+                <a:schemeClr val="tx1"/>
+              </a:solidFill>
+            </a:ln>
+            <a:effectLst>
+              <a:outerShdw blurRad="50800" dist="38100" dir="2700000" algn="tl" rotWithShape="0">
+                <a:prstClr val="black">
+                  <a:alpha val="40000"/>
+                </a:prstClr>
+              </a:outerShdw>
+            </a:effectLst>
+          </p:spPr>
+          <p:style>
+            <a:lnRef idx="2">
+              <a:schemeClr val="accent1">
+                <a:shade val="50000"/>
+              </a:schemeClr>
+            </a:lnRef>
+            <a:fillRef idx="1">
+              <a:schemeClr val="accent1"/>
+            </a:fillRef>
+            <a:effectRef idx="0">
+              <a:schemeClr val="accent1"/>
+            </a:effectRef>
+            <a:fontRef idx="minor">
+              <a:schemeClr val="lt1"/>
+            </a:fontRef>
+          </p:style>
+          <p:txBody>
+            <a:bodyPr rtlCol="0" anchor="ctr"/>
+            <a:lstStyle/>
+            <a:p>
+              <a:pPr algn="ctr"/>
+              <a:endParaRPr lang="en-GB">
+                <a:solidFill>
+                  <a:schemeClr val="tx1"/>
+                </a:solidFill>
+              </a:endParaRPr>
+            </a:p>
+          </p:txBody>
+        </p:sp>
+        <p:grpSp>
+          <p:nvGrpSpPr>
+            <p:cNvPr id="63" name="Group 62">
+              <a:extLst>
+                <a:ext uri="{FF2B5EF4-FFF2-40B4-BE49-F238E27FC236}">
+                  <a16:creationId xmlns:a16="http://schemas.microsoft.com/office/drawing/2014/main" id="{035AD8B7-F59F-521D-51F7-0D4E30F56244}"/>
+                </a:ext>
+              </a:extLst>
+            </p:cNvPr>
+            <p:cNvGrpSpPr/>
+            <p:nvPr/>
+          </p:nvGrpSpPr>
+          <p:grpSpPr>
+            <a:xfrm>
+              <a:off x="5680165" y="4982254"/>
+              <a:ext cx="118030" cy="208875"/>
+              <a:chOff x="8388570" y="2302315"/>
+              <a:chExt cx="61130" cy="108180"/>
+            </a:xfrm>
+          </p:grpSpPr>
+          <p:cxnSp>
+            <p:nvCxnSpPr>
+              <p:cNvPr id="70" name="Straight Connector 69">
+                <a:extLst>
+                  <a:ext uri="{FF2B5EF4-FFF2-40B4-BE49-F238E27FC236}">
+                    <a16:creationId xmlns:a16="http://schemas.microsoft.com/office/drawing/2014/main" id="{379BB7B3-ADEA-74A1-DD6E-E248C2D0B726}"/>
+                  </a:ext>
+                </a:extLst>
+              </p:cNvPr>
+              <p:cNvCxnSpPr>
+                <a:cxnSpLocks/>
+              </p:cNvCxnSpPr>
+              <p:nvPr/>
+            </p:nvCxnSpPr>
+            <p:spPr>
+              <a:xfrm>
+                <a:off x="8391518" y="2302315"/>
+                <a:ext cx="58182" cy="56934"/>
+              </a:xfrm>
+              <a:prstGeom prst="line">
+                <a:avLst/>
+              </a:prstGeom>
+              <a:ln>
+                <a:solidFill>
+                  <a:schemeClr val="tx1"/>
+                </a:solidFill>
+              </a:ln>
+            </p:spPr>
+            <p:style>
+              <a:lnRef idx="1">
+                <a:schemeClr val="accent1"/>
+              </a:lnRef>
+              <a:fillRef idx="0">
+                <a:schemeClr val="accent1"/>
+              </a:fillRef>
+              <a:effectRef idx="0">
+                <a:schemeClr val="accent1"/>
+              </a:effectRef>
+              <a:fontRef idx="minor">
+                <a:schemeClr val="tx1"/>
+              </a:fontRef>
+            </p:style>
+          </p:cxnSp>
+          <p:cxnSp>
+            <p:nvCxnSpPr>
+              <p:cNvPr id="71" name="Straight Connector 70">
+                <a:extLst>
+                  <a:ext uri="{FF2B5EF4-FFF2-40B4-BE49-F238E27FC236}">
+                    <a16:creationId xmlns:a16="http://schemas.microsoft.com/office/drawing/2014/main" id="{3B09AD19-1552-6A6D-6A4E-0C7FF8005532}"/>
+                  </a:ext>
+                </a:extLst>
+              </p:cNvPr>
+              <p:cNvCxnSpPr>
+                <a:cxnSpLocks/>
+              </p:cNvCxnSpPr>
+              <p:nvPr/>
+            </p:nvCxnSpPr>
+            <p:spPr>
+              <a:xfrm flipV="1">
+                <a:off x="8388570" y="2359249"/>
+                <a:ext cx="61130" cy="51246"/>
+              </a:xfrm>
+              <a:prstGeom prst="line">
+                <a:avLst/>
+              </a:prstGeom>
+              <a:ln>
+                <a:solidFill>
+                  <a:schemeClr val="tx1"/>
+                </a:solidFill>
+              </a:ln>
+            </p:spPr>
+            <p:style>
+              <a:lnRef idx="1">
+                <a:schemeClr val="accent1"/>
+              </a:lnRef>
+              <a:fillRef idx="0">
+                <a:schemeClr val="accent1"/>
+              </a:fillRef>
+              <a:effectRef idx="0">
+                <a:schemeClr val="accent1"/>
+              </a:effectRef>
+              <a:fontRef idx="minor">
+                <a:schemeClr val="tx1"/>
+              </a:fontRef>
+            </p:style>
+          </p:cxnSp>
+        </p:grpSp>
+        <p:sp>
+          <p:nvSpPr>
+            <p:cNvPr id="64" name="TextBox 63">
+              <a:extLst>
+                <a:ext uri="{FF2B5EF4-FFF2-40B4-BE49-F238E27FC236}">
+                  <a16:creationId xmlns:a16="http://schemas.microsoft.com/office/drawing/2014/main" id="{87098929-A88A-96B8-C8B1-63FFEB50D722}"/>
+                </a:ext>
+              </a:extLst>
+            </p:cNvPr>
+            <p:cNvSpPr txBox="1"/>
+            <p:nvPr/>
+          </p:nvSpPr>
+          <p:spPr>
+            <a:xfrm>
+              <a:off x="5689981" y="4469759"/>
+              <a:ext cx="327334" cy="369332"/>
+            </a:xfrm>
+            <a:prstGeom prst="rect">
+              <a:avLst/>
+            </a:prstGeom>
+            <a:noFill/>
+          </p:spPr>
+          <p:txBody>
+            <a:bodyPr wrap="square" lIns="36000" rIns="36000" rtlCol="0">
+              <a:spAutoFit/>
+            </a:bodyPr>
+            <a:lstStyle>
+              <a:defPPr>
+                <a:defRPr lang="en-US"/>
+              </a:defPPr>
+            </a:lstStyle>
+            <a:p>
+              <a:r>
+                <a:rPr lang="en-GB" dirty="0"/>
+                <a:t>D</a:t>
+              </a:r>
+            </a:p>
+          </p:txBody>
+        </p:sp>
+        <p:sp>
+          <p:nvSpPr>
+            <p:cNvPr id="65" name="TextBox 64">
+              <a:extLst>
+                <a:ext uri="{FF2B5EF4-FFF2-40B4-BE49-F238E27FC236}">
+                  <a16:creationId xmlns:a16="http://schemas.microsoft.com/office/drawing/2014/main" id="{B9C43233-4077-14E7-0603-647A77A581D7}"/>
+                </a:ext>
+              </a:extLst>
+            </p:cNvPr>
+            <p:cNvSpPr txBox="1"/>
+            <p:nvPr/>
+          </p:nvSpPr>
+          <p:spPr>
+            <a:xfrm>
+              <a:off x="5921903" y="4473398"/>
+              <a:ext cx="340158" cy="369332"/>
+            </a:xfrm>
+            <a:prstGeom prst="rect">
+              <a:avLst/>
+            </a:prstGeom>
+            <a:noFill/>
+          </p:spPr>
+          <p:txBody>
+            <a:bodyPr wrap="square" lIns="36000" rIns="36000" rtlCol="0">
+              <a:spAutoFit/>
+            </a:bodyPr>
+            <a:lstStyle>
+              <a:defPPr>
+                <a:defRPr lang="en-US"/>
+              </a:defPPr>
+            </a:lstStyle>
+            <a:p>
+              <a:pPr algn="r"/>
+              <a:r>
+                <a:rPr lang="en-GB" dirty="0"/>
+                <a:t>Q</a:t>
+              </a:r>
+            </a:p>
+          </p:txBody>
+        </p:sp>
+        <p:sp>
+          <p:nvSpPr>
+            <p:cNvPr id="68" name="TextBox 67">
+              <a:extLst>
+                <a:ext uri="{FF2B5EF4-FFF2-40B4-BE49-F238E27FC236}">
+                  <a16:creationId xmlns:a16="http://schemas.microsoft.com/office/drawing/2014/main" id="{5CAFE8DF-F7BF-AD17-2FBC-0587A6F6B645}"/>
+                </a:ext>
+              </a:extLst>
+            </p:cNvPr>
+            <p:cNvSpPr txBox="1"/>
+            <p:nvPr/>
+          </p:nvSpPr>
+          <p:spPr>
+            <a:xfrm>
+              <a:off x="5689981" y="4679609"/>
+              <a:ext cx="420308" cy="369332"/>
+            </a:xfrm>
+            <a:prstGeom prst="rect">
+              <a:avLst/>
+            </a:prstGeom>
+            <a:noFill/>
+          </p:spPr>
+          <p:txBody>
+            <a:bodyPr wrap="square" lIns="36000" rIns="36000" rtlCol="0">
+              <a:spAutoFit/>
+            </a:bodyPr>
+            <a:lstStyle>
+              <a:defPPr>
+                <a:defRPr lang="en-US"/>
+              </a:defPPr>
+            </a:lstStyle>
+            <a:p>
+              <a:r>
+                <a:rPr lang="en-GB" dirty="0"/>
+                <a:t>CE</a:t>
+              </a:r>
+            </a:p>
+          </p:txBody>
+        </p:sp>
+      </p:grpSp>
+      <p:cxnSp>
+        <p:nvCxnSpPr>
+          <p:cNvPr id="74" name="Straight Connector 73">
+            <a:extLst>
+              <a:ext uri="{FF2B5EF4-FFF2-40B4-BE49-F238E27FC236}">
+                <a16:creationId xmlns:a16="http://schemas.microsoft.com/office/drawing/2014/main" id="{B779B91C-8A3E-1049-0DC8-6C72BD9A3276}"/>
+              </a:ext>
+            </a:extLst>
+          </p:cNvPr>
+          <p:cNvCxnSpPr>
+            <a:cxnSpLocks/>
+            <a:endCxn id="75" idx="2"/>
+          </p:cNvCxnSpPr>
+          <p:nvPr/>
+        </p:nvCxnSpPr>
+        <p:spPr>
+          <a:xfrm>
+            <a:off x="1242525" y="4931114"/>
+            <a:ext cx="257175" cy="1"/>
+          </a:xfrm>
+          <a:prstGeom prst="line">
+            <a:avLst/>
+          </a:prstGeom>
+        </p:spPr>
+        <p:style>
+          <a:lnRef idx="2">
+            <a:schemeClr val="dk1"/>
+          </a:lnRef>
+          <a:fillRef idx="1">
+            <a:schemeClr val="lt1"/>
+          </a:fillRef>
+          <a:effectRef idx="0">
+            <a:schemeClr val="dk1"/>
+          </a:effectRef>
+          <a:fontRef idx="minor">
+            <a:schemeClr val="dk1"/>
+          </a:fontRef>
+        </p:style>
+      </p:cxnSp>
+      <p:grpSp>
+        <p:nvGrpSpPr>
+          <p:cNvPr id="278" name="Group 277">
+            <a:extLst>
+              <a:ext uri="{FF2B5EF4-FFF2-40B4-BE49-F238E27FC236}">
+                <a16:creationId xmlns:a16="http://schemas.microsoft.com/office/drawing/2014/main" id="{4165567D-D65B-9F19-CA9B-B5FF80A7CA3F}"/>
+              </a:ext>
+            </a:extLst>
+          </p:cNvPr>
+          <p:cNvGrpSpPr/>
+          <p:nvPr/>
+        </p:nvGrpSpPr>
+        <p:grpSpPr>
+          <a:xfrm>
+            <a:off x="1493349" y="4737439"/>
+            <a:ext cx="271462" cy="223838"/>
+            <a:chOff x="1525099" y="4464389"/>
+            <a:chExt cx="271462" cy="223838"/>
+          </a:xfrm>
+          <a:effectLst>
+            <a:outerShdw blurRad="50800" dist="38100" dir="2700000" algn="tl" rotWithShape="0">
+              <a:prstClr val="black">
+                <a:alpha val="40000"/>
+              </a:prstClr>
+            </a:outerShdw>
+          </a:effectLst>
+        </p:grpSpPr>
+        <p:sp>
+          <p:nvSpPr>
+            <p:cNvPr id="75" name="Oval 74">
+              <a:extLst>
+                <a:ext uri="{FF2B5EF4-FFF2-40B4-BE49-F238E27FC236}">
+                  <a16:creationId xmlns:a16="http://schemas.microsoft.com/office/drawing/2014/main" id="{FD6BA462-5C8A-A2B4-6172-E4591F126DC1}"/>
+                </a:ext>
+              </a:extLst>
+            </p:cNvPr>
+            <p:cNvSpPr/>
+            <p:nvPr/>
+          </p:nvSpPr>
+          <p:spPr>
+            <a:xfrm>
+              <a:off x="1531450" y="4627902"/>
+              <a:ext cx="60325" cy="60325"/>
+            </a:xfrm>
+            <a:prstGeom prst="ellipse">
+              <a:avLst/>
+            </a:prstGeom>
+          </p:spPr>
+          <p:style>
+            <a:lnRef idx="2">
+              <a:schemeClr val="dk1"/>
+            </a:lnRef>
+            <a:fillRef idx="1">
+              <a:schemeClr val="lt1"/>
+            </a:fillRef>
+            <a:effectRef idx="0">
+              <a:schemeClr val="dk1"/>
+            </a:effectRef>
+            <a:fontRef idx="minor">
+              <a:schemeClr val="dk1"/>
+            </a:fontRef>
+          </p:style>
+          <p:txBody>
+            <a:bodyPr rtlCol="0" anchor="ctr"/>
+            <a:lstStyle/>
+            <a:p>
+              <a:pPr algn="ctr"/>
+              <a:endParaRPr lang="en-GB"/>
+            </a:p>
+          </p:txBody>
+        </p:sp>
+        <p:sp>
+          <p:nvSpPr>
+            <p:cNvPr id="77" name="Oval 76">
+              <a:extLst>
+                <a:ext uri="{FF2B5EF4-FFF2-40B4-BE49-F238E27FC236}">
+                  <a16:creationId xmlns:a16="http://schemas.microsoft.com/office/drawing/2014/main" id="{5348E21F-59A8-ECF9-9DB3-C6796DB08972}"/>
+                </a:ext>
+              </a:extLst>
+            </p:cNvPr>
+            <p:cNvSpPr/>
+            <p:nvPr/>
+          </p:nvSpPr>
+          <p:spPr>
+            <a:xfrm flipH="1">
+              <a:off x="1728300" y="4627902"/>
+              <a:ext cx="60325" cy="60325"/>
+            </a:xfrm>
+            <a:prstGeom prst="ellipse">
+              <a:avLst/>
+            </a:prstGeom>
+          </p:spPr>
+          <p:style>
+            <a:lnRef idx="2">
+              <a:schemeClr val="dk1"/>
+            </a:lnRef>
+            <a:fillRef idx="1">
+              <a:schemeClr val="lt1"/>
+            </a:fillRef>
+            <a:effectRef idx="0">
+              <a:schemeClr val="dk1"/>
+            </a:effectRef>
+            <a:fontRef idx="minor">
+              <a:schemeClr val="dk1"/>
+            </a:fontRef>
+          </p:style>
+          <p:txBody>
+            <a:bodyPr rtlCol="0" anchor="ctr"/>
+            <a:lstStyle/>
+            <a:p>
+              <a:pPr algn="ctr"/>
+              <a:endParaRPr lang="en-GB"/>
+            </a:p>
+          </p:txBody>
+        </p:sp>
+        <p:grpSp>
+          <p:nvGrpSpPr>
+            <p:cNvPr id="78" name="Group 77">
+              <a:extLst>
+                <a:ext uri="{FF2B5EF4-FFF2-40B4-BE49-F238E27FC236}">
+                  <a16:creationId xmlns:a16="http://schemas.microsoft.com/office/drawing/2014/main" id="{97CC57CC-3645-2F3A-4C66-2BD862F09A6F}"/>
+                </a:ext>
+              </a:extLst>
+            </p:cNvPr>
+            <p:cNvGrpSpPr/>
+            <p:nvPr/>
+          </p:nvGrpSpPr>
+          <p:grpSpPr>
+            <a:xfrm>
+              <a:off x="1525099" y="4464389"/>
+              <a:ext cx="271462" cy="119063"/>
+              <a:chOff x="5688013" y="2752725"/>
+              <a:chExt cx="271462" cy="119063"/>
+            </a:xfrm>
+          </p:grpSpPr>
+          <p:cxnSp>
+            <p:nvCxnSpPr>
+              <p:cNvPr id="79" name="Straight Connector 78">
+                <a:extLst>
+                  <a:ext uri="{FF2B5EF4-FFF2-40B4-BE49-F238E27FC236}">
+                    <a16:creationId xmlns:a16="http://schemas.microsoft.com/office/drawing/2014/main" id="{23CC141C-BB68-3BF9-5E5A-99A370F6FF77}"/>
+                  </a:ext>
+                </a:extLst>
+              </p:cNvPr>
+              <p:cNvCxnSpPr>
+                <a:cxnSpLocks/>
+              </p:cNvCxnSpPr>
+              <p:nvPr/>
+            </p:nvCxnSpPr>
+            <p:spPr>
+              <a:xfrm>
+                <a:off x="5688013" y="2871788"/>
+                <a:ext cx="271462" cy="0"/>
+              </a:xfrm>
+              <a:prstGeom prst="line">
+                <a:avLst/>
+              </a:prstGeom>
+              <a:ln w="25400"/>
+            </p:spPr>
+            <p:style>
+              <a:lnRef idx="1">
+                <a:schemeClr val="dk1"/>
+              </a:lnRef>
+              <a:fillRef idx="0">
+                <a:schemeClr val="dk1"/>
+              </a:fillRef>
+              <a:effectRef idx="0">
+                <a:schemeClr val="dk1"/>
+              </a:effectRef>
+              <a:fontRef idx="minor">
+                <a:schemeClr val="tx1"/>
+              </a:fontRef>
+            </p:style>
+          </p:cxnSp>
+          <p:cxnSp>
+            <p:nvCxnSpPr>
+              <p:cNvPr id="80" name="Straight Connector 79">
+                <a:extLst>
+                  <a:ext uri="{FF2B5EF4-FFF2-40B4-BE49-F238E27FC236}">
+                    <a16:creationId xmlns:a16="http://schemas.microsoft.com/office/drawing/2014/main" id="{1EDBE5BD-C092-CD55-1671-FCDE030A4DE2}"/>
+                  </a:ext>
+                </a:extLst>
+              </p:cNvPr>
+              <p:cNvCxnSpPr>
+                <a:cxnSpLocks/>
+              </p:cNvCxnSpPr>
+              <p:nvPr/>
+            </p:nvCxnSpPr>
+            <p:spPr>
+              <a:xfrm flipV="1">
+                <a:off x="5823744" y="2752725"/>
+                <a:ext cx="0" cy="115888"/>
+              </a:xfrm>
+              <a:prstGeom prst="line">
+                <a:avLst/>
+              </a:prstGeom>
+            </p:spPr>
+            <p:style>
+              <a:lnRef idx="2">
+                <a:schemeClr val="dk1"/>
+              </a:lnRef>
+              <a:fillRef idx="1">
+                <a:schemeClr val="lt1"/>
+              </a:fillRef>
+              <a:effectRef idx="0">
+                <a:schemeClr val="dk1"/>
+              </a:effectRef>
+              <a:fontRef idx="minor">
+                <a:schemeClr val="dk1"/>
+              </a:fontRef>
+            </p:style>
+          </p:cxnSp>
+        </p:grpSp>
+      </p:grpSp>
+      <p:sp>
+        <p:nvSpPr>
+          <p:cNvPr id="82" name="TextBox 81">
+            <a:extLst>
+              <a:ext uri="{FF2B5EF4-FFF2-40B4-BE49-F238E27FC236}">
+                <a16:creationId xmlns:a16="http://schemas.microsoft.com/office/drawing/2014/main" id="{8164CE5F-B484-4B11-DD29-709672D732FD}"/>
+              </a:ext>
+            </a:extLst>
+          </p:cNvPr>
+          <p:cNvSpPr txBox="1"/>
+          <p:nvPr/>
+        </p:nvSpPr>
+        <p:spPr>
+          <a:xfrm>
+            <a:off x="2564176" y="5575194"/>
+            <a:ext cx="508473" cy="369332"/>
+          </a:xfrm>
+          <a:prstGeom prst="rect">
+            <a:avLst/>
+          </a:prstGeom>
+          <a:noFill/>
+        </p:spPr>
+        <p:txBody>
+          <a:bodyPr wrap="none" rtlCol="0">
+            <a:spAutoFit/>
+          </a:bodyPr>
+          <a:lstStyle/>
+          <a:p>
+            <a:pPr algn="ctr"/>
+            <a:r>
+              <a:rPr lang="en-GB" dirty="0"/>
+              <a:t>run</a:t>
+            </a:r>
+          </a:p>
+        </p:txBody>
+      </p:sp>
+      <p:sp>
+        <p:nvSpPr>
+          <p:cNvPr id="83" name="TextBox 82">
+            <a:extLst>
+              <a:ext uri="{FF2B5EF4-FFF2-40B4-BE49-F238E27FC236}">
+                <a16:creationId xmlns:a16="http://schemas.microsoft.com/office/drawing/2014/main" id="{7A3628E5-7BE4-9106-B357-BD25EA7CE37B}"/>
+              </a:ext>
+            </a:extLst>
+          </p:cNvPr>
+          <p:cNvSpPr txBox="1"/>
+          <p:nvPr/>
+        </p:nvSpPr>
+        <p:spPr>
+          <a:xfrm>
+            <a:off x="5576847" y="5575194"/>
+            <a:ext cx="745718" cy="369332"/>
+          </a:xfrm>
+          <a:prstGeom prst="rect">
+            <a:avLst/>
+          </a:prstGeom>
+          <a:noFill/>
+        </p:spPr>
+        <p:txBody>
+          <a:bodyPr wrap="none" rtlCol="0">
+            <a:spAutoFit/>
+          </a:bodyPr>
+          <a:lstStyle/>
+          <a:p>
+            <a:pPr algn="ctr"/>
+            <a:r>
+              <a:rPr lang="en-GB" dirty="0" err="1"/>
+              <a:t>run_d</a:t>
+            </a:r>
+            <a:endParaRPr lang="en-GB" dirty="0"/>
+          </a:p>
+        </p:txBody>
+      </p:sp>
+      <p:sp>
+        <p:nvSpPr>
+          <p:cNvPr id="84" name="TextBox 83">
+            <a:extLst>
+              <a:ext uri="{FF2B5EF4-FFF2-40B4-BE49-F238E27FC236}">
+                <a16:creationId xmlns:a16="http://schemas.microsoft.com/office/drawing/2014/main" id="{129A5892-0ED4-F81D-EB43-78E2D28A8BCA}"/>
+              </a:ext>
+            </a:extLst>
+          </p:cNvPr>
+          <p:cNvSpPr txBox="1"/>
+          <p:nvPr/>
+        </p:nvSpPr>
+        <p:spPr>
+          <a:xfrm>
+            <a:off x="1105639" y="4927474"/>
+            <a:ext cx="1190454" cy="369332"/>
+          </a:xfrm>
+          <a:prstGeom prst="rect">
+            <a:avLst/>
+          </a:prstGeom>
+          <a:noFill/>
+        </p:spPr>
+        <p:txBody>
+          <a:bodyPr wrap="none" rtlCol="0">
+            <a:spAutoFit/>
+          </a:bodyPr>
+          <a:lstStyle/>
+          <a:p>
+            <a:pPr algn="ctr"/>
+            <a:r>
+              <a:rPr lang="en-GB" dirty="0"/>
+              <a:t>key enable</a:t>
+            </a:r>
+          </a:p>
+        </p:txBody>
+      </p:sp>
+      <p:cxnSp>
+        <p:nvCxnSpPr>
+          <p:cNvPr id="59" name="Straight Connector 58">
+            <a:extLst>
+              <a:ext uri="{FF2B5EF4-FFF2-40B4-BE49-F238E27FC236}">
+                <a16:creationId xmlns:a16="http://schemas.microsoft.com/office/drawing/2014/main" id="{2C139689-A853-3DD3-5FD3-6EF6542147AA}"/>
+              </a:ext>
+            </a:extLst>
+          </p:cNvPr>
+          <p:cNvCxnSpPr>
+            <a:cxnSpLocks/>
+            <a:stCxn id="77" idx="2"/>
+            <a:endCxn id="54" idx="1"/>
+          </p:cNvCxnSpPr>
+          <p:nvPr/>
+        </p:nvCxnSpPr>
+        <p:spPr>
+          <a:xfrm flipV="1">
+            <a:off x="1756875" y="4927474"/>
+            <a:ext cx="775102" cy="3641"/>
+          </a:xfrm>
+          <a:prstGeom prst="line">
+            <a:avLst/>
+          </a:prstGeom>
+        </p:spPr>
+        <p:style>
+          <a:lnRef idx="2">
+            <a:schemeClr val="dk1"/>
+          </a:lnRef>
+          <a:fillRef idx="1">
+            <a:schemeClr val="lt1"/>
+          </a:fillRef>
+          <a:effectRef idx="0">
+            <a:schemeClr val="dk1"/>
+          </a:effectRef>
+          <a:fontRef idx="minor">
+            <a:schemeClr val="dk1"/>
+          </a:fontRef>
+        </p:style>
+      </p:cxnSp>
+      <p:cxnSp>
+        <p:nvCxnSpPr>
+          <p:cNvPr id="90" name="Connector: Elbow 89">
+            <a:extLst>
+              <a:ext uri="{FF2B5EF4-FFF2-40B4-BE49-F238E27FC236}">
+                <a16:creationId xmlns:a16="http://schemas.microsoft.com/office/drawing/2014/main" id="{04D832EF-2BD7-3614-C07B-2EE1C948EDA6}"/>
+              </a:ext>
+            </a:extLst>
+          </p:cNvPr>
+          <p:cNvCxnSpPr>
+            <a:cxnSpLocks/>
+            <a:stCxn id="49" idx="3"/>
+            <a:endCxn id="125" idx="1"/>
+          </p:cNvCxnSpPr>
+          <p:nvPr/>
+        </p:nvCxnSpPr>
+        <p:spPr>
+          <a:xfrm flipV="1">
+            <a:off x="8034172" y="2494441"/>
+            <a:ext cx="464316" cy="1397693"/>
+          </a:xfrm>
+          <a:prstGeom prst="bentConnector3">
+            <a:avLst/>
+          </a:prstGeom>
+        </p:spPr>
+        <p:style>
+          <a:lnRef idx="2">
+            <a:schemeClr val="dk1"/>
+          </a:lnRef>
+          <a:fillRef idx="1">
+            <a:schemeClr val="lt1"/>
+          </a:fillRef>
+          <a:effectRef idx="0">
+            <a:schemeClr val="dk1"/>
+          </a:effectRef>
+          <a:fontRef idx="minor">
+            <a:schemeClr val="dk1"/>
+          </a:fontRef>
+        </p:style>
+      </p:cxnSp>
+      <p:cxnSp>
+        <p:nvCxnSpPr>
+          <p:cNvPr id="92" name="Connector: Elbow 91">
+            <a:extLst>
+              <a:ext uri="{FF2B5EF4-FFF2-40B4-BE49-F238E27FC236}">
+                <a16:creationId xmlns:a16="http://schemas.microsoft.com/office/drawing/2014/main" id="{FB0B54AD-3574-44B1-FCBD-7DF63F686A81}"/>
+              </a:ext>
+            </a:extLst>
+          </p:cNvPr>
+          <p:cNvCxnSpPr>
+            <a:cxnSpLocks/>
+            <a:stCxn id="48" idx="3"/>
+            <a:endCxn id="102" idx="1"/>
+          </p:cNvCxnSpPr>
+          <p:nvPr/>
+        </p:nvCxnSpPr>
+        <p:spPr>
+          <a:xfrm flipV="1">
+            <a:off x="4773340" y="2487785"/>
+            <a:ext cx="475448" cy="1404349"/>
+          </a:xfrm>
+          <a:prstGeom prst="bentConnector3">
+            <a:avLst/>
+          </a:prstGeom>
+        </p:spPr>
+        <p:style>
+          <a:lnRef idx="2">
+            <a:schemeClr val="dk1"/>
+          </a:lnRef>
+          <a:fillRef idx="1">
+            <a:schemeClr val="lt1"/>
+          </a:fillRef>
+          <a:effectRef idx="0">
+            <a:schemeClr val="dk1"/>
+          </a:effectRef>
+          <a:fontRef idx="minor">
+            <a:schemeClr val="dk1"/>
+          </a:fontRef>
+        </p:style>
+      </p:cxnSp>
+      <p:cxnSp>
+        <p:nvCxnSpPr>
+          <p:cNvPr id="94" name="Connector: Elbow 93">
+            <a:extLst>
+              <a:ext uri="{FF2B5EF4-FFF2-40B4-BE49-F238E27FC236}">
+                <a16:creationId xmlns:a16="http://schemas.microsoft.com/office/drawing/2014/main" id="{796241F2-EA74-EFE5-91F3-3CB699CC407C}"/>
+              </a:ext>
+            </a:extLst>
+          </p:cNvPr>
+          <p:cNvCxnSpPr>
+            <a:cxnSpLocks/>
+            <a:endCxn id="133" idx="1"/>
+          </p:cNvCxnSpPr>
+          <p:nvPr/>
+        </p:nvCxnSpPr>
+        <p:spPr>
+          <a:xfrm flipV="1">
+            <a:off x="5588018" y="2377972"/>
+            <a:ext cx="506580" cy="145415"/>
+          </a:xfrm>
+          <a:prstGeom prst="bentConnector3">
+            <a:avLst/>
+          </a:prstGeom>
+        </p:spPr>
+        <p:style>
+          <a:lnRef idx="2">
+            <a:schemeClr val="dk1"/>
+          </a:lnRef>
+          <a:fillRef idx="1">
+            <a:schemeClr val="lt1"/>
+          </a:fillRef>
+          <a:effectRef idx="0">
+            <a:schemeClr val="dk1"/>
+          </a:effectRef>
+          <a:fontRef idx="minor">
+            <a:schemeClr val="dk1"/>
+          </a:fontRef>
+        </p:style>
+      </p:cxnSp>
+      <p:cxnSp>
+        <p:nvCxnSpPr>
+          <p:cNvPr id="96" name="Connector: Elbow 95">
+            <a:extLst>
+              <a:ext uri="{FF2B5EF4-FFF2-40B4-BE49-F238E27FC236}">
+                <a16:creationId xmlns:a16="http://schemas.microsoft.com/office/drawing/2014/main" id="{464AA80A-1A81-ED0A-F48F-6516C71E1A84}"/>
+              </a:ext>
+            </a:extLst>
+          </p:cNvPr>
+          <p:cNvCxnSpPr>
+            <a:cxnSpLocks/>
+            <a:stCxn id="55" idx="3"/>
+            <a:endCxn id="103" idx="1"/>
+          </p:cNvCxnSpPr>
+          <p:nvPr/>
+        </p:nvCxnSpPr>
+        <p:spPr>
+          <a:xfrm flipV="1">
+            <a:off x="3103153" y="2592415"/>
+            <a:ext cx="2145635" cy="2335059"/>
+          </a:xfrm>
+          <a:prstGeom prst="bentConnector3">
+            <a:avLst>
+              <a:gd name="adj1" fmla="val 93801"/>
+            </a:avLst>
+          </a:prstGeom>
+        </p:spPr>
+        <p:style>
+          <a:lnRef idx="2">
+            <a:schemeClr val="dk1"/>
+          </a:lnRef>
+          <a:fillRef idx="1">
+            <a:schemeClr val="lt1"/>
+          </a:fillRef>
+          <a:effectRef idx="0">
+            <a:schemeClr val="dk1"/>
+          </a:effectRef>
+          <a:fontRef idx="minor">
+            <a:schemeClr val="dk1"/>
+          </a:fontRef>
+        </p:style>
+      </p:cxnSp>
+      <p:cxnSp>
+        <p:nvCxnSpPr>
+          <p:cNvPr id="98" name="Connector: Elbow 97">
+            <a:extLst>
+              <a:ext uri="{FF2B5EF4-FFF2-40B4-BE49-F238E27FC236}">
+                <a16:creationId xmlns:a16="http://schemas.microsoft.com/office/drawing/2014/main" id="{EF72469E-41C1-D3D0-A74B-2DEEAA62698C}"/>
+              </a:ext>
+            </a:extLst>
+          </p:cNvPr>
+          <p:cNvCxnSpPr>
+            <a:cxnSpLocks/>
+            <a:stCxn id="126" idx="1"/>
+            <a:endCxn id="65" idx="3"/>
+          </p:cNvCxnSpPr>
+          <p:nvPr/>
+        </p:nvCxnSpPr>
+        <p:spPr>
+          <a:xfrm rot="10800000" flipV="1">
+            <a:off x="6230312" y="2599070"/>
+            <a:ext cx="2268177" cy="2332043"/>
+          </a:xfrm>
+          <a:prstGeom prst="bentConnector3">
+            <a:avLst>
+              <a:gd name="adj1" fmla="val 5206"/>
+            </a:avLst>
+          </a:prstGeom>
+        </p:spPr>
+        <p:style>
+          <a:lnRef idx="2">
+            <a:schemeClr val="dk1"/>
+          </a:lnRef>
+          <a:fillRef idx="1">
+            <a:schemeClr val="lt1"/>
+          </a:fillRef>
+          <a:effectRef idx="0">
+            <a:schemeClr val="dk1"/>
+          </a:effectRef>
+          <a:fontRef idx="minor">
+            <a:schemeClr val="dk1"/>
+          </a:fontRef>
+        </p:style>
+      </p:cxnSp>
+      <p:cxnSp>
+        <p:nvCxnSpPr>
+          <p:cNvPr id="113" name="Connector: Elbow 112">
+            <a:extLst>
+              <a:ext uri="{FF2B5EF4-FFF2-40B4-BE49-F238E27FC236}">
+                <a16:creationId xmlns:a16="http://schemas.microsoft.com/office/drawing/2014/main" id="{1C541E65-E438-71C0-14F7-580B31CF3D53}"/>
+              </a:ext>
+            </a:extLst>
+          </p:cNvPr>
+          <p:cNvCxnSpPr>
+            <a:cxnSpLocks/>
+            <a:stCxn id="48" idx="1"/>
+            <a:endCxn id="55" idx="3"/>
+          </p:cNvCxnSpPr>
+          <p:nvPr/>
+        </p:nvCxnSpPr>
+        <p:spPr>
+          <a:xfrm rot="10800000" flipV="1">
+            <a:off x="3103154" y="3892134"/>
+            <a:ext cx="419237" cy="1035340"/>
+          </a:xfrm>
+          <a:prstGeom prst="bentConnector3">
+            <a:avLst/>
+          </a:prstGeom>
+        </p:spPr>
+        <p:style>
+          <a:lnRef idx="2">
+            <a:schemeClr val="dk1"/>
+          </a:lnRef>
+          <a:fillRef idx="1">
+            <a:schemeClr val="lt1"/>
+          </a:fillRef>
+          <a:effectRef idx="0">
+            <a:schemeClr val="dk1"/>
+          </a:effectRef>
+          <a:fontRef idx="minor">
+            <a:schemeClr val="dk1"/>
+          </a:fontRef>
+        </p:style>
+      </p:cxnSp>
+      <p:cxnSp>
+        <p:nvCxnSpPr>
+          <p:cNvPr id="121" name="Connector: Elbow 120">
+            <a:extLst>
+              <a:ext uri="{FF2B5EF4-FFF2-40B4-BE49-F238E27FC236}">
+                <a16:creationId xmlns:a16="http://schemas.microsoft.com/office/drawing/2014/main" id="{D8642B70-CE41-02AB-3AC7-ED6CA2DC475A}"/>
+              </a:ext>
+            </a:extLst>
+          </p:cNvPr>
+          <p:cNvCxnSpPr>
+            <a:cxnSpLocks/>
+            <a:stCxn id="49" idx="1"/>
+            <a:endCxn id="65" idx="3"/>
+          </p:cNvCxnSpPr>
+          <p:nvPr/>
+        </p:nvCxnSpPr>
+        <p:spPr>
+          <a:xfrm rot="10800000" flipV="1">
+            <a:off x="6230312" y="3892134"/>
+            <a:ext cx="552911" cy="1038980"/>
+          </a:xfrm>
+          <a:prstGeom prst="bentConnector3">
+            <a:avLst/>
+          </a:prstGeom>
+        </p:spPr>
+        <p:style>
+          <a:lnRef idx="2">
+            <a:schemeClr val="dk1"/>
+          </a:lnRef>
+          <a:fillRef idx="1">
+            <a:schemeClr val="lt1"/>
+          </a:fillRef>
+          <a:effectRef idx="0">
+            <a:schemeClr val="dk1"/>
+          </a:effectRef>
+          <a:fontRef idx="minor">
+            <a:schemeClr val="dk1"/>
+          </a:fontRef>
+        </p:style>
+      </p:cxnSp>
+      <p:sp>
+        <p:nvSpPr>
+          <p:cNvPr id="124" name="Flowchart: Delay 123">
+            <a:extLst>
+              <a:ext uri="{FF2B5EF4-FFF2-40B4-BE49-F238E27FC236}">
+                <a16:creationId xmlns:a16="http://schemas.microsoft.com/office/drawing/2014/main" id="{1F861B56-1080-2223-D14B-9BC25BDBB857}"/>
+              </a:ext>
+            </a:extLst>
+          </p:cNvPr>
+          <p:cNvSpPr/>
+          <p:nvPr/>
+        </p:nvSpPr>
+        <p:spPr>
+          <a:xfrm>
+            <a:off x="8497560" y="2426325"/>
+            <a:ext cx="340158" cy="241300"/>
+          </a:xfrm>
+          <a:prstGeom prst="flowChartDelay">
+            <a:avLst/>
+          </a:prstGeom>
+          <a:solidFill>
+            <a:schemeClr val="bg1"/>
+          </a:solidFill>
+          <a:effectLst>
+            <a:outerShdw blurRad="50800" dist="38100" dir="2700000" algn="tl" rotWithShape="0">
+              <a:prstClr val="black">
+                <a:alpha val="40000"/>
+              </a:prstClr>
+            </a:outerShdw>
+          </a:effectLst>
+        </p:spPr>
+        <p:style>
+          <a:lnRef idx="2">
+            <a:schemeClr val="dk1"/>
+          </a:lnRef>
+          <a:fillRef idx="1">
+            <a:schemeClr val="lt1"/>
+          </a:fillRef>
+          <a:effectRef idx="0">
+            <a:schemeClr val="dk1"/>
+          </a:effectRef>
+          <a:fontRef idx="minor">
+            <a:schemeClr val="dk1"/>
+          </a:fontRef>
+        </p:style>
+        <p:txBody>
+          <a:bodyPr rtlCol="0" anchor="ctr"/>
+          <a:lstStyle/>
+          <a:p>
+            <a:pPr algn="ctr"/>
+            <a:endParaRPr lang="en-GB"/>
+          </a:p>
+        </p:txBody>
+      </p:sp>
+      <p:grpSp>
+        <p:nvGrpSpPr>
+          <p:cNvPr id="289" name="Group 288">
+            <a:extLst>
+              <a:ext uri="{FF2B5EF4-FFF2-40B4-BE49-F238E27FC236}">
+                <a16:creationId xmlns:a16="http://schemas.microsoft.com/office/drawing/2014/main" id="{EB952872-AB07-2E70-BBA7-BE2F5B3B0029}"/>
+              </a:ext>
+            </a:extLst>
+          </p:cNvPr>
+          <p:cNvGrpSpPr/>
+          <p:nvPr/>
+        </p:nvGrpSpPr>
+        <p:grpSpPr>
+          <a:xfrm>
+            <a:off x="3522390" y="3514625"/>
+            <a:ext cx="1250950" cy="755017"/>
+            <a:chOff x="3554140" y="3241575"/>
+            <a:chExt cx="1250950" cy="755017"/>
+          </a:xfrm>
+        </p:grpSpPr>
+        <p:sp>
+          <p:nvSpPr>
+            <p:cNvPr id="48" name="Rectangle 47">
+              <a:extLst>
+                <a:ext uri="{FF2B5EF4-FFF2-40B4-BE49-F238E27FC236}">
+                  <a16:creationId xmlns:a16="http://schemas.microsoft.com/office/drawing/2014/main" id="{212375DC-9F09-8A38-1B01-F4C05D0C244E}"/>
+                </a:ext>
+              </a:extLst>
+            </p:cNvPr>
+            <p:cNvSpPr/>
+            <p:nvPr/>
+          </p:nvSpPr>
+          <p:spPr>
+            <a:xfrm>
+              <a:off x="3554140" y="3241575"/>
+              <a:ext cx="1250950" cy="755017"/>
+            </a:xfrm>
+            <a:prstGeom prst="rect">
+              <a:avLst/>
+            </a:prstGeom>
+            <a:solidFill>
+              <a:schemeClr val="bg1"/>
+            </a:solidFill>
+            <a:ln>
+              <a:solidFill>
+                <a:schemeClr val="tx1"/>
+              </a:solidFill>
+            </a:ln>
+            <a:effectLst>
+              <a:outerShdw blurRad="50800" dist="38100" dir="2700000" algn="tl" rotWithShape="0">
+                <a:prstClr val="black">
+                  <a:alpha val="40000"/>
+                </a:prstClr>
+              </a:outerShdw>
+            </a:effectLst>
+          </p:spPr>
+          <p:style>
+            <a:lnRef idx="2">
+              <a:schemeClr val="accent1">
+                <a:shade val="50000"/>
+              </a:schemeClr>
+            </a:lnRef>
+            <a:fillRef idx="1">
+              <a:schemeClr val="accent1"/>
+            </a:fillRef>
+            <a:effectRef idx="0">
+              <a:schemeClr val="accent1"/>
+            </a:effectRef>
+            <a:fontRef idx="minor">
+              <a:schemeClr val="lt1"/>
+            </a:fontRef>
+          </p:style>
+          <p:txBody>
+            <a:bodyPr rtlCol="0" anchor="ctr"/>
+            <a:lstStyle/>
+            <a:p>
+              <a:pPr algn="ctr"/>
+              <a:r>
+                <a:rPr lang="en-GB" dirty="0">
+                  <a:solidFill>
+                    <a:schemeClr val="tx1"/>
+                  </a:solidFill>
+                </a:rPr>
+                <a:t>Encryption Key Generator</a:t>
+              </a:r>
+            </a:p>
+          </p:txBody>
+        </p:sp>
+        <p:sp>
+          <p:nvSpPr>
+            <p:cNvPr id="130" name="TextBox 129">
+              <a:extLst>
+                <a:ext uri="{FF2B5EF4-FFF2-40B4-BE49-F238E27FC236}">
+                  <a16:creationId xmlns:a16="http://schemas.microsoft.com/office/drawing/2014/main" id="{48949601-DB04-4947-75EB-4D52E8C5CECF}"/>
+                </a:ext>
+              </a:extLst>
+            </p:cNvPr>
+            <p:cNvSpPr txBox="1"/>
+            <p:nvPr/>
+          </p:nvSpPr>
+          <p:spPr>
+            <a:xfrm>
+              <a:off x="3554140" y="3503667"/>
+              <a:ext cx="391701" cy="230832"/>
+            </a:xfrm>
+            <a:prstGeom prst="rect">
+              <a:avLst/>
+            </a:prstGeom>
+            <a:noFill/>
+          </p:spPr>
+          <p:txBody>
+            <a:bodyPr wrap="none" lIns="36000" rIns="36000" rtlCol="0">
+              <a:spAutoFit/>
+            </a:bodyPr>
+            <a:lstStyle/>
+            <a:p>
+              <a:r>
+                <a:rPr lang="en-GB" sz="900" dirty="0"/>
+                <a:t>enable</a:t>
+              </a:r>
+            </a:p>
+          </p:txBody>
+        </p:sp>
+      </p:grpSp>
+      <p:grpSp>
+        <p:nvGrpSpPr>
+          <p:cNvPr id="290" name="Group 289">
+            <a:extLst>
+              <a:ext uri="{FF2B5EF4-FFF2-40B4-BE49-F238E27FC236}">
+                <a16:creationId xmlns:a16="http://schemas.microsoft.com/office/drawing/2014/main" id="{10641633-8845-ACA8-5DF5-5633F1AE1651}"/>
+              </a:ext>
+            </a:extLst>
+          </p:cNvPr>
+          <p:cNvGrpSpPr/>
+          <p:nvPr/>
+        </p:nvGrpSpPr>
+        <p:grpSpPr>
+          <a:xfrm>
+            <a:off x="6783222" y="3514625"/>
+            <a:ext cx="1250950" cy="755017"/>
+            <a:chOff x="6814972" y="3241575"/>
+            <a:chExt cx="1250950" cy="755017"/>
+          </a:xfrm>
+        </p:grpSpPr>
+        <p:sp>
+          <p:nvSpPr>
+            <p:cNvPr id="49" name="Rectangle 48">
+              <a:extLst>
+                <a:ext uri="{FF2B5EF4-FFF2-40B4-BE49-F238E27FC236}">
+                  <a16:creationId xmlns:a16="http://schemas.microsoft.com/office/drawing/2014/main" id="{853EF722-C481-931E-D9DB-2D070F30F453}"/>
+                </a:ext>
+              </a:extLst>
+            </p:cNvPr>
+            <p:cNvSpPr/>
+            <p:nvPr/>
+          </p:nvSpPr>
+          <p:spPr>
+            <a:xfrm>
+              <a:off x="6814972" y="3241575"/>
+              <a:ext cx="1250950" cy="755017"/>
+            </a:xfrm>
+            <a:prstGeom prst="rect">
+              <a:avLst/>
+            </a:prstGeom>
+            <a:solidFill>
+              <a:schemeClr val="bg1"/>
+            </a:solidFill>
+            <a:ln>
+              <a:solidFill>
+                <a:schemeClr val="tx1"/>
+              </a:solidFill>
+            </a:ln>
+            <a:effectLst>
+              <a:outerShdw blurRad="50800" dist="38100" dir="2700000" algn="tl" rotWithShape="0">
+                <a:prstClr val="black">
+                  <a:alpha val="40000"/>
+                </a:prstClr>
+              </a:outerShdw>
+            </a:effectLst>
+          </p:spPr>
+          <p:style>
+            <a:lnRef idx="2">
+              <a:schemeClr val="accent1">
+                <a:shade val="50000"/>
+              </a:schemeClr>
+            </a:lnRef>
+            <a:fillRef idx="1">
+              <a:schemeClr val="accent1"/>
+            </a:fillRef>
+            <a:effectRef idx="0">
+              <a:schemeClr val="accent1"/>
+            </a:effectRef>
+            <a:fontRef idx="minor">
+              <a:schemeClr val="lt1"/>
+            </a:fontRef>
+          </p:style>
+          <p:txBody>
+            <a:bodyPr rtlCol="0" anchor="ctr"/>
+            <a:lstStyle/>
+            <a:p>
+              <a:pPr algn="ctr"/>
+              <a:r>
+                <a:rPr lang="en-GB" dirty="0">
+                  <a:solidFill>
+                    <a:schemeClr val="tx1"/>
+                  </a:solidFill>
+                </a:rPr>
+                <a:t>Decryption Key Generator</a:t>
+              </a:r>
+            </a:p>
+          </p:txBody>
+        </p:sp>
+        <p:sp>
+          <p:nvSpPr>
+            <p:cNvPr id="131" name="TextBox 130">
+              <a:extLst>
+                <a:ext uri="{FF2B5EF4-FFF2-40B4-BE49-F238E27FC236}">
+                  <a16:creationId xmlns:a16="http://schemas.microsoft.com/office/drawing/2014/main" id="{B7F8EB5D-5B29-B2B3-CFB9-C852C8615630}"/>
+                </a:ext>
+              </a:extLst>
+            </p:cNvPr>
+            <p:cNvSpPr txBox="1"/>
+            <p:nvPr/>
+          </p:nvSpPr>
+          <p:spPr>
+            <a:xfrm>
+              <a:off x="6814972" y="3503667"/>
+              <a:ext cx="391701" cy="230832"/>
+            </a:xfrm>
+            <a:prstGeom prst="rect">
+              <a:avLst/>
+            </a:prstGeom>
+            <a:noFill/>
+          </p:spPr>
+          <p:txBody>
+            <a:bodyPr wrap="none" lIns="36000" rIns="36000" rtlCol="0">
+              <a:spAutoFit/>
+            </a:bodyPr>
+            <a:lstStyle/>
+            <a:p>
+              <a:r>
+                <a:rPr lang="en-GB" sz="900" dirty="0"/>
+                <a:t>enable</a:t>
+              </a:r>
+            </a:p>
+          </p:txBody>
+        </p:sp>
+      </p:grpSp>
+      <p:cxnSp>
+        <p:nvCxnSpPr>
+          <p:cNvPr id="147" name="Connector: Elbow 146">
+            <a:extLst>
+              <a:ext uri="{FF2B5EF4-FFF2-40B4-BE49-F238E27FC236}">
+                <a16:creationId xmlns:a16="http://schemas.microsoft.com/office/drawing/2014/main" id="{ADEA22B2-570F-09C7-A069-02B130575430}"/>
+              </a:ext>
+            </a:extLst>
+          </p:cNvPr>
+          <p:cNvCxnSpPr>
+            <a:stCxn id="124" idx="3"/>
+            <a:endCxn id="137" idx="1"/>
+          </p:cNvCxnSpPr>
+          <p:nvPr/>
+        </p:nvCxnSpPr>
+        <p:spPr>
+          <a:xfrm flipV="1">
+            <a:off x="8837718" y="2400282"/>
+            <a:ext cx="352361" cy="146693"/>
+          </a:xfrm>
+          <a:prstGeom prst="bentConnector3">
+            <a:avLst/>
+          </a:prstGeom>
+        </p:spPr>
+        <p:style>
+          <a:lnRef idx="2">
+            <a:schemeClr val="dk1"/>
+          </a:lnRef>
+          <a:fillRef idx="1">
+            <a:schemeClr val="lt1"/>
+          </a:fillRef>
+          <a:effectRef idx="0">
+            <a:schemeClr val="dk1"/>
+          </a:effectRef>
+          <a:fontRef idx="minor">
+            <a:schemeClr val="dk1"/>
+          </a:fontRef>
+        </p:style>
+      </p:cxnSp>
+      <p:cxnSp>
+        <p:nvCxnSpPr>
+          <p:cNvPr id="149" name="Straight Connector 148">
+            <a:extLst>
+              <a:ext uri="{FF2B5EF4-FFF2-40B4-BE49-F238E27FC236}">
+                <a16:creationId xmlns:a16="http://schemas.microsoft.com/office/drawing/2014/main" id="{317F074F-C65E-1B40-3930-8A34EB78DDA3}"/>
+              </a:ext>
+            </a:extLst>
+          </p:cNvPr>
+          <p:cNvCxnSpPr>
+            <a:cxnSpLocks/>
+            <a:stCxn id="181" idx="2"/>
+            <a:endCxn id="132" idx="1"/>
+          </p:cNvCxnSpPr>
+          <p:nvPr/>
+        </p:nvCxnSpPr>
+        <p:spPr>
+          <a:xfrm flipV="1">
+            <a:off x="1753018" y="2273342"/>
+            <a:ext cx="4341580" cy="1"/>
+          </a:xfrm>
+          <a:prstGeom prst="line">
+            <a:avLst/>
+          </a:prstGeom>
+        </p:spPr>
+        <p:style>
+          <a:lnRef idx="2">
+            <a:schemeClr val="dk1"/>
+          </a:lnRef>
+          <a:fillRef idx="1">
+            <a:schemeClr val="lt1"/>
+          </a:fillRef>
+          <a:effectRef idx="0">
+            <a:schemeClr val="dk1"/>
+          </a:effectRef>
+          <a:fontRef idx="minor">
+            <a:schemeClr val="dk1"/>
+          </a:fontRef>
+        </p:style>
+      </p:cxnSp>
+      <p:grpSp>
+        <p:nvGrpSpPr>
+          <p:cNvPr id="252" name="Group 251">
+            <a:extLst>
+              <a:ext uri="{FF2B5EF4-FFF2-40B4-BE49-F238E27FC236}">
+                <a16:creationId xmlns:a16="http://schemas.microsoft.com/office/drawing/2014/main" id="{0F3FDC9E-1C45-5C26-351D-F286BA9EC385}"/>
+              </a:ext>
+            </a:extLst>
+          </p:cNvPr>
+          <p:cNvGrpSpPr/>
+          <p:nvPr/>
+        </p:nvGrpSpPr>
+        <p:grpSpPr>
+          <a:xfrm>
+            <a:off x="2904400" y="1513235"/>
+            <a:ext cx="461273" cy="438194"/>
+            <a:chOff x="2936150" y="1240185"/>
+            <a:chExt cx="461273" cy="438194"/>
+          </a:xfrm>
+        </p:grpSpPr>
+        <p:sp>
+          <p:nvSpPr>
+            <p:cNvPr id="152" name="Flowchart: Extract 151">
+              <a:extLst>
+                <a:ext uri="{FF2B5EF4-FFF2-40B4-BE49-F238E27FC236}">
+                  <a16:creationId xmlns:a16="http://schemas.microsoft.com/office/drawing/2014/main" id="{C84CEBA1-0F6A-E72D-E469-C545112836BA}"/>
+                </a:ext>
+              </a:extLst>
+            </p:cNvPr>
+            <p:cNvSpPr/>
+            <p:nvPr/>
+          </p:nvSpPr>
+          <p:spPr>
+            <a:xfrm rot="5400000">
+              <a:off x="2915655" y="1388294"/>
+              <a:ext cx="310580" cy="269590"/>
+            </a:xfrm>
+            <a:prstGeom prst="flowChartExtract">
+              <a:avLst/>
+            </a:prstGeom>
+            <a:effectLst>
+              <a:outerShdw blurRad="50800" dist="38100" dir="2700000" algn="tl" rotWithShape="0">
+                <a:prstClr val="black">
+                  <a:alpha val="40000"/>
+                </a:prstClr>
+              </a:outerShdw>
+            </a:effectLst>
+          </p:spPr>
+          <p:style>
+            <a:lnRef idx="2">
+              <a:schemeClr val="dk1"/>
+            </a:lnRef>
+            <a:fillRef idx="1">
+              <a:schemeClr val="lt1"/>
+            </a:fillRef>
+            <a:effectRef idx="0">
+              <a:schemeClr val="dk1"/>
+            </a:effectRef>
+            <a:fontRef idx="minor">
+              <a:schemeClr val="dk1"/>
+            </a:fontRef>
+          </p:style>
+          <p:txBody>
+            <a:bodyPr rtlCol="0" anchor="ctr"/>
+            <a:lstStyle/>
+            <a:p>
+              <a:pPr algn="ctr"/>
+              <a:endParaRPr lang="en-GB"/>
+            </a:p>
+          </p:txBody>
+        </p:sp>
+        <p:cxnSp>
+          <p:nvCxnSpPr>
+            <p:cNvPr id="154" name="Straight Connector 153">
+              <a:extLst>
+                <a:ext uri="{FF2B5EF4-FFF2-40B4-BE49-F238E27FC236}">
+                  <a16:creationId xmlns:a16="http://schemas.microsoft.com/office/drawing/2014/main" id="{15D703C6-5A5B-E111-0474-A4AEE4A99749}"/>
+                </a:ext>
+              </a:extLst>
+            </p:cNvPr>
+            <p:cNvCxnSpPr>
+              <a:cxnSpLocks/>
+              <a:stCxn id="152" idx="0"/>
+            </p:cNvCxnSpPr>
+            <p:nvPr/>
+          </p:nvCxnSpPr>
+          <p:spPr>
+            <a:xfrm>
+              <a:off x="3205740" y="1523089"/>
+              <a:ext cx="191683" cy="0"/>
+            </a:xfrm>
+            <a:prstGeom prst="line">
+              <a:avLst/>
+            </a:prstGeom>
+          </p:spPr>
+          <p:style>
+            <a:lnRef idx="2">
+              <a:schemeClr val="dk1"/>
+            </a:lnRef>
+            <a:fillRef idx="1">
+              <a:schemeClr val="lt1"/>
+            </a:fillRef>
+            <a:effectRef idx="0">
+              <a:schemeClr val="dk1"/>
+            </a:effectRef>
+            <a:fontRef idx="minor">
+              <a:schemeClr val="dk1"/>
+            </a:fontRef>
+          </p:style>
+        </p:cxnSp>
+        <p:cxnSp>
+          <p:nvCxnSpPr>
+            <p:cNvPr id="155" name="Straight Arrow Connector 154">
+              <a:extLst>
+                <a:ext uri="{FF2B5EF4-FFF2-40B4-BE49-F238E27FC236}">
+                  <a16:creationId xmlns:a16="http://schemas.microsoft.com/office/drawing/2014/main" id="{F2A2AFB2-A7F1-A059-908B-F8D808DEB387}"/>
+                </a:ext>
+              </a:extLst>
+            </p:cNvPr>
+            <p:cNvCxnSpPr>
+              <a:cxnSpLocks/>
+            </p:cNvCxnSpPr>
+            <p:nvPr/>
+          </p:nvCxnSpPr>
+          <p:spPr>
+            <a:xfrm flipV="1">
+              <a:off x="3141397" y="1303992"/>
+              <a:ext cx="128686" cy="127614"/>
+            </a:xfrm>
+            <a:prstGeom prst="straightConnector1">
+              <a:avLst/>
+            </a:prstGeom>
+            <a:ln>
+              <a:tailEnd type="triangle"/>
+            </a:ln>
+            <a:effectLst>
+              <a:outerShdw blurRad="50800" dist="38100" dir="2700000" algn="tl" rotWithShape="0">
+                <a:prstClr val="black">
+                  <a:alpha val="40000"/>
+                </a:prstClr>
+              </a:outerShdw>
+            </a:effectLst>
+          </p:spPr>
+          <p:style>
+            <a:lnRef idx="2">
+              <a:schemeClr val="dk1"/>
+            </a:lnRef>
+            <a:fillRef idx="1">
+              <a:schemeClr val="lt1"/>
+            </a:fillRef>
+            <a:effectRef idx="0">
+              <a:schemeClr val="dk1"/>
+            </a:effectRef>
+            <a:fontRef idx="minor">
+              <a:schemeClr val="dk1"/>
+            </a:fontRef>
+          </p:style>
+        </p:cxnSp>
+        <p:cxnSp>
+          <p:nvCxnSpPr>
+            <p:cNvPr id="156" name="Straight Arrow Connector 155">
+              <a:extLst>
+                <a:ext uri="{FF2B5EF4-FFF2-40B4-BE49-F238E27FC236}">
+                  <a16:creationId xmlns:a16="http://schemas.microsoft.com/office/drawing/2014/main" id="{6E1B6D46-F528-8CAE-CBB0-05E9B559EA1B}"/>
+                </a:ext>
+              </a:extLst>
+            </p:cNvPr>
+            <p:cNvCxnSpPr>
+              <a:cxnSpLocks/>
+            </p:cNvCxnSpPr>
+            <p:nvPr/>
+          </p:nvCxnSpPr>
+          <p:spPr>
+            <a:xfrm flipV="1">
+              <a:off x="3054565" y="1240185"/>
+              <a:ext cx="128686" cy="127614"/>
+            </a:xfrm>
+            <a:prstGeom prst="straightConnector1">
+              <a:avLst/>
+            </a:prstGeom>
+            <a:ln>
+              <a:tailEnd type="triangle"/>
+            </a:ln>
+            <a:effectLst>
+              <a:outerShdw blurRad="50800" dist="38100" dir="2700000" algn="tl" rotWithShape="0">
+                <a:prstClr val="black">
+                  <a:alpha val="40000"/>
+                </a:prstClr>
+              </a:outerShdw>
+            </a:effectLst>
+          </p:spPr>
+          <p:style>
+            <a:lnRef idx="2">
+              <a:schemeClr val="dk1"/>
+            </a:lnRef>
+            <a:fillRef idx="1">
+              <a:schemeClr val="lt1"/>
+            </a:fillRef>
+            <a:effectRef idx="0">
+              <a:schemeClr val="dk1"/>
+            </a:effectRef>
+            <a:fontRef idx="minor">
+              <a:schemeClr val="dk1"/>
+            </a:fontRef>
+          </p:style>
+        </p:cxnSp>
+      </p:grpSp>
+      <p:grpSp>
+        <p:nvGrpSpPr>
+          <p:cNvPr id="253" name="Group 252">
+            <a:extLst>
+              <a:ext uri="{FF2B5EF4-FFF2-40B4-BE49-F238E27FC236}">
+                <a16:creationId xmlns:a16="http://schemas.microsoft.com/office/drawing/2014/main" id="{321E82ED-1173-C736-6365-3233BEF2E2AC}"/>
+              </a:ext>
+            </a:extLst>
+          </p:cNvPr>
+          <p:cNvGrpSpPr/>
+          <p:nvPr/>
+        </p:nvGrpSpPr>
+        <p:grpSpPr>
+          <a:xfrm>
+            <a:off x="8264464" y="1513235"/>
+            <a:ext cx="461273" cy="438194"/>
+            <a:chOff x="8296214" y="1240185"/>
+            <a:chExt cx="461273" cy="438194"/>
+          </a:xfrm>
+        </p:grpSpPr>
+        <p:sp>
+          <p:nvSpPr>
+            <p:cNvPr id="158" name="Flowchart: Extract 157">
+              <a:extLst>
+                <a:ext uri="{FF2B5EF4-FFF2-40B4-BE49-F238E27FC236}">
+                  <a16:creationId xmlns:a16="http://schemas.microsoft.com/office/drawing/2014/main" id="{C22DB844-F0A6-C775-7F09-8A6E2BD735F3}"/>
+                </a:ext>
+              </a:extLst>
+            </p:cNvPr>
+            <p:cNvSpPr/>
+            <p:nvPr/>
+          </p:nvSpPr>
+          <p:spPr>
+            <a:xfrm rot="5400000">
+              <a:off x="8275719" y="1388294"/>
+              <a:ext cx="310580" cy="269590"/>
+            </a:xfrm>
+            <a:prstGeom prst="flowChartExtract">
+              <a:avLst/>
+            </a:prstGeom>
+            <a:effectLst>
+              <a:outerShdw blurRad="50800" dist="38100" dir="2700000" algn="tl" rotWithShape="0">
+                <a:prstClr val="black">
+                  <a:alpha val="40000"/>
+                </a:prstClr>
+              </a:outerShdw>
+            </a:effectLst>
+          </p:spPr>
+          <p:style>
+            <a:lnRef idx="2">
+              <a:schemeClr val="dk1"/>
+            </a:lnRef>
+            <a:fillRef idx="1">
+              <a:schemeClr val="lt1"/>
+            </a:fillRef>
+            <a:effectRef idx="0">
+              <a:schemeClr val="dk1"/>
+            </a:effectRef>
+            <a:fontRef idx="minor">
+              <a:schemeClr val="dk1"/>
+            </a:fontRef>
+          </p:style>
+          <p:txBody>
+            <a:bodyPr rtlCol="0" anchor="ctr"/>
+            <a:lstStyle/>
+            <a:p>
+              <a:pPr algn="ctr"/>
+              <a:endParaRPr lang="en-GB"/>
+            </a:p>
+          </p:txBody>
+        </p:sp>
+        <p:cxnSp>
+          <p:nvCxnSpPr>
+            <p:cNvPr id="160" name="Straight Connector 159">
+              <a:extLst>
+                <a:ext uri="{FF2B5EF4-FFF2-40B4-BE49-F238E27FC236}">
+                  <a16:creationId xmlns:a16="http://schemas.microsoft.com/office/drawing/2014/main" id="{56EDCC3F-DA85-7038-E02B-CC65BDCD08A6}"/>
+                </a:ext>
+              </a:extLst>
+            </p:cNvPr>
+            <p:cNvCxnSpPr>
+              <a:cxnSpLocks/>
+              <a:stCxn id="158" idx="0"/>
+            </p:cNvCxnSpPr>
+            <p:nvPr/>
+          </p:nvCxnSpPr>
+          <p:spPr>
+            <a:xfrm>
+              <a:off x="8565804" y="1523089"/>
+              <a:ext cx="191683" cy="0"/>
+            </a:xfrm>
+            <a:prstGeom prst="line">
+              <a:avLst/>
+            </a:prstGeom>
+          </p:spPr>
+          <p:style>
+            <a:lnRef idx="2">
+              <a:schemeClr val="dk1"/>
+            </a:lnRef>
+            <a:fillRef idx="1">
+              <a:schemeClr val="lt1"/>
+            </a:fillRef>
+            <a:effectRef idx="0">
+              <a:schemeClr val="dk1"/>
+            </a:effectRef>
+            <a:fontRef idx="minor">
+              <a:schemeClr val="dk1"/>
+            </a:fontRef>
+          </p:style>
+        </p:cxnSp>
+        <p:cxnSp>
+          <p:nvCxnSpPr>
+            <p:cNvPr id="161" name="Straight Arrow Connector 160">
+              <a:extLst>
+                <a:ext uri="{FF2B5EF4-FFF2-40B4-BE49-F238E27FC236}">
+                  <a16:creationId xmlns:a16="http://schemas.microsoft.com/office/drawing/2014/main" id="{62AE4CA3-1421-CF50-DEAB-FA0ADC5A5D94}"/>
+                </a:ext>
+              </a:extLst>
+            </p:cNvPr>
+            <p:cNvCxnSpPr>
+              <a:cxnSpLocks/>
+            </p:cNvCxnSpPr>
+            <p:nvPr/>
+          </p:nvCxnSpPr>
+          <p:spPr>
+            <a:xfrm flipV="1">
+              <a:off x="8501461" y="1303992"/>
+              <a:ext cx="128686" cy="127614"/>
+            </a:xfrm>
+            <a:prstGeom prst="straightConnector1">
+              <a:avLst/>
+            </a:prstGeom>
+            <a:ln>
+              <a:tailEnd type="triangle"/>
+            </a:ln>
+            <a:effectLst>
+              <a:outerShdw blurRad="50800" dist="38100" dir="2700000" algn="tl" rotWithShape="0">
+                <a:prstClr val="black">
+                  <a:alpha val="40000"/>
+                </a:prstClr>
+              </a:outerShdw>
+            </a:effectLst>
+          </p:spPr>
+          <p:style>
+            <a:lnRef idx="2">
+              <a:schemeClr val="dk1"/>
+            </a:lnRef>
+            <a:fillRef idx="1">
+              <a:schemeClr val="lt1"/>
+            </a:fillRef>
+            <a:effectRef idx="0">
+              <a:schemeClr val="dk1"/>
+            </a:effectRef>
+            <a:fontRef idx="minor">
+              <a:schemeClr val="dk1"/>
+            </a:fontRef>
+          </p:style>
+        </p:cxnSp>
+        <p:cxnSp>
+          <p:nvCxnSpPr>
+            <p:cNvPr id="162" name="Straight Arrow Connector 161">
+              <a:extLst>
+                <a:ext uri="{FF2B5EF4-FFF2-40B4-BE49-F238E27FC236}">
+                  <a16:creationId xmlns:a16="http://schemas.microsoft.com/office/drawing/2014/main" id="{E689ECB9-6BBF-D8D8-CCB7-34EF36930AA0}"/>
+                </a:ext>
+              </a:extLst>
+            </p:cNvPr>
+            <p:cNvCxnSpPr>
+              <a:cxnSpLocks/>
+            </p:cNvCxnSpPr>
+            <p:nvPr/>
+          </p:nvCxnSpPr>
+          <p:spPr>
+            <a:xfrm flipV="1">
+              <a:off x="8414629" y="1240185"/>
+              <a:ext cx="128686" cy="127614"/>
+            </a:xfrm>
+            <a:prstGeom prst="straightConnector1">
+              <a:avLst/>
+            </a:prstGeom>
+            <a:ln>
+              <a:tailEnd type="triangle"/>
+            </a:ln>
+            <a:effectLst>
+              <a:outerShdw blurRad="50800" dist="38100" dir="2700000" algn="tl" rotWithShape="0">
+                <a:prstClr val="black">
+                  <a:alpha val="40000"/>
+                </a:prstClr>
+              </a:outerShdw>
+            </a:effectLst>
+          </p:spPr>
+          <p:style>
+            <a:lnRef idx="2">
+              <a:schemeClr val="dk1"/>
+            </a:lnRef>
+            <a:fillRef idx="1">
+              <a:schemeClr val="lt1"/>
+            </a:fillRef>
+            <a:effectRef idx="0">
+              <a:schemeClr val="dk1"/>
+            </a:effectRef>
+            <a:fontRef idx="minor">
+              <a:schemeClr val="dk1"/>
+            </a:fontRef>
+          </p:style>
+        </p:cxnSp>
+      </p:grpSp>
+      <p:grpSp>
+        <p:nvGrpSpPr>
+          <p:cNvPr id="261" name="Group 260">
+            <a:extLst>
+              <a:ext uri="{FF2B5EF4-FFF2-40B4-BE49-F238E27FC236}">
+                <a16:creationId xmlns:a16="http://schemas.microsoft.com/office/drawing/2014/main" id="{C3CD3C76-D105-5FF7-F01B-4E90FF9EDF4A}"/>
+              </a:ext>
+            </a:extLst>
+          </p:cNvPr>
+          <p:cNvGrpSpPr/>
+          <p:nvPr/>
+        </p:nvGrpSpPr>
+        <p:grpSpPr>
+          <a:xfrm>
+            <a:off x="10854995" y="1513235"/>
+            <a:ext cx="461273" cy="438194"/>
+            <a:chOff x="10886745" y="1240185"/>
+            <a:chExt cx="461273" cy="438194"/>
+          </a:xfrm>
+        </p:grpSpPr>
+        <p:sp>
+          <p:nvSpPr>
+            <p:cNvPr id="164" name="Flowchart: Extract 163">
+              <a:extLst>
+                <a:ext uri="{FF2B5EF4-FFF2-40B4-BE49-F238E27FC236}">
+                  <a16:creationId xmlns:a16="http://schemas.microsoft.com/office/drawing/2014/main" id="{D6846F96-171F-9B43-B6C6-329A2E1DCC88}"/>
+                </a:ext>
+              </a:extLst>
+            </p:cNvPr>
+            <p:cNvSpPr/>
+            <p:nvPr/>
+          </p:nvSpPr>
+          <p:spPr>
+            <a:xfrm rot="5400000">
+              <a:off x="10866250" y="1388294"/>
+              <a:ext cx="310580" cy="269590"/>
+            </a:xfrm>
+            <a:prstGeom prst="flowChartExtract">
+              <a:avLst/>
+            </a:prstGeom>
+            <a:effectLst>
+              <a:outerShdw blurRad="50800" dist="38100" dir="2700000" algn="tl" rotWithShape="0">
+                <a:prstClr val="black">
+                  <a:alpha val="40000"/>
+                </a:prstClr>
+              </a:outerShdw>
+            </a:effectLst>
+          </p:spPr>
+          <p:style>
+            <a:lnRef idx="2">
+              <a:schemeClr val="dk1"/>
+            </a:lnRef>
+            <a:fillRef idx="1">
+              <a:schemeClr val="lt1"/>
+            </a:fillRef>
+            <a:effectRef idx="0">
+              <a:schemeClr val="dk1"/>
+            </a:effectRef>
+            <a:fontRef idx="minor">
+              <a:schemeClr val="dk1"/>
+            </a:fontRef>
+          </p:style>
+          <p:txBody>
+            <a:bodyPr rtlCol="0" anchor="ctr"/>
+            <a:lstStyle/>
+            <a:p>
+              <a:pPr algn="ctr"/>
+              <a:endParaRPr lang="en-GB"/>
+            </a:p>
+          </p:txBody>
+        </p:sp>
+        <p:cxnSp>
+          <p:nvCxnSpPr>
+            <p:cNvPr id="166" name="Straight Connector 165">
+              <a:extLst>
+                <a:ext uri="{FF2B5EF4-FFF2-40B4-BE49-F238E27FC236}">
+                  <a16:creationId xmlns:a16="http://schemas.microsoft.com/office/drawing/2014/main" id="{3A6ECF07-FB41-C195-9307-5B8958881810}"/>
+                </a:ext>
+              </a:extLst>
+            </p:cNvPr>
+            <p:cNvCxnSpPr>
+              <a:cxnSpLocks/>
+              <a:stCxn id="164" idx="0"/>
+            </p:cNvCxnSpPr>
+            <p:nvPr/>
+          </p:nvCxnSpPr>
+          <p:spPr>
+            <a:xfrm>
+              <a:off x="11156335" y="1523089"/>
+              <a:ext cx="191683" cy="0"/>
+            </a:xfrm>
+            <a:prstGeom prst="line">
+              <a:avLst/>
+            </a:prstGeom>
+          </p:spPr>
+          <p:style>
+            <a:lnRef idx="2">
+              <a:schemeClr val="dk1"/>
+            </a:lnRef>
+            <a:fillRef idx="1">
+              <a:schemeClr val="lt1"/>
+            </a:fillRef>
+            <a:effectRef idx="0">
+              <a:schemeClr val="dk1"/>
+            </a:effectRef>
+            <a:fontRef idx="minor">
+              <a:schemeClr val="dk1"/>
+            </a:fontRef>
+          </p:style>
+        </p:cxnSp>
+        <p:cxnSp>
+          <p:nvCxnSpPr>
+            <p:cNvPr id="167" name="Straight Arrow Connector 166">
+              <a:extLst>
+                <a:ext uri="{FF2B5EF4-FFF2-40B4-BE49-F238E27FC236}">
+                  <a16:creationId xmlns:a16="http://schemas.microsoft.com/office/drawing/2014/main" id="{99AF64B3-7664-FB3C-11DE-47FF802830DD}"/>
+                </a:ext>
+              </a:extLst>
+            </p:cNvPr>
+            <p:cNvCxnSpPr>
+              <a:cxnSpLocks/>
+            </p:cNvCxnSpPr>
+            <p:nvPr/>
+          </p:nvCxnSpPr>
+          <p:spPr>
+            <a:xfrm flipV="1">
+              <a:off x="11091992" y="1303992"/>
+              <a:ext cx="128686" cy="127614"/>
+            </a:xfrm>
+            <a:prstGeom prst="straightConnector1">
+              <a:avLst/>
+            </a:prstGeom>
+            <a:ln>
+              <a:tailEnd type="triangle"/>
+            </a:ln>
+            <a:effectLst>
+              <a:outerShdw blurRad="50800" dist="38100" dir="2700000" algn="tl" rotWithShape="0">
+                <a:prstClr val="black">
+                  <a:alpha val="40000"/>
+                </a:prstClr>
+              </a:outerShdw>
+            </a:effectLst>
+          </p:spPr>
+          <p:style>
+            <a:lnRef idx="2">
+              <a:schemeClr val="dk1"/>
+            </a:lnRef>
+            <a:fillRef idx="1">
+              <a:schemeClr val="lt1"/>
+            </a:fillRef>
+            <a:effectRef idx="0">
+              <a:schemeClr val="dk1"/>
+            </a:effectRef>
+            <a:fontRef idx="minor">
+              <a:schemeClr val="dk1"/>
+            </a:fontRef>
+          </p:style>
+        </p:cxnSp>
+        <p:cxnSp>
+          <p:nvCxnSpPr>
+            <p:cNvPr id="168" name="Straight Arrow Connector 167">
+              <a:extLst>
+                <a:ext uri="{FF2B5EF4-FFF2-40B4-BE49-F238E27FC236}">
+                  <a16:creationId xmlns:a16="http://schemas.microsoft.com/office/drawing/2014/main" id="{02802473-AFBD-737F-9A7C-CDFF5757D6E8}"/>
+                </a:ext>
+              </a:extLst>
+            </p:cNvPr>
+            <p:cNvCxnSpPr>
+              <a:cxnSpLocks/>
+            </p:cNvCxnSpPr>
+            <p:nvPr/>
+          </p:nvCxnSpPr>
+          <p:spPr>
+            <a:xfrm flipV="1">
+              <a:off x="11005160" y="1240185"/>
+              <a:ext cx="128686" cy="127614"/>
+            </a:xfrm>
+            <a:prstGeom prst="straightConnector1">
+              <a:avLst/>
+            </a:prstGeom>
+            <a:ln>
+              <a:tailEnd type="triangle"/>
+            </a:ln>
+            <a:effectLst>
+              <a:outerShdw blurRad="50800" dist="38100" dir="2700000" algn="tl" rotWithShape="0">
+                <a:prstClr val="black">
+                  <a:alpha val="40000"/>
+                </a:prstClr>
+              </a:outerShdw>
+            </a:effectLst>
+          </p:spPr>
+          <p:style>
+            <a:lnRef idx="2">
+              <a:schemeClr val="dk1"/>
+            </a:lnRef>
+            <a:fillRef idx="1">
+              <a:schemeClr val="lt1"/>
+            </a:fillRef>
+            <a:effectRef idx="0">
+              <a:schemeClr val="dk1"/>
+            </a:effectRef>
+            <a:fontRef idx="minor">
+              <a:schemeClr val="dk1"/>
+            </a:fontRef>
+          </p:style>
+        </p:cxnSp>
+      </p:grpSp>
+      <p:grpSp>
+        <p:nvGrpSpPr>
+          <p:cNvPr id="262" name="Group 261">
+            <a:extLst>
+              <a:ext uri="{FF2B5EF4-FFF2-40B4-BE49-F238E27FC236}">
+                <a16:creationId xmlns:a16="http://schemas.microsoft.com/office/drawing/2014/main" id="{A986D1B2-CD84-FF7E-A978-B91BEA6A3A09}"/>
+              </a:ext>
+            </a:extLst>
+          </p:cNvPr>
+          <p:cNvGrpSpPr/>
+          <p:nvPr/>
+        </p:nvGrpSpPr>
+        <p:grpSpPr>
+          <a:xfrm>
+            <a:off x="4133208" y="5115587"/>
+            <a:ext cx="461273" cy="438194"/>
+            <a:chOff x="4164958" y="4032315"/>
+            <a:chExt cx="461273" cy="438194"/>
+          </a:xfrm>
+        </p:grpSpPr>
+        <p:sp>
+          <p:nvSpPr>
+            <p:cNvPr id="170" name="Flowchart: Extract 169">
+              <a:extLst>
+                <a:ext uri="{FF2B5EF4-FFF2-40B4-BE49-F238E27FC236}">
+                  <a16:creationId xmlns:a16="http://schemas.microsoft.com/office/drawing/2014/main" id="{769D4C05-6D8A-2A53-6993-2EADADF7F8B0}"/>
+                </a:ext>
+              </a:extLst>
+            </p:cNvPr>
+            <p:cNvSpPr/>
+            <p:nvPr/>
+          </p:nvSpPr>
+          <p:spPr>
+            <a:xfrm rot="5400000">
+              <a:off x="4144463" y="4180424"/>
+              <a:ext cx="310580" cy="269590"/>
+            </a:xfrm>
+            <a:prstGeom prst="flowChartExtract">
+              <a:avLst/>
+            </a:prstGeom>
+            <a:effectLst>
+              <a:outerShdw blurRad="50800" dist="38100" dir="2700000" algn="tl" rotWithShape="0">
+                <a:prstClr val="black">
+                  <a:alpha val="40000"/>
+                </a:prstClr>
+              </a:outerShdw>
+            </a:effectLst>
+          </p:spPr>
+          <p:style>
+            <a:lnRef idx="2">
+              <a:schemeClr val="dk1"/>
+            </a:lnRef>
+            <a:fillRef idx="1">
+              <a:schemeClr val="lt1"/>
+            </a:fillRef>
+            <a:effectRef idx="0">
+              <a:schemeClr val="dk1"/>
+            </a:effectRef>
+            <a:fontRef idx="minor">
+              <a:schemeClr val="dk1"/>
+            </a:fontRef>
+          </p:style>
+          <p:txBody>
+            <a:bodyPr rtlCol="0" anchor="ctr"/>
+            <a:lstStyle/>
+            <a:p>
+              <a:pPr algn="ctr"/>
+              <a:endParaRPr lang="en-GB"/>
+            </a:p>
+          </p:txBody>
+        </p:sp>
+        <p:cxnSp>
+          <p:nvCxnSpPr>
+            <p:cNvPr id="172" name="Straight Connector 171">
+              <a:extLst>
+                <a:ext uri="{FF2B5EF4-FFF2-40B4-BE49-F238E27FC236}">
+                  <a16:creationId xmlns:a16="http://schemas.microsoft.com/office/drawing/2014/main" id="{A5120CDB-02AA-968E-C95E-18D51A6599E2}"/>
+                </a:ext>
+              </a:extLst>
+            </p:cNvPr>
+            <p:cNvCxnSpPr>
+              <a:cxnSpLocks/>
+              <a:stCxn id="170" idx="0"/>
+            </p:cNvCxnSpPr>
+            <p:nvPr/>
+          </p:nvCxnSpPr>
+          <p:spPr>
+            <a:xfrm>
+              <a:off x="4434548" y="4315219"/>
+              <a:ext cx="191683" cy="0"/>
+            </a:xfrm>
+            <a:prstGeom prst="line">
+              <a:avLst/>
+            </a:prstGeom>
+          </p:spPr>
+          <p:style>
+            <a:lnRef idx="2">
+              <a:schemeClr val="dk1"/>
+            </a:lnRef>
+            <a:fillRef idx="1">
+              <a:schemeClr val="lt1"/>
+            </a:fillRef>
+            <a:effectRef idx="0">
+              <a:schemeClr val="dk1"/>
+            </a:effectRef>
+            <a:fontRef idx="minor">
+              <a:schemeClr val="dk1"/>
+            </a:fontRef>
+          </p:style>
+        </p:cxnSp>
+        <p:cxnSp>
+          <p:nvCxnSpPr>
+            <p:cNvPr id="173" name="Straight Arrow Connector 172">
+              <a:extLst>
+                <a:ext uri="{FF2B5EF4-FFF2-40B4-BE49-F238E27FC236}">
+                  <a16:creationId xmlns:a16="http://schemas.microsoft.com/office/drawing/2014/main" id="{D3EC4030-8978-7136-5EC8-435FF236E249}"/>
+                </a:ext>
+              </a:extLst>
+            </p:cNvPr>
+            <p:cNvCxnSpPr>
+              <a:cxnSpLocks/>
+            </p:cNvCxnSpPr>
+            <p:nvPr/>
+          </p:nvCxnSpPr>
+          <p:spPr>
+            <a:xfrm flipV="1">
+              <a:off x="4370205" y="4096122"/>
+              <a:ext cx="128686" cy="127614"/>
+            </a:xfrm>
+            <a:prstGeom prst="straightConnector1">
+              <a:avLst/>
+            </a:prstGeom>
+            <a:ln>
+              <a:tailEnd type="triangle"/>
+            </a:ln>
+            <a:effectLst>
+              <a:outerShdw blurRad="50800" dist="38100" dir="2700000" algn="tl" rotWithShape="0">
+                <a:prstClr val="black">
+                  <a:alpha val="40000"/>
+                </a:prstClr>
+              </a:outerShdw>
+            </a:effectLst>
+          </p:spPr>
+          <p:style>
+            <a:lnRef idx="2">
+              <a:schemeClr val="dk1"/>
+            </a:lnRef>
+            <a:fillRef idx="1">
+              <a:schemeClr val="lt1"/>
+            </a:fillRef>
+            <a:effectRef idx="0">
+              <a:schemeClr val="dk1"/>
+            </a:effectRef>
+            <a:fontRef idx="minor">
+              <a:schemeClr val="dk1"/>
+            </a:fontRef>
+          </p:style>
+        </p:cxnSp>
+        <p:cxnSp>
+          <p:nvCxnSpPr>
+            <p:cNvPr id="174" name="Straight Arrow Connector 173">
+              <a:extLst>
+                <a:ext uri="{FF2B5EF4-FFF2-40B4-BE49-F238E27FC236}">
+                  <a16:creationId xmlns:a16="http://schemas.microsoft.com/office/drawing/2014/main" id="{2D97C778-55AE-8861-2510-8EA9FC5CAEFB}"/>
+                </a:ext>
+              </a:extLst>
+            </p:cNvPr>
+            <p:cNvCxnSpPr>
+              <a:cxnSpLocks/>
+            </p:cNvCxnSpPr>
+            <p:nvPr/>
+          </p:nvCxnSpPr>
+          <p:spPr>
+            <a:xfrm flipV="1">
+              <a:off x="4283373" y="4032315"/>
+              <a:ext cx="128686" cy="127614"/>
+            </a:xfrm>
+            <a:prstGeom prst="straightConnector1">
+              <a:avLst/>
+            </a:prstGeom>
+            <a:ln>
+              <a:tailEnd type="triangle"/>
+            </a:ln>
+            <a:effectLst>
+              <a:outerShdw blurRad="50800" dist="38100" dir="2700000" algn="tl" rotWithShape="0">
+                <a:prstClr val="black">
+                  <a:alpha val="40000"/>
+                </a:prstClr>
+              </a:outerShdw>
+            </a:effectLst>
+          </p:spPr>
+          <p:style>
+            <a:lnRef idx="2">
+              <a:schemeClr val="dk1"/>
+            </a:lnRef>
+            <a:fillRef idx="1">
+              <a:schemeClr val="lt1"/>
+            </a:fillRef>
+            <a:effectRef idx="0">
+              <a:schemeClr val="dk1"/>
+            </a:effectRef>
+            <a:fontRef idx="minor">
+              <a:schemeClr val="dk1"/>
+            </a:fontRef>
+          </p:style>
+        </p:cxnSp>
+      </p:grpSp>
+      <p:cxnSp>
+        <p:nvCxnSpPr>
+          <p:cNvPr id="179" name="Straight Connector 178">
+            <a:extLst>
+              <a:ext uri="{FF2B5EF4-FFF2-40B4-BE49-F238E27FC236}">
+                <a16:creationId xmlns:a16="http://schemas.microsoft.com/office/drawing/2014/main" id="{F8E10A28-9FD6-CBC1-A0C1-BFFC8EEE7960}"/>
+              </a:ext>
+            </a:extLst>
+          </p:cNvPr>
+          <p:cNvCxnSpPr>
+            <a:cxnSpLocks/>
+            <a:endCxn id="180" idx="2"/>
+          </p:cNvCxnSpPr>
+          <p:nvPr/>
+        </p:nvCxnSpPr>
+        <p:spPr>
+          <a:xfrm>
+            <a:off x="1238668" y="2273342"/>
+            <a:ext cx="257175" cy="1"/>
+          </a:xfrm>
+          <a:prstGeom prst="line">
+            <a:avLst/>
+          </a:prstGeom>
+        </p:spPr>
+        <p:style>
+          <a:lnRef idx="2">
+            <a:schemeClr val="dk1"/>
+          </a:lnRef>
+          <a:fillRef idx="1">
+            <a:schemeClr val="lt1"/>
+          </a:fillRef>
+          <a:effectRef idx="0">
+            <a:schemeClr val="dk1"/>
+          </a:effectRef>
+          <a:fontRef idx="minor">
+            <a:schemeClr val="dk1"/>
+          </a:fontRef>
+        </p:style>
+      </p:cxnSp>
+      <p:grpSp>
+        <p:nvGrpSpPr>
+          <p:cNvPr id="277" name="Group 276">
+            <a:extLst>
+              <a:ext uri="{FF2B5EF4-FFF2-40B4-BE49-F238E27FC236}">
+                <a16:creationId xmlns:a16="http://schemas.microsoft.com/office/drawing/2014/main" id="{8F0DFFB8-5471-364C-B34F-31154A929505}"/>
+              </a:ext>
+            </a:extLst>
+          </p:cNvPr>
+          <p:cNvGrpSpPr/>
+          <p:nvPr/>
+        </p:nvGrpSpPr>
+        <p:grpSpPr>
+          <a:xfrm>
+            <a:off x="1489492" y="2079667"/>
+            <a:ext cx="271462" cy="223838"/>
+            <a:chOff x="1521242" y="1806617"/>
+            <a:chExt cx="271462" cy="223838"/>
+          </a:xfrm>
+          <a:effectLst>
+            <a:outerShdw blurRad="50800" dist="38100" dir="2700000" algn="tl" rotWithShape="0">
+              <a:prstClr val="black">
+                <a:alpha val="40000"/>
+              </a:prstClr>
+            </a:outerShdw>
+          </a:effectLst>
+        </p:grpSpPr>
+        <p:sp>
+          <p:nvSpPr>
+            <p:cNvPr id="180" name="Oval 179">
+              <a:extLst>
+                <a:ext uri="{FF2B5EF4-FFF2-40B4-BE49-F238E27FC236}">
+                  <a16:creationId xmlns:a16="http://schemas.microsoft.com/office/drawing/2014/main" id="{ECE3C43A-F837-B4FD-D165-A2B86DE65C4E}"/>
+                </a:ext>
+              </a:extLst>
+            </p:cNvPr>
+            <p:cNvSpPr/>
+            <p:nvPr/>
+          </p:nvSpPr>
+          <p:spPr>
+            <a:xfrm>
+              <a:off x="1527593" y="1970130"/>
+              <a:ext cx="60325" cy="60325"/>
+            </a:xfrm>
+            <a:prstGeom prst="ellipse">
+              <a:avLst/>
+            </a:prstGeom>
+          </p:spPr>
+          <p:style>
+            <a:lnRef idx="2">
+              <a:schemeClr val="dk1"/>
+            </a:lnRef>
+            <a:fillRef idx="1">
+              <a:schemeClr val="lt1"/>
+            </a:fillRef>
+            <a:effectRef idx="0">
+              <a:schemeClr val="dk1"/>
+            </a:effectRef>
+            <a:fontRef idx="minor">
+              <a:schemeClr val="dk1"/>
+            </a:fontRef>
+          </p:style>
+          <p:txBody>
+            <a:bodyPr rtlCol="0" anchor="ctr"/>
+            <a:lstStyle/>
+            <a:p>
+              <a:pPr algn="ctr"/>
+              <a:endParaRPr lang="en-GB"/>
+            </a:p>
+          </p:txBody>
+        </p:sp>
+        <p:sp>
+          <p:nvSpPr>
+            <p:cNvPr id="181" name="Oval 180">
+              <a:extLst>
+                <a:ext uri="{FF2B5EF4-FFF2-40B4-BE49-F238E27FC236}">
+                  <a16:creationId xmlns:a16="http://schemas.microsoft.com/office/drawing/2014/main" id="{5B9E5A6A-2BDA-571E-7695-785D93AEB69D}"/>
+                </a:ext>
+              </a:extLst>
+            </p:cNvPr>
+            <p:cNvSpPr/>
+            <p:nvPr/>
+          </p:nvSpPr>
+          <p:spPr>
+            <a:xfrm flipH="1">
+              <a:off x="1724443" y="1970130"/>
+              <a:ext cx="60325" cy="60325"/>
+            </a:xfrm>
+            <a:prstGeom prst="ellipse">
+              <a:avLst/>
+            </a:prstGeom>
+          </p:spPr>
+          <p:style>
+            <a:lnRef idx="2">
+              <a:schemeClr val="dk1"/>
+            </a:lnRef>
+            <a:fillRef idx="1">
+              <a:schemeClr val="lt1"/>
+            </a:fillRef>
+            <a:effectRef idx="0">
+              <a:schemeClr val="dk1"/>
+            </a:effectRef>
+            <a:fontRef idx="minor">
+              <a:schemeClr val="dk1"/>
+            </a:fontRef>
+          </p:style>
+          <p:txBody>
+            <a:bodyPr rtlCol="0" anchor="ctr"/>
+            <a:lstStyle/>
+            <a:p>
+              <a:pPr algn="ctr"/>
+              <a:endParaRPr lang="en-GB"/>
+            </a:p>
+          </p:txBody>
+        </p:sp>
+        <p:grpSp>
+          <p:nvGrpSpPr>
+            <p:cNvPr id="182" name="Group 181">
+              <a:extLst>
+                <a:ext uri="{FF2B5EF4-FFF2-40B4-BE49-F238E27FC236}">
+                  <a16:creationId xmlns:a16="http://schemas.microsoft.com/office/drawing/2014/main" id="{14B00ECD-3200-55B9-21D1-C36A6155221D}"/>
+                </a:ext>
+              </a:extLst>
+            </p:cNvPr>
+            <p:cNvGrpSpPr/>
+            <p:nvPr/>
+          </p:nvGrpSpPr>
+          <p:grpSpPr>
+            <a:xfrm>
+              <a:off x="1521242" y="1806617"/>
+              <a:ext cx="271462" cy="119063"/>
+              <a:chOff x="5688013" y="2752725"/>
+              <a:chExt cx="271462" cy="119063"/>
+            </a:xfrm>
+          </p:grpSpPr>
+          <p:cxnSp>
+            <p:nvCxnSpPr>
+              <p:cNvPr id="183" name="Straight Connector 182">
+                <a:extLst>
+                  <a:ext uri="{FF2B5EF4-FFF2-40B4-BE49-F238E27FC236}">
+                    <a16:creationId xmlns:a16="http://schemas.microsoft.com/office/drawing/2014/main" id="{58FE3A56-D60A-9D7E-496C-18CA5BEC8CFF}"/>
+                  </a:ext>
+                </a:extLst>
+              </p:cNvPr>
+              <p:cNvCxnSpPr>
+                <a:cxnSpLocks/>
+              </p:cNvCxnSpPr>
+              <p:nvPr/>
+            </p:nvCxnSpPr>
+            <p:spPr>
+              <a:xfrm>
+                <a:off x="5688013" y="2871788"/>
+                <a:ext cx="271462" cy="0"/>
+              </a:xfrm>
+              <a:prstGeom prst="line">
+                <a:avLst/>
+              </a:prstGeom>
+              <a:ln w="25400"/>
+            </p:spPr>
+            <p:style>
+              <a:lnRef idx="1">
+                <a:schemeClr val="dk1"/>
+              </a:lnRef>
+              <a:fillRef idx="0">
+                <a:schemeClr val="dk1"/>
+              </a:fillRef>
+              <a:effectRef idx="0">
+                <a:schemeClr val="dk1"/>
+              </a:effectRef>
+              <a:fontRef idx="minor">
+                <a:schemeClr val="tx1"/>
+              </a:fontRef>
+            </p:style>
+          </p:cxnSp>
+          <p:cxnSp>
+            <p:nvCxnSpPr>
+              <p:cNvPr id="184" name="Straight Connector 183">
+                <a:extLst>
+                  <a:ext uri="{FF2B5EF4-FFF2-40B4-BE49-F238E27FC236}">
+                    <a16:creationId xmlns:a16="http://schemas.microsoft.com/office/drawing/2014/main" id="{1122B75B-6760-D162-A1F7-45387EA3AA05}"/>
+                  </a:ext>
+                </a:extLst>
+              </p:cNvPr>
+              <p:cNvCxnSpPr>
+                <a:cxnSpLocks/>
+              </p:cNvCxnSpPr>
+              <p:nvPr/>
+            </p:nvCxnSpPr>
+            <p:spPr>
+              <a:xfrm flipV="1">
+                <a:off x="5823744" y="2752725"/>
+                <a:ext cx="0" cy="115888"/>
+              </a:xfrm>
+              <a:prstGeom prst="line">
+                <a:avLst/>
+              </a:prstGeom>
+            </p:spPr>
+            <p:style>
+              <a:lnRef idx="2">
+                <a:schemeClr val="dk1"/>
+              </a:lnRef>
+              <a:fillRef idx="1">
+                <a:schemeClr val="lt1"/>
+              </a:fillRef>
+              <a:effectRef idx="0">
+                <a:schemeClr val="dk1"/>
+              </a:effectRef>
+              <a:fontRef idx="minor">
+                <a:schemeClr val="dk1"/>
+              </a:fontRef>
+            </p:style>
+          </p:cxnSp>
+        </p:grpSp>
+      </p:grpSp>
+      <p:sp>
+        <p:nvSpPr>
+          <p:cNvPr id="185" name="TextBox 184">
+            <a:extLst>
+              <a:ext uri="{FF2B5EF4-FFF2-40B4-BE49-F238E27FC236}">
+                <a16:creationId xmlns:a16="http://schemas.microsoft.com/office/drawing/2014/main" id="{BCC1A2B1-0A57-1DB4-C814-E73B4CFB372A}"/>
+              </a:ext>
+            </a:extLst>
+          </p:cNvPr>
+          <p:cNvSpPr txBox="1"/>
+          <p:nvPr/>
+        </p:nvSpPr>
+        <p:spPr>
+          <a:xfrm>
+            <a:off x="1202332" y="2276370"/>
+            <a:ext cx="997068" cy="369332"/>
+          </a:xfrm>
+          <a:prstGeom prst="rect">
+            <a:avLst/>
+          </a:prstGeom>
+          <a:noFill/>
+        </p:spPr>
+        <p:txBody>
+          <a:bodyPr wrap="none" rtlCol="0">
+            <a:spAutoFit/>
+          </a:bodyPr>
+          <a:lstStyle/>
+          <a:p>
+            <a:pPr algn="ctr"/>
+            <a:r>
+              <a:rPr lang="en-GB" dirty="0"/>
+              <a:t>message</a:t>
+            </a:r>
+          </a:p>
+        </p:txBody>
+      </p:sp>
+      <p:cxnSp>
+        <p:nvCxnSpPr>
+          <p:cNvPr id="192" name="Connector: Elbow 191">
+            <a:extLst>
+              <a:ext uri="{FF2B5EF4-FFF2-40B4-BE49-F238E27FC236}">
+                <a16:creationId xmlns:a16="http://schemas.microsoft.com/office/drawing/2014/main" id="{7C88AECE-CEDF-D20D-9CA7-04E8E5AFBAF8}"/>
+              </a:ext>
+            </a:extLst>
+          </p:cNvPr>
+          <p:cNvCxnSpPr>
+            <a:cxnSpLocks/>
+            <a:stCxn id="170" idx="2"/>
+            <a:endCxn id="55" idx="3"/>
+          </p:cNvCxnSpPr>
+          <p:nvPr/>
+        </p:nvCxnSpPr>
+        <p:spPr>
+          <a:xfrm rot="10800000">
+            <a:off x="3103154" y="4927475"/>
+            <a:ext cx="1030055" cy="471017"/>
+          </a:xfrm>
+          <a:prstGeom prst="bentConnector3">
+            <a:avLst>
+              <a:gd name="adj1" fmla="val 50000"/>
+            </a:avLst>
+          </a:prstGeom>
+        </p:spPr>
+        <p:style>
+          <a:lnRef idx="2">
+            <a:schemeClr val="dk1"/>
+          </a:lnRef>
+          <a:fillRef idx="1">
+            <a:schemeClr val="lt1"/>
+          </a:fillRef>
+          <a:effectRef idx="0">
+            <a:schemeClr val="dk1"/>
+          </a:effectRef>
+          <a:fontRef idx="minor">
+            <a:schemeClr val="dk1"/>
+          </a:fontRef>
+        </p:style>
+      </p:cxnSp>
+      <p:grpSp>
+        <p:nvGrpSpPr>
+          <p:cNvPr id="248" name="Group 247">
+            <a:extLst>
+              <a:ext uri="{FF2B5EF4-FFF2-40B4-BE49-F238E27FC236}">
+                <a16:creationId xmlns:a16="http://schemas.microsoft.com/office/drawing/2014/main" id="{90BE811A-80D4-D5D8-AB67-FEBF40A6B118}"/>
+              </a:ext>
+            </a:extLst>
+          </p:cNvPr>
+          <p:cNvGrpSpPr/>
+          <p:nvPr/>
+        </p:nvGrpSpPr>
+        <p:grpSpPr>
+          <a:xfrm>
+            <a:off x="2323250" y="4742808"/>
+            <a:ext cx="785871" cy="802675"/>
+            <a:chOff x="2355000" y="4469758"/>
+            <a:chExt cx="785871" cy="802675"/>
+          </a:xfrm>
+        </p:grpSpPr>
+        <p:sp>
+          <p:nvSpPr>
+            <p:cNvPr id="50" name="Rectangle 49">
+              <a:extLst>
+                <a:ext uri="{FF2B5EF4-FFF2-40B4-BE49-F238E27FC236}">
+                  <a16:creationId xmlns:a16="http://schemas.microsoft.com/office/drawing/2014/main" id="{03390BFB-F387-7057-8D99-8572DF7ED86B}"/>
+                </a:ext>
+              </a:extLst>
+            </p:cNvPr>
+            <p:cNvSpPr/>
+            <p:nvPr/>
+          </p:nvSpPr>
+          <p:spPr>
+            <a:xfrm>
+              <a:off x="2559455" y="4516172"/>
+              <a:ext cx="581416" cy="756261"/>
+            </a:xfrm>
+            <a:prstGeom prst="rect">
+              <a:avLst/>
+            </a:prstGeom>
+            <a:solidFill>
+              <a:schemeClr val="bg1"/>
+            </a:solidFill>
+            <a:ln>
+              <a:solidFill>
+                <a:schemeClr val="tx1"/>
+              </a:solidFill>
+            </a:ln>
+            <a:effectLst>
+              <a:outerShdw blurRad="50800" dist="38100" dir="2700000" algn="tl" rotWithShape="0">
+                <a:prstClr val="black">
+                  <a:alpha val="40000"/>
+                </a:prstClr>
+              </a:outerShdw>
+            </a:effectLst>
+          </p:spPr>
+          <p:style>
+            <a:lnRef idx="2">
+              <a:schemeClr val="accent1">
+                <a:shade val="50000"/>
+              </a:schemeClr>
+            </a:lnRef>
+            <a:fillRef idx="1">
+              <a:schemeClr val="accent1"/>
+            </a:fillRef>
+            <a:effectRef idx="0">
+              <a:schemeClr val="accent1"/>
+            </a:effectRef>
+            <a:fontRef idx="minor">
+              <a:schemeClr val="lt1"/>
+            </a:fontRef>
+          </p:style>
+          <p:txBody>
+            <a:bodyPr rtlCol="0" anchor="ctr"/>
+            <a:lstStyle/>
+            <a:p>
+              <a:pPr algn="ctr"/>
+              <a:endParaRPr lang="en-GB">
+                <a:solidFill>
+                  <a:schemeClr val="tx1"/>
+                </a:solidFill>
+              </a:endParaRPr>
+            </a:p>
+          </p:txBody>
+        </p:sp>
+        <p:grpSp>
+          <p:nvGrpSpPr>
+            <p:cNvPr id="51" name="Group 50">
+              <a:extLst>
+                <a:ext uri="{FF2B5EF4-FFF2-40B4-BE49-F238E27FC236}">
+                  <a16:creationId xmlns:a16="http://schemas.microsoft.com/office/drawing/2014/main" id="{77DB3DB8-A4DD-1E0B-686A-36341B7FA0B2}"/>
+                </a:ext>
+              </a:extLst>
+            </p:cNvPr>
+            <p:cNvGrpSpPr/>
+            <p:nvPr/>
+          </p:nvGrpSpPr>
+          <p:grpSpPr>
+            <a:xfrm>
+              <a:off x="2553763" y="4982254"/>
+              <a:ext cx="118030" cy="208875"/>
+              <a:chOff x="8388570" y="2302315"/>
+              <a:chExt cx="61130" cy="108180"/>
+            </a:xfrm>
+          </p:grpSpPr>
+          <p:cxnSp>
+            <p:nvCxnSpPr>
+              <p:cNvPr id="52" name="Straight Connector 51">
+                <a:extLst>
+                  <a:ext uri="{FF2B5EF4-FFF2-40B4-BE49-F238E27FC236}">
+                    <a16:creationId xmlns:a16="http://schemas.microsoft.com/office/drawing/2014/main" id="{BB49F600-864A-3D08-9123-E329302B80D9}"/>
+                  </a:ext>
+                </a:extLst>
+              </p:cNvPr>
+              <p:cNvCxnSpPr>
+                <a:cxnSpLocks/>
+              </p:cNvCxnSpPr>
+              <p:nvPr/>
+            </p:nvCxnSpPr>
+            <p:spPr>
+              <a:xfrm>
+                <a:off x="8391518" y="2302315"/>
+                <a:ext cx="58182" cy="56934"/>
+              </a:xfrm>
+              <a:prstGeom prst="line">
+                <a:avLst/>
+              </a:prstGeom>
+              <a:ln>
+                <a:solidFill>
+                  <a:schemeClr val="tx1"/>
+                </a:solidFill>
+              </a:ln>
+            </p:spPr>
+            <p:style>
+              <a:lnRef idx="1">
+                <a:schemeClr val="accent1"/>
+              </a:lnRef>
+              <a:fillRef idx="0">
+                <a:schemeClr val="accent1"/>
+              </a:fillRef>
+              <a:effectRef idx="0">
+                <a:schemeClr val="accent1"/>
+              </a:effectRef>
+              <a:fontRef idx="minor">
+                <a:schemeClr val="tx1"/>
+              </a:fontRef>
+            </p:style>
+          </p:cxnSp>
+          <p:cxnSp>
+            <p:nvCxnSpPr>
+              <p:cNvPr id="53" name="Straight Connector 52">
+                <a:extLst>
+                  <a:ext uri="{FF2B5EF4-FFF2-40B4-BE49-F238E27FC236}">
+                    <a16:creationId xmlns:a16="http://schemas.microsoft.com/office/drawing/2014/main" id="{50E1F2FD-5510-9051-5227-6D189246E6BE}"/>
+                  </a:ext>
+                </a:extLst>
+              </p:cNvPr>
+              <p:cNvCxnSpPr>
+                <a:cxnSpLocks/>
+              </p:cNvCxnSpPr>
+              <p:nvPr/>
+            </p:nvCxnSpPr>
+            <p:spPr>
+              <a:xfrm flipV="1">
+                <a:off x="8388570" y="2359249"/>
+                <a:ext cx="61130" cy="51246"/>
+              </a:xfrm>
+              <a:prstGeom prst="line">
+                <a:avLst/>
+              </a:prstGeom>
+              <a:ln>
+                <a:solidFill>
+                  <a:schemeClr val="tx1"/>
+                </a:solidFill>
+              </a:ln>
+            </p:spPr>
+            <p:style>
+              <a:lnRef idx="1">
+                <a:schemeClr val="accent1"/>
+              </a:lnRef>
+              <a:fillRef idx="0">
+                <a:schemeClr val="accent1"/>
+              </a:fillRef>
+              <a:effectRef idx="0">
+                <a:schemeClr val="accent1"/>
+              </a:effectRef>
+              <a:fontRef idx="minor">
+                <a:schemeClr val="tx1"/>
+              </a:fontRef>
+            </p:style>
+          </p:cxnSp>
+        </p:grpSp>
+        <p:sp>
+          <p:nvSpPr>
+            <p:cNvPr id="54" name="TextBox 53">
+              <a:extLst>
+                <a:ext uri="{FF2B5EF4-FFF2-40B4-BE49-F238E27FC236}">
+                  <a16:creationId xmlns:a16="http://schemas.microsoft.com/office/drawing/2014/main" id="{D329C0B3-3A1A-B09E-32C1-055795B5A8D0}"/>
+                </a:ext>
+              </a:extLst>
+            </p:cNvPr>
+            <p:cNvSpPr txBox="1"/>
+            <p:nvPr/>
+          </p:nvSpPr>
+          <p:spPr>
+            <a:xfrm>
+              <a:off x="2563727" y="4469758"/>
+              <a:ext cx="327334" cy="369332"/>
+            </a:xfrm>
+            <a:prstGeom prst="rect">
+              <a:avLst/>
+            </a:prstGeom>
+            <a:noFill/>
+          </p:spPr>
+          <p:txBody>
+            <a:bodyPr wrap="square" lIns="36000" rIns="36000" rtlCol="0">
+              <a:spAutoFit/>
+            </a:bodyPr>
+            <a:lstStyle>
+              <a:defPPr>
+                <a:defRPr lang="en-US"/>
+              </a:defPPr>
+            </a:lstStyle>
+            <a:p>
+              <a:r>
+                <a:rPr lang="en-GB" dirty="0"/>
+                <a:t>D</a:t>
+              </a:r>
+            </a:p>
+          </p:txBody>
+        </p:sp>
+        <p:sp>
+          <p:nvSpPr>
+            <p:cNvPr id="55" name="TextBox 54">
+              <a:extLst>
+                <a:ext uri="{FF2B5EF4-FFF2-40B4-BE49-F238E27FC236}">
+                  <a16:creationId xmlns:a16="http://schemas.microsoft.com/office/drawing/2014/main" id="{23BC9629-CBE0-9C6F-7A9F-C81AA1A31F73}"/>
+                </a:ext>
+              </a:extLst>
+            </p:cNvPr>
+            <p:cNvSpPr txBox="1"/>
+            <p:nvPr/>
+          </p:nvSpPr>
+          <p:spPr>
+            <a:xfrm>
+              <a:off x="2794745" y="4469758"/>
+              <a:ext cx="340158" cy="369332"/>
+            </a:xfrm>
+            <a:prstGeom prst="rect">
+              <a:avLst/>
+            </a:prstGeom>
+            <a:noFill/>
+          </p:spPr>
+          <p:txBody>
+            <a:bodyPr wrap="square" lIns="36000" rIns="36000" rtlCol="0">
+              <a:spAutoFit/>
+            </a:bodyPr>
+            <a:lstStyle>
+              <a:defPPr>
+                <a:defRPr lang="en-US"/>
+              </a:defPPr>
+            </a:lstStyle>
+            <a:p>
+              <a:pPr algn="r"/>
+              <a:r>
+                <a:rPr lang="en-GB" dirty="0"/>
+                <a:t>Q</a:t>
+              </a:r>
+            </a:p>
+          </p:txBody>
+        </p:sp>
+        <p:cxnSp>
+          <p:nvCxnSpPr>
+            <p:cNvPr id="57" name="Straight Connector 56">
+              <a:extLst>
+                <a:ext uri="{FF2B5EF4-FFF2-40B4-BE49-F238E27FC236}">
+                  <a16:creationId xmlns:a16="http://schemas.microsoft.com/office/drawing/2014/main" id="{726E9F2C-70AD-47ED-7168-7E7EAFD369C4}"/>
+                </a:ext>
+              </a:extLst>
+            </p:cNvPr>
+            <p:cNvCxnSpPr>
+              <a:cxnSpLocks/>
+            </p:cNvCxnSpPr>
+            <p:nvPr/>
+          </p:nvCxnSpPr>
+          <p:spPr>
+            <a:xfrm>
+              <a:off x="2355000" y="5086691"/>
+              <a:ext cx="198763" cy="0"/>
+            </a:xfrm>
+            <a:prstGeom prst="line">
+              <a:avLst/>
+            </a:prstGeom>
+          </p:spPr>
+          <p:style>
+            <a:lnRef idx="2">
+              <a:schemeClr val="dk1"/>
+            </a:lnRef>
+            <a:fillRef idx="1">
+              <a:schemeClr val="lt1"/>
+            </a:fillRef>
+            <a:effectRef idx="0">
+              <a:schemeClr val="dk1"/>
+            </a:effectRef>
+            <a:fontRef idx="minor">
+              <a:schemeClr val="dk1"/>
+            </a:fontRef>
+          </p:style>
+        </p:cxnSp>
+        <p:sp>
+          <p:nvSpPr>
+            <p:cNvPr id="58" name="TextBox 57">
+              <a:extLst>
+                <a:ext uri="{FF2B5EF4-FFF2-40B4-BE49-F238E27FC236}">
+                  <a16:creationId xmlns:a16="http://schemas.microsoft.com/office/drawing/2014/main" id="{3EC342CD-DBCB-90A0-09DA-FC33FDCBCD9D}"/>
+                </a:ext>
+              </a:extLst>
+            </p:cNvPr>
+            <p:cNvSpPr txBox="1"/>
+            <p:nvPr/>
+          </p:nvSpPr>
+          <p:spPr>
+            <a:xfrm>
+              <a:off x="2563727" y="4679609"/>
+              <a:ext cx="420308" cy="369332"/>
+            </a:xfrm>
+            <a:prstGeom prst="rect">
+              <a:avLst/>
+            </a:prstGeom>
+            <a:noFill/>
+          </p:spPr>
+          <p:txBody>
+            <a:bodyPr wrap="square" lIns="36000" rIns="36000" rtlCol="0">
+              <a:spAutoFit/>
+            </a:bodyPr>
+            <a:lstStyle>
+              <a:defPPr>
+                <a:defRPr lang="en-US"/>
+              </a:defPPr>
+            </a:lstStyle>
+            <a:p>
+              <a:r>
+                <a:rPr lang="en-GB" dirty="0"/>
+                <a:t>CE</a:t>
+              </a:r>
+            </a:p>
+          </p:txBody>
+        </p:sp>
+      </p:grpSp>
+      <p:cxnSp>
+        <p:nvCxnSpPr>
+          <p:cNvPr id="198" name="Connector: Elbow 197">
+            <a:extLst>
+              <a:ext uri="{FF2B5EF4-FFF2-40B4-BE49-F238E27FC236}">
+                <a16:creationId xmlns:a16="http://schemas.microsoft.com/office/drawing/2014/main" id="{63C3417D-EBA0-2A3E-85C0-74FD0C4B0943}"/>
+              </a:ext>
+            </a:extLst>
+          </p:cNvPr>
+          <p:cNvCxnSpPr>
+            <a:cxnSpLocks/>
+            <a:stCxn id="181" idx="2"/>
+            <a:endCxn id="152" idx="2"/>
+          </p:cNvCxnSpPr>
+          <p:nvPr/>
+        </p:nvCxnSpPr>
+        <p:spPr>
+          <a:xfrm flipV="1">
+            <a:off x="1753018" y="1796139"/>
+            <a:ext cx="1151382" cy="477204"/>
+          </a:xfrm>
+          <a:prstGeom prst="bentConnector3">
+            <a:avLst/>
+          </a:prstGeom>
+        </p:spPr>
+        <p:style>
+          <a:lnRef idx="2">
+            <a:schemeClr val="dk1"/>
+          </a:lnRef>
+          <a:fillRef idx="1">
+            <a:schemeClr val="lt1"/>
+          </a:fillRef>
+          <a:effectRef idx="0">
+            <a:schemeClr val="dk1"/>
+          </a:effectRef>
+          <a:fontRef idx="minor">
+            <a:schemeClr val="dk1"/>
+          </a:fontRef>
+        </p:style>
+      </p:cxnSp>
+      <p:cxnSp>
+        <p:nvCxnSpPr>
+          <p:cNvPr id="201" name="Connector: Elbow 200">
+            <a:extLst>
+              <a:ext uri="{FF2B5EF4-FFF2-40B4-BE49-F238E27FC236}">
+                <a16:creationId xmlns:a16="http://schemas.microsoft.com/office/drawing/2014/main" id="{54C6E402-C897-2CC7-E03A-BBA2F1D96E3B}"/>
+              </a:ext>
+            </a:extLst>
+          </p:cNvPr>
+          <p:cNvCxnSpPr>
+            <a:cxnSpLocks/>
+            <a:stCxn id="7" idx="3"/>
+            <a:endCxn id="158" idx="2"/>
+          </p:cNvCxnSpPr>
+          <p:nvPr/>
+        </p:nvCxnSpPr>
+        <p:spPr>
+          <a:xfrm flipV="1">
+            <a:off x="7353602" y="1796139"/>
+            <a:ext cx="910862" cy="531708"/>
+          </a:xfrm>
+          <a:prstGeom prst="bentConnector3">
+            <a:avLst/>
+          </a:prstGeom>
+        </p:spPr>
+        <p:style>
+          <a:lnRef idx="2">
+            <a:schemeClr val="dk1"/>
+          </a:lnRef>
+          <a:fillRef idx="1">
+            <a:schemeClr val="lt1"/>
+          </a:fillRef>
+          <a:effectRef idx="0">
+            <a:schemeClr val="dk1"/>
+          </a:effectRef>
+          <a:fontRef idx="minor">
+            <a:schemeClr val="dk1"/>
+          </a:fontRef>
+        </p:style>
+      </p:cxnSp>
+      <p:cxnSp>
+        <p:nvCxnSpPr>
+          <p:cNvPr id="214" name="Connector: Elbow 213">
+            <a:extLst>
+              <a:ext uri="{FF2B5EF4-FFF2-40B4-BE49-F238E27FC236}">
+                <a16:creationId xmlns:a16="http://schemas.microsoft.com/office/drawing/2014/main" id="{699B12A3-8155-BAD1-6EB0-3C29FC04CD68}"/>
+              </a:ext>
+            </a:extLst>
+          </p:cNvPr>
+          <p:cNvCxnSpPr>
+            <a:cxnSpLocks/>
+            <a:stCxn id="7" idx="3"/>
+            <a:endCxn id="136" idx="1"/>
+          </p:cNvCxnSpPr>
+          <p:nvPr/>
+        </p:nvCxnSpPr>
+        <p:spPr>
+          <a:xfrm flipV="1">
+            <a:off x="7353602" y="2295652"/>
+            <a:ext cx="1836477" cy="32195"/>
+          </a:xfrm>
+          <a:prstGeom prst="bentConnector3">
+            <a:avLst>
+              <a:gd name="adj1" fmla="val 50000"/>
+            </a:avLst>
+          </a:prstGeom>
+        </p:spPr>
+        <p:style>
+          <a:lnRef idx="2">
+            <a:schemeClr val="dk1"/>
+          </a:lnRef>
+          <a:fillRef idx="1">
+            <a:schemeClr val="lt1"/>
+          </a:fillRef>
+          <a:effectRef idx="0">
+            <a:schemeClr val="dk1"/>
+          </a:effectRef>
+          <a:fontRef idx="minor">
+            <a:schemeClr val="dk1"/>
+          </a:fontRef>
+        </p:style>
+      </p:cxnSp>
+      <p:sp>
+        <p:nvSpPr>
+          <p:cNvPr id="136" name="Rectangle 135">
+            <a:extLst>
+              <a:ext uri="{FF2B5EF4-FFF2-40B4-BE49-F238E27FC236}">
+                <a16:creationId xmlns:a16="http://schemas.microsoft.com/office/drawing/2014/main" id="{9B2942BF-98EF-8598-1C4B-0D00B702B6F6}"/>
+              </a:ext>
+            </a:extLst>
+          </p:cNvPr>
+          <p:cNvSpPr/>
+          <p:nvPr/>
+        </p:nvSpPr>
+        <p:spPr>
+          <a:xfrm>
+            <a:off x="9190079" y="2267077"/>
+            <a:ext cx="46814" cy="57150"/>
+          </a:xfrm>
+          <a:prstGeom prst="rect">
+            <a:avLst/>
+          </a:prstGeom>
+          <a:noFill/>
+          <a:ln>
+            <a:noFill/>
+          </a:ln>
+        </p:spPr>
+        <p:style>
+          <a:lnRef idx="2">
+            <a:schemeClr val="accent1">
+              <a:shade val="15000"/>
+            </a:schemeClr>
+          </a:lnRef>
+          <a:fillRef idx="1">
+            <a:schemeClr val="accent1"/>
+          </a:fillRef>
+          <a:effectRef idx="0">
+            <a:schemeClr val="accent1"/>
+          </a:effectRef>
+          <a:fontRef idx="minor">
+            <a:schemeClr val="lt1"/>
+          </a:fontRef>
+        </p:style>
+        <p:txBody>
+          <a:bodyPr rtlCol="0" anchor="ctr"/>
+          <a:lstStyle/>
+          <a:p>
+            <a:pPr algn="ctr"/>
+            <a:endParaRPr lang="en-GB"/>
+          </a:p>
+        </p:txBody>
+      </p:sp>
+      <p:sp>
+        <p:nvSpPr>
+          <p:cNvPr id="137" name="Rectangle 136">
+            <a:extLst>
+              <a:ext uri="{FF2B5EF4-FFF2-40B4-BE49-F238E27FC236}">
+                <a16:creationId xmlns:a16="http://schemas.microsoft.com/office/drawing/2014/main" id="{EA56CA04-BED6-C82B-A2AC-B6A383DF74D0}"/>
+              </a:ext>
+            </a:extLst>
+          </p:cNvPr>
+          <p:cNvSpPr/>
+          <p:nvPr/>
+        </p:nvSpPr>
+        <p:spPr>
+          <a:xfrm>
+            <a:off x="9190079" y="2371707"/>
+            <a:ext cx="46814" cy="57150"/>
+          </a:xfrm>
+          <a:prstGeom prst="rect">
+            <a:avLst/>
+          </a:prstGeom>
+          <a:noFill/>
+          <a:ln>
+            <a:noFill/>
+          </a:ln>
+        </p:spPr>
+        <p:style>
+          <a:lnRef idx="2">
+            <a:schemeClr val="accent1">
+              <a:shade val="15000"/>
+            </a:schemeClr>
+          </a:lnRef>
+          <a:fillRef idx="1">
+            <a:schemeClr val="accent1"/>
+          </a:fillRef>
+          <a:effectRef idx="0">
+            <a:schemeClr val="accent1"/>
+          </a:effectRef>
+          <a:fontRef idx="minor">
+            <a:schemeClr val="lt1"/>
+          </a:fontRef>
+        </p:style>
+        <p:txBody>
+          <a:bodyPr rtlCol="0" anchor="ctr"/>
+          <a:lstStyle/>
+          <a:p>
+            <a:pPr algn="ctr"/>
+            <a:endParaRPr lang="en-GB"/>
+          </a:p>
+        </p:txBody>
+      </p:sp>
+      <p:cxnSp>
+        <p:nvCxnSpPr>
+          <p:cNvPr id="255" name="Connector: Elbow 254">
+            <a:extLst>
+              <a:ext uri="{FF2B5EF4-FFF2-40B4-BE49-F238E27FC236}">
+                <a16:creationId xmlns:a16="http://schemas.microsoft.com/office/drawing/2014/main" id="{81719820-D06A-10BD-F8B5-8D5E919D9AC0}"/>
+              </a:ext>
+            </a:extLst>
+          </p:cNvPr>
+          <p:cNvCxnSpPr>
+            <a:cxnSpLocks/>
+            <a:stCxn id="27" idx="3"/>
+            <a:endCxn id="164" idx="2"/>
+          </p:cNvCxnSpPr>
+          <p:nvPr/>
+        </p:nvCxnSpPr>
+        <p:spPr>
+          <a:xfrm flipV="1">
+            <a:off x="10426234" y="1796139"/>
+            <a:ext cx="428761" cy="531708"/>
+          </a:xfrm>
+          <a:prstGeom prst="bentConnector3">
+            <a:avLst>
+              <a:gd name="adj1" fmla="val 50000"/>
+            </a:avLst>
+          </a:prstGeom>
+        </p:spPr>
+        <p:style>
+          <a:lnRef idx="2">
+            <a:schemeClr val="dk1"/>
+          </a:lnRef>
+          <a:fillRef idx="1">
+            <a:schemeClr val="lt1"/>
+          </a:fillRef>
+          <a:effectRef idx="0">
+            <a:schemeClr val="dk1"/>
+          </a:effectRef>
+          <a:fontRef idx="minor">
+            <a:schemeClr val="dk1"/>
+          </a:fontRef>
+        </p:style>
+      </p:cxnSp>
+      <p:sp>
+        <p:nvSpPr>
+          <p:cNvPr id="257" name="TextBox 256">
+            <a:extLst>
+              <a:ext uri="{FF2B5EF4-FFF2-40B4-BE49-F238E27FC236}">
+                <a16:creationId xmlns:a16="http://schemas.microsoft.com/office/drawing/2014/main" id="{B18246F1-3D3E-1AD7-4118-508598A18120}"/>
+              </a:ext>
+            </a:extLst>
+          </p:cNvPr>
+          <p:cNvSpPr txBox="1"/>
+          <p:nvPr/>
+        </p:nvSpPr>
+        <p:spPr>
+          <a:xfrm>
+            <a:off x="2657338" y="1117282"/>
+            <a:ext cx="732893" cy="369332"/>
+          </a:xfrm>
+          <a:prstGeom prst="rect">
+            <a:avLst/>
+          </a:prstGeom>
+          <a:noFill/>
+        </p:spPr>
+        <p:txBody>
+          <a:bodyPr wrap="none" rtlCol="0">
+            <a:spAutoFit/>
+          </a:bodyPr>
+          <a:lstStyle/>
+          <a:p>
+            <a:pPr algn="ctr"/>
+            <a:r>
+              <a:rPr lang="en-GB" dirty="0"/>
+              <a:t>led(3)</a:t>
+            </a:r>
+          </a:p>
+        </p:txBody>
+      </p:sp>
+      <p:sp>
+        <p:nvSpPr>
+          <p:cNvPr id="258" name="TextBox 257">
+            <a:extLst>
+              <a:ext uri="{FF2B5EF4-FFF2-40B4-BE49-F238E27FC236}">
+                <a16:creationId xmlns:a16="http://schemas.microsoft.com/office/drawing/2014/main" id="{5E11FE69-AD9E-08A3-A881-24E099A9C982}"/>
+              </a:ext>
+            </a:extLst>
+          </p:cNvPr>
+          <p:cNvSpPr txBox="1"/>
+          <p:nvPr/>
+        </p:nvSpPr>
+        <p:spPr>
+          <a:xfrm>
+            <a:off x="3885176" y="5575194"/>
+            <a:ext cx="732893" cy="369332"/>
+          </a:xfrm>
+          <a:prstGeom prst="rect">
+            <a:avLst/>
+          </a:prstGeom>
+          <a:noFill/>
+        </p:spPr>
+        <p:txBody>
+          <a:bodyPr wrap="none" rtlCol="0">
+            <a:spAutoFit/>
+          </a:bodyPr>
+          <a:lstStyle/>
+          <a:p>
+            <a:pPr algn="ctr"/>
+            <a:r>
+              <a:rPr lang="en-GB" dirty="0"/>
+              <a:t>led(2)</a:t>
+            </a:r>
+          </a:p>
+        </p:txBody>
+      </p:sp>
+      <p:sp>
+        <p:nvSpPr>
+          <p:cNvPr id="259" name="TextBox 258">
+            <a:extLst>
+              <a:ext uri="{FF2B5EF4-FFF2-40B4-BE49-F238E27FC236}">
+                <a16:creationId xmlns:a16="http://schemas.microsoft.com/office/drawing/2014/main" id="{73D16F2B-404E-E63C-663F-3F2DF33D4896}"/>
+              </a:ext>
+            </a:extLst>
+          </p:cNvPr>
+          <p:cNvSpPr txBox="1"/>
+          <p:nvPr/>
+        </p:nvSpPr>
+        <p:spPr>
+          <a:xfrm>
+            <a:off x="8016432" y="1117282"/>
+            <a:ext cx="732893" cy="369332"/>
+          </a:xfrm>
+          <a:prstGeom prst="rect">
+            <a:avLst/>
+          </a:prstGeom>
+          <a:noFill/>
+        </p:spPr>
+        <p:txBody>
+          <a:bodyPr wrap="none" rtlCol="0">
+            <a:spAutoFit/>
+          </a:bodyPr>
+          <a:lstStyle/>
+          <a:p>
+            <a:pPr algn="ctr"/>
+            <a:r>
+              <a:rPr lang="en-GB" dirty="0"/>
+              <a:t>led(1)</a:t>
+            </a:r>
+          </a:p>
+        </p:txBody>
+      </p:sp>
+      <p:sp>
+        <p:nvSpPr>
+          <p:cNvPr id="260" name="TextBox 259">
+            <a:extLst>
+              <a:ext uri="{FF2B5EF4-FFF2-40B4-BE49-F238E27FC236}">
+                <a16:creationId xmlns:a16="http://schemas.microsoft.com/office/drawing/2014/main" id="{739D0D05-1971-0B09-02DB-DE7DEEAA3EAC}"/>
+              </a:ext>
+            </a:extLst>
+          </p:cNvPr>
+          <p:cNvSpPr txBox="1"/>
+          <p:nvPr/>
+        </p:nvSpPr>
+        <p:spPr>
+          <a:xfrm>
+            <a:off x="10606963" y="1117282"/>
+            <a:ext cx="732893" cy="369332"/>
+          </a:xfrm>
+          <a:prstGeom prst="rect">
+            <a:avLst/>
+          </a:prstGeom>
+          <a:noFill/>
+        </p:spPr>
+        <p:txBody>
+          <a:bodyPr wrap="none" rtlCol="0">
+            <a:spAutoFit/>
+          </a:bodyPr>
+          <a:lstStyle/>
+          <a:p>
+            <a:pPr algn="ctr"/>
+            <a:r>
+              <a:rPr lang="en-GB" dirty="0"/>
+              <a:t>led(0)</a:t>
+            </a:r>
+          </a:p>
+        </p:txBody>
+      </p:sp>
+      <p:cxnSp>
+        <p:nvCxnSpPr>
+          <p:cNvPr id="272" name="Straight Connector 271">
+            <a:extLst>
+              <a:ext uri="{FF2B5EF4-FFF2-40B4-BE49-F238E27FC236}">
+                <a16:creationId xmlns:a16="http://schemas.microsoft.com/office/drawing/2014/main" id="{85F92CB6-19FA-1B43-23C4-570753134C06}"/>
+              </a:ext>
+            </a:extLst>
+          </p:cNvPr>
+          <p:cNvCxnSpPr>
+            <a:cxnSpLocks/>
+            <a:stCxn id="14" idx="6"/>
+            <a:endCxn id="6" idx="1"/>
+          </p:cNvCxnSpPr>
+          <p:nvPr/>
+        </p:nvCxnSpPr>
+        <p:spPr>
+          <a:xfrm>
+            <a:off x="6508249" y="2326538"/>
+            <a:ext cx="256661" cy="1309"/>
+          </a:xfrm>
+          <a:prstGeom prst="line">
+            <a:avLst/>
+          </a:prstGeom>
+        </p:spPr>
+        <p:style>
+          <a:lnRef idx="2">
+            <a:schemeClr val="dk1"/>
+          </a:lnRef>
+          <a:fillRef idx="1">
+            <a:schemeClr val="lt1"/>
+          </a:fillRef>
+          <a:effectRef idx="0">
+            <a:schemeClr val="dk1"/>
+          </a:effectRef>
+          <a:fontRef idx="minor">
+            <a:schemeClr val="dk1"/>
+          </a:fontRef>
+        </p:style>
+      </p:cxnSp>
+      <p:sp>
+        <p:nvSpPr>
+          <p:cNvPr id="275" name="TextBox 274">
+            <a:extLst>
+              <a:ext uri="{FF2B5EF4-FFF2-40B4-BE49-F238E27FC236}">
+                <a16:creationId xmlns:a16="http://schemas.microsoft.com/office/drawing/2014/main" id="{C5109BAE-F6A9-4948-CBA9-1CF1D503F7BE}"/>
+              </a:ext>
+            </a:extLst>
+          </p:cNvPr>
+          <p:cNvSpPr txBox="1"/>
+          <p:nvPr/>
+        </p:nvSpPr>
+        <p:spPr>
+          <a:xfrm>
+            <a:off x="1161648" y="4321295"/>
+            <a:ext cx="1078437" cy="369332"/>
+          </a:xfrm>
+          <a:prstGeom prst="rect">
+            <a:avLst/>
+          </a:prstGeom>
+          <a:noFill/>
+        </p:spPr>
+        <p:txBody>
+          <a:bodyPr wrap="none" rtlCol="0">
+            <a:spAutoFit/>
+          </a:bodyPr>
+          <a:lstStyle/>
+          <a:p>
+            <a:pPr algn="ctr"/>
+            <a:r>
+              <a:rPr lang="en-GB" dirty="0"/>
+              <a:t>button(2)</a:t>
+            </a:r>
+          </a:p>
+        </p:txBody>
+      </p:sp>
+      <p:sp>
+        <p:nvSpPr>
+          <p:cNvPr id="276" name="TextBox 275">
+            <a:extLst>
+              <a:ext uri="{FF2B5EF4-FFF2-40B4-BE49-F238E27FC236}">
+                <a16:creationId xmlns:a16="http://schemas.microsoft.com/office/drawing/2014/main" id="{289791F0-4344-2EE5-12BC-21C3CA700382}"/>
+              </a:ext>
+            </a:extLst>
+          </p:cNvPr>
+          <p:cNvSpPr txBox="1"/>
+          <p:nvPr/>
+        </p:nvSpPr>
+        <p:spPr>
+          <a:xfrm>
+            <a:off x="1161648" y="1640849"/>
+            <a:ext cx="1078437" cy="369332"/>
+          </a:xfrm>
+          <a:prstGeom prst="rect">
+            <a:avLst/>
+          </a:prstGeom>
+          <a:noFill/>
+        </p:spPr>
+        <p:txBody>
+          <a:bodyPr wrap="none" rtlCol="0">
+            <a:spAutoFit/>
+          </a:bodyPr>
+          <a:lstStyle/>
+          <a:p>
+            <a:pPr algn="ctr"/>
+            <a:r>
+              <a:rPr lang="en-GB" dirty="0"/>
+              <a:t>button(3)</a:t>
+            </a:r>
+          </a:p>
+        </p:txBody>
+      </p:sp>
+      <p:sp>
+        <p:nvSpPr>
+          <p:cNvPr id="287" name="Oval 286">
+            <a:extLst>
+              <a:ext uri="{FF2B5EF4-FFF2-40B4-BE49-F238E27FC236}">
+                <a16:creationId xmlns:a16="http://schemas.microsoft.com/office/drawing/2014/main" id="{226CBC78-7C54-4D9B-8E34-EEBD543A1E49}"/>
+              </a:ext>
+            </a:extLst>
+          </p:cNvPr>
+          <p:cNvSpPr/>
+          <p:nvPr/>
+        </p:nvSpPr>
+        <p:spPr>
+          <a:xfrm>
+            <a:off x="6322566" y="4705866"/>
+            <a:ext cx="398268" cy="390172"/>
+          </a:xfrm>
+          <a:prstGeom prst="ellipse">
+            <a:avLst/>
+          </a:prstGeom>
+          <a:noFill/>
+          <a:ln w="38100">
+            <a:solidFill>
+              <a:srgbClr val="FF0000"/>
+            </a:solidFill>
+          </a:ln>
+        </p:spPr>
+        <p:style>
+          <a:lnRef idx="2">
+            <a:schemeClr val="accent1">
+              <a:shade val="15000"/>
+            </a:schemeClr>
+          </a:lnRef>
+          <a:fillRef idx="1">
+            <a:schemeClr val="accent1"/>
+          </a:fillRef>
+          <a:effectRef idx="0">
+            <a:schemeClr val="accent1"/>
+          </a:effectRef>
+          <a:fontRef idx="minor">
+            <a:schemeClr val="lt1"/>
+          </a:fontRef>
+        </p:style>
+        <p:txBody>
+          <a:bodyPr rtlCol="0" anchor="ctr"/>
+          <a:lstStyle/>
+          <a:p>
+            <a:pPr algn="ctr"/>
+            <a:endParaRPr lang="en-GB"/>
+          </a:p>
+        </p:txBody>
+      </p:sp>
+      <p:sp>
+        <p:nvSpPr>
+          <p:cNvPr id="288" name="TextBox 287">
+            <a:extLst>
+              <a:ext uri="{FF2B5EF4-FFF2-40B4-BE49-F238E27FC236}">
+                <a16:creationId xmlns:a16="http://schemas.microsoft.com/office/drawing/2014/main" id="{AF4DC5AA-8582-FEDC-B668-21C80D3A8ABF}"/>
+              </a:ext>
+            </a:extLst>
+          </p:cNvPr>
+          <p:cNvSpPr txBox="1"/>
+          <p:nvPr/>
+        </p:nvSpPr>
+        <p:spPr>
+          <a:xfrm>
+            <a:off x="6511649" y="5068970"/>
+            <a:ext cx="2863694" cy="646331"/>
+          </a:xfrm>
+          <a:prstGeom prst="rect">
+            <a:avLst/>
+          </a:prstGeom>
+          <a:noFill/>
+        </p:spPr>
+        <p:txBody>
+          <a:bodyPr wrap="square" rtlCol="0">
+            <a:spAutoFit/>
+          </a:bodyPr>
+          <a:lstStyle/>
+          <a:p>
+            <a:r>
+              <a:rPr lang="en-GB" dirty="0">
+                <a:solidFill>
+                  <a:srgbClr val="FF0000"/>
+                </a:solidFill>
+              </a:rPr>
+              <a:t>Provides synchronisation between ends. Not realistic!</a:t>
+            </a:r>
+          </a:p>
+        </p:txBody>
+      </p:sp>
+    </p:spTree>
+    <p:extLst>
+      <p:ext uri="{BB962C8B-B14F-4D97-AF65-F5344CB8AC3E}">
+        <p14:creationId xmlns:p14="http://schemas.microsoft.com/office/powerpoint/2010/main" val="2571275078"/>
+      </p:ext>
+    </p:extLst>
+  </p:cSld>
+  <p:clrMapOvr>
+    <a:masterClrMapping/>
+  </p:clrMapOvr>
+</p:sld>
+</file>
+
 <file path=ppt/theme/theme1.xml><?xml version="1.0" encoding="utf-8"?>
 <a:theme xmlns:a="http://schemas.openxmlformats.org/drawingml/2006/main" name="Office Theme">
   <a:themeElements>
